--- a/Food-Aid.pptx
+++ b/Food-Aid.pptx
@@ -2,7 +2,7 @@
 <file path=ppt/presentation.xml><?xml version="1.0" encoding="utf-8"?>
 <p:presentation xmlns:a="http://schemas.openxmlformats.org/drawingml/2006/main" xmlns:r="http://schemas.openxmlformats.org/officeDocument/2006/relationships" xmlns:p="http://schemas.openxmlformats.org/presentationml/2006/main" saveSubsetFonts="1">
   <p:sldMasterIdLst>
-    <p:sldMasterId id="2147483726" r:id="rId1"/>
+    <p:sldMasterId id="2147483744" r:id="rId1"/>
   </p:sldMasterIdLst>
   <p:sldIdLst>
     <p:sldId id="256" r:id="rId2"/>
@@ -135,7 +135,7 @@
 </file>
 
 <file path=ppt/slideLayouts/slideLayout1.xml><?xml version="1.0" encoding="utf-8"?>
-<p:sldLayout xmlns:a="http://schemas.openxmlformats.org/drawingml/2006/main" xmlns:r="http://schemas.openxmlformats.org/officeDocument/2006/relationships" xmlns:p="http://schemas.openxmlformats.org/presentationml/2006/main" type="title" preserve="1">
+<p:sldLayout xmlns:a="http://schemas.openxmlformats.org/drawingml/2006/main" xmlns:r="http://schemas.openxmlformats.org/officeDocument/2006/relationships" xmlns:p="http://schemas.openxmlformats.org/presentationml/2006/main" showMasterSp="0" type="title" preserve="1">
   <p:cSld name="Diapositiva de título">
     <p:spTree>
       <p:nvGrpSpPr>
@@ -151,6 +151,536 @@
           <a:chExt cx="0" cy="0"/>
         </a:xfrm>
       </p:grpSpPr>
+      <p:grpSp>
+        <p:nvGrpSpPr>
+          <p:cNvPr id="7" name="Group 6"/>
+          <p:cNvGrpSpPr/>
+          <p:nvPr/>
+        </p:nvGrpSpPr>
+        <p:grpSpPr>
+          <a:xfrm>
+            <a:off x="0" y="-8467"/>
+            <a:ext cx="12192000" cy="6866467"/>
+            <a:chOff x="0" y="-8467"/>
+            <a:chExt cx="12192000" cy="6866467"/>
+          </a:xfrm>
+        </p:grpSpPr>
+        <p:cxnSp>
+          <p:nvCxnSpPr>
+            <p:cNvPr id="32" name="Straight Connector 31"/>
+            <p:cNvCxnSpPr/>
+            <p:nvPr/>
+          </p:nvCxnSpPr>
+          <p:spPr>
+            <a:xfrm>
+              <a:off x="9371012" y="0"/>
+              <a:ext cx="1219200" cy="6858000"/>
+            </a:xfrm>
+            <a:prstGeom prst="line">
+              <a:avLst/>
+            </a:prstGeom>
+            <a:ln w="9525">
+              <a:solidFill>
+                <a:schemeClr val="bg1">
+                  <a:lumMod val="75000"/>
+                </a:schemeClr>
+              </a:solidFill>
+            </a:ln>
+          </p:spPr>
+          <p:style>
+            <a:lnRef idx="2">
+              <a:schemeClr val="accent1"/>
+            </a:lnRef>
+            <a:fillRef idx="0">
+              <a:schemeClr val="accent1"/>
+            </a:fillRef>
+            <a:effectRef idx="1">
+              <a:schemeClr val="accent1"/>
+            </a:effectRef>
+            <a:fontRef idx="minor">
+              <a:schemeClr val="tx1"/>
+            </a:fontRef>
+          </p:style>
+        </p:cxnSp>
+        <p:cxnSp>
+          <p:nvCxnSpPr>
+            <p:cNvPr id="21" name="Straight Connector 20"/>
+            <p:cNvCxnSpPr/>
+            <p:nvPr/>
+          </p:nvCxnSpPr>
+          <p:spPr>
+            <a:xfrm flipH="1">
+              <a:off x="7425267" y="3681413"/>
+              <a:ext cx="4763558" cy="3176587"/>
+            </a:xfrm>
+            <a:prstGeom prst="line">
+              <a:avLst/>
+            </a:prstGeom>
+            <a:ln w="9525">
+              <a:solidFill>
+                <a:schemeClr val="bg1">
+                  <a:lumMod val="85000"/>
+                </a:schemeClr>
+              </a:solidFill>
+            </a:ln>
+          </p:spPr>
+          <p:style>
+            <a:lnRef idx="2">
+              <a:schemeClr val="accent1"/>
+            </a:lnRef>
+            <a:fillRef idx="0">
+              <a:schemeClr val="accent1"/>
+            </a:fillRef>
+            <a:effectRef idx="1">
+              <a:schemeClr val="accent1"/>
+            </a:effectRef>
+            <a:fontRef idx="minor">
+              <a:schemeClr val="tx1"/>
+            </a:fontRef>
+          </p:style>
+        </p:cxnSp>
+        <p:sp>
+          <p:nvSpPr>
+            <p:cNvPr id="24" name="Rectangle 23"/>
+            <p:cNvSpPr/>
+            <p:nvPr/>
+          </p:nvSpPr>
+          <p:spPr>
+            <a:xfrm>
+              <a:off x="9181476" y="-8467"/>
+              <a:ext cx="3007349" cy="6866467"/>
+            </a:xfrm>
+            <a:custGeom>
+              <a:avLst/>
+              <a:gdLst/>
+              <a:ahLst/>
+              <a:cxnLst/>
+              <a:rect l="l" t="t" r="r" b="b"/>
+              <a:pathLst>
+                <a:path w="3007349" h="6866467">
+                  <a:moveTo>
+                    <a:pt x="2045532" y="0"/>
+                  </a:moveTo>
+                  <a:lnTo>
+                    <a:pt x="3007349" y="0"/>
+                  </a:lnTo>
+                  <a:lnTo>
+                    <a:pt x="3007349" y="6866467"/>
+                  </a:lnTo>
+                  <a:lnTo>
+                    <a:pt x="0" y="6866467"/>
+                  </a:lnTo>
+                  <a:lnTo>
+                    <a:pt x="2045532" y="0"/>
+                  </a:lnTo>
+                  <a:close/>
+                </a:path>
+              </a:pathLst>
+            </a:custGeom>
+            <a:solidFill>
+              <a:schemeClr val="accent1">
+                <a:alpha val="30000"/>
+              </a:schemeClr>
+            </a:solidFill>
+            <a:ln>
+              <a:noFill/>
+            </a:ln>
+            <a:effectLst/>
+          </p:spPr>
+          <p:style>
+            <a:lnRef idx="1">
+              <a:schemeClr val="accent1"/>
+            </a:lnRef>
+            <a:fillRef idx="3">
+              <a:schemeClr val="accent1"/>
+            </a:fillRef>
+            <a:effectRef idx="2">
+              <a:schemeClr val="accent1"/>
+            </a:effectRef>
+            <a:fontRef idx="minor">
+              <a:schemeClr val="lt1"/>
+            </a:fontRef>
+          </p:style>
+        </p:sp>
+        <p:sp>
+          <p:nvSpPr>
+            <p:cNvPr id="26" name="Rectangle 25"/>
+            <p:cNvSpPr/>
+            <p:nvPr/>
+          </p:nvSpPr>
+          <p:spPr>
+            <a:xfrm>
+              <a:off x="9603442" y="-8467"/>
+              <a:ext cx="2588558" cy="6866467"/>
+            </a:xfrm>
+            <a:custGeom>
+              <a:avLst/>
+              <a:gdLst/>
+              <a:ahLst/>
+              <a:cxnLst/>
+              <a:rect l="l" t="t" r="r" b="b"/>
+              <a:pathLst>
+                <a:path w="2573311" h="6866467">
+                  <a:moveTo>
+                    <a:pt x="0" y="0"/>
+                  </a:moveTo>
+                  <a:lnTo>
+                    <a:pt x="2573311" y="0"/>
+                  </a:lnTo>
+                  <a:lnTo>
+                    <a:pt x="2573311" y="6866467"/>
+                  </a:lnTo>
+                  <a:lnTo>
+                    <a:pt x="1202336" y="6866467"/>
+                  </a:lnTo>
+                  <a:lnTo>
+                    <a:pt x="0" y="0"/>
+                  </a:lnTo>
+                  <a:close/>
+                </a:path>
+              </a:pathLst>
+            </a:custGeom>
+            <a:solidFill>
+              <a:schemeClr val="accent1">
+                <a:alpha val="20000"/>
+              </a:schemeClr>
+            </a:solidFill>
+            <a:ln>
+              <a:noFill/>
+            </a:ln>
+            <a:effectLst/>
+          </p:spPr>
+          <p:style>
+            <a:lnRef idx="1">
+              <a:schemeClr val="accent1"/>
+            </a:lnRef>
+            <a:fillRef idx="3">
+              <a:schemeClr val="accent1"/>
+            </a:fillRef>
+            <a:effectRef idx="2">
+              <a:schemeClr val="accent1"/>
+            </a:effectRef>
+            <a:fontRef idx="minor">
+              <a:schemeClr val="lt1"/>
+            </a:fontRef>
+          </p:style>
+        </p:sp>
+        <p:sp>
+          <p:nvSpPr>
+            <p:cNvPr id="27" name="Isosceles Triangle 26"/>
+            <p:cNvSpPr/>
+            <p:nvPr/>
+          </p:nvSpPr>
+          <p:spPr>
+            <a:xfrm>
+              <a:off x="8932333" y="3048000"/>
+              <a:ext cx="3259667" cy="3810000"/>
+            </a:xfrm>
+            <a:prstGeom prst="triangle">
+              <a:avLst>
+                <a:gd name="adj" fmla="val 100000"/>
+              </a:avLst>
+            </a:prstGeom>
+            <a:solidFill>
+              <a:schemeClr val="accent2">
+                <a:alpha val="72000"/>
+              </a:schemeClr>
+            </a:solidFill>
+            <a:ln>
+              <a:noFill/>
+            </a:ln>
+            <a:effectLst/>
+          </p:spPr>
+          <p:style>
+            <a:lnRef idx="1">
+              <a:schemeClr val="accent1"/>
+            </a:lnRef>
+            <a:fillRef idx="3">
+              <a:schemeClr val="accent1"/>
+            </a:fillRef>
+            <a:effectRef idx="2">
+              <a:schemeClr val="accent1"/>
+            </a:effectRef>
+            <a:fontRef idx="minor">
+              <a:schemeClr val="lt1"/>
+            </a:fontRef>
+          </p:style>
+        </p:sp>
+        <p:sp>
+          <p:nvSpPr>
+            <p:cNvPr id="28" name="Rectangle 27"/>
+            <p:cNvSpPr/>
+            <p:nvPr/>
+          </p:nvSpPr>
+          <p:spPr>
+            <a:xfrm>
+              <a:off x="9334500" y="-8467"/>
+              <a:ext cx="2854326" cy="6866467"/>
+            </a:xfrm>
+            <a:custGeom>
+              <a:avLst/>
+              <a:gdLst/>
+              <a:ahLst/>
+              <a:cxnLst/>
+              <a:rect l="l" t="t" r="r" b="b"/>
+              <a:pathLst>
+                <a:path w="2858013" h="6866467">
+                  <a:moveTo>
+                    <a:pt x="0" y="0"/>
+                  </a:moveTo>
+                  <a:lnTo>
+                    <a:pt x="2858013" y="0"/>
+                  </a:lnTo>
+                  <a:lnTo>
+                    <a:pt x="2858013" y="6866467"/>
+                  </a:lnTo>
+                  <a:lnTo>
+                    <a:pt x="2473942" y="6866467"/>
+                  </a:lnTo>
+                  <a:lnTo>
+                    <a:pt x="0" y="0"/>
+                  </a:lnTo>
+                  <a:close/>
+                </a:path>
+              </a:pathLst>
+            </a:custGeom>
+            <a:solidFill>
+              <a:schemeClr val="accent2">
+                <a:lumMod val="75000"/>
+                <a:alpha val="70000"/>
+              </a:schemeClr>
+            </a:solidFill>
+            <a:ln>
+              <a:noFill/>
+            </a:ln>
+            <a:effectLst/>
+          </p:spPr>
+          <p:style>
+            <a:lnRef idx="1">
+              <a:schemeClr val="accent1"/>
+            </a:lnRef>
+            <a:fillRef idx="3">
+              <a:schemeClr val="accent1"/>
+            </a:fillRef>
+            <a:effectRef idx="2">
+              <a:schemeClr val="accent1"/>
+            </a:effectRef>
+            <a:fontRef idx="minor">
+              <a:schemeClr val="lt1"/>
+            </a:fontRef>
+          </p:style>
+        </p:sp>
+        <p:sp>
+          <p:nvSpPr>
+            <p:cNvPr id="29" name="Rectangle 28"/>
+            <p:cNvSpPr/>
+            <p:nvPr/>
+          </p:nvSpPr>
+          <p:spPr>
+            <a:xfrm>
+              <a:off x="10898730" y="-8467"/>
+              <a:ext cx="1290094" cy="6866467"/>
+            </a:xfrm>
+            <a:custGeom>
+              <a:avLst/>
+              <a:gdLst/>
+              <a:ahLst/>
+              <a:cxnLst/>
+              <a:rect l="l" t="t" r="r" b="b"/>
+              <a:pathLst>
+                <a:path w="1290094" h="6858000">
+                  <a:moveTo>
+                    <a:pt x="1019735" y="0"/>
+                  </a:moveTo>
+                  <a:lnTo>
+                    <a:pt x="1290094" y="0"/>
+                  </a:lnTo>
+                  <a:lnTo>
+                    <a:pt x="1290094" y="6858000"/>
+                  </a:lnTo>
+                  <a:lnTo>
+                    <a:pt x="0" y="6858000"/>
+                  </a:lnTo>
+                  <a:lnTo>
+                    <a:pt x="1019735" y="0"/>
+                  </a:lnTo>
+                  <a:close/>
+                </a:path>
+              </a:pathLst>
+            </a:custGeom>
+            <a:solidFill>
+              <a:schemeClr val="accent1">
+                <a:lumMod val="60000"/>
+                <a:lumOff val="40000"/>
+                <a:alpha val="70000"/>
+              </a:schemeClr>
+            </a:solidFill>
+            <a:ln>
+              <a:noFill/>
+            </a:ln>
+            <a:effectLst/>
+          </p:spPr>
+          <p:style>
+            <a:lnRef idx="1">
+              <a:schemeClr val="accent1"/>
+            </a:lnRef>
+            <a:fillRef idx="3">
+              <a:schemeClr val="accent1"/>
+            </a:fillRef>
+            <a:effectRef idx="2">
+              <a:schemeClr val="accent1"/>
+            </a:effectRef>
+            <a:fontRef idx="minor">
+              <a:schemeClr val="lt1"/>
+            </a:fontRef>
+          </p:style>
+        </p:sp>
+        <p:sp>
+          <p:nvSpPr>
+            <p:cNvPr id="30" name="Rectangle 29"/>
+            <p:cNvSpPr/>
+            <p:nvPr/>
+          </p:nvSpPr>
+          <p:spPr>
+            <a:xfrm>
+              <a:off x="10938999" y="-8467"/>
+              <a:ext cx="1249825" cy="6866467"/>
+            </a:xfrm>
+            <a:custGeom>
+              <a:avLst/>
+              <a:gdLst/>
+              <a:ahLst/>
+              <a:cxnLst/>
+              <a:rect l="l" t="t" r="r" b="b"/>
+              <a:pathLst>
+                <a:path w="1249825" h="6858000">
+                  <a:moveTo>
+                    <a:pt x="0" y="0"/>
+                  </a:moveTo>
+                  <a:lnTo>
+                    <a:pt x="1249825" y="0"/>
+                  </a:lnTo>
+                  <a:lnTo>
+                    <a:pt x="1249825" y="6858000"/>
+                  </a:lnTo>
+                  <a:lnTo>
+                    <a:pt x="1109382" y="6858000"/>
+                  </a:lnTo>
+                  <a:lnTo>
+                    <a:pt x="0" y="0"/>
+                  </a:lnTo>
+                  <a:close/>
+                </a:path>
+              </a:pathLst>
+            </a:custGeom>
+            <a:solidFill>
+              <a:schemeClr val="accent1">
+                <a:alpha val="65000"/>
+              </a:schemeClr>
+            </a:solidFill>
+            <a:ln>
+              <a:noFill/>
+            </a:ln>
+            <a:effectLst/>
+          </p:spPr>
+          <p:style>
+            <a:lnRef idx="1">
+              <a:schemeClr val="accent1"/>
+            </a:lnRef>
+            <a:fillRef idx="3">
+              <a:schemeClr val="accent1"/>
+            </a:fillRef>
+            <a:effectRef idx="2">
+              <a:schemeClr val="accent1"/>
+            </a:effectRef>
+            <a:fontRef idx="minor">
+              <a:schemeClr val="lt1"/>
+            </a:fontRef>
+          </p:style>
+        </p:sp>
+        <p:sp>
+          <p:nvSpPr>
+            <p:cNvPr id="31" name="Isosceles Triangle 30"/>
+            <p:cNvSpPr/>
+            <p:nvPr/>
+          </p:nvSpPr>
+          <p:spPr>
+            <a:xfrm>
+              <a:off x="10371666" y="3589867"/>
+              <a:ext cx="1817159" cy="3268133"/>
+            </a:xfrm>
+            <a:prstGeom prst="triangle">
+              <a:avLst>
+                <a:gd name="adj" fmla="val 100000"/>
+              </a:avLst>
+            </a:prstGeom>
+            <a:solidFill>
+              <a:schemeClr val="accent1">
+                <a:alpha val="80000"/>
+              </a:schemeClr>
+            </a:solidFill>
+            <a:ln>
+              <a:noFill/>
+            </a:ln>
+            <a:effectLst/>
+          </p:spPr>
+          <p:style>
+            <a:lnRef idx="1">
+              <a:schemeClr val="accent1"/>
+            </a:lnRef>
+            <a:fillRef idx="3">
+              <a:schemeClr val="accent1"/>
+            </a:fillRef>
+            <a:effectRef idx="2">
+              <a:schemeClr val="accent1"/>
+            </a:effectRef>
+            <a:fontRef idx="minor">
+              <a:schemeClr val="lt1"/>
+            </a:fontRef>
+          </p:style>
+        </p:sp>
+        <p:sp>
+          <p:nvSpPr>
+            <p:cNvPr id="19" name="Isosceles Triangle 18"/>
+            <p:cNvSpPr/>
+            <p:nvPr/>
+          </p:nvSpPr>
+          <p:spPr>
+            <a:xfrm rot="10800000">
+              <a:off x="0" y="0"/>
+              <a:ext cx="842596" cy="5666154"/>
+            </a:xfrm>
+            <a:prstGeom prst="triangle">
+              <a:avLst>
+                <a:gd name="adj" fmla="val 100000"/>
+              </a:avLst>
+            </a:prstGeom>
+            <a:solidFill>
+              <a:schemeClr val="accent1">
+                <a:alpha val="85000"/>
+              </a:schemeClr>
+            </a:solidFill>
+            <a:ln>
+              <a:noFill/>
+            </a:ln>
+            <a:effectLst/>
+          </p:spPr>
+          <p:style>
+            <a:lnRef idx="1">
+              <a:schemeClr val="accent1"/>
+            </a:lnRef>
+            <a:fillRef idx="3">
+              <a:schemeClr val="accent1"/>
+            </a:fillRef>
+            <a:effectRef idx="2">
+              <a:schemeClr val="accent1"/>
+            </a:effectRef>
+            <a:fontRef idx="minor">
+              <a:schemeClr val="lt1"/>
+            </a:fontRef>
+          </p:style>
+        </p:sp>
+      </p:grpSp>
       <p:sp>
         <p:nvSpPr>
           <p:cNvPr id="2" name="Title 1"/>
@@ -163,48 +693,20 @@
         </p:nvSpPr>
         <p:spPr>
           <a:xfrm>
-            <a:off x="2209800" y="4464028"/>
-            <a:ext cx="9144000" cy="1641490"/>
+            <a:off x="1507067" y="2404534"/>
+            <a:ext cx="7766936" cy="1646302"/>
           </a:xfrm>
         </p:spPr>
         <p:txBody>
-          <a:bodyPr wrap="none" anchor="t">
-            <a:normAutofit/>
+          <a:bodyPr anchor="b">
+            <a:noAutofit/>
           </a:bodyPr>
           <a:lstStyle>
             <a:lvl1pPr algn="r">
-              <a:defRPr sz="9600" b="0" spc="-300">
-                <a:gradFill flip="none" rotWithShape="1">
-                  <a:gsLst>
-                    <a:gs pos="32000">
-                      <a:schemeClr val="tx1">
-                        <a:lumMod val="89000"/>
-                      </a:schemeClr>
-                    </a:gs>
-                    <a:gs pos="0">
-                      <a:schemeClr val="bg1">
-                        <a:lumMod val="41000"/>
-                        <a:lumOff val="59000"/>
-                      </a:schemeClr>
-                    </a:gs>
-                    <a:gs pos="100000">
-                      <a:schemeClr val="tx2">
-                        <a:lumMod val="0"/>
-                        <a:lumOff val="100000"/>
-                      </a:schemeClr>
-                    </a:gs>
-                  </a:gsLst>
-                  <a:lin ang="8100000" scaled="1"/>
-                  <a:tileRect/>
-                </a:gradFill>
-                <a:effectLst>
-                  <a:outerShdw blurRad="469900" dist="342900" dir="5400000" sy="-20000" rotWithShape="0">
-                    <a:prstClr val="black">
-                      <a:alpha val="66000"/>
-                    </a:prstClr>
-                  </a:outerShdw>
-                </a:effectLst>
-                <a:latin typeface="+mj-lt"/>
+              <a:defRPr sz="5400">
+                <a:solidFill>
+                  <a:schemeClr val="accent1"/>
+                </a:solidFill>
               </a:defRPr>
             </a:lvl1pPr>
           </a:lstStyle>
@@ -229,79 +731,103 @@
         </p:nvSpPr>
         <p:spPr>
           <a:xfrm>
-            <a:off x="2209799" y="3694375"/>
-            <a:ext cx="9144000" cy="754025"/>
+            <a:off x="1507067" y="4050833"/>
+            <a:ext cx="7766936" cy="1096899"/>
           </a:xfrm>
         </p:spPr>
         <p:txBody>
-          <a:bodyPr anchor="b">
-            <a:normAutofit/>
-          </a:bodyPr>
+          <a:bodyPr anchor="t"/>
           <a:lstStyle>
             <a:lvl1pPr marL="0" indent="0" algn="r">
               <a:buNone/>
-              <a:defRPr sz="3200" b="0">
-                <a:gradFill flip="none" rotWithShape="1">
-                  <a:gsLst>
-                    <a:gs pos="15000">
-                      <a:schemeClr val="tx2"/>
-                    </a:gs>
-                    <a:gs pos="73000">
-                      <a:schemeClr val="tx2">
-                        <a:lumMod val="60000"/>
-                        <a:lumOff val="40000"/>
-                      </a:schemeClr>
-                    </a:gs>
-                    <a:gs pos="0">
-                      <a:schemeClr val="tx2">
-                        <a:lumMod val="90000"/>
-                        <a:lumOff val="10000"/>
-                      </a:schemeClr>
-                    </a:gs>
-                    <a:gs pos="100000">
-                      <a:schemeClr val="tx2">
-                        <a:lumMod val="0"/>
-                        <a:lumOff val="100000"/>
-                      </a:schemeClr>
-                    </a:gs>
-                  </a:gsLst>
-                  <a:lin ang="16200000" scaled="1"/>
-                  <a:tileRect/>
-                </a:gradFill>
-                <a:latin typeface="+mj-lt"/>
+              <a:defRPr>
+                <a:solidFill>
+                  <a:schemeClr val="tx1">
+                    <a:lumMod val="50000"/>
+                    <a:lumOff val="50000"/>
+                  </a:schemeClr>
+                </a:solidFill>
               </a:defRPr>
             </a:lvl1pPr>
             <a:lvl2pPr marL="457200" indent="0" algn="ctr">
               <a:buNone/>
-              <a:defRPr sz="2000"/>
+              <a:defRPr>
+                <a:solidFill>
+                  <a:schemeClr val="tx1">
+                    <a:tint val="75000"/>
+                  </a:schemeClr>
+                </a:solidFill>
+              </a:defRPr>
             </a:lvl2pPr>
             <a:lvl3pPr marL="914400" indent="0" algn="ctr">
               <a:buNone/>
-              <a:defRPr sz="1800"/>
+              <a:defRPr>
+                <a:solidFill>
+                  <a:schemeClr val="tx1">
+                    <a:tint val="75000"/>
+                  </a:schemeClr>
+                </a:solidFill>
+              </a:defRPr>
             </a:lvl3pPr>
             <a:lvl4pPr marL="1371600" indent="0" algn="ctr">
               <a:buNone/>
-              <a:defRPr sz="1600"/>
+              <a:defRPr>
+                <a:solidFill>
+                  <a:schemeClr val="tx1">
+                    <a:tint val="75000"/>
+                  </a:schemeClr>
+                </a:solidFill>
+              </a:defRPr>
             </a:lvl4pPr>
             <a:lvl5pPr marL="1828800" indent="0" algn="ctr">
               <a:buNone/>
-              <a:defRPr sz="1600"/>
+              <a:defRPr>
+                <a:solidFill>
+                  <a:schemeClr val="tx1">
+                    <a:tint val="75000"/>
+                  </a:schemeClr>
+                </a:solidFill>
+              </a:defRPr>
             </a:lvl5pPr>
             <a:lvl6pPr marL="2286000" indent="0" algn="ctr">
               <a:buNone/>
-              <a:defRPr sz="1600"/>
+              <a:defRPr>
+                <a:solidFill>
+                  <a:schemeClr val="tx1">
+                    <a:tint val="75000"/>
+                  </a:schemeClr>
+                </a:solidFill>
+              </a:defRPr>
             </a:lvl6pPr>
             <a:lvl7pPr marL="2743200" indent="0" algn="ctr">
               <a:buNone/>
-              <a:defRPr sz="1600"/>
+              <a:defRPr>
+                <a:solidFill>
+                  <a:schemeClr val="tx1">
+                    <a:tint val="75000"/>
+                  </a:schemeClr>
+                </a:solidFill>
+              </a:defRPr>
             </a:lvl7pPr>
             <a:lvl8pPr marL="3200400" indent="0" algn="ctr">
               <a:buNone/>
-              <a:defRPr sz="1600"/>
+              <a:defRPr>
+                <a:solidFill>
+                  <a:schemeClr val="tx1">
+                    <a:tint val="75000"/>
+                  </a:schemeClr>
+                </a:solidFill>
+              </a:defRPr>
             </a:lvl8pPr>
             <a:lvl9pPr marL="3657600" indent="0" algn="ctr">
               <a:buNone/>
-              <a:defRPr sz="1600"/>
+              <a:defRPr>
+                <a:solidFill>
+                  <a:schemeClr val="tx1">
+                    <a:tint val="75000"/>
+                  </a:schemeClr>
+                </a:solidFill>
+              </a:defRPr>
             </a:lvl9pPr>
           </a:lstStyle>
           <a:p>
@@ -315,7 +841,7 @@
       </p:sp>
       <p:sp>
         <p:nvSpPr>
-          <p:cNvPr id="7" name="Date Placeholder 6"/>
+          <p:cNvPr id="4" name="Date Placeholder 3"/>
           <p:cNvSpPr>
             <a:spLocks noGrp="1"/>
           </p:cNvSpPr>
@@ -331,7 +857,7 @@
             <a:fld id="{0CBE8919-C854-473F-863C-B1864504E81A}" type="datetimeFigureOut">
               <a:rPr lang="es-CL" smtClean="0"/>
               <a:pPr/>
-              <a:t>25-09-2014</a:t>
+              <a:t>04-10-2014</a:t>
             </a:fld>
             <a:endParaRPr lang="es-CL"/>
           </a:p>
@@ -339,7 +865,7 @@
       </p:sp>
       <p:sp>
         <p:nvSpPr>
-          <p:cNvPr id="8" name="Footer Placeholder 7"/>
+          <p:cNvPr id="5" name="Footer Placeholder 4"/>
           <p:cNvSpPr>
             <a:spLocks noGrp="1"/>
           </p:cNvSpPr>
@@ -358,7 +884,7 @@
       </p:sp>
       <p:sp>
         <p:nvSpPr>
-          <p:cNvPr id="9" name="Slide Number Placeholder 8"/>
+          <p:cNvPr id="6" name="Slide Number Placeholder 5"/>
           <p:cNvSpPr>
             <a:spLocks noGrp="1"/>
           </p:cNvSpPr>
@@ -383,7 +909,7 @@
     </p:spTree>
     <p:extLst>
       <p:ext uri="{BB962C8B-B14F-4D97-AF65-F5344CB8AC3E}">
-        <p14:creationId xmlns:p14="http://schemas.microsoft.com/office/powerpoint/2010/main" val="1242532498"/>
+        <p14:creationId xmlns:p14="http://schemas.microsoft.com/office/powerpoint/2010/main" val="2688650098"/>
       </p:ext>
     </p:extLst>
   </p:cSld>
@@ -394,289 +920,6 @@
 </file>
 
 <file path=ppt/slideLayouts/slideLayout10.xml><?xml version="1.0" encoding="utf-8"?>
-<p:sldLayout xmlns:a="http://schemas.openxmlformats.org/drawingml/2006/main" xmlns:r="http://schemas.openxmlformats.org/officeDocument/2006/relationships" xmlns:p="http://schemas.openxmlformats.org/presentationml/2006/main" preserve="1">
-  <p:cSld name="Imagen panorámica con descripción">
-    <p:spTree>
-      <p:nvGrpSpPr>
-        <p:cNvPr id="1" name=""/>
-        <p:cNvGrpSpPr/>
-        <p:nvPr/>
-      </p:nvGrpSpPr>
-      <p:grpSpPr>
-        <a:xfrm>
-          <a:off x="0" y="0"/>
-          <a:ext cx="0" cy="0"/>
-          <a:chOff x="0" y="0"/>
-          <a:chExt cx="0" cy="0"/>
-        </a:xfrm>
-      </p:grpSpPr>
-      <p:sp>
-        <p:nvSpPr>
-          <p:cNvPr id="2" name="Title 1"/>
-          <p:cNvSpPr>
-            <a:spLocks noGrp="1"/>
-          </p:cNvSpPr>
-          <p:nvPr>
-            <p:ph type="title"/>
-          </p:nvPr>
-        </p:nvSpPr>
-        <p:spPr>
-          <a:xfrm>
-            <a:off x="839788" y="4367160"/>
-            <a:ext cx="10515600" cy="819355"/>
-          </a:xfrm>
-        </p:spPr>
-        <p:txBody>
-          <a:bodyPr anchor="b"/>
-          <a:lstStyle>
-            <a:lvl1pPr>
-              <a:defRPr sz="3200"/>
-            </a:lvl1pPr>
-          </a:lstStyle>
-          <a:p>
-            <a:r>
-              <a:rPr lang="es-ES" smtClean="0"/>
-              <a:t>Haga clic para modificar el estilo de título del patrón</a:t>
-            </a:r>
-            <a:endParaRPr lang="en-US" dirty="0"/>
-          </a:p>
-        </p:txBody>
-      </p:sp>
-      <p:sp>
-        <p:nvSpPr>
-          <p:cNvPr id="3" name="Picture Placeholder 2"/>
-          <p:cNvSpPr>
-            <a:spLocks noGrp="1" noChangeAspect="1"/>
-          </p:cNvSpPr>
-          <p:nvPr>
-            <p:ph type="pic" idx="1"/>
-          </p:nvPr>
-        </p:nvSpPr>
-        <p:spPr>
-          <a:xfrm>
-            <a:off x="839788" y="987425"/>
-            <a:ext cx="10515600" cy="3379735"/>
-          </a:xfrm>
-        </p:spPr>
-        <p:txBody>
-          <a:bodyPr anchor="t"/>
-          <a:lstStyle>
-            <a:lvl1pPr marL="0" indent="0">
-              <a:buNone/>
-              <a:defRPr sz="3200"/>
-            </a:lvl1pPr>
-            <a:lvl2pPr marL="457200" indent="0">
-              <a:buNone/>
-              <a:defRPr sz="2800"/>
-            </a:lvl2pPr>
-            <a:lvl3pPr marL="914400" indent="0">
-              <a:buNone/>
-              <a:defRPr sz="2400"/>
-            </a:lvl3pPr>
-            <a:lvl4pPr marL="1371600" indent="0">
-              <a:buNone/>
-              <a:defRPr sz="2000"/>
-            </a:lvl4pPr>
-            <a:lvl5pPr marL="1828800" indent="0">
-              <a:buNone/>
-              <a:defRPr sz="2000"/>
-            </a:lvl5pPr>
-            <a:lvl6pPr marL="2286000" indent="0">
-              <a:buNone/>
-              <a:defRPr sz="2000"/>
-            </a:lvl6pPr>
-            <a:lvl7pPr marL="2743200" indent="0">
-              <a:buNone/>
-              <a:defRPr sz="2000"/>
-            </a:lvl7pPr>
-            <a:lvl8pPr marL="3200400" indent="0">
-              <a:buNone/>
-              <a:defRPr sz="2000"/>
-            </a:lvl8pPr>
-            <a:lvl9pPr marL="3657600" indent="0">
-              <a:buNone/>
-              <a:defRPr sz="2000"/>
-            </a:lvl9pPr>
-          </a:lstStyle>
-          <a:p>
-            <a:r>
-              <a:rPr lang="es-ES" smtClean="0"/>
-              <a:t>Haga clic en el icono para agregar una imagen</a:t>
-            </a:r>
-            <a:endParaRPr lang="en-US" dirty="0"/>
-          </a:p>
-        </p:txBody>
-      </p:sp>
-      <p:sp>
-        <p:nvSpPr>
-          <p:cNvPr id="4" name="Text Placeholder 3"/>
-          <p:cNvSpPr>
-            <a:spLocks noGrp="1"/>
-          </p:cNvSpPr>
-          <p:nvPr>
-            <p:ph type="body" sz="half" idx="2"/>
-          </p:nvPr>
-        </p:nvSpPr>
-        <p:spPr>
-          <a:xfrm>
-            <a:off x="839788" y="5186516"/>
-            <a:ext cx="10514012" cy="682472"/>
-          </a:xfrm>
-        </p:spPr>
-        <p:txBody>
-          <a:bodyPr/>
-          <a:lstStyle>
-            <a:lvl1pPr marL="0" indent="0">
-              <a:buNone/>
-              <a:defRPr sz="1600">
-                <a:gradFill>
-                  <a:gsLst>
-                    <a:gs pos="15000">
-                      <a:schemeClr val="tx2"/>
-                    </a:gs>
-                    <a:gs pos="73000">
-                      <a:schemeClr val="tx2">
-                        <a:lumMod val="60000"/>
-                        <a:lumOff val="40000"/>
-                      </a:schemeClr>
-                    </a:gs>
-                    <a:gs pos="0">
-                      <a:schemeClr val="tx1"/>
-                    </a:gs>
-                    <a:gs pos="100000">
-                      <a:schemeClr val="tx2">
-                        <a:lumMod val="0"/>
-                        <a:lumOff val="100000"/>
-                      </a:schemeClr>
-                    </a:gs>
-                  </a:gsLst>
-                  <a:lin ang="16200000" scaled="1"/>
-                </a:gradFill>
-              </a:defRPr>
-            </a:lvl1pPr>
-            <a:lvl2pPr marL="457200" indent="0">
-              <a:buNone/>
-              <a:defRPr sz="1400"/>
-            </a:lvl2pPr>
-            <a:lvl3pPr marL="914400" indent="0">
-              <a:buNone/>
-              <a:defRPr sz="1200"/>
-            </a:lvl3pPr>
-            <a:lvl4pPr marL="1371600" indent="0">
-              <a:buNone/>
-              <a:defRPr sz="1000"/>
-            </a:lvl4pPr>
-            <a:lvl5pPr marL="1828800" indent="0">
-              <a:buNone/>
-              <a:defRPr sz="1000"/>
-            </a:lvl5pPr>
-            <a:lvl6pPr marL="2286000" indent="0">
-              <a:buNone/>
-              <a:defRPr sz="1000"/>
-            </a:lvl6pPr>
-            <a:lvl7pPr marL="2743200" indent="0">
-              <a:buNone/>
-              <a:defRPr sz="1000"/>
-            </a:lvl7pPr>
-            <a:lvl8pPr marL="3200400" indent="0">
-              <a:buNone/>
-              <a:defRPr sz="1000"/>
-            </a:lvl8pPr>
-            <a:lvl9pPr marL="3657600" indent="0">
-              <a:buNone/>
-              <a:defRPr sz="1000"/>
-            </a:lvl9pPr>
-          </a:lstStyle>
-          <a:p>
-            <a:pPr lvl="0"/>
-            <a:r>
-              <a:rPr lang="es-ES" smtClean="0"/>
-              <a:t>Haga clic para modificar el estilo de texto del patrón</a:t>
-            </a:r>
-          </a:p>
-        </p:txBody>
-      </p:sp>
-      <p:sp>
-        <p:nvSpPr>
-          <p:cNvPr id="5" name="Date Placeholder 4"/>
-          <p:cNvSpPr>
-            <a:spLocks noGrp="1"/>
-          </p:cNvSpPr>
-          <p:nvPr>
-            <p:ph type="dt" sz="half" idx="10"/>
-          </p:nvPr>
-        </p:nvSpPr>
-        <p:spPr/>
-        <p:txBody>
-          <a:bodyPr/>
-          <a:lstStyle/>
-          <a:p>
-            <a:fld id="{0CBE8919-C854-473F-863C-B1864504E81A}" type="datetimeFigureOut">
-              <a:rPr lang="es-CL" smtClean="0"/>
-              <a:pPr/>
-              <a:t>25-09-2014</a:t>
-            </a:fld>
-            <a:endParaRPr lang="es-CL"/>
-          </a:p>
-        </p:txBody>
-      </p:sp>
-      <p:sp>
-        <p:nvSpPr>
-          <p:cNvPr id="6" name="Footer Placeholder 5"/>
-          <p:cNvSpPr>
-            <a:spLocks noGrp="1"/>
-          </p:cNvSpPr>
-          <p:nvPr>
-            <p:ph type="ftr" sz="quarter" idx="11"/>
-          </p:nvPr>
-        </p:nvSpPr>
-        <p:spPr/>
-        <p:txBody>
-          <a:bodyPr/>
-          <a:lstStyle/>
-          <a:p>
-            <a:endParaRPr lang="es-CL"/>
-          </a:p>
-        </p:txBody>
-      </p:sp>
-      <p:sp>
-        <p:nvSpPr>
-          <p:cNvPr id="7" name="Slide Number Placeholder 6"/>
-          <p:cNvSpPr>
-            <a:spLocks noGrp="1"/>
-          </p:cNvSpPr>
-          <p:nvPr>
-            <p:ph type="sldNum" sz="quarter" idx="12"/>
-          </p:nvPr>
-        </p:nvSpPr>
-        <p:spPr/>
-        <p:txBody>
-          <a:bodyPr/>
-          <a:lstStyle/>
-          <a:p>
-            <a:fld id="{541E98F8-2370-44B3-B177-237D8934FAF8}" type="slidenum">
-              <a:rPr lang="es-CL" smtClean="0"/>
-              <a:pPr/>
-              <a:t>‹Nº›</a:t>
-            </a:fld>
-            <a:endParaRPr lang="es-CL"/>
-          </a:p>
-        </p:txBody>
-      </p:sp>
-    </p:spTree>
-    <p:extLst>
-      <p:ext uri="{BB962C8B-B14F-4D97-AF65-F5344CB8AC3E}">
-        <p14:creationId xmlns:p14="http://schemas.microsoft.com/office/powerpoint/2010/main" val="2307033290"/>
-      </p:ext>
-    </p:extLst>
-  </p:cSld>
-  <p:clrMapOvr>
-    <a:masterClrMapping/>
-  </p:clrMapOvr>
-</p:sldLayout>
-</file>
-
-<file path=ppt/slideLayouts/slideLayout11.xml><?xml version="1.0" encoding="utf-8"?>
 <p:sldLayout xmlns:a="http://schemas.openxmlformats.org/drawingml/2006/main" xmlns:r="http://schemas.openxmlformats.org/officeDocument/2006/relationships" xmlns:p="http://schemas.openxmlformats.org/presentationml/2006/main" preserve="1">
   <p:cSld name="Título y descripción">
     <p:spTree>
@@ -705,15 +948,17 @@
         </p:nvSpPr>
         <p:spPr>
           <a:xfrm>
-            <a:off x="839788" y="365125"/>
-            <a:ext cx="10515600" cy="3534344"/>
+            <a:off x="677335" y="609600"/>
+            <a:ext cx="8596668" cy="3403600"/>
           </a:xfrm>
         </p:spPr>
         <p:txBody>
-          <a:bodyPr anchor="ctr"/>
+          <a:bodyPr anchor="ctr">
+            <a:normAutofit/>
+          </a:bodyPr>
           <a:lstStyle>
-            <a:lvl1pPr>
-              <a:defRPr sz="3200"/>
+            <a:lvl1pPr algn="l">
+              <a:defRPr sz="4400" b="0" cap="none"/>
             </a:lvl1pPr>
           </a:lstStyle>
           <a:p>
@@ -727,58 +972,115 @@
       </p:sp>
       <p:sp>
         <p:nvSpPr>
-          <p:cNvPr id="4" name="Text Placeholder 3"/>
-          <p:cNvSpPr>
-            <a:spLocks noGrp="1"/>
-          </p:cNvSpPr>
-          <p:nvPr>
-            <p:ph type="body" sz="half" idx="2"/>
+          <p:cNvPr id="3" name="Text Placeholder 2"/>
+          <p:cNvSpPr>
+            <a:spLocks noGrp="1"/>
+          </p:cNvSpPr>
+          <p:nvPr>
+            <p:ph type="body" idx="1"/>
           </p:nvPr>
         </p:nvSpPr>
         <p:spPr>
           <a:xfrm>
-            <a:off x="839788" y="4489399"/>
-            <a:ext cx="10514012" cy="1501826"/>
+            <a:off x="677335" y="4470400"/>
+            <a:ext cx="8596668" cy="1570962"/>
           </a:xfrm>
         </p:spPr>
         <p:txBody>
-          <a:bodyPr anchor="ctr"/>
+          <a:bodyPr anchor="ctr">
+            <a:normAutofit/>
+          </a:bodyPr>
           <a:lstStyle>
-            <a:lvl1pPr marL="0" indent="0">
-              <a:buNone/>
-              <a:defRPr sz="1600"/>
+            <a:lvl1pPr marL="0" indent="0" algn="l">
+              <a:buNone/>
+              <a:defRPr sz="1800">
+                <a:solidFill>
+                  <a:schemeClr val="tx1">
+                    <a:lumMod val="75000"/>
+                    <a:lumOff val="25000"/>
+                  </a:schemeClr>
+                </a:solidFill>
+              </a:defRPr>
             </a:lvl1pPr>
             <a:lvl2pPr marL="457200" indent="0">
               <a:buNone/>
-              <a:defRPr sz="1400"/>
+              <a:defRPr sz="1800">
+                <a:solidFill>
+                  <a:schemeClr val="tx1">
+                    <a:tint val="75000"/>
+                  </a:schemeClr>
+                </a:solidFill>
+              </a:defRPr>
             </a:lvl2pPr>
             <a:lvl3pPr marL="914400" indent="0">
               <a:buNone/>
-              <a:defRPr sz="1200"/>
+              <a:defRPr sz="1600">
+                <a:solidFill>
+                  <a:schemeClr val="tx1">
+                    <a:tint val="75000"/>
+                  </a:schemeClr>
+                </a:solidFill>
+              </a:defRPr>
             </a:lvl3pPr>
             <a:lvl4pPr marL="1371600" indent="0">
               <a:buNone/>
-              <a:defRPr sz="1000"/>
+              <a:defRPr sz="1400">
+                <a:solidFill>
+                  <a:schemeClr val="tx1">
+                    <a:tint val="75000"/>
+                  </a:schemeClr>
+                </a:solidFill>
+              </a:defRPr>
             </a:lvl4pPr>
             <a:lvl5pPr marL="1828800" indent="0">
               <a:buNone/>
-              <a:defRPr sz="1000"/>
+              <a:defRPr sz="1400">
+                <a:solidFill>
+                  <a:schemeClr val="tx1">
+                    <a:tint val="75000"/>
+                  </a:schemeClr>
+                </a:solidFill>
+              </a:defRPr>
             </a:lvl5pPr>
             <a:lvl6pPr marL="2286000" indent="0">
               <a:buNone/>
-              <a:defRPr sz="1000"/>
+              <a:defRPr sz="1400">
+                <a:solidFill>
+                  <a:schemeClr val="tx1">
+                    <a:tint val="75000"/>
+                  </a:schemeClr>
+                </a:solidFill>
+              </a:defRPr>
             </a:lvl6pPr>
             <a:lvl7pPr marL="2743200" indent="0">
               <a:buNone/>
-              <a:defRPr sz="1000"/>
+              <a:defRPr sz="1400">
+                <a:solidFill>
+                  <a:schemeClr val="tx1">
+                    <a:tint val="75000"/>
+                  </a:schemeClr>
+                </a:solidFill>
+              </a:defRPr>
             </a:lvl7pPr>
             <a:lvl8pPr marL="3200400" indent="0">
               <a:buNone/>
-              <a:defRPr sz="1000"/>
+              <a:defRPr sz="1400">
+                <a:solidFill>
+                  <a:schemeClr val="tx1">
+                    <a:tint val="75000"/>
+                  </a:schemeClr>
+                </a:solidFill>
+              </a:defRPr>
             </a:lvl8pPr>
             <a:lvl9pPr marL="3657600" indent="0">
               <a:buNone/>
-              <a:defRPr sz="1000"/>
+              <a:defRPr sz="1400">
+                <a:solidFill>
+                  <a:schemeClr val="tx1">
+                    <a:tint val="75000"/>
+                  </a:schemeClr>
+                </a:solidFill>
+              </a:defRPr>
             </a:lvl9pPr>
           </a:lstStyle>
           <a:p>
@@ -792,7 +1094,7 @@
       </p:sp>
       <p:sp>
         <p:nvSpPr>
-          <p:cNvPr id="5" name="Date Placeholder 4"/>
+          <p:cNvPr id="4" name="Date Placeholder 3"/>
           <p:cNvSpPr>
             <a:spLocks noGrp="1"/>
           </p:cNvSpPr>
@@ -808,7 +1110,7 @@
             <a:fld id="{0CBE8919-C854-473F-863C-B1864504E81A}" type="datetimeFigureOut">
               <a:rPr lang="es-CL" smtClean="0"/>
               <a:pPr/>
-              <a:t>25-09-2014</a:t>
+              <a:t>04-10-2014</a:t>
             </a:fld>
             <a:endParaRPr lang="es-CL"/>
           </a:p>
@@ -816,7 +1118,7 @@
       </p:sp>
       <p:sp>
         <p:nvSpPr>
-          <p:cNvPr id="6" name="Footer Placeholder 5"/>
+          <p:cNvPr id="5" name="Footer Placeholder 4"/>
           <p:cNvSpPr>
             <a:spLocks noGrp="1"/>
           </p:cNvSpPr>
@@ -835,7 +1137,7 @@
       </p:sp>
       <p:sp>
         <p:nvSpPr>
-          <p:cNvPr id="7" name="Slide Number Placeholder 6"/>
+          <p:cNvPr id="6" name="Slide Number Placeholder 5"/>
           <p:cNvSpPr>
             <a:spLocks noGrp="1"/>
           </p:cNvSpPr>
@@ -860,7 +1162,7 @@
     </p:spTree>
     <p:extLst>
       <p:ext uri="{BB962C8B-B14F-4D97-AF65-F5344CB8AC3E}">
-        <p14:creationId xmlns:p14="http://schemas.microsoft.com/office/powerpoint/2010/main" val="3482915156"/>
+        <p14:creationId xmlns:p14="http://schemas.microsoft.com/office/powerpoint/2010/main" val="873580323"/>
       </p:ext>
     </p:extLst>
   </p:cSld>
@@ -870,7 +1172,7 @@
 </p:sldLayout>
 </file>
 
-<file path=ppt/slideLayouts/slideLayout12.xml><?xml version="1.0" encoding="utf-8"?>
+<file path=ppt/slideLayouts/slideLayout11.xml><?xml version="1.0" encoding="utf-8"?>
 <p:sldLayout xmlns:a="http://schemas.openxmlformats.org/drawingml/2006/main" xmlns:r="http://schemas.openxmlformats.org/officeDocument/2006/relationships" xmlns:p="http://schemas.openxmlformats.org/presentationml/2006/main" preserve="1">
   <p:cSld name="Cita con descripción">
     <p:spTree>
@@ -899,107 +1201,8 @@
         </p:nvSpPr>
         <p:spPr>
           <a:xfrm>
-            <a:off x="1446212" y="365125"/>
-            <a:ext cx="9302752" cy="2992904"/>
-          </a:xfrm>
-        </p:spPr>
-        <p:txBody>
-          <a:bodyPr anchor="ctr"/>
-          <a:lstStyle>
-            <a:lvl1pPr>
-              <a:defRPr sz="4400"/>
-            </a:lvl1pPr>
-          </a:lstStyle>
-          <a:p>
-            <a:r>
-              <a:rPr lang="es-ES" smtClean="0"/>
-              <a:t>Haga clic para modificar el estilo de título del patrón</a:t>
-            </a:r>
-            <a:endParaRPr lang="en-US" dirty="0"/>
-          </a:p>
-        </p:txBody>
-      </p:sp>
-      <p:sp>
-        <p:nvSpPr>
-          <p:cNvPr id="12" name="Text Placeholder 3"/>
-          <p:cNvSpPr>
-            <a:spLocks noGrp="1"/>
-          </p:cNvSpPr>
-          <p:nvPr>
-            <p:ph type="body" sz="half" idx="13"/>
-          </p:nvPr>
-        </p:nvSpPr>
-        <p:spPr>
-          <a:xfrm>
-            <a:off x="1720644" y="3365557"/>
-            <a:ext cx="8752299" cy="548968"/>
-          </a:xfrm>
-        </p:spPr>
-        <p:txBody>
-          <a:bodyPr anchor="t">
-            <a:normAutofit/>
-          </a:bodyPr>
-          <a:lstStyle>
-            <a:lvl1pPr marL="0" indent="0">
-              <a:buNone/>
-              <a:defRPr sz="1400"/>
-            </a:lvl1pPr>
-            <a:lvl2pPr marL="457200" indent="0">
-              <a:buNone/>
-              <a:defRPr sz="1400"/>
-            </a:lvl2pPr>
-            <a:lvl3pPr marL="914400" indent="0">
-              <a:buNone/>
-              <a:defRPr sz="1200"/>
-            </a:lvl3pPr>
-            <a:lvl4pPr marL="1371600" indent="0">
-              <a:buNone/>
-              <a:defRPr sz="1000"/>
-            </a:lvl4pPr>
-            <a:lvl5pPr marL="1828800" indent="0">
-              <a:buNone/>
-              <a:defRPr sz="1000"/>
-            </a:lvl5pPr>
-            <a:lvl6pPr marL="2286000" indent="0">
-              <a:buNone/>
-              <a:defRPr sz="1000"/>
-            </a:lvl6pPr>
-            <a:lvl7pPr marL="2743200" indent="0">
-              <a:buNone/>
-              <a:defRPr sz="1000"/>
-            </a:lvl7pPr>
-            <a:lvl8pPr marL="3200400" indent="0">
-              <a:buNone/>
-              <a:defRPr sz="1000"/>
-            </a:lvl8pPr>
-            <a:lvl9pPr marL="3657600" indent="0">
-              <a:buNone/>
-              <a:defRPr sz="1000"/>
-            </a:lvl9pPr>
-          </a:lstStyle>
-          <a:p>
-            <a:pPr lvl="0"/>
-            <a:r>
-              <a:rPr lang="es-ES" smtClean="0"/>
-              <a:t>Haga clic para modificar el estilo de texto del patrón</a:t>
-            </a:r>
-          </a:p>
-        </p:txBody>
-      </p:sp>
-      <p:sp>
-        <p:nvSpPr>
-          <p:cNvPr id="4" name="Text Placeholder 3"/>
-          <p:cNvSpPr>
-            <a:spLocks noGrp="1"/>
-          </p:cNvSpPr>
-          <p:nvPr>
-            <p:ph type="body" sz="half" idx="2"/>
-          </p:nvPr>
-        </p:nvSpPr>
-        <p:spPr>
-          <a:xfrm>
-            <a:off x="838200" y="4501729"/>
-            <a:ext cx="10512424" cy="1489496"/>
+            <a:off x="931334" y="609600"/>
+            <a:ext cx="8094134" cy="3022600"/>
           </a:xfrm>
         </p:spPr>
         <p:txBody>
@@ -1007,41 +1210,193 @@
             <a:normAutofit/>
           </a:bodyPr>
           <a:lstStyle>
+            <a:lvl1pPr algn="l">
+              <a:defRPr sz="4400" b="0" cap="none"/>
+            </a:lvl1pPr>
+          </a:lstStyle>
+          <a:p>
+            <a:r>
+              <a:rPr lang="es-ES" smtClean="0"/>
+              <a:t>Haga clic para modificar el estilo de título del patrón</a:t>
+            </a:r>
+            <a:endParaRPr lang="en-US" dirty="0"/>
+          </a:p>
+        </p:txBody>
+      </p:sp>
+      <p:sp>
+        <p:nvSpPr>
+          <p:cNvPr id="23" name="Text Placeholder 9"/>
+          <p:cNvSpPr>
+            <a:spLocks noGrp="1"/>
+          </p:cNvSpPr>
+          <p:nvPr>
+            <p:ph type="body" sz="quarter" idx="13"/>
+          </p:nvPr>
+        </p:nvSpPr>
+        <p:spPr>
+          <a:xfrm>
+            <a:off x="1366139" y="3632200"/>
+            <a:ext cx="7224524" cy="381000"/>
+          </a:xfrm>
+        </p:spPr>
+        <p:txBody>
+          <a:bodyPr anchor="ctr">
+            <a:noAutofit/>
+          </a:bodyPr>
+          <a:lstStyle>
             <a:lvl1pPr marL="0" indent="0">
-              <a:buNone/>
-              <a:defRPr sz="1600"/>
+              <a:buFontTx/>
+              <a:buNone/>
+              <a:defRPr sz="1600">
+                <a:solidFill>
+                  <a:schemeClr val="tx1">
+                    <a:lumMod val="50000"/>
+                    <a:lumOff val="50000"/>
+                  </a:schemeClr>
+                </a:solidFill>
+              </a:defRPr>
             </a:lvl1pPr>
             <a:lvl2pPr marL="457200" indent="0">
-              <a:buNone/>
-              <a:defRPr sz="1400"/>
+              <a:buFontTx/>
+              <a:buNone/>
+              <a:defRPr/>
             </a:lvl2pPr>
             <a:lvl3pPr marL="914400" indent="0">
-              <a:buNone/>
-              <a:defRPr sz="1200"/>
+              <a:buFontTx/>
+              <a:buNone/>
+              <a:defRPr/>
             </a:lvl3pPr>
             <a:lvl4pPr marL="1371600" indent="0">
-              <a:buNone/>
-              <a:defRPr sz="1000"/>
+              <a:buFontTx/>
+              <a:buNone/>
+              <a:defRPr/>
             </a:lvl4pPr>
             <a:lvl5pPr marL="1828800" indent="0">
-              <a:buNone/>
-              <a:defRPr sz="1000"/>
+              <a:buFontTx/>
+              <a:buNone/>
+              <a:defRPr/>
+            </a:lvl5pPr>
+          </a:lstStyle>
+          <a:p>
+            <a:pPr lvl="0"/>
+            <a:r>
+              <a:rPr lang="es-ES" smtClean="0"/>
+              <a:t>Haga clic para modificar el estilo de texto del patrón</a:t>
+            </a:r>
+          </a:p>
+        </p:txBody>
+      </p:sp>
+      <p:sp>
+        <p:nvSpPr>
+          <p:cNvPr id="3" name="Text Placeholder 2"/>
+          <p:cNvSpPr>
+            <a:spLocks noGrp="1"/>
+          </p:cNvSpPr>
+          <p:nvPr>
+            <p:ph type="body" idx="1"/>
+          </p:nvPr>
+        </p:nvSpPr>
+        <p:spPr>
+          <a:xfrm>
+            <a:off x="677335" y="4470400"/>
+            <a:ext cx="8596668" cy="1570962"/>
+          </a:xfrm>
+        </p:spPr>
+        <p:txBody>
+          <a:bodyPr anchor="ctr">
+            <a:normAutofit/>
+          </a:bodyPr>
+          <a:lstStyle>
+            <a:lvl1pPr marL="0" indent="0" algn="l">
+              <a:buNone/>
+              <a:defRPr sz="1800">
+                <a:solidFill>
+                  <a:schemeClr val="tx1">
+                    <a:lumMod val="75000"/>
+                    <a:lumOff val="25000"/>
+                  </a:schemeClr>
+                </a:solidFill>
+              </a:defRPr>
+            </a:lvl1pPr>
+            <a:lvl2pPr marL="457200" indent="0">
+              <a:buNone/>
+              <a:defRPr sz="1800">
+                <a:solidFill>
+                  <a:schemeClr val="tx1">
+                    <a:tint val="75000"/>
+                  </a:schemeClr>
+                </a:solidFill>
+              </a:defRPr>
+            </a:lvl2pPr>
+            <a:lvl3pPr marL="914400" indent="0">
+              <a:buNone/>
+              <a:defRPr sz="1600">
+                <a:solidFill>
+                  <a:schemeClr val="tx1">
+                    <a:tint val="75000"/>
+                  </a:schemeClr>
+                </a:solidFill>
+              </a:defRPr>
+            </a:lvl3pPr>
+            <a:lvl4pPr marL="1371600" indent="0">
+              <a:buNone/>
+              <a:defRPr sz="1400">
+                <a:solidFill>
+                  <a:schemeClr val="tx1">
+                    <a:tint val="75000"/>
+                  </a:schemeClr>
+                </a:solidFill>
+              </a:defRPr>
+            </a:lvl4pPr>
+            <a:lvl5pPr marL="1828800" indent="0">
+              <a:buNone/>
+              <a:defRPr sz="1400">
+                <a:solidFill>
+                  <a:schemeClr val="tx1">
+                    <a:tint val="75000"/>
+                  </a:schemeClr>
+                </a:solidFill>
+              </a:defRPr>
             </a:lvl5pPr>
             <a:lvl6pPr marL="2286000" indent="0">
               <a:buNone/>
-              <a:defRPr sz="1000"/>
+              <a:defRPr sz="1400">
+                <a:solidFill>
+                  <a:schemeClr val="tx1">
+                    <a:tint val="75000"/>
+                  </a:schemeClr>
+                </a:solidFill>
+              </a:defRPr>
             </a:lvl6pPr>
             <a:lvl7pPr marL="2743200" indent="0">
               <a:buNone/>
-              <a:defRPr sz="1000"/>
+              <a:defRPr sz="1400">
+                <a:solidFill>
+                  <a:schemeClr val="tx1">
+                    <a:tint val="75000"/>
+                  </a:schemeClr>
+                </a:solidFill>
+              </a:defRPr>
             </a:lvl7pPr>
             <a:lvl8pPr marL="3200400" indent="0">
               <a:buNone/>
-              <a:defRPr sz="1000"/>
+              <a:defRPr sz="1400">
+                <a:solidFill>
+                  <a:schemeClr val="tx1">
+                    <a:tint val="75000"/>
+                  </a:schemeClr>
+                </a:solidFill>
+              </a:defRPr>
             </a:lvl8pPr>
             <a:lvl9pPr marL="3657600" indent="0">
               <a:buNone/>
-              <a:defRPr sz="1000"/>
+              <a:defRPr sz="1400">
+                <a:solidFill>
+                  <a:schemeClr val="tx1">
+                    <a:tint val="75000"/>
+                  </a:schemeClr>
+                </a:solidFill>
+              </a:defRPr>
             </a:lvl9pPr>
           </a:lstStyle>
           <a:p>
@@ -1055,7 +1410,7 @@
       </p:sp>
       <p:sp>
         <p:nvSpPr>
-          <p:cNvPr id="5" name="Date Placeholder 4"/>
+          <p:cNvPr id="4" name="Date Placeholder 3"/>
           <p:cNvSpPr>
             <a:spLocks noGrp="1"/>
           </p:cNvSpPr>
@@ -1071,7 +1426,7 @@
             <a:fld id="{0CBE8919-C854-473F-863C-B1864504E81A}" type="datetimeFigureOut">
               <a:rPr lang="es-CL" smtClean="0"/>
               <a:pPr/>
-              <a:t>25-09-2014</a:t>
+              <a:t>04-10-2014</a:t>
             </a:fld>
             <a:endParaRPr lang="es-CL"/>
           </a:p>
@@ -1079,7 +1434,7 @@
       </p:sp>
       <p:sp>
         <p:nvSpPr>
-          <p:cNvPr id="6" name="Footer Placeholder 5"/>
+          <p:cNvPr id="5" name="Footer Placeholder 4"/>
           <p:cNvSpPr>
             <a:spLocks noGrp="1"/>
           </p:cNvSpPr>
@@ -1098,7 +1453,7 @@
       </p:sp>
       <p:sp>
         <p:nvSpPr>
-          <p:cNvPr id="7" name="Slide Number Placeholder 6"/>
+          <p:cNvPr id="6" name="Slide Number Placeholder 5"/>
           <p:cNvSpPr>
             <a:spLocks noGrp="1"/>
           </p:cNvSpPr>
@@ -1122,13 +1477,13 @@
       </p:sp>
       <p:sp>
         <p:nvSpPr>
-          <p:cNvPr id="9" name="TextBox 8"/>
+          <p:cNvPr id="20" name="TextBox 19"/>
           <p:cNvSpPr txBox="1"/>
           <p:nvPr/>
         </p:nvSpPr>
         <p:spPr>
           <a:xfrm>
-            <a:off x="1111044" y="786824"/>
+            <a:off x="541870" y="790378"/>
             <a:ext cx="609600" cy="584776"/>
           </a:xfrm>
           <a:prstGeom prst="rect">
@@ -1139,97 +1494,22 @@
           <a:bodyPr vert="horz" lIns="91440" tIns="45720" rIns="91440" bIns="45720" rtlCol="0" anchor="ctr">
             <a:noAutofit/>
           </a:bodyPr>
-          <a:lstStyle>
-            <a:lvl1pPr>
-              <a:spcBef>
-                <a:spcPct val="0"/>
-              </a:spcBef>
-              <a:buNone/>
-              <a:defRPr sz="3200" b="0" cap="all">
+          <a:lstStyle/>
+          <a:p>
+            <a:pPr lvl="0"/>
+            <a:r>
+              <a:rPr lang="en-US" sz="8000" baseline="0" dirty="0">
                 <a:ln w="3175" cmpd="sng">
                   <a:noFill/>
                 </a:ln>
-                <a:effectLst>
-                  <a:glow rad="38100">
-                    <a:schemeClr val="bg1">
-                      <a:lumMod val="65000"/>
-                      <a:lumOff val="35000"/>
-                      <a:alpha val="40000"/>
-                    </a:schemeClr>
-                  </a:glow>
-                  <a:outerShdw blurRad="28575" dist="38100" dir="14040000" algn="tl" rotWithShape="0">
-                    <a:srgbClr val="000000">
-                      <a:alpha val="25000"/>
-                    </a:srgbClr>
-                  </a:outerShdw>
-                </a:effectLst>
-              </a:defRPr>
-            </a:lvl1pPr>
-            <a:lvl2pPr>
-              <a:defRPr>
                 <a:solidFill>
-                  <a:schemeClr val="tx2"/>
-                </a:solidFill>
-              </a:defRPr>
-            </a:lvl2pPr>
-            <a:lvl3pPr>
-              <a:defRPr>
-                <a:solidFill>
-                  <a:schemeClr val="tx2"/>
-                </a:solidFill>
-              </a:defRPr>
-            </a:lvl3pPr>
-            <a:lvl4pPr>
-              <a:defRPr>
-                <a:solidFill>
-                  <a:schemeClr val="tx2"/>
-                </a:solidFill>
-              </a:defRPr>
-            </a:lvl4pPr>
-            <a:lvl5pPr>
-              <a:defRPr>
-                <a:solidFill>
-                  <a:schemeClr val="tx2"/>
-                </a:solidFill>
-              </a:defRPr>
-            </a:lvl5pPr>
-            <a:lvl6pPr>
-              <a:defRPr>
-                <a:solidFill>
-                  <a:schemeClr val="tx2"/>
-                </a:solidFill>
-              </a:defRPr>
-            </a:lvl6pPr>
-            <a:lvl7pPr>
-              <a:defRPr>
-                <a:solidFill>
-                  <a:schemeClr val="tx2"/>
-                </a:solidFill>
-              </a:defRPr>
-            </a:lvl7pPr>
-            <a:lvl8pPr>
-              <a:defRPr>
-                <a:solidFill>
-                  <a:schemeClr val="tx2"/>
-                </a:solidFill>
-              </a:defRPr>
-            </a:lvl8pPr>
-            <a:lvl9pPr>
-              <a:defRPr>
-                <a:solidFill>
-                  <a:schemeClr val="tx2"/>
-                </a:solidFill>
-              </a:defRPr>
-            </a:lvl9pPr>
-          </a:lstStyle>
-          <a:p>
-            <a:pPr lvl="0"/>
-            <a:r>
-              <a:rPr lang="en-US" sz="8000" dirty="0">
-                <a:solidFill>
-                  <a:schemeClr val="tx1"/>
+                  <a:schemeClr val="accent1">
+                    <a:lumMod val="60000"/>
+                    <a:lumOff val="40000"/>
+                  </a:schemeClr>
                 </a:solidFill>
                 <a:effectLst/>
+                <a:latin typeface="Arial"/>
               </a:rPr>
               <a:t>“</a:t>
             </a:r>
@@ -1238,13 +1518,13 @@
       </p:sp>
       <p:sp>
         <p:nvSpPr>
-          <p:cNvPr id="10" name="TextBox 9"/>
+          <p:cNvPr id="22" name="TextBox 21"/>
           <p:cNvSpPr txBox="1"/>
           <p:nvPr/>
         </p:nvSpPr>
         <p:spPr>
           <a:xfrm>
-            <a:off x="10437812" y="2743200"/>
+            <a:off x="8893011" y="2886556"/>
             <a:ext cx="609600" cy="584776"/>
           </a:xfrm>
           <a:prstGeom prst="rect">
@@ -1255,107 +1535,40 @@
           <a:bodyPr vert="horz" lIns="91440" tIns="45720" rIns="91440" bIns="45720" rtlCol="0" anchor="ctr">
             <a:noAutofit/>
           </a:bodyPr>
-          <a:lstStyle>
-            <a:lvl1pPr>
-              <a:spcBef>
-                <a:spcPct val="0"/>
-              </a:spcBef>
-              <a:buNone/>
-              <a:defRPr sz="3200" b="0" cap="all">
+          <a:lstStyle/>
+          <a:p>
+            <a:pPr lvl="0"/>
+            <a:r>
+              <a:rPr lang="en-US" sz="8000" baseline="0" dirty="0">
                 <a:ln w="3175" cmpd="sng">
                   <a:noFill/>
                 </a:ln>
-                <a:effectLst>
-                  <a:glow rad="38100">
-                    <a:schemeClr val="bg1">
-                      <a:lumMod val="65000"/>
-                      <a:lumOff val="35000"/>
-                      <a:alpha val="40000"/>
-                    </a:schemeClr>
-                  </a:glow>
-                  <a:outerShdw blurRad="28575" dist="38100" dir="14040000" algn="tl" rotWithShape="0">
-                    <a:srgbClr val="000000">
-                      <a:alpha val="25000"/>
-                    </a:srgbClr>
-                  </a:outerShdw>
-                </a:effectLst>
-              </a:defRPr>
-            </a:lvl1pPr>
-            <a:lvl2pPr>
-              <a:defRPr>
                 <a:solidFill>
-                  <a:schemeClr val="tx2"/>
+                  <a:schemeClr val="accent1">
+                    <a:lumMod val="60000"/>
+                    <a:lumOff val="40000"/>
+                  </a:schemeClr>
                 </a:solidFill>
-              </a:defRPr>
-            </a:lvl2pPr>
-            <a:lvl3pPr>
-              <a:defRPr>
-                <a:solidFill>
-                  <a:schemeClr val="tx2"/>
-                </a:solidFill>
-              </a:defRPr>
-            </a:lvl3pPr>
-            <a:lvl4pPr>
-              <a:defRPr>
-                <a:solidFill>
-                  <a:schemeClr val="tx2"/>
-                </a:solidFill>
-              </a:defRPr>
-            </a:lvl4pPr>
-            <a:lvl5pPr>
-              <a:defRPr>
-                <a:solidFill>
-                  <a:schemeClr val="tx2"/>
-                </a:solidFill>
-              </a:defRPr>
-            </a:lvl5pPr>
-            <a:lvl6pPr>
-              <a:defRPr>
-                <a:solidFill>
-                  <a:schemeClr val="tx2"/>
-                </a:solidFill>
-              </a:defRPr>
-            </a:lvl6pPr>
-            <a:lvl7pPr>
-              <a:defRPr>
-                <a:solidFill>
-                  <a:schemeClr val="tx2"/>
-                </a:solidFill>
-              </a:defRPr>
-            </a:lvl7pPr>
-            <a:lvl8pPr>
-              <a:defRPr>
-                <a:solidFill>
-                  <a:schemeClr val="tx2"/>
-                </a:solidFill>
-              </a:defRPr>
-            </a:lvl8pPr>
-            <a:lvl9pPr>
-              <a:defRPr>
-                <a:solidFill>
-                  <a:schemeClr val="tx2"/>
-                </a:solidFill>
-              </a:defRPr>
-            </a:lvl9pPr>
-          </a:lstStyle>
-          <a:p>
-            <a:pPr lvl="0" algn="r"/>
-            <a:r>
-              <a:rPr lang="en-US" sz="8000" dirty="0">
-                <a:solidFill>
-                  <a:schemeClr val="tx1"/>
-                </a:solidFill>
-                <a:effectLst/>
+                <a:latin typeface="Arial"/>
               </a:rPr>
               <a:t>”</a:t>
             </a:r>
+            <a:endParaRPr lang="en-US" dirty="0">
+              <a:solidFill>
+                <a:schemeClr val="accent1">
+                  <a:lumMod val="60000"/>
+                  <a:lumOff val="40000"/>
+                </a:schemeClr>
+              </a:solidFill>
+              <a:latin typeface="Arial"/>
+            </a:endParaRPr>
           </a:p>
         </p:txBody>
       </p:sp>
     </p:spTree>
     <p:extLst>
       <p:ext uri="{BB962C8B-B14F-4D97-AF65-F5344CB8AC3E}">
-        <p14:creationId xmlns:p14="http://schemas.microsoft.com/office/powerpoint/2010/main" val="2973286227"/>
+        <p14:creationId xmlns:p14="http://schemas.microsoft.com/office/powerpoint/2010/main" val="2059882876"/>
       </p:ext>
     </p:extLst>
   </p:cSld>
@@ -1365,7 +1578,7 @@
 </p:sldLayout>
 </file>
 
-<file path=ppt/slideLayouts/slideLayout13.xml><?xml version="1.0" encoding="utf-8"?>
+<file path=ppt/slideLayouts/slideLayout12.xml><?xml version="1.0" encoding="utf-8"?>
 <p:sldLayout xmlns:a="http://schemas.openxmlformats.org/drawingml/2006/main" xmlns:r="http://schemas.openxmlformats.org/officeDocument/2006/relationships" xmlns:p="http://schemas.openxmlformats.org/presentationml/2006/main" preserve="1">
   <p:cSld name="Tarjeta de nombre">
     <p:spTree>
@@ -1394,8 +1607,8 @@
         </p:nvSpPr>
         <p:spPr>
           <a:xfrm>
-            <a:off x="839788" y="2326967"/>
-            <a:ext cx="10515600" cy="2511835"/>
+            <a:off x="677335" y="1931988"/>
+            <a:ext cx="8596668" cy="2595460"/>
           </a:xfrm>
         </p:spPr>
         <p:txBody>
@@ -1403,8 +1616,8 @@
             <a:normAutofit/>
           </a:bodyPr>
           <a:lstStyle>
-            <a:lvl1pPr>
-              <a:defRPr sz="5400"/>
+            <a:lvl1pPr algn="l">
+              <a:defRPr sz="4400" b="0" cap="none"/>
             </a:lvl1pPr>
           </a:lstStyle>
           <a:p>
@@ -1418,58 +1631,115 @@
       </p:sp>
       <p:sp>
         <p:nvSpPr>
-          <p:cNvPr id="4" name="Text Placeholder 3"/>
-          <p:cNvSpPr>
-            <a:spLocks noGrp="1"/>
-          </p:cNvSpPr>
-          <p:nvPr>
-            <p:ph type="body" sz="half" idx="2"/>
+          <p:cNvPr id="3" name="Text Placeholder 2"/>
+          <p:cNvSpPr>
+            <a:spLocks noGrp="1"/>
+          </p:cNvSpPr>
+          <p:nvPr>
+            <p:ph type="body" idx="1"/>
           </p:nvPr>
         </p:nvSpPr>
         <p:spPr>
           <a:xfrm>
-            <a:off x="839788" y="4850581"/>
-            <a:ext cx="10514012" cy="1140644"/>
+            <a:off x="677335" y="4527448"/>
+            <a:ext cx="8596668" cy="1513914"/>
           </a:xfrm>
         </p:spPr>
         <p:txBody>
-          <a:bodyPr anchor="t"/>
+          <a:bodyPr anchor="t">
+            <a:normAutofit/>
+          </a:bodyPr>
           <a:lstStyle>
-            <a:lvl1pPr marL="0" indent="0">
-              <a:buNone/>
-              <a:defRPr sz="1600"/>
+            <a:lvl1pPr marL="0" indent="0" algn="l">
+              <a:buNone/>
+              <a:defRPr sz="1800">
+                <a:solidFill>
+                  <a:schemeClr val="tx1">
+                    <a:lumMod val="75000"/>
+                    <a:lumOff val="25000"/>
+                  </a:schemeClr>
+                </a:solidFill>
+              </a:defRPr>
             </a:lvl1pPr>
             <a:lvl2pPr marL="457200" indent="0">
               <a:buNone/>
-              <a:defRPr sz="1400"/>
+              <a:defRPr sz="1800">
+                <a:solidFill>
+                  <a:schemeClr val="tx1">
+                    <a:tint val="75000"/>
+                  </a:schemeClr>
+                </a:solidFill>
+              </a:defRPr>
             </a:lvl2pPr>
             <a:lvl3pPr marL="914400" indent="0">
               <a:buNone/>
-              <a:defRPr sz="1200"/>
+              <a:defRPr sz="1600">
+                <a:solidFill>
+                  <a:schemeClr val="tx1">
+                    <a:tint val="75000"/>
+                  </a:schemeClr>
+                </a:solidFill>
+              </a:defRPr>
             </a:lvl3pPr>
             <a:lvl4pPr marL="1371600" indent="0">
               <a:buNone/>
-              <a:defRPr sz="1000"/>
+              <a:defRPr sz="1400">
+                <a:solidFill>
+                  <a:schemeClr val="tx1">
+                    <a:tint val="75000"/>
+                  </a:schemeClr>
+                </a:solidFill>
+              </a:defRPr>
             </a:lvl4pPr>
             <a:lvl5pPr marL="1828800" indent="0">
               <a:buNone/>
-              <a:defRPr sz="1000"/>
+              <a:defRPr sz="1400">
+                <a:solidFill>
+                  <a:schemeClr val="tx1">
+                    <a:tint val="75000"/>
+                  </a:schemeClr>
+                </a:solidFill>
+              </a:defRPr>
             </a:lvl5pPr>
             <a:lvl6pPr marL="2286000" indent="0">
               <a:buNone/>
-              <a:defRPr sz="1000"/>
+              <a:defRPr sz="1400">
+                <a:solidFill>
+                  <a:schemeClr val="tx1">
+                    <a:tint val="75000"/>
+                  </a:schemeClr>
+                </a:solidFill>
+              </a:defRPr>
             </a:lvl6pPr>
             <a:lvl7pPr marL="2743200" indent="0">
               <a:buNone/>
-              <a:defRPr sz="1000"/>
+              <a:defRPr sz="1400">
+                <a:solidFill>
+                  <a:schemeClr val="tx1">
+                    <a:tint val="75000"/>
+                  </a:schemeClr>
+                </a:solidFill>
+              </a:defRPr>
             </a:lvl7pPr>
             <a:lvl8pPr marL="3200400" indent="0">
               <a:buNone/>
-              <a:defRPr sz="1000"/>
+              <a:defRPr sz="1400">
+                <a:solidFill>
+                  <a:schemeClr val="tx1">
+                    <a:tint val="75000"/>
+                  </a:schemeClr>
+                </a:solidFill>
+              </a:defRPr>
             </a:lvl8pPr>
             <a:lvl9pPr marL="3657600" indent="0">
               <a:buNone/>
-              <a:defRPr sz="1000"/>
+              <a:defRPr sz="1400">
+                <a:solidFill>
+                  <a:schemeClr val="tx1">
+                    <a:tint val="75000"/>
+                  </a:schemeClr>
+                </a:solidFill>
+              </a:defRPr>
             </a:lvl9pPr>
           </a:lstStyle>
           <a:p>
@@ -1483,7 +1753,7 @@
       </p:sp>
       <p:sp>
         <p:nvSpPr>
-          <p:cNvPr id="5" name="Date Placeholder 4"/>
+          <p:cNvPr id="4" name="Date Placeholder 3"/>
           <p:cNvSpPr>
             <a:spLocks noGrp="1"/>
           </p:cNvSpPr>
@@ -1499,7 +1769,7 @@
             <a:fld id="{0CBE8919-C854-473F-863C-B1864504E81A}" type="datetimeFigureOut">
               <a:rPr lang="es-CL" smtClean="0"/>
               <a:pPr/>
-              <a:t>25-09-2014</a:t>
+              <a:t>04-10-2014</a:t>
             </a:fld>
             <a:endParaRPr lang="es-CL"/>
           </a:p>
@@ -1507,7 +1777,7 @@
       </p:sp>
       <p:sp>
         <p:nvSpPr>
-          <p:cNvPr id="6" name="Footer Placeholder 5"/>
+          <p:cNvPr id="5" name="Footer Placeholder 4"/>
           <p:cNvSpPr>
             <a:spLocks noGrp="1"/>
           </p:cNvSpPr>
@@ -1526,7 +1796,7 @@
       </p:sp>
       <p:sp>
         <p:nvSpPr>
-          <p:cNvPr id="7" name="Slide Number Placeholder 6"/>
+          <p:cNvPr id="6" name="Slide Number Placeholder 5"/>
           <p:cNvSpPr>
             <a:spLocks noGrp="1"/>
           </p:cNvSpPr>
@@ -1551,7 +1821,7 @@
     </p:spTree>
     <p:extLst>
       <p:ext uri="{BB962C8B-B14F-4D97-AF65-F5344CB8AC3E}">
-        <p14:creationId xmlns:p14="http://schemas.microsoft.com/office/powerpoint/2010/main" val="707005706"/>
+        <p14:creationId xmlns:p14="http://schemas.microsoft.com/office/powerpoint/2010/main" val="338141549"/>
       </p:ext>
     </p:extLst>
   </p:cSld>
@@ -1561,9 +1831,9 @@
 </p:sldLayout>
 </file>
 
-<file path=ppt/slideLayouts/slideLayout14.xml><?xml version="1.0" encoding="utf-8"?>
+<file path=ppt/slideLayouts/slideLayout13.xml><?xml version="1.0" encoding="utf-8"?>
 <p:sldLayout xmlns:a="http://schemas.openxmlformats.org/drawingml/2006/main" xmlns:r="http://schemas.openxmlformats.org/officeDocument/2006/relationships" xmlns:p="http://schemas.openxmlformats.org/presentationml/2006/main" preserve="1">
-  <p:cSld name="Columna 3">
+  <p:cSld name="Citar la tarjeta de nombre">
     <p:spTree>
       <p:nvGrpSpPr>
         <p:cNvPr id="1" name=""/>
@@ -1580,7 +1850,7 @@
       </p:grpSpPr>
       <p:sp>
         <p:nvSpPr>
-          <p:cNvPr id="15" name="Title 1"/>
+          <p:cNvPr id="2" name="Title 1"/>
           <p:cNvSpPr>
             <a:spLocks noGrp="1"/>
           </p:cNvSpPr>
@@ -1590,13 +1860,19 @@
         </p:nvSpPr>
         <p:spPr>
           <a:xfrm>
-            <a:off x="838200" y="365125"/>
-            <a:ext cx="10515600" cy="1325563"/>
+            <a:off x="931334" y="609600"/>
+            <a:ext cx="8094134" cy="3022600"/>
           </a:xfrm>
         </p:spPr>
         <p:txBody>
-          <a:bodyPr/>
-          <a:lstStyle/>
+          <a:bodyPr anchor="ctr">
+            <a:normAutofit/>
+          </a:bodyPr>
+          <a:lstStyle>
+            <a:lvl1pPr algn="l">
+              <a:defRPr sz="4400" b="0" cap="none"/>
+            </a:lvl1pPr>
+          </a:lstStyle>
           <a:p>
             <a:r>
               <a:rPr lang="es-ES" smtClean="0"/>
@@ -1608,18 +1884,18 @@
       </p:sp>
       <p:sp>
         <p:nvSpPr>
-          <p:cNvPr id="7" name="Text Placeholder 2"/>
-          <p:cNvSpPr>
-            <a:spLocks noGrp="1"/>
-          </p:cNvSpPr>
-          <p:nvPr>
-            <p:ph type="body" idx="1"/>
+          <p:cNvPr id="23" name="Text Placeholder 9"/>
+          <p:cNvSpPr>
+            <a:spLocks noGrp="1"/>
+          </p:cNvSpPr>
+          <p:nvPr>
+            <p:ph type="body" sz="quarter" idx="13"/>
           </p:nvPr>
         </p:nvSpPr>
         <p:spPr>
           <a:xfrm>
-            <a:off x="1337282" y="1885950"/>
-            <a:ext cx="2946866" cy="576262"/>
+            <a:off x="677332" y="4013200"/>
+            <a:ext cx="8596669" cy="514248"/>
           </a:xfrm>
         </p:spPr>
         <p:txBody>
@@ -1628,68 +1904,37 @@
           </a:bodyPr>
           <a:lstStyle>
             <a:lvl1pPr marL="0" indent="0">
-              <a:buNone/>
-              <a:defRPr sz="2400" b="0">
-                <a:gradFill>
-                  <a:gsLst>
-                    <a:gs pos="15000">
-                      <a:schemeClr val="tx2"/>
-                    </a:gs>
-                    <a:gs pos="73000">
-                      <a:schemeClr val="tx2">
-                        <a:lumMod val="60000"/>
-                        <a:lumOff val="40000"/>
-                      </a:schemeClr>
-                    </a:gs>
-                    <a:gs pos="0">
-                      <a:schemeClr val="tx2">
-                        <a:lumMod val="90000"/>
-                        <a:lumOff val="10000"/>
-                      </a:schemeClr>
-                    </a:gs>
-                    <a:gs pos="100000">
-                      <a:schemeClr val="tx2">
-                        <a:lumMod val="0"/>
-                        <a:lumOff val="100000"/>
-                      </a:schemeClr>
-                    </a:gs>
-                  </a:gsLst>
-                  <a:lin ang="16200000" scaled="1"/>
-                </a:gradFill>
+              <a:buFontTx/>
+              <a:buNone/>
+              <a:defRPr sz="2400">
+                <a:solidFill>
+                  <a:schemeClr val="tx1">
+                    <a:lumMod val="75000"/>
+                    <a:lumOff val="25000"/>
+                  </a:schemeClr>
+                </a:solidFill>
               </a:defRPr>
             </a:lvl1pPr>
             <a:lvl2pPr marL="457200" indent="0">
-              <a:buNone/>
-              <a:defRPr sz="2000" b="1"/>
+              <a:buFontTx/>
+              <a:buNone/>
+              <a:defRPr/>
             </a:lvl2pPr>
             <a:lvl3pPr marL="914400" indent="0">
-              <a:buNone/>
-              <a:defRPr sz="1800" b="1"/>
+              <a:buFontTx/>
+              <a:buNone/>
+              <a:defRPr/>
             </a:lvl3pPr>
             <a:lvl4pPr marL="1371600" indent="0">
-              <a:buNone/>
-              <a:defRPr sz="1600" b="1"/>
+              <a:buFontTx/>
+              <a:buNone/>
+              <a:defRPr/>
             </a:lvl4pPr>
             <a:lvl5pPr marL="1828800" indent="0">
-              <a:buNone/>
-              <a:defRPr sz="1600" b="1"/>
+              <a:buFontTx/>
+              <a:buNone/>
+              <a:defRPr/>
             </a:lvl5pPr>
-            <a:lvl6pPr marL="2286000" indent="0">
-              <a:buNone/>
-              <a:defRPr sz="1600" b="1"/>
-            </a:lvl6pPr>
-            <a:lvl7pPr marL="2743200" indent="0">
-              <a:buNone/>
-              <a:defRPr sz="1600" b="1"/>
-            </a:lvl7pPr>
-            <a:lvl8pPr marL="3200400" indent="0">
-              <a:buNone/>
-              <a:defRPr sz="1600" b="1"/>
-            </a:lvl8pPr>
-            <a:lvl9pPr marL="3657600" indent="0">
-              <a:buNone/>
-              <a:defRPr sz="1600" b="1"/>
-            </a:lvl9pPr>
           </a:lstStyle>
           <a:p>
             <a:pPr lvl="0"/>
@@ -1702,18 +1947,18 @@
       </p:sp>
       <p:sp>
         <p:nvSpPr>
-          <p:cNvPr id="8" name="Text Placeholder 3"/>
-          <p:cNvSpPr>
-            <a:spLocks noGrp="1"/>
-          </p:cNvSpPr>
-          <p:nvPr>
-            <p:ph type="body" sz="half" idx="15"/>
+          <p:cNvPr id="3" name="Text Placeholder 2"/>
+          <p:cNvSpPr>
+            <a:spLocks noGrp="1"/>
+          </p:cNvSpPr>
+          <p:nvPr>
+            <p:ph type="body" idx="1"/>
           </p:nvPr>
         </p:nvSpPr>
         <p:spPr>
           <a:xfrm>
-            <a:off x="1356798" y="2571750"/>
-            <a:ext cx="2927350" cy="3589338"/>
+            <a:off x="677335" y="4527448"/>
+            <a:ext cx="8596668" cy="1513914"/>
           </a:xfrm>
         </p:spPr>
         <p:txBody>
@@ -1721,41 +1966,96 @@
             <a:normAutofit/>
           </a:bodyPr>
           <a:lstStyle>
-            <a:lvl1pPr marL="0" indent="0">
-              <a:buNone/>
-              <a:defRPr sz="1400"/>
+            <a:lvl1pPr marL="0" indent="0" algn="l">
+              <a:buNone/>
+              <a:defRPr sz="1800">
+                <a:solidFill>
+                  <a:schemeClr val="tx1">
+                    <a:lumMod val="50000"/>
+                    <a:lumOff val="50000"/>
+                  </a:schemeClr>
+                </a:solidFill>
+              </a:defRPr>
             </a:lvl1pPr>
             <a:lvl2pPr marL="457200" indent="0">
               <a:buNone/>
-              <a:defRPr sz="1200"/>
+              <a:defRPr sz="1800">
+                <a:solidFill>
+                  <a:schemeClr val="tx1">
+                    <a:tint val="75000"/>
+                  </a:schemeClr>
+                </a:solidFill>
+              </a:defRPr>
             </a:lvl2pPr>
             <a:lvl3pPr marL="914400" indent="0">
               <a:buNone/>
-              <a:defRPr sz="1000"/>
+              <a:defRPr sz="1600">
+                <a:solidFill>
+                  <a:schemeClr val="tx1">
+                    <a:tint val="75000"/>
+                  </a:schemeClr>
+                </a:solidFill>
+              </a:defRPr>
             </a:lvl3pPr>
             <a:lvl4pPr marL="1371600" indent="0">
               <a:buNone/>
-              <a:defRPr sz="900"/>
+              <a:defRPr sz="1400">
+                <a:solidFill>
+                  <a:schemeClr val="tx1">
+                    <a:tint val="75000"/>
+                  </a:schemeClr>
+                </a:solidFill>
+              </a:defRPr>
             </a:lvl4pPr>
             <a:lvl5pPr marL="1828800" indent="0">
               <a:buNone/>
-              <a:defRPr sz="900"/>
+              <a:defRPr sz="1400">
+                <a:solidFill>
+                  <a:schemeClr val="tx1">
+                    <a:tint val="75000"/>
+                  </a:schemeClr>
+                </a:solidFill>
+              </a:defRPr>
             </a:lvl5pPr>
             <a:lvl6pPr marL="2286000" indent="0">
               <a:buNone/>
-              <a:defRPr sz="900"/>
+              <a:defRPr sz="1400">
+                <a:solidFill>
+                  <a:schemeClr val="tx1">
+                    <a:tint val="75000"/>
+                  </a:schemeClr>
+                </a:solidFill>
+              </a:defRPr>
             </a:lvl6pPr>
             <a:lvl7pPr marL="2743200" indent="0">
               <a:buNone/>
-              <a:defRPr sz="900"/>
+              <a:defRPr sz="1400">
+                <a:solidFill>
+                  <a:schemeClr val="tx1">
+                    <a:tint val="75000"/>
+                  </a:schemeClr>
+                </a:solidFill>
+              </a:defRPr>
             </a:lvl7pPr>
             <a:lvl8pPr marL="3200400" indent="0">
               <a:buNone/>
-              <a:defRPr sz="900"/>
+              <a:defRPr sz="1400">
+                <a:solidFill>
+                  <a:schemeClr val="tx1">
+                    <a:tint val="75000"/>
+                  </a:schemeClr>
+                </a:solidFill>
+              </a:defRPr>
             </a:lvl8pPr>
             <a:lvl9pPr marL="3657600" indent="0">
               <a:buNone/>
-              <a:defRPr sz="900"/>
+              <a:defRPr sz="1400">
+                <a:solidFill>
+                  <a:schemeClr val="tx1">
+                    <a:tint val="75000"/>
+                  </a:schemeClr>
+                </a:solidFill>
+              </a:defRPr>
             </a:lvl9pPr>
           </a:lstStyle>
           <a:p>
@@ -1769,269 +2069,7 @@
       </p:sp>
       <p:sp>
         <p:nvSpPr>
-          <p:cNvPr id="9" name="Text Placeholder 4"/>
-          <p:cNvSpPr>
-            <a:spLocks noGrp="1"/>
-          </p:cNvSpPr>
-          <p:nvPr>
-            <p:ph type="body" sz="quarter" idx="3"/>
-          </p:nvPr>
-        </p:nvSpPr>
-        <p:spPr>
-          <a:xfrm>
-            <a:off x="4587994" y="1885950"/>
-            <a:ext cx="2936241" cy="576262"/>
-          </a:xfrm>
-        </p:spPr>
-        <p:txBody>
-          <a:bodyPr vert="horz" lIns="91440" tIns="45720" rIns="91440" bIns="45720" rtlCol="0" anchor="b">
-            <a:noAutofit/>
-          </a:bodyPr>
-          <a:lstStyle>
-            <a:lvl1pPr>
-              <a:buNone/>
-              <a:defRPr lang="en-US" sz="2400" b="0">
-                <a:gradFill>
-                  <a:gsLst>
-                    <a:gs pos="15000">
-                      <a:schemeClr val="tx2"/>
-                    </a:gs>
-                    <a:gs pos="73000">
-                      <a:schemeClr val="tx2">
-                        <a:lumMod val="60000"/>
-                        <a:lumOff val="40000"/>
-                      </a:schemeClr>
-                    </a:gs>
-                    <a:gs pos="0">
-                      <a:schemeClr val="tx2">
-                        <a:lumMod val="90000"/>
-                        <a:lumOff val="10000"/>
-                      </a:schemeClr>
-                    </a:gs>
-                    <a:gs pos="100000">
-                      <a:schemeClr val="tx2">
-                        <a:lumMod val="0"/>
-                        <a:lumOff val="100000"/>
-                      </a:schemeClr>
-                    </a:gs>
-                  </a:gsLst>
-                  <a:lin ang="16200000" scaled="1"/>
-                </a:gradFill>
-              </a:defRPr>
-            </a:lvl1pPr>
-          </a:lstStyle>
-          <a:p>
-            <a:pPr marL="0" lvl="0" indent="0">
-              <a:buNone/>
-            </a:pPr>
-            <a:r>
-              <a:rPr lang="es-ES" smtClean="0"/>
-              <a:t>Haga clic para modificar el estilo de texto del patrón</a:t>
-            </a:r>
-          </a:p>
-        </p:txBody>
-      </p:sp>
-      <p:sp>
-        <p:nvSpPr>
-          <p:cNvPr id="10" name="Text Placeholder 3"/>
-          <p:cNvSpPr>
-            <a:spLocks noGrp="1"/>
-          </p:cNvSpPr>
-          <p:nvPr>
-            <p:ph type="body" sz="half" idx="16"/>
-          </p:nvPr>
-        </p:nvSpPr>
-        <p:spPr>
-          <a:xfrm>
-            <a:off x="4577441" y="2571750"/>
-            <a:ext cx="2946794" cy="3589338"/>
-          </a:xfrm>
-        </p:spPr>
-        <p:txBody>
-          <a:bodyPr anchor="t">
-            <a:normAutofit/>
-          </a:bodyPr>
-          <a:lstStyle>
-            <a:lvl1pPr marL="0" indent="0">
-              <a:buNone/>
-              <a:defRPr sz="1400"/>
-            </a:lvl1pPr>
-            <a:lvl2pPr marL="457200" indent="0">
-              <a:buNone/>
-              <a:defRPr sz="1200"/>
-            </a:lvl2pPr>
-            <a:lvl3pPr marL="914400" indent="0">
-              <a:buNone/>
-              <a:defRPr sz="1000"/>
-            </a:lvl3pPr>
-            <a:lvl4pPr marL="1371600" indent="0">
-              <a:buNone/>
-              <a:defRPr sz="900"/>
-            </a:lvl4pPr>
-            <a:lvl5pPr marL="1828800" indent="0">
-              <a:buNone/>
-              <a:defRPr sz="900"/>
-            </a:lvl5pPr>
-            <a:lvl6pPr marL="2286000" indent="0">
-              <a:buNone/>
-              <a:defRPr sz="900"/>
-            </a:lvl6pPr>
-            <a:lvl7pPr marL="2743200" indent="0">
-              <a:buNone/>
-              <a:defRPr sz="900"/>
-            </a:lvl7pPr>
-            <a:lvl8pPr marL="3200400" indent="0">
-              <a:buNone/>
-              <a:defRPr sz="900"/>
-            </a:lvl8pPr>
-            <a:lvl9pPr marL="3657600" indent="0">
-              <a:buNone/>
-              <a:defRPr sz="900"/>
-            </a:lvl9pPr>
-          </a:lstStyle>
-          <a:p>
-            <a:pPr lvl="0"/>
-            <a:r>
-              <a:rPr lang="es-ES" smtClean="0"/>
-              <a:t>Haga clic para modificar el estilo de texto del patrón</a:t>
-            </a:r>
-          </a:p>
-        </p:txBody>
-      </p:sp>
-      <p:sp>
-        <p:nvSpPr>
-          <p:cNvPr id="11" name="Text Placeholder 4"/>
-          <p:cNvSpPr>
-            <a:spLocks noGrp="1"/>
-          </p:cNvSpPr>
-          <p:nvPr>
-            <p:ph type="body" sz="quarter" idx="13"/>
-          </p:nvPr>
-        </p:nvSpPr>
-        <p:spPr>
-          <a:xfrm>
-            <a:off x="7829035" y="1885950"/>
-            <a:ext cx="2932113" cy="576262"/>
-          </a:xfrm>
-        </p:spPr>
-        <p:txBody>
-          <a:bodyPr vert="horz" lIns="91440" tIns="45720" rIns="91440" bIns="45720" rtlCol="0" anchor="b">
-            <a:noAutofit/>
-          </a:bodyPr>
-          <a:lstStyle>
-            <a:lvl1pPr>
-              <a:buNone/>
-              <a:defRPr lang="en-US" sz="2400" b="0" dirty="0">
-                <a:gradFill>
-                  <a:gsLst>
-                    <a:gs pos="15000">
-                      <a:schemeClr val="tx2"/>
-                    </a:gs>
-                    <a:gs pos="73000">
-                      <a:schemeClr val="tx2">
-                        <a:lumMod val="60000"/>
-                        <a:lumOff val="40000"/>
-                      </a:schemeClr>
-                    </a:gs>
-                    <a:gs pos="0">
-                      <a:schemeClr val="tx2">
-                        <a:lumMod val="90000"/>
-                        <a:lumOff val="10000"/>
-                      </a:schemeClr>
-                    </a:gs>
-                    <a:gs pos="100000">
-                      <a:schemeClr val="tx2">
-                        <a:lumMod val="0"/>
-                        <a:lumOff val="100000"/>
-                      </a:schemeClr>
-                    </a:gs>
-                  </a:gsLst>
-                  <a:lin ang="16200000" scaled="1"/>
-                </a:gradFill>
-              </a:defRPr>
-            </a:lvl1pPr>
-          </a:lstStyle>
-          <a:p>
-            <a:pPr marL="0" lvl="0" indent="0">
-              <a:buNone/>
-            </a:pPr>
-            <a:r>
-              <a:rPr lang="es-ES" smtClean="0"/>
-              <a:t>Haga clic para modificar el estilo de texto del patrón</a:t>
-            </a:r>
-          </a:p>
-        </p:txBody>
-      </p:sp>
-      <p:sp>
-        <p:nvSpPr>
-          <p:cNvPr id="12" name="Text Placeholder 3"/>
-          <p:cNvSpPr>
-            <a:spLocks noGrp="1"/>
-          </p:cNvSpPr>
-          <p:nvPr>
-            <p:ph type="body" sz="half" idx="17"/>
-          </p:nvPr>
-        </p:nvSpPr>
-        <p:spPr>
-          <a:xfrm>
-            <a:off x="7829035" y="2571750"/>
-            <a:ext cx="2932113" cy="3589338"/>
-          </a:xfrm>
-        </p:spPr>
-        <p:txBody>
-          <a:bodyPr anchor="t">
-            <a:normAutofit/>
-          </a:bodyPr>
-          <a:lstStyle>
-            <a:lvl1pPr marL="0" indent="0">
-              <a:buNone/>
-              <a:defRPr sz="1400"/>
-            </a:lvl1pPr>
-            <a:lvl2pPr marL="457200" indent="0">
-              <a:buNone/>
-              <a:defRPr sz="1200"/>
-            </a:lvl2pPr>
-            <a:lvl3pPr marL="914400" indent="0">
-              <a:buNone/>
-              <a:defRPr sz="1000"/>
-            </a:lvl3pPr>
-            <a:lvl4pPr marL="1371600" indent="0">
-              <a:buNone/>
-              <a:defRPr sz="900"/>
-            </a:lvl4pPr>
-            <a:lvl5pPr marL="1828800" indent="0">
-              <a:buNone/>
-              <a:defRPr sz="900"/>
-            </a:lvl5pPr>
-            <a:lvl6pPr marL="2286000" indent="0">
-              <a:buNone/>
-              <a:defRPr sz="900"/>
-            </a:lvl6pPr>
-            <a:lvl7pPr marL="2743200" indent="0">
-              <a:buNone/>
-              <a:defRPr sz="900"/>
-            </a:lvl7pPr>
-            <a:lvl8pPr marL="3200400" indent="0">
-              <a:buNone/>
-              <a:defRPr sz="900"/>
-            </a:lvl8pPr>
-            <a:lvl9pPr marL="3657600" indent="0">
-              <a:buNone/>
-              <a:defRPr sz="900"/>
-            </a:lvl9pPr>
-          </a:lstStyle>
-          <a:p>
-            <a:pPr lvl="0"/>
-            <a:r>
-              <a:rPr lang="es-ES" smtClean="0"/>
-              <a:t>Haga clic para modificar el estilo de texto del patrón</a:t>
-            </a:r>
-          </a:p>
-        </p:txBody>
-      </p:sp>
-      <p:sp>
-        <p:nvSpPr>
-          <p:cNvPr id="3" name="Date Placeholder 2"/>
+          <p:cNvPr id="4" name="Date Placeholder 3"/>
           <p:cNvSpPr>
             <a:spLocks noGrp="1"/>
           </p:cNvSpPr>
@@ -2047,7 +2085,7 @@
             <a:fld id="{0CBE8919-C854-473F-863C-B1864504E81A}" type="datetimeFigureOut">
               <a:rPr lang="es-CL" smtClean="0"/>
               <a:pPr/>
-              <a:t>25-09-2014</a:t>
+              <a:t>04-10-2014</a:t>
             </a:fld>
             <a:endParaRPr lang="es-CL"/>
           </a:p>
@@ -2055,7 +2093,7 @@
       </p:sp>
       <p:sp>
         <p:nvSpPr>
-          <p:cNvPr id="4" name="Footer Placeholder 3"/>
+          <p:cNvPr id="5" name="Footer Placeholder 4"/>
           <p:cNvSpPr>
             <a:spLocks noGrp="1"/>
           </p:cNvSpPr>
@@ -2074,7 +2112,7 @@
       </p:sp>
       <p:sp>
         <p:nvSpPr>
-          <p:cNvPr id="5" name="Slide Number Placeholder 4"/>
+          <p:cNvPr id="6" name="Slide Number Placeholder 5"/>
           <p:cNvSpPr>
             <a:spLocks noGrp="1"/>
           </p:cNvSpPr>
@@ -2096,10 +2134,92 @@
           </a:p>
         </p:txBody>
       </p:sp>
+      <p:sp>
+        <p:nvSpPr>
+          <p:cNvPr id="24" name="TextBox 23"/>
+          <p:cNvSpPr txBox="1"/>
+          <p:nvPr/>
+        </p:nvSpPr>
+        <p:spPr>
+          <a:xfrm>
+            <a:off x="541870" y="790378"/>
+            <a:ext cx="609600" cy="584776"/>
+          </a:xfrm>
+          <a:prstGeom prst="rect">
+            <a:avLst/>
+          </a:prstGeom>
+        </p:spPr>
+        <p:txBody>
+          <a:bodyPr vert="horz" lIns="91440" tIns="45720" rIns="91440" bIns="45720" rtlCol="0" anchor="ctr">
+            <a:noAutofit/>
+          </a:bodyPr>
+          <a:lstStyle/>
+          <a:p>
+            <a:pPr lvl="0"/>
+            <a:r>
+              <a:rPr lang="en-US" sz="8000" baseline="0" dirty="0">
+                <a:ln w="3175" cmpd="sng">
+                  <a:noFill/>
+                </a:ln>
+                <a:solidFill>
+                  <a:schemeClr val="accent1">
+                    <a:lumMod val="60000"/>
+                    <a:lumOff val="40000"/>
+                  </a:schemeClr>
+                </a:solidFill>
+                <a:effectLst/>
+                <a:latin typeface="Arial"/>
+              </a:rPr>
+              <a:t>“</a:t>
+            </a:r>
+          </a:p>
+        </p:txBody>
+      </p:sp>
+      <p:sp>
+        <p:nvSpPr>
+          <p:cNvPr id="25" name="TextBox 24"/>
+          <p:cNvSpPr txBox="1"/>
+          <p:nvPr/>
+        </p:nvSpPr>
+        <p:spPr>
+          <a:xfrm>
+            <a:off x="8893011" y="2886556"/>
+            <a:ext cx="609600" cy="584776"/>
+          </a:xfrm>
+          <a:prstGeom prst="rect">
+            <a:avLst/>
+          </a:prstGeom>
+        </p:spPr>
+        <p:txBody>
+          <a:bodyPr vert="horz" lIns="91440" tIns="45720" rIns="91440" bIns="45720" rtlCol="0" anchor="ctr">
+            <a:noAutofit/>
+          </a:bodyPr>
+          <a:lstStyle/>
+          <a:p>
+            <a:pPr lvl="0"/>
+            <a:r>
+              <a:rPr lang="en-US" sz="8000" baseline="0" dirty="0">
+                <a:ln w="3175" cmpd="sng">
+                  <a:noFill/>
+                </a:ln>
+                <a:solidFill>
+                  <a:schemeClr val="accent1">
+                    <a:lumMod val="60000"/>
+                    <a:lumOff val="40000"/>
+                  </a:schemeClr>
+                </a:solidFill>
+                <a:effectLst/>
+                <a:latin typeface="Arial"/>
+              </a:rPr>
+              <a:t>”</a:t>
+            </a:r>
+          </a:p>
+        </p:txBody>
+      </p:sp>
     </p:spTree>
     <p:extLst>
       <p:ext uri="{BB962C8B-B14F-4D97-AF65-F5344CB8AC3E}">
-        <p14:creationId xmlns:p14="http://schemas.microsoft.com/office/powerpoint/2010/main" val="2849478041"/>
+        <p14:creationId xmlns:p14="http://schemas.microsoft.com/office/powerpoint/2010/main" val="4012395471"/>
       </p:ext>
     </p:extLst>
   </p:cSld>
@@ -2109,9 +2229,9 @@
 </p:sldLayout>
 </file>
 
-<file path=ppt/slideLayouts/slideLayout15.xml><?xml version="1.0" encoding="utf-8"?>
+<file path=ppt/slideLayouts/slideLayout14.xml><?xml version="1.0" encoding="utf-8"?>
 <p:sldLayout xmlns:a="http://schemas.openxmlformats.org/drawingml/2006/main" xmlns:r="http://schemas.openxmlformats.org/officeDocument/2006/relationships" xmlns:p="http://schemas.openxmlformats.org/presentationml/2006/main" preserve="1">
-  <p:cSld name="Columna de imagen 3">
+  <p:cSld name="Verdadero o falso">
     <p:spTree>
       <p:nvGrpSpPr>
         <p:cNvPr id="1" name=""/>
@@ -2128,7 +2248,7 @@
       </p:grpSpPr>
       <p:sp>
         <p:nvSpPr>
-          <p:cNvPr id="30" name="Title 1"/>
+          <p:cNvPr id="2" name="Title 1"/>
           <p:cNvSpPr>
             <a:spLocks noGrp="1"/>
           </p:cNvSpPr>
@@ -2138,13 +2258,19 @@
         </p:nvSpPr>
         <p:spPr>
           <a:xfrm>
-            <a:off x="838200" y="365125"/>
-            <a:ext cx="10515600" cy="1325563"/>
+            <a:off x="685799" y="609600"/>
+            <a:ext cx="8588203" cy="3022600"/>
           </a:xfrm>
         </p:spPr>
         <p:txBody>
-          <a:bodyPr/>
-          <a:lstStyle/>
+          <a:bodyPr anchor="ctr">
+            <a:normAutofit/>
+          </a:bodyPr>
+          <a:lstStyle>
+            <a:lvl1pPr algn="l">
+              <a:defRPr sz="4400" b="0" cap="none"/>
+            </a:lvl1pPr>
+          </a:lstStyle>
           <a:p>
             <a:r>
               <a:rPr lang="es-ES" smtClean="0"/>
@@ -2156,18 +2282,18 @@
       </p:sp>
       <p:sp>
         <p:nvSpPr>
-          <p:cNvPr id="19" name="Text Placeholder 2"/>
-          <p:cNvSpPr>
-            <a:spLocks noGrp="1"/>
-          </p:cNvSpPr>
-          <p:nvPr>
-            <p:ph type="body" idx="1"/>
+          <p:cNvPr id="23" name="Text Placeholder 9"/>
+          <p:cNvSpPr>
+            <a:spLocks noGrp="1"/>
+          </p:cNvSpPr>
+          <p:nvPr>
+            <p:ph type="body" sz="quarter" idx="13"/>
           </p:nvPr>
         </p:nvSpPr>
         <p:spPr>
           <a:xfrm>
-            <a:off x="1332085" y="4297503"/>
-            <a:ext cx="2940050" cy="576262"/>
+            <a:off x="677332" y="4013200"/>
+            <a:ext cx="8596669" cy="514248"/>
           </a:xfrm>
         </p:spPr>
         <p:txBody>
@@ -2176,64 +2302,34 @@
           </a:bodyPr>
           <a:lstStyle>
             <a:lvl1pPr marL="0" indent="0">
-              <a:buNone/>
-              <a:defRPr sz="2400" b="0">
-                <a:gradFill>
-                  <a:gsLst>
-                    <a:gs pos="34000">
-                      <a:schemeClr val="tx1">
-                        <a:lumMod val="93000"/>
-                      </a:schemeClr>
-                    </a:gs>
-                    <a:gs pos="0">
-                      <a:schemeClr val="bg1">
-                        <a:lumMod val="41000"/>
-                        <a:lumOff val="59000"/>
-                      </a:schemeClr>
-                    </a:gs>
-                    <a:gs pos="100000">
-                      <a:schemeClr val="tx2">
-                        <a:lumMod val="0"/>
-                        <a:lumOff val="100000"/>
-                      </a:schemeClr>
-                    </a:gs>
-                  </a:gsLst>
-                  <a:lin ang="4800000" scaled="0"/>
-                </a:gradFill>
+              <a:buFontTx/>
+              <a:buNone/>
+              <a:defRPr sz="2400">
+                <a:solidFill>
+                  <a:schemeClr val="accent1"/>
+                </a:solidFill>
               </a:defRPr>
             </a:lvl1pPr>
             <a:lvl2pPr marL="457200" indent="0">
-              <a:buNone/>
-              <a:defRPr sz="2000" b="1"/>
+              <a:buFontTx/>
+              <a:buNone/>
+              <a:defRPr/>
             </a:lvl2pPr>
             <a:lvl3pPr marL="914400" indent="0">
-              <a:buNone/>
-              <a:defRPr sz="1800" b="1"/>
+              <a:buFontTx/>
+              <a:buNone/>
+              <a:defRPr/>
             </a:lvl3pPr>
             <a:lvl4pPr marL="1371600" indent="0">
-              <a:buNone/>
-              <a:defRPr sz="1600" b="1"/>
+              <a:buFontTx/>
+              <a:buNone/>
+              <a:defRPr/>
             </a:lvl4pPr>
             <a:lvl5pPr marL="1828800" indent="0">
-              <a:buNone/>
-              <a:defRPr sz="1600" b="1"/>
+              <a:buFontTx/>
+              <a:buNone/>
+              <a:defRPr/>
             </a:lvl5pPr>
-            <a:lvl6pPr marL="2286000" indent="0">
-              <a:buNone/>
-              <a:defRPr sz="1600" b="1"/>
-            </a:lvl6pPr>
-            <a:lvl7pPr marL="2743200" indent="0">
-              <a:buNone/>
-              <a:defRPr sz="1600" b="1"/>
-            </a:lvl7pPr>
-            <a:lvl8pPr marL="3200400" indent="0">
-              <a:buNone/>
-              <a:defRPr sz="1600" b="1"/>
-            </a:lvl8pPr>
-            <a:lvl9pPr marL="3657600" indent="0">
-              <a:buNone/>
-              <a:defRPr sz="1600" b="1"/>
-            </a:lvl9pPr>
           </a:lstStyle>
           <a:p>
             <a:pPr lvl="0"/>
@@ -2246,229 +2342,115 @@
       </p:sp>
       <p:sp>
         <p:nvSpPr>
-          <p:cNvPr id="20" name="Picture Placeholder 2"/>
-          <p:cNvSpPr>
-            <a:spLocks noGrp="1" noChangeAspect="1"/>
-          </p:cNvSpPr>
-          <p:nvPr>
-            <p:ph type="pic" idx="15"/>
+          <p:cNvPr id="3" name="Text Placeholder 2"/>
+          <p:cNvSpPr>
+            <a:spLocks noGrp="1"/>
+          </p:cNvSpPr>
+          <p:nvPr>
+            <p:ph type="body" idx="1"/>
           </p:nvPr>
         </p:nvSpPr>
         <p:spPr>
           <a:xfrm>
-            <a:off x="1332085" y="2256354"/>
-            <a:ext cx="2940050" cy="1524000"/>
+            <a:off x="677335" y="4527448"/>
+            <a:ext cx="8596668" cy="1513914"/>
           </a:xfrm>
-          <a:prstGeom prst="roundRect">
-            <a:avLst>
-              <a:gd name="adj" fmla="val 1858"/>
-            </a:avLst>
-          </a:prstGeom>
-          <a:effectLst>
-            <a:outerShdw blurRad="50800" dist="50800" dir="5400000" algn="tl" rotWithShape="0">
-              <a:srgbClr val="000000">
-                <a:alpha val="43000"/>
-              </a:srgbClr>
-            </a:outerShdw>
-          </a:effectLst>
         </p:spPr>
         <p:txBody>
           <a:bodyPr anchor="t">
             <a:normAutofit/>
           </a:bodyPr>
           <a:lstStyle>
-            <a:lvl1pPr marL="0" indent="0" algn="ctr">
-              <a:buNone/>
-              <a:defRPr sz="1600"/>
-            </a:lvl1pPr>
-            <a:lvl2pPr marL="457200" indent="0">
-              <a:buNone/>
-              <a:defRPr sz="1600"/>
-            </a:lvl2pPr>
-            <a:lvl3pPr marL="914400" indent="0">
-              <a:buNone/>
-              <a:defRPr sz="1600"/>
-            </a:lvl3pPr>
-            <a:lvl4pPr marL="1371600" indent="0">
-              <a:buNone/>
-              <a:defRPr sz="1600"/>
-            </a:lvl4pPr>
-            <a:lvl5pPr marL="1828800" indent="0">
-              <a:buNone/>
-              <a:defRPr sz="1600"/>
-            </a:lvl5pPr>
-            <a:lvl6pPr marL="2286000" indent="0">
-              <a:buNone/>
-              <a:defRPr sz="1600"/>
-            </a:lvl6pPr>
-            <a:lvl7pPr marL="2743200" indent="0">
-              <a:buNone/>
-              <a:defRPr sz="1600"/>
-            </a:lvl7pPr>
-            <a:lvl8pPr marL="3200400" indent="0">
-              <a:buNone/>
-              <a:defRPr sz="1600"/>
-            </a:lvl8pPr>
-            <a:lvl9pPr marL="3657600" indent="0">
-              <a:buNone/>
-              <a:defRPr sz="1600"/>
-            </a:lvl9pPr>
-          </a:lstStyle>
-          <a:p>
-            <a:r>
-              <a:rPr lang="es-ES" smtClean="0"/>
-              <a:t>Haga clic en el icono para agregar una imagen</a:t>
-            </a:r>
-            <a:endParaRPr lang="en-US" dirty="0"/>
-          </a:p>
-        </p:txBody>
-      </p:sp>
-      <p:sp>
-        <p:nvSpPr>
-          <p:cNvPr id="21" name="Text Placeholder 3"/>
-          <p:cNvSpPr>
-            <a:spLocks noGrp="1"/>
-          </p:cNvSpPr>
-          <p:nvPr>
-            <p:ph type="body" sz="half" idx="18"/>
-          </p:nvPr>
-        </p:nvSpPr>
-        <p:spPr>
-          <a:xfrm>
-            <a:off x="1332085" y="4873765"/>
-            <a:ext cx="2940050" cy="659189"/>
-          </a:xfrm>
-        </p:spPr>
-        <p:txBody>
-          <a:bodyPr anchor="t">
-            <a:normAutofit/>
-          </a:bodyPr>
-          <a:lstStyle>
-            <a:lvl1pPr marL="0" indent="0">
-              <a:buNone/>
-              <a:defRPr sz="1400"/>
-            </a:lvl1pPr>
-            <a:lvl2pPr marL="457200" indent="0">
-              <a:buNone/>
-              <a:defRPr sz="1200"/>
-            </a:lvl2pPr>
-            <a:lvl3pPr marL="914400" indent="0">
-              <a:buNone/>
-              <a:defRPr sz="1000"/>
-            </a:lvl3pPr>
-            <a:lvl4pPr marL="1371600" indent="0">
-              <a:buNone/>
-              <a:defRPr sz="900"/>
-            </a:lvl4pPr>
-            <a:lvl5pPr marL="1828800" indent="0">
-              <a:buNone/>
-              <a:defRPr sz="900"/>
-            </a:lvl5pPr>
-            <a:lvl6pPr marL="2286000" indent="0">
-              <a:buNone/>
-              <a:defRPr sz="900"/>
-            </a:lvl6pPr>
-            <a:lvl7pPr marL="2743200" indent="0">
-              <a:buNone/>
-              <a:defRPr sz="900"/>
-            </a:lvl7pPr>
-            <a:lvl8pPr marL="3200400" indent="0">
-              <a:buNone/>
-              <a:defRPr sz="900"/>
-            </a:lvl8pPr>
-            <a:lvl9pPr marL="3657600" indent="0">
-              <a:buNone/>
-              <a:defRPr sz="900"/>
-            </a:lvl9pPr>
-          </a:lstStyle>
-          <a:p>
-            <a:pPr lvl="0"/>
-            <a:r>
-              <a:rPr lang="es-ES" smtClean="0"/>
-              <a:t>Haga clic para modificar el estilo de texto del patrón</a:t>
-            </a:r>
-          </a:p>
-        </p:txBody>
-      </p:sp>
-      <p:sp>
-        <p:nvSpPr>
-          <p:cNvPr id="22" name="Text Placeholder 4"/>
-          <p:cNvSpPr>
-            <a:spLocks noGrp="1"/>
-          </p:cNvSpPr>
-          <p:nvPr>
-            <p:ph type="body" sz="quarter" idx="3"/>
-          </p:nvPr>
-        </p:nvSpPr>
-        <p:spPr>
-          <a:xfrm>
-            <a:off x="4568997" y="4297503"/>
-            <a:ext cx="2930525" cy="576262"/>
-          </a:xfrm>
-        </p:spPr>
-        <p:txBody>
-          <a:bodyPr anchor="b">
-            <a:noAutofit/>
-          </a:bodyPr>
-          <a:lstStyle>
-            <a:lvl1pPr marL="0" indent="0">
-              <a:buNone/>
-              <a:defRPr sz="2400" b="0">
-                <a:gradFill>
-                  <a:gsLst>
-                    <a:gs pos="34000">
-                      <a:schemeClr val="tx1">
-                        <a:lumMod val="93000"/>
-                      </a:schemeClr>
-                    </a:gs>
-                    <a:gs pos="0">
-                      <a:schemeClr val="bg1">
-                        <a:lumMod val="41000"/>
-                        <a:lumOff val="59000"/>
-                      </a:schemeClr>
-                    </a:gs>
-                    <a:gs pos="100000">
-                      <a:schemeClr val="tx2">
-                        <a:lumMod val="0"/>
-                        <a:lumOff val="100000"/>
-                      </a:schemeClr>
-                    </a:gs>
-                  </a:gsLst>
-                  <a:lin ang="4800000" scaled="0"/>
-                </a:gradFill>
+            <a:lvl1pPr marL="0" indent="0" algn="l">
+              <a:buNone/>
+              <a:defRPr sz="1800">
+                <a:solidFill>
+                  <a:schemeClr val="tx1">
+                    <a:lumMod val="50000"/>
+                    <a:lumOff val="50000"/>
+                  </a:schemeClr>
+                </a:solidFill>
               </a:defRPr>
             </a:lvl1pPr>
             <a:lvl2pPr marL="457200" indent="0">
               <a:buNone/>
-              <a:defRPr sz="2000" b="1"/>
+              <a:defRPr sz="1800">
+                <a:solidFill>
+                  <a:schemeClr val="tx1">
+                    <a:tint val="75000"/>
+                  </a:schemeClr>
+                </a:solidFill>
+              </a:defRPr>
             </a:lvl2pPr>
             <a:lvl3pPr marL="914400" indent="0">
               <a:buNone/>
-              <a:defRPr sz="1800" b="1"/>
+              <a:defRPr sz="1600">
+                <a:solidFill>
+                  <a:schemeClr val="tx1">
+                    <a:tint val="75000"/>
+                  </a:schemeClr>
+                </a:solidFill>
+              </a:defRPr>
             </a:lvl3pPr>
             <a:lvl4pPr marL="1371600" indent="0">
               <a:buNone/>
-              <a:defRPr sz="1600" b="1"/>
+              <a:defRPr sz="1400">
+                <a:solidFill>
+                  <a:schemeClr val="tx1">
+                    <a:tint val="75000"/>
+                  </a:schemeClr>
+                </a:solidFill>
+              </a:defRPr>
             </a:lvl4pPr>
             <a:lvl5pPr marL="1828800" indent="0">
               <a:buNone/>
-              <a:defRPr sz="1600" b="1"/>
+              <a:defRPr sz="1400">
+                <a:solidFill>
+                  <a:schemeClr val="tx1">
+                    <a:tint val="75000"/>
+                  </a:schemeClr>
+                </a:solidFill>
+              </a:defRPr>
             </a:lvl5pPr>
             <a:lvl6pPr marL="2286000" indent="0">
               <a:buNone/>
-              <a:defRPr sz="1600" b="1"/>
+              <a:defRPr sz="1400">
+                <a:solidFill>
+                  <a:schemeClr val="tx1">
+                    <a:tint val="75000"/>
+                  </a:schemeClr>
+                </a:solidFill>
+              </a:defRPr>
             </a:lvl6pPr>
             <a:lvl7pPr marL="2743200" indent="0">
               <a:buNone/>
-              <a:defRPr sz="1600" b="1"/>
+              <a:defRPr sz="1400">
+                <a:solidFill>
+                  <a:schemeClr val="tx1">
+                    <a:tint val="75000"/>
+                  </a:schemeClr>
+                </a:solidFill>
+              </a:defRPr>
             </a:lvl7pPr>
             <a:lvl8pPr marL="3200400" indent="0">
               <a:buNone/>
-              <a:defRPr sz="1600" b="1"/>
+              <a:defRPr sz="1400">
+                <a:solidFill>
+                  <a:schemeClr val="tx1">
+                    <a:tint val="75000"/>
+                  </a:schemeClr>
+                </a:solidFill>
+              </a:defRPr>
             </a:lvl8pPr>
             <a:lvl9pPr marL="3657600" indent="0">
               <a:buNone/>
-              <a:defRPr sz="1600" b="1"/>
+              <a:defRPr sz="1400">
+                <a:solidFill>
+                  <a:schemeClr val="tx1">
+                    <a:tint val="75000"/>
+                  </a:schemeClr>
+                </a:solidFill>
+              </a:defRPr>
             </a:lvl9pPr>
           </a:lstStyle>
           <a:p>
@@ -2482,389 +2464,7 @@
       </p:sp>
       <p:sp>
         <p:nvSpPr>
-          <p:cNvPr id="23" name="Picture Placeholder 2"/>
-          <p:cNvSpPr>
-            <a:spLocks noGrp="1" noChangeAspect="1"/>
-          </p:cNvSpPr>
-          <p:nvPr>
-            <p:ph type="pic" idx="21"/>
-          </p:nvPr>
-        </p:nvSpPr>
-        <p:spPr>
-          <a:xfrm>
-            <a:off x="4568996" y="2256354"/>
-            <a:ext cx="2930525" cy="1524000"/>
-          </a:xfrm>
-          <a:prstGeom prst="roundRect">
-            <a:avLst>
-              <a:gd name="adj" fmla="val 1858"/>
-            </a:avLst>
-          </a:prstGeom>
-          <a:effectLst>
-            <a:outerShdw blurRad="50800" dist="50800" dir="5400000" algn="tl" rotWithShape="0">
-              <a:srgbClr val="000000">
-                <a:alpha val="43000"/>
-              </a:srgbClr>
-            </a:outerShdw>
-          </a:effectLst>
-        </p:spPr>
-        <p:txBody>
-          <a:bodyPr anchor="t">
-            <a:normAutofit/>
-          </a:bodyPr>
-          <a:lstStyle>
-            <a:lvl1pPr marL="0" indent="0" algn="ctr">
-              <a:buNone/>
-              <a:defRPr sz="1600"/>
-            </a:lvl1pPr>
-            <a:lvl2pPr marL="457200" indent="0">
-              <a:buNone/>
-              <a:defRPr sz="1600"/>
-            </a:lvl2pPr>
-            <a:lvl3pPr marL="914400" indent="0">
-              <a:buNone/>
-              <a:defRPr sz="1600"/>
-            </a:lvl3pPr>
-            <a:lvl4pPr marL="1371600" indent="0">
-              <a:buNone/>
-              <a:defRPr sz="1600"/>
-            </a:lvl4pPr>
-            <a:lvl5pPr marL="1828800" indent="0">
-              <a:buNone/>
-              <a:defRPr sz="1600"/>
-            </a:lvl5pPr>
-            <a:lvl6pPr marL="2286000" indent="0">
-              <a:buNone/>
-              <a:defRPr sz="1600"/>
-            </a:lvl6pPr>
-            <a:lvl7pPr marL="2743200" indent="0">
-              <a:buNone/>
-              <a:defRPr sz="1600"/>
-            </a:lvl7pPr>
-            <a:lvl8pPr marL="3200400" indent="0">
-              <a:buNone/>
-              <a:defRPr sz="1600"/>
-            </a:lvl8pPr>
-            <a:lvl9pPr marL="3657600" indent="0">
-              <a:buNone/>
-              <a:defRPr sz="1600"/>
-            </a:lvl9pPr>
-          </a:lstStyle>
-          <a:p>
-            <a:r>
-              <a:rPr lang="es-ES" smtClean="0"/>
-              <a:t>Haga clic en el icono para agregar una imagen</a:t>
-            </a:r>
-            <a:endParaRPr lang="en-US" dirty="0"/>
-          </a:p>
-        </p:txBody>
-      </p:sp>
-      <p:sp>
-        <p:nvSpPr>
-          <p:cNvPr id="24" name="Text Placeholder 3"/>
-          <p:cNvSpPr>
-            <a:spLocks noGrp="1"/>
-          </p:cNvSpPr>
-          <p:nvPr>
-            <p:ph type="body" sz="half" idx="19"/>
-          </p:nvPr>
-        </p:nvSpPr>
-        <p:spPr>
-          <a:xfrm>
-            <a:off x="4567644" y="4873764"/>
-            <a:ext cx="2934406" cy="659189"/>
-          </a:xfrm>
-        </p:spPr>
-        <p:txBody>
-          <a:bodyPr anchor="t">
-            <a:normAutofit/>
-          </a:bodyPr>
-          <a:lstStyle>
-            <a:lvl1pPr marL="0" indent="0">
-              <a:buNone/>
-              <a:defRPr sz="1400"/>
-            </a:lvl1pPr>
-            <a:lvl2pPr marL="457200" indent="0">
-              <a:buNone/>
-              <a:defRPr sz="1200"/>
-            </a:lvl2pPr>
-            <a:lvl3pPr marL="914400" indent="0">
-              <a:buNone/>
-              <a:defRPr sz="1000"/>
-            </a:lvl3pPr>
-            <a:lvl4pPr marL="1371600" indent="0">
-              <a:buNone/>
-              <a:defRPr sz="900"/>
-            </a:lvl4pPr>
-            <a:lvl5pPr marL="1828800" indent="0">
-              <a:buNone/>
-              <a:defRPr sz="900"/>
-            </a:lvl5pPr>
-            <a:lvl6pPr marL="2286000" indent="0">
-              <a:buNone/>
-              <a:defRPr sz="900"/>
-            </a:lvl6pPr>
-            <a:lvl7pPr marL="2743200" indent="0">
-              <a:buNone/>
-              <a:defRPr sz="900"/>
-            </a:lvl7pPr>
-            <a:lvl8pPr marL="3200400" indent="0">
-              <a:buNone/>
-              <a:defRPr sz="900"/>
-            </a:lvl8pPr>
-            <a:lvl9pPr marL="3657600" indent="0">
-              <a:buNone/>
-              <a:defRPr sz="900"/>
-            </a:lvl9pPr>
-          </a:lstStyle>
-          <a:p>
-            <a:pPr lvl="0"/>
-            <a:r>
-              <a:rPr lang="es-ES" smtClean="0"/>
-              <a:t>Haga clic para modificar el estilo de texto del patrón</a:t>
-            </a:r>
-          </a:p>
-        </p:txBody>
-      </p:sp>
-      <p:sp>
-        <p:nvSpPr>
-          <p:cNvPr id="25" name="Text Placeholder 4"/>
-          <p:cNvSpPr>
-            <a:spLocks noGrp="1"/>
-          </p:cNvSpPr>
-          <p:nvPr>
-            <p:ph type="body" sz="quarter" idx="13"/>
-          </p:nvPr>
-        </p:nvSpPr>
-        <p:spPr>
-          <a:xfrm>
-            <a:off x="7804322" y="4297503"/>
-            <a:ext cx="2932113" cy="576262"/>
-          </a:xfrm>
-        </p:spPr>
-        <p:txBody>
-          <a:bodyPr anchor="b">
-            <a:noAutofit/>
-          </a:bodyPr>
-          <a:lstStyle>
-            <a:lvl1pPr marL="0" indent="0">
-              <a:buNone/>
-              <a:defRPr sz="2400" b="0">
-                <a:gradFill>
-                  <a:gsLst>
-                    <a:gs pos="34000">
-                      <a:schemeClr val="tx1">
-                        <a:lumMod val="93000"/>
-                      </a:schemeClr>
-                    </a:gs>
-                    <a:gs pos="0">
-                      <a:schemeClr val="bg1">
-                        <a:lumMod val="41000"/>
-                        <a:lumOff val="59000"/>
-                      </a:schemeClr>
-                    </a:gs>
-                    <a:gs pos="100000">
-                      <a:schemeClr val="tx2">
-                        <a:lumMod val="0"/>
-                        <a:lumOff val="100000"/>
-                      </a:schemeClr>
-                    </a:gs>
-                  </a:gsLst>
-                  <a:lin ang="4800000" scaled="0"/>
-                </a:gradFill>
-              </a:defRPr>
-            </a:lvl1pPr>
-            <a:lvl2pPr marL="457200" indent="0">
-              <a:buNone/>
-              <a:defRPr sz="2000" b="1"/>
-            </a:lvl2pPr>
-            <a:lvl3pPr marL="914400" indent="0">
-              <a:buNone/>
-              <a:defRPr sz="1800" b="1"/>
-            </a:lvl3pPr>
-            <a:lvl4pPr marL="1371600" indent="0">
-              <a:buNone/>
-              <a:defRPr sz="1600" b="1"/>
-            </a:lvl4pPr>
-            <a:lvl5pPr marL="1828800" indent="0">
-              <a:buNone/>
-              <a:defRPr sz="1600" b="1"/>
-            </a:lvl5pPr>
-            <a:lvl6pPr marL="2286000" indent="0">
-              <a:buNone/>
-              <a:defRPr sz="1600" b="1"/>
-            </a:lvl6pPr>
-            <a:lvl7pPr marL="2743200" indent="0">
-              <a:buNone/>
-              <a:defRPr sz="1600" b="1"/>
-            </a:lvl7pPr>
-            <a:lvl8pPr marL="3200400" indent="0">
-              <a:buNone/>
-              <a:defRPr sz="1600" b="1"/>
-            </a:lvl8pPr>
-            <a:lvl9pPr marL="3657600" indent="0">
-              <a:buNone/>
-              <a:defRPr sz="1600" b="1"/>
-            </a:lvl9pPr>
-          </a:lstStyle>
-          <a:p>
-            <a:pPr lvl="0"/>
-            <a:r>
-              <a:rPr lang="es-ES" smtClean="0"/>
-              <a:t>Haga clic para modificar el estilo de texto del patrón</a:t>
-            </a:r>
-          </a:p>
-        </p:txBody>
-      </p:sp>
-      <p:sp>
-        <p:nvSpPr>
-          <p:cNvPr id="26" name="Picture Placeholder 2"/>
-          <p:cNvSpPr>
-            <a:spLocks noGrp="1" noChangeAspect="1"/>
-          </p:cNvSpPr>
-          <p:nvPr>
-            <p:ph type="pic" idx="22"/>
-          </p:nvPr>
-        </p:nvSpPr>
-        <p:spPr>
-          <a:xfrm>
-            <a:off x="7804321" y="2256354"/>
-            <a:ext cx="2932113" cy="1524000"/>
-          </a:xfrm>
-          <a:prstGeom prst="roundRect">
-            <a:avLst>
-              <a:gd name="adj" fmla="val 1858"/>
-            </a:avLst>
-          </a:prstGeom>
-          <a:effectLst>
-            <a:outerShdw blurRad="50800" dist="50800" dir="5400000" algn="tl" rotWithShape="0">
-              <a:srgbClr val="000000">
-                <a:alpha val="43000"/>
-              </a:srgbClr>
-            </a:outerShdw>
-          </a:effectLst>
-        </p:spPr>
-        <p:txBody>
-          <a:bodyPr anchor="t">
-            <a:normAutofit/>
-          </a:bodyPr>
-          <a:lstStyle>
-            <a:lvl1pPr marL="0" indent="0" algn="ctr">
-              <a:buNone/>
-              <a:defRPr sz="1600"/>
-            </a:lvl1pPr>
-            <a:lvl2pPr marL="457200" indent="0">
-              <a:buNone/>
-              <a:defRPr sz="1600"/>
-            </a:lvl2pPr>
-            <a:lvl3pPr marL="914400" indent="0">
-              <a:buNone/>
-              <a:defRPr sz="1600"/>
-            </a:lvl3pPr>
-            <a:lvl4pPr marL="1371600" indent="0">
-              <a:buNone/>
-              <a:defRPr sz="1600"/>
-            </a:lvl4pPr>
-            <a:lvl5pPr marL="1828800" indent="0">
-              <a:buNone/>
-              <a:defRPr sz="1600"/>
-            </a:lvl5pPr>
-            <a:lvl6pPr marL="2286000" indent="0">
-              <a:buNone/>
-              <a:defRPr sz="1600"/>
-            </a:lvl6pPr>
-            <a:lvl7pPr marL="2743200" indent="0">
-              <a:buNone/>
-              <a:defRPr sz="1600"/>
-            </a:lvl7pPr>
-            <a:lvl8pPr marL="3200400" indent="0">
-              <a:buNone/>
-              <a:defRPr sz="1600"/>
-            </a:lvl8pPr>
-            <a:lvl9pPr marL="3657600" indent="0">
-              <a:buNone/>
-              <a:defRPr sz="1600"/>
-            </a:lvl9pPr>
-          </a:lstStyle>
-          <a:p>
-            <a:r>
-              <a:rPr lang="es-ES" smtClean="0"/>
-              <a:t>Haga clic en el icono para agregar una imagen</a:t>
-            </a:r>
-            <a:endParaRPr lang="en-US" dirty="0"/>
-          </a:p>
-        </p:txBody>
-      </p:sp>
-      <p:sp>
-        <p:nvSpPr>
-          <p:cNvPr id="27" name="Text Placeholder 3"/>
-          <p:cNvSpPr>
-            <a:spLocks noGrp="1"/>
-          </p:cNvSpPr>
-          <p:nvPr>
-            <p:ph type="body" sz="half" idx="20"/>
-          </p:nvPr>
-        </p:nvSpPr>
-        <p:spPr>
-          <a:xfrm>
-            <a:off x="7804197" y="4873762"/>
-            <a:ext cx="2935997" cy="659189"/>
-          </a:xfrm>
-        </p:spPr>
-        <p:txBody>
-          <a:bodyPr anchor="t">
-            <a:normAutofit/>
-          </a:bodyPr>
-          <a:lstStyle>
-            <a:lvl1pPr marL="0" indent="0">
-              <a:buNone/>
-              <a:defRPr sz="1400"/>
-            </a:lvl1pPr>
-            <a:lvl2pPr marL="457200" indent="0">
-              <a:buNone/>
-              <a:defRPr sz="1200"/>
-            </a:lvl2pPr>
-            <a:lvl3pPr marL="914400" indent="0">
-              <a:buNone/>
-              <a:defRPr sz="1000"/>
-            </a:lvl3pPr>
-            <a:lvl4pPr marL="1371600" indent="0">
-              <a:buNone/>
-              <a:defRPr sz="900"/>
-            </a:lvl4pPr>
-            <a:lvl5pPr marL="1828800" indent="0">
-              <a:buNone/>
-              <a:defRPr sz="900"/>
-            </a:lvl5pPr>
-            <a:lvl6pPr marL="2286000" indent="0">
-              <a:buNone/>
-              <a:defRPr sz="900"/>
-            </a:lvl6pPr>
-            <a:lvl7pPr marL="2743200" indent="0">
-              <a:buNone/>
-              <a:defRPr sz="900"/>
-            </a:lvl7pPr>
-            <a:lvl8pPr marL="3200400" indent="0">
-              <a:buNone/>
-              <a:defRPr sz="900"/>
-            </a:lvl8pPr>
-            <a:lvl9pPr marL="3657600" indent="0">
-              <a:buNone/>
-              <a:defRPr sz="900"/>
-            </a:lvl9pPr>
-          </a:lstStyle>
-          <a:p>
-            <a:pPr lvl="0"/>
-            <a:r>
-              <a:rPr lang="es-ES" smtClean="0"/>
-              <a:t>Haga clic para modificar el estilo de texto del patrón</a:t>
-            </a:r>
-          </a:p>
-        </p:txBody>
-      </p:sp>
-      <p:sp>
-        <p:nvSpPr>
-          <p:cNvPr id="3" name="Date Placeholder 2"/>
+          <p:cNvPr id="4" name="Date Placeholder 3"/>
           <p:cNvSpPr>
             <a:spLocks noGrp="1"/>
           </p:cNvSpPr>
@@ -2880,7 +2480,7 @@
             <a:fld id="{0CBE8919-C854-473F-863C-B1864504E81A}" type="datetimeFigureOut">
               <a:rPr lang="es-CL" smtClean="0"/>
               <a:pPr/>
-              <a:t>25-09-2014</a:t>
+              <a:t>04-10-2014</a:t>
             </a:fld>
             <a:endParaRPr lang="es-CL"/>
           </a:p>
@@ -2888,7 +2488,7 @@
       </p:sp>
       <p:sp>
         <p:nvSpPr>
-          <p:cNvPr id="4" name="Footer Placeholder 3"/>
+          <p:cNvPr id="5" name="Footer Placeholder 4"/>
           <p:cNvSpPr>
             <a:spLocks noGrp="1"/>
           </p:cNvSpPr>
@@ -2907,7 +2507,7 @@
       </p:sp>
       <p:sp>
         <p:nvSpPr>
-          <p:cNvPr id="5" name="Slide Number Placeholder 4"/>
+          <p:cNvPr id="6" name="Slide Number Placeholder 5"/>
           <p:cNvSpPr>
             <a:spLocks noGrp="1"/>
           </p:cNvSpPr>
@@ -2932,7 +2532,7 @@
     </p:spTree>
     <p:extLst>
       <p:ext uri="{BB962C8B-B14F-4D97-AF65-F5344CB8AC3E}">
-        <p14:creationId xmlns:p14="http://schemas.microsoft.com/office/powerpoint/2010/main" val="1792750187"/>
+        <p14:creationId xmlns:p14="http://schemas.microsoft.com/office/powerpoint/2010/main" val="2770795580"/>
       </p:ext>
     </p:extLst>
   </p:cSld>
@@ -2942,7 +2542,7 @@
 </p:sldLayout>
 </file>
 
-<file path=ppt/slideLayouts/slideLayout16.xml><?xml version="1.0" encoding="utf-8"?>
+<file path=ppt/slideLayouts/slideLayout15.xml><?xml version="1.0" encoding="utf-8"?>
 <p:sldLayout xmlns:a="http://schemas.openxmlformats.org/drawingml/2006/main" xmlns:r="http://schemas.openxmlformats.org/officeDocument/2006/relationships" xmlns:p="http://schemas.openxmlformats.org/presentationml/2006/main" type="vertTx" preserve="1">
   <p:cSld name="Título y texto vertical">
     <p:spTree>
@@ -3052,7 +2652,7 @@
             <a:fld id="{0CBE8919-C854-473F-863C-B1864504E81A}" type="datetimeFigureOut">
               <a:rPr lang="es-CL" smtClean="0"/>
               <a:pPr/>
-              <a:t>25-09-2014</a:t>
+              <a:t>04-10-2014</a:t>
             </a:fld>
             <a:endParaRPr lang="es-CL"/>
           </a:p>
@@ -3104,7 +2704,7 @@
     </p:spTree>
     <p:extLst>
       <p:ext uri="{BB962C8B-B14F-4D97-AF65-F5344CB8AC3E}">
-        <p14:creationId xmlns:p14="http://schemas.microsoft.com/office/powerpoint/2010/main" val="2287054318"/>
+        <p14:creationId xmlns:p14="http://schemas.microsoft.com/office/powerpoint/2010/main" val="3835092830"/>
       </p:ext>
     </p:extLst>
   </p:cSld>
@@ -3114,7 +2714,7 @@
 </p:sldLayout>
 </file>
 
-<file path=ppt/slideLayouts/slideLayout17.xml><?xml version="1.0" encoding="utf-8"?>
+<file path=ppt/slideLayouts/slideLayout16.xml><?xml version="1.0" encoding="utf-8"?>
 <p:sldLayout xmlns:a="http://schemas.openxmlformats.org/drawingml/2006/main" xmlns:r="http://schemas.openxmlformats.org/officeDocument/2006/relationships" xmlns:p="http://schemas.openxmlformats.org/presentationml/2006/main" type="vertTitleAndTx" preserve="1">
   <p:cSld name="Título vertical y texto">
     <p:spTree>
@@ -3143,12 +2743,12 @@
         </p:nvSpPr>
         <p:spPr>
           <a:xfrm>
-            <a:off x="8724900" y="365125"/>
-            <a:ext cx="2628900" cy="5811838"/>
+            <a:off x="7967673" y="609599"/>
+            <a:ext cx="1304743" cy="5251451"/>
           </a:xfrm>
         </p:spPr>
         <p:txBody>
-          <a:bodyPr vert="eaVert"/>
+          <a:bodyPr vert="eaVert" anchor="ctr"/>
           <a:lstStyle/>
           <a:p>
             <a:r>
@@ -3171,8 +2771,8 @@
         </p:nvSpPr>
         <p:spPr>
           <a:xfrm>
-            <a:off x="838200" y="365125"/>
-            <a:ext cx="7734300" cy="5811838"/>
+            <a:off x="677335" y="609600"/>
+            <a:ext cx="7060150" cy="5251450"/>
           </a:xfrm>
         </p:spPr>
         <p:txBody>
@@ -3234,7 +2834,7 @@
             <a:fld id="{0CBE8919-C854-473F-863C-B1864504E81A}" type="datetimeFigureOut">
               <a:rPr lang="es-CL" smtClean="0"/>
               <a:pPr/>
-              <a:t>25-09-2014</a:t>
+              <a:t>04-10-2014</a:t>
             </a:fld>
             <a:endParaRPr lang="es-CL"/>
           </a:p>
@@ -3286,7 +2886,7 @@
     </p:spTree>
     <p:extLst>
       <p:ext uri="{BB962C8B-B14F-4D97-AF65-F5344CB8AC3E}">
-        <p14:creationId xmlns:p14="http://schemas.microsoft.com/office/powerpoint/2010/main" val="1634973733"/>
+        <p14:creationId xmlns:p14="http://schemas.microsoft.com/office/powerpoint/2010/main" val="3346243477"/>
       </p:ext>
     </p:extLst>
   </p:cSld>
@@ -3315,7 +2915,7 @@
       </p:grpSpPr>
       <p:sp>
         <p:nvSpPr>
-          <p:cNvPr id="8" name="Title 1"/>
+          <p:cNvPr id="2" name="Title 1"/>
           <p:cNvSpPr>
             <a:spLocks noGrp="1"/>
           </p:cNvSpPr>
@@ -3325,8 +2925,14 @@
         </p:nvSpPr>
         <p:spPr/>
         <p:txBody>
-          <a:bodyPr/>
-          <a:lstStyle/>
+          <a:bodyPr>
+            <a:normAutofit/>
+          </a:bodyPr>
+          <a:lstStyle>
+            <a:lvl1pPr>
+              <a:defRPr sz="3600"/>
+            </a:lvl1pPr>
+          </a:lstStyle>
           <a:p>
             <a:r>
               <a:rPr lang="es-ES" smtClean="0"/>
@@ -3406,7 +3012,7 @@
             <a:fld id="{0CBE8919-C854-473F-863C-B1864504E81A}" type="datetimeFigureOut">
               <a:rPr lang="es-CL" smtClean="0"/>
               <a:pPr/>
-              <a:t>25-09-2014</a:t>
+              <a:t>04-10-2014</a:t>
             </a:fld>
             <a:endParaRPr lang="es-CL"/>
           </a:p>
@@ -3458,7 +3064,7 @@
     </p:spTree>
     <p:extLst>
       <p:ext uri="{BB962C8B-B14F-4D97-AF65-F5344CB8AC3E}">
-        <p14:creationId xmlns:p14="http://schemas.microsoft.com/office/powerpoint/2010/main" val="3947923325"/>
+        <p14:creationId xmlns:p14="http://schemas.microsoft.com/office/powerpoint/2010/main" val="3319998627"/>
       </p:ext>
     </p:extLst>
   </p:cSld>
@@ -3487,163 +3093,153 @@
       </p:grpSpPr>
       <p:sp>
         <p:nvSpPr>
-          <p:cNvPr id="7" name="Title 1"/>
-          <p:cNvSpPr>
-            <a:spLocks noGrp="1"/>
-          </p:cNvSpPr>
-          <p:nvPr>
-            <p:ph type="ctrTitle"/>
+          <p:cNvPr id="2" name="Title 1"/>
+          <p:cNvSpPr>
+            <a:spLocks noGrp="1"/>
+          </p:cNvSpPr>
+          <p:nvPr>
+            <p:ph type="title"/>
           </p:nvPr>
         </p:nvSpPr>
         <p:spPr>
           <a:xfrm>
-            <a:off x="854532" y="4464028"/>
-            <a:ext cx="9144000" cy="1641490"/>
+            <a:off x="677335" y="2700867"/>
+            <a:ext cx="8596668" cy="1826581"/>
           </a:xfrm>
         </p:spPr>
         <p:txBody>
-          <a:bodyPr wrap="none" anchor="t">
-            <a:normAutofit/>
-          </a:bodyPr>
+          <a:bodyPr anchor="b"/>
           <a:lstStyle>
             <a:lvl1pPr algn="l">
-              <a:defRPr sz="9600" b="0" spc="-300">
-                <a:gradFill flip="none" rotWithShape="1">
-                  <a:gsLst>
-                    <a:gs pos="32000">
-                      <a:schemeClr val="tx1">
-                        <a:lumMod val="89000"/>
-                      </a:schemeClr>
-                    </a:gs>
-                    <a:gs pos="0">
-                      <a:schemeClr val="bg1">
-                        <a:lumMod val="47000"/>
-                        <a:lumOff val="53000"/>
-                      </a:schemeClr>
-                    </a:gs>
-                    <a:gs pos="100000">
-                      <a:schemeClr val="tx2">
-                        <a:lumMod val="0"/>
-                        <a:lumOff val="100000"/>
-                      </a:schemeClr>
-                    </a:gs>
-                  </a:gsLst>
-                  <a:lin ang="8100000" scaled="1"/>
-                  <a:tileRect/>
-                </a:gradFill>
-                <a:effectLst>
-                  <a:outerShdw blurRad="469900" dist="342900" dir="5400000" sy="-20000" rotWithShape="0">
-                    <a:prstClr val="black">
-                      <a:alpha val="66000"/>
-                    </a:prstClr>
-                  </a:outerShdw>
-                </a:effectLst>
-                <a:latin typeface="+mj-lt"/>
+              <a:defRPr sz="4000" b="0" cap="none"/>
+            </a:lvl1pPr>
+          </a:lstStyle>
+          <a:p>
+            <a:r>
+              <a:rPr lang="es-ES" smtClean="0"/>
+              <a:t>Haga clic para modificar el estilo de título del patrón</a:t>
+            </a:r>
+            <a:endParaRPr lang="en-US" dirty="0"/>
+          </a:p>
+        </p:txBody>
+      </p:sp>
+      <p:sp>
+        <p:nvSpPr>
+          <p:cNvPr id="3" name="Text Placeholder 2"/>
+          <p:cNvSpPr>
+            <a:spLocks noGrp="1"/>
+          </p:cNvSpPr>
+          <p:nvPr>
+            <p:ph type="body" idx="1"/>
+          </p:nvPr>
+        </p:nvSpPr>
+        <p:spPr>
+          <a:xfrm>
+            <a:off x="677335" y="4527448"/>
+            <a:ext cx="8596668" cy="860400"/>
+          </a:xfrm>
+        </p:spPr>
+        <p:txBody>
+          <a:bodyPr anchor="t"/>
+          <a:lstStyle>
+            <a:lvl1pPr marL="0" indent="0" algn="l">
+              <a:buNone/>
+              <a:defRPr sz="2000">
+                <a:solidFill>
+                  <a:schemeClr val="tx1">
+                    <a:lumMod val="50000"/>
+                    <a:lumOff val="50000"/>
+                  </a:schemeClr>
+                </a:solidFill>
               </a:defRPr>
             </a:lvl1pPr>
-          </a:lstStyle>
-          <a:p>
-            <a:r>
-              <a:rPr lang="es-ES" smtClean="0"/>
-              <a:t>Haga clic para modificar el estilo de título del patrón</a:t>
-            </a:r>
-            <a:endParaRPr lang="en-US" dirty="0"/>
-          </a:p>
-        </p:txBody>
-      </p:sp>
-      <p:sp>
-        <p:nvSpPr>
-          <p:cNvPr id="8" name="Subtitle 2"/>
-          <p:cNvSpPr>
-            <a:spLocks noGrp="1"/>
-          </p:cNvSpPr>
-          <p:nvPr>
-            <p:ph type="subTitle" idx="1"/>
-          </p:nvPr>
-        </p:nvSpPr>
-        <p:spPr>
-          <a:xfrm>
-            <a:off x="854532" y="3693674"/>
-            <a:ext cx="9144000" cy="754025"/>
-          </a:xfrm>
-        </p:spPr>
-        <p:txBody>
-          <a:bodyPr anchor="b">
-            <a:normAutofit/>
-          </a:bodyPr>
-          <a:lstStyle>
-            <a:lvl1pPr marL="0" indent="0" algn="l">
-              <a:buNone/>
-              <a:defRPr sz="3200" b="0">
-                <a:gradFill flip="none" rotWithShape="1">
-                  <a:gsLst>
-                    <a:gs pos="15000">
-                      <a:schemeClr val="tx2"/>
-                    </a:gs>
-                    <a:gs pos="73000">
-                      <a:schemeClr val="tx2">
-                        <a:lumMod val="60000"/>
-                        <a:lumOff val="40000"/>
-                      </a:schemeClr>
-                    </a:gs>
-                    <a:gs pos="0">
-                      <a:schemeClr val="tx2">
-                        <a:lumMod val="90000"/>
-                        <a:lumOff val="10000"/>
-                      </a:schemeClr>
-                    </a:gs>
-                    <a:gs pos="100000">
-                      <a:schemeClr val="tx2">
-                        <a:lumMod val="0"/>
-                        <a:lumOff val="100000"/>
-                      </a:schemeClr>
-                    </a:gs>
-                  </a:gsLst>
-                  <a:lin ang="16200000" scaled="1"/>
-                  <a:tileRect/>
-                </a:gradFill>
-                <a:latin typeface="+mj-lt"/>
+            <a:lvl2pPr marL="457200" indent="0">
+              <a:buNone/>
+              <a:defRPr sz="1800">
+                <a:solidFill>
+                  <a:schemeClr val="tx1">
+                    <a:tint val="75000"/>
+                  </a:schemeClr>
+                </a:solidFill>
               </a:defRPr>
-            </a:lvl1pPr>
-            <a:lvl2pPr marL="457200" indent="0" algn="ctr">
-              <a:buNone/>
-              <a:defRPr sz="2000"/>
             </a:lvl2pPr>
-            <a:lvl3pPr marL="914400" indent="0" algn="ctr">
-              <a:buNone/>
-              <a:defRPr sz="1800"/>
+            <a:lvl3pPr marL="914400" indent="0">
+              <a:buNone/>
+              <a:defRPr sz="1600">
+                <a:solidFill>
+                  <a:schemeClr val="tx1">
+                    <a:tint val="75000"/>
+                  </a:schemeClr>
+                </a:solidFill>
+              </a:defRPr>
             </a:lvl3pPr>
-            <a:lvl4pPr marL="1371600" indent="0" algn="ctr">
-              <a:buNone/>
-              <a:defRPr sz="1600"/>
+            <a:lvl4pPr marL="1371600" indent="0">
+              <a:buNone/>
+              <a:defRPr sz="1400">
+                <a:solidFill>
+                  <a:schemeClr val="tx1">
+                    <a:tint val="75000"/>
+                  </a:schemeClr>
+                </a:solidFill>
+              </a:defRPr>
             </a:lvl4pPr>
-            <a:lvl5pPr marL="1828800" indent="0" algn="ctr">
-              <a:buNone/>
-              <a:defRPr sz="1600"/>
+            <a:lvl5pPr marL="1828800" indent="0">
+              <a:buNone/>
+              <a:defRPr sz="1400">
+                <a:solidFill>
+                  <a:schemeClr val="tx1">
+                    <a:tint val="75000"/>
+                  </a:schemeClr>
+                </a:solidFill>
+              </a:defRPr>
             </a:lvl5pPr>
-            <a:lvl6pPr marL="2286000" indent="0" algn="ctr">
-              <a:buNone/>
-              <a:defRPr sz="1600"/>
+            <a:lvl6pPr marL="2286000" indent="0">
+              <a:buNone/>
+              <a:defRPr sz="1400">
+                <a:solidFill>
+                  <a:schemeClr val="tx1">
+                    <a:tint val="75000"/>
+                  </a:schemeClr>
+                </a:solidFill>
+              </a:defRPr>
             </a:lvl6pPr>
-            <a:lvl7pPr marL="2743200" indent="0" algn="ctr">
-              <a:buNone/>
-              <a:defRPr sz="1600"/>
+            <a:lvl7pPr marL="2743200" indent="0">
+              <a:buNone/>
+              <a:defRPr sz="1400">
+                <a:solidFill>
+                  <a:schemeClr val="tx1">
+                    <a:tint val="75000"/>
+                  </a:schemeClr>
+                </a:solidFill>
+              </a:defRPr>
             </a:lvl7pPr>
-            <a:lvl8pPr marL="3200400" indent="0" algn="ctr">
-              <a:buNone/>
-              <a:defRPr sz="1600"/>
+            <a:lvl8pPr marL="3200400" indent="0">
+              <a:buNone/>
+              <a:defRPr sz="1400">
+                <a:solidFill>
+                  <a:schemeClr val="tx1">
+                    <a:tint val="75000"/>
+                  </a:schemeClr>
+                </a:solidFill>
+              </a:defRPr>
             </a:lvl8pPr>
-            <a:lvl9pPr marL="3657600" indent="0" algn="ctr">
-              <a:buNone/>
-              <a:defRPr sz="1600"/>
+            <a:lvl9pPr marL="3657600" indent="0">
+              <a:buNone/>
+              <a:defRPr sz="1400">
+                <a:solidFill>
+                  <a:schemeClr val="tx1">
+                    <a:tint val="75000"/>
+                  </a:schemeClr>
+                </a:solidFill>
+              </a:defRPr>
             </a:lvl9pPr>
           </a:lstStyle>
           <a:p>
+            <a:pPr lvl="0"/>
             <a:r>
               <a:rPr lang="es-ES" smtClean="0"/>
-              <a:t>Haga clic para modificar el estilo de subtítulo del patrón</a:t>
-            </a:r>
-            <a:endParaRPr lang="en-US" dirty="0"/>
+              <a:t>Haga clic para modificar el estilo de texto del patrón</a:t>
+            </a:r>
           </a:p>
         </p:txBody>
       </p:sp>
@@ -3665,7 +3261,7 @@
             <a:fld id="{0CBE8919-C854-473F-863C-B1864504E81A}" type="datetimeFigureOut">
               <a:rPr lang="es-CL" smtClean="0"/>
               <a:pPr/>
-              <a:t>25-09-2014</a:t>
+              <a:t>04-10-2014</a:t>
             </a:fld>
             <a:endParaRPr lang="es-CL"/>
           </a:p>
@@ -3717,7 +3313,7 @@
     </p:spTree>
     <p:extLst>
       <p:ext uri="{BB962C8B-B14F-4D97-AF65-F5344CB8AC3E}">
-        <p14:creationId xmlns:p14="http://schemas.microsoft.com/office/powerpoint/2010/main" val="4096098177"/>
+        <p14:creationId xmlns:p14="http://schemas.microsoft.com/office/powerpoint/2010/main" val="2819445588"/>
       </p:ext>
     </p:extLst>
   </p:cSld>
@@ -3779,8 +3375,8 @@
         </p:nvSpPr>
         <p:spPr>
           <a:xfrm>
-            <a:off x="1120000" y="1825625"/>
-            <a:ext cx="5025216" cy="4351338"/>
+            <a:off x="677334" y="2160589"/>
+            <a:ext cx="4184035" cy="3880772"/>
           </a:xfrm>
         </p:spPr>
         <p:txBody>
@@ -3836,8 +3432,8 @@
         </p:nvSpPr>
         <p:spPr>
           <a:xfrm>
-            <a:off x="6319840" y="1825625"/>
-            <a:ext cx="5033960" cy="4351338"/>
+            <a:off x="5089970" y="2160589"/>
+            <a:ext cx="4184034" cy="3880773"/>
           </a:xfrm>
         </p:spPr>
         <p:txBody>
@@ -3899,7 +3495,7 @@
             <a:fld id="{0CBE8919-C854-473F-863C-B1864504E81A}" type="datetimeFigureOut">
               <a:rPr lang="es-CL" smtClean="0"/>
               <a:pPr/>
-              <a:t>25-09-2014</a:t>
+              <a:t>04-10-2014</a:t>
             </a:fld>
             <a:endParaRPr lang="es-CL"/>
           </a:p>
@@ -3951,7 +3547,7 @@
     </p:spTree>
     <p:extLst>
       <p:ext uri="{BB962C8B-B14F-4D97-AF65-F5344CB8AC3E}">
-        <p14:creationId xmlns:p14="http://schemas.microsoft.com/office/powerpoint/2010/main" val="4247292944"/>
+        <p14:creationId xmlns:p14="http://schemas.microsoft.com/office/powerpoint/2010/main" val="2996622755"/>
       </p:ext>
     </p:extLst>
   </p:cSld>
@@ -3988,73 +3584,47 @@
             <p:ph type="title"/>
           </p:nvPr>
         </p:nvSpPr>
+        <p:spPr/>
+        <p:txBody>
+          <a:bodyPr/>
+          <a:lstStyle>
+            <a:lvl1pPr>
+              <a:defRPr/>
+            </a:lvl1pPr>
+          </a:lstStyle>
+          <a:p>
+            <a:r>
+              <a:rPr lang="es-ES" smtClean="0"/>
+              <a:t>Haga clic para modificar el estilo de título del patrón</a:t>
+            </a:r>
+            <a:endParaRPr lang="en-US" dirty="0"/>
+          </a:p>
+        </p:txBody>
+      </p:sp>
+      <p:sp>
+        <p:nvSpPr>
+          <p:cNvPr id="3" name="Text Placeholder 2"/>
+          <p:cNvSpPr>
+            <a:spLocks noGrp="1"/>
+          </p:cNvSpPr>
+          <p:nvPr>
+            <p:ph type="body" idx="1"/>
+          </p:nvPr>
+        </p:nvSpPr>
         <p:spPr>
           <a:xfrm>
-            <a:off x="839788" y="365125"/>
-            <a:ext cx="10515600" cy="1325563"/>
+            <a:off x="675745" y="2160983"/>
+            <a:ext cx="4185623" cy="576262"/>
           </a:xfrm>
         </p:spPr>
         <p:txBody>
-          <a:bodyPr/>
-          <a:lstStyle/>
-          <a:p>
-            <a:r>
-              <a:rPr lang="es-ES" smtClean="0"/>
-              <a:t>Haga clic para modificar el estilo de título del patrón</a:t>
-            </a:r>
-            <a:endParaRPr lang="en-US" dirty="0"/>
-          </a:p>
-        </p:txBody>
-      </p:sp>
-      <p:sp>
-        <p:nvSpPr>
-          <p:cNvPr id="3" name="Text Placeholder 2"/>
-          <p:cNvSpPr>
-            <a:spLocks noGrp="1"/>
-          </p:cNvSpPr>
-          <p:nvPr>
-            <p:ph type="body" idx="1"/>
-          </p:nvPr>
-        </p:nvSpPr>
-        <p:spPr>
-          <a:xfrm>
-            <a:off x="1120000" y="1681163"/>
-            <a:ext cx="5025216" cy="823912"/>
-          </a:xfrm>
-        </p:spPr>
-        <p:txBody>
-          <a:bodyPr anchor="b"/>
+          <a:bodyPr anchor="b">
+            <a:noAutofit/>
+          </a:bodyPr>
           <a:lstStyle>
             <a:lvl1pPr marL="0" indent="0">
               <a:buNone/>
-              <a:defRPr sz="2400" b="0">
-                <a:gradFill>
-                  <a:gsLst>
-                    <a:gs pos="15000">
-                      <a:schemeClr val="tx2"/>
-                    </a:gs>
-                    <a:gs pos="73000">
-                      <a:schemeClr val="tx2">
-                        <a:lumMod val="60000"/>
-                        <a:lumOff val="40000"/>
-                      </a:schemeClr>
-                    </a:gs>
-                    <a:gs pos="0">
-                      <a:schemeClr val="tx2">
-                        <a:lumMod val="90000"/>
-                        <a:lumOff val="10000"/>
-                      </a:schemeClr>
-                    </a:gs>
-                    <a:gs pos="100000">
-                      <a:schemeClr val="tx2">
-                        <a:lumMod val="0"/>
-                        <a:lumOff val="100000"/>
-                      </a:schemeClr>
-                    </a:gs>
-                  </a:gsLst>
-                  <a:lin ang="16200000" scaled="1"/>
-                </a:gradFill>
-              </a:defRPr>
+              <a:defRPr sz="2400" b="0"/>
             </a:lvl1pPr>
             <a:lvl2pPr marL="457200" indent="0">
               <a:buNone/>
@@ -4110,12 +3680,14 @@
         </p:nvSpPr>
         <p:spPr>
           <a:xfrm>
-            <a:off x="1120000" y="2505075"/>
-            <a:ext cx="5025216" cy="3684588"/>
+            <a:off x="675745" y="2737245"/>
+            <a:ext cx="4185623" cy="3304117"/>
           </a:xfrm>
         </p:spPr>
         <p:txBody>
-          <a:bodyPr/>
+          <a:bodyPr>
+            <a:normAutofit/>
+          </a:bodyPr>
           <a:lstStyle/>
           <a:p>
             <a:pPr lvl="0"/>
@@ -4167,76 +3739,81 @@
         </p:nvSpPr>
         <p:spPr>
           <a:xfrm>
-            <a:off x="6319840" y="1681163"/>
-            <a:ext cx="5035548" cy="823912"/>
+            <a:off x="5088383" y="2160983"/>
+            <a:ext cx="4185618" cy="576262"/>
           </a:xfrm>
         </p:spPr>
         <p:txBody>
-          <a:bodyPr vert="horz" lIns="91440" tIns="45720" rIns="91440" bIns="45720" rtlCol="0" anchor="b">
+          <a:bodyPr anchor="b">
+            <a:noAutofit/>
+          </a:bodyPr>
+          <a:lstStyle>
+            <a:lvl1pPr marL="0" indent="0">
+              <a:buNone/>
+              <a:defRPr sz="2400" b="0"/>
+            </a:lvl1pPr>
+            <a:lvl2pPr marL="457200" indent="0">
+              <a:buNone/>
+              <a:defRPr sz="2000" b="1"/>
+            </a:lvl2pPr>
+            <a:lvl3pPr marL="914400" indent="0">
+              <a:buNone/>
+              <a:defRPr sz="1800" b="1"/>
+            </a:lvl3pPr>
+            <a:lvl4pPr marL="1371600" indent="0">
+              <a:buNone/>
+              <a:defRPr sz="1600" b="1"/>
+            </a:lvl4pPr>
+            <a:lvl5pPr marL="1828800" indent="0">
+              <a:buNone/>
+              <a:defRPr sz="1600" b="1"/>
+            </a:lvl5pPr>
+            <a:lvl6pPr marL="2286000" indent="0">
+              <a:buNone/>
+              <a:defRPr sz="1600" b="1"/>
+            </a:lvl6pPr>
+            <a:lvl7pPr marL="2743200" indent="0">
+              <a:buNone/>
+              <a:defRPr sz="1600" b="1"/>
+            </a:lvl7pPr>
+            <a:lvl8pPr marL="3200400" indent="0">
+              <a:buNone/>
+              <a:defRPr sz="1600" b="1"/>
+            </a:lvl8pPr>
+            <a:lvl9pPr marL="3657600" indent="0">
+              <a:buNone/>
+              <a:defRPr sz="1600" b="1"/>
+            </a:lvl9pPr>
+          </a:lstStyle>
+          <a:p>
+            <a:pPr lvl="0"/>
+            <a:r>
+              <a:rPr lang="es-ES" smtClean="0"/>
+              <a:t>Haga clic para modificar el estilo de texto del patrón</a:t>
+            </a:r>
+          </a:p>
+        </p:txBody>
+      </p:sp>
+      <p:sp>
+        <p:nvSpPr>
+          <p:cNvPr id="6" name="Content Placeholder 5"/>
+          <p:cNvSpPr>
+            <a:spLocks noGrp="1"/>
+          </p:cNvSpPr>
+          <p:nvPr>
+            <p:ph sz="quarter" idx="4"/>
+          </p:nvPr>
+        </p:nvSpPr>
+        <p:spPr>
+          <a:xfrm>
+            <a:off x="5088384" y="2737245"/>
+            <a:ext cx="4185617" cy="3304117"/>
+          </a:xfrm>
+        </p:spPr>
+        <p:txBody>
+          <a:bodyPr>
             <a:normAutofit/>
           </a:bodyPr>
-          <a:lstStyle>
-            <a:lvl1pPr>
-              <a:buNone/>
-              <a:defRPr lang="en-US" sz="2400" b="0">
-                <a:gradFill>
-                  <a:gsLst>
-                    <a:gs pos="15000">
-                      <a:schemeClr val="tx2"/>
-                    </a:gs>
-                    <a:gs pos="73000">
-                      <a:schemeClr val="tx2">
-                        <a:lumMod val="60000"/>
-                        <a:lumOff val="40000"/>
-                      </a:schemeClr>
-                    </a:gs>
-                    <a:gs pos="0">
-                      <a:schemeClr val="tx2">
-                        <a:lumMod val="90000"/>
-                        <a:lumOff val="10000"/>
-                      </a:schemeClr>
-                    </a:gs>
-                    <a:gs pos="100000">
-                      <a:schemeClr val="tx2">
-                        <a:lumMod val="0"/>
-                        <a:lumOff val="100000"/>
-                      </a:schemeClr>
-                    </a:gs>
-                  </a:gsLst>
-                  <a:lin ang="16200000" scaled="1"/>
-                </a:gradFill>
-              </a:defRPr>
-            </a:lvl1pPr>
-          </a:lstStyle>
-          <a:p>
-            <a:pPr marL="0" lvl="0" indent="0">
-              <a:buNone/>
-            </a:pPr>
-            <a:r>
-              <a:rPr lang="es-ES" smtClean="0"/>
-              <a:t>Haga clic para modificar el estilo de texto del patrón</a:t>
-            </a:r>
-          </a:p>
-        </p:txBody>
-      </p:sp>
-      <p:sp>
-        <p:nvSpPr>
-          <p:cNvPr id="6" name="Content Placeholder 5"/>
-          <p:cNvSpPr>
-            <a:spLocks noGrp="1"/>
-          </p:cNvSpPr>
-          <p:nvPr>
-            <p:ph sz="quarter" idx="4"/>
-          </p:nvPr>
-        </p:nvSpPr>
-        <p:spPr>
-          <a:xfrm>
-            <a:off x="6319840" y="2505075"/>
-            <a:ext cx="5035548" cy="3684588"/>
-          </a:xfrm>
-        </p:spPr>
-        <p:txBody>
-          <a:bodyPr/>
           <a:lstStyle/>
           <a:p>
             <a:pPr lvl="0"/>
@@ -4294,7 +3871,7 @@
             <a:fld id="{0CBE8919-C854-473F-863C-B1864504E81A}" type="datetimeFigureOut">
               <a:rPr lang="es-CL" smtClean="0"/>
               <a:pPr/>
-              <a:t>25-09-2014</a:t>
+              <a:t>04-10-2014</a:t>
             </a:fld>
             <a:endParaRPr lang="es-CL"/>
           </a:p>
@@ -4346,7 +3923,7 @@
     </p:spTree>
     <p:extLst>
       <p:ext uri="{BB962C8B-B14F-4D97-AF65-F5344CB8AC3E}">
-        <p14:creationId xmlns:p14="http://schemas.microsoft.com/office/powerpoint/2010/main" val="3005081796"/>
+        <p14:creationId xmlns:p14="http://schemas.microsoft.com/office/powerpoint/2010/main" val="473090959"/>
       </p:ext>
     </p:extLst>
   </p:cSld>
@@ -4383,7 +3960,12 @@
             <p:ph type="title"/>
           </p:nvPr>
         </p:nvSpPr>
-        <p:spPr/>
+        <p:spPr>
+          <a:xfrm>
+            <a:off x="677334" y="609600"/>
+            <a:ext cx="8596668" cy="1320800"/>
+          </a:xfrm>
+        </p:spPr>
         <p:txBody>
           <a:bodyPr/>
           <a:lstStyle/>
@@ -4414,7 +3996,7 @@
             <a:fld id="{0CBE8919-C854-473F-863C-B1864504E81A}" type="datetimeFigureOut">
               <a:rPr lang="es-CL" smtClean="0"/>
               <a:pPr/>
-              <a:t>25-09-2014</a:t>
+              <a:t>04-10-2014</a:t>
             </a:fld>
             <a:endParaRPr lang="es-CL"/>
           </a:p>
@@ -4466,7 +4048,7 @@
     </p:spTree>
     <p:extLst>
       <p:ext uri="{BB962C8B-B14F-4D97-AF65-F5344CB8AC3E}">
-        <p14:creationId xmlns:p14="http://schemas.microsoft.com/office/powerpoint/2010/main" val="3636870702"/>
+        <p14:creationId xmlns:p14="http://schemas.microsoft.com/office/powerpoint/2010/main" val="3437270783"/>
       </p:ext>
     </p:extLst>
   </p:cSld>
@@ -4511,7 +4093,7 @@
             <a:fld id="{0CBE8919-C854-473F-863C-B1864504E81A}" type="datetimeFigureOut">
               <a:rPr lang="es-CL" smtClean="0"/>
               <a:pPr/>
-              <a:t>25-09-2014</a:t>
+              <a:t>04-10-2014</a:t>
             </a:fld>
             <a:endParaRPr lang="es-CL"/>
           </a:p>
@@ -4563,7 +4145,7 @@
     </p:spTree>
     <p:extLst>
       <p:ext uri="{BB962C8B-B14F-4D97-AF65-F5344CB8AC3E}">
-        <p14:creationId xmlns:p14="http://schemas.microsoft.com/office/powerpoint/2010/main" val="698152137"/>
+        <p14:creationId xmlns:p14="http://schemas.microsoft.com/office/powerpoint/2010/main" val="4019277699"/>
       </p:ext>
     </p:extLst>
   </p:cSld>
@@ -4602,15 +4184,17 @@
         </p:nvSpPr>
         <p:spPr>
           <a:xfrm>
-            <a:off x="839788" y="457200"/>
-            <a:ext cx="3932237" cy="1600200"/>
+            <a:off x="677334" y="1498604"/>
+            <a:ext cx="3854528" cy="1278466"/>
           </a:xfrm>
         </p:spPr>
         <p:txBody>
-          <a:bodyPr anchor="b"/>
+          <a:bodyPr anchor="b">
+            <a:normAutofit/>
+          </a:bodyPr>
           <a:lstStyle>
             <a:lvl1pPr>
-              <a:defRPr sz="3200"/>
+              <a:defRPr sz="2000"/>
             </a:lvl1pPr>
           </a:lstStyle>
           <a:p>
@@ -4634,12 +4218,14 @@
         </p:nvSpPr>
         <p:spPr>
           <a:xfrm>
-            <a:off x="5183188" y="987425"/>
-            <a:ext cx="6172200" cy="4873625"/>
+            <a:off x="4760461" y="514924"/>
+            <a:ext cx="4513541" cy="5526437"/>
           </a:xfrm>
         </p:spPr>
         <p:txBody>
-          <a:bodyPr/>
+          <a:bodyPr>
+            <a:normAutofit/>
+          </a:bodyPr>
           <a:lstStyle/>
           <a:p>
             <a:pPr lvl="0"/>
@@ -4691,70 +4277,48 @@
         </p:nvSpPr>
         <p:spPr>
           <a:xfrm>
-            <a:off x="1120000" y="2057400"/>
-            <a:ext cx="3652025" cy="3811588"/>
+            <a:off x="677334" y="2777069"/>
+            <a:ext cx="3854528" cy="2584449"/>
           </a:xfrm>
         </p:spPr>
         <p:txBody>
-          <a:bodyPr/>
+          <a:bodyPr>
+            <a:normAutofit/>
+          </a:bodyPr>
           <a:lstStyle>
             <a:lvl1pPr marL="0" indent="0">
               <a:buNone/>
-              <a:defRPr sz="1600">
-                <a:gradFill>
-                  <a:gsLst>
-                    <a:gs pos="15000">
-                      <a:schemeClr val="tx2"/>
-                    </a:gs>
-                    <a:gs pos="73000">
-                      <a:schemeClr val="tx2">
-                        <a:lumMod val="60000"/>
-                        <a:lumOff val="40000"/>
-                      </a:schemeClr>
-                    </a:gs>
-                    <a:gs pos="0">
-                      <a:schemeClr val="tx1"/>
-                    </a:gs>
-                    <a:gs pos="100000">
-                      <a:schemeClr val="tx2">
-                        <a:lumMod val="0"/>
-                        <a:lumOff val="100000"/>
-                      </a:schemeClr>
-                    </a:gs>
-                  </a:gsLst>
-                  <a:lin ang="16200000" scaled="1"/>
-                </a:gradFill>
-              </a:defRPr>
+              <a:defRPr sz="1400"/>
             </a:lvl1pPr>
-            <a:lvl2pPr marL="457200" indent="0">
+            <a:lvl2pPr marL="457063" indent="0">
               <a:buNone/>
               <a:defRPr sz="1400"/>
             </a:lvl2pPr>
-            <a:lvl3pPr marL="914400" indent="0">
+            <a:lvl3pPr marL="914126" indent="0">
               <a:buNone/>
               <a:defRPr sz="1200"/>
             </a:lvl3pPr>
-            <a:lvl4pPr marL="1371600" indent="0">
+            <a:lvl4pPr marL="1371189" indent="0">
               <a:buNone/>
               <a:defRPr sz="1000"/>
             </a:lvl4pPr>
-            <a:lvl5pPr marL="1828800" indent="0">
+            <a:lvl5pPr marL="1828251" indent="0">
               <a:buNone/>
               <a:defRPr sz="1000"/>
             </a:lvl5pPr>
-            <a:lvl6pPr marL="2286000" indent="0">
+            <a:lvl6pPr marL="2285314" indent="0">
               <a:buNone/>
               <a:defRPr sz="1000"/>
             </a:lvl6pPr>
-            <a:lvl7pPr marL="2743200" indent="0">
+            <a:lvl7pPr marL="2742377" indent="0">
               <a:buNone/>
               <a:defRPr sz="1000"/>
             </a:lvl7pPr>
-            <a:lvl8pPr marL="3200400" indent="0">
+            <a:lvl8pPr marL="3199440" indent="0">
               <a:buNone/>
               <a:defRPr sz="1000"/>
             </a:lvl8pPr>
-            <a:lvl9pPr marL="3657600" indent="0">
+            <a:lvl9pPr marL="3656503" indent="0">
               <a:buNone/>
               <a:defRPr sz="1000"/>
             </a:lvl9pPr>
@@ -4786,7 +4350,7 @@
             <a:fld id="{0CBE8919-C854-473F-863C-B1864504E81A}" type="datetimeFigureOut">
               <a:rPr lang="es-CL" smtClean="0"/>
               <a:pPr/>
-              <a:t>25-09-2014</a:t>
+              <a:t>04-10-2014</a:t>
             </a:fld>
             <a:endParaRPr lang="es-CL"/>
           </a:p>
@@ -4838,7 +4402,7 @@
     </p:spTree>
     <p:extLst>
       <p:ext uri="{BB962C8B-B14F-4D97-AF65-F5344CB8AC3E}">
-        <p14:creationId xmlns:p14="http://schemas.microsoft.com/office/powerpoint/2010/main" val="113331430"/>
+        <p14:creationId xmlns:p14="http://schemas.microsoft.com/office/powerpoint/2010/main" val="2247490160"/>
       </p:ext>
     </p:extLst>
   </p:cSld>
@@ -4877,15 +4441,17 @@
         </p:nvSpPr>
         <p:spPr>
           <a:xfrm>
-            <a:off x="839788" y="457200"/>
-            <a:ext cx="3932237" cy="1600200"/>
+            <a:off x="677334" y="4800600"/>
+            <a:ext cx="8596667" cy="566738"/>
           </a:xfrm>
         </p:spPr>
         <p:txBody>
-          <a:bodyPr anchor="b"/>
+          <a:bodyPr anchor="b">
+            <a:normAutofit/>
+          </a:bodyPr>
           <a:lstStyle>
-            <a:lvl1pPr>
-              <a:defRPr sz="3200"/>
+            <a:lvl1pPr algn="l">
+              <a:defRPr sz="2400" b="0"/>
             </a:lvl1pPr>
           </a:lstStyle>
           <a:p>
@@ -4909,137 +4475,117 @@
         </p:nvSpPr>
         <p:spPr>
           <a:xfrm>
-            <a:off x="5183188" y="987425"/>
-            <a:ext cx="6172200" cy="4873625"/>
+            <a:off x="677334" y="609600"/>
+            <a:ext cx="8596668" cy="3845718"/>
           </a:xfrm>
         </p:spPr>
         <p:txBody>
-          <a:bodyPr anchor="t"/>
+          <a:bodyPr anchor="t">
+            <a:normAutofit/>
+          </a:bodyPr>
+          <a:lstStyle>
+            <a:lvl1pPr marL="0" indent="0" algn="ctr">
+              <a:buNone/>
+              <a:defRPr sz="1600"/>
+            </a:lvl1pPr>
+            <a:lvl2pPr marL="457200" indent="0">
+              <a:buNone/>
+              <a:defRPr sz="1600"/>
+            </a:lvl2pPr>
+            <a:lvl3pPr marL="914400" indent="0">
+              <a:buNone/>
+              <a:defRPr sz="1600"/>
+            </a:lvl3pPr>
+            <a:lvl4pPr marL="1371600" indent="0">
+              <a:buNone/>
+              <a:defRPr sz="1600"/>
+            </a:lvl4pPr>
+            <a:lvl5pPr marL="1828800" indent="0">
+              <a:buNone/>
+              <a:defRPr sz="1600"/>
+            </a:lvl5pPr>
+            <a:lvl6pPr marL="2286000" indent="0">
+              <a:buNone/>
+              <a:defRPr sz="1600"/>
+            </a:lvl6pPr>
+            <a:lvl7pPr marL="2743200" indent="0">
+              <a:buNone/>
+              <a:defRPr sz="1600"/>
+            </a:lvl7pPr>
+            <a:lvl8pPr marL="3200400" indent="0">
+              <a:buNone/>
+              <a:defRPr sz="1600"/>
+            </a:lvl8pPr>
+            <a:lvl9pPr marL="3657600" indent="0">
+              <a:buNone/>
+              <a:defRPr sz="1600"/>
+            </a:lvl9pPr>
+          </a:lstStyle>
+          <a:p>
+            <a:r>
+              <a:rPr lang="es-ES" smtClean="0"/>
+              <a:t>Haga clic en el icono para agregar una imagen</a:t>
+            </a:r>
+            <a:endParaRPr lang="en-US" dirty="0"/>
+          </a:p>
+        </p:txBody>
+      </p:sp>
+      <p:sp>
+        <p:nvSpPr>
+          <p:cNvPr id="4" name="Text Placeholder 3"/>
+          <p:cNvSpPr>
+            <a:spLocks noGrp="1"/>
+          </p:cNvSpPr>
+          <p:nvPr>
+            <p:ph type="body" sz="half" idx="2"/>
+          </p:nvPr>
+        </p:nvSpPr>
+        <p:spPr>
+          <a:xfrm>
+            <a:off x="677334" y="5367338"/>
+            <a:ext cx="8596667" cy="674024"/>
+          </a:xfrm>
+        </p:spPr>
+        <p:txBody>
+          <a:bodyPr>
+            <a:normAutofit/>
+          </a:bodyPr>
           <a:lstStyle>
             <a:lvl1pPr marL="0" indent="0">
               <a:buNone/>
-              <a:defRPr sz="3200"/>
+              <a:defRPr sz="1200"/>
             </a:lvl1pPr>
             <a:lvl2pPr marL="457200" indent="0">
               <a:buNone/>
-              <a:defRPr sz="2800"/>
+              <a:defRPr sz="1200"/>
             </a:lvl2pPr>
             <a:lvl3pPr marL="914400" indent="0">
               <a:buNone/>
-              <a:defRPr sz="2400"/>
+              <a:defRPr sz="1000"/>
             </a:lvl3pPr>
             <a:lvl4pPr marL="1371600" indent="0">
               <a:buNone/>
-              <a:defRPr sz="2000"/>
+              <a:defRPr sz="900"/>
             </a:lvl4pPr>
             <a:lvl5pPr marL="1828800" indent="0">
               <a:buNone/>
-              <a:defRPr sz="2000"/>
+              <a:defRPr sz="900"/>
             </a:lvl5pPr>
             <a:lvl6pPr marL="2286000" indent="0">
               <a:buNone/>
-              <a:defRPr sz="2000"/>
+              <a:defRPr sz="900"/>
             </a:lvl6pPr>
             <a:lvl7pPr marL="2743200" indent="0">
               <a:buNone/>
-              <a:defRPr sz="2000"/>
+              <a:defRPr sz="900"/>
             </a:lvl7pPr>
             <a:lvl8pPr marL="3200400" indent="0">
               <a:buNone/>
-              <a:defRPr sz="2000"/>
+              <a:defRPr sz="900"/>
             </a:lvl8pPr>
             <a:lvl9pPr marL="3657600" indent="0">
               <a:buNone/>
-              <a:defRPr sz="2000"/>
-            </a:lvl9pPr>
-          </a:lstStyle>
-          <a:p>
-            <a:r>
-              <a:rPr lang="es-ES" smtClean="0"/>
-              <a:t>Haga clic en el icono para agregar una imagen</a:t>
-            </a:r>
-            <a:endParaRPr lang="en-US" dirty="0"/>
-          </a:p>
-        </p:txBody>
-      </p:sp>
-      <p:sp>
-        <p:nvSpPr>
-          <p:cNvPr id="4" name="Text Placeholder 3"/>
-          <p:cNvSpPr>
-            <a:spLocks noGrp="1"/>
-          </p:cNvSpPr>
-          <p:nvPr>
-            <p:ph type="body" sz="half" idx="2"/>
-          </p:nvPr>
-        </p:nvSpPr>
-        <p:spPr>
-          <a:xfrm>
-            <a:off x="1120000" y="2057400"/>
-            <a:ext cx="3652025" cy="3811588"/>
-          </a:xfrm>
-        </p:spPr>
-        <p:txBody>
-          <a:bodyPr/>
-          <a:lstStyle>
-            <a:lvl1pPr marL="0" indent="0">
-              <a:buNone/>
-              <a:defRPr sz="1600">
-                <a:gradFill>
-                  <a:gsLst>
-                    <a:gs pos="15000">
-                      <a:schemeClr val="tx2"/>
-                    </a:gs>
-                    <a:gs pos="73000">
-                      <a:schemeClr val="tx2">
-                        <a:lumMod val="60000"/>
-                        <a:lumOff val="40000"/>
-                      </a:schemeClr>
-                    </a:gs>
-                    <a:gs pos="0">
-                      <a:schemeClr val="tx1"/>
-                    </a:gs>
-                    <a:gs pos="100000">
-                      <a:schemeClr val="tx2">
-                        <a:lumMod val="0"/>
-                        <a:lumOff val="100000"/>
-                      </a:schemeClr>
-                    </a:gs>
-                  </a:gsLst>
-                  <a:lin ang="16200000" scaled="1"/>
-                </a:gradFill>
-              </a:defRPr>
-            </a:lvl1pPr>
-            <a:lvl2pPr marL="457200" indent="0">
-              <a:buNone/>
-              <a:defRPr sz="1400"/>
-            </a:lvl2pPr>
-            <a:lvl3pPr marL="914400" indent="0">
-              <a:buNone/>
-              <a:defRPr sz="1200"/>
-            </a:lvl3pPr>
-            <a:lvl4pPr marL="1371600" indent="0">
-              <a:buNone/>
-              <a:defRPr sz="1000"/>
-            </a:lvl4pPr>
-            <a:lvl5pPr marL="1828800" indent="0">
-              <a:buNone/>
-              <a:defRPr sz="1000"/>
-            </a:lvl5pPr>
-            <a:lvl6pPr marL="2286000" indent="0">
-              <a:buNone/>
-              <a:defRPr sz="1000"/>
-            </a:lvl6pPr>
-            <a:lvl7pPr marL="2743200" indent="0">
-              <a:buNone/>
-              <a:defRPr sz="1000"/>
-            </a:lvl7pPr>
-            <a:lvl8pPr marL="3200400" indent="0">
-              <a:buNone/>
-              <a:defRPr sz="1000"/>
-            </a:lvl8pPr>
-            <a:lvl9pPr marL="3657600" indent="0">
-              <a:buNone/>
-              <a:defRPr sz="1000"/>
+              <a:defRPr sz="900"/>
             </a:lvl9pPr>
           </a:lstStyle>
           <a:p>
@@ -5069,7 +4615,7 @@
             <a:fld id="{0CBE8919-C854-473F-863C-B1864504E81A}" type="datetimeFigureOut">
               <a:rPr lang="es-CL" smtClean="0"/>
               <a:pPr/>
-              <a:t>25-09-2014</a:t>
+              <a:t>04-10-2014</a:t>
             </a:fld>
             <a:endParaRPr lang="es-CL"/>
           </a:p>
@@ -5121,7 +4667,7 @@
     </p:spTree>
     <p:extLst>
       <p:ext uri="{BB962C8B-B14F-4D97-AF65-F5344CB8AC3E}">
-        <p14:creationId xmlns:p14="http://schemas.microsoft.com/office/powerpoint/2010/main" val="150748179"/>
+        <p14:creationId xmlns:p14="http://schemas.microsoft.com/office/powerpoint/2010/main" val="1451200591"/>
       </p:ext>
     </p:extLst>
   </p:cSld>
@@ -5135,18 +4681,9 @@
 <p:sldMaster xmlns:a="http://schemas.openxmlformats.org/drawingml/2006/main" xmlns:r="http://schemas.openxmlformats.org/officeDocument/2006/relationships" xmlns:p="http://schemas.openxmlformats.org/presentationml/2006/main">
   <p:cSld>
     <p:bg>
-      <p:bgPr>
-        <a:blipFill dpi="0" rotWithShape="1">
-          <a:blip r:embed="rId19" cstate="print">
-            <a:lum/>
-          </a:blip>
-          <a:srcRect/>
-          <a:stretch>
-            <a:fillRect/>
-          </a:stretch>
-        </a:blipFill>
-        <a:effectLst/>
-      </p:bgPr>
+      <p:bgRef idx="1001">
+        <a:schemeClr val="bg1"/>
+      </p:bgRef>
     </p:bg>
     <p:spTree>
       <p:nvGrpSpPr>
@@ -5162,6 +4699,536 @@
           <a:chExt cx="0" cy="0"/>
         </a:xfrm>
       </p:grpSpPr>
+      <p:grpSp>
+        <p:nvGrpSpPr>
+          <p:cNvPr id="7" name="Group 6"/>
+          <p:cNvGrpSpPr/>
+          <p:nvPr/>
+        </p:nvGrpSpPr>
+        <p:grpSpPr>
+          <a:xfrm>
+            <a:off x="0" y="-8467"/>
+            <a:ext cx="12192000" cy="6866467"/>
+            <a:chOff x="0" y="-8467"/>
+            <a:chExt cx="12192000" cy="6866467"/>
+          </a:xfrm>
+        </p:grpSpPr>
+        <p:cxnSp>
+          <p:nvCxnSpPr>
+            <p:cNvPr id="20" name="Straight Connector 19"/>
+            <p:cNvCxnSpPr/>
+            <p:nvPr/>
+          </p:nvCxnSpPr>
+          <p:spPr>
+            <a:xfrm>
+              <a:off x="9371012" y="0"/>
+              <a:ext cx="1219200" cy="6858000"/>
+            </a:xfrm>
+            <a:prstGeom prst="line">
+              <a:avLst/>
+            </a:prstGeom>
+            <a:ln w="9525">
+              <a:solidFill>
+                <a:schemeClr val="bg1">
+                  <a:lumMod val="75000"/>
+                </a:schemeClr>
+              </a:solidFill>
+            </a:ln>
+          </p:spPr>
+          <p:style>
+            <a:lnRef idx="2">
+              <a:schemeClr val="accent1"/>
+            </a:lnRef>
+            <a:fillRef idx="0">
+              <a:schemeClr val="accent1"/>
+            </a:fillRef>
+            <a:effectRef idx="1">
+              <a:schemeClr val="accent1"/>
+            </a:effectRef>
+            <a:fontRef idx="minor">
+              <a:schemeClr val="tx1"/>
+            </a:fontRef>
+          </p:style>
+        </p:cxnSp>
+        <p:cxnSp>
+          <p:nvCxnSpPr>
+            <p:cNvPr id="21" name="Straight Connector 20"/>
+            <p:cNvCxnSpPr/>
+            <p:nvPr/>
+          </p:nvCxnSpPr>
+          <p:spPr>
+            <a:xfrm flipH="1">
+              <a:off x="7425267" y="3681413"/>
+              <a:ext cx="4763558" cy="3176587"/>
+            </a:xfrm>
+            <a:prstGeom prst="line">
+              <a:avLst/>
+            </a:prstGeom>
+            <a:ln w="9525">
+              <a:solidFill>
+                <a:schemeClr val="bg1">
+                  <a:lumMod val="85000"/>
+                </a:schemeClr>
+              </a:solidFill>
+            </a:ln>
+          </p:spPr>
+          <p:style>
+            <a:lnRef idx="2">
+              <a:schemeClr val="accent1"/>
+            </a:lnRef>
+            <a:fillRef idx="0">
+              <a:schemeClr val="accent1"/>
+            </a:fillRef>
+            <a:effectRef idx="1">
+              <a:schemeClr val="accent1"/>
+            </a:effectRef>
+            <a:fontRef idx="minor">
+              <a:schemeClr val="tx1"/>
+            </a:fontRef>
+          </p:style>
+        </p:cxnSp>
+        <p:sp>
+          <p:nvSpPr>
+            <p:cNvPr id="22" name="Rectangle 23"/>
+            <p:cNvSpPr/>
+            <p:nvPr/>
+          </p:nvSpPr>
+          <p:spPr>
+            <a:xfrm>
+              <a:off x="9181476" y="-8467"/>
+              <a:ext cx="3007349" cy="6866467"/>
+            </a:xfrm>
+            <a:custGeom>
+              <a:avLst/>
+              <a:gdLst/>
+              <a:ahLst/>
+              <a:cxnLst/>
+              <a:rect l="l" t="t" r="r" b="b"/>
+              <a:pathLst>
+                <a:path w="3007349" h="6866467">
+                  <a:moveTo>
+                    <a:pt x="2045532" y="0"/>
+                  </a:moveTo>
+                  <a:lnTo>
+                    <a:pt x="3007349" y="0"/>
+                  </a:lnTo>
+                  <a:lnTo>
+                    <a:pt x="3007349" y="6866467"/>
+                  </a:lnTo>
+                  <a:lnTo>
+                    <a:pt x="0" y="6866467"/>
+                  </a:lnTo>
+                  <a:lnTo>
+                    <a:pt x="2045532" y="0"/>
+                  </a:lnTo>
+                  <a:close/>
+                </a:path>
+              </a:pathLst>
+            </a:custGeom>
+            <a:solidFill>
+              <a:schemeClr val="accent1">
+                <a:alpha val="30000"/>
+              </a:schemeClr>
+            </a:solidFill>
+            <a:ln>
+              <a:noFill/>
+            </a:ln>
+            <a:effectLst/>
+          </p:spPr>
+          <p:style>
+            <a:lnRef idx="1">
+              <a:schemeClr val="accent1"/>
+            </a:lnRef>
+            <a:fillRef idx="3">
+              <a:schemeClr val="accent1"/>
+            </a:fillRef>
+            <a:effectRef idx="2">
+              <a:schemeClr val="accent1"/>
+            </a:effectRef>
+            <a:fontRef idx="minor">
+              <a:schemeClr val="lt1"/>
+            </a:fontRef>
+          </p:style>
+        </p:sp>
+        <p:sp>
+          <p:nvSpPr>
+            <p:cNvPr id="23" name="Rectangle 25"/>
+            <p:cNvSpPr/>
+            <p:nvPr/>
+          </p:nvSpPr>
+          <p:spPr>
+            <a:xfrm>
+              <a:off x="9603442" y="-8467"/>
+              <a:ext cx="2588558" cy="6866467"/>
+            </a:xfrm>
+            <a:custGeom>
+              <a:avLst/>
+              <a:gdLst/>
+              <a:ahLst/>
+              <a:cxnLst/>
+              <a:rect l="l" t="t" r="r" b="b"/>
+              <a:pathLst>
+                <a:path w="2573311" h="6866467">
+                  <a:moveTo>
+                    <a:pt x="0" y="0"/>
+                  </a:moveTo>
+                  <a:lnTo>
+                    <a:pt x="2573311" y="0"/>
+                  </a:lnTo>
+                  <a:lnTo>
+                    <a:pt x="2573311" y="6866467"/>
+                  </a:lnTo>
+                  <a:lnTo>
+                    <a:pt x="1202336" y="6866467"/>
+                  </a:lnTo>
+                  <a:lnTo>
+                    <a:pt x="0" y="0"/>
+                  </a:lnTo>
+                  <a:close/>
+                </a:path>
+              </a:pathLst>
+            </a:custGeom>
+            <a:solidFill>
+              <a:schemeClr val="accent1">
+                <a:alpha val="20000"/>
+              </a:schemeClr>
+            </a:solidFill>
+            <a:ln>
+              <a:noFill/>
+            </a:ln>
+            <a:effectLst/>
+          </p:spPr>
+          <p:style>
+            <a:lnRef idx="1">
+              <a:schemeClr val="accent1"/>
+            </a:lnRef>
+            <a:fillRef idx="3">
+              <a:schemeClr val="accent1"/>
+            </a:fillRef>
+            <a:effectRef idx="2">
+              <a:schemeClr val="accent1"/>
+            </a:effectRef>
+            <a:fontRef idx="minor">
+              <a:schemeClr val="lt1"/>
+            </a:fontRef>
+          </p:style>
+        </p:sp>
+        <p:sp>
+          <p:nvSpPr>
+            <p:cNvPr id="24" name="Isosceles Triangle 23"/>
+            <p:cNvSpPr/>
+            <p:nvPr/>
+          </p:nvSpPr>
+          <p:spPr>
+            <a:xfrm>
+              <a:off x="8932333" y="3048000"/>
+              <a:ext cx="3259667" cy="3810000"/>
+            </a:xfrm>
+            <a:prstGeom prst="triangle">
+              <a:avLst>
+                <a:gd name="adj" fmla="val 100000"/>
+              </a:avLst>
+            </a:prstGeom>
+            <a:solidFill>
+              <a:schemeClr val="accent2">
+                <a:alpha val="72000"/>
+              </a:schemeClr>
+            </a:solidFill>
+            <a:ln>
+              <a:noFill/>
+            </a:ln>
+            <a:effectLst/>
+          </p:spPr>
+          <p:style>
+            <a:lnRef idx="1">
+              <a:schemeClr val="accent1"/>
+            </a:lnRef>
+            <a:fillRef idx="3">
+              <a:schemeClr val="accent1"/>
+            </a:fillRef>
+            <a:effectRef idx="2">
+              <a:schemeClr val="accent1"/>
+            </a:effectRef>
+            <a:fontRef idx="minor">
+              <a:schemeClr val="lt1"/>
+            </a:fontRef>
+          </p:style>
+        </p:sp>
+        <p:sp>
+          <p:nvSpPr>
+            <p:cNvPr id="25" name="Rectangle 27"/>
+            <p:cNvSpPr/>
+            <p:nvPr/>
+          </p:nvSpPr>
+          <p:spPr>
+            <a:xfrm>
+              <a:off x="9334500" y="-8467"/>
+              <a:ext cx="2854326" cy="6866467"/>
+            </a:xfrm>
+            <a:custGeom>
+              <a:avLst/>
+              <a:gdLst/>
+              <a:ahLst/>
+              <a:cxnLst/>
+              <a:rect l="l" t="t" r="r" b="b"/>
+              <a:pathLst>
+                <a:path w="2858013" h="6866467">
+                  <a:moveTo>
+                    <a:pt x="0" y="0"/>
+                  </a:moveTo>
+                  <a:lnTo>
+                    <a:pt x="2858013" y="0"/>
+                  </a:lnTo>
+                  <a:lnTo>
+                    <a:pt x="2858013" y="6866467"/>
+                  </a:lnTo>
+                  <a:lnTo>
+                    <a:pt x="2473942" y="6866467"/>
+                  </a:lnTo>
+                  <a:lnTo>
+                    <a:pt x="0" y="0"/>
+                  </a:lnTo>
+                  <a:close/>
+                </a:path>
+              </a:pathLst>
+            </a:custGeom>
+            <a:solidFill>
+              <a:schemeClr val="accent2">
+                <a:lumMod val="75000"/>
+                <a:alpha val="70000"/>
+              </a:schemeClr>
+            </a:solidFill>
+            <a:ln>
+              <a:noFill/>
+            </a:ln>
+            <a:effectLst/>
+          </p:spPr>
+          <p:style>
+            <a:lnRef idx="1">
+              <a:schemeClr val="accent1"/>
+            </a:lnRef>
+            <a:fillRef idx="3">
+              <a:schemeClr val="accent1"/>
+            </a:fillRef>
+            <a:effectRef idx="2">
+              <a:schemeClr val="accent1"/>
+            </a:effectRef>
+            <a:fontRef idx="minor">
+              <a:schemeClr val="lt1"/>
+            </a:fontRef>
+          </p:style>
+        </p:sp>
+        <p:sp>
+          <p:nvSpPr>
+            <p:cNvPr id="26" name="Rectangle 28"/>
+            <p:cNvSpPr/>
+            <p:nvPr/>
+          </p:nvSpPr>
+          <p:spPr>
+            <a:xfrm>
+              <a:off x="10898730" y="-8467"/>
+              <a:ext cx="1290094" cy="6866467"/>
+            </a:xfrm>
+            <a:custGeom>
+              <a:avLst/>
+              <a:gdLst/>
+              <a:ahLst/>
+              <a:cxnLst/>
+              <a:rect l="l" t="t" r="r" b="b"/>
+              <a:pathLst>
+                <a:path w="1290094" h="6858000">
+                  <a:moveTo>
+                    <a:pt x="1019735" y="0"/>
+                  </a:moveTo>
+                  <a:lnTo>
+                    <a:pt x="1290094" y="0"/>
+                  </a:lnTo>
+                  <a:lnTo>
+                    <a:pt x="1290094" y="6858000"/>
+                  </a:lnTo>
+                  <a:lnTo>
+                    <a:pt x="0" y="6858000"/>
+                  </a:lnTo>
+                  <a:lnTo>
+                    <a:pt x="1019735" y="0"/>
+                  </a:lnTo>
+                  <a:close/>
+                </a:path>
+              </a:pathLst>
+            </a:custGeom>
+            <a:solidFill>
+              <a:schemeClr val="accent1">
+                <a:lumMod val="60000"/>
+                <a:lumOff val="40000"/>
+                <a:alpha val="70000"/>
+              </a:schemeClr>
+            </a:solidFill>
+            <a:ln>
+              <a:noFill/>
+            </a:ln>
+            <a:effectLst/>
+          </p:spPr>
+          <p:style>
+            <a:lnRef idx="1">
+              <a:schemeClr val="accent1"/>
+            </a:lnRef>
+            <a:fillRef idx="3">
+              <a:schemeClr val="accent1"/>
+            </a:fillRef>
+            <a:effectRef idx="2">
+              <a:schemeClr val="accent1"/>
+            </a:effectRef>
+            <a:fontRef idx="minor">
+              <a:schemeClr val="lt1"/>
+            </a:fontRef>
+          </p:style>
+        </p:sp>
+        <p:sp>
+          <p:nvSpPr>
+            <p:cNvPr id="27" name="Rectangle 29"/>
+            <p:cNvSpPr/>
+            <p:nvPr/>
+          </p:nvSpPr>
+          <p:spPr>
+            <a:xfrm>
+              <a:off x="10938999" y="-8467"/>
+              <a:ext cx="1249825" cy="6866467"/>
+            </a:xfrm>
+            <a:custGeom>
+              <a:avLst/>
+              <a:gdLst/>
+              <a:ahLst/>
+              <a:cxnLst/>
+              <a:rect l="l" t="t" r="r" b="b"/>
+              <a:pathLst>
+                <a:path w="1249825" h="6858000">
+                  <a:moveTo>
+                    <a:pt x="0" y="0"/>
+                  </a:moveTo>
+                  <a:lnTo>
+                    <a:pt x="1249825" y="0"/>
+                  </a:lnTo>
+                  <a:lnTo>
+                    <a:pt x="1249825" y="6858000"/>
+                  </a:lnTo>
+                  <a:lnTo>
+                    <a:pt x="1109382" y="6858000"/>
+                  </a:lnTo>
+                  <a:lnTo>
+                    <a:pt x="0" y="0"/>
+                  </a:lnTo>
+                  <a:close/>
+                </a:path>
+              </a:pathLst>
+            </a:custGeom>
+            <a:solidFill>
+              <a:schemeClr val="accent1">
+                <a:alpha val="65000"/>
+              </a:schemeClr>
+            </a:solidFill>
+            <a:ln>
+              <a:noFill/>
+            </a:ln>
+            <a:effectLst/>
+          </p:spPr>
+          <p:style>
+            <a:lnRef idx="1">
+              <a:schemeClr val="accent1"/>
+            </a:lnRef>
+            <a:fillRef idx="3">
+              <a:schemeClr val="accent1"/>
+            </a:fillRef>
+            <a:effectRef idx="2">
+              <a:schemeClr val="accent1"/>
+            </a:effectRef>
+            <a:fontRef idx="minor">
+              <a:schemeClr val="lt1"/>
+            </a:fontRef>
+          </p:style>
+        </p:sp>
+        <p:sp>
+          <p:nvSpPr>
+            <p:cNvPr id="28" name="Isosceles Triangle 27"/>
+            <p:cNvSpPr/>
+            <p:nvPr/>
+          </p:nvSpPr>
+          <p:spPr>
+            <a:xfrm>
+              <a:off x="10371666" y="3589867"/>
+              <a:ext cx="1817159" cy="3268133"/>
+            </a:xfrm>
+            <a:prstGeom prst="triangle">
+              <a:avLst>
+                <a:gd name="adj" fmla="val 100000"/>
+              </a:avLst>
+            </a:prstGeom>
+            <a:solidFill>
+              <a:schemeClr val="accent1">
+                <a:alpha val="80000"/>
+              </a:schemeClr>
+            </a:solidFill>
+            <a:ln>
+              <a:noFill/>
+            </a:ln>
+            <a:effectLst/>
+          </p:spPr>
+          <p:style>
+            <a:lnRef idx="1">
+              <a:schemeClr val="accent1"/>
+            </a:lnRef>
+            <a:fillRef idx="3">
+              <a:schemeClr val="accent1"/>
+            </a:fillRef>
+            <a:effectRef idx="2">
+              <a:schemeClr val="accent1"/>
+            </a:effectRef>
+            <a:fontRef idx="minor">
+              <a:schemeClr val="lt1"/>
+            </a:fontRef>
+          </p:style>
+        </p:sp>
+        <p:sp>
+          <p:nvSpPr>
+            <p:cNvPr id="29" name="Isosceles Triangle 28"/>
+            <p:cNvSpPr/>
+            <p:nvPr/>
+          </p:nvSpPr>
+          <p:spPr>
+            <a:xfrm>
+              <a:off x="0" y="4013200"/>
+              <a:ext cx="448733" cy="2844800"/>
+            </a:xfrm>
+            <a:prstGeom prst="triangle">
+              <a:avLst>
+                <a:gd name="adj" fmla="val 0"/>
+              </a:avLst>
+            </a:prstGeom>
+            <a:solidFill>
+              <a:schemeClr val="accent1">
+                <a:alpha val="85000"/>
+              </a:schemeClr>
+            </a:solidFill>
+            <a:ln>
+              <a:noFill/>
+            </a:ln>
+            <a:effectLst/>
+          </p:spPr>
+          <p:style>
+            <a:lnRef idx="1">
+              <a:schemeClr val="accent1"/>
+            </a:lnRef>
+            <a:fillRef idx="3">
+              <a:schemeClr val="accent1"/>
+            </a:fillRef>
+            <a:effectRef idx="2">
+              <a:schemeClr val="accent1"/>
+            </a:effectRef>
+            <a:fontRef idx="minor">
+              <a:schemeClr val="lt1"/>
+            </a:fontRef>
+          </p:style>
+        </p:sp>
+      </p:grpSp>
       <p:sp>
         <p:nvSpPr>
           <p:cNvPr id="2" name="Title Placeholder 1"/>
@@ -5174,15 +5241,15 @@
         </p:nvSpPr>
         <p:spPr>
           <a:xfrm>
-            <a:off x="838200" y="365125"/>
-            <a:ext cx="10515600" cy="1325563"/>
+            <a:off x="677334" y="609600"/>
+            <a:ext cx="8596668" cy="1320800"/>
           </a:xfrm>
           <a:prstGeom prst="rect">
             <a:avLst/>
           </a:prstGeom>
         </p:spPr>
         <p:txBody>
-          <a:bodyPr vert="horz" lIns="91440" tIns="45720" rIns="91440" bIns="45720" rtlCol="0" anchor="ctr">
+          <a:bodyPr vert="horz" lIns="91440" tIns="45720" rIns="91440" bIns="45720" rtlCol="0" anchor="t">
             <a:normAutofit/>
           </a:bodyPr>
           <a:lstStyle/>
@@ -5207,8 +5274,8 @@
         </p:nvSpPr>
         <p:spPr>
           <a:xfrm>
-            <a:off x="1120000" y="1825625"/>
-            <a:ext cx="10233800" cy="4351338"/>
+            <a:off x="677334" y="2160589"/>
+            <a:ext cx="8596668" cy="3880773"/>
           </a:xfrm>
           <a:prstGeom prst="rect">
             <a:avLst/>
@@ -5269,8 +5336,8 @@
         </p:nvSpPr>
         <p:spPr>
           <a:xfrm>
-            <a:off x="838200" y="6356350"/>
-            <a:ext cx="2743200" cy="365125"/>
+            <a:off x="7205133" y="6041362"/>
+            <a:ext cx="911939" cy="365125"/>
           </a:xfrm>
           <a:prstGeom prst="rect">
             <a:avLst/>
@@ -5279,31 +5346,13 @@
         <p:txBody>
           <a:bodyPr vert="horz" lIns="91440" tIns="45720" rIns="91440" bIns="45720" rtlCol="0" anchor="ctr"/>
           <a:lstStyle>
-            <a:lvl1pPr algn="l">
-              <a:defRPr sz="1200">
-                <a:gradFill flip="none" rotWithShape="1">
-                  <a:gsLst>
-                    <a:gs pos="28000">
-                      <a:schemeClr val="tx1">
-                        <a:lumMod val="93000"/>
-                      </a:schemeClr>
-                    </a:gs>
-                    <a:gs pos="0">
-                      <a:schemeClr val="bg1">
-                        <a:lumMod val="38000"/>
-                        <a:lumOff val="62000"/>
-                      </a:schemeClr>
-                    </a:gs>
-                    <a:gs pos="100000">
-                      <a:schemeClr val="tx2">
-                        <a:lumMod val="0"/>
-                        <a:lumOff val="100000"/>
-                      </a:schemeClr>
-                    </a:gs>
-                  </a:gsLst>
-                  <a:lin ang="5400000" scaled="1"/>
-                  <a:tileRect/>
-                </a:gradFill>
+            <a:lvl1pPr algn="r">
+              <a:defRPr sz="900">
+                <a:solidFill>
+                  <a:schemeClr val="tx1">
+                    <a:tint val="75000"/>
+                  </a:schemeClr>
+                </a:solidFill>
               </a:defRPr>
             </a:lvl1pPr>
           </a:lstStyle>
@@ -5311,7 +5360,7 @@
             <a:fld id="{0CBE8919-C854-473F-863C-B1864504E81A}" type="datetimeFigureOut">
               <a:rPr lang="es-CL" smtClean="0"/>
               <a:pPr/>
-              <a:t>25-09-2014</a:t>
+              <a:t>04-10-2014</a:t>
             </a:fld>
             <a:endParaRPr lang="es-CL"/>
           </a:p>
@@ -5329,8 +5378,8 @@
         </p:nvSpPr>
         <p:spPr>
           <a:xfrm>
-            <a:off x="4038600" y="6356350"/>
-            <a:ext cx="4114800" cy="365125"/>
+            <a:off x="677334" y="6041362"/>
+            <a:ext cx="6297612" cy="365125"/>
           </a:xfrm>
           <a:prstGeom prst="rect">
             <a:avLst/>
@@ -5339,31 +5388,13 @@
         <p:txBody>
           <a:bodyPr vert="horz" lIns="91440" tIns="45720" rIns="91440" bIns="45720" rtlCol="0" anchor="ctr"/>
           <a:lstStyle>
-            <a:lvl1pPr algn="ctr">
-              <a:defRPr sz="1200">
-                <a:gradFill flip="none" rotWithShape="1">
-                  <a:gsLst>
-                    <a:gs pos="28000">
-                      <a:schemeClr val="tx1">
-                        <a:lumMod val="93000"/>
-                      </a:schemeClr>
-                    </a:gs>
-                    <a:gs pos="0">
-                      <a:schemeClr val="bg1">
-                        <a:lumMod val="38000"/>
-                        <a:lumOff val="62000"/>
-                      </a:schemeClr>
-                    </a:gs>
-                    <a:gs pos="100000">
-                      <a:schemeClr val="tx2">
-                        <a:lumMod val="0"/>
-                        <a:lumOff val="100000"/>
-                      </a:schemeClr>
-                    </a:gs>
-                  </a:gsLst>
-                  <a:lin ang="5400000" scaled="1"/>
-                  <a:tileRect/>
-                </a:gradFill>
+            <a:lvl1pPr algn="l">
+              <a:defRPr sz="900">
+                <a:solidFill>
+                  <a:schemeClr val="tx1">
+                    <a:tint val="75000"/>
+                  </a:schemeClr>
+                </a:solidFill>
               </a:defRPr>
             </a:lvl1pPr>
           </a:lstStyle>
@@ -5384,8 +5415,8 @@
         </p:nvSpPr>
         <p:spPr>
           <a:xfrm>
-            <a:off x="8610600" y="6356350"/>
-            <a:ext cx="2743200" cy="365125"/>
+            <a:off x="8590663" y="6041362"/>
+            <a:ext cx="683339" cy="365125"/>
           </a:xfrm>
           <a:prstGeom prst="rect">
             <a:avLst/>
@@ -5395,30 +5426,10 @@
           <a:bodyPr vert="horz" lIns="91440" tIns="45720" rIns="91440" bIns="45720" rtlCol="0" anchor="ctr"/>
           <a:lstStyle>
             <a:lvl1pPr algn="r">
-              <a:defRPr sz="1200">
-                <a:gradFill flip="none" rotWithShape="1">
-                  <a:gsLst>
-                    <a:gs pos="28000">
-                      <a:schemeClr val="tx1">
-                        <a:lumMod val="93000"/>
-                      </a:schemeClr>
-                    </a:gs>
-                    <a:gs pos="0">
-                      <a:schemeClr val="bg1">
-                        <a:lumMod val="38000"/>
-                        <a:lumOff val="62000"/>
-                      </a:schemeClr>
-                    </a:gs>
-                    <a:gs pos="100000">
-                      <a:schemeClr val="tx2">
-                        <a:lumMod val="0"/>
-                        <a:lumOff val="100000"/>
-                      </a:schemeClr>
-                    </a:gs>
-                  </a:gsLst>
-                  <a:lin ang="5400000" scaled="1"/>
-                  <a:tileRect/>
-                </a:gradFill>
+              <a:defRPr sz="900">
+                <a:solidFill>
+                  <a:schemeClr val="accent1"/>
+                </a:solidFill>
               </a:defRPr>
             </a:lvl1pPr>
           </a:lstStyle>
@@ -5435,322 +5446,322 @@
     </p:spTree>
     <p:extLst>
       <p:ext uri="{BB962C8B-B14F-4D97-AF65-F5344CB8AC3E}">
-        <p14:creationId xmlns:p14="http://schemas.microsoft.com/office/powerpoint/2010/main" val="2752908181"/>
+        <p14:creationId xmlns:p14="http://schemas.microsoft.com/office/powerpoint/2010/main" val="3243066261"/>
       </p:ext>
     </p:extLst>
   </p:cSld>
-  <p:clrMap bg1="dk1" tx1="lt1" bg2="dk2" tx2="lt2" accent1="accent1" accent2="accent2" accent3="accent3" accent4="accent4" accent5="accent5" accent6="accent6" hlink="hlink" folHlink="folHlink"/>
+  <p:clrMap bg1="lt1" tx1="dk1" bg2="lt2" tx2="dk2" accent1="accent1" accent2="accent2" accent3="accent3" accent4="accent4" accent5="accent5" accent6="accent6" hlink="hlink" folHlink="folHlink"/>
   <p:sldLayoutIdLst>
-    <p:sldLayoutId id="2147483727" r:id="rId1"/>
-    <p:sldLayoutId id="2147483728" r:id="rId2"/>
-    <p:sldLayoutId id="2147483729" r:id="rId3"/>
-    <p:sldLayoutId id="2147483730" r:id="rId4"/>
-    <p:sldLayoutId id="2147483731" r:id="rId5"/>
-    <p:sldLayoutId id="2147483732" r:id="rId6"/>
-    <p:sldLayoutId id="2147483733" r:id="rId7"/>
-    <p:sldLayoutId id="2147483734" r:id="rId8"/>
-    <p:sldLayoutId id="2147483735" r:id="rId9"/>
-    <p:sldLayoutId id="2147483736" r:id="rId10"/>
-    <p:sldLayoutId id="2147483737" r:id="rId11"/>
-    <p:sldLayoutId id="2147483738" r:id="rId12"/>
-    <p:sldLayoutId id="2147483739" r:id="rId13"/>
-    <p:sldLayoutId id="2147483740" r:id="rId14"/>
-    <p:sldLayoutId id="2147483741" r:id="rId15"/>
-    <p:sldLayoutId id="2147483742" r:id="rId16"/>
-    <p:sldLayoutId id="2147483743" r:id="rId17"/>
+    <p:sldLayoutId id="2147483745" r:id="rId1"/>
+    <p:sldLayoutId id="2147483746" r:id="rId2"/>
+    <p:sldLayoutId id="2147483747" r:id="rId3"/>
+    <p:sldLayoutId id="2147483748" r:id="rId4"/>
+    <p:sldLayoutId id="2147483749" r:id="rId5"/>
+    <p:sldLayoutId id="2147483750" r:id="rId6"/>
+    <p:sldLayoutId id="2147483751" r:id="rId7"/>
+    <p:sldLayoutId id="2147483752" r:id="rId8"/>
+    <p:sldLayoutId id="2147483753" r:id="rId9"/>
+    <p:sldLayoutId id="2147483754" r:id="rId10"/>
+    <p:sldLayoutId id="2147483755" r:id="rId11"/>
+    <p:sldLayoutId id="2147483756" r:id="rId12"/>
+    <p:sldLayoutId id="2147483757" r:id="rId13"/>
+    <p:sldLayoutId id="2147483758" r:id="rId14"/>
+    <p:sldLayoutId id="2147483759" r:id="rId15"/>
+    <p:sldLayoutId id="2147483760" r:id="rId16"/>
   </p:sldLayoutIdLst>
   <p:txStyles>
     <p:titleStyle>
-      <a:lvl1pPr algn="l" defTabSz="914400" rtl="0" eaLnBrk="1" latinLnBrk="0" hangingPunct="1">
-        <a:lnSpc>
-          <a:spcPct val="90000"/>
-        </a:lnSpc>
+      <a:lvl1pPr algn="l" defTabSz="457200" rtl="0" eaLnBrk="1" latinLnBrk="0" hangingPunct="1">
         <a:spcBef>
           <a:spcPct val="0"/>
         </a:spcBef>
         <a:buNone/>
-        <a:defRPr sz="5400" b="0" kern="1200">
-          <a:gradFill flip="none" rotWithShape="1">
-            <a:gsLst>
-              <a:gs pos="28000">
-                <a:schemeClr val="tx1">
-                  <a:lumMod val="93000"/>
-                </a:schemeClr>
-              </a:gs>
-              <a:gs pos="0">
-                <a:schemeClr val="bg1">
-                  <a:lumMod val="25000"/>
-                  <a:lumOff val="75000"/>
-                </a:schemeClr>
-              </a:gs>
-              <a:gs pos="100000">
-                <a:schemeClr val="tx2">
-                  <a:lumMod val="0"/>
-                  <a:lumOff val="100000"/>
-                </a:schemeClr>
-              </a:gs>
-            </a:gsLst>
-            <a:lin ang="4800000" scaled="0"/>
-            <a:tileRect/>
-          </a:gradFill>
+        <a:defRPr sz="3600" kern="1200">
+          <a:solidFill>
+            <a:schemeClr val="accent1"/>
+          </a:solidFill>
           <a:latin typeface="+mj-lt"/>
           <a:ea typeface="+mj-ea"/>
           <a:cs typeface="+mj-cs"/>
         </a:defRPr>
       </a:lvl1pPr>
+      <a:lvl2pPr eaLnBrk="1" hangingPunct="1">
+        <a:defRPr>
+          <a:solidFill>
+            <a:schemeClr val="tx2"/>
+          </a:solidFill>
+        </a:defRPr>
+      </a:lvl2pPr>
+      <a:lvl3pPr eaLnBrk="1" hangingPunct="1">
+        <a:defRPr>
+          <a:solidFill>
+            <a:schemeClr val="tx2"/>
+          </a:solidFill>
+        </a:defRPr>
+      </a:lvl3pPr>
+      <a:lvl4pPr eaLnBrk="1" hangingPunct="1">
+        <a:defRPr>
+          <a:solidFill>
+            <a:schemeClr val="tx2"/>
+          </a:solidFill>
+        </a:defRPr>
+      </a:lvl4pPr>
+      <a:lvl5pPr eaLnBrk="1" hangingPunct="1">
+        <a:defRPr>
+          <a:solidFill>
+            <a:schemeClr val="tx2"/>
+          </a:solidFill>
+        </a:defRPr>
+      </a:lvl5pPr>
+      <a:lvl6pPr eaLnBrk="1" hangingPunct="1">
+        <a:defRPr>
+          <a:solidFill>
+            <a:schemeClr val="tx2"/>
+          </a:solidFill>
+        </a:defRPr>
+      </a:lvl6pPr>
+      <a:lvl7pPr eaLnBrk="1" hangingPunct="1">
+        <a:defRPr>
+          <a:solidFill>
+            <a:schemeClr val="tx2"/>
+          </a:solidFill>
+        </a:defRPr>
+      </a:lvl7pPr>
+      <a:lvl8pPr eaLnBrk="1" hangingPunct="1">
+        <a:defRPr>
+          <a:solidFill>
+            <a:schemeClr val="tx2"/>
+          </a:solidFill>
+        </a:defRPr>
+      </a:lvl8pPr>
+      <a:lvl9pPr eaLnBrk="1" hangingPunct="1">
+        <a:defRPr>
+          <a:solidFill>
+            <a:schemeClr val="tx2"/>
+          </a:solidFill>
+        </a:defRPr>
+      </a:lvl9pPr>
     </p:titleStyle>
     <p:bodyStyle>
-      <a:lvl1pPr marL="228600" indent="-228600" algn="l" defTabSz="914400" rtl="0" eaLnBrk="1" latinLnBrk="0" hangingPunct="1">
-        <a:lnSpc>
-          <a:spcPct val="90000"/>
-        </a:lnSpc>
+      <a:lvl1pPr marL="342900" indent="-342900" algn="l" defTabSz="457200" rtl="0" eaLnBrk="1" latinLnBrk="0" hangingPunct="1">
         <a:spcBef>
           <a:spcPts val="1000"/>
         </a:spcBef>
-        <a:buFont typeface="Arial" panose="020B0604020202020204" pitchFamily="34" charset="0"/>
-        <a:buChar char="•"/>
-        <a:defRPr sz="2800" kern="1200">
-          <a:gradFill>
-            <a:gsLst>
-              <a:gs pos="34000">
-                <a:schemeClr val="tx1">
-                  <a:lumMod val="93000"/>
-                </a:schemeClr>
-              </a:gs>
-              <a:gs pos="0">
-                <a:schemeClr val="bg1">
-                  <a:lumMod val="25000"/>
-                  <a:lumOff val="75000"/>
-                </a:schemeClr>
-              </a:gs>
-              <a:gs pos="100000">
-                <a:schemeClr val="tx2">
-                  <a:lumMod val="0"/>
-                  <a:lumOff val="100000"/>
-                </a:schemeClr>
-              </a:gs>
-            </a:gsLst>
-            <a:lin ang="4800000" scaled="0"/>
-          </a:gradFill>
+        <a:spcAft>
+          <a:spcPts val="0"/>
+        </a:spcAft>
+        <a:buClr>
+          <a:schemeClr val="accent1"/>
+        </a:buClr>
+        <a:buSzPct val="80000"/>
+        <a:buFont typeface="Wingdings 3" charset="2"/>
+        <a:buChar char=""/>
+        <a:defRPr sz="1800" kern="1200">
+          <a:solidFill>
+            <a:schemeClr val="tx1">
+              <a:lumMod val="75000"/>
+              <a:lumOff val="25000"/>
+            </a:schemeClr>
+          </a:solidFill>
           <a:latin typeface="+mn-lt"/>
           <a:ea typeface="+mn-ea"/>
           <a:cs typeface="+mn-cs"/>
         </a:defRPr>
       </a:lvl1pPr>
-      <a:lvl2pPr marL="685800" indent="-228600" algn="l" defTabSz="914400" rtl="0" eaLnBrk="1" latinLnBrk="0" hangingPunct="1">
-        <a:lnSpc>
-          <a:spcPct val="90000"/>
-        </a:lnSpc>
+      <a:lvl2pPr marL="742950" indent="-285750" algn="l" defTabSz="457200" rtl="0" eaLnBrk="1" latinLnBrk="0" hangingPunct="1">
         <a:spcBef>
-          <a:spcPts val="500"/>
+          <a:spcPts val="1000"/>
         </a:spcBef>
-        <a:buFont typeface="Arial" panose="020B0604020202020204" pitchFamily="34" charset="0"/>
-        <a:buChar char="•"/>
-        <a:defRPr sz="2400" kern="1200">
-          <a:gradFill>
-            <a:gsLst>
-              <a:gs pos="34000">
-                <a:schemeClr val="tx1">
-                  <a:lumMod val="93000"/>
-                </a:schemeClr>
-              </a:gs>
-              <a:gs pos="0">
-                <a:schemeClr val="bg1">
-                  <a:lumMod val="25000"/>
-                  <a:lumOff val="75000"/>
-                </a:schemeClr>
-              </a:gs>
-              <a:gs pos="100000">
-                <a:schemeClr val="tx2">
-                  <a:lumMod val="0"/>
-                  <a:lumOff val="100000"/>
-                </a:schemeClr>
-              </a:gs>
-            </a:gsLst>
-            <a:lin ang="4800000" scaled="0"/>
-          </a:gradFill>
+        <a:spcAft>
+          <a:spcPts val="0"/>
+        </a:spcAft>
+        <a:buClr>
+          <a:schemeClr val="accent1"/>
+        </a:buClr>
+        <a:buSzPct val="80000"/>
+        <a:buFont typeface="Wingdings 3" charset="2"/>
+        <a:buChar char=""/>
+        <a:defRPr sz="1600" kern="1200">
+          <a:solidFill>
+            <a:schemeClr val="tx1">
+              <a:lumMod val="75000"/>
+              <a:lumOff val="25000"/>
+            </a:schemeClr>
+          </a:solidFill>
           <a:latin typeface="+mn-lt"/>
           <a:ea typeface="+mn-ea"/>
           <a:cs typeface="+mn-cs"/>
         </a:defRPr>
       </a:lvl2pPr>
-      <a:lvl3pPr marL="1143000" indent="-228600" algn="l" defTabSz="914400" rtl="0" eaLnBrk="1" latinLnBrk="0" hangingPunct="1">
-        <a:lnSpc>
-          <a:spcPct val="90000"/>
-        </a:lnSpc>
+      <a:lvl3pPr marL="1143000" indent="-228600" algn="l" defTabSz="457200" rtl="0" eaLnBrk="1" latinLnBrk="0" hangingPunct="1">
         <a:spcBef>
-          <a:spcPts val="500"/>
+          <a:spcPts val="1000"/>
         </a:spcBef>
-        <a:buFont typeface="Arial" panose="020B0604020202020204" pitchFamily="34" charset="0"/>
-        <a:buChar char="•"/>
-        <a:defRPr sz="2000" kern="1200">
-          <a:gradFill>
-            <a:gsLst>
-              <a:gs pos="34000">
-                <a:schemeClr val="tx1">
-                  <a:lumMod val="93000"/>
-                </a:schemeClr>
-              </a:gs>
-              <a:gs pos="0">
-                <a:schemeClr val="bg1">
-                  <a:lumMod val="25000"/>
-                  <a:lumOff val="75000"/>
-                </a:schemeClr>
-              </a:gs>
-              <a:gs pos="100000">
-                <a:schemeClr val="tx2">
-                  <a:lumMod val="0"/>
-                  <a:lumOff val="100000"/>
-                </a:schemeClr>
-              </a:gs>
-            </a:gsLst>
-            <a:lin ang="4800000" scaled="0"/>
-          </a:gradFill>
+        <a:spcAft>
+          <a:spcPts val="0"/>
+        </a:spcAft>
+        <a:buClr>
+          <a:schemeClr val="accent1"/>
+        </a:buClr>
+        <a:buSzPct val="80000"/>
+        <a:buFont typeface="Wingdings 3" charset="2"/>
+        <a:buChar char=""/>
+        <a:defRPr sz="1400" kern="1200">
+          <a:solidFill>
+            <a:schemeClr val="tx1">
+              <a:lumMod val="75000"/>
+              <a:lumOff val="25000"/>
+            </a:schemeClr>
+          </a:solidFill>
           <a:latin typeface="+mn-lt"/>
           <a:ea typeface="+mn-ea"/>
           <a:cs typeface="+mn-cs"/>
         </a:defRPr>
       </a:lvl3pPr>
-      <a:lvl4pPr marL="1600200" indent="-228600" algn="l" defTabSz="914400" rtl="0" eaLnBrk="1" latinLnBrk="0" hangingPunct="1">
-        <a:lnSpc>
-          <a:spcPct val="90000"/>
-        </a:lnSpc>
+      <a:lvl4pPr marL="1600200" indent="-228600" algn="l" defTabSz="457200" rtl="0" eaLnBrk="1" latinLnBrk="0" hangingPunct="1">
         <a:spcBef>
-          <a:spcPts val="500"/>
+          <a:spcPts val="1000"/>
         </a:spcBef>
-        <a:buFont typeface="Arial" panose="020B0604020202020204" pitchFamily="34" charset="0"/>
-        <a:buChar char="•"/>
-        <a:defRPr sz="1800" kern="1200">
-          <a:gradFill>
-            <a:gsLst>
-              <a:gs pos="34000">
-                <a:schemeClr val="tx1">
-                  <a:lumMod val="93000"/>
-                </a:schemeClr>
-              </a:gs>
-              <a:gs pos="0">
-                <a:schemeClr val="bg1">
-                  <a:lumMod val="25000"/>
-                  <a:lumOff val="75000"/>
-                </a:schemeClr>
-              </a:gs>
-              <a:gs pos="100000">
-                <a:schemeClr val="tx2">
-                  <a:lumMod val="0"/>
-                  <a:lumOff val="100000"/>
-                </a:schemeClr>
-              </a:gs>
-            </a:gsLst>
-            <a:lin ang="4800000" scaled="0"/>
-          </a:gradFill>
+        <a:spcAft>
+          <a:spcPts val="0"/>
+        </a:spcAft>
+        <a:buClr>
+          <a:schemeClr val="accent1"/>
+        </a:buClr>
+        <a:buSzPct val="80000"/>
+        <a:buFont typeface="Wingdings 3" charset="2"/>
+        <a:buChar char=""/>
+        <a:defRPr sz="1200" kern="1200">
+          <a:solidFill>
+            <a:schemeClr val="tx1">
+              <a:lumMod val="75000"/>
+              <a:lumOff val="25000"/>
+            </a:schemeClr>
+          </a:solidFill>
           <a:latin typeface="+mn-lt"/>
           <a:ea typeface="+mn-ea"/>
           <a:cs typeface="+mn-cs"/>
         </a:defRPr>
       </a:lvl4pPr>
-      <a:lvl5pPr marL="2057400" indent="-228600" algn="l" defTabSz="914400" rtl="0" eaLnBrk="1" latinLnBrk="0" hangingPunct="1">
-        <a:lnSpc>
-          <a:spcPct val="90000"/>
-        </a:lnSpc>
+      <a:lvl5pPr marL="2057400" indent="-228600" algn="l" defTabSz="457200" rtl="0" eaLnBrk="1" latinLnBrk="0" hangingPunct="1">
         <a:spcBef>
-          <a:spcPts val="500"/>
+          <a:spcPts val="1000"/>
         </a:spcBef>
-        <a:buFont typeface="Arial" panose="020B0604020202020204" pitchFamily="34" charset="0"/>
-        <a:buChar char="•"/>
-        <a:defRPr sz="1800" kern="1200">
-          <a:gradFill>
-            <a:gsLst>
-              <a:gs pos="34000">
-                <a:schemeClr val="tx1">
-                  <a:lumMod val="93000"/>
-                </a:schemeClr>
-              </a:gs>
-              <a:gs pos="0">
-                <a:schemeClr val="bg1">
-                  <a:lumMod val="25000"/>
-                  <a:lumOff val="75000"/>
-                </a:schemeClr>
-              </a:gs>
-              <a:gs pos="100000">
-                <a:schemeClr val="tx2">
-                  <a:lumMod val="0"/>
-                  <a:lumOff val="100000"/>
-                </a:schemeClr>
-              </a:gs>
-            </a:gsLst>
-            <a:lin ang="4800000" scaled="0"/>
-          </a:gradFill>
+        <a:spcAft>
+          <a:spcPts val="0"/>
+        </a:spcAft>
+        <a:buClr>
+          <a:schemeClr val="accent1"/>
+        </a:buClr>
+        <a:buSzPct val="80000"/>
+        <a:buFont typeface="Wingdings 3" charset="2"/>
+        <a:buChar char=""/>
+        <a:defRPr sz="1200" kern="1200">
+          <a:solidFill>
+            <a:schemeClr val="tx1">
+              <a:lumMod val="75000"/>
+              <a:lumOff val="25000"/>
+            </a:schemeClr>
+          </a:solidFill>
           <a:latin typeface="+mn-lt"/>
           <a:ea typeface="+mn-ea"/>
           <a:cs typeface="+mn-cs"/>
         </a:defRPr>
       </a:lvl5pPr>
-      <a:lvl6pPr marL="2514600" indent="-228600" algn="l" defTabSz="914400" rtl="0" eaLnBrk="1" latinLnBrk="0" hangingPunct="1">
-        <a:lnSpc>
-          <a:spcPct val="90000"/>
-        </a:lnSpc>
+      <a:lvl6pPr marL="2514600" indent="-228600" algn="l" defTabSz="457200" rtl="0" eaLnBrk="1" latinLnBrk="0" hangingPunct="1">
         <a:spcBef>
-          <a:spcPts val="500"/>
+          <a:spcPts val="1000"/>
         </a:spcBef>
-        <a:buFont typeface="Arial" panose="020B0604020202020204" pitchFamily="34" charset="0"/>
-        <a:buChar char="•"/>
-        <a:defRPr sz="1800" kern="1200">
+        <a:spcAft>
+          <a:spcPts val="0"/>
+        </a:spcAft>
+        <a:buClr>
+          <a:schemeClr val="accent1"/>
+        </a:buClr>
+        <a:buSzPct val="80000"/>
+        <a:buFont typeface="Wingdings 3" charset="2"/>
+        <a:buChar char=""/>
+        <a:defRPr sz="1200" kern="1200">
           <a:solidFill>
-            <a:schemeClr val="tx1"/>
+            <a:schemeClr val="tx1">
+              <a:lumMod val="75000"/>
+              <a:lumOff val="25000"/>
+            </a:schemeClr>
           </a:solidFill>
           <a:latin typeface="+mn-lt"/>
           <a:ea typeface="+mn-ea"/>
           <a:cs typeface="+mn-cs"/>
         </a:defRPr>
       </a:lvl6pPr>
-      <a:lvl7pPr marL="2971800" indent="-228600" algn="l" defTabSz="914400" rtl="0" eaLnBrk="1" latinLnBrk="0" hangingPunct="1">
-        <a:lnSpc>
-          <a:spcPct val="90000"/>
-        </a:lnSpc>
+      <a:lvl7pPr marL="2971800" indent="-228600" algn="l" defTabSz="457200" rtl="0" eaLnBrk="1" latinLnBrk="0" hangingPunct="1">
         <a:spcBef>
-          <a:spcPts val="500"/>
+          <a:spcPts val="1000"/>
         </a:spcBef>
-        <a:buFont typeface="Arial" panose="020B0604020202020204" pitchFamily="34" charset="0"/>
-        <a:buChar char="•"/>
-        <a:defRPr sz="1800" kern="1200">
+        <a:spcAft>
+          <a:spcPts val="0"/>
+        </a:spcAft>
+        <a:buClr>
+          <a:schemeClr val="accent1"/>
+        </a:buClr>
+        <a:buSzPct val="80000"/>
+        <a:buFont typeface="Wingdings 3" charset="2"/>
+        <a:buChar char=""/>
+        <a:defRPr sz="1200" kern="1200">
           <a:solidFill>
-            <a:schemeClr val="tx1"/>
+            <a:schemeClr val="tx1">
+              <a:lumMod val="75000"/>
+              <a:lumOff val="25000"/>
+            </a:schemeClr>
           </a:solidFill>
           <a:latin typeface="+mn-lt"/>
           <a:ea typeface="+mn-ea"/>
           <a:cs typeface="+mn-cs"/>
         </a:defRPr>
       </a:lvl7pPr>
-      <a:lvl8pPr marL="3429000" indent="-228600" algn="l" defTabSz="914400" rtl="0" eaLnBrk="1" latinLnBrk="0" hangingPunct="1">
-        <a:lnSpc>
-          <a:spcPct val="90000"/>
-        </a:lnSpc>
+      <a:lvl8pPr marL="3429000" indent="-228600" algn="l" defTabSz="457200" rtl="0" eaLnBrk="1" latinLnBrk="0" hangingPunct="1">
         <a:spcBef>
-          <a:spcPts val="500"/>
+          <a:spcPts val="1000"/>
         </a:spcBef>
-        <a:buFont typeface="Arial" panose="020B0604020202020204" pitchFamily="34" charset="0"/>
-        <a:buChar char="•"/>
-        <a:defRPr sz="1800" kern="1200">
+        <a:spcAft>
+          <a:spcPts val="0"/>
+        </a:spcAft>
+        <a:buClr>
+          <a:schemeClr val="accent1"/>
+        </a:buClr>
+        <a:buSzPct val="80000"/>
+        <a:buFont typeface="Wingdings 3" charset="2"/>
+        <a:buChar char=""/>
+        <a:defRPr sz="1200" kern="1200">
           <a:solidFill>
-            <a:schemeClr val="tx1"/>
+            <a:schemeClr val="tx1">
+              <a:lumMod val="75000"/>
+              <a:lumOff val="25000"/>
+            </a:schemeClr>
           </a:solidFill>
           <a:latin typeface="+mn-lt"/>
           <a:ea typeface="+mn-ea"/>
           <a:cs typeface="+mn-cs"/>
         </a:defRPr>
       </a:lvl8pPr>
-      <a:lvl9pPr marL="3886200" indent="-228600" algn="l" defTabSz="914400" rtl="0" eaLnBrk="1" latinLnBrk="0" hangingPunct="1">
-        <a:lnSpc>
-          <a:spcPct val="90000"/>
-        </a:lnSpc>
+      <a:lvl9pPr marL="3886200" indent="-228600" algn="l" defTabSz="457200" rtl="0" eaLnBrk="1" latinLnBrk="0" hangingPunct="1">
         <a:spcBef>
-          <a:spcPts val="500"/>
+          <a:spcPts val="1000"/>
         </a:spcBef>
-        <a:buFont typeface="Arial" panose="020B0604020202020204" pitchFamily="34" charset="0"/>
-        <a:buChar char="•"/>
-        <a:defRPr sz="1800" kern="1200">
+        <a:spcAft>
+          <a:spcPts val="0"/>
+        </a:spcAft>
+        <a:buClr>
+          <a:schemeClr val="accent1"/>
+        </a:buClr>
+        <a:buSzPct val="80000"/>
+        <a:buFont typeface="Wingdings 3" charset="2"/>
+        <a:buChar char=""/>
+        <a:defRPr sz="1200" kern="1200">
           <a:solidFill>
-            <a:schemeClr val="tx1"/>
+            <a:schemeClr val="tx1">
+              <a:lumMod val="75000"/>
+              <a:lumOff val="25000"/>
+            </a:schemeClr>
           </a:solidFill>
           <a:latin typeface="+mn-lt"/>
           <a:ea typeface="+mn-ea"/>
@@ -5762,7 +5773,7 @@
       <a:defPPr>
         <a:defRPr lang="en-US"/>
       </a:defPPr>
-      <a:lvl1pPr marL="0" algn="l" defTabSz="914400" rtl="0" eaLnBrk="1" latinLnBrk="0" hangingPunct="1">
+      <a:lvl1pPr marL="0" algn="l" defTabSz="457200" rtl="0" eaLnBrk="1" latinLnBrk="0" hangingPunct="1">
         <a:defRPr sz="1800" kern="1200">
           <a:solidFill>
             <a:schemeClr val="tx1"/>
@@ -5772,7 +5783,7 @@
           <a:cs typeface="+mn-cs"/>
         </a:defRPr>
       </a:lvl1pPr>
-      <a:lvl2pPr marL="457200" algn="l" defTabSz="914400" rtl="0" eaLnBrk="1" latinLnBrk="0" hangingPunct="1">
+      <a:lvl2pPr marL="457200" algn="l" defTabSz="457200" rtl="0" eaLnBrk="1" latinLnBrk="0" hangingPunct="1">
         <a:defRPr sz="1800" kern="1200">
           <a:solidFill>
             <a:schemeClr val="tx1"/>
@@ -5782,7 +5793,7 @@
           <a:cs typeface="+mn-cs"/>
         </a:defRPr>
       </a:lvl2pPr>
-      <a:lvl3pPr marL="914400" algn="l" defTabSz="914400" rtl="0" eaLnBrk="1" latinLnBrk="0" hangingPunct="1">
+      <a:lvl3pPr marL="914400" algn="l" defTabSz="457200" rtl="0" eaLnBrk="1" latinLnBrk="0" hangingPunct="1">
         <a:defRPr sz="1800" kern="1200">
           <a:solidFill>
             <a:schemeClr val="tx1"/>
@@ -5792,7 +5803,7 @@
           <a:cs typeface="+mn-cs"/>
         </a:defRPr>
       </a:lvl3pPr>
-      <a:lvl4pPr marL="1371600" algn="l" defTabSz="914400" rtl="0" eaLnBrk="1" latinLnBrk="0" hangingPunct="1">
+      <a:lvl4pPr marL="1371600" algn="l" defTabSz="457200" rtl="0" eaLnBrk="1" latinLnBrk="0" hangingPunct="1">
         <a:defRPr sz="1800" kern="1200">
           <a:solidFill>
             <a:schemeClr val="tx1"/>
@@ -5802,7 +5813,7 @@
           <a:cs typeface="+mn-cs"/>
         </a:defRPr>
       </a:lvl4pPr>
-      <a:lvl5pPr marL="1828800" algn="l" defTabSz="914400" rtl="0" eaLnBrk="1" latinLnBrk="0" hangingPunct="1">
+      <a:lvl5pPr marL="1828800" algn="l" defTabSz="457200" rtl="0" eaLnBrk="1" latinLnBrk="0" hangingPunct="1">
         <a:defRPr sz="1800" kern="1200">
           <a:solidFill>
             <a:schemeClr val="tx1"/>
@@ -5812,7 +5823,7 @@
           <a:cs typeface="+mn-cs"/>
         </a:defRPr>
       </a:lvl5pPr>
-      <a:lvl6pPr marL="2286000" algn="l" defTabSz="914400" rtl="0" eaLnBrk="1" latinLnBrk="0" hangingPunct="1">
+      <a:lvl6pPr marL="2286000" algn="l" defTabSz="457200" rtl="0" eaLnBrk="1" latinLnBrk="0" hangingPunct="1">
         <a:defRPr sz="1800" kern="1200">
           <a:solidFill>
             <a:schemeClr val="tx1"/>
@@ -5822,7 +5833,7 @@
           <a:cs typeface="+mn-cs"/>
         </a:defRPr>
       </a:lvl6pPr>
-      <a:lvl7pPr marL="2743200" algn="l" defTabSz="914400" rtl="0" eaLnBrk="1" latinLnBrk="0" hangingPunct="1">
+      <a:lvl7pPr marL="2743200" algn="l" defTabSz="457200" rtl="0" eaLnBrk="1" latinLnBrk="0" hangingPunct="1">
         <a:defRPr sz="1800" kern="1200">
           <a:solidFill>
             <a:schemeClr val="tx1"/>
@@ -5832,7 +5843,7 @@
           <a:cs typeface="+mn-cs"/>
         </a:defRPr>
       </a:lvl7pPr>
-      <a:lvl8pPr marL="3200400" algn="l" defTabSz="914400" rtl="0" eaLnBrk="1" latinLnBrk="0" hangingPunct="1">
+      <a:lvl8pPr marL="3200400" algn="l" defTabSz="457200" rtl="0" eaLnBrk="1" latinLnBrk="0" hangingPunct="1">
         <a:defRPr sz="1800" kern="1200">
           <a:solidFill>
             <a:schemeClr val="tx1"/>
@@ -5842,7 +5853,7 @@
           <a:cs typeface="+mn-cs"/>
         </a:defRPr>
       </a:lvl8pPr>
-      <a:lvl9pPr marL="3657600" algn="l" defTabSz="914400" rtl="0" eaLnBrk="1" latinLnBrk="0" hangingPunct="1">
+      <a:lvl9pPr marL="3657600" algn="l" defTabSz="457200" rtl="0" eaLnBrk="1" latinLnBrk="0" hangingPunct="1">
         <a:defRPr sz="1800" kern="1200">
           <a:solidFill>
             <a:schemeClr val="tx1"/>
@@ -5916,19 +5927,7 @@
             </a:br>
             <a:r>
               <a:rPr lang="es-CL" sz="3600" dirty="0" smtClean="0"/>
-              <a:t>Exponen:  </a:t>
-            </a:r>
-            <a:r>
-              <a:rPr lang="es-CL" sz="3600" dirty="0" smtClean="0"/>
-              <a:t>Bryan Acosta</a:t>
-            </a:r>
-            <a:r>
-              <a:rPr lang="es-CL" sz="3600" dirty="0" smtClean="0"/>
-              <a:t>,  Héctor </a:t>
-            </a:r>
-            <a:r>
-              <a:rPr lang="es-CL" sz="3600" dirty="0" smtClean="0"/>
-              <a:t>Villarroel</a:t>
+              <a:t>Exponen:  Bryan Acosta,  Héctor Villarroel</a:t>
             </a:r>
             <a:endParaRPr lang="es-CL" sz="3600" dirty="0"/>
           </a:p>
@@ -6282,11 +6281,7 @@
             </a:pPr>
             <a:r>
               <a:rPr lang="es-CL" sz="2400" dirty="0" smtClean="0"/>
-              <a:t>Área </a:t>
-            </a:r>
-            <a:r>
-              <a:rPr lang="es-CL" sz="2400" dirty="0" smtClean="0"/>
-              <a:t>de Nutrición del Hospital Clínico Metropolitano La Florida Dra. Eloísa Díaz Insulza.</a:t>
+              <a:t>Área de Nutrición del Hospital Clínico Metropolitano La Florida Dra. Eloísa Díaz Insulza.</a:t>
             </a:r>
           </a:p>
           <a:p>
@@ -7029,11 +7024,7 @@
           <a:p>
             <a:r>
               <a:rPr lang="es-CL" dirty="0" smtClean="0"/>
-              <a:t>Procesos</a:t>
-            </a:r>
-            <a:r>
-              <a:rPr lang="es-CL" dirty="0" smtClean="0"/>
-              <a:t> Actuales</a:t>
+              <a:t>Procesos Actuales</a:t>
             </a:r>
             <a:endParaRPr lang="es-CL" dirty="0"/>
           </a:p>
@@ -7497,7 +7488,7 @@
         </p:spPr>
         <p:txBody>
           <a:bodyPr>
-            <a:normAutofit fontScale="77500" lnSpcReduction="20000"/>
+            <a:normAutofit lnSpcReduction="10000"/>
           </a:bodyPr>
           <a:lstStyle/>
           <a:p>
@@ -7790,11 +7781,7 @@
             <a:pPr lvl="0"/>
             <a:r>
               <a:rPr lang="es-ES" dirty="0" smtClean="0"/>
-              <a:t>Enterprise </a:t>
-            </a:r>
-            <a:r>
-              <a:rPr lang="es-ES" dirty="0" smtClean="0"/>
-              <a:t>Arquitect</a:t>
+              <a:t>Enterprise Arquitect</a:t>
             </a:r>
             <a:endParaRPr lang="es-CL" sz="1800" dirty="0" smtClean="0"/>
           </a:p>
@@ -7869,9 +7856,9 @@
 </file>
 
 <file path=ppt/theme/theme1.xml><?xml version="1.0" encoding="utf-8"?>
-<a:theme xmlns:a="http://schemas.openxmlformats.org/drawingml/2006/main" name="Profundidad">
+<a:theme xmlns:a="http://schemas.openxmlformats.org/drawingml/2006/main" name="Faceta">
   <a:themeElements>
-    <a:clrScheme name="Profundidad">
+    <a:clrScheme name="Faceta">
       <a:dk1>
         <a:sysClr val="windowText" lastClr="000000"/>
       </a:dk1>
@@ -7879,48 +7866,48 @@
         <a:sysClr val="window" lastClr="FFFFFF"/>
       </a:lt1>
       <a:dk2>
-        <a:srgbClr val="455F51"/>
+        <a:srgbClr val="2C3C43"/>
       </a:dk2>
       <a:lt2>
-        <a:srgbClr val="94D7E4"/>
+        <a:srgbClr val="EBEBEB"/>
       </a:lt2>
       <a:accent1>
-        <a:srgbClr val="41AEBD"/>
+        <a:srgbClr val="90C226"/>
       </a:accent1>
       <a:accent2>
-        <a:srgbClr val="97E9D5"/>
+        <a:srgbClr val="54A021"/>
       </a:accent2>
       <a:accent3>
-        <a:srgbClr val="A2CF49"/>
+        <a:srgbClr val="E6B91E"/>
       </a:accent3>
       <a:accent4>
-        <a:srgbClr val="608F3D"/>
+        <a:srgbClr val="E76618"/>
       </a:accent4>
       <a:accent5>
-        <a:srgbClr val="F4DE3A"/>
+        <a:srgbClr val="C42F1A"/>
       </a:accent5>
       <a:accent6>
-        <a:srgbClr val="FCB11C"/>
+        <a:srgbClr val="918655"/>
       </a:accent6>
       <a:hlink>
-        <a:srgbClr val="FBCA98"/>
+        <a:srgbClr val="99CA3C"/>
       </a:hlink>
       <a:folHlink>
-        <a:srgbClr val="D3B86D"/>
+        <a:srgbClr val="B9D181"/>
       </a:folHlink>
     </a:clrScheme>
-    <a:fontScheme name="Profundidad">
+    <a:fontScheme name="Faceta">
       <a:majorFont>
-        <a:latin typeface="Corbel"/>
+        <a:latin typeface="Trebuchet MS" panose="020B0603020202020204"/>
         <a:ea typeface=""/>
         <a:cs typeface=""/>
-        <a:font script="Jpan" typeface="HGｺﾞｼｯｸM"/>
-        <a:font script="Hang" typeface="HY엽서L"/>
-        <a:font script="Hans" typeface="华文楷体"/>
-        <a:font script="Hant" typeface="新細明體"/>
+        <a:font script="Jpan" typeface="メイリオ"/>
+        <a:font script="Hang" typeface="맑은 고딕"/>
+        <a:font script="Hans" typeface="方正姚体"/>
+        <a:font script="Hant" typeface="微軟正黑體"/>
         <a:font script="Arab" typeface="Tahoma"/>
-        <a:font script="Hebr" typeface="Miriam"/>
-        <a:font script="Thai" typeface="DilleniaUPC"/>
+        <a:font script="Hebr" typeface="Arial"/>
+        <a:font script="Thai" typeface="Cordia New"/>
         <a:font script="Ethi" typeface="Nyala"/>
         <a:font script="Beng" typeface="Vrinda"/>
         <a:font script="Gujr" typeface="Shruti"/>
@@ -7941,21 +7928,21 @@
         <a:font script="Laoo" typeface="DokChampa"/>
         <a:font script="Sinh" typeface="Iskoola Pota"/>
         <a:font script="Mong" typeface="Mongolian Baiti"/>
-        <a:font script="Viet" typeface="Arial"/>
+        <a:font script="Viet" typeface="Tahoma"/>
         <a:font script="Uigh" typeface="Microsoft Uighur"/>
         <a:font script="Geor" typeface="Sylfaen"/>
       </a:majorFont>
       <a:minorFont>
-        <a:latin typeface="Corbel"/>
+        <a:latin typeface="Trebuchet MS" panose="020B0603020202020204"/>
         <a:ea typeface=""/>
         <a:cs typeface=""/>
-        <a:font script="Jpan" typeface="HGｺﾞｼｯｸM"/>
-        <a:font script="Hang" typeface="HY엽서L"/>
-        <a:font script="Hans" typeface="华文楷体"/>
-        <a:font script="Hant" typeface="新細明體"/>
+        <a:font script="Jpan" typeface="メイリオ"/>
+        <a:font script="Hang" typeface="HY그래픽M"/>
+        <a:font script="Hans" typeface="华文新魏"/>
+        <a:font script="Hant" typeface="微軟正黑體"/>
         <a:font script="Arab" typeface="Tahoma"/>
-        <a:font script="Hebr" typeface="Miriam"/>
-        <a:font script="Thai" typeface="DilleniaUPC"/>
+        <a:font script="Hebr" typeface="Gisha"/>
+        <a:font script="Thai" typeface="IrisUPC"/>
         <a:font script="Ethi" typeface="Nyala"/>
         <a:font script="Beng" typeface="Vrinda"/>
         <a:font script="Gujr" typeface="Shruti"/>
@@ -7981,7 +7968,7 @@
         <a:font script="Geor" typeface="Sylfaen"/>
       </a:minorFont>
     </a:fontScheme>
-    <a:fmtScheme name="Profundidad">
+    <a:fmtScheme name="Faceta">
       <a:fillStyleLst>
         <a:solidFill>
           <a:schemeClr val="phClr"/>
@@ -7990,23 +7977,13 @@
           <a:gsLst>
             <a:gs pos="0">
               <a:schemeClr val="phClr">
+                <a:tint val="65000"/>
                 <a:lumMod val="110000"/>
-                <a:satMod val="105000"/>
-                <a:tint val="67000"/>
               </a:schemeClr>
             </a:gs>
-            <a:gs pos="50000">
+            <a:gs pos="88000">
               <a:schemeClr val="phClr">
-                <a:lumMod val="105000"/>
-                <a:satMod val="103000"/>
-                <a:tint val="73000"/>
-              </a:schemeClr>
-            </a:gs>
-            <a:gs pos="100000">
-              <a:schemeClr val="phClr">
-                <a:lumMod val="105000"/>
-                <a:satMod val="109000"/>
-                <a:tint val="81000"/>
+                <a:tint val="90000"/>
               </a:schemeClr>
             </a:gs>
           </a:gsLst>
@@ -8016,23 +7993,14 @@
           <a:gsLst>
             <a:gs pos="0">
               <a:schemeClr val="phClr">
-                <a:satMod val="103000"/>
-                <a:lumMod val="102000"/>
-                <a:tint val="94000"/>
+                <a:tint val="96000"/>
+                <a:lumMod val="100000"/>
               </a:schemeClr>
             </a:gs>
-            <a:gs pos="50000">
+            <a:gs pos="78000">
               <a:schemeClr val="phClr">
-                <a:satMod val="110000"/>
-                <a:lumMod val="100000"/>
-                <a:shade val="100000"/>
-              </a:schemeClr>
-            </a:gs>
-            <a:gs pos="100000">
-              <a:schemeClr val="phClr">
-                <a:lumMod val="99000"/>
-                <a:satMod val="120000"/>
-                <a:shade val="78000"/>
+                <a:shade val="94000"/>
+                <a:lumMod val="94000"/>
               </a:schemeClr>
             </a:gs>
           </a:gsLst>
@@ -8040,26 +8008,23 @@
         </a:gradFill>
       </a:fillStyleLst>
       <a:lnStyleLst>
-        <a:ln w="6350" cap="flat" cmpd="sng" algn="ctr">
+        <a:ln w="12700" cap="rnd" cmpd="sng" algn="ctr">
           <a:solidFill>
             <a:schemeClr val="phClr"/>
           </a:solidFill>
           <a:prstDash val="solid"/>
-          <a:miter lim="800000"/>
         </a:ln>
-        <a:ln w="12700" cap="flat" cmpd="sng" algn="ctr">
+        <a:ln w="19050" cap="rnd" cmpd="sng" algn="ctr">
           <a:solidFill>
             <a:schemeClr val="phClr"/>
           </a:solidFill>
           <a:prstDash val="solid"/>
-          <a:miter lim="800000"/>
         </a:ln>
-        <a:ln w="19050" cap="flat" cmpd="sng" algn="ctr">
+        <a:ln w="25400" cap="rnd" cmpd="sng" algn="ctr">
           <a:solidFill>
             <a:schemeClr val="phClr"/>
           </a:solidFill>
           <a:prstDash val="solid"/>
-          <a:miter lim="800000"/>
         </a:ln>
       </a:lnStyleLst>
       <a:effectStyleLst>
@@ -8067,54 +8032,72 @@
           <a:effectLst/>
         </a:effectStyle>
         <a:effectStyle>
-          <a:effectLst/>
+          <a:effectLst>
+            <a:outerShdw blurRad="38100" dist="25400" dir="5400000" rotWithShape="0">
+              <a:srgbClr val="000000">
+                <a:alpha val="35000"/>
+              </a:srgbClr>
+            </a:outerShdw>
+          </a:effectLst>
         </a:effectStyle>
         <a:effectStyle>
           <a:effectLst>
-            <a:outerShdw blurRad="57150" dist="19050" dir="5400000" algn="ctr" rotWithShape="0">
+            <a:outerShdw blurRad="50800" dist="38100" dir="5400000" rotWithShape="0">
               <a:srgbClr val="000000">
-                <a:alpha val="63000"/>
+                <a:alpha val="35000"/>
               </a:srgbClr>
             </a:outerShdw>
           </a:effectLst>
+          <a:scene3d>
+            <a:camera prst="orthographicFront">
+              <a:rot lat="0" lon="0" rev="0"/>
+            </a:camera>
+            <a:lightRig rig="threePt" dir="tl"/>
+          </a:scene3d>
+          <a:sp3d prstMaterial="plastic">
+            <a:bevelT w="0" h="0"/>
+          </a:sp3d>
         </a:effectStyle>
       </a:effectStyleLst>
       <a:bgFillStyleLst>
         <a:solidFill>
           <a:schemeClr val="phClr"/>
         </a:solidFill>
-        <a:solidFill>
-          <a:schemeClr val="phClr">
-            <a:tint val="95000"/>
-            <a:satMod val="170000"/>
-          </a:schemeClr>
-        </a:solidFill>
         <a:gradFill rotWithShape="1">
           <a:gsLst>
             <a:gs pos="0">
               <a:schemeClr val="phClr">
-                <a:tint val="93000"/>
-                <a:satMod val="150000"/>
-                <a:shade val="98000"/>
-                <a:lumMod val="102000"/>
+                <a:tint val="90000"/>
+                <a:lumMod val="104000"/>
               </a:schemeClr>
             </a:gs>
-            <a:gs pos="50000">
+            <a:gs pos="94000">
               <a:schemeClr val="phClr">
-                <a:tint val="98000"/>
-                <a:satMod val="130000"/>
-                <a:shade val="90000"/>
-                <a:lumMod val="103000"/>
+                <a:shade val="96000"/>
+                <a:lumMod val="82000"/>
+              </a:schemeClr>
+            </a:gs>
+          </a:gsLst>
+          <a:lin ang="5400000" scaled="0"/>
+        </a:gradFill>
+        <a:gradFill rotWithShape="1">
+          <a:gsLst>
+            <a:gs pos="0">
+              <a:schemeClr val="phClr">
+                <a:tint val="90000"/>
+                <a:lumMod val="110000"/>
               </a:schemeClr>
             </a:gs>
             <a:gs pos="100000">
               <a:schemeClr val="phClr">
-                <a:shade val="63000"/>
-                <a:satMod val="120000"/>
+                <a:shade val="94000"/>
+                <a:lumMod val="96000"/>
               </a:schemeClr>
             </a:gs>
           </a:gsLst>
-          <a:lin ang="5400000" scaled="0"/>
+          <a:path path="circle">
+            <a:fillToRect l="50000" t="50000" r="100000" b="100000"/>
+          </a:path>
         </a:gradFill>
       </a:bgFillStyleLst>
     </a:fmtScheme>
@@ -8123,7 +8106,7 @@
   <a:extraClrSchemeLst/>
   <a:extLst>
     <a:ext uri="{05A4C25C-085E-4340-85A3-A5531E510DB2}">
-      <thm15:themeFamily xmlns:thm15="http://schemas.microsoft.com/office/thememl/2012/main" name="Depth" id="{7BEAFC2A-325C-49C4-AC08-2B765DA903F9}" vid="{1735E755-43E6-43AA-ABA2-C989ECC79AF5}"/>
+      <thm15:themeFamily xmlns:thm15="http://schemas.microsoft.com/office/thememl/2012/main" name="Facet" id="{C0C680CD-088A-49FC-A102-D699147F32B2}" vid="{CFBC31BA-B70F-4F30-BCAA-4F3011E16C4D}"/>
     </a:ext>
   </a:extLst>
 </a:theme>

--- a/Food-Aid.pptx
+++ b/Food-Aid.pptx
@@ -2,7 +2,7 @@
 <file path=ppt/presentation.xml><?xml version="1.0" encoding="utf-8"?>
 <p:presentation xmlns:a="http://schemas.openxmlformats.org/drawingml/2006/main" xmlns:r="http://schemas.openxmlformats.org/officeDocument/2006/relationships" xmlns:p="http://schemas.openxmlformats.org/presentationml/2006/main" saveSubsetFonts="1">
   <p:sldMasterIdLst>
-    <p:sldMasterId id="2147483744" r:id="rId1"/>
+    <p:sldMasterId id="2147483761" r:id="rId1"/>
   </p:sldMasterIdLst>
   <p:sldIdLst>
     <p:sldId id="256" r:id="rId2"/>
@@ -117,7 +117,7 @@
   </p:defaultTextStyle>
   <p:extLst>
     <p:ext uri="{EFAFB233-063F-42B5-8137-9DF3F51BA10A}">
-      <p15:sldGuideLst xmlns:p15="http://schemas.microsoft.com/office/powerpoint/2012/main">
+      <p15:sldGuideLst xmlns:p15="http://schemas.microsoft.com/office/powerpoint/2012/main" xmlns="">
         <p15:guide id="1" orient="horz" pos="2160">
           <p15:clr>
             <a:srgbClr val="A4A3A4"/>
@@ -151,602 +151,329 @@
           <a:chExt cx="0" cy="0"/>
         </a:xfrm>
       </p:grpSpPr>
-      <p:grpSp>
-        <p:nvGrpSpPr>
-          <p:cNvPr id="7" name="Group 6"/>
-          <p:cNvGrpSpPr/>
+      <p:sp>
+        <p:nvSpPr>
+          <p:cNvPr id="7" name="Right Triangle 6"/>
+          <p:cNvSpPr/>
           <p:nvPr/>
-        </p:nvGrpSpPr>
-        <p:grpSpPr>
-          <a:xfrm>
-            <a:off x="0" y="-8467"/>
-            <a:ext cx="12192000" cy="6866467"/>
-            <a:chOff x="0" y="-8467"/>
-            <a:chExt cx="12192000" cy="6866467"/>
-          </a:xfrm>
-        </p:grpSpPr>
-        <p:cxnSp>
-          <p:nvCxnSpPr>
-            <p:cNvPr id="32" name="Straight Connector 31"/>
-            <p:cNvCxnSpPr/>
-            <p:nvPr/>
-          </p:nvCxnSpPr>
-          <p:spPr>
-            <a:xfrm>
-              <a:off x="9371012" y="0"/>
-              <a:ext cx="1219200" cy="6858000"/>
-            </a:xfrm>
-            <a:prstGeom prst="line">
-              <a:avLst/>
-            </a:prstGeom>
-            <a:ln w="9525">
-              <a:solidFill>
-                <a:schemeClr val="bg1">
-                  <a:lumMod val="75000"/>
-                </a:schemeClr>
-              </a:solidFill>
-            </a:ln>
-          </p:spPr>
-          <p:style>
-            <a:lnRef idx="2">
-              <a:schemeClr val="accent1"/>
-            </a:lnRef>
-            <a:fillRef idx="0">
-              <a:schemeClr val="accent1"/>
-            </a:fillRef>
-            <a:effectRef idx="1">
-              <a:schemeClr val="accent1"/>
-            </a:effectRef>
-            <a:fontRef idx="minor">
-              <a:schemeClr val="tx1"/>
-            </a:fontRef>
-          </p:style>
-        </p:cxnSp>
-        <p:cxnSp>
-          <p:nvCxnSpPr>
-            <p:cNvPr id="21" name="Straight Connector 20"/>
-            <p:cNvCxnSpPr/>
-            <p:nvPr/>
-          </p:nvCxnSpPr>
-          <p:spPr>
-            <a:xfrm flipH="1">
-              <a:off x="7425267" y="3681413"/>
-              <a:ext cx="4763558" cy="3176587"/>
-            </a:xfrm>
-            <a:prstGeom prst="line">
-              <a:avLst/>
-            </a:prstGeom>
-            <a:ln w="9525">
-              <a:solidFill>
-                <a:schemeClr val="bg1">
-                  <a:lumMod val="85000"/>
-                </a:schemeClr>
-              </a:solidFill>
-            </a:ln>
-          </p:spPr>
-          <p:style>
-            <a:lnRef idx="2">
-              <a:schemeClr val="accent1"/>
-            </a:lnRef>
-            <a:fillRef idx="0">
-              <a:schemeClr val="accent1"/>
-            </a:fillRef>
-            <a:effectRef idx="1">
-              <a:schemeClr val="accent1"/>
-            </a:effectRef>
-            <a:fontRef idx="minor">
-              <a:schemeClr val="tx1"/>
-            </a:fontRef>
-          </p:style>
-        </p:cxnSp>
-        <p:sp>
-          <p:nvSpPr>
-            <p:cNvPr id="24" name="Rectangle 23"/>
-            <p:cNvSpPr/>
-            <p:nvPr/>
-          </p:nvSpPr>
-          <p:spPr>
-            <a:xfrm>
-              <a:off x="9181476" y="-8467"/>
-              <a:ext cx="3007349" cy="6866467"/>
-            </a:xfrm>
-            <a:custGeom>
-              <a:avLst/>
-              <a:gdLst/>
-              <a:ahLst/>
-              <a:cxnLst/>
-              <a:rect l="l" t="t" r="r" b="b"/>
-              <a:pathLst>
-                <a:path w="3007349" h="6866467">
-                  <a:moveTo>
-                    <a:pt x="2045532" y="0"/>
-                  </a:moveTo>
-                  <a:lnTo>
-                    <a:pt x="3007349" y="0"/>
-                  </a:lnTo>
-                  <a:lnTo>
-                    <a:pt x="3007349" y="6866467"/>
-                  </a:lnTo>
-                  <a:lnTo>
-                    <a:pt x="0" y="6866467"/>
-                  </a:lnTo>
-                  <a:lnTo>
-                    <a:pt x="2045532" y="0"/>
-                  </a:lnTo>
-                  <a:close/>
-                </a:path>
-              </a:pathLst>
-            </a:custGeom>
-            <a:solidFill>
-              <a:schemeClr val="accent1">
-                <a:alpha val="30000"/>
-              </a:schemeClr>
-            </a:solidFill>
-            <a:ln>
-              <a:noFill/>
-            </a:ln>
-            <a:effectLst/>
-          </p:spPr>
-          <p:style>
-            <a:lnRef idx="1">
-              <a:schemeClr val="accent1"/>
-            </a:lnRef>
-            <a:fillRef idx="3">
-              <a:schemeClr val="accent1"/>
-            </a:fillRef>
-            <a:effectRef idx="2">
-              <a:schemeClr val="accent1"/>
-            </a:effectRef>
-            <a:fontRef idx="minor">
-              <a:schemeClr val="lt1"/>
-            </a:fontRef>
-          </p:style>
-        </p:sp>
-        <p:sp>
-          <p:nvSpPr>
-            <p:cNvPr id="26" name="Rectangle 25"/>
-            <p:cNvSpPr/>
-            <p:nvPr/>
-          </p:nvSpPr>
-          <p:spPr>
-            <a:xfrm>
-              <a:off x="9603442" y="-8467"/>
-              <a:ext cx="2588558" cy="6866467"/>
-            </a:xfrm>
-            <a:custGeom>
-              <a:avLst/>
-              <a:gdLst/>
-              <a:ahLst/>
-              <a:cxnLst/>
-              <a:rect l="l" t="t" r="r" b="b"/>
-              <a:pathLst>
-                <a:path w="2573311" h="6866467">
-                  <a:moveTo>
-                    <a:pt x="0" y="0"/>
-                  </a:moveTo>
-                  <a:lnTo>
-                    <a:pt x="2573311" y="0"/>
-                  </a:lnTo>
-                  <a:lnTo>
-                    <a:pt x="2573311" y="6866467"/>
-                  </a:lnTo>
-                  <a:lnTo>
-                    <a:pt x="1202336" y="6866467"/>
-                  </a:lnTo>
-                  <a:lnTo>
-                    <a:pt x="0" y="0"/>
-                  </a:lnTo>
-                  <a:close/>
-                </a:path>
-              </a:pathLst>
-            </a:custGeom>
-            <a:solidFill>
-              <a:schemeClr val="accent1">
-                <a:alpha val="20000"/>
-              </a:schemeClr>
-            </a:solidFill>
-            <a:ln>
-              <a:noFill/>
-            </a:ln>
-            <a:effectLst/>
-          </p:spPr>
-          <p:style>
-            <a:lnRef idx="1">
-              <a:schemeClr val="accent1"/>
-            </a:lnRef>
-            <a:fillRef idx="3">
-              <a:schemeClr val="accent1"/>
-            </a:fillRef>
-            <a:effectRef idx="2">
-              <a:schemeClr val="accent1"/>
-            </a:effectRef>
-            <a:fontRef idx="minor">
-              <a:schemeClr val="lt1"/>
-            </a:fontRef>
-          </p:style>
-        </p:sp>
-        <p:sp>
-          <p:nvSpPr>
-            <p:cNvPr id="27" name="Isosceles Triangle 26"/>
-            <p:cNvSpPr/>
-            <p:nvPr/>
-          </p:nvSpPr>
-          <p:spPr>
-            <a:xfrm>
-              <a:off x="8932333" y="3048000"/>
-              <a:ext cx="3259667" cy="3810000"/>
-            </a:xfrm>
-            <a:prstGeom prst="triangle">
-              <a:avLst>
-                <a:gd name="adj" fmla="val 100000"/>
-              </a:avLst>
-            </a:prstGeom>
-            <a:solidFill>
-              <a:schemeClr val="accent2">
-                <a:alpha val="72000"/>
-              </a:schemeClr>
-            </a:solidFill>
-            <a:ln>
-              <a:noFill/>
-            </a:ln>
-            <a:effectLst/>
-          </p:spPr>
-          <p:style>
-            <a:lnRef idx="1">
-              <a:schemeClr val="accent1"/>
-            </a:lnRef>
-            <a:fillRef idx="3">
-              <a:schemeClr val="accent1"/>
-            </a:fillRef>
-            <a:effectRef idx="2">
-              <a:schemeClr val="accent1"/>
-            </a:effectRef>
-            <a:fontRef idx="minor">
-              <a:schemeClr val="lt1"/>
-            </a:fontRef>
-          </p:style>
-        </p:sp>
-        <p:sp>
-          <p:nvSpPr>
-            <p:cNvPr id="28" name="Rectangle 27"/>
-            <p:cNvSpPr/>
-            <p:nvPr/>
-          </p:nvSpPr>
-          <p:spPr>
-            <a:xfrm>
-              <a:off x="9334500" y="-8467"/>
-              <a:ext cx="2854326" cy="6866467"/>
-            </a:xfrm>
-            <a:custGeom>
-              <a:avLst/>
-              <a:gdLst/>
-              <a:ahLst/>
-              <a:cxnLst/>
-              <a:rect l="l" t="t" r="r" b="b"/>
-              <a:pathLst>
-                <a:path w="2858013" h="6866467">
-                  <a:moveTo>
-                    <a:pt x="0" y="0"/>
-                  </a:moveTo>
-                  <a:lnTo>
-                    <a:pt x="2858013" y="0"/>
-                  </a:lnTo>
-                  <a:lnTo>
-                    <a:pt x="2858013" y="6866467"/>
-                  </a:lnTo>
-                  <a:lnTo>
-                    <a:pt x="2473942" y="6866467"/>
-                  </a:lnTo>
-                  <a:lnTo>
-                    <a:pt x="0" y="0"/>
-                  </a:lnTo>
-                  <a:close/>
-                </a:path>
-              </a:pathLst>
-            </a:custGeom>
-            <a:solidFill>
-              <a:schemeClr val="accent2">
-                <a:lumMod val="75000"/>
-                <a:alpha val="70000"/>
-              </a:schemeClr>
-            </a:solidFill>
-            <a:ln>
-              <a:noFill/>
-            </a:ln>
-            <a:effectLst/>
-          </p:spPr>
-          <p:style>
-            <a:lnRef idx="1">
-              <a:schemeClr val="accent1"/>
-            </a:lnRef>
-            <a:fillRef idx="3">
-              <a:schemeClr val="accent1"/>
-            </a:fillRef>
-            <a:effectRef idx="2">
-              <a:schemeClr val="accent1"/>
-            </a:effectRef>
-            <a:fontRef idx="minor">
-              <a:schemeClr val="lt1"/>
-            </a:fontRef>
-          </p:style>
-        </p:sp>
-        <p:sp>
-          <p:nvSpPr>
-            <p:cNvPr id="29" name="Rectangle 28"/>
-            <p:cNvSpPr/>
-            <p:nvPr/>
-          </p:nvSpPr>
-          <p:spPr>
-            <a:xfrm>
-              <a:off x="10898730" y="-8467"/>
-              <a:ext cx="1290094" cy="6866467"/>
-            </a:xfrm>
-            <a:custGeom>
-              <a:avLst/>
-              <a:gdLst/>
-              <a:ahLst/>
-              <a:cxnLst/>
-              <a:rect l="l" t="t" r="r" b="b"/>
-              <a:pathLst>
-                <a:path w="1290094" h="6858000">
-                  <a:moveTo>
-                    <a:pt x="1019735" y="0"/>
-                  </a:moveTo>
-                  <a:lnTo>
-                    <a:pt x="1290094" y="0"/>
-                  </a:lnTo>
-                  <a:lnTo>
-                    <a:pt x="1290094" y="6858000"/>
-                  </a:lnTo>
-                  <a:lnTo>
-                    <a:pt x="0" y="6858000"/>
-                  </a:lnTo>
-                  <a:lnTo>
-                    <a:pt x="1019735" y="0"/>
-                  </a:lnTo>
-                  <a:close/>
-                </a:path>
-              </a:pathLst>
-            </a:custGeom>
-            <a:solidFill>
-              <a:schemeClr val="accent1">
-                <a:lumMod val="60000"/>
-                <a:lumOff val="40000"/>
-                <a:alpha val="70000"/>
-              </a:schemeClr>
-            </a:solidFill>
-            <a:ln>
-              <a:noFill/>
-            </a:ln>
-            <a:effectLst/>
-          </p:spPr>
-          <p:style>
-            <a:lnRef idx="1">
-              <a:schemeClr val="accent1"/>
-            </a:lnRef>
-            <a:fillRef idx="3">
-              <a:schemeClr val="accent1"/>
-            </a:fillRef>
-            <a:effectRef idx="2">
-              <a:schemeClr val="accent1"/>
-            </a:effectRef>
-            <a:fontRef idx="minor">
-              <a:schemeClr val="lt1"/>
-            </a:fontRef>
-          </p:style>
-        </p:sp>
-        <p:sp>
-          <p:nvSpPr>
-            <p:cNvPr id="30" name="Rectangle 29"/>
-            <p:cNvSpPr/>
-            <p:nvPr/>
-          </p:nvSpPr>
-          <p:spPr>
-            <a:xfrm>
-              <a:off x="10938999" y="-8467"/>
-              <a:ext cx="1249825" cy="6866467"/>
-            </a:xfrm>
-            <a:custGeom>
-              <a:avLst/>
-              <a:gdLst/>
-              <a:ahLst/>
-              <a:cxnLst/>
-              <a:rect l="l" t="t" r="r" b="b"/>
-              <a:pathLst>
-                <a:path w="1249825" h="6858000">
-                  <a:moveTo>
-                    <a:pt x="0" y="0"/>
-                  </a:moveTo>
-                  <a:lnTo>
-                    <a:pt x="1249825" y="0"/>
-                  </a:lnTo>
-                  <a:lnTo>
-                    <a:pt x="1249825" y="6858000"/>
-                  </a:lnTo>
-                  <a:lnTo>
-                    <a:pt x="1109382" y="6858000"/>
-                  </a:lnTo>
-                  <a:lnTo>
-                    <a:pt x="0" y="0"/>
-                  </a:lnTo>
-                  <a:close/>
-                </a:path>
-              </a:pathLst>
-            </a:custGeom>
-            <a:solidFill>
-              <a:schemeClr val="accent1">
-                <a:alpha val="65000"/>
-              </a:schemeClr>
-            </a:solidFill>
-            <a:ln>
-              <a:noFill/>
-            </a:ln>
-            <a:effectLst/>
-          </p:spPr>
-          <p:style>
-            <a:lnRef idx="1">
-              <a:schemeClr val="accent1"/>
-            </a:lnRef>
-            <a:fillRef idx="3">
-              <a:schemeClr val="accent1"/>
-            </a:fillRef>
-            <a:effectRef idx="2">
-              <a:schemeClr val="accent1"/>
-            </a:effectRef>
-            <a:fontRef idx="minor">
-              <a:schemeClr val="lt1"/>
-            </a:fontRef>
-          </p:style>
-        </p:sp>
-        <p:sp>
-          <p:nvSpPr>
-            <p:cNvPr id="31" name="Isosceles Triangle 30"/>
-            <p:cNvSpPr/>
-            <p:nvPr/>
-          </p:nvSpPr>
-          <p:spPr>
-            <a:xfrm>
-              <a:off x="10371666" y="3589867"/>
-              <a:ext cx="1817159" cy="3268133"/>
-            </a:xfrm>
-            <a:prstGeom prst="triangle">
-              <a:avLst>
-                <a:gd name="adj" fmla="val 100000"/>
-              </a:avLst>
-            </a:prstGeom>
-            <a:solidFill>
-              <a:schemeClr val="accent1">
-                <a:alpha val="80000"/>
-              </a:schemeClr>
-            </a:solidFill>
-            <a:ln>
-              <a:noFill/>
-            </a:ln>
-            <a:effectLst/>
-          </p:spPr>
-          <p:style>
-            <a:lnRef idx="1">
-              <a:schemeClr val="accent1"/>
-            </a:lnRef>
-            <a:fillRef idx="3">
-              <a:schemeClr val="accent1"/>
-            </a:fillRef>
-            <a:effectRef idx="2">
-              <a:schemeClr val="accent1"/>
-            </a:effectRef>
-            <a:fontRef idx="minor">
-              <a:schemeClr val="lt1"/>
-            </a:fontRef>
-          </p:style>
-        </p:sp>
-        <p:sp>
-          <p:nvSpPr>
-            <p:cNvPr id="19" name="Isosceles Triangle 18"/>
-            <p:cNvSpPr/>
-            <p:nvPr/>
-          </p:nvSpPr>
-          <p:spPr>
-            <a:xfrm rot="10800000">
-              <a:off x="0" y="0"/>
-              <a:ext cx="842596" cy="5666154"/>
-            </a:xfrm>
-            <a:prstGeom prst="triangle">
-              <a:avLst>
-                <a:gd name="adj" fmla="val 100000"/>
-              </a:avLst>
-            </a:prstGeom>
-            <a:solidFill>
-              <a:schemeClr val="accent1">
-                <a:alpha val="85000"/>
-              </a:schemeClr>
-            </a:solidFill>
-            <a:ln>
-              <a:noFill/>
-            </a:ln>
-            <a:effectLst/>
-          </p:spPr>
-          <p:style>
-            <a:lnRef idx="1">
-              <a:schemeClr val="accent1"/>
-            </a:lnRef>
-            <a:fillRef idx="3">
-              <a:schemeClr val="accent1"/>
-            </a:fillRef>
-            <a:effectRef idx="2">
-              <a:schemeClr val="accent1"/>
-            </a:effectRef>
-            <a:fontRef idx="minor">
-              <a:schemeClr val="lt1"/>
-            </a:fontRef>
-          </p:style>
-        </p:sp>
-      </p:grpSp>
-      <p:sp>
-        <p:nvSpPr>
-          <p:cNvPr id="2" name="Title 1"/>
-          <p:cNvSpPr>
-            <a:spLocks noGrp="1"/>
-          </p:cNvSpPr>
-          <p:nvPr>
-            <p:ph type="ctrTitle"/>
-          </p:nvPr>
         </p:nvSpPr>
         <p:spPr>
           <a:xfrm>
-            <a:off x="1507067" y="2404534"/>
-            <a:ext cx="7766936" cy="1646302"/>
+            <a:off x="1" y="2647950"/>
+            <a:ext cx="4762500" cy="4210050"/>
+          </a:xfrm>
+          <a:prstGeom prst="rtTriangle">
+            <a:avLst/>
+          </a:prstGeom>
+          <a:solidFill>
+            <a:schemeClr val="accent2"/>
+          </a:solidFill>
+          <a:ln>
+            <a:noFill/>
+          </a:ln>
+        </p:spPr>
+        <p:style>
+          <a:lnRef idx="2">
+            <a:schemeClr val="accent1">
+              <a:shade val="50000"/>
+            </a:schemeClr>
+          </a:lnRef>
+          <a:fillRef idx="1">
+            <a:schemeClr val="accent1"/>
+          </a:fillRef>
+          <a:effectRef idx="0">
+            <a:schemeClr val="accent1"/>
+          </a:effectRef>
+          <a:fontRef idx="minor">
+            <a:schemeClr val="lt1"/>
+          </a:fontRef>
+        </p:style>
+        <p:txBody>
+          <a:bodyPr rtlCol="0" anchor="ctr"/>
+          <a:lstStyle/>
+          <a:p>
+            <a:pPr algn="ctr"/>
+            <a:endParaRPr lang="en-US"/>
+          </a:p>
+        </p:txBody>
+      </p:sp>
+      <p:sp>
+        <p:nvSpPr>
+          <p:cNvPr id="8" name="Freeform 7"/>
+          <p:cNvSpPr/>
+          <p:nvPr/>
+        </p:nvSpPr>
+        <p:spPr>
+          <a:xfrm>
+            <a:off x="-3173" y="-925"/>
+            <a:ext cx="12195173" cy="6858925"/>
+          </a:xfrm>
+          <a:custGeom>
+            <a:avLst/>
+            <a:gdLst>
+              <a:gd name="connsiteX0" fmla="*/ 0 w 3350419"/>
+              <a:gd name="connsiteY0" fmla="*/ 2081213 h 2083594"/>
+              <a:gd name="connsiteX1" fmla="*/ 3031331 w 3350419"/>
+              <a:gd name="connsiteY1" fmla="*/ 0 h 2083594"/>
+              <a:gd name="connsiteX2" fmla="*/ 3350419 w 3350419"/>
+              <a:gd name="connsiteY2" fmla="*/ 80963 h 2083594"/>
+              <a:gd name="connsiteX3" fmla="*/ 3350419 w 3350419"/>
+              <a:gd name="connsiteY3" fmla="*/ 2083594 h 2083594"/>
+              <a:gd name="connsiteX4" fmla="*/ 0 w 3350419"/>
+              <a:gd name="connsiteY4" fmla="*/ 2081213 h 2083594"/>
+              <a:gd name="connsiteX0" fmla="*/ 0 w 3112294"/>
+              <a:gd name="connsiteY0" fmla="*/ 2019301 h 2083594"/>
+              <a:gd name="connsiteX1" fmla="*/ 2793206 w 3112294"/>
+              <a:gd name="connsiteY1" fmla="*/ 0 h 2083594"/>
+              <a:gd name="connsiteX2" fmla="*/ 3112294 w 3112294"/>
+              <a:gd name="connsiteY2" fmla="*/ 80963 h 2083594"/>
+              <a:gd name="connsiteX3" fmla="*/ 3112294 w 3112294"/>
+              <a:gd name="connsiteY3" fmla="*/ 2083594 h 2083594"/>
+              <a:gd name="connsiteX4" fmla="*/ 0 w 3112294"/>
+              <a:gd name="connsiteY4" fmla="*/ 2019301 h 2083594"/>
+              <a:gd name="connsiteX0" fmla="*/ 0 w 3345656"/>
+              <a:gd name="connsiteY0" fmla="*/ 2097882 h 2097882"/>
+              <a:gd name="connsiteX1" fmla="*/ 3026568 w 3345656"/>
+              <a:gd name="connsiteY1" fmla="*/ 0 h 2097882"/>
+              <a:gd name="connsiteX2" fmla="*/ 3345656 w 3345656"/>
+              <a:gd name="connsiteY2" fmla="*/ 80963 h 2097882"/>
+              <a:gd name="connsiteX3" fmla="*/ 3345656 w 3345656"/>
+              <a:gd name="connsiteY3" fmla="*/ 2083594 h 2097882"/>
+              <a:gd name="connsiteX4" fmla="*/ 0 w 3345656"/>
+              <a:gd name="connsiteY4" fmla="*/ 2097882 h 2097882"/>
+              <a:gd name="connsiteX0" fmla="*/ 0 w 2800350"/>
+              <a:gd name="connsiteY0" fmla="*/ 1935957 h 2083594"/>
+              <a:gd name="connsiteX1" fmla="*/ 2481262 w 2800350"/>
+              <a:gd name="connsiteY1" fmla="*/ 0 h 2083594"/>
+              <a:gd name="connsiteX2" fmla="*/ 2800350 w 2800350"/>
+              <a:gd name="connsiteY2" fmla="*/ 80963 h 2083594"/>
+              <a:gd name="connsiteX3" fmla="*/ 2800350 w 2800350"/>
+              <a:gd name="connsiteY3" fmla="*/ 2083594 h 2083594"/>
+              <a:gd name="connsiteX4" fmla="*/ 0 w 2800350"/>
+              <a:gd name="connsiteY4" fmla="*/ 1935957 h 2083594"/>
+              <a:gd name="connsiteX0" fmla="*/ 0 w 3352800"/>
+              <a:gd name="connsiteY0" fmla="*/ 2083594 h 2083594"/>
+              <a:gd name="connsiteX1" fmla="*/ 3033712 w 3352800"/>
+              <a:gd name="connsiteY1" fmla="*/ 0 h 2083594"/>
+              <a:gd name="connsiteX2" fmla="*/ 3352800 w 3352800"/>
+              <a:gd name="connsiteY2" fmla="*/ 80963 h 2083594"/>
+              <a:gd name="connsiteX3" fmla="*/ 3352800 w 3352800"/>
+              <a:gd name="connsiteY3" fmla="*/ 2083594 h 2083594"/>
+              <a:gd name="connsiteX4" fmla="*/ 0 w 3352800"/>
+              <a:gd name="connsiteY4" fmla="*/ 2083594 h 2083594"/>
+              <a:gd name="connsiteX0" fmla="*/ 0 w 3352800"/>
+              <a:gd name="connsiteY0" fmla="*/ 2002631 h 2002631"/>
+              <a:gd name="connsiteX1" fmla="*/ 3033712 w 3352800"/>
+              <a:gd name="connsiteY1" fmla="*/ 157162 h 2002631"/>
+              <a:gd name="connsiteX2" fmla="*/ 3352800 w 3352800"/>
+              <a:gd name="connsiteY2" fmla="*/ 0 h 2002631"/>
+              <a:gd name="connsiteX3" fmla="*/ 3352800 w 3352800"/>
+              <a:gd name="connsiteY3" fmla="*/ 2002631 h 2002631"/>
+              <a:gd name="connsiteX4" fmla="*/ 0 w 3352800"/>
+              <a:gd name="connsiteY4" fmla="*/ 2002631 h 2002631"/>
+              <a:gd name="connsiteX0" fmla="*/ 0 w 3352800"/>
+              <a:gd name="connsiteY0" fmla="*/ 2002631 h 2002631"/>
+              <a:gd name="connsiteX1" fmla="*/ 2988469 w 3352800"/>
+              <a:gd name="connsiteY1" fmla="*/ 59530 h 2002631"/>
+              <a:gd name="connsiteX2" fmla="*/ 3352800 w 3352800"/>
+              <a:gd name="connsiteY2" fmla="*/ 0 h 2002631"/>
+              <a:gd name="connsiteX3" fmla="*/ 3352800 w 3352800"/>
+              <a:gd name="connsiteY3" fmla="*/ 2002631 h 2002631"/>
+              <a:gd name="connsiteX4" fmla="*/ 0 w 3352800"/>
+              <a:gd name="connsiteY4" fmla="*/ 2002631 h 2002631"/>
+              <a:gd name="connsiteX0" fmla="*/ 0 w 3352800"/>
+              <a:gd name="connsiteY0" fmla="*/ 2002631 h 2002631"/>
+              <a:gd name="connsiteX1" fmla="*/ 2833966 w 3352800"/>
+              <a:gd name="connsiteY1" fmla="*/ 425 h 2002631"/>
+              <a:gd name="connsiteX2" fmla="*/ 3352800 w 3352800"/>
+              <a:gd name="connsiteY2" fmla="*/ 0 h 2002631"/>
+              <a:gd name="connsiteX3" fmla="*/ 3352800 w 3352800"/>
+              <a:gd name="connsiteY3" fmla="*/ 2002631 h 2002631"/>
+              <a:gd name="connsiteX4" fmla="*/ 0 w 3352800"/>
+              <a:gd name="connsiteY4" fmla="*/ 2002631 h 2002631"/>
+              <a:gd name="connsiteX0" fmla="*/ 0 w 3352800"/>
+              <a:gd name="connsiteY0" fmla="*/ 2002631 h 2002631"/>
+              <a:gd name="connsiteX1" fmla="*/ 2845314 w 3352800"/>
+              <a:gd name="connsiteY1" fmla="*/ 12246 h 2002631"/>
+              <a:gd name="connsiteX2" fmla="*/ 3352800 w 3352800"/>
+              <a:gd name="connsiteY2" fmla="*/ 0 h 2002631"/>
+              <a:gd name="connsiteX3" fmla="*/ 3352800 w 3352800"/>
+              <a:gd name="connsiteY3" fmla="*/ 2002631 h 2002631"/>
+              <a:gd name="connsiteX4" fmla="*/ 0 w 3352800"/>
+              <a:gd name="connsiteY4" fmla="*/ 2002631 h 2002631"/>
+              <a:gd name="connsiteX0" fmla="*/ 0 w 3352800"/>
+              <a:gd name="connsiteY0" fmla="*/ 2002631 h 2002631"/>
+              <a:gd name="connsiteX1" fmla="*/ 2834839 w 3352800"/>
+              <a:gd name="connsiteY1" fmla="*/ 425 h 2002631"/>
+              <a:gd name="connsiteX2" fmla="*/ 3352800 w 3352800"/>
+              <a:gd name="connsiteY2" fmla="*/ 0 h 2002631"/>
+              <a:gd name="connsiteX3" fmla="*/ 3352800 w 3352800"/>
+              <a:gd name="connsiteY3" fmla="*/ 2002631 h 2002631"/>
+              <a:gd name="connsiteX4" fmla="*/ 0 w 3352800"/>
+              <a:gd name="connsiteY4" fmla="*/ 2002631 h 2002631"/>
+              <a:gd name="connsiteX0" fmla="*/ 0 w 3352800"/>
+              <a:gd name="connsiteY0" fmla="*/ 2002631 h 2002631"/>
+              <a:gd name="connsiteX1" fmla="*/ 2875865 w 3352800"/>
+              <a:gd name="connsiteY1" fmla="*/ 81782 h 2002631"/>
+              <a:gd name="connsiteX2" fmla="*/ 3352800 w 3352800"/>
+              <a:gd name="connsiteY2" fmla="*/ 0 h 2002631"/>
+              <a:gd name="connsiteX3" fmla="*/ 3352800 w 3352800"/>
+              <a:gd name="connsiteY3" fmla="*/ 2002631 h 2002631"/>
+              <a:gd name="connsiteX4" fmla="*/ 0 w 3352800"/>
+              <a:gd name="connsiteY4" fmla="*/ 2002631 h 2002631"/>
+              <a:gd name="connsiteX0" fmla="*/ 0 w 3352800"/>
+              <a:gd name="connsiteY0" fmla="*/ 2002901 h 2002901"/>
+              <a:gd name="connsiteX1" fmla="*/ 2836585 w 3352800"/>
+              <a:gd name="connsiteY1" fmla="*/ 0 h 2002901"/>
+              <a:gd name="connsiteX2" fmla="*/ 3352800 w 3352800"/>
+              <a:gd name="connsiteY2" fmla="*/ 270 h 2002901"/>
+              <a:gd name="connsiteX3" fmla="*/ 3352800 w 3352800"/>
+              <a:gd name="connsiteY3" fmla="*/ 2002901 h 2002901"/>
+              <a:gd name="connsiteX4" fmla="*/ 0 w 3352800"/>
+              <a:gd name="connsiteY4" fmla="*/ 2002901 h 2002901"/>
+            </a:gdLst>
+            <a:ahLst/>
+            <a:cxnLst>
+              <a:cxn ang="0">
+                <a:pos x="connsiteX0" y="connsiteY0"/>
+              </a:cxn>
+              <a:cxn ang="0">
+                <a:pos x="connsiteX1" y="connsiteY1"/>
+              </a:cxn>
+              <a:cxn ang="0">
+                <a:pos x="connsiteX2" y="connsiteY2"/>
+              </a:cxn>
+              <a:cxn ang="0">
+                <a:pos x="connsiteX3" y="connsiteY3"/>
+              </a:cxn>
+              <a:cxn ang="0">
+                <a:pos x="connsiteX4" y="connsiteY4"/>
+              </a:cxn>
+            </a:cxnLst>
+            <a:rect l="l" t="t" r="r" b="b"/>
+            <a:pathLst>
+              <a:path w="3352800" h="2002901">
+                <a:moveTo>
+                  <a:pt x="0" y="2002901"/>
+                </a:moveTo>
+                <a:lnTo>
+                  <a:pt x="2836585" y="0"/>
+                </a:lnTo>
+                <a:lnTo>
+                  <a:pt x="3352800" y="270"/>
+                </a:lnTo>
+                <a:lnTo>
+                  <a:pt x="3352800" y="2002901"/>
+                </a:lnTo>
+                <a:lnTo>
+                  <a:pt x="0" y="2002901"/>
+                </a:lnTo>
+                <a:close/>
+              </a:path>
+            </a:pathLst>
+          </a:custGeom>
+          <a:solidFill>
+            <a:schemeClr val="accent3">
+              <a:alpha val="80000"/>
+            </a:schemeClr>
+          </a:solidFill>
+          <a:ln>
+            <a:noFill/>
+          </a:ln>
+        </p:spPr>
+        <p:style>
+          <a:lnRef idx="2">
+            <a:schemeClr val="accent1">
+              <a:shade val="50000"/>
+            </a:schemeClr>
+          </a:lnRef>
+          <a:fillRef idx="1">
+            <a:schemeClr val="accent1"/>
+          </a:fillRef>
+          <a:effectRef idx="0">
+            <a:schemeClr val="accent1"/>
+          </a:effectRef>
+          <a:fontRef idx="minor">
+            <a:schemeClr val="lt1"/>
+          </a:fontRef>
+        </p:style>
+        <p:txBody>
+          <a:bodyPr rtlCol="0" anchor="ctr"/>
+          <a:lstStyle/>
+          <a:p>
+            <a:pPr algn="ctr"/>
+            <a:endParaRPr lang="en-US"/>
+          </a:p>
+        </p:txBody>
+      </p:sp>
+      <p:sp>
+        <p:nvSpPr>
+          <p:cNvPr id="2" name="Title 1"/>
+          <p:cNvSpPr>
+            <a:spLocks noGrp="1"/>
+          </p:cNvSpPr>
+          <p:nvPr>
+            <p:ph type="ctrTitle"/>
+          </p:nvPr>
+        </p:nvSpPr>
+        <p:spPr>
+          <a:xfrm rot="19140000">
+            <a:off x="1089484" y="1730403"/>
+            <a:ext cx="7531497" cy="1204306"/>
           </a:xfrm>
         </p:spPr>
         <p:txBody>
-          <a:bodyPr anchor="b">
-            <a:noAutofit/>
+          <a:bodyPr bIns="9144" anchor="b"/>
+          <a:lstStyle>
+            <a:lvl1pPr>
+              <a:defRPr sz="3200"/>
+            </a:lvl1pPr>
+          </a:lstStyle>
+          <a:p>
+            <a:r>
+              <a:rPr lang="es-ES" smtClean="0"/>
+              <a:t>Haga clic para modificar el estilo de título del patrón</a:t>
+            </a:r>
+            <a:endParaRPr lang="en-US" dirty="0"/>
+          </a:p>
+        </p:txBody>
+      </p:sp>
+      <p:sp>
+        <p:nvSpPr>
+          <p:cNvPr id="3" name="Subtitle 2"/>
+          <p:cNvSpPr>
+            <a:spLocks noGrp="1"/>
+          </p:cNvSpPr>
+          <p:nvPr>
+            <p:ph type="subTitle" idx="1"/>
+          </p:nvPr>
+        </p:nvSpPr>
+        <p:spPr>
+          <a:xfrm rot="19140000">
+            <a:off x="1616370" y="2470926"/>
+            <a:ext cx="8681508" cy="329259"/>
+          </a:xfrm>
+        </p:spPr>
+        <p:txBody>
+          <a:bodyPr tIns="9144">
+            <a:normAutofit/>
           </a:bodyPr>
           <a:lstStyle>
-            <a:lvl1pPr algn="r">
-              <a:defRPr sz="5400">
+            <a:lvl1pPr marL="0" indent="0" algn="l">
+              <a:buNone/>
+              <a:defRPr kumimoji="0" lang="en-US" sz="1400" b="0" i="0" u="none" strike="noStrike" kern="1200" cap="all" spc="400" normalizeH="0" baseline="0" noProof="0" dirty="0" smtClean="0">
+                <a:ln>
+                  <a:noFill/>
+                </a:ln>
                 <a:solidFill>
-                  <a:schemeClr val="accent1"/>
+                  <a:schemeClr val="tx1"/>
                 </a:solidFill>
-              </a:defRPr>
-            </a:lvl1pPr>
-          </a:lstStyle>
-          <a:p>
-            <a:r>
-              <a:rPr lang="es-ES" smtClean="0"/>
-              <a:t>Haga clic para modificar el estilo de título del patrón</a:t>
-            </a:r>
-            <a:endParaRPr lang="en-US" dirty="0"/>
-          </a:p>
-        </p:txBody>
-      </p:sp>
-      <p:sp>
-        <p:nvSpPr>
-          <p:cNvPr id="3" name="Subtitle 2"/>
-          <p:cNvSpPr>
-            <a:spLocks noGrp="1"/>
-          </p:cNvSpPr>
-          <p:nvPr>
-            <p:ph type="subTitle" idx="1"/>
-          </p:nvPr>
-        </p:nvSpPr>
-        <p:spPr>
-          <a:xfrm>
-            <a:off x="1507067" y="4050833"/>
-            <a:ext cx="7766936" cy="1096899"/>
-          </a:xfrm>
-        </p:spPr>
-        <p:txBody>
-          <a:bodyPr anchor="t"/>
-          <a:lstStyle>
-            <a:lvl1pPr marL="0" indent="0" algn="r">
-              <a:buNone/>
-              <a:defRPr>
-                <a:solidFill>
-                  <a:schemeClr val="tx1">
-                    <a:lumMod val="50000"/>
-                    <a:lumOff val="50000"/>
-                  </a:schemeClr>
-                </a:solidFill>
+                <a:effectLst/>
+                <a:uLnTx/>
+                <a:uFillTx/>
+                <a:latin typeface="+mn-lt"/>
+                <a:ea typeface="+mj-ea"/>
+                <a:cs typeface="Tunga" pitchFamily="2"/>
               </a:defRPr>
             </a:lvl1pPr>
             <a:lvl2pPr marL="457200" indent="0" algn="ctr">
@@ -831,6 +558,25 @@
             </a:lvl9pPr>
           </a:lstStyle>
           <a:p>
+            <a:pPr marL="0" marR="0" lvl="0" indent="0" algn="l" defTabSz="914400" rtl="0" eaLnBrk="1" fontAlgn="auto" latinLnBrk="0" hangingPunct="1">
+              <a:lnSpc>
+                <a:spcPct val="100000"/>
+              </a:lnSpc>
+              <a:spcBef>
+                <a:spcPts val="0"/>
+              </a:spcBef>
+              <a:spcAft>
+                <a:spcPts val="0"/>
+              </a:spcAft>
+              <a:buClr>
+                <a:schemeClr val="accent1"/>
+              </a:buClr>
+              <a:buSzPct val="100000"/>
+              <a:buFont typeface="Arial" pitchFamily="34" charset="0"/>
+              <a:buNone/>
+              <a:tabLst/>
+              <a:defRPr/>
+            </a:pPr>
             <a:r>
               <a:rPr lang="es-ES" smtClean="0"/>
               <a:t>Haga clic para modificar el estilo de subtítulo del patrón</a:t>
@@ -907,11 +653,6 @@
         </p:txBody>
       </p:sp>
     </p:spTree>
-    <p:extLst>
-      <p:ext uri="{BB962C8B-B14F-4D97-AF65-F5344CB8AC3E}">
-        <p14:creationId xmlns:p14="http://schemas.microsoft.com/office/powerpoint/2010/main" val="2688650098"/>
-      </p:ext>
-    </p:extLst>
   </p:cSld>
   <p:clrMapOvr>
     <a:masterClrMapping/>
@@ -920,1629 +661,6 @@
 </file>
 
 <file path=ppt/slideLayouts/slideLayout10.xml><?xml version="1.0" encoding="utf-8"?>
-<p:sldLayout xmlns:a="http://schemas.openxmlformats.org/drawingml/2006/main" xmlns:r="http://schemas.openxmlformats.org/officeDocument/2006/relationships" xmlns:p="http://schemas.openxmlformats.org/presentationml/2006/main" preserve="1">
-  <p:cSld name="Título y descripción">
-    <p:spTree>
-      <p:nvGrpSpPr>
-        <p:cNvPr id="1" name=""/>
-        <p:cNvGrpSpPr/>
-        <p:nvPr/>
-      </p:nvGrpSpPr>
-      <p:grpSpPr>
-        <a:xfrm>
-          <a:off x="0" y="0"/>
-          <a:ext cx="0" cy="0"/>
-          <a:chOff x="0" y="0"/>
-          <a:chExt cx="0" cy="0"/>
-        </a:xfrm>
-      </p:grpSpPr>
-      <p:sp>
-        <p:nvSpPr>
-          <p:cNvPr id="2" name="Title 1"/>
-          <p:cNvSpPr>
-            <a:spLocks noGrp="1"/>
-          </p:cNvSpPr>
-          <p:nvPr>
-            <p:ph type="title"/>
-          </p:nvPr>
-        </p:nvSpPr>
-        <p:spPr>
-          <a:xfrm>
-            <a:off x="677335" y="609600"/>
-            <a:ext cx="8596668" cy="3403600"/>
-          </a:xfrm>
-        </p:spPr>
-        <p:txBody>
-          <a:bodyPr anchor="ctr">
-            <a:normAutofit/>
-          </a:bodyPr>
-          <a:lstStyle>
-            <a:lvl1pPr algn="l">
-              <a:defRPr sz="4400" b="0" cap="none"/>
-            </a:lvl1pPr>
-          </a:lstStyle>
-          <a:p>
-            <a:r>
-              <a:rPr lang="es-ES" smtClean="0"/>
-              <a:t>Haga clic para modificar el estilo de título del patrón</a:t>
-            </a:r>
-            <a:endParaRPr lang="en-US" dirty="0"/>
-          </a:p>
-        </p:txBody>
-      </p:sp>
-      <p:sp>
-        <p:nvSpPr>
-          <p:cNvPr id="3" name="Text Placeholder 2"/>
-          <p:cNvSpPr>
-            <a:spLocks noGrp="1"/>
-          </p:cNvSpPr>
-          <p:nvPr>
-            <p:ph type="body" idx="1"/>
-          </p:nvPr>
-        </p:nvSpPr>
-        <p:spPr>
-          <a:xfrm>
-            <a:off x="677335" y="4470400"/>
-            <a:ext cx="8596668" cy="1570962"/>
-          </a:xfrm>
-        </p:spPr>
-        <p:txBody>
-          <a:bodyPr anchor="ctr">
-            <a:normAutofit/>
-          </a:bodyPr>
-          <a:lstStyle>
-            <a:lvl1pPr marL="0" indent="0" algn="l">
-              <a:buNone/>
-              <a:defRPr sz="1800">
-                <a:solidFill>
-                  <a:schemeClr val="tx1">
-                    <a:lumMod val="75000"/>
-                    <a:lumOff val="25000"/>
-                  </a:schemeClr>
-                </a:solidFill>
-              </a:defRPr>
-            </a:lvl1pPr>
-            <a:lvl2pPr marL="457200" indent="0">
-              <a:buNone/>
-              <a:defRPr sz="1800">
-                <a:solidFill>
-                  <a:schemeClr val="tx1">
-                    <a:tint val="75000"/>
-                  </a:schemeClr>
-                </a:solidFill>
-              </a:defRPr>
-            </a:lvl2pPr>
-            <a:lvl3pPr marL="914400" indent="0">
-              <a:buNone/>
-              <a:defRPr sz="1600">
-                <a:solidFill>
-                  <a:schemeClr val="tx1">
-                    <a:tint val="75000"/>
-                  </a:schemeClr>
-                </a:solidFill>
-              </a:defRPr>
-            </a:lvl3pPr>
-            <a:lvl4pPr marL="1371600" indent="0">
-              <a:buNone/>
-              <a:defRPr sz="1400">
-                <a:solidFill>
-                  <a:schemeClr val="tx1">
-                    <a:tint val="75000"/>
-                  </a:schemeClr>
-                </a:solidFill>
-              </a:defRPr>
-            </a:lvl4pPr>
-            <a:lvl5pPr marL="1828800" indent="0">
-              <a:buNone/>
-              <a:defRPr sz="1400">
-                <a:solidFill>
-                  <a:schemeClr val="tx1">
-                    <a:tint val="75000"/>
-                  </a:schemeClr>
-                </a:solidFill>
-              </a:defRPr>
-            </a:lvl5pPr>
-            <a:lvl6pPr marL="2286000" indent="0">
-              <a:buNone/>
-              <a:defRPr sz="1400">
-                <a:solidFill>
-                  <a:schemeClr val="tx1">
-                    <a:tint val="75000"/>
-                  </a:schemeClr>
-                </a:solidFill>
-              </a:defRPr>
-            </a:lvl6pPr>
-            <a:lvl7pPr marL="2743200" indent="0">
-              <a:buNone/>
-              <a:defRPr sz="1400">
-                <a:solidFill>
-                  <a:schemeClr val="tx1">
-                    <a:tint val="75000"/>
-                  </a:schemeClr>
-                </a:solidFill>
-              </a:defRPr>
-            </a:lvl7pPr>
-            <a:lvl8pPr marL="3200400" indent="0">
-              <a:buNone/>
-              <a:defRPr sz="1400">
-                <a:solidFill>
-                  <a:schemeClr val="tx1">
-                    <a:tint val="75000"/>
-                  </a:schemeClr>
-                </a:solidFill>
-              </a:defRPr>
-            </a:lvl8pPr>
-            <a:lvl9pPr marL="3657600" indent="0">
-              <a:buNone/>
-              <a:defRPr sz="1400">
-                <a:solidFill>
-                  <a:schemeClr val="tx1">
-                    <a:tint val="75000"/>
-                  </a:schemeClr>
-                </a:solidFill>
-              </a:defRPr>
-            </a:lvl9pPr>
-          </a:lstStyle>
-          <a:p>
-            <a:pPr lvl="0"/>
-            <a:r>
-              <a:rPr lang="es-ES" smtClean="0"/>
-              <a:t>Haga clic para modificar el estilo de texto del patrón</a:t>
-            </a:r>
-          </a:p>
-        </p:txBody>
-      </p:sp>
-      <p:sp>
-        <p:nvSpPr>
-          <p:cNvPr id="4" name="Date Placeholder 3"/>
-          <p:cNvSpPr>
-            <a:spLocks noGrp="1"/>
-          </p:cNvSpPr>
-          <p:nvPr>
-            <p:ph type="dt" sz="half" idx="10"/>
-          </p:nvPr>
-        </p:nvSpPr>
-        <p:spPr/>
-        <p:txBody>
-          <a:bodyPr/>
-          <a:lstStyle/>
-          <a:p>
-            <a:fld id="{0CBE8919-C854-473F-863C-B1864504E81A}" type="datetimeFigureOut">
-              <a:rPr lang="es-CL" smtClean="0"/>
-              <a:pPr/>
-              <a:t>04-10-2014</a:t>
-            </a:fld>
-            <a:endParaRPr lang="es-CL"/>
-          </a:p>
-        </p:txBody>
-      </p:sp>
-      <p:sp>
-        <p:nvSpPr>
-          <p:cNvPr id="5" name="Footer Placeholder 4"/>
-          <p:cNvSpPr>
-            <a:spLocks noGrp="1"/>
-          </p:cNvSpPr>
-          <p:nvPr>
-            <p:ph type="ftr" sz="quarter" idx="11"/>
-          </p:nvPr>
-        </p:nvSpPr>
-        <p:spPr/>
-        <p:txBody>
-          <a:bodyPr/>
-          <a:lstStyle/>
-          <a:p>
-            <a:endParaRPr lang="es-CL"/>
-          </a:p>
-        </p:txBody>
-      </p:sp>
-      <p:sp>
-        <p:nvSpPr>
-          <p:cNvPr id="6" name="Slide Number Placeholder 5"/>
-          <p:cNvSpPr>
-            <a:spLocks noGrp="1"/>
-          </p:cNvSpPr>
-          <p:nvPr>
-            <p:ph type="sldNum" sz="quarter" idx="12"/>
-          </p:nvPr>
-        </p:nvSpPr>
-        <p:spPr/>
-        <p:txBody>
-          <a:bodyPr/>
-          <a:lstStyle/>
-          <a:p>
-            <a:fld id="{541E98F8-2370-44B3-B177-237D8934FAF8}" type="slidenum">
-              <a:rPr lang="es-CL" smtClean="0"/>
-              <a:pPr/>
-              <a:t>‹Nº›</a:t>
-            </a:fld>
-            <a:endParaRPr lang="es-CL"/>
-          </a:p>
-        </p:txBody>
-      </p:sp>
-    </p:spTree>
-    <p:extLst>
-      <p:ext uri="{BB962C8B-B14F-4D97-AF65-F5344CB8AC3E}">
-        <p14:creationId xmlns:p14="http://schemas.microsoft.com/office/powerpoint/2010/main" val="873580323"/>
-      </p:ext>
-    </p:extLst>
-  </p:cSld>
-  <p:clrMapOvr>
-    <a:masterClrMapping/>
-  </p:clrMapOvr>
-</p:sldLayout>
-</file>
-
-<file path=ppt/slideLayouts/slideLayout11.xml><?xml version="1.0" encoding="utf-8"?>
-<p:sldLayout xmlns:a="http://schemas.openxmlformats.org/drawingml/2006/main" xmlns:r="http://schemas.openxmlformats.org/officeDocument/2006/relationships" xmlns:p="http://schemas.openxmlformats.org/presentationml/2006/main" preserve="1">
-  <p:cSld name="Cita con descripción">
-    <p:spTree>
-      <p:nvGrpSpPr>
-        <p:cNvPr id="1" name=""/>
-        <p:cNvGrpSpPr/>
-        <p:nvPr/>
-      </p:nvGrpSpPr>
-      <p:grpSpPr>
-        <a:xfrm>
-          <a:off x="0" y="0"/>
-          <a:ext cx="0" cy="0"/>
-          <a:chOff x="0" y="0"/>
-          <a:chExt cx="0" cy="0"/>
-        </a:xfrm>
-      </p:grpSpPr>
-      <p:sp>
-        <p:nvSpPr>
-          <p:cNvPr id="2" name="Title 1"/>
-          <p:cNvSpPr>
-            <a:spLocks noGrp="1"/>
-          </p:cNvSpPr>
-          <p:nvPr>
-            <p:ph type="title"/>
-          </p:nvPr>
-        </p:nvSpPr>
-        <p:spPr>
-          <a:xfrm>
-            <a:off x="931334" y="609600"/>
-            <a:ext cx="8094134" cy="3022600"/>
-          </a:xfrm>
-        </p:spPr>
-        <p:txBody>
-          <a:bodyPr anchor="ctr">
-            <a:normAutofit/>
-          </a:bodyPr>
-          <a:lstStyle>
-            <a:lvl1pPr algn="l">
-              <a:defRPr sz="4400" b="0" cap="none"/>
-            </a:lvl1pPr>
-          </a:lstStyle>
-          <a:p>
-            <a:r>
-              <a:rPr lang="es-ES" smtClean="0"/>
-              <a:t>Haga clic para modificar el estilo de título del patrón</a:t>
-            </a:r>
-            <a:endParaRPr lang="en-US" dirty="0"/>
-          </a:p>
-        </p:txBody>
-      </p:sp>
-      <p:sp>
-        <p:nvSpPr>
-          <p:cNvPr id="23" name="Text Placeholder 9"/>
-          <p:cNvSpPr>
-            <a:spLocks noGrp="1"/>
-          </p:cNvSpPr>
-          <p:nvPr>
-            <p:ph type="body" sz="quarter" idx="13"/>
-          </p:nvPr>
-        </p:nvSpPr>
-        <p:spPr>
-          <a:xfrm>
-            <a:off x="1366139" y="3632200"/>
-            <a:ext cx="7224524" cy="381000"/>
-          </a:xfrm>
-        </p:spPr>
-        <p:txBody>
-          <a:bodyPr anchor="ctr">
-            <a:noAutofit/>
-          </a:bodyPr>
-          <a:lstStyle>
-            <a:lvl1pPr marL="0" indent="0">
-              <a:buFontTx/>
-              <a:buNone/>
-              <a:defRPr sz="1600">
-                <a:solidFill>
-                  <a:schemeClr val="tx1">
-                    <a:lumMod val="50000"/>
-                    <a:lumOff val="50000"/>
-                  </a:schemeClr>
-                </a:solidFill>
-              </a:defRPr>
-            </a:lvl1pPr>
-            <a:lvl2pPr marL="457200" indent="0">
-              <a:buFontTx/>
-              <a:buNone/>
-              <a:defRPr/>
-            </a:lvl2pPr>
-            <a:lvl3pPr marL="914400" indent="0">
-              <a:buFontTx/>
-              <a:buNone/>
-              <a:defRPr/>
-            </a:lvl3pPr>
-            <a:lvl4pPr marL="1371600" indent="0">
-              <a:buFontTx/>
-              <a:buNone/>
-              <a:defRPr/>
-            </a:lvl4pPr>
-            <a:lvl5pPr marL="1828800" indent="0">
-              <a:buFontTx/>
-              <a:buNone/>
-              <a:defRPr/>
-            </a:lvl5pPr>
-          </a:lstStyle>
-          <a:p>
-            <a:pPr lvl="0"/>
-            <a:r>
-              <a:rPr lang="es-ES" smtClean="0"/>
-              <a:t>Haga clic para modificar el estilo de texto del patrón</a:t>
-            </a:r>
-          </a:p>
-        </p:txBody>
-      </p:sp>
-      <p:sp>
-        <p:nvSpPr>
-          <p:cNvPr id="3" name="Text Placeholder 2"/>
-          <p:cNvSpPr>
-            <a:spLocks noGrp="1"/>
-          </p:cNvSpPr>
-          <p:nvPr>
-            <p:ph type="body" idx="1"/>
-          </p:nvPr>
-        </p:nvSpPr>
-        <p:spPr>
-          <a:xfrm>
-            <a:off x="677335" y="4470400"/>
-            <a:ext cx="8596668" cy="1570962"/>
-          </a:xfrm>
-        </p:spPr>
-        <p:txBody>
-          <a:bodyPr anchor="ctr">
-            <a:normAutofit/>
-          </a:bodyPr>
-          <a:lstStyle>
-            <a:lvl1pPr marL="0" indent="0" algn="l">
-              <a:buNone/>
-              <a:defRPr sz="1800">
-                <a:solidFill>
-                  <a:schemeClr val="tx1">
-                    <a:lumMod val="75000"/>
-                    <a:lumOff val="25000"/>
-                  </a:schemeClr>
-                </a:solidFill>
-              </a:defRPr>
-            </a:lvl1pPr>
-            <a:lvl2pPr marL="457200" indent="0">
-              <a:buNone/>
-              <a:defRPr sz="1800">
-                <a:solidFill>
-                  <a:schemeClr val="tx1">
-                    <a:tint val="75000"/>
-                  </a:schemeClr>
-                </a:solidFill>
-              </a:defRPr>
-            </a:lvl2pPr>
-            <a:lvl3pPr marL="914400" indent="0">
-              <a:buNone/>
-              <a:defRPr sz="1600">
-                <a:solidFill>
-                  <a:schemeClr val="tx1">
-                    <a:tint val="75000"/>
-                  </a:schemeClr>
-                </a:solidFill>
-              </a:defRPr>
-            </a:lvl3pPr>
-            <a:lvl4pPr marL="1371600" indent="0">
-              <a:buNone/>
-              <a:defRPr sz="1400">
-                <a:solidFill>
-                  <a:schemeClr val="tx1">
-                    <a:tint val="75000"/>
-                  </a:schemeClr>
-                </a:solidFill>
-              </a:defRPr>
-            </a:lvl4pPr>
-            <a:lvl5pPr marL="1828800" indent="0">
-              <a:buNone/>
-              <a:defRPr sz="1400">
-                <a:solidFill>
-                  <a:schemeClr val="tx1">
-                    <a:tint val="75000"/>
-                  </a:schemeClr>
-                </a:solidFill>
-              </a:defRPr>
-            </a:lvl5pPr>
-            <a:lvl6pPr marL="2286000" indent="0">
-              <a:buNone/>
-              <a:defRPr sz="1400">
-                <a:solidFill>
-                  <a:schemeClr val="tx1">
-                    <a:tint val="75000"/>
-                  </a:schemeClr>
-                </a:solidFill>
-              </a:defRPr>
-            </a:lvl6pPr>
-            <a:lvl7pPr marL="2743200" indent="0">
-              <a:buNone/>
-              <a:defRPr sz="1400">
-                <a:solidFill>
-                  <a:schemeClr val="tx1">
-                    <a:tint val="75000"/>
-                  </a:schemeClr>
-                </a:solidFill>
-              </a:defRPr>
-            </a:lvl7pPr>
-            <a:lvl8pPr marL="3200400" indent="0">
-              <a:buNone/>
-              <a:defRPr sz="1400">
-                <a:solidFill>
-                  <a:schemeClr val="tx1">
-                    <a:tint val="75000"/>
-                  </a:schemeClr>
-                </a:solidFill>
-              </a:defRPr>
-            </a:lvl8pPr>
-            <a:lvl9pPr marL="3657600" indent="0">
-              <a:buNone/>
-              <a:defRPr sz="1400">
-                <a:solidFill>
-                  <a:schemeClr val="tx1">
-                    <a:tint val="75000"/>
-                  </a:schemeClr>
-                </a:solidFill>
-              </a:defRPr>
-            </a:lvl9pPr>
-          </a:lstStyle>
-          <a:p>
-            <a:pPr lvl="0"/>
-            <a:r>
-              <a:rPr lang="es-ES" smtClean="0"/>
-              <a:t>Haga clic para modificar el estilo de texto del patrón</a:t>
-            </a:r>
-          </a:p>
-        </p:txBody>
-      </p:sp>
-      <p:sp>
-        <p:nvSpPr>
-          <p:cNvPr id="4" name="Date Placeholder 3"/>
-          <p:cNvSpPr>
-            <a:spLocks noGrp="1"/>
-          </p:cNvSpPr>
-          <p:nvPr>
-            <p:ph type="dt" sz="half" idx="10"/>
-          </p:nvPr>
-        </p:nvSpPr>
-        <p:spPr/>
-        <p:txBody>
-          <a:bodyPr/>
-          <a:lstStyle/>
-          <a:p>
-            <a:fld id="{0CBE8919-C854-473F-863C-B1864504E81A}" type="datetimeFigureOut">
-              <a:rPr lang="es-CL" smtClean="0"/>
-              <a:pPr/>
-              <a:t>04-10-2014</a:t>
-            </a:fld>
-            <a:endParaRPr lang="es-CL"/>
-          </a:p>
-        </p:txBody>
-      </p:sp>
-      <p:sp>
-        <p:nvSpPr>
-          <p:cNvPr id="5" name="Footer Placeholder 4"/>
-          <p:cNvSpPr>
-            <a:spLocks noGrp="1"/>
-          </p:cNvSpPr>
-          <p:nvPr>
-            <p:ph type="ftr" sz="quarter" idx="11"/>
-          </p:nvPr>
-        </p:nvSpPr>
-        <p:spPr/>
-        <p:txBody>
-          <a:bodyPr/>
-          <a:lstStyle/>
-          <a:p>
-            <a:endParaRPr lang="es-CL"/>
-          </a:p>
-        </p:txBody>
-      </p:sp>
-      <p:sp>
-        <p:nvSpPr>
-          <p:cNvPr id="6" name="Slide Number Placeholder 5"/>
-          <p:cNvSpPr>
-            <a:spLocks noGrp="1"/>
-          </p:cNvSpPr>
-          <p:nvPr>
-            <p:ph type="sldNum" sz="quarter" idx="12"/>
-          </p:nvPr>
-        </p:nvSpPr>
-        <p:spPr/>
-        <p:txBody>
-          <a:bodyPr/>
-          <a:lstStyle/>
-          <a:p>
-            <a:fld id="{541E98F8-2370-44B3-B177-237D8934FAF8}" type="slidenum">
-              <a:rPr lang="es-CL" smtClean="0"/>
-              <a:pPr/>
-              <a:t>‹Nº›</a:t>
-            </a:fld>
-            <a:endParaRPr lang="es-CL"/>
-          </a:p>
-        </p:txBody>
-      </p:sp>
-      <p:sp>
-        <p:nvSpPr>
-          <p:cNvPr id="20" name="TextBox 19"/>
-          <p:cNvSpPr txBox="1"/>
-          <p:nvPr/>
-        </p:nvSpPr>
-        <p:spPr>
-          <a:xfrm>
-            <a:off x="541870" y="790378"/>
-            <a:ext cx="609600" cy="584776"/>
-          </a:xfrm>
-          <a:prstGeom prst="rect">
-            <a:avLst/>
-          </a:prstGeom>
-        </p:spPr>
-        <p:txBody>
-          <a:bodyPr vert="horz" lIns="91440" tIns="45720" rIns="91440" bIns="45720" rtlCol="0" anchor="ctr">
-            <a:noAutofit/>
-          </a:bodyPr>
-          <a:lstStyle/>
-          <a:p>
-            <a:pPr lvl="0"/>
-            <a:r>
-              <a:rPr lang="en-US" sz="8000" baseline="0" dirty="0">
-                <a:ln w="3175" cmpd="sng">
-                  <a:noFill/>
-                </a:ln>
-                <a:solidFill>
-                  <a:schemeClr val="accent1">
-                    <a:lumMod val="60000"/>
-                    <a:lumOff val="40000"/>
-                  </a:schemeClr>
-                </a:solidFill>
-                <a:effectLst/>
-                <a:latin typeface="Arial"/>
-              </a:rPr>
-              <a:t>“</a:t>
-            </a:r>
-          </a:p>
-        </p:txBody>
-      </p:sp>
-      <p:sp>
-        <p:nvSpPr>
-          <p:cNvPr id="22" name="TextBox 21"/>
-          <p:cNvSpPr txBox="1"/>
-          <p:nvPr/>
-        </p:nvSpPr>
-        <p:spPr>
-          <a:xfrm>
-            <a:off x="8893011" y="2886556"/>
-            <a:ext cx="609600" cy="584776"/>
-          </a:xfrm>
-          <a:prstGeom prst="rect">
-            <a:avLst/>
-          </a:prstGeom>
-        </p:spPr>
-        <p:txBody>
-          <a:bodyPr vert="horz" lIns="91440" tIns="45720" rIns="91440" bIns="45720" rtlCol="0" anchor="ctr">
-            <a:noAutofit/>
-          </a:bodyPr>
-          <a:lstStyle/>
-          <a:p>
-            <a:pPr lvl="0"/>
-            <a:r>
-              <a:rPr lang="en-US" sz="8000" baseline="0" dirty="0">
-                <a:ln w="3175" cmpd="sng">
-                  <a:noFill/>
-                </a:ln>
-                <a:solidFill>
-                  <a:schemeClr val="accent1">
-                    <a:lumMod val="60000"/>
-                    <a:lumOff val="40000"/>
-                  </a:schemeClr>
-                </a:solidFill>
-                <a:latin typeface="Arial"/>
-              </a:rPr>
-              <a:t>”</a:t>
-            </a:r>
-            <a:endParaRPr lang="en-US" dirty="0">
-              <a:solidFill>
-                <a:schemeClr val="accent1">
-                  <a:lumMod val="60000"/>
-                  <a:lumOff val="40000"/>
-                </a:schemeClr>
-              </a:solidFill>
-              <a:latin typeface="Arial"/>
-            </a:endParaRPr>
-          </a:p>
-        </p:txBody>
-      </p:sp>
-    </p:spTree>
-    <p:extLst>
-      <p:ext uri="{BB962C8B-B14F-4D97-AF65-F5344CB8AC3E}">
-        <p14:creationId xmlns:p14="http://schemas.microsoft.com/office/powerpoint/2010/main" val="2059882876"/>
-      </p:ext>
-    </p:extLst>
-  </p:cSld>
-  <p:clrMapOvr>
-    <a:masterClrMapping/>
-  </p:clrMapOvr>
-</p:sldLayout>
-</file>
-
-<file path=ppt/slideLayouts/slideLayout12.xml><?xml version="1.0" encoding="utf-8"?>
-<p:sldLayout xmlns:a="http://schemas.openxmlformats.org/drawingml/2006/main" xmlns:r="http://schemas.openxmlformats.org/officeDocument/2006/relationships" xmlns:p="http://schemas.openxmlformats.org/presentationml/2006/main" preserve="1">
-  <p:cSld name="Tarjeta de nombre">
-    <p:spTree>
-      <p:nvGrpSpPr>
-        <p:cNvPr id="1" name=""/>
-        <p:cNvGrpSpPr/>
-        <p:nvPr/>
-      </p:nvGrpSpPr>
-      <p:grpSpPr>
-        <a:xfrm>
-          <a:off x="0" y="0"/>
-          <a:ext cx="0" cy="0"/>
-          <a:chOff x="0" y="0"/>
-          <a:chExt cx="0" cy="0"/>
-        </a:xfrm>
-      </p:grpSpPr>
-      <p:sp>
-        <p:nvSpPr>
-          <p:cNvPr id="2" name="Title 1"/>
-          <p:cNvSpPr>
-            <a:spLocks noGrp="1"/>
-          </p:cNvSpPr>
-          <p:nvPr>
-            <p:ph type="title"/>
-          </p:nvPr>
-        </p:nvSpPr>
-        <p:spPr>
-          <a:xfrm>
-            <a:off x="677335" y="1931988"/>
-            <a:ext cx="8596668" cy="2595460"/>
-          </a:xfrm>
-        </p:spPr>
-        <p:txBody>
-          <a:bodyPr anchor="b">
-            <a:normAutofit/>
-          </a:bodyPr>
-          <a:lstStyle>
-            <a:lvl1pPr algn="l">
-              <a:defRPr sz="4400" b="0" cap="none"/>
-            </a:lvl1pPr>
-          </a:lstStyle>
-          <a:p>
-            <a:r>
-              <a:rPr lang="es-ES" smtClean="0"/>
-              <a:t>Haga clic para modificar el estilo de título del patrón</a:t>
-            </a:r>
-            <a:endParaRPr lang="en-US" dirty="0"/>
-          </a:p>
-        </p:txBody>
-      </p:sp>
-      <p:sp>
-        <p:nvSpPr>
-          <p:cNvPr id="3" name="Text Placeholder 2"/>
-          <p:cNvSpPr>
-            <a:spLocks noGrp="1"/>
-          </p:cNvSpPr>
-          <p:nvPr>
-            <p:ph type="body" idx="1"/>
-          </p:nvPr>
-        </p:nvSpPr>
-        <p:spPr>
-          <a:xfrm>
-            <a:off x="677335" y="4527448"/>
-            <a:ext cx="8596668" cy="1513914"/>
-          </a:xfrm>
-        </p:spPr>
-        <p:txBody>
-          <a:bodyPr anchor="t">
-            <a:normAutofit/>
-          </a:bodyPr>
-          <a:lstStyle>
-            <a:lvl1pPr marL="0" indent="0" algn="l">
-              <a:buNone/>
-              <a:defRPr sz="1800">
-                <a:solidFill>
-                  <a:schemeClr val="tx1">
-                    <a:lumMod val="75000"/>
-                    <a:lumOff val="25000"/>
-                  </a:schemeClr>
-                </a:solidFill>
-              </a:defRPr>
-            </a:lvl1pPr>
-            <a:lvl2pPr marL="457200" indent="0">
-              <a:buNone/>
-              <a:defRPr sz="1800">
-                <a:solidFill>
-                  <a:schemeClr val="tx1">
-                    <a:tint val="75000"/>
-                  </a:schemeClr>
-                </a:solidFill>
-              </a:defRPr>
-            </a:lvl2pPr>
-            <a:lvl3pPr marL="914400" indent="0">
-              <a:buNone/>
-              <a:defRPr sz="1600">
-                <a:solidFill>
-                  <a:schemeClr val="tx1">
-                    <a:tint val="75000"/>
-                  </a:schemeClr>
-                </a:solidFill>
-              </a:defRPr>
-            </a:lvl3pPr>
-            <a:lvl4pPr marL="1371600" indent="0">
-              <a:buNone/>
-              <a:defRPr sz="1400">
-                <a:solidFill>
-                  <a:schemeClr val="tx1">
-                    <a:tint val="75000"/>
-                  </a:schemeClr>
-                </a:solidFill>
-              </a:defRPr>
-            </a:lvl4pPr>
-            <a:lvl5pPr marL="1828800" indent="0">
-              <a:buNone/>
-              <a:defRPr sz="1400">
-                <a:solidFill>
-                  <a:schemeClr val="tx1">
-                    <a:tint val="75000"/>
-                  </a:schemeClr>
-                </a:solidFill>
-              </a:defRPr>
-            </a:lvl5pPr>
-            <a:lvl6pPr marL="2286000" indent="0">
-              <a:buNone/>
-              <a:defRPr sz="1400">
-                <a:solidFill>
-                  <a:schemeClr val="tx1">
-                    <a:tint val="75000"/>
-                  </a:schemeClr>
-                </a:solidFill>
-              </a:defRPr>
-            </a:lvl6pPr>
-            <a:lvl7pPr marL="2743200" indent="0">
-              <a:buNone/>
-              <a:defRPr sz="1400">
-                <a:solidFill>
-                  <a:schemeClr val="tx1">
-                    <a:tint val="75000"/>
-                  </a:schemeClr>
-                </a:solidFill>
-              </a:defRPr>
-            </a:lvl7pPr>
-            <a:lvl8pPr marL="3200400" indent="0">
-              <a:buNone/>
-              <a:defRPr sz="1400">
-                <a:solidFill>
-                  <a:schemeClr val="tx1">
-                    <a:tint val="75000"/>
-                  </a:schemeClr>
-                </a:solidFill>
-              </a:defRPr>
-            </a:lvl8pPr>
-            <a:lvl9pPr marL="3657600" indent="0">
-              <a:buNone/>
-              <a:defRPr sz="1400">
-                <a:solidFill>
-                  <a:schemeClr val="tx1">
-                    <a:tint val="75000"/>
-                  </a:schemeClr>
-                </a:solidFill>
-              </a:defRPr>
-            </a:lvl9pPr>
-          </a:lstStyle>
-          <a:p>
-            <a:pPr lvl="0"/>
-            <a:r>
-              <a:rPr lang="es-ES" smtClean="0"/>
-              <a:t>Haga clic para modificar el estilo de texto del patrón</a:t>
-            </a:r>
-          </a:p>
-        </p:txBody>
-      </p:sp>
-      <p:sp>
-        <p:nvSpPr>
-          <p:cNvPr id="4" name="Date Placeholder 3"/>
-          <p:cNvSpPr>
-            <a:spLocks noGrp="1"/>
-          </p:cNvSpPr>
-          <p:nvPr>
-            <p:ph type="dt" sz="half" idx="10"/>
-          </p:nvPr>
-        </p:nvSpPr>
-        <p:spPr/>
-        <p:txBody>
-          <a:bodyPr/>
-          <a:lstStyle/>
-          <a:p>
-            <a:fld id="{0CBE8919-C854-473F-863C-B1864504E81A}" type="datetimeFigureOut">
-              <a:rPr lang="es-CL" smtClean="0"/>
-              <a:pPr/>
-              <a:t>04-10-2014</a:t>
-            </a:fld>
-            <a:endParaRPr lang="es-CL"/>
-          </a:p>
-        </p:txBody>
-      </p:sp>
-      <p:sp>
-        <p:nvSpPr>
-          <p:cNvPr id="5" name="Footer Placeholder 4"/>
-          <p:cNvSpPr>
-            <a:spLocks noGrp="1"/>
-          </p:cNvSpPr>
-          <p:nvPr>
-            <p:ph type="ftr" sz="quarter" idx="11"/>
-          </p:nvPr>
-        </p:nvSpPr>
-        <p:spPr/>
-        <p:txBody>
-          <a:bodyPr/>
-          <a:lstStyle/>
-          <a:p>
-            <a:endParaRPr lang="es-CL"/>
-          </a:p>
-        </p:txBody>
-      </p:sp>
-      <p:sp>
-        <p:nvSpPr>
-          <p:cNvPr id="6" name="Slide Number Placeholder 5"/>
-          <p:cNvSpPr>
-            <a:spLocks noGrp="1"/>
-          </p:cNvSpPr>
-          <p:nvPr>
-            <p:ph type="sldNum" sz="quarter" idx="12"/>
-          </p:nvPr>
-        </p:nvSpPr>
-        <p:spPr/>
-        <p:txBody>
-          <a:bodyPr/>
-          <a:lstStyle/>
-          <a:p>
-            <a:fld id="{541E98F8-2370-44B3-B177-237D8934FAF8}" type="slidenum">
-              <a:rPr lang="es-CL" smtClean="0"/>
-              <a:pPr/>
-              <a:t>‹Nº›</a:t>
-            </a:fld>
-            <a:endParaRPr lang="es-CL"/>
-          </a:p>
-        </p:txBody>
-      </p:sp>
-    </p:spTree>
-    <p:extLst>
-      <p:ext uri="{BB962C8B-B14F-4D97-AF65-F5344CB8AC3E}">
-        <p14:creationId xmlns:p14="http://schemas.microsoft.com/office/powerpoint/2010/main" val="338141549"/>
-      </p:ext>
-    </p:extLst>
-  </p:cSld>
-  <p:clrMapOvr>
-    <a:masterClrMapping/>
-  </p:clrMapOvr>
-</p:sldLayout>
-</file>
-
-<file path=ppt/slideLayouts/slideLayout13.xml><?xml version="1.0" encoding="utf-8"?>
-<p:sldLayout xmlns:a="http://schemas.openxmlformats.org/drawingml/2006/main" xmlns:r="http://schemas.openxmlformats.org/officeDocument/2006/relationships" xmlns:p="http://schemas.openxmlformats.org/presentationml/2006/main" preserve="1">
-  <p:cSld name="Citar la tarjeta de nombre">
-    <p:spTree>
-      <p:nvGrpSpPr>
-        <p:cNvPr id="1" name=""/>
-        <p:cNvGrpSpPr/>
-        <p:nvPr/>
-      </p:nvGrpSpPr>
-      <p:grpSpPr>
-        <a:xfrm>
-          <a:off x="0" y="0"/>
-          <a:ext cx="0" cy="0"/>
-          <a:chOff x="0" y="0"/>
-          <a:chExt cx="0" cy="0"/>
-        </a:xfrm>
-      </p:grpSpPr>
-      <p:sp>
-        <p:nvSpPr>
-          <p:cNvPr id="2" name="Title 1"/>
-          <p:cNvSpPr>
-            <a:spLocks noGrp="1"/>
-          </p:cNvSpPr>
-          <p:nvPr>
-            <p:ph type="title"/>
-          </p:nvPr>
-        </p:nvSpPr>
-        <p:spPr>
-          <a:xfrm>
-            <a:off x="931334" y="609600"/>
-            <a:ext cx="8094134" cy="3022600"/>
-          </a:xfrm>
-        </p:spPr>
-        <p:txBody>
-          <a:bodyPr anchor="ctr">
-            <a:normAutofit/>
-          </a:bodyPr>
-          <a:lstStyle>
-            <a:lvl1pPr algn="l">
-              <a:defRPr sz="4400" b="0" cap="none"/>
-            </a:lvl1pPr>
-          </a:lstStyle>
-          <a:p>
-            <a:r>
-              <a:rPr lang="es-ES" smtClean="0"/>
-              <a:t>Haga clic para modificar el estilo de título del patrón</a:t>
-            </a:r>
-            <a:endParaRPr lang="en-US" dirty="0"/>
-          </a:p>
-        </p:txBody>
-      </p:sp>
-      <p:sp>
-        <p:nvSpPr>
-          <p:cNvPr id="23" name="Text Placeholder 9"/>
-          <p:cNvSpPr>
-            <a:spLocks noGrp="1"/>
-          </p:cNvSpPr>
-          <p:nvPr>
-            <p:ph type="body" sz="quarter" idx="13"/>
-          </p:nvPr>
-        </p:nvSpPr>
-        <p:spPr>
-          <a:xfrm>
-            <a:off x="677332" y="4013200"/>
-            <a:ext cx="8596669" cy="514248"/>
-          </a:xfrm>
-        </p:spPr>
-        <p:txBody>
-          <a:bodyPr anchor="b">
-            <a:noAutofit/>
-          </a:bodyPr>
-          <a:lstStyle>
-            <a:lvl1pPr marL="0" indent="0">
-              <a:buFontTx/>
-              <a:buNone/>
-              <a:defRPr sz="2400">
-                <a:solidFill>
-                  <a:schemeClr val="tx1">
-                    <a:lumMod val="75000"/>
-                    <a:lumOff val="25000"/>
-                  </a:schemeClr>
-                </a:solidFill>
-              </a:defRPr>
-            </a:lvl1pPr>
-            <a:lvl2pPr marL="457200" indent="0">
-              <a:buFontTx/>
-              <a:buNone/>
-              <a:defRPr/>
-            </a:lvl2pPr>
-            <a:lvl3pPr marL="914400" indent="0">
-              <a:buFontTx/>
-              <a:buNone/>
-              <a:defRPr/>
-            </a:lvl3pPr>
-            <a:lvl4pPr marL="1371600" indent="0">
-              <a:buFontTx/>
-              <a:buNone/>
-              <a:defRPr/>
-            </a:lvl4pPr>
-            <a:lvl5pPr marL="1828800" indent="0">
-              <a:buFontTx/>
-              <a:buNone/>
-              <a:defRPr/>
-            </a:lvl5pPr>
-          </a:lstStyle>
-          <a:p>
-            <a:pPr lvl="0"/>
-            <a:r>
-              <a:rPr lang="es-ES" smtClean="0"/>
-              <a:t>Haga clic para modificar el estilo de texto del patrón</a:t>
-            </a:r>
-          </a:p>
-        </p:txBody>
-      </p:sp>
-      <p:sp>
-        <p:nvSpPr>
-          <p:cNvPr id="3" name="Text Placeholder 2"/>
-          <p:cNvSpPr>
-            <a:spLocks noGrp="1"/>
-          </p:cNvSpPr>
-          <p:nvPr>
-            <p:ph type="body" idx="1"/>
-          </p:nvPr>
-        </p:nvSpPr>
-        <p:spPr>
-          <a:xfrm>
-            <a:off x="677335" y="4527448"/>
-            <a:ext cx="8596668" cy="1513914"/>
-          </a:xfrm>
-        </p:spPr>
-        <p:txBody>
-          <a:bodyPr anchor="t">
-            <a:normAutofit/>
-          </a:bodyPr>
-          <a:lstStyle>
-            <a:lvl1pPr marL="0" indent="0" algn="l">
-              <a:buNone/>
-              <a:defRPr sz="1800">
-                <a:solidFill>
-                  <a:schemeClr val="tx1">
-                    <a:lumMod val="50000"/>
-                    <a:lumOff val="50000"/>
-                  </a:schemeClr>
-                </a:solidFill>
-              </a:defRPr>
-            </a:lvl1pPr>
-            <a:lvl2pPr marL="457200" indent="0">
-              <a:buNone/>
-              <a:defRPr sz="1800">
-                <a:solidFill>
-                  <a:schemeClr val="tx1">
-                    <a:tint val="75000"/>
-                  </a:schemeClr>
-                </a:solidFill>
-              </a:defRPr>
-            </a:lvl2pPr>
-            <a:lvl3pPr marL="914400" indent="0">
-              <a:buNone/>
-              <a:defRPr sz="1600">
-                <a:solidFill>
-                  <a:schemeClr val="tx1">
-                    <a:tint val="75000"/>
-                  </a:schemeClr>
-                </a:solidFill>
-              </a:defRPr>
-            </a:lvl3pPr>
-            <a:lvl4pPr marL="1371600" indent="0">
-              <a:buNone/>
-              <a:defRPr sz="1400">
-                <a:solidFill>
-                  <a:schemeClr val="tx1">
-                    <a:tint val="75000"/>
-                  </a:schemeClr>
-                </a:solidFill>
-              </a:defRPr>
-            </a:lvl4pPr>
-            <a:lvl5pPr marL="1828800" indent="0">
-              <a:buNone/>
-              <a:defRPr sz="1400">
-                <a:solidFill>
-                  <a:schemeClr val="tx1">
-                    <a:tint val="75000"/>
-                  </a:schemeClr>
-                </a:solidFill>
-              </a:defRPr>
-            </a:lvl5pPr>
-            <a:lvl6pPr marL="2286000" indent="0">
-              <a:buNone/>
-              <a:defRPr sz="1400">
-                <a:solidFill>
-                  <a:schemeClr val="tx1">
-                    <a:tint val="75000"/>
-                  </a:schemeClr>
-                </a:solidFill>
-              </a:defRPr>
-            </a:lvl6pPr>
-            <a:lvl7pPr marL="2743200" indent="0">
-              <a:buNone/>
-              <a:defRPr sz="1400">
-                <a:solidFill>
-                  <a:schemeClr val="tx1">
-                    <a:tint val="75000"/>
-                  </a:schemeClr>
-                </a:solidFill>
-              </a:defRPr>
-            </a:lvl7pPr>
-            <a:lvl8pPr marL="3200400" indent="0">
-              <a:buNone/>
-              <a:defRPr sz="1400">
-                <a:solidFill>
-                  <a:schemeClr val="tx1">
-                    <a:tint val="75000"/>
-                  </a:schemeClr>
-                </a:solidFill>
-              </a:defRPr>
-            </a:lvl8pPr>
-            <a:lvl9pPr marL="3657600" indent="0">
-              <a:buNone/>
-              <a:defRPr sz="1400">
-                <a:solidFill>
-                  <a:schemeClr val="tx1">
-                    <a:tint val="75000"/>
-                  </a:schemeClr>
-                </a:solidFill>
-              </a:defRPr>
-            </a:lvl9pPr>
-          </a:lstStyle>
-          <a:p>
-            <a:pPr lvl="0"/>
-            <a:r>
-              <a:rPr lang="es-ES" smtClean="0"/>
-              <a:t>Haga clic para modificar el estilo de texto del patrón</a:t>
-            </a:r>
-          </a:p>
-        </p:txBody>
-      </p:sp>
-      <p:sp>
-        <p:nvSpPr>
-          <p:cNvPr id="4" name="Date Placeholder 3"/>
-          <p:cNvSpPr>
-            <a:spLocks noGrp="1"/>
-          </p:cNvSpPr>
-          <p:nvPr>
-            <p:ph type="dt" sz="half" idx="10"/>
-          </p:nvPr>
-        </p:nvSpPr>
-        <p:spPr/>
-        <p:txBody>
-          <a:bodyPr/>
-          <a:lstStyle/>
-          <a:p>
-            <a:fld id="{0CBE8919-C854-473F-863C-B1864504E81A}" type="datetimeFigureOut">
-              <a:rPr lang="es-CL" smtClean="0"/>
-              <a:pPr/>
-              <a:t>04-10-2014</a:t>
-            </a:fld>
-            <a:endParaRPr lang="es-CL"/>
-          </a:p>
-        </p:txBody>
-      </p:sp>
-      <p:sp>
-        <p:nvSpPr>
-          <p:cNvPr id="5" name="Footer Placeholder 4"/>
-          <p:cNvSpPr>
-            <a:spLocks noGrp="1"/>
-          </p:cNvSpPr>
-          <p:nvPr>
-            <p:ph type="ftr" sz="quarter" idx="11"/>
-          </p:nvPr>
-        </p:nvSpPr>
-        <p:spPr/>
-        <p:txBody>
-          <a:bodyPr/>
-          <a:lstStyle/>
-          <a:p>
-            <a:endParaRPr lang="es-CL"/>
-          </a:p>
-        </p:txBody>
-      </p:sp>
-      <p:sp>
-        <p:nvSpPr>
-          <p:cNvPr id="6" name="Slide Number Placeholder 5"/>
-          <p:cNvSpPr>
-            <a:spLocks noGrp="1"/>
-          </p:cNvSpPr>
-          <p:nvPr>
-            <p:ph type="sldNum" sz="quarter" idx="12"/>
-          </p:nvPr>
-        </p:nvSpPr>
-        <p:spPr/>
-        <p:txBody>
-          <a:bodyPr/>
-          <a:lstStyle/>
-          <a:p>
-            <a:fld id="{541E98F8-2370-44B3-B177-237D8934FAF8}" type="slidenum">
-              <a:rPr lang="es-CL" smtClean="0"/>
-              <a:pPr/>
-              <a:t>‹Nº›</a:t>
-            </a:fld>
-            <a:endParaRPr lang="es-CL"/>
-          </a:p>
-        </p:txBody>
-      </p:sp>
-      <p:sp>
-        <p:nvSpPr>
-          <p:cNvPr id="24" name="TextBox 23"/>
-          <p:cNvSpPr txBox="1"/>
-          <p:nvPr/>
-        </p:nvSpPr>
-        <p:spPr>
-          <a:xfrm>
-            <a:off x="541870" y="790378"/>
-            <a:ext cx="609600" cy="584776"/>
-          </a:xfrm>
-          <a:prstGeom prst="rect">
-            <a:avLst/>
-          </a:prstGeom>
-        </p:spPr>
-        <p:txBody>
-          <a:bodyPr vert="horz" lIns="91440" tIns="45720" rIns="91440" bIns="45720" rtlCol="0" anchor="ctr">
-            <a:noAutofit/>
-          </a:bodyPr>
-          <a:lstStyle/>
-          <a:p>
-            <a:pPr lvl="0"/>
-            <a:r>
-              <a:rPr lang="en-US" sz="8000" baseline="0" dirty="0">
-                <a:ln w="3175" cmpd="sng">
-                  <a:noFill/>
-                </a:ln>
-                <a:solidFill>
-                  <a:schemeClr val="accent1">
-                    <a:lumMod val="60000"/>
-                    <a:lumOff val="40000"/>
-                  </a:schemeClr>
-                </a:solidFill>
-                <a:effectLst/>
-                <a:latin typeface="Arial"/>
-              </a:rPr>
-              <a:t>“</a:t>
-            </a:r>
-          </a:p>
-        </p:txBody>
-      </p:sp>
-      <p:sp>
-        <p:nvSpPr>
-          <p:cNvPr id="25" name="TextBox 24"/>
-          <p:cNvSpPr txBox="1"/>
-          <p:nvPr/>
-        </p:nvSpPr>
-        <p:spPr>
-          <a:xfrm>
-            <a:off x="8893011" y="2886556"/>
-            <a:ext cx="609600" cy="584776"/>
-          </a:xfrm>
-          <a:prstGeom prst="rect">
-            <a:avLst/>
-          </a:prstGeom>
-        </p:spPr>
-        <p:txBody>
-          <a:bodyPr vert="horz" lIns="91440" tIns="45720" rIns="91440" bIns="45720" rtlCol="0" anchor="ctr">
-            <a:noAutofit/>
-          </a:bodyPr>
-          <a:lstStyle/>
-          <a:p>
-            <a:pPr lvl="0"/>
-            <a:r>
-              <a:rPr lang="en-US" sz="8000" baseline="0" dirty="0">
-                <a:ln w="3175" cmpd="sng">
-                  <a:noFill/>
-                </a:ln>
-                <a:solidFill>
-                  <a:schemeClr val="accent1">
-                    <a:lumMod val="60000"/>
-                    <a:lumOff val="40000"/>
-                  </a:schemeClr>
-                </a:solidFill>
-                <a:effectLst/>
-                <a:latin typeface="Arial"/>
-              </a:rPr>
-              <a:t>”</a:t>
-            </a:r>
-          </a:p>
-        </p:txBody>
-      </p:sp>
-    </p:spTree>
-    <p:extLst>
-      <p:ext uri="{BB962C8B-B14F-4D97-AF65-F5344CB8AC3E}">
-        <p14:creationId xmlns:p14="http://schemas.microsoft.com/office/powerpoint/2010/main" val="4012395471"/>
-      </p:ext>
-    </p:extLst>
-  </p:cSld>
-  <p:clrMapOvr>
-    <a:masterClrMapping/>
-  </p:clrMapOvr>
-</p:sldLayout>
-</file>
-
-<file path=ppt/slideLayouts/slideLayout14.xml><?xml version="1.0" encoding="utf-8"?>
-<p:sldLayout xmlns:a="http://schemas.openxmlformats.org/drawingml/2006/main" xmlns:r="http://schemas.openxmlformats.org/officeDocument/2006/relationships" xmlns:p="http://schemas.openxmlformats.org/presentationml/2006/main" preserve="1">
-  <p:cSld name="Verdadero o falso">
-    <p:spTree>
-      <p:nvGrpSpPr>
-        <p:cNvPr id="1" name=""/>
-        <p:cNvGrpSpPr/>
-        <p:nvPr/>
-      </p:nvGrpSpPr>
-      <p:grpSpPr>
-        <a:xfrm>
-          <a:off x="0" y="0"/>
-          <a:ext cx="0" cy="0"/>
-          <a:chOff x="0" y="0"/>
-          <a:chExt cx="0" cy="0"/>
-        </a:xfrm>
-      </p:grpSpPr>
-      <p:sp>
-        <p:nvSpPr>
-          <p:cNvPr id="2" name="Title 1"/>
-          <p:cNvSpPr>
-            <a:spLocks noGrp="1"/>
-          </p:cNvSpPr>
-          <p:nvPr>
-            <p:ph type="title"/>
-          </p:nvPr>
-        </p:nvSpPr>
-        <p:spPr>
-          <a:xfrm>
-            <a:off x="685799" y="609600"/>
-            <a:ext cx="8588203" cy="3022600"/>
-          </a:xfrm>
-        </p:spPr>
-        <p:txBody>
-          <a:bodyPr anchor="ctr">
-            <a:normAutofit/>
-          </a:bodyPr>
-          <a:lstStyle>
-            <a:lvl1pPr algn="l">
-              <a:defRPr sz="4400" b="0" cap="none"/>
-            </a:lvl1pPr>
-          </a:lstStyle>
-          <a:p>
-            <a:r>
-              <a:rPr lang="es-ES" smtClean="0"/>
-              <a:t>Haga clic para modificar el estilo de título del patrón</a:t>
-            </a:r>
-            <a:endParaRPr lang="en-US" dirty="0"/>
-          </a:p>
-        </p:txBody>
-      </p:sp>
-      <p:sp>
-        <p:nvSpPr>
-          <p:cNvPr id="23" name="Text Placeholder 9"/>
-          <p:cNvSpPr>
-            <a:spLocks noGrp="1"/>
-          </p:cNvSpPr>
-          <p:nvPr>
-            <p:ph type="body" sz="quarter" idx="13"/>
-          </p:nvPr>
-        </p:nvSpPr>
-        <p:spPr>
-          <a:xfrm>
-            <a:off x="677332" y="4013200"/>
-            <a:ext cx="8596669" cy="514248"/>
-          </a:xfrm>
-        </p:spPr>
-        <p:txBody>
-          <a:bodyPr anchor="b">
-            <a:noAutofit/>
-          </a:bodyPr>
-          <a:lstStyle>
-            <a:lvl1pPr marL="0" indent="0">
-              <a:buFontTx/>
-              <a:buNone/>
-              <a:defRPr sz="2400">
-                <a:solidFill>
-                  <a:schemeClr val="accent1"/>
-                </a:solidFill>
-              </a:defRPr>
-            </a:lvl1pPr>
-            <a:lvl2pPr marL="457200" indent="0">
-              <a:buFontTx/>
-              <a:buNone/>
-              <a:defRPr/>
-            </a:lvl2pPr>
-            <a:lvl3pPr marL="914400" indent="0">
-              <a:buFontTx/>
-              <a:buNone/>
-              <a:defRPr/>
-            </a:lvl3pPr>
-            <a:lvl4pPr marL="1371600" indent="0">
-              <a:buFontTx/>
-              <a:buNone/>
-              <a:defRPr/>
-            </a:lvl4pPr>
-            <a:lvl5pPr marL="1828800" indent="0">
-              <a:buFontTx/>
-              <a:buNone/>
-              <a:defRPr/>
-            </a:lvl5pPr>
-          </a:lstStyle>
-          <a:p>
-            <a:pPr lvl="0"/>
-            <a:r>
-              <a:rPr lang="es-ES" smtClean="0"/>
-              <a:t>Haga clic para modificar el estilo de texto del patrón</a:t>
-            </a:r>
-          </a:p>
-        </p:txBody>
-      </p:sp>
-      <p:sp>
-        <p:nvSpPr>
-          <p:cNvPr id="3" name="Text Placeholder 2"/>
-          <p:cNvSpPr>
-            <a:spLocks noGrp="1"/>
-          </p:cNvSpPr>
-          <p:nvPr>
-            <p:ph type="body" idx="1"/>
-          </p:nvPr>
-        </p:nvSpPr>
-        <p:spPr>
-          <a:xfrm>
-            <a:off x="677335" y="4527448"/>
-            <a:ext cx="8596668" cy="1513914"/>
-          </a:xfrm>
-        </p:spPr>
-        <p:txBody>
-          <a:bodyPr anchor="t">
-            <a:normAutofit/>
-          </a:bodyPr>
-          <a:lstStyle>
-            <a:lvl1pPr marL="0" indent="0" algn="l">
-              <a:buNone/>
-              <a:defRPr sz="1800">
-                <a:solidFill>
-                  <a:schemeClr val="tx1">
-                    <a:lumMod val="50000"/>
-                    <a:lumOff val="50000"/>
-                  </a:schemeClr>
-                </a:solidFill>
-              </a:defRPr>
-            </a:lvl1pPr>
-            <a:lvl2pPr marL="457200" indent="0">
-              <a:buNone/>
-              <a:defRPr sz="1800">
-                <a:solidFill>
-                  <a:schemeClr val="tx1">
-                    <a:tint val="75000"/>
-                  </a:schemeClr>
-                </a:solidFill>
-              </a:defRPr>
-            </a:lvl2pPr>
-            <a:lvl3pPr marL="914400" indent="0">
-              <a:buNone/>
-              <a:defRPr sz="1600">
-                <a:solidFill>
-                  <a:schemeClr val="tx1">
-                    <a:tint val="75000"/>
-                  </a:schemeClr>
-                </a:solidFill>
-              </a:defRPr>
-            </a:lvl3pPr>
-            <a:lvl4pPr marL="1371600" indent="0">
-              <a:buNone/>
-              <a:defRPr sz="1400">
-                <a:solidFill>
-                  <a:schemeClr val="tx1">
-                    <a:tint val="75000"/>
-                  </a:schemeClr>
-                </a:solidFill>
-              </a:defRPr>
-            </a:lvl4pPr>
-            <a:lvl5pPr marL="1828800" indent="0">
-              <a:buNone/>
-              <a:defRPr sz="1400">
-                <a:solidFill>
-                  <a:schemeClr val="tx1">
-                    <a:tint val="75000"/>
-                  </a:schemeClr>
-                </a:solidFill>
-              </a:defRPr>
-            </a:lvl5pPr>
-            <a:lvl6pPr marL="2286000" indent="0">
-              <a:buNone/>
-              <a:defRPr sz="1400">
-                <a:solidFill>
-                  <a:schemeClr val="tx1">
-                    <a:tint val="75000"/>
-                  </a:schemeClr>
-                </a:solidFill>
-              </a:defRPr>
-            </a:lvl6pPr>
-            <a:lvl7pPr marL="2743200" indent="0">
-              <a:buNone/>
-              <a:defRPr sz="1400">
-                <a:solidFill>
-                  <a:schemeClr val="tx1">
-                    <a:tint val="75000"/>
-                  </a:schemeClr>
-                </a:solidFill>
-              </a:defRPr>
-            </a:lvl7pPr>
-            <a:lvl8pPr marL="3200400" indent="0">
-              <a:buNone/>
-              <a:defRPr sz="1400">
-                <a:solidFill>
-                  <a:schemeClr val="tx1">
-                    <a:tint val="75000"/>
-                  </a:schemeClr>
-                </a:solidFill>
-              </a:defRPr>
-            </a:lvl8pPr>
-            <a:lvl9pPr marL="3657600" indent="0">
-              <a:buNone/>
-              <a:defRPr sz="1400">
-                <a:solidFill>
-                  <a:schemeClr val="tx1">
-                    <a:tint val="75000"/>
-                  </a:schemeClr>
-                </a:solidFill>
-              </a:defRPr>
-            </a:lvl9pPr>
-          </a:lstStyle>
-          <a:p>
-            <a:pPr lvl="0"/>
-            <a:r>
-              <a:rPr lang="es-ES" smtClean="0"/>
-              <a:t>Haga clic para modificar el estilo de texto del patrón</a:t>
-            </a:r>
-          </a:p>
-        </p:txBody>
-      </p:sp>
-      <p:sp>
-        <p:nvSpPr>
-          <p:cNvPr id="4" name="Date Placeholder 3"/>
-          <p:cNvSpPr>
-            <a:spLocks noGrp="1"/>
-          </p:cNvSpPr>
-          <p:nvPr>
-            <p:ph type="dt" sz="half" idx="10"/>
-          </p:nvPr>
-        </p:nvSpPr>
-        <p:spPr/>
-        <p:txBody>
-          <a:bodyPr/>
-          <a:lstStyle/>
-          <a:p>
-            <a:fld id="{0CBE8919-C854-473F-863C-B1864504E81A}" type="datetimeFigureOut">
-              <a:rPr lang="es-CL" smtClean="0"/>
-              <a:pPr/>
-              <a:t>04-10-2014</a:t>
-            </a:fld>
-            <a:endParaRPr lang="es-CL"/>
-          </a:p>
-        </p:txBody>
-      </p:sp>
-      <p:sp>
-        <p:nvSpPr>
-          <p:cNvPr id="5" name="Footer Placeholder 4"/>
-          <p:cNvSpPr>
-            <a:spLocks noGrp="1"/>
-          </p:cNvSpPr>
-          <p:nvPr>
-            <p:ph type="ftr" sz="quarter" idx="11"/>
-          </p:nvPr>
-        </p:nvSpPr>
-        <p:spPr/>
-        <p:txBody>
-          <a:bodyPr/>
-          <a:lstStyle/>
-          <a:p>
-            <a:endParaRPr lang="es-CL"/>
-          </a:p>
-        </p:txBody>
-      </p:sp>
-      <p:sp>
-        <p:nvSpPr>
-          <p:cNvPr id="6" name="Slide Number Placeholder 5"/>
-          <p:cNvSpPr>
-            <a:spLocks noGrp="1"/>
-          </p:cNvSpPr>
-          <p:nvPr>
-            <p:ph type="sldNum" sz="quarter" idx="12"/>
-          </p:nvPr>
-        </p:nvSpPr>
-        <p:spPr/>
-        <p:txBody>
-          <a:bodyPr/>
-          <a:lstStyle/>
-          <a:p>
-            <a:fld id="{541E98F8-2370-44B3-B177-237D8934FAF8}" type="slidenum">
-              <a:rPr lang="es-CL" smtClean="0"/>
-              <a:pPr/>
-              <a:t>‹Nº›</a:t>
-            </a:fld>
-            <a:endParaRPr lang="es-CL"/>
-          </a:p>
-        </p:txBody>
-      </p:sp>
-    </p:spTree>
-    <p:extLst>
-      <p:ext uri="{BB962C8B-B14F-4D97-AF65-F5344CB8AC3E}">
-        <p14:creationId xmlns:p14="http://schemas.microsoft.com/office/powerpoint/2010/main" val="2770795580"/>
-      </p:ext>
-    </p:extLst>
-  </p:cSld>
-  <p:clrMapOvr>
-    <a:masterClrMapping/>
-  </p:clrMapOvr>
-</p:sldLayout>
-</file>
-
-<file path=ppt/slideLayouts/slideLayout15.xml><?xml version="1.0" encoding="utf-8"?>
 <p:sldLayout xmlns:a="http://schemas.openxmlformats.org/drawingml/2006/main" xmlns:r="http://schemas.openxmlformats.org/officeDocument/2006/relationships" xmlns:p="http://schemas.openxmlformats.org/presentationml/2006/main" type="vertTx" preserve="1">
   <p:cSld name="Título y texto vertical">
     <p:spTree>
@@ -2578,7 +696,7 @@
               <a:rPr lang="es-ES" smtClean="0"/>
               <a:t>Haga clic para modificar el estilo de título del patrón</a:t>
             </a:r>
-            <a:endParaRPr lang="en-US" dirty="0"/>
+            <a:endParaRPr lang="en-US"/>
           </a:p>
         </p:txBody>
       </p:sp>
@@ -2630,7 +748,7 @@
               <a:rPr lang="es-ES" smtClean="0"/>
               <a:t>Quinto nivel</a:t>
             </a:r>
-            <a:endParaRPr lang="en-US" dirty="0"/>
+            <a:endParaRPr lang="en-US"/>
           </a:p>
         </p:txBody>
       </p:sp>
@@ -2702,11 +820,6 @@
         </p:txBody>
       </p:sp>
     </p:spTree>
-    <p:extLst>
-      <p:ext uri="{BB962C8B-B14F-4D97-AF65-F5344CB8AC3E}">
-        <p14:creationId xmlns:p14="http://schemas.microsoft.com/office/powerpoint/2010/main" val="3835092830"/>
-      </p:ext>
-    </p:extLst>
   </p:cSld>
   <p:clrMapOvr>
     <a:masterClrMapping/>
@@ -2714,7 +827,7 @@
 </p:sldLayout>
 </file>
 
-<file path=ppt/slideLayouts/slideLayout16.xml><?xml version="1.0" encoding="utf-8"?>
+<file path=ppt/slideLayouts/slideLayout11.xml><?xml version="1.0" encoding="utf-8"?>
 <p:sldLayout xmlns:a="http://schemas.openxmlformats.org/drawingml/2006/main" xmlns:r="http://schemas.openxmlformats.org/officeDocument/2006/relationships" xmlns:p="http://schemas.openxmlformats.org/presentationml/2006/main" type="vertTitleAndTx" preserve="1">
   <p:cSld name="Título vertical y texto">
     <p:spTree>
@@ -2743,12 +856,12 @@
         </p:nvSpPr>
         <p:spPr>
           <a:xfrm>
-            <a:off x="7967673" y="609599"/>
-            <a:ext cx="1304743" cy="5251451"/>
+            <a:off x="8839200" y="274639"/>
+            <a:ext cx="2743200" cy="4678362"/>
           </a:xfrm>
         </p:spPr>
         <p:txBody>
-          <a:bodyPr vert="eaVert" anchor="ctr"/>
+          <a:bodyPr vert="eaVert"/>
           <a:lstStyle/>
           <a:p>
             <a:r>
@@ -2771,8 +884,8 @@
         </p:nvSpPr>
         <p:spPr>
           <a:xfrm>
-            <a:off x="677335" y="609600"/>
-            <a:ext cx="7060150" cy="5251450"/>
+            <a:off x="609600" y="274639"/>
+            <a:ext cx="8026400" cy="4678362"/>
           </a:xfrm>
         </p:spPr>
         <p:txBody>
@@ -2812,7 +925,7 @@
               <a:rPr lang="es-ES" smtClean="0"/>
               <a:t>Quinto nivel</a:t>
             </a:r>
-            <a:endParaRPr lang="en-US" dirty="0"/>
+            <a:endParaRPr lang="en-US"/>
           </a:p>
         </p:txBody>
       </p:sp>
@@ -2884,11 +997,6 @@
         </p:txBody>
       </p:sp>
     </p:spTree>
-    <p:extLst>
-      <p:ext uri="{BB962C8B-B14F-4D97-AF65-F5344CB8AC3E}">
-        <p14:creationId xmlns:p14="http://schemas.microsoft.com/office/powerpoint/2010/main" val="3346243477"/>
-      </p:ext>
-    </p:extLst>
   </p:cSld>
   <p:clrMapOvr>
     <a:masterClrMapping/>
@@ -2925,20 +1033,14 @@
         </p:nvSpPr>
         <p:spPr/>
         <p:txBody>
-          <a:bodyPr>
-            <a:normAutofit/>
-          </a:bodyPr>
-          <a:lstStyle>
-            <a:lvl1pPr>
-              <a:defRPr sz="3600"/>
-            </a:lvl1pPr>
-          </a:lstStyle>
+          <a:bodyPr/>
+          <a:lstStyle/>
           <a:p>
             <a:r>
               <a:rPr lang="es-ES" smtClean="0"/>
               <a:t>Haga clic para modificar el estilo de título del patrón</a:t>
             </a:r>
-            <a:endParaRPr lang="en-US" dirty="0"/>
+            <a:endParaRPr lang="en-US"/>
           </a:p>
         </p:txBody>
       </p:sp>
@@ -3062,11 +1164,6 @@
         </p:txBody>
       </p:sp>
     </p:spTree>
-    <p:extLst>
-      <p:ext uri="{BB962C8B-B14F-4D97-AF65-F5344CB8AC3E}">
-        <p14:creationId xmlns:p14="http://schemas.microsoft.com/office/powerpoint/2010/main" val="3319998627"/>
-      </p:ext>
-    </p:extLst>
   </p:cSld>
   <p:clrMapOvr>
     <a:masterClrMapping/>
@@ -3075,7 +1172,7 @@
 </file>
 
 <file path=ppt/slideLayouts/slideLayout3.xml><?xml version="1.0" encoding="utf-8"?>
-<p:sldLayout xmlns:a="http://schemas.openxmlformats.org/drawingml/2006/main" xmlns:r="http://schemas.openxmlformats.org/officeDocument/2006/relationships" xmlns:p="http://schemas.openxmlformats.org/presentationml/2006/main" type="secHead" preserve="1">
+<p:sldLayout xmlns:a="http://schemas.openxmlformats.org/drawingml/2006/main" xmlns:r="http://schemas.openxmlformats.org/officeDocument/2006/relationships" xmlns:p="http://schemas.openxmlformats.org/presentationml/2006/main" showMasterSp="0" type="secHead" preserve="1">
   <p:cSld name="Encabezado de sección">
     <p:spTree>
       <p:nvGrpSpPr>
@@ -3093,28 +1190,313 @@
       </p:grpSpPr>
       <p:sp>
         <p:nvSpPr>
-          <p:cNvPr id="2" name="Title 1"/>
-          <p:cNvSpPr>
-            <a:spLocks noGrp="1"/>
-          </p:cNvSpPr>
-          <p:nvPr>
-            <p:ph type="title"/>
-          </p:nvPr>
+          <p:cNvPr id="8" name="Freeform 7"/>
+          <p:cNvSpPr/>
+          <p:nvPr/>
         </p:nvSpPr>
         <p:spPr>
           <a:xfrm>
-            <a:off x="677335" y="2700867"/>
-            <a:ext cx="8596668" cy="1826581"/>
+            <a:off x="-3173" y="-925"/>
+            <a:ext cx="12195173" cy="6858925"/>
+          </a:xfrm>
+          <a:custGeom>
+            <a:avLst/>
+            <a:gdLst>
+              <a:gd name="connsiteX0" fmla="*/ 0 w 3350419"/>
+              <a:gd name="connsiteY0" fmla="*/ 2081213 h 2083594"/>
+              <a:gd name="connsiteX1" fmla="*/ 3031331 w 3350419"/>
+              <a:gd name="connsiteY1" fmla="*/ 0 h 2083594"/>
+              <a:gd name="connsiteX2" fmla="*/ 3350419 w 3350419"/>
+              <a:gd name="connsiteY2" fmla="*/ 80963 h 2083594"/>
+              <a:gd name="connsiteX3" fmla="*/ 3350419 w 3350419"/>
+              <a:gd name="connsiteY3" fmla="*/ 2083594 h 2083594"/>
+              <a:gd name="connsiteX4" fmla="*/ 0 w 3350419"/>
+              <a:gd name="connsiteY4" fmla="*/ 2081213 h 2083594"/>
+              <a:gd name="connsiteX0" fmla="*/ 0 w 3112294"/>
+              <a:gd name="connsiteY0" fmla="*/ 2019301 h 2083594"/>
+              <a:gd name="connsiteX1" fmla="*/ 2793206 w 3112294"/>
+              <a:gd name="connsiteY1" fmla="*/ 0 h 2083594"/>
+              <a:gd name="connsiteX2" fmla="*/ 3112294 w 3112294"/>
+              <a:gd name="connsiteY2" fmla="*/ 80963 h 2083594"/>
+              <a:gd name="connsiteX3" fmla="*/ 3112294 w 3112294"/>
+              <a:gd name="connsiteY3" fmla="*/ 2083594 h 2083594"/>
+              <a:gd name="connsiteX4" fmla="*/ 0 w 3112294"/>
+              <a:gd name="connsiteY4" fmla="*/ 2019301 h 2083594"/>
+              <a:gd name="connsiteX0" fmla="*/ 0 w 3345656"/>
+              <a:gd name="connsiteY0" fmla="*/ 2097882 h 2097882"/>
+              <a:gd name="connsiteX1" fmla="*/ 3026568 w 3345656"/>
+              <a:gd name="connsiteY1" fmla="*/ 0 h 2097882"/>
+              <a:gd name="connsiteX2" fmla="*/ 3345656 w 3345656"/>
+              <a:gd name="connsiteY2" fmla="*/ 80963 h 2097882"/>
+              <a:gd name="connsiteX3" fmla="*/ 3345656 w 3345656"/>
+              <a:gd name="connsiteY3" fmla="*/ 2083594 h 2097882"/>
+              <a:gd name="connsiteX4" fmla="*/ 0 w 3345656"/>
+              <a:gd name="connsiteY4" fmla="*/ 2097882 h 2097882"/>
+              <a:gd name="connsiteX0" fmla="*/ 0 w 2800350"/>
+              <a:gd name="connsiteY0" fmla="*/ 1935957 h 2083594"/>
+              <a:gd name="connsiteX1" fmla="*/ 2481262 w 2800350"/>
+              <a:gd name="connsiteY1" fmla="*/ 0 h 2083594"/>
+              <a:gd name="connsiteX2" fmla="*/ 2800350 w 2800350"/>
+              <a:gd name="connsiteY2" fmla="*/ 80963 h 2083594"/>
+              <a:gd name="connsiteX3" fmla="*/ 2800350 w 2800350"/>
+              <a:gd name="connsiteY3" fmla="*/ 2083594 h 2083594"/>
+              <a:gd name="connsiteX4" fmla="*/ 0 w 2800350"/>
+              <a:gd name="connsiteY4" fmla="*/ 1935957 h 2083594"/>
+              <a:gd name="connsiteX0" fmla="*/ 0 w 3352800"/>
+              <a:gd name="connsiteY0" fmla="*/ 2083594 h 2083594"/>
+              <a:gd name="connsiteX1" fmla="*/ 3033712 w 3352800"/>
+              <a:gd name="connsiteY1" fmla="*/ 0 h 2083594"/>
+              <a:gd name="connsiteX2" fmla="*/ 3352800 w 3352800"/>
+              <a:gd name="connsiteY2" fmla="*/ 80963 h 2083594"/>
+              <a:gd name="connsiteX3" fmla="*/ 3352800 w 3352800"/>
+              <a:gd name="connsiteY3" fmla="*/ 2083594 h 2083594"/>
+              <a:gd name="connsiteX4" fmla="*/ 0 w 3352800"/>
+              <a:gd name="connsiteY4" fmla="*/ 2083594 h 2083594"/>
+              <a:gd name="connsiteX0" fmla="*/ 0 w 3352800"/>
+              <a:gd name="connsiteY0" fmla="*/ 2002631 h 2002631"/>
+              <a:gd name="connsiteX1" fmla="*/ 3033712 w 3352800"/>
+              <a:gd name="connsiteY1" fmla="*/ 157162 h 2002631"/>
+              <a:gd name="connsiteX2" fmla="*/ 3352800 w 3352800"/>
+              <a:gd name="connsiteY2" fmla="*/ 0 h 2002631"/>
+              <a:gd name="connsiteX3" fmla="*/ 3352800 w 3352800"/>
+              <a:gd name="connsiteY3" fmla="*/ 2002631 h 2002631"/>
+              <a:gd name="connsiteX4" fmla="*/ 0 w 3352800"/>
+              <a:gd name="connsiteY4" fmla="*/ 2002631 h 2002631"/>
+              <a:gd name="connsiteX0" fmla="*/ 0 w 3352800"/>
+              <a:gd name="connsiteY0" fmla="*/ 2002631 h 2002631"/>
+              <a:gd name="connsiteX1" fmla="*/ 2988469 w 3352800"/>
+              <a:gd name="connsiteY1" fmla="*/ 59530 h 2002631"/>
+              <a:gd name="connsiteX2" fmla="*/ 3352800 w 3352800"/>
+              <a:gd name="connsiteY2" fmla="*/ 0 h 2002631"/>
+              <a:gd name="connsiteX3" fmla="*/ 3352800 w 3352800"/>
+              <a:gd name="connsiteY3" fmla="*/ 2002631 h 2002631"/>
+              <a:gd name="connsiteX4" fmla="*/ 0 w 3352800"/>
+              <a:gd name="connsiteY4" fmla="*/ 2002631 h 2002631"/>
+              <a:gd name="connsiteX0" fmla="*/ 0 w 3352800"/>
+              <a:gd name="connsiteY0" fmla="*/ 2002631 h 2002631"/>
+              <a:gd name="connsiteX1" fmla="*/ 2833966 w 3352800"/>
+              <a:gd name="connsiteY1" fmla="*/ 425 h 2002631"/>
+              <a:gd name="connsiteX2" fmla="*/ 3352800 w 3352800"/>
+              <a:gd name="connsiteY2" fmla="*/ 0 h 2002631"/>
+              <a:gd name="connsiteX3" fmla="*/ 3352800 w 3352800"/>
+              <a:gd name="connsiteY3" fmla="*/ 2002631 h 2002631"/>
+              <a:gd name="connsiteX4" fmla="*/ 0 w 3352800"/>
+              <a:gd name="connsiteY4" fmla="*/ 2002631 h 2002631"/>
+              <a:gd name="connsiteX0" fmla="*/ 0 w 3352800"/>
+              <a:gd name="connsiteY0" fmla="*/ 2002631 h 2002631"/>
+              <a:gd name="connsiteX1" fmla="*/ 2845314 w 3352800"/>
+              <a:gd name="connsiteY1" fmla="*/ 12246 h 2002631"/>
+              <a:gd name="connsiteX2" fmla="*/ 3352800 w 3352800"/>
+              <a:gd name="connsiteY2" fmla="*/ 0 h 2002631"/>
+              <a:gd name="connsiteX3" fmla="*/ 3352800 w 3352800"/>
+              <a:gd name="connsiteY3" fmla="*/ 2002631 h 2002631"/>
+              <a:gd name="connsiteX4" fmla="*/ 0 w 3352800"/>
+              <a:gd name="connsiteY4" fmla="*/ 2002631 h 2002631"/>
+              <a:gd name="connsiteX0" fmla="*/ 0 w 3352800"/>
+              <a:gd name="connsiteY0" fmla="*/ 2002631 h 2002631"/>
+              <a:gd name="connsiteX1" fmla="*/ 2834839 w 3352800"/>
+              <a:gd name="connsiteY1" fmla="*/ 425 h 2002631"/>
+              <a:gd name="connsiteX2" fmla="*/ 3352800 w 3352800"/>
+              <a:gd name="connsiteY2" fmla="*/ 0 h 2002631"/>
+              <a:gd name="connsiteX3" fmla="*/ 3352800 w 3352800"/>
+              <a:gd name="connsiteY3" fmla="*/ 2002631 h 2002631"/>
+              <a:gd name="connsiteX4" fmla="*/ 0 w 3352800"/>
+              <a:gd name="connsiteY4" fmla="*/ 2002631 h 2002631"/>
+              <a:gd name="connsiteX0" fmla="*/ 0 w 3352800"/>
+              <a:gd name="connsiteY0" fmla="*/ 2002631 h 2002631"/>
+              <a:gd name="connsiteX1" fmla="*/ 2875865 w 3352800"/>
+              <a:gd name="connsiteY1" fmla="*/ 81782 h 2002631"/>
+              <a:gd name="connsiteX2" fmla="*/ 3352800 w 3352800"/>
+              <a:gd name="connsiteY2" fmla="*/ 0 h 2002631"/>
+              <a:gd name="connsiteX3" fmla="*/ 3352800 w 3352800"/>
+              <a:gd name="connsiteY3" fmla="*/ 2002631 h 2002631"/>
+              <a:gd name="connsiteX4" fmla="*/ 0 w 3352800"/>
+              <a:gd name="connsiteY4" fmla="*/ 2002631 h 2002631"/>
+              <a:gd name="connsiteX0" fmla="*/ 0 w 3352800"/>
+              <a:gd name="connsiteY0" fmla="*/ 2002901 h 2002901"/>
+              <a:gd name="connsiteX1" fmla="*/ 2836585 w 3352800"/>
+              <a:gd name="connsiteY1" fmla="*/ 0 h 2002901"/>
+              <a:gd name="connsiteX2" fmla="*/ 3352800 w 3352800"/>
+              <a:gd name="connsiteY2" fmla="*/ 270 h 2002901"/>
+              <a:gd name="connsiteX3" fmla="*/ 3352800 w 3352800"/>
+              <a:gd name="connsiteY3" fmla="*/ 2002901 h 2002901"/>
+              <a:gd name="connsiteX4" fmla="*/ 0 w 3352800"/>
+              <a:gd name="connsiteY4" fmla="*/ 2002901 h 2002901"/>
+            </a:gdLst>
+            <a:ahLst/>
+            <a:cxnLst>
+              <a:cxn ang="0">
+                <a:pos x="connsiteX0" y="connsiteY0"/>
+              </a:cxn>
+              <a:cxn ang="0">
+                <a:pos x="connsiteX1" y="connsiteY1"/>
+              </a:cxn>
+              <a:cxn ang="0">
+                <a:pos x="connsiteX2" y="connsiteY2"/>
+              </a:cxn>
+              <a:cxn ang="0">
+                <a:pos x="connsiteX3" y="connsiteY3"/>
+              </a:cxn>
+              <a:cxn ang="0">
+                <a:pos x="connsiteX4" y="connsiteY4"/>
+              </a:cxn>
+            </a:cxnLst>
+            <a:rect l="l" t="t" r="r" b="b"/>
+            <a:pathLst>
+              <a:path w="3352800" h="2002901">
+                <a:moveTo>
+                  <a:pt x="0" y="2002901"/>
+                </a:moveTo>
+                <a:lnTo>
+                  <a:pt x="2836585" y="0"/>
+                </a:lnTo>
+                <a:lnTo>
+                  <a:pt x="3352800" y="270"/>
+                </a:lnTo>
+                <a:lnTo>
+                  <a:pt x="3352800" y="2002901"/>
+                </a:lnTo>
+                <a:lnTo>
+                  <a:pt x="0" y="2002901"/>
+                </a:lnTo>
+                <a:close/>
+              </a:path>
+            </a:pathLst>
+          </a:custGeom>
+          <a:solidFill>
+            <a:schemeClr val="accent2"/>
+          </a:solidFill>
+          <a:ln>
+            <a:noFill/>
+          </a:ln>
+        </p:spPr>
+        <p:style>
+          <a:lnRef idx="2">
+            <a:schemeClr val="accent1">
+              <a:shade val="50000"/>
+            </a:schemeClr>
+          </a:lnRef>
+          <a:fillRef idx="1">
+            <a:schemeClr val="accent1"/>
+          </a:fillRef>
+          <a:effectRef idx="0">
+            <a:schemeClr val="accent1"/>
+          </a:effectRef>
+          <a:fontRef idx="minor">
+            <a:schemeClr val="lt1"/>
+          </a:fontRef>
+        </p:style>
+        <p:txBody>
+          <a:bodyPr rtlCol="0" anchor="ctr"/>
+          <a:lstStyle/>
+          <a:p>
+            <a:pPr algn="ctr"/>
+            <a:endParaRPr lang="en-US"/>
+          </a:p>
+        </p:txBody>
+      </p:sp>
+      <p:sp>
+        <p:nvSpPr>
+          <p:cNvPr id="7" name="Right Triangle 6"/>
+          <p:cNvSpPr/>
+          <p:nvPr/>
+        </p:nvSpPr>
+        <p:spPr>
+          <a:xfrm>
+            <a:off x="1" y="2647950"/>
+            <a:ext cx="4762500" cy="4210050"/>
+          </a:xfrm>
+          <a:prstGeom prst="rtTriangle">
+            <a:avLst/>
+          </a:prstGeom>
+          <a:solidFill>
+            <a:schemeClr val="accent3">
+              <a:alpha val="80000"/>
+            </a:schemeClr>
+          </a:solidFill>
+          <a:ln>
+            <a:noFill/>
+          </a:ln>
+        </p:spPr>
+        <p:style>
+          <a:lnRef idx="2">
+            <a:schemeClr val="accent1">
+              <a:shade val="50000"/>
+            </a:schemeClr>
+          </a:lnRef>
+          <a:fillRef idx="1">
+            <a:schemeClr val="accent1"/>
+          </a:fillRef>
+          <a:effectRef idx="0">
+            <a:schemeClr val="accent1"/>
+          </a:effectRef>
+          <a:fontRef idx="minor">
+            <a:schemeClr val="lt1"/>
+          </a:fontRef>
+        </p:style>
+        <p:txBody>
+          <a:bodyPr rtlCol="0" anchor="ctr"/>
+          <a:lstStyle/>
+          <a:p>
+            <a:pPr algn="ctr"/>
+            <a:endParaRPr lang="en-US"/>
+          </a:p>
+        </p:txBody>
+      </p:sp>
+      <p:sp>
+        <p:nvSpPr>
+          <p:cNvPr id="2" name="Title 1"/>
+          <p:cNvSpPr>
+            <a:spLocks noGrp="1"/>
+          </p:cNvSpPr>
+          <p:nvPr>
+            <p:ph type="title"/>
+          </p:nvPr>
+        </p:nvSpPr>
+        <p:spPr>
+          <a:xfrm rot="19140000">
+            <a:off x="1092532" y="1726738"/>
+            <a:ext cx="7534656" cy="1207509"/>
           </a:xfrm>
         </p:spPr>
         <p:txBody>
-          <a:bodyPr anchor="b"/>
+          <a:bodyPr bIns="9144" anchor="b"/>
           <a:lstStyle>
             <a:lvl1pPr algn="l">
-              <a:defRPr sz="4000" b="0" cap="none"/>
+              <a:defRPr kumimoji="0" lang="en-US" sz="3200" b="0" i="0" u="none" strike="noStrike" kern="1200" cap="all" spc="0" normalizeH="0" baseline="0" noProof="0" dirty="0" smtClean="0">
+                <a:ln>
+                  <a:noFill/>
+                </a:ln>
+                <a:solidFill>
+                  <a:schemeClr val="tx1"/>
+                </a:solidFill>
+                <a:effectLst/>
+                <a:uLnTx/>
+                <a:uFillTx/>
+                <a:latin typeface="+mj-lt"/>
+                <a:ea typeface="+mj-ea"/>
+                <a:cs typeface="+mj-cs"/>
+              </a:defRPr>
             </a:lvl1pPr>
           </a:lstStyle>
           <a:p>
+            <a:pPr marL="0" marR="0" lvl="0" indent="0" algn="l" defTabSz="914400" rtl="0" eaLnBrk="1" fontAlgn="auto" latinLnBrk="0" hangingPunct="1">
+              <a:lnSpc>
+                <a:spcPct val="100000"/>
+              </a:lnSpc>
+              <a:spcBef>
+                <a:spcPct val="0"/>
+              </a:spcBef>
+              <a:spcAft>
+                <a:spcPts val="0"/>
+              </a:spcAft>
+              <a:buClrTx/>
+              <a:buSzTx/>
+              <a:buFontTx/>
+              <a:buNone/>
+              <a:tabLst/>
+              <a:defRPr/>
+            </a:pPr>
             <a:r>
               <a:rPr lang="es-ES" smtClean="0"/>
               <a:t>Haga clic para modificar el estilo de título del patrón</a:t>
@@ -3134,23 +1516,31 @@
           </p:nvPr>
         </p:nvSpPr>
         <p:spPr>
-          <a:xfrm>
-            <a:off x="677335" y="4527448"/>
-            <a:ext cx="8596668" cy="860400"/>
+          <a:xfrm rot="19140000">
+            <a:off x="1621536" y="2468304"/>
+            <a:ext cx="8680704" cy="329184"/>
           </a:xfrm>
         </p:spPr>
         <p:txBody>
-          <a:bodyPr anchor="t"/>
+          <a:bodyPr anchor="t">
+            <a:normAutofit/>
+          </a:bodyPr>
           <a:lstStyle>
-            <a:lvl1pPr marL="0" indent="0" algn="l">
-              <a:buNone/>
-              <a:defRPr sz="2000">
+            <a:lvl1pPr marL="0" indent="0">
+              <a:buNone/>
+              <a:defRPr kumimoji="0" lang="en-US" sz="1400" b="0" i="0" u="none" strike="noStrike" kern="1200" cap="all" spc="400" normalizeH="0" baseline="0" noProof="0" dirty="0" smtClean="0">
+                <a:ln>
+                  <a:noFill/>
+                </a:ln>
                 <a:solidFill>
-                  <a:schemeClr val="tx1">
-                    <a:lumMod val="50000"/>
-                    <a:lumOff val="50000"/>
-                  </a:schemeClr>
+                  <a:schemeClr val="tx1"/>
                 </a:solidFill>
+                <a:effectLst/>
+                <a:uLnTx/>
+                <a:uFillTx/>
+                <a:latin typeface="+mn-lt"/>
+                <a:ea typeface="+mj-ea"/>
+                <a:cs typeface="Tunga" pitchFamily="2"/>
               </a:defRPr>
             </a:lvl1pPr>
             <a:lvl2pPr marL="457200" indent="0">
@@ -3235,7 +1625,25 @@
             </a:lvl9pPr>
           </a:lstStyle>
           <a:p>
-            <a:pPr lvl="0"/>
+            <a:pPr marL="0" marR="0" lvl="0" indent="0" algn="l" defTabSz="914400" rtl="0" eaLnBrk="1" fontAlgn="auto" latinLnBrk="0" hangingPunct="1">
+              <a:lnSpc>
+                <a:spcPct val="100000"/>
+              </a:lnSpc>
+              <a:spcBef>
+                <a:spcPts val="0"/>
+              </a:spcBef>
+              <a:spcAft>
+                <a:spcPts val="0"/>
+              </a:spcAft>
+              <a:buClr>
+                <a:schemeClr val="accent1"/>
+              </a:buClr>
+              <a:buSzPct val="100000"/>
+              <a:buFont typeface="Arial" pitchFamily="34" charset="0"/>
+              <a:buNone/>
+              <a:tabLst/>
+              <a:defRPr/>
+            </a:pPr>
             <a:r>
               <a:rPr lang="es-ES" smtClean="0"/>
               <a:t>Haga clic para modificar el estilo de texto del patrón</a:t>
@@ -3311,11 +1719,6 @@
         </p:txBody>
       </p:sp>
     </p:spTree>
-    <p:extLst>
-      <p:ext uri="{BB962C8B-B14F-4D97-AF65-F5344CB8AC3E}">
-        <p14:creationId xmlns:p14="http://schemas.microsoft.com/office/powerpoint/2010/main" val="2819445588"/>
-      </p:ext>
-    </p:extLst>
   </p:cSld>
   <p:clrMapOvr>
     <a:masterClrMapping/>
@@ -3342,29 +1745,6 @@
       </p:grpSpPr>
       <p:sp>
         <p:nvSpPr>
-          <p:cNvPr id="2" name="Title 1"/>
-          <p:cNvSpPr>
-            <a:spLocks noGrp="1"/>
-          </p:cNvSpPr>
-          <p:nvPr>
-            <p:ph type="title"/>
-          </p:nvPr>
-        </p:nvSpPr>
-        <p:spPr/>
-        <p:txBody>
-          <a:bodyPr/>
-          <a:lstStyle/>
-          <a:p>
-            <a:r>
-              <a:rPr lang="es-ES" smtClean="0"/>
-              <a:t>Haga clic para modificar el estilo de título del patrón</a:t>
-            </a:r>
-            <a:endParaRPr lang="en-US" dirty="0"/>
-          </a:p>
-        </p:txBody>
-      </p:sp>
-      <p:sp>
-        <p:nvSpPr>
           <p:cNvPr id="3" name="Content Placeholder 2"/>
           <p:cNvSpPr>
             <a:spLocks noGrp="1"/>
@@ -3375,13 +1755,41 @@
         </p:nvSpPr>
         <p:spPr>
           <a:xfrm>
-            <a:off x="677334" y="2160589"/>
-            <a:ext cx="4184035" cy="3880772"/>
+            <a:off x="1097280" y="1097280"/>
+            <a:ext cx="4267200" cy="3712464"/>
           </a:xfrm>
         </p:spPr>
         <p:txBody>
           <a:bodyPr/>
-          <a:lstStyle/>
+          <a:lstStyle>
+            <a:lvl1pPr>
+              <a:defRPr sz="2800"/>
+            </a:lvl1pPr>
+            <a:lvl2pPr>
+              <a:defRPr sz="2400"/>
+            </a:lvl2pPr>
+            <a:lvl3pPr>
+              <a:defRPr sz="2000"/>
+            </a:lvl3pPr>
+            <a:lvl4pPr>
+              <a:defRPr sz="1800"/>
+            </a:lvl4pPr>
+            <a:lvl5pPr>
+              <a:defRPr sz="1800"/>
+            </a:lvl5pPr>
+            <a:lvl6pPr>
+              <a:defRPr sz="1800"/>
+            </a:lvl6pPr>
+            <a:lvl7pPr>
+              <a:defRPr sz="1800"/>
+            </a:lvl7pPr>
+            <a:lvl8pPr>
+              <a:defRPr sz="1800"/>
+            </a:lvl8pPr>
+            <a:lvl9pPr>
+              <a:defRPr sz="1800"/>
+            </a:lvl9pPr>
+          </a:lstStyle>
           <a:p>
             <a:pPr lvl="0"/>
             <a:r>
@@ -3432,13 +1840,41 @@
         </p:nvSpPr>
         <p:spPr>
           <a:xfrm>
-            <a:off x="5089970" y="2160589"/>
-            <a:ext cx="4184034" cy="3880773"/>
+            <a:off x="6266688" y="1097280"/>
+            <a:ext cx="4267200" cy="3712464"/>
           </a:xfrm>
         </p:spPr>
         <p:txBody>
           <a:bodyPr/>
-          <a:lstStyle/>
+          <a:lstStyle>
+            <a:lvl1pPr>
+              <a:defRPr sz="2800"/>
+            </a:lvl1pPr>
+            <a:lvl2pPr>
+              <a:defRPr sz="2400"/>
+            </a:lvl2pPr>
+            <a:lvl3pPr>
+              <a:defRPr sz="2000"/>
+            </a:lvl3pPr>
+            <a:lvl4pPr>
+              <a:defRPr sz="1800"/>
+            </a:lvl4pPr>
+            <a:lvl5pPr>
+              <a:defRPr sz="1800"/>
+            </a:lvl5pPr>
+            <a:lvl6pPr>
+              <a:defRPr sz="1800"/>
+            </a:lvl6pPr>
+            <a:lvl7pPr>
+              <a:defRPr sz="1800"/>
+            </a:lvl7pPr>
+            <a:lvl8pPr>
+              <a:defRPr sz="1800"/>
+            </a:lvl8pPr>
+            <a:lvl9pPr>
+              <a:defRPr sz="1800"/>
+            </a:lvl9pPr>
+          </a:lstStyle>
           <a:p>
             <a:pPr lvl="0"/>
             <a:r>
@@ -3544,12 +1980,30 @@
           </a:p>
         </p:txBody>
       </p:sp>
+      <p:sp>
+        <p:nvSpPr>
+          <p:cNvPr id="8" name="Title 7"/>
+          <p:cNvSpPr>
+            <a:spLocks noGrp="1"/>
+          </p:cNvSpPr>
+          <p:nvPr>
+            <p:ph type="title"/>
+          </p:nvPr>
+        </p:nvSpPr>
+        <p:spPr/>
+        <p:txBody>
+          <a:bodyPr/>
+          <a:lstStyle/>
+          <a:p>
+            <a:r>
+              <a:rPr lang="es-ES" smtClean="0"/>
+              <a:t>Haga clic para modificar el estilo de título del patrón</a:t>
+            </a:r>
+            <a:endParaRPr lang="en-US"/>
+          </a:p>
+        </p:txBody>
+      </p:sp>
     </p:spTree>
-    <p:extLst>
-      <p:ext uri="{BB962C8B-B14F-4D97-AF65-F5344CB8AC3E}">
-        <p14:creationId xmlns:p14="http://schemas.microsoft.com/office/powerpoint/2010/main" val="2996622755"/>
-      </p:ext>
-    </p:extLst>
   </p:cSld>
   <p:clrMapOvr>
     <a:masterClrMapping/>
@@ -3597,7 +2051,7 @@
               <a:rPr lang="es-ES" smtClean="0"/>
               <a:t>Haga clic para modificar el estilo de título del patrón</a:t>
             </a:r>
-            <a:endParaRPr lang="en-US" dirty="0"/>
+            <a:endParaRPr lang="en-US"/>
           </a:p>
         </p:txBody>
       </p:sp>
@@ -3613,18 +2067,25 @@
         </p:nvSpPr>
         <p:spPr>
           <a:xfrm>
-            <a:off x="675745" y="2160983"/>
-            <a:ext cx="4185623" cy="576262"/>
+            <a:off x="1097280" y="1097280"/>
+            <a:ext cx="4267200" cy="548640"/>
           </a:xfrm>
         </p:spPr>
         <p:txBody>
           <a:bodyPr anchor="b">
-            <a:noAutofit/>
+            <a:normAutofit/>
           </a:bodyPr>
           <a:lstStyle>
             <a:lvl1pPr marL="0" indent="0">
               <a:buNone/>
-              <a:defRPr sz="2400" b="0"/>
+              <a:defRPr lang="en-US" sz="1400" b="0" kern="1200" cap="all" spc="400" baseline="0" dirty="0" smtClean="0">
+                <a:solidFill>
+                  <a:schemeClr val="tx1"/>
+                </a:solidFill>
+                <a:latin typeface="+mn-lt"/>
+                <a:ea typeface="+mj-ea"/>
+                <a:cs typeface="Tunga" pitchFamily="2"/>
+              </a:defRPr>
             </a:lvl1pPr>
             <a:lvl2pPr marL="457200" indent="0">
               <a:buNone/>
@@ -3660,7 +2121,22 @@
             </a:lvl9pPr>
           </a:lstStyle>
           <a:p>
-            <a:pPr lvl="0"/>
+            <a:pPr marL="0" lvl="0" indent="0" algn="l" defTabSz="914400" rtl="0" eaLnBrk="1" latinLnBrk="0" hangingPunct="1">
+              <a:lnSpc>
+                <a:spcPct val="100000"/>
+              </a:lnSpc>
+              <a:spcBef>
+                <a:spcPts val="0"/>
+              </a:spcBef>
+              <a:spcAft>
+                <a:spcPts val="0"/>
+              </a:spcAft>
+              <a:buClr>
+                <a:schemeClr val="accent1"/>
+              </a:buClr>
+              <a:buFont typeface="Arial" pitchFamily="34" charset="0"/>
+              <a:buNone/>
+            </a:pPr>
             <a:r>
               <a:rPr lang="es-ES" smtClean="0"/>
               <a:t>Haga clic para modificar el estilo de texto del patrón</a:t>
@@ -3680,15 +2156,41 @@
         </p:nvSpPr>
         <p:spPr>
           <a:xfrm>
-            <a:off x="675745" y="2737245"/>
-            <a:ext cx="4185623" cy="3304117"/>
+            <a:off x="1092200" y="1701848"/>
+            <a:ext cx="4267200" cy="3108960"/>
           </a:xfrm>
         </p:spPr>
         <p:txBody>
-          <a:bodyPr>
-            <a:normAutofit/>
-          </a:bodyPr>
-          <a:lstStyle/>
+          <a:bodyPr/>
+          <a:lstStyle>
+            <a:lvl1pPr>
+              <a:defRPr sz="2400"/>
+            </a:lvl1pPr>
+            <a:lvl2pPr>
+              <a:defRPr sz="2000"/>
+            </a:lvl2pPr>
+            <a:lvl3pPr>
+              <a:defRPr sz="1800"/>
+            </a:lvl3pPr>
+            <a:lvl4pPr>
+              <a:defRPr sz="1600"/>
+            </a:lvl4pPr>
+            <a:lvl5pPr>
+              <a:defRPr sz="1600"/>
+            </a:lvl5pPr>
+            <a:lvl6pPr>
+              <a:defRPr sz="1600"/>
+            </a:lvl6pPr>
+            <a:lvl7pPr>
+              <a:defRPr sz="1600"/>
+            </a:lvl7pPr>
+            <a:lvl8pPr>
+              <a:defRPr sz="1600"/>
+            </a:lvl8pPr>
+            <a:lvl9pPr>
+              <a:defRPr sz="1600"/>
+            </a:lvl9pPr>
+          </a:lstStyle>
           <a:p>
             <a:pPr lvl="0"/>
             <a:r>
@@ -3739,18 +2241,25 @@
         </p:nvSpPr>
         <p:spPr>
           <a:xfrm>
-            <a:off x="5088383" y="2160983"/>
-            <a:ext cx="4185618" cy="576262"/>
+            <a:off x="6266688" y="1097280"/>
+            <a:ext cx="4267200" cy="548640"/>
           </a:xfrm>
         </p:spPr>
         <p:txBody>
           <a:bodyPr anchor="b">
-            <a:noAutofit/>
+            <a:normAutofit/>
           </a:bodyPr>
           <a:lstStyle>
             <a:lvl1pPr marL="0" indent="0">
               <a:buNone/>
-              <a:defRPr sz="2400" b="0"/>
+              <a:defRPr lang="en-US" sz="1400" b="0" kern="1200" cap="all" spc="400" baseline="0" dirty="0" smtClean="0">
+                <a:solidFill>
+                  <a:schemeClr val="tx1"/>
+                </a:solidFill>
+                <a:latin typeface="+mn-lt"/>
+                <a:ea typeface="+mj-ea"/>
+                <a:cs typeface="Tunga" pitchFamily="2"/>
+              </a:defRPr>
             </a:lvl1pPr>
             <a:lvl2pPr marL="457200" indent="0">
               <a:buNone/>
@@ -3786,7 +2295,22 @@
             </a:lvl9pPr>
           </a:lstStyle>
           <a:p>
-            <a:pPr lvl="0"/>
+            <a:pPr marL="0" lvl="0" indent="0" algn="l" defTabSz="914400" rtl="0" eaLnBrk="1" latinLnBrk="0" hangingPunct="1">
+              <a:lnSpc>
+                <a:spcPct val="100000"/>
+              </a:lnSpc>
+              <a:spcBef>
+                <a:spcPts val="0"/>
+              </a:spcBef>
+              <a:spcAft>
+                <a:spcPts val="0"/>
+              </a:spcAft>
+              <a:buClr>
+                <a:schemeClr val="accent1"/>
+              </a:buClr>
+              <a:buFont typeface="Arial" pitchFamily="34" charset="0"/>
+              <a:buNone/>
+            </a:pPr>
             <a:r>
               <a:rPr lang="es-ES" smtClean="0"/>
               <a:t>Haga clic para modificar el estilo de texto del patrón</a:t>
@@ -3806,15 +2330,41 @@
         </p:nvSpPr>
         <p:spPr>
           <a:xfrm>
-            <a:off x="5088384" y="2737245"/>
-            <a:ext cx="4185617" cy="3304117"/>
+            <a:off x="6266688" y="1701848"/>
+            <a:ext cx="4267200" cy="3108960"/>
           </a:xfrm>
         </p:spPr>
         <p:txBody>
-          <a:bodyPr>
-            <a:normAutofit/>
-          </a:bodyPr>
-          <a:lstStyle/>
+          <a:bodyPr/>
+          <a:lstStyle>
+            <a:lvl1pPr>
+              <a:defRPr sz="2400"/>
+            </a:lvl1pPr>
+            <a:lvl2pPr>
+              <a:defRPr sz="2000"/>
+            </a:lvl2pPr>
+            <a:lvl3pPr>
+              <a:defRPr sz="1800"/>
+            </a:lvl3pPr>
+            <a:lvl4pPr>
+              <a:defRPr sz="1600"/>
+            </a:lvl4pPr>
+            <a:lvl5pPr>
+              <a:defRPr sz="1600"/>
+            </a:lvl5pPr>
+            <a:lvl6pPr>
+              <a:defRPr sz="1600"/>
+            </a:lvl6pPr>
+            <a:lvl7pPr>
+              <a:defRPr sz="1600"/>
+            </a:lvl7pPr>
+            <a:lvl8pPr>
+              <a:defRPr sz="1600"/>
+            </a:lvl8pPr>
+            <a:lvl9pPr>
+              <a:defRPr sz="1600"/>
+            </a:lvl9pPr>
+          </a:lstStyle>
           <a:p>
             <a:pPr lvl="0"/>
             <a:r>
@@ -3921,11 +2471,6 @@
         </p:txBody>
       </p:sp>
     </p:spTree>
-    <p:extLst>
-      <p:ext uri="{BB962C8B-B14F-4D97-AF65-F5344CB8AC3E}">
-        <p14:creationId xmlns:p14="http://schemas.microsoft.com/office/powerpoint/2010/main" val="473090959"/>
-      </p:ext>
-    </p:extLst>
   </p:cSld>
   <p:clrMapOvr>
     <a:masterClrMapping/>
@@ -3935,7 +2480,7 @@
 
 <file path=ppt/slideLayouts/slideLayout6.xml><?xml version="1.0" encoding="utf-8"?>
 <p:sldLayout xmlns:a="http://schemas.openxmlformats.org/drawingml/2006/main" xmlns:r="http://schemas.openxmlformats.org/officeDocument/2006/relationships" xmlns:p="http://schemas.openxmlformats.org/presentationml/2006/main" type="titleOnly" preserve="1">
-  <p:cSld name="Solo el título">
+  <p:cSld name="Sólo el título">
     <p:spTree>
       <p:nvGrpSpPr>
         <p:cNvPr id="1" name=""/>
@@ -3960,12 +2505,7 @@
             <p:ph type="title"/>
           </p:nvPr>
         </p:nvSpPr>
-        <p:spPr>
-          <a:xfrm>
-            <a:off x="677334" y="609600"/>
-            <a:ext cx="8596668" cy="1320800"/>
-          </a:xfrm>
-        </p:spPr>
+        <p:spPr/>
         <p:txBody>
           <a:bodyPr/>
           <a:lstStyle/>
@@ -3974,7 +2514,7 @@
               <a:rPr lang="es-ES" smtClean="0"/>
               <a:t>Haga clic para modificar el estilo de título del patrón</a:t>
             </a:r>
-            <a:endParaRPr lang="en-US" dirty="0"/>
+            <a:endParaRPr lang="en-US"/>
           </a:p>
         </p:txBody>
       </p:sp>
@@ -4046,11 +2586,6 @@
         </p:txBody>
       </p:sp>
     </p:spTree>
-    <p:extLst>
-      <p:ext uri="{BB962C8B-B14F-4D97-AF65-F5344CB8AC3E}">
-        <p14:creationId xmlns:p14="http://schemas.microsoft.com/office/powerpoint/2010/main" val="3437270783"/>
-      </p:ext>
-    </p:extLst>
   </p:cSld>
   <p:clrMapOvr>
     <a:masterClrMapping/>
@@ -4143,11 +2678,6 @@
         </p:txBody>
       </p:sp>
     </p:spTree>
-    <p:extLst>
-      <p:ext uri="{BB962C8B-B14F-4D97-AF65-F5344CB8AC3E}">
-        <p14:creationId xmlns:p14="http://schemas.microsoft.com/office/powerpoint/2010/main" val="4019277699"/>
-      </p:ext>
-    </p:extLst>
   </p:cSld>
   <p:clrMapOvr>
     <a:masterClrMapping/>
@@ -4156,7 +2686,7 @@
 </file>
 
 <file path=ppt/slideLayouts/slideLayout8.xml><?xml version="1.0" encoding="utf-8"?>
-<p:sldLayout xmlns:a="http://schemas.openxmlformats.org/drawingml/2006/main" xmlns:r="http://schemas.openxmlformats.org/officeDocument/2006/relationships" xmlns:p="http://schemas.openxmlformats.org/presentationml/2006/main" type="objTx" preserve="1">
+<p:sldLayout xmlns:a="http://schemas.openxmlformats.org/drawingml/2006/main" xmlns:r="http://schemas.openxmlformats.org/officeDocument/2006/relationships" xmlns:p="http://schemas.openxmlformats.org/presentationml/2006/main" showMasterSp="0" type="objTx" preserve="1">
   <p:cSld name="Contenido con título">
     <p:spTree>
       <p:nvGrpSpPr>
@@ -4174,59 +2704,214 @@
       </p:grpSpPr>
       <p:sp>
         <p:nvSpPr>
-          <p:cNvPr id="2" name="Title 1"/>
-          <p:cNvSpPr>
-            <a:spLocks noGrp="1"/>
-          </p:cNvSpPr>
-          <p:nvPr>
-            <p:ph type="title"/>
-          </p:nvPr>
+          <p:cNvPr id="17" name="Right Triangle 16"/>
+          <p:cNvSpPr/>
+          <p:nvPr/>
         </p:nvSpPr>
         <p:spPr>
           <a:xfrm>
-            <a:off x="677334" y="1498604"/>
-            <a:ext cx="3854528" cy="1278466"/>
+            <a:off x="1" y="2647950"/>
+            <a:ext cx="4762500" cy="4210050"/>
+          </a:xfrm>
+          <a:prstGeom prst="rtTriangle">
+            <a:avLst/>
+          </a:prstGeom>
+          <a:solidFill>
+            <a:schemeClr val="accent2"/>
+          </a:solidFill>
+          <a:ln>
+            <a:noFill/>
+          </a:ln>
+        </p:spPr>
+        <p:style>
+          <a:lnRef idx="2">
+            <a:schemeClr val="accent1">
+              <a:shade val="50000"/>
+            </a:schemeClr>
+          </a:lnRef>
+          <a:fillRef idx="1">
+            <a:schemeClr val="accent1"/>
+          </a:fillRef>
+          <a:effectRef idx="0">
+            <a:schemeClr val="accent1"/>
+          </a:effectRef>
+          <a:fontRef idx="minor">
+            <a:schemeClr val="lt1"/>
+          </a:fontRef>
+        </p:style>
+        <p:txBody>
+          <a:bodyPr rtlCol="0" anchor="ctr"/>
+          <a:lstStyle/>
+          <a:p>
+            <a:pPr algn="ctr"/>
+            <a:endParaRPr lang="en-US"/>
+          </a:p>
+        </p:txBody>
+      </p:sp>
+      <p:sp>
+        <p:nvSpPr>
+          <p:cNvPr id="18" name="Right Triangle 17"/>
+          <p:cNvSpPr/>
+          <p:nvPr/>
+        </p:nvSpPr>
+        <p:spPr>
+          <a:xfrm rot="5400000">
+            <a:off x="1720852" y="-1720850"/>
+            <a:ext cx="6858000" cy="10299704"/>
+          </a:xfrm>
+          <a:prstGeom prst="rtTriangle">
+            <a:avLst/>
+          </a:prstGeom>
+          <a:solidFill>
+            <a:schemeClr val="accent3">
+              <a:alpha val="80000"/>
+            </a:schemeClr>
+          </a:solidFill>
+          <a:ln>
+            <a:noFill/>
+          </a:ln>
+        </p:spPr>
+        <p:style>
+          <a:lnRef idx="2">
+            <a:schemeClr val="accent1">
+              <a:shade val="50000"/>
+            </a:schemeClr>
+          </a:lnRef>
+          <a:fillRef idx="1">
+            <a:schemeClr val="accent1"/>
+          </a:fillRef>
+          <a:effectRef idx="0">
+            <a:schemeClr val="accent1"/>
+          </a:effectRef>
+          <a:fontRef idx="minor">
+            <a:schemeClr val="lt1"/>
+          </a:fontRef>
+        </p:style>
+        <p:txBody>
+          <a:bodyPr rtlCol="0" anchor="ctr"/>
+          <a:lstStyle/>
+          <a:p>
+            <a:pPr marL="0" algn="ctr" defTabSz="914400" rtl="0" eaLnBrk="1" latinLnBrk="0" hangingPunct="1"/>
+            <a:endParaRPr lang="en-US" sz="1800" kern="1200">
+              <a:solidFill>
+                <a:schemeClr val="lt1"/>
+              </a:solidFill>
+              <a:latin typeface="+mn-lt"/>
+              <a:ea typeface="+mn-ea"/>
+              <a:cs typeface="+mn-cs"/>
+            </a:endParaRPr>
+          </a:p>
+        </p:txBody>
+      </p:sp>
+      <p:sp>
+        <p:nvSpPr>
+          <p:cNvPr id="2" name="Title 1"/>
+          <p:cNvSpPr>
+            <a:spLocks noGrp="1"/>
+          </p:cNvSpPr>
+          <p:nvPr>
+            <p:ph type="title"/>
+          </p:nvPr>
+        </p:nvSpPr>
+        <p:spPr>
+          <a:xfrm rot="19140000">
+            <a:off x="1046573" y="1576104"/>
+            <a:ext cx="6949440" cy="1089427"/>
           </a:xfrm>
         </p:spPr>
         <p:txBody>
-          <a:bodyPr anchor="b">
-            <a:normAutofit/>
-          </a:bodyPr>
+          <a:bodyPr bIns="0" anchor="b"/>
+          <a:lstStyle>
+            <a:lvl1pPr algn="l">
+              <a:defRPr kumimoji="0" lang="en-US" sz="2800" b="0" i="0" u="none" strike="noStrike" kern="1200" cap="all" spc="0" normalizeH="0" baseline="0" noProof="0" dirty="0" smtClean="0">
+                <a:ln>
+                  <a:noFill/>
+                </a:ln>
+                <a:solidFill>
+                  <a:srgbClr val="FFFFFF"/>
+                </a:solidFill>
+                <a:effectLst/>
+                <a:uLnTx/>
+                <a:uFillTx/>
+                <a:latin typeface="+mj-lt"/>
+                <a:ea typeface="+mj-ea"/>
+                <a:cs typeface="+mj-cs"/>
+              </a:defRPr>
+            </a:lvl1pPr>
+          </a:lstStyle>
+          <a:p>
+            <a:pPr marL="0" marR="0" lvl="0" indent="0" algn="l" defTabSz="914400" rtl="0" eaLnBrk="1" fontAlgn="auto" latinLnBrk="0" hangingPunct="1">
+              <a:lnSpc>
+                <a:spcPct val="100000"/>
+              </a:lnSpc>
+              <a:spcBef>
+                <a:spcPct val="0"/>
+              </a:spcBef>
+              <a:spcAft>
+                <a:spcPts val="0"/>
+              </a:spcAft>
+              <a:buClrTx/>
+              <a:buSzTx/>
+              <a:buFontTx/>
+              <a:buNone/>
+              <a:tabLst/>
+              <a:defRPr/>
+            </a:pPr>
+            <a:r>
+              <a:rPr lang="es-ES" smtClean="0"/>
+              <a:t>Haga clic para modificar el estilo de título del patrón</a:t>
+            </a:r>
+            <a:endParaRPr lang="en-US" dirty="0"/>
+          </a:p>
+        </p:txBody>
+      </p:sp>
+      <p:sp>
+        <p:nvSpPr>
+          <p:cNvPr id="3" name="Content Placeholder 2"/>
+          <p:cNvSpPr>
+            <a:spLocks noGrp="1"/>
+          </p:cNvSpPr>
+          <p:nvPr>
+            <p:ph idx="1"/>
+          </p:nvPr>
+        </p:nvSpPr>
+        <p:spPr>
+          <a:xfrm>
+            <a:off x="6332737" y="2618913"/>
+            <a:ext cx="5077039" cy="3324687"/>
+          </a:xfrm>
+        </p:spPr>
+        <p:txBody>
+          <a:bodyPr/>
           <a:lstStyle>
             <a:lvl1pPr>
+              <a:defRPr sz="3200"/>
+            </a:lvl1pPr>
+            <a:lvl2pPr>
+              <a:defRPr sz="2800"/>
+            </a:lvl2pPr>
+            <a:lvl3pPr>
+              <a:defRPr sz="2400"/>
+            </a:lvl3pPr>
+            <a:lvl4pPr>
               <a:defRPr sz="2000"/>
-            </a:lvl1pPr>
+            </a:lvl4pPr>
+            <a:lvl5pPr>
+              <a:defRPr sz="2000"/>
+            </a:lvl5pPr>
+            <a:lvl6pPr>
+              <a:defRPr sz="2000"/>
+            </a:lvl6pPr>
+            <a:lvl7pPr>
+              <a:defRPr sz="2000"/>
+            </a:lvl7pPr>
+            <a:lvl8pPr>
+              <a:defRPr sz="2000"/>
+            </a:lvl8pPr>
+            <a:lvl9pPr>
+              <a:defRPr sz="2000"/>
+            </a:lvl9pPr>
           </a:lstStyle>
-          <a:p>
-            <a:r>
-              <a:rPr lang="es-ES" smtClean="0"/>
-              <a:t>Haga clic para modificar el estilo de título del patrón</a:t>
-            </a:r>
-            <a:endParaRPr lang="en-US" dirty="0"/>
-          </a:p>
-        </p:txBody>
-      </p:sp>
-      <p:sp>
-        <p:nvSpPr>
-          <p:cNvPr id="3" name="Content Placeholder 2"/>
-          <p:cNvSpPr>
-            <a:spLocks noGrp="1"/>
-          </p:cNvSpPr>
-          <p:nvPr>
-            <p:ph idx="1"/>
-          </p:nvPr>
-        </p:nvSpPr>
-        <p:spPr>
-          <a:xfrm>
-            <a:off x="4760461" y="514924"/>
-            <a:ext cx="4513541" cy="5526437"/>
-          </a:xfrm>
-        </p:spPr>
-        <p:txBody>
-          <a:bodyPr>
-            <a:normAutofit/>
-          </a:bodyPr>
-          <a:lstStyle/>
           <a:p>
             <a:pPr lvl="0"/>
             <a:r>
@@ -4276,9 +2961,9 @@
           </p:nvPr>
         </p:nvSpPr>
         <p:spPr>
-          <a:xfrm>
-            <a:off x="677334" y="2777069"/>
-            <a:ext cx="3854528" cy="2584449"/>
+          <a:xfrm rot="19140000">
+            <a:off x="1730605" y="2253385"/>
+            <a:ext cx="7726347" cy="623314"/>
           </a:xfrm>
         </p:spPr>
         <p:txBody>
@@ -4288,43 +2973,68 @@
           <a:lstStyle>
             <a:lvl1pPr marL="0" indent="0">
               <a:buNone/>
-              <a:defRPr sz="1400"/>
+              <a:defRPr lang="en-US" sz="1400" b="1" kern="1200" dirty="0" smtClean="0">
+                <a:solidFill>
+                  <a:srgbClr val="FFFFFF"/>
+                </a:solidFill>
+                <a:latin typeface="+mn-lt"/>
+                <a:ea typeface="+mn-ea"/>
+                <a:cs typeface="+mn-cs"/>
+              </a:defRPr>
             </a:lvl1pPr>
-            <a:lvl2pPr marL="457063" indent="0">
-              <a:buNone/>
-              <a:defRPr sz="1400"/>
+            <a:lvl2pPr marL="457200" indent="0">
+              <a:buNone/>
+              <a:defRPr sz="1200"/>
             </a:lvl2pPr>
-            <a:lvl3pPr marL="914126" indent="0">
-              <a:buNone/>
-              <a:defRPr sz="1200"/>
+            <a:lvl3pPr marL="914400" indent="0">
+              <a:buNone/>
+              <a:defRPr sz="1000"/>
             </a:lvl3pPr>
-            <a:lvl4pPr marL="1371189" indent="0">
-              <a:buNone/>
-              <a:defRPr sz="1000"/>
+            <a:lvl4pPr marL="1371600" indent="0">
+              <a:buNone/>
+              <a:defRPr sz="900"/>
             </a:lvl4pPr>
-            <a:lvl5pPr marL="1828251" indent="0">
-              <a:buNone/>
-              <a:defRPr sz="1000"/>
+            <a:lvl5pPr marL="1828800" indent="0">
+              <a:buNone/>
+              <a:defRPr sz="900"/>
             </a:lvl5pPr>
-            <a:lvl6pPr marL="2285314" indent="0">
-              <a:buNone/>
-              <a:defRPr sz="1000"/>
+            <a:lvl6pPr marL="2286000" indent="0">
+              <a:buNone/>
+              <a:defRPr sz="900"/>
             </a:lvl6pPr>
-            <a:lvl7pPr marL="2742377" indent="0">
-              <a:buNone/>
-              <a:defRPr sz="1000"/>
+            <a:lvl7pPr marL="2743200" indent="0">
+              <a:buNone/>
+              <a:defRPr sz="900"/>
             </a:lvl7pPr>
-            <a:lvl8pPr marL="3199440" indent="0">
-              <a:buNone/>
-              <a:defRPr sz="1000"/>
+            <a:lvl8pPr marL="3200400" indent="0">
+              <a:buNone/>
+              <a:defRPr sz="900"/>
             </a:lvl8pPr>
-            <a:lvl9pPr marL="3656503" indent="0">
-              <a:buNone/>
-              <a:defRPr sz="1000"/>
+            <a:lvl9pPr marL="3657600" indent="0">
+              <a:buNone/>
+              <a:defRPr sz="900"/>
             </a:lvl9pPr>
           </a:lstStyle>
           <a:p>
-            <a:pPr lvl="0"/>
+            <a:pPr marL="0" marR="0" lvl="0" indent="0" algn="l" defTabSz="914400" rtl="0" eaLnBrk="1" fontAlgn="auto" latinLnBrk="0" hangingPunct="1">
+              <a:lnSpc>
+                <a:spcPct val="100000"/>
+              </a:lnSpc>
+              <a:spcBef>
+                <a:spcPts val="300"/>
+              </a:spcBef>
+              <a:spcAft>
+                <a:spcPts val="0"/>
+              </a:spcAft>
+              <a:buClr>
+                <a:schemeClr val="accent1"/>
+              </a:buClr>
+              <a:buSzPct val="100000"/>
+              <a:buFont typeface="Arial" pitchFamily="34" charset="0"/>
+              <a:buNone/>
+              <a:tabLst/>
+              <a:defRPr/>
+            </a:pPr>
             <a:r>
               <a:rPr lang="es-ES" smtClean="0"/>
               <a:t>Haga clic para modificar el estilo de texto del patrón</a:t>
@@ -4369,7 +3079,15 @@
         <p:spPr/>
         <p:txBody>
           <a:bodyPr/>
-          <a:lstStyle/>
+          <a:lstStyle>
+            <a:lvl1pPr>
+              <a:defRPr>
+                <a:solidFill>
+                  <a:schemeClr val="tx2"/>
+                </a:solidFill>
+              </a:defRPr>
+            </a:lvl1pPr>
+          </a:lstStyle>
           <a:p>
             <a:endParaRPr lang="es-CL"/>
           </a:p>
@@ -4385,10 +3103,24 @@
             <p:ph type="sldNum" sz="quarter" idx="12"/>
           </p:nvPr>
         </p:nvSpPr>
-        <p:spPr/>
+        <p:spPr>
+          <a:ln>
+            <a:solidFill>
+              <a:schemeClr val="tx2"/>
+            </a:solidFill>
+          </a:ln>
+        </p:spPr>
         <p:txBody>
           <a:bodyPr/>
-          <a:lstStyle/>
+          <a:lstStyle>
+            <a:lvl1pPr>
+              <a:defRPr>
+                <a:solidFill>
+                  <a:schemeClr val="tx2"/>
+                </a:solidFill>
+              </a:defRPr>
+            </a:lvl1pPr>
+          </a:lstStyle>
           <a:p>
             <a:fld id="{541E98F8-2370-44B3-B177-237D8934FAF8}" type="slidenum">
               <a:rPr lang="es-CL" smtClean="0"/>
@@ -4400,11 +3132,6 @@
         </p:txBody>
       </p:sp>
     </p:spTree>
-    <p:extLst>
-      <p:ext uri="{BB962C8B-B14F-4D97-AF65-F5344CB8AC3E}">
-        <p14:creationId xmlns:p14="http://schemas.microsoft.com/office/powerpoint/2010/main" val="2247490160"/>
-      </p:ext>
-    </p:extLst>
   </p:cSld>
   <p:clrMapOvr>
     <a:masterClrMapping/>
@@ -4413,7 +3140,7 @@
 </file>
 
 <file path=ppt/slideLayouts/slideLayout9.xml><?xml version="1.0" encoding="utf-8"?>
-<p:sldLayout xmlns:a="http://schemas.openxmlformats.org/drawingml/2006/main" xmlns:r="http://schemas.openxmlformats.org/officeDocument/2006/relationships" xmlns:p="http://schemas.openxmlformats.org/presentationml/2006/main" type="picTx" preserve="1">
+<p:sldLayout xmlns:a="http://schemas.openxmlformats.org/drawingml/2006/main" xmlns:r="http://schemas.openxmlformats.org/officeDocument/2006/relationships" xmlns:p="http://schemas.openxmlformats.org/presentationml/2006/main" showMasterSp="0" type="picTx" preserve="1">
   <p:cSld name="Imagen con título">
     <p:spTree>
       <p:nvGrpSpPr>
@@ -4431,27 +3158,345 @@
       </p:grpSpPr>
       <p:sp>
         <p:nvSpPr>
-          <p:cNvPr id="2" name="Title 1"/>
-          <p:cNvSpPr>
-            <a:spLocks noGrp="1"/>
-          </p:cNvSpPr>
-          <p:nvPr>
-            <p:ph type="title"/>
+          <p:cNvPr id="11" name="Picture Placeholder 10"/>
+          <p:cNvSpPr>
+            <a:spLocks noGrp="1"/>
+          </p:cNvSpPr>
+          <p:nvPr>
+            <p:ph type="pic" sz="quarter" idx="14"/>
           </p:nvPr>
         </p:nvSpPr>
         <p:spPr>
           <a:xfrm>
-            <a:off x="677334" y="4800600"/>
-            <a:ext cx="8596667" cy="566738"/>
+            <a:off x="2705101" y="0"/>
+            <a:ext cx="9486900" cy="6858000"/>
+          </a:xfrm>
+          <a:custGeom>
+            <a:avLst/>
+            <a:gdLst>
+              <a:gd name="connsiteX0" fmla="*/ 0 w 7104888"/>
+              <a:gd name="connsiteY0" fmla="*/ 0 h 6858000"/>
+              <a:gd name="connsiteX1" fmla="*/ 7104888 w 7104888"/>
+              <a:gd name="connsiteY1" fmla="*/ 0 h 6858000"/>
+              <a:gd name="connsiteX2" fmla="*/ 7104888 w 7104888"/>
+              <a:gd name="connsiteY2" fmla="*/ 6858000 h 6858000"/>
+              <a:gd name="connsiteX3" fmla="*/ 0 w 7104888"/>
+              <a:gd name="connsiteY3" fmla="*/ 6858000 h 6858000"/>
+              <a:gd name="connsiteX4" fmla="*/ 0 w 7104888"/>
+              <a:gd name="connsiteY4" fmla="*/ 0 h 6858000"/>
+              <a:gd name="connsiteX0" fmla="*/ 0 w 7104888"/>
+              <a:gd name="connsiteY0" fmla="*/ 0 h 6858000"/>
+              <a:gd name="connsiteX1" fmla="*/ 5695188 w 7104888"/>
+              <a:gd name="connsiteY1" fmla="*/ 0 h 6858000"/>
+              <a:gd name="connsiteX2" fmla="*/ 7104888 w 7104888"/>
+              <a:gd name="connsiteY2" fmla="*/ 0 h 6858000"/>
+              <a:gd name="connsiteX3" fmla="*/ 7104888 w 7104888"/>
+              <a:gd name="connsiteY3" fmla="*/ 6858000 h 6858000"/>
+              <a:gd name="connsiteX4" fmla="*/ 0 w 7104888"/>
+              <a:gd name="connsiteY4" fmla="*/ 6858000 h 6858000"/>
+              <a:gd name="connsiteX5" fmla="*/ 0 w 7104888"/>
+              <a:gd name="connsiteY5" fmla="*/ 0 h 6858000"/>
+              <a:gd name="connsiteX0" fmla="*/ 10287 w 7115175"/>
+              <a:gd name="connsiteY0" fmla="*/ 0 h 6858000"/>
+              <a:gd name="connsiteX1" fmla="*/ 5705475 w 7115175"/>
+              <a:gd name="connsiteY1" fmla="*/ 0 h 6858000"/>
+              <a:gd name="connsiteX2" fmla="*/ 7115175 w 7115175"/>
+              <a:gd name="connsiteY2" fmla="*/ 0 h 6858000"/>
+              <a:gd name="connsiteX3" fmla="*/ 7115175 w 7115175"/>
+              <a:gd name="connsiteY3" fmla="*/ 6858000 h 6858000"/>
+              <a:gd name="connsiteX4" fmla="*/ 10287 w 7115175"/>
+              <a:gd name="connsiteY4" fmla="*/ 6858000 h 6858000"/>
+              <a:gd name="connsiteX5" fmla="*/ 0 w 7115175"/>
+              <a:gd name="connsiteY5" fmla="*/ 5048250 h 6858000"/>
+              <a:gd name="connsiteX6" fmla="*/ 10287 w 7115175"/>
+              <a:gd name="connsiteY6" fmla="*/ 0 h 6858000"/>
+              <a:gd name="connsiteX0" fmla="*/ 10287 w 7115175"/>
+              <a:gd name="connsiteY0" fmla="*/ 0 h 6858000"/>
+              <a:gd name="connsiteX1" fmla="*/ 5705475 w 7115175"/>
+              <a:gd name="connsiteY1" fmla="*/ 0 h 6858000"/>
+              <a:gd name="connsiteX2" fmla="*/ 7115175 w 7115175"/>
+              <a:gd name="connsiteY2" fmla="*/ 0 h 6858000"/>
+              <a:gd name="connsiteX3" fmla="*/ 7115175 w 7115175"/>
+              <a:gd name="connsiteY3" fmla="*/ 6858000 h 6858000"/>
+              <a:gd name="connsiteX4" fmla="*/ 1533526 w 7115175"/>
+              <a:gd name="connsiteY4" fmla="*/ 6848475 h 6858000"/>
+              <a:gd name="connsiteX5" fmla="*/ 10287 w 7115175"/>
+              <a:gd name="connsiteY5" fmla="*/ 6858000 h 6858000"/>
+              <a:gd name="connsiteX6" fmla="*/ 0 w 7115175"/>
+              <a:gd name="connsiteY6" fmla="*/ 5048250 h 6858000"/>
+              <a:gd name="connsiteX7" fmla="*/ 10287 w 7115175"/>
+              <a:gd name="connsiteY7" fmla="*/ 0 h 6858000"/>
+              <a:gd name="connsiteX0" fmla="*/ 10287 w 7115175"/>
+              <a:gd name="connsiteY0" fmla="*/ 0 h 6858000"/>
+              <a:gd name="connsiteX1" fmla="*/ 5705475 w 7115175"/>
+              <a:gd name="connsiteY1" fmla="*/ 0 h 6858000"/>
+              <a:gd name="connsiteX2" fmla="*/ 7115175 w 7115175"/>
+              <a:gd name="connsiteY2" fmla="*/ 0 h 6858000"/>
+              <a:gd name="connsiteX3" fmla="*/ 7115175 w 7115175"/>
+              <a:gd name="connsiteY3" fmla="*/ 6858000 h 6858000"/>
+              <a:gd name="connsiteX4" fmla="*/ 1533526 w 7115175"/>
+              <a:gd name="connsiteY4" fmla="*/ 6848475 h 6858000"/>
+              <a:gd name="connsiteX5" fmla="*/ 0 w 7115175"/>
+              <a:gd name="connsiteY5" fmla="*/ 5048250 h 6858000"/>
+              <a:gd name="connsiteX6" fmla="*/ 10287 w 7115175"/>
+              <a:gd name="connsiteY6" fmla="*/ 0 h 6858000"/>
+              <a:gd name="connsiteX0" fmla="*/ 0 w 7115175"/>
+              <a:gd name="connsiteY0" fmla="*/ 5048250 h 6858000"/>
+              <a:gd name="connsiteX1" fmla="*/ 5705475 w 7115175"/>
+              <a:gd name="connsiteY1" fmla="*/ 0 h 6858000"/>
+              <a:gd name="connsiteX2" fmla="*/ 7115175 w 7115175"/>
+              <a:gd name="connsiteY2" fmla="*/ 0 h 6858000"/>
+              <a:gd name="connsiteX3" fmla="*/ 7115175 w 7115175"/>
+              <a:gd name="connsiteY3" fmla="*/ 6858000 h 6858000"/>
+              <a:gd name="connsiteX4" fmla="*/ 1533526 w 7115175"/>
+              <a:gd name="connsiteY4" fmla="*/ 6848475 h 6858000"/>
+              <a:gd name="connsiteX5" fmla="*/ 0 w 7115175"/>
+              <a:gd name="connsiteY5" fmla="*/ 5048250 h 6858000"/>
+            </a:gdLst>
+            <a:ahLst/>
+            <a:cxnLst>
+              <a:cxn ang="0">
+                <a:pos x="connsiteX0" y="connsiteY0"/>
+              </a:cxn>
+              <a:cxn ang="0">
+                <a:pos x="connsiteX1" y="connsiteY1"/>
+              </a:cxn>
+              <a:cxn ang="0">
+                <a:pos x="connsiteX2" y="connsiteY2"/>
+              </a:cxn>
+              <a:cxn ang="0">
+                <a:pos x="connsiteX3" y="connsiteY3"/>
+              </a:cxn>
+              <a:cxn ang="0">
+                <a:pos x="connsiteX4" y="connsiteY4"/>
+              </a:cxn>
+              <a:cxn ang="0">
+                <a:pos x="connsiteX5" y="connsiteY5"/>
+              </a:cxn>
+            </a:cxnLst>
+            <a:rect l="l" t="t" r="r" b="b"/>
+            <a:pathLst>
+              <a:path w="7115175" h="6858000">
+                <a:moveTo>
+                  <a:pt x="0" y="5048250"/>
+                </a:moveTo>
+                <a:lnTo>
+                  <a:pt x="5705475" y="0"/>
+                </a:lnTo>
+                <a:lnTo>
+                  <a:pt x="7115175" y="0"/>
+                </a:lnTo>
+                <a:lnTo>
+                  <a:pt x="7115175" y="6858000"/>
+                </a:lnTo>
+                <a:lnTo>
+                  <a:pt x="1533526" y="6848475"/>
+                </a:lnTo>
+                <a:lnTo>
+                  <a:pt x="0" y="5048250"/>
+                </a:lnTo>
+                <a:close/>
+              </a:path>
+            </a:pathLst>
+          </a:custGeom>
+          <a:solidFill>
+            <a:schemeClr val="accent3">
+              <a:alpha val="80000"/>
+            </a:schemeClr>
+          </a:solidFill>
+        </p:spPr>
+        <p:txBody>
+          <a:bodyPr rIns="182880" anchor="ctr"/>
+          <a:lstStyle>
+            <a:lvl1pPr algn="r">
+              <a:defRPr/>
+            </a:lvl1pPr>
+          </a:lstStyle>
+          <a:p>
+            <a:r>
+              <a:rPr lang="es-ES" smtClean="0"/>
+              <a:t>Haga clic en el icono para agregar una imagen</a:t>
+            </a:r>
+            <a:endParaRPr lang="en-US" dirty="0"/>
+          </a:p>
+        </p:txBody>
+      </p:sp>
+      <p:sp>
+        <p:nvSpPr>
+          <p:cNvPr id="9" name="Right Triangle 8"/>
+          <p:cNvSpPr/>
+          <p:nvPr/>
+        </p:nvSpPr>
+        <p:spPr>
+          <a:xfrm>
+            <a:off x="1" y="2647950"/>
+            <a:ext cx="4762500" cy="4210050"/>
+          </a:xfrm>
+          <a:prstGeom prst="rtTriangle">
+            <a:avLst/>
+          </a:prstGeom>
+          <a:solidFill>
+            <a:schemeClr val="accent2"/>
+          </a:solidFill>
+          <a:ln>
+            <a:noFill/>
+          </a:ln>
+        </p:spPr>
+        <p:style>
+          <a:lnRef idx="2">
+            <a:schemeClr val="accent1">
+              <a:shade val="50000"/>
+            </a:schemeClr>
+          </a:lnRef>
+          <a:fillRef idx="1">
+            <a:schemeClr val="accent1"/>
+          </a:fillRef>
+          <a:effectRef idx="0">
+            <a:schemeClr val="accent1"/>
+          </a:effectRef>
+          <a:fontRef idx="minor">
+            <a:schemeClr val="lt1"/>
+          </a:fontRef>
+        </p:style>
+        <p:txBody>
+          <a:bodyPr rtlCol="0" anchor="ctr"/>
+          <a:lstStyle/>
+          <a:p>
+            <a:pPr algn="ctr"/>
+            <a:endParaRPr lang="en-US"/>
+          </a:p>
+        </p:txBody>
+      </p:sp>
+      <p:sp>
+        <p:nvSpPr>
+          <p:cNvPr id="10" name="Freeform 9"/>
+          <p:cNvSpPr/>
+          <p:nvPr/>
+        </p:nvSpPr>
+        <p:spPr>
+          <a:xfrm>
+            <a:off x="1" y="5048250"/>
+            <a:ext cx="4762500" cy="1809750"/>
+          </a:xfrm>
+          <a:custGeom>
+            <a:avLst/>
+            <a:gdLst>
+              <a:gd name="connsiteX0" fmla="*/ 0 w 3571875"/>
+              <a:gd name="connsiteY0" fmla="*/ 4210050 h 4210050"/>
+              <a:gd name="connsiteX1" fmla="*/ 0 w 3571875"/>
+              <a:gd name="connsiteY1" fmla="*/ 0 h 4210050"/>
+              <a:gd name="connsiteX2" fmla="*/ 3571875 w 3571875"/>
+              <a:gd name="connsiteY2" fmla="*/ 4210050 h 4210050"/>
+              <a:gd name="connsiteX3" fmla="*/ 0 w 3571875"/>
+              <a:gd name="connsiteY3" fmla="*/ 4210050 h 4210050"/>
+              <a:gd name="connsiteX0" fmla="*/ 0 w 3571875"/>
+              <a:gd name="connsiteY0" fmla="*/ 1809750 h 1809750"/>
+              <a:gd name="connsiteX1" fmla="*/ 1895475 w 3571875"/>
+              <a:gd name="connsiteY1" fmla="*/ 0 h 1809750"/>
+              <a:gd name="connsiteX2" fmla="*/ 3571875 w 3571875"/>
+              <a:gd name="connsiteY2" fmla="*/ 1809750 h 1809750"/>
+              <a:gd name="connsiteX3" fmla="*/ 0 w 3571875"/>
+              <a:gd name="connsiteY3" fmla="*/ 1809750 h 1809750"/>
+              <a:gd name="connsiteX0" fmla="*/ 0 w 3571875"/>
+              <a:gd name="connsiteY0" fmla="*/ 1809750 h 1809750"/>
+              <a:gd name="connsiteX1" fmla="*/ 2038350 w 3571875"/>
+              <a:gd name="connsiteY1" fmla="*/ 0 h 1809750"/>
+              <a:gd name="connsiteX2" fmla="*/ 3571875 w 3571875"/>
+              <a:gd name="connsiteY2" fmla="*/ 1809750 h 1809750"/>
+              <a:gd name="connsiteX3" fmla="*/ 0 w 3571875"/>
+              <a:gd name="connsiteY3" fmla="*/ 1809750 h 1809750"/>
+            </a:gdLst>
+            <a:ahLst/>
+            <a:cxnLst>
+              <a:cxn ang="0">
+                <a:pos x="connsiteX0" y="connsiteY0"/>
+              </a:cxn>
+              <a:cxn ang="0">
+                <a:pos x="connsiteX1" y="connsiteY1"/>
+              </a:cxn>
+              <a:cxn ang="0">
+                <a:pos x="connsiteX2" y="connsiteY2"/>
+              </a:cxn>
+              <a:cxn ang="0">
+                <a:pos x="connsiteX3" y="connsiteY3"/>
+              </a:cxn>
+            </a:cxnLst>
+            <a:rect l="l" t="t" r="r" b="b"/>
+            <a:pathLst>
+              <a:path w="3571875" h="1809750">
+                <a:moveTo>
+                  <a:pt x="0" y="1809750"/>
+                </a:moveTo>
+                <a:lnTo>
+                  <a:pt x="2038350" y="0"/>
+                </a:lnTo>
+                <a:lnTo>
+                  <a:pt x="3571875" y="1809750"/>
+                </a:lnTo>
+                <a:lnTo>
+                  <a:pt x="0" y="1809750"/>
+                </a:lnTo>
+                <a:close/>
+              </a:path>
+            </a:pathLst>
+          </a:custGeom>
+          <a:solidFill>
+            <a:schemeClr val="accent3">
+              <a:alpha val="80000"/>
+            </a:schemeClr>
+          </a:solidFill>
+          <a:ln>
+            <a:noFill/>
+          </a:ln>
+        </p:spPr>
+        <p:style>
+          <a:lnRef idx="2">
+            <a:schemeClr val="accent1">
+              <a:shade val="50000"/>
+            </a:schemeClr>
+          </a:lnRef>
+          <a:fillRef idx="1">
+            <a:schemeClr val="accent1"/>
+          </a:fillRef>
+          <a:effectRef idx="0">
+            <a:schemeClr val="accent1"/>
+          </a:effectRef>
+          <a:fontRef idx="minor">
+            <a:schemeClr val="lt1"/>
+          </a:fontRef>
+        </p:style>
+        <p:txBody>
+          <a:bodyPr rtlCol="0" anchor="ctr"/>
+          <a:lstStyle/>
+          <a:p>
+            <a:pPr algn="ctr"/>
+            <a:endParaRPr lang="en-US"/>
+          </a:p>
+        </p:txBody>
+      </p:sp>
+      <p:sp>
+        <p:nvSpPr>
+          <p:cNvPr id="2" name="Title 1"/>
+          <p:cNvSpPr>
+            <a:spLocks noGrp="1"/>
+          </p:cNvSpPr>
+          <p:nvPr>
+            <p:ph type="title"/>
+          </p:nvPr>
+        </p:nvSpPr>
+        <p:spPr>
+          <a:xfrm rot="19140000">
+            <a:off x="894929" y="1717501"/>
+            <a:ext cx="7315200" cy="867444"/>
           </a:xfrm>
         </p:spPr>
         <p:txBody>
-          <a:bodyPr anchor="b">
-            <a:normAutofit/>
-          </a:bodyPr>
+          <a:bodyPr anchor="b"/>
           <a:lstStyle>
             <a:lvl1pPr algn="l">
-              <a:defRPr sz="2400" b="0"/>
+              <a:defRPr sz="2800" b="0">
+                <a:latin typeface="+mj-lt"/>
+              </a:defRPr>
             </a:lvl1pPr>
           </a:lstStyle>
           <a:p>
@@ -4465,95 +3510,30 @@
       </p:sp>
       <p:sp>
         <p:nvSpPr>
-          <p:cNvPr id="3" name="Picture Placeholder 2"/>
-          <p:cNvSpPr>
-            <a:spLocks noGrp="1" noChangeAspect="1"/>
-          </p:cNvSpPr>
-          <p:nvPr>
-            <p:ph type="pic" idx="1"/>
+          <p:cNvPr id="4" name="Text Placeholder 3"/>
+          <p:cNvSpPr>
+            <a:spLocks noGrp="1"/>
+          </p:cNvSpPr>
+          <p:nvPr>
+            <p:ph type="body" sz="half" idx="2"/>
           </p:nvPr>
         </p:nvSpPr>
         <p:spPr>
-          <a:xfrm>
-            <a:off x="677334" y="609600"/>
-            <a:ext cx="8596668" cy="3845718"/>
+          <a:xfrm rot="19140000">
+            <a:off x="1524639" y="2180529"/>
+            <a:ext cx="8128727" cy="740664"/>
           </a:xfrm>
         </p:spPr>
         <p:txBody>
-          <a:bodyPr anchor="t">
-            <a:normAutofit/>
-          </a:bodyPr>
-          <a:lstStyle>
-            <a:lvl1pPr marL="0" indent="0" algn="ctr">
-              <a:buNone/>
-              <a:defRPr sz="1600"/>
-            </a:lvl1pPr>
-            <a:lvl2pPr marL="457200" indent="0">
-              <a:buNone/>
-              <a:defRPr sz="1600"/>
-            </a:lvl2pPr>
-            <a:lvl3pPr marL="914400" indent="0">
-              <a:buNone/>
-              <a:defRPr sz="1600"/>
-            </a:lvl3pPr>
-            <a:lvl4pPr marL="1371600" indent="0">
-              <a:buNone/>
-              <a:defRPr sz="1600"/>
-            </a:lvl4pPr>
-            <a:lvl5pPr marL="1828800" indent="0">
-              <a:buNone/>
-              <a:defRPr sz="1600"/>
-            </a:lvl5pPr>
-            <a:lvl6pPr marL="2286000" indent="0">
-              <a:buNone/>
-              <a:defRPr sz="1600"/>
-            </a:lvl6pPr>
-            <a:lvl7pPr marL="2743200" indent="0">
-              <a:buNone/>
-              <a:defRPr sz="1600"/>
-            </a:lvl7pPr>
-            <a:lvl8pPr marL="3200400" indent="0">
-              <a:buNone/>
-              <a:defRPr sz="1600"/>
-            </a:lvl8pPr>
-            <a:lvl9pPr marL="3657600" indent="0">
-              <a:buNone/>
-              <a:defRPr sz="1600"/>
-            </a:lvl9pPr>
-          </a:lstStyle>
-          <a:p>
-            <a:r>
-              <a:rPr lang="es-ES" smtClean="0"/>
-              <a:t>Haga clic en el icono para agregar una imagen</a:t>
-            </a:r>
-            <a:endParaRPr lang="en-US" dirty="0"/>
-          </a:p>
-        </p:txBody>
-      </p:sp>
-      <p:sp>
-        <p:nvSpPr>
-          <p:cNvPr id="4" name="Text Placeholder 3"/>
-          <p:cNvSpPr>
-            <a:spLocks noGrp="1"/>
-          </p:cNvSpPr>
-          <p:nvPr>
-            <p:ph type="body" sz="half" idx="2"/>
-          </p:nvPr>
-        </p:nvSpPr>
-        <p:spPr>
-          <a:xfrm>
-            <a:off x="677334" y="5367338"/>
-            <a:ext cx="8596667" cy="674024"/>
-          </a:xfrm>
-        </p:spPr>
-        <p:txBody>
-          <a:bodyPr>
-            <a:normAutofit/>
-          </a:bodyPr>
+          <a:bodyPr/>
           <a:lstStyle>
             <a:lvl1pPr marL="0" indent="0">
               <a:buNone/>
-              <a:defRPr sz="1200"/>
+              <a:defRPr sz="1400">
+                <a:solidFill>
+                  <a:schemeClr val="tx2"/>
+                </a:solidFill>
+              </a:defRPr>
             </a:lvl1pPr>
             <a:lvl2pPr marL="457200" indent="0">
               <a:buNone/>
@@ -4665,11 +3645,6 @@
         </p:txBody>
       </p:sp>
     </p:spTree>
-    <p:extLst>
-      <p:ext uri="{BB962C8B-B14F-4D97-AF65-F5344CB8AC3E}">
-        <p14:creationId xmlns:p14="http://schemas.microsoft.com/office/powerpoint/2010/main" val="1451200591"/>
-      </p:ext>
-    </p:extLst>
   </p:cSld>
   <p:clrMapOvr>
     <a:masterClrMapping/>
@@ -4699,558 +3674,662 @@
           <a:chExt cx="0" cy="0"/>
         </a:xfrm>
       </p:grpSpPr>
-      <p:grpSp>
-        <p:nvGrpSpPr>
-          <p:cNvPr id="7" name="Group 6"/>
-          <p:cNvGrpSpPr/>
+      <p:sp>
+        <p:nvSpPr>
+          <p:cNvPr id="7" name="Freeform 6"/>
+          <p:cNvSpPr/>
           <p:nvPr/>
-        </p:nvGrpSpPr>
-        <p:grpSpPr>
-          <a:xfrm>
-            <a:off x="0" y="-8467"/>
-            <a:ext cx="12192000" cy="6866467"/>
-            <a:chOff x="0" y="-8467"/>
-            <a:chExt cx="12192000" cy="6866467"/>
-          </a:xfrm>
-        </p:grpSpPr>
-        <p:cxnSp>
-          <p:nvCxnSpPr>
-            <p:cNvPr id="20" name="Straight Connector 19"/>
-            <p:cNvCxnSpPr/>
-            <p:nvPr/>
-          </p:nvCxnSpPr>
-          <p:spPr>
-            <a:xfrm>
-              <a:off x="9371012" y="0"/>
-              <a:ext cx="1219200" cy="6858000"/>
-            </a:xfrm>
-            <a:prstGeom prst="line">
-              <a:avLst/>
-            </a:prstGeom>
-            <a:ln w="9525">
-              <a:solidFill>
-                <a:schemeClr val="bg1">
-                  <a:lumMod val="75000"/>
-                </a:schemeClr>
-              </a:solidFill>
-            </a:ln>
-          </p:spPr>
-          <p:style>
-            <a:lnRef idx="2">
-              <a:schemeClr val="accent1"/>
-            </a:lnRef>
-            <a:fillRef idx="0">
-              <a:schemeClr val="accent1"/>
-            </a:fillRef>
-            <a:effectRef idx="1">
-              <a:schemeClr val="accent1"/>
-            </a:effectRef>
-            <a:fontRef idx="minor">
-              <a:schemeClr val="tx1"/>
-            </a:fontRef>
-          </p:style>
-        </p:cxnSp>
-        <p:cxnSp>
-          <p:nvCxnSpPr>
-            <p:cNvPr id="21" name="Straight Connector 20"/>
-            <p:cNvCxnSpPr/>
-            <p:nvPr/>
-          </p:nvCxnSpPr>
-          <p:spPr>
-            <a:xfrm flipH="1">
-              <a:off x="7425267" y="3681413"/>
-              <a:ext cx="4763558" cy="3176587"/>
-            </a:xfrm>
-            <a:prstGeom prst="line">
-              <a:avLst/>
-            </a:prstGeom>
-            <a:ln w="9525">
-              <a:solidFill>
-                <a:schemeClr val="bg1">
-                  <a:lumMod val="85000"/>
-                </a:schemeClr>
-              </a:solidFill>
-            </a:ln>
-          </p:spPr>
-          <p:style>
-            <a:lnRef idx="2">
-              <a:schemeClr val="accent1"/>
-            </a:lnRef>
-            <a:fillRef idx="0">
-              <a:schemeClr val="accent1"/>
-            </a:fillRef>
-            <a:effectRef idx="1">
-              <a:schemeClr val="accent1"/>
-            </a:effectRef>
-            <a:fontRef idx="minor">
-              <a:schemeClr val="tx1"/>
-            </a:fontRef>
-          </p:style>
-        </p:cxnSp>
-        <p:sp>
-          <p:nvSpPr>
-            <p:cNvPr id="22" name="Rectangle 23"/>
-            <p:cNvSpPr/>
-            <p:nvPr/>
-          </p:nvSpPr>
-          <p:spPr>
-            <a:xfrm>
-              <a:off x="9181476" y="-8467"/>
-              <a:ext cx="3007349" cy="6866467"/>
-            </a:xfrm>
-            <a:custGeom>
-              <a:avLst/>
-              <a:gdLst/>
-              <a:ahLst/>
-              <a:cxnLst/>
-              <a:rect l="l" t="t" r="r" b="b"/>
-              <a:pathLst>
-                <a:path w="3007349" h="6866467">
-                  <a:moveTo>
-                    <a:pt x="2045532" y="0"/>
-                  </a:moveTo>
-                  <a:lnTo>
-                    <a:pt x="3007349" y="0"/>
-                  </a:lnTo>
-                  <a:lnTo>
-                    <a:pt x="3007349" y="6866467"/>
-                  </a:lnTo>
-                  <a:lnTo>
-                    <a:pt x="0" y="6866467"/>
-                  </a:lnTo>
-                  <a:lnTo>
-                    <a:pt x="2045532" y="0"/>
-                  </a:lnTo>
-                  <a:close/>
-                </a:path>
-              </a:pathLst>
-            </a:custGeom>
-            <a:solidFill>
-              <a:schemeClr val="accent1">
-                <a:alpha val="30000"/>
-              </a:schemeClr>
-            </a:solidFill>
-            <a:ln>
-              <a:noFill/>
-            </a:ln>
-            <a:effectLst/>
-          </p:spPr>
-          <p:style>
-            <a:lnRef idx="1">
-              <a:schemeClr val="accent1"/>
-            </a:lnRef>
-            <a:fillRef idx="3">
-              <a:schemeClr val="accent1"/>
-            </a:fillRef>
-            <a:effectRef idx="2">
-              <a:schemeClr val="accent1"/>
-            </a:effectRef>
-            <a:fontRef idx="minor">
-              <a:schemeClr val="lt1"/>
-            </a:fontRef>
-          </p:style>
-        </p:sp>
-        <p:sp>
-          <p:nvSpPr>
-            <p:cNvPr id="23" name="Rectangle 25"/>
-            <p:cNvSpPr/>
-            <p:nvPr/>
-          </p:nvSpPr>
-          <p:spPr>
-            <a:xfrm>
-              <a:off x="9603442" y="-8467"/>
-              <a:ext cx="2588558" cy="6866467"/>
-            </a:xfrm>
-            <a:custGeom>
-              <a:avLst/>
-              <a:gdLst/>
-              <a:ahLst/>
-              <a:cxnLst/>
-              <a:rect l="l" t="t" r="r" b="b"/>
-              <a:pathLst>
-                <a:path w="2573311" h="6866467">
-                  <a:moveTo>
-                    <a:pt x="0" y="0"/>
-                  </a:moveTo>
-                  <a:lnTo>
-                    <a:pt x="2573311" y="0"/>
-                  </a:lnTo>
-                  <a:lnTo>
-                    <a:pt x="2573311" y="6866467"/>
-                  </a:lnTo>
-                  <a:lnTo>
-                    <a:pt x="1202336" y="6866467"/>
-                  </a:lnTo>
-                  <a:lnTo>
-                    <a:pt x="0" y="0"/>
-                  </a:lnTo>
-                  <a:close/>
-                </a:path>
-              </a:pathLst>
-            </a:custGeom>
-            <a:solidFill>
-              <a:schemeClr val="accent1">
-                <a:alpha val="20000"/>
-              </a:schemeClr>
-            </a:solidFill>
-            <a:ln>
-              <a:noFill/>
-            </a:ln>
-            <a:effectLst/>
-          </p:spPr>
-          <p:style>
-            <a:lnRef idx="1">
-              <a:schemeClr val="accent1"/>
-            </a:lnRef>
-            <a:fillRef idx="3">
-              <a:schemeClr val="accent1"/>
-            </a:fillRef>
-            <a:effectRef idx="2">
-              <a:schemeClr val="accent1"/>
-            </a:effectRef>
-            <a:fontRef idx="minor">
-              <a:schemeClr val="lt1"/>
-            </a:fontRef>
-          </p:style>
-        </p:sp>
-        <p:sp>
-          <p:nvSpPr>
-            <p:cNvPr id="24" name="Isosceles Triangle 23"/>
-            <p:cNvSpPr/>
-            <p:nvPr/>
-          </p:nvSpPr>
-          <p:spPr>
-            <a:xfrm>
-              <a:off x="8932333" y="3048000"/>
-              <a:ext cx="3259667" cy="3810000"/>
-            </a:xfrm>
-            <a:prstGeom prst="triangle">
-              <a:avLst>
-                <a:gd name="adj" fmla="val 100000"/>
-              </a:avLst>
-            </a:prstGeom>
-            <a:solidFill>
-              <a:schemeClr val="accent2">
-                <a:alpha val="72000"/>
-              </a:schemeClr>
-            </a:solidFill>
-            <a:ln>
-              <a:noFill/>
-            </a:ln>
-            <a:effectLst/>
-          </p:spPr>
-          <p:style>
-            <a:lnRef idx="1">
-              <a:schemeClr val="accent1"/>
-            </a:lnRef>
-            <a:fillRef idx="3">
-              <a:schemeClr val="accent1"/>
-            </a:fillRef>
-            <a:effectRef idx="2">
-              <a:schemeClr val="accent1"/>
-            </a:effectRef>
-            <a:fontRef idx="minor">
-              <a:schemeClr val="lt1"/>
-            </a:fontRef>
-          </p:style>
-        </p:sp>
-        <p:sp>
-          <p:nvSpPr>
-            <p:cNvPr id="25" name="Rectangle 27"/>
-            <p:cNvSpPr/>
-            <p:nvPr/>
-          </p:nvSpPr>
-          <p:spPr>
-            <a:xfrm>
-              <a:off x="9334500" y="-8467"/>
-              <a:ext cx="2854326" cy="6866467"/>
-            </a:xfrm>
-            <a:custGeom>
-              <a:avLst/>
-              <a:gdLst/>
-              <a:ahLst/>
-              <a:cxnLst/>
-              <a:rect l="l" t="t" r="r" b="b"/>
-              <a:pathLst>
-                <a:path w="2858013" h="6866467">
-                  <a:moveTo>
-                    <a:pt x="0" y="0"/>
-                  </a:moveTo>
-                  <a:lnTo>
-                    <a:pt x="2858013" y="0"/>
-                  </a:lnTo>
-                  <a:lnTo>
-                    <a:pt x="2858013" y="6866467"/>
-                  </a:lnTo>
-                  <a:lnTo>
-                    <a:pt x="2473942" y="6866467"/>
-                  </a:lnTo>
-                  <a:lnTo>
-                    <a:pt x="0" y="0"/>
-                  </a:lnTo>
-                  <a:close/>
-                </a:path>
-              </a:pathLst>
-            </a:custGeom>
-            <a:solidFill>
-              <a:schemeClr val="accent2">
-                <a:lumMod val="75000"/>
-                <a:alpha val="70000"/>
-              </a:schemeClr>
-            </a:solidFill>
-            <a:ln>
-              <a:noFill/>
-            </a:ln>
-            <a:effectLst/>
-          </p:spPr>
-          <p:style>
-            <a:lnRef idx="1">
-              <a:schemeClr val="accent1"/>
-            </a:lnRef>
-            <a:fillRef idx="3">
-              <a:schemeClr val="accent1"/>
-            </a:fillRef>
-            <a:effectRef idx="2">
-              <a:schemeClr val="accent1"/>
-            </a:effectRef>
-            <a:fontRef idx="minor">
-              <a:schemeClr val="lt1"/>
-            </a:fontRef>
-          </p:style>
-        </p:sp>
-        <p:sp>
-          <p:nvSpPr>
-            <p:cNvPr id="26" name="Rectangle 28"/>
-            <p:cNvSpPr/>
-            <p:nvPr/>
-          </p:nvSpPr>
-          <p:spPr>
-            <a:xfrm>
-              <a:off x="10898730" y="-8467"/>
-              <a:ext cx="1290094" cy="6866467"/>
-            </a:xfrm>
-            <a:custGeom>
-              <a:avLst/>
-              <a:gdLst/>
-              <a:ahLst/>
-              <a:cxnLst/>
-              <a:rect l="l" t="t" r="r" b="b"/>
-              <a:pathLst>
-                <a:path w="1290094" h="6858000">
-                  <a:moveTo>
-                    <a:pt x="1019735" y="0"/>
-                  </a:moveTo>
-                  <a:lnTo>
-                    <a:pt x="1290094" y="0"/>
-                  </a:lnTo>
-                  <a:lnTo>
-                    <a:pt x="1290094" y="6858000"/>
-                  </a:lnTo>
-                  <a:lnTo>
-                    <a:pt x="0" y="6858000"/>
-                  </a:lnTo>
-                  <a:lnTo>
-                    <a:pt x="1019735" y="0"/>
-                  </a:lnTo>
-                  <a:close/>
-                </a:path>
-              </a:pathLst>
-            </a:custGeom>
-            <a:solidFill>
-              <a:schemeClr val="accent1">
-                <a:lumMod val="60000"/>
-                <a:lumOff val="40000"/>
-                <a:alpha val="70000"/>
-              </a:schemeClr>
-            </a:solidFill>
-            <a:ln>
-              <a:noFill/>
-            </a:ln>
-            <a:effectLst/>
-          </p:spPr>
-          <p:style>
-            <a:lnRef idx="1">
-              <a:schemeClr val="accent1"/>
-            </a:lnRef>
-            <a:fillRef idx="3">
-              <a:schemeClr val="accent1"/>
-            </a:fillRef>
-            <a:effectRef idx="2">
-              <a:schemeClr val="accent1"/>
-            </a:effectRef>
-            <a:fontRef idx="minor">
-              <a:schemeClr val="lt1"/>
-            </a:fontRef>
-          </p:style>
-        </p:sp>
-        <p:sp>
-          <p:nvSpPr>
-            <p:cNvPr id="27" name="Rectangle 29"/>
-            <p:cNvSpPr/>
-            <p:nvPr/>
-          </p:nvSpPr>
-          <p:spPr>
-            <a:xfrm>
-              <a:off x="10938999" y="-8467"/>
-              <a:ext cx="1249825" cy="6866467"/>
-            </a:xfrm>
-            <a:custGeom>
-              <a:avLst/>
-              <a:gdLst/>
-              <a:ahLst/>
-              <a:cxnLst/>
-              <a:rect l="l" t="t" r="r" b="b"/>
-              <a:pathLst>
-                <a:path w="1249825" h="6858000">
-                  <a:moveTo>
-                    <a:pt x="0" y="0"/>
-                  </a:moveTo>
-                  <a:lnTo>
-                    <a:pt x="1249825" y="0"/>
-                  </a:lnTo>
-                  <a:lnTo>
-                    <a:pt x="1249825" y="6858000"/>
-                  </a:lnTo>
-                  <a:lnTo>
-                    <a:pt x="1109382" y="6858000"/>
-                  </a:lnTo>
-                  <a:lnTo>
-                    <a:pt x="0" y="0"/>
-                  </a:lnTo>
-                  <a:close/>
-                </a:path>
-              </a:pathLst>
-            </a:custGeom>
-            <a:solidFill>
-              <a:schemeClr val="accent1">
-                <a:alpha val="65000"/>
-              </a:schemeClr>
-            </a:solidFill>
-            <a:ln>
-              <a:noFill/>
-            </a:ln>
-            <a:effectLst/>
-          </p:spPr>
-          <p:style>
-            <a:lnRef idx="1">
-              <a:schemeClr val="accent1"/>
-            </a:lnRef>
-            <a:fillRef idx="3">
-              <a:schemeClr val="accent1"/>
-            </a:fillRef>
-            <a:effectRef idx="2">
-              <a:schemeClr val="accent1"/>
-            </a:effectRef>
-            <a:fontRef idx="minor">
-              <a:schemeClr val="lt1"/>
-            </a:fontRef>
-          </p:style>
-        </p:sp>
-        <p:sp>
-          <p:nvSpPr>
-            <p:cNvPr id="28" name="Isosceles Triangle 27"/>
-            <p:cNvSpPr/>
-            <p:nvPr/>
-          </p:nvSpPr>
-          <p:spPr>
-            <a:xfrm>
-              <a:off x="10371666" y="3589867"/>
-              <a:ext cx="1817159" cy="3268133"/>
-            </a:xfrm>
-            <a:prstGeom prst="triangle">
-              <a:avLst>
-                <a:gd name="adj" fmla="val 100000"/>
-              </a:avLst>
-            </a:prstGeom>
-            <a:solidFill>
-              <a:schemeClr val="accent1">
-                <a:alpha val="80000"/>
-              </a:schemeClr>
-            </a:solidFill>
-            <a:ln>
-              <a:noFill/>
-            </a:ln>
-            <a:effectLst/>
-          </p:spPr>
-          <p:style>
-            <a:lnRef idx="1">
-              <a:schemeClr val="accent1"/>
-            </a:lnRef>
-            <a:fillRef idx="3">
-              <a:schemeClr val="accent1"/>
-            </a:fillRef>
-            <a:effectRef idx="2">
-              <a:schemeClr val="accent1"/>
-            </a:effectRef>
-            <a:fontRef idx="minor">
-              <a:schemeClr val="lt1"/>
-            </a:fontRef>
-          </p:style>
-        </p:sp>
-        <p:sp>
-          <p:nvSpPr>
-            <p:cNvPr id="29" name="Isosceles Triangle 28"/>
-            <p:cNvSpPr/>
-            <p:nvPr/>
-          </p:nvSpPr>
-          <p:spPr>
-            <a:xfrm>
-              <a:off x="0" y="4013200"/>
-              <a:ext cx="448733" cy="2844800"/>
-            </a:xfrm>
-            <a:prstGeom prst="triangle">
-              <a:avLst>
-                <a:gd name="adj" fmla="val 0"/>
-              </a:avLst>
-            </a:prstGeom>
-            <a:solidFill>
-              <a:schemeClr val="accent1">
-                <a:alpha val="85000"/>
-              </a:schemeClr>
-            </a:solidFill>
-            <a:ln>
-              <a:noFill/>
-            </a:ln>
-            <a:effectLst/>
-          </p:spPr>
-          <p:style>
-            <a:lnRef idx="1">
-              <a:schemeClr val="accent1"/>
-            </a:lnRef>
-            <a:fillRef idx="3">
-              <a:schemeClr val="accent1"/>
-            </a:fillRef>
-            <a:effectRef idx="2">
-              <a:schemeClr val="accent1"/>
-            </a:effectRef>
-            <a:fontRef idx="minor">
-              <a:schemeClr val="lt1"/>
-            </a:fontRef>
-          </p:style>
-        </p:sp>
-      </p:grpSp>
-      <p:sp>
-        <p:nvSpPr>
-          <p:cNvPr id="2" name="Title Placeholder 1"/>
-          <p:cNvSpPr>
-            <a:spLocks noGrp="1"/>
-          </p:cNvSpPr>
-          <p:nvPr>
-            <p:ph type="title"/>
-          </p:nvPr>
         </p:nvSpPr>
         <p:spPr>
           <a:xfrm>
-            <a:off x="677334" y="609600"/>
-            <a:ext cx="8596668" cy="1320800"/>
+            <a:off x="-3175" y="5050633"/>
+            <a:ext cx="4765676" cy="1807368"/>
+          </a:xfrm>
+          <a:custGeom>
+            <a:avLst/>
+            <a:gdLst>
+              <a:gd name="connsiteX0" fmla="*/ 0 w 3571875"/>
+              <a:gd name="connsiteY0" fmla="*/ 4210050 h 4210050"/>
+              <a:gd name="connsiteX1" fmla="*/ 0 w 3571875"/>
+              <a:gd name="connsiteY1" fmla="*/ 0 h 4210050"/>
+              <a:gd name="connsiteX2" fmla="*/ 3571875 w 3571875"/>
+              <a:gd name="connsiteY2" fmla="*/ 4210050 h 4210050"/>
+              <a:gd name="connsiteX3" fmla="*/ 0 w 3571875"/>
+              <a:gd name="connsiteY3" fmla="*/ 4210050 h 4210050"/>
+              <a:gd name="connsiteX0" fmla="*/ 0 w 3571875"/>
+              <a:gd name="connsiteY0" fmla="*/ 4210050 h 4210050"/>
+              <a:gd name="connsiteX1" fmla="*/ 0 w 3571875"/>
+              <a:gd name="connsiteY1" fmla="*/ 0 h 4210050"/>
+              <a:gd name="connsiteX2" fmla="*/ 2028825 w 3571875"/>
+              <a:gd name="connsiteY2" fmla="*/ 2388394 h 4210050"/>
+              <a:gd name="connsiteX3" fmla="*/ 3571875 w 3571875"/>
+              <a:gd name="connsiteY3" fmla="*/ 4210050 h 4210050"/>
+              <a:gd name="connsiteX4" fmla="*/ 0 w 3571875"/>
+              <a:gd name="connsiteY4" fmla="*/ 4210050 h 4210050"/>
+              <a:gd name="connsiteX0" fmla="*/ 0 w 3571875"/>
+              <a:gd name="connsiteY0" fmla="*/ 4210050 h 4210050"/>
+              <a:gd name="connsiteX1" fmla="*/ 0 w 3571875"/>
+              <a:gd name="connsiteY1" fmla="*/ 0 h 4210050"/>
+              <a:gd name="connsiteX2" fmla="*/ 2028825 w 3571875"/>
+              <a:gd name="connsiteY2" fmla="*/ 2205038 h 4210050"/>
+              <a:gd name="connsiteX3" fmla="*/ 3571875 w 3571875"/>
+              <a:gd name="connsiteY3" fmla="*/ 4210050 h 4210050"/>
+              <a:gd name="connsiteX4" fmla="*/ 0 w 3571875"/>
+              <a:gd name="connsiteY4" fmla="*/ 4210050 h 4210050"/>
+              <a:gd name="connsiteX0" fmla="*/ 0 w 3571875"/>
+              <a:gd name="connsiteY0" fmla="*/ 4210050 h 4210050"/>
+              <a:gd name="connsiteX1" fmla="*/ 0 w 3571875"/>
+              <a:gd name="connsiteY1" fmla="*/ 0 h 4210050"/>
+              <a:gd name="connsiteX2" fmla="*/ 2028825 w 3571875"/>
+              <a:gd name="connsiteY2" fmla="*/ 2393157 h 4210050"/>
+              <a:gd name="connsiteX3" fmla="*/ 3571875 w 3571875"/>
+              <a:gd name="connsiteY3" fmla="*/ 4210050 h 4210050"/>
+              <a:gd name="connsiteX4" fmla="*/ 0 w 3571875"/>
+              <a:gd name="connsiteY4" fmla="*/ 4210050 h 4210050"/>
+              <a:gd name="connsiteX0" fmla="*/ 0 w 3571875"/>
+              <a:gd name="connsiteY0" fmla="*/ 4210050 h 4210050"/>
+              <a:gd name="connsiteX1" fmla="*/ 0 w 3571875"/>
+              <a:gd name="connsiteY1" fmla="*/ 0 h 4210050"/>
+              <a:gd name="connsiteX2" fmla="*/ 2028825 w 3571875"/>
+              <a:gd name="connsiteY2" fmla="*/ 2393157 h 4210050"/>
+              <a:gd name="connsiteX3" fmla="*/ 3571875 w 3571875"/>
+              <a:gd name="connsiteY3" fmla="*/ 4210050 h 4210050"/>
+              <a:gd name="connsiteX4" fmla="*/ 0 w 3571875"/>
+              <a:gd name="connsiteY4" fmla="*/ 4210050 h 4210050"/>
+              <a:gd name="connsiteX0" fmla="*/ 0 w 3571875"/>
+              <a:gd name="connsiteY0" fmla="*/ 4210050 h 4210050"/>
+              <a:gd name="connsiteX1" fmla="*/ 0 w 3571875"/>
+              <a:gd name="connsiteY1" fmla="*/ 0 h 4210050"/>
+              <a:gd name="connsiteX2" fmla="*/ 2028825 w 3571875"/>
+              <a:gd name="connsiteY2" fmla="*/ 2281238 h 4210050"/>
+              <a:gd name="connsiteX3" fmla="*/ 3571875 w 3571875"/>
+              <a:gd name="connsiteY3" fmla="*/ 4210050 h 4210050"/>
+              <a:gd name="connsiteX4" fmla="*/ 0 w 3571875"/>
+              <a:gd name="connsiteY4" fmla="*/ 4210050 h 4210050"/>
+              <a:gd name="connsiteX0" fmla="*/ 0 w 3571875"/>
+              <a:gd name="connsiteY0" fmla="*/ 4210050 h 4210050"/>
+              <a:gd name="connsiteX1" fmla="*/ 0 w 3571875"/>
+              <a:gd name="connsiteY1" fmla="*/ 0 h 4210050"/>
+              <a:gd name="connsiteX2" fmla="*/ 2028825 w 3571875"/>
+              <a:gd name="connsiteY2" fmla="*/ 2393157 h 4210050"/>
+              <a:gd name="connsiteX3" fmla="*/ 3571875 w 3571875"/>
+              <a:gd name="connsiteY3" fmla="*/ 4210050 h 4210050"/>
+              <a:gd name="connsiteX4" fmla="*/ 0 w 3571875"/>
+              <a:gd name="connsiteY4" fmla="*/ 4210050 h 4210050"/>
+              <a:gd name="connsiteX0" fmla="*/ 0 w 3571875"/>
+              <a:gd name="connsiteY0" fmla="*/ 4210050 h 4210050"/>
+              <a:gd name="connsiteX1" fmla="*/ 0 w 3571875"/>
+              <a:gd name="connsiteY1" fmla="*/ 0 h 4210050"/>
+              <a:gd name="connsiteX2" fmla="*/ 2028825 w 3571875"/>
+              <a:gd name="connsiteY2" fmla="*/ 2393157 h 4210050"/>
+              <a:gd name="connsiteX3" fmla="*/ 3571875 w 3571875"/>
+              <a:gd name="connsiteY3" fmla="*/ 4210050 h 4210050"/>
+              <a:gd name="connsiteX4" fmla="*/ 0 w 3571875"/>
+              <a:gd name="connsiteY4" fmla="*/ 4210050 h 4210050"/>
+              <a:gd name="connsiteX0" fmla="*/ 0 w 3571875"/>
+              <a:gd name="connsiteY0" fmla="*/ 4210050 h 4210050"/>
+              <a:gd name="connsiteX1" fmla="*/ 0 w 3571875"/>
+              <a:gd name="connsiteY1" fmla="*/ 0 h 4210050"/>
+              <a:gd name="connsiteX2" fmla="*/ 2076450 w 3571875"/>
+              <a:gd name="connsiteY2" fmla="*/ 2274094 h 4210050"/>
+              <a:gd name="connsiteX3" fmla="*/ 3571875 w 3571875"/>
+              <a:gd name="connsiteY3" fmla="*/ 4210050 h 4210050"/>
+              <a:gd name="connsiteX4" fmla="*/ 0 w 3571875"/>
+              <a:gd name="connsiteY4" fmla="*/ 4210050 h 4210050"/>
+              <a:gd name="connsiteX0" fmla="*/ 0 w 3571875"/>
+              <a:gd name="connsiteY0" fmla="*/ 4210050 h 4210050"/>
+              <a:gd name="connsiteX1" fmla="*/ 0 w 3571875"/>
+              <a:gd name="connsiteY1" fmla="*/ 0 h 4210050"/>
+              <a:gd name="connsiteX2" fmla="*/ 2245519 w 3571875"/>
+              <a:gd name="connsiteY2" fmla="*/ 2405063 h 4210050"/>
+              <a:gd name="connsiteX3" fmla="*/ 3571875 w 3571875"/>
+              <a:gd name="connsiteY3" fmla="*/ 4210050 h 4210050"/>
+              <a:gd name="connsiteX4" fmla="*/ 0 w 3571875"/>
+              <a:gd name="connsiteY4" fmla="*/ 4210050 h 4210050"/>
+              <a:gd name="connsiteX0" fmla="*/ 0 w 3571875"/>
+              <a:gd name="connsiteY0" fmla="*/ 4210050 h 4210050"/>
+              <a:gd name="connsiteX1" fmla="*/ 0 w 3571875"/>
+              <a:gd name="connsiteY1" fmla="*/ 0 h 4210050"/>
+              <a:gd name="connsiteX2" fmla="*/ 2038350 w 3571875"/>
+              <a:gd name="connsiteY2" fmla="*/ 2405063 h 4210050"/>
+              <a:gd name="connsiteX3" fmla="*/ 3571875 w 3571875"/>
+              <a:gd name="connsiteY3" fmla="*/ 4210050 h 4210050"/>
+              <a:gd name="connsiteX4" fmla="*/ 0 w 3571875"/>
+              <a:gd name="connsiteY4" fmla="*/ 4210050 h 4210050"/>
+              <a:gd name="connsiteX0" fmla="*/ 0 w 3571875"/>
+              <a:gd name="connsiteY0" fmla="*/ 2433637 h 2433637"/>
+              <a:gd name="connsiteX1" fmla="*/ 257175 w 3571875"/>
+              <a:gd name="connsiteY1" fmla="*/ 0 h 2433637"/>
+              <a:gd name="connsiteX2" fmla="*/ 2038350 w 3571875"/>
+              <a:gd name="connsiteY2" fmla="*/ 628650 h 2433637"/>
+              <a:gd name="connsiteX3" fmla="*/ 3571875 w 3571875"/>
+              <a:gd name="connsiteY3" fmla="*/ 2433637 h 2433637"/>
+              <a:gd name="connsiteX4" fmla="*/ 0 w 3571875"/>
+              <a:gd name="connsiteY4" fmla="*/ 2433637 h 2433637"/>
+              <a:gd name="connsiteX0" fmla="*/ 2382 w 3574257"/>
+              <a:gd name="connsiteY0" fmla="*/ 1807368 h 1807368"/>
+              <a:gd name="connsiteX1" fmla="*/ 0 w 3574257"/>
+              <a:gd name="connsiteY1" fmla="*/ 0 h 1807368"/>
+              <a:gd name="connsiteX2" fmla="*/ 2040732 w 3574257"/>
+              <a:gd name="connsiteY2" fmla="*/ 2381 h 1807368"/>
+              <a:gd name="connsiteX3" fmla="*/ 3574257 w 3574257"/>
+              <a:gd name="connsiteY3" fmla="*/ 1807368 h 1807368"/>
+              <a:gd name="connsiteX4" fmla="*/ 2382 w 3574257"/>
+              <a:gd name="connsiteY4" fmla="*/ 1807368 h 1807368"/>
+              <a:gd name="connsiteX0" fmla="*/ 2382 w 3574257"/>
+              <a:gd name="connsiteY0" fmla="*/ 1807368 h 1807368"/>
+              <a:gd name="connsiteX1" fmla="*/ 0 w 3574257"/>
+              <a:gd name="connsiteY1" fmla="*/ 0 h 1807368"/>
+              <a:gd name="connsiteX2" fmla="*/ 1924051 w 3574257"/>
+              <a:gd name="connsiteY2" fmla="*/ 307181 h 1807368"/>
+              <a:gd name="connsiteX3" fmla="*/ 3574257 w 3574257"/>
+              <a:gd name="connsiteY3" fmla="*/ 1807368 h 1807368"/>
+              <a:gd name="connsiteX4" fmla="*/ 2382 w 3574257"/>
+              <a:gd name="connsiteY4" fmla="*/ 1807368 h 1807368"/>
+              <a:gd name="connsiteX0" fmla="*/ 2382 w 3574257"/>
+              <a:gd name="connsiteY0" fmla="*/ 1809749 h 1809749"/>
+              <a:gd name="connsiteX1" fmla="*/ 0 w 3574257"/>
+              <a:gd name="connsiteY1" fmla="*/ 2381 h 1809749"/>
+              <a:gd name="connsiteX2" fmla="*/ 2038351 w 3574257"/>
+              <a:gd name="connsiteY2" fmla="*/ 0 h 1809749"/>
+              <a:gd name="connsiteX3" fmla="*/ 3574257 w 3574257"/>
+              <a:gd name="connsiteY3" fmla="*/ 1809749 h 1809749"/>
+              <a:gd name="connsiteX4" fmla="*/ 2382 w 3574257"/>
+              <a:gd name="connsiteY4" fmla="*/ 1809749 h 1809749"/>
+              <a:gd name="connsiteX0" fmla="*/ 2382 w 3574257"/>
+              <a:gd name="connsiteY0" fmla="*/ 1807368 h 1807368"/>
+              <a:gd name="connsiteX1" fmla="*/ 0 w 3574257"/>
+              <a:gd name="connsiteY1" fmla="*/ 0 h 1807368"/>
+              <a:gd name="connsiteX2" fmla="*/ 1640682 w 3574257"/>
+              <a:gd name="connsiteY2" fmla="*/ 450057 h 1807368"/>
+              <a:gd name="connsiteX3" fmla="*/ 3574257 w 3574257"/>
+              <a:gd name="connsiteY3" fmla="*/ 1807368 h 1807368"/>
+              <a:gd name="connsiteX4" fmla="*/ 2382 w 3574257"/>
+              <a:gd name="connsiteY4" fmla="*/ 1807368 h 1807368"/>
+              <a:gd name="connsiteX0" fmla="*/ 2382 w 3574257"/>
+              <a:gd name="connsiteY0" fmla="*/ 1809749 h 1809749"/>
+              <a:gd name="connsiteX1" fmla="*/ 0 w 3574257"/>
+              <a:gd name="connsiteY1" fmla="*/ 2381 h 1809749"/>
+              <a:gd name="connsiteX2" fmla="*/ 2038351 w 3574257"/>
+              <a:gd name="connsiteY2" fmla="*/ 0 h 1809749"/>
+              <a:gd name="connsiteX3" fmla="*/ 3574257 w 3574257"/>
+              <a:gd name="connsiteY3" fmla="*/ 1809749 h 1809749"/>
+              <a:gd name="connsiteX4" fmla="*/ 2382 w 3574257"/>
+              <a:gd name="connsiteY4" fmla="*/ 1809749 h 1809749"/>
+              <a:gd name="connsiteX0" fmla="*/ 2382 w 3574257"/>
+              <a:gd name="connsiteY0" fmla="*/ 1807368 h 1807368"/>
+              <a:gd name="connsiteX1" fmla="*/ 0 w 3574257"/>
+              <a:gd name="connsiteY1" fmla="*/ 0 h 1807368"/>
+              <a:gd name="connsiteX2" fmla="*/ 1657351 w 3574257"/>
+              <a:gd name="connsiteY2" fmla="*/ 230982 h 1807368"/>
+              <a:gd name="connsiteX3" fmla="*/ 3574257 w 3574257"/>
+              <a:gd name="connsiteY3" fmla="*/ 1807368 h 1807368"/>
+              <a:gd name="connsiteX4" fmla="*/ 2382 w 3574257"/>
+              <a:gd name="connsiteY4" fmla="*/ 1807368 h 1807368"/>
+              <a:gd name="connsiteX0" fmla="*/ 2382 w 3574257"/>
+              <a:gd name="connsiteY0" fmla="*/ 1807368 h 1807368"/>
+              <a:gd name="connsiteX1" fmla="*/ 0 w 3574257"/>
+              <a:gd name="connsiteY1" fmla="*/ 0 h 1807368"/>
+              <a:gd name="connsiteX2" fmla="*/ 2040732 w 3574257"/>
+              <a:gd name="connsiteY2" fmla="*/ 2382 h 1807368"/>
+              <a:gd name="connsiteX3" fmla="*/ 3574257 w 3574257"/>
+              <a:gd name="connsiteY3" fmla="*/ 1807368 h 1807368"/>
+              <a:gd name="connsiteX4" fmla="*/ 2382 w 3574257"/>
+              <a:gd name="connsiteY4" fmla="*/ 1807368 h 1807368"/>
+              <a:gd name="connsiteX0" fmla="*/ 2382 w 3574257"/>
+              <a:gd name="connsiteY0" fmla="*/ 1807368 h 1807368"/>
+              <a:gd name="connsiteX1" fmla="*/ 0 w 3574257"/>
+              <a:gd name="connsiteY1" fmla="*/ 0 h 1807368"/>
+              <a:gd name="connsiteX2" fmla="*/ 1774032 w 3574257"/>
+              <a:gd name="connsiteY2" fmla="*/ 161925 h 1807368"/>
+              <a:gd name="connsiteX3" fmla="*/ 3574257 w 3574257"/>
+              <a:gd name="connsiteY3" fmla="*/ 1807368 h 1807368"/>
+              <a:gd name="connsiteX4" fmla="*/ 2382 w 3574257"/>
+              <a:gd name="connsiteY4" fmla="*/ 1807368 h 1807368"/>
+              <a:gd name="connsiteX0" fmla="*/ 2382 w 3574257"/>
+              <a:gd name="connsiteY0" fmla="*/ 1807368 h 1807368"/>
+              <a:gd name="connsiteX1" fmla="*/ 0 w 3574257"/>
+              <a:gd name="connsiteY1" fmla="*/ 0 h 1807368"/>
+              <a:gd name="connsiteX2" fmla="*/ 1969294 w 3574257"/>
+              <a:gd name="connsiteY2" fmla="*/ 21432 h 1807368"/>
+              <a:gd name="connsiteX3" fmla="*/ 3574257 w 3574257"/>
+              <a:gd name="connsiteY3" fmla="*/ 1807368 h 1807368"/>
+              <a:gd name="connsiteX4" fmla="*/ 2382 w 3574257"/>
+              <a:gd name="connsiteY4" fmla="*/ 1807368 h 1807368"/>
+              <a:gd name="connsiteX0" fmla="*/ 2382 w 3574257"/>
+              <a:gd name="connsiteY0" fmla="*/ 1807368 h 1807368"/>
+              <a:gd name="connsiteX1" fmla="*/ 0 w 3574257"/>
+              <a:gd name="connsiteY1" fmla="*/ 0 h 1807368"/>
+              <a:gd name="connsiteX2" fmla="*/ 1819275 w 3574257"/>
+              <a:gd name="connsiteY2" fmla="*/ 200026 h 1807368"/>
+              <a:gd name="connsiteX3" fmla="*/ 3574257 w 3574257"/>
+              <a:gd name="connsiteY3" fmla="*/ 1807368 h 1807368"/>
+              <a:gd name="connsiteX4" fmla="*/ 2382 w 3574257"/>
+              <a:gd name="connsiteY4" fmla="*/ 1807368 h 1807368"/>
+              <a:gd name="connsiteX0" fmla="*/ 2382 w 3574257"/>
+              <a:gd name="connsiteY0" fmla="*/ 1807368 h 1807368"/>
+              <a:gd name="connsiteX1" fmla="*/ 0 w 3574257"/>
+              <a:gd name="connsiteY1" fmla="*/ 0 h 1807368"/>
+              <a:gd name="connsiteX2" fmla="*/ 2045494 w 3574257"/>
+              <a:gd name="connsiteY2" fmla="*/ 1 h 1807368"/>
+              <a:gd name="connsiteX3" fmla="*/ 3574257 w 3574257"/>
+              <a:gd name="connsiteY3" fmla="*/ 1807368 h 1807368"/>
+              <a:gd name="connsiteX4" fmla="*/ 2382 w 3574257"/>
+              <a:gd name="connsiteY4" fmla="*/ 1807368 h 1807368"/>
+            </a:gdLst>
+            <a:ahLst/>
+            <a:cxnLst>
+              <a:cxn ang="0">
+                <a:pos x="connsiteX0" y="connsiteY0"/>
+              </a:cxn>
+              <a:cxn ang="0">
+                <a:pos x="connsiteX1" y="connsiteY1"/>
+              </a:cxn>
+              <a:cxn ang="0">
+                <a:pos x="connsiteX2" y="connsiteY2"/>
+              </a:cxn>
+              <a:cxn ang="0">
+                <a:pos x="connsiteX3" y="connsiteY3"/>
+              </a:cxn>
+              <a:cxn ang="0">
+                <a:pos x="connsiteX4" y="connsiteY4"/>
+              </a:cxn>
+            </a:cxnLst>
+            <a:rect l="l" t="t" r="r" b="b"/>
+            <a:pathLst>
+              <a:path w="3574257" h="1807368">
+                <a:moveTo>
+                  <a:pt x="2382" y="1807368"/>
+                </a:moveTo>
+                <a:lnTo>
+                  <a:pt x="0" y="0"/>
+                </a:lnTo>
+                <a:lnTo>
+                  <a:pt x="2045494" y="1"/>
+                </a:lnTo>
+                <a:lnTo>
+                  <a:pt x="3574257" y="1807368"/>
+                </a:lnTo>
+                <a:lnTo>
+                  <a:pt x="2382" y="1807368"/>
+                </a:lnTo>
+                <a:close/>
+              </a:path>
+            </a:pathLst>
+          </a:custGeom>
+          <a:solidFill>
+            <a:schemeClr val="accent2"/>
+          </a:solidFill>
+          <a:ln>
+            <a:noFill/>
+          </a:ln>
+        </p:spPr>
+        <p:style>
+          <a:lnRef idx="2">
+            <a:schemeClr val="accent1">
+              <a:shade val="50000"/>
+            </a:schemeClr>
+          </a:lnRef>
+          <a:fillRef idx="1">
+            <a:schemeClr val="accent1"/>
+          </a:fillRef>
+          <a:effectRef idx="0">
+            <a:schemeClr val="accent1"/>
+          </a:effectRef>
+          <a:fontRef idx="minor">
+            <a:schemeClr val="lt1"/>
+          </a:fontRef>
+        </p:style>
+        <p:txBody>
+          <a:bodyPr rtlCol="0" anchor="ctr"/>
+          <a:lstStyle/>
+          <a:p>
+            <a:pPr algn="ctr"/>
+            <a:endParaRPr lang="en-US"/>
+          </a:p>
+        </p:txBody>
+      </p:sp>
+      <p:sp>
+        <p:nvSpPr>
+          <p:cNvPr id="8" name="Freeform 7"/>
+          <p:cNvSpPr/>
+          <p:nvPr/>
+        </p:nvSpPr>
+        <p:spPr>
+          <a:xfrm>
+            <a:off x="-3173" y="5051293"/>
+            <a:ext cx="12195173" cy="1806709"/>
+          </a:xfrm>
+          <a:custGeom>
+            <a:avLst/>
+            <a:gdLst>
+              <a:gd name="connsiteX0" fmla="*/ 0 w 3350419"/>
+              <a:gd name="connsiteY0" fmla="*/ 2081213 h 2083594"/>
+              <a:gd name="connsiteX1" fmla="*/ 3031331 w 3350419"/>
+              <a:gd name="connsiteY1" fmla="*/ 0 h 2083594"/>
+              <a:gd name="connsiteX2" fmla="*/ 3350419 w 3350419"/>
+              <a:gd name="connsiteY2" fmla="*/ 80963 h 2083594"/>
+              <a:gd name="connsiteX3" fmla="*/ 3350419 w 3350419"/>
+              <a:gd name="connsiteY3" fmla="*/ 2083594 h 2083594"/>
+              <a:gd name="connsiteX4" fmla="*/ 0 w 3350419"/>
+              <a:gd name="connsiteY4" fmla="*/ 2081213 h 2083594"/>
+              <a:gd name="connsiteX0" fmla="*/ 0 w 3112294"/>
+              <a:gd name="connsiteY0" fmla="*/ 2019301 h 2083594"/>
+              <a:gd name="connsiteX1" fmla="*/ 2793206 w 3112294"/>
+              <a:gd name="connsiteY1" fmla="*/ 0 h 2083594"/>
+              <a:gd name="connsiteX2" fmla="*/ 3112294 w 3112294"/>
+              <a:gd name="connsiteY2" fmla="*/ 80963 h 2083594"/>
+              <a:gd name="connsiteX3" fmla="*/ 3112294 w 3112294"/>
+              <a:gd name="connsiteY3" fmla="*/ 2083594 h 2083594"/>
+              <a:gd name="connsiteX4" fmla="*/ 0 w 3112294"/>
+              <a:gd name="connsiteY4" fmla="*/ 2019301 h 2083594"/>
+              <a:gd name="connsiteX0" fmla="*/ 0 w 3345656"/>
+              <a:gd name="connsiteY0" fmla="*/ 2097882 h 2097882"/>
+              <a:gd name="connsiteX1" fmla="*/ 3026568 w 3345656"/>
+              <a:gd name="connsiteY1" fmla="*/ 0 h 2097882"/>
+              <a:gd name="connsiteX2" fmla="*/ 3345656 w 3345656"/>
+              <a:gd name="connsiteY2" fmla="*/ 80963 h 2097882"/>
+              <a:gd name="connsiteX3" fmla="*/ 3345656 w 3345656"/>
+              <a:gd name="connsiteY3" fmla="*/ 2083594 h 2097882"/>
+              <a:gd name="connsiteX4" fmla="*/ 0 w 3345656"/>
+              <a:gd name="connsiteY4" fmla="*/ 2097882 h 2097882"/>
+              <a:gd name="connsiteX0" fmla="*/ 0 w 2800350"/>
+              <a:gd name="connsiteY0" fmla="*/ 1935957 h 2083594"/>
+              <a:gd name="connsiteX1" fmla="*/ 2481262 w 2800350"/>
+              <a:gd name="connsiteY1" fmla="*/ 0 h 2083594"/>
+              <a:gd name="connsiteX2" fmla="*/ 2800350 w 2800350"/>
+              <a:gd name="connsiteY2" fmla="*/ 80963 h 2083594"/>
+              <a:gd name="connsiteX3" fmla="*/ 2800350 w 2800350"/>
+              <a:gd name="connsiteY3" fmla="*/ 2083594 h 2083594"/>
+              <a:gd name="connsiteX4" fmla="*/ 0 w 2800350"/>
+              <a:gd name="connsiteY4" fmla="*/ 1935957 h 2083594"/>
+              <a:gd name="connsiteX0" fmla="*/ 0 w 3352800"/>
+              <a:gd name="connsiteY0" fmla="*/ 2083594 h 2083594"/>
+              <a:gd name="connsiteX1" fmla="*/ 3033712 w 3352800"/>
+              <a:gd name="connsiteY1" fmla="*/ 0 h 2083594"/>
+              <a:gd name="connsiteX2" fmla="*/ 3352800 w 3352800"/>
+              <a:gd name="connsiteY2" fmla="*/ 80963 h 2083594"/>
+              <a:gd name="connsiteX3" fmla="*/ 3352800 w 3352800"/>
+              <a:gd name="connsiteY3" fmla="*/ 2083594 h 2083594"/>
+              <a:gd name="connsiteX4" fmla="*/ 0 w 3352800"/>
+              <a:gd name="connsiteY4" fmla="*/ 2083594 h 2083594"/>
+              <a:gd name="connsiteX0" fmla="*/ 0 w 3352800"/>
+              <a:gd name="connsiteY0" fmla="*/ 2002631 h 2002631"/>
+              <a:gd name="connsiteX1" fmla="*/ 3033712 w 3352800"/>
+              <a:gd name="connsiteY1" fmla="*/ 157162 h 2002631"/>
+              <a:gd name="connsiteX2" fmla="*/ 3352800 w 3352800"/>
+              <a:gd name="connsiteY2" fmla="*/ 0 h 2002631"/>
+              <a:gd name="connsiteX3" fmla="*/ 3352800 w 3352800"/>
+              <a:gd name="connsiteY3" fmla="*/ 2002631 h 2002631"/>
+              <a:gd name="connsiteX4" fmla="*/ 0 w 3352800"/>
+              <a:gd name="connsiteY4" fmla="*/ 2002631 h 2002631"/>
+              <a:gd name="connsiteX0" fmla="*/ 0 w 3352800"/>
+              <a:gd name="connsiteY0" fmla="*/ 2002631 h 2002631"/>
+              <a:gd name="connsiteX1" fmla="*/ 2988469 w 3352800"/>
+              <a:gd name="connsiteY1" fmla="*/ 59530 h 2002631"/>
+              <a:gd name="connsiteX2" fmla="*/ 3352800 w 3352800"/>
+              <a:gd name="connsiteY2" fmla="*/ 0 h 2002631"/>
+              <a:gd name="connsiteX3" fmla="*/ 3352800 w 3352800"/>
+              <a:gd name="connsiteY3" fmla="*/ 2002631 h 2002631"/>
+              <a:gd name="connsiteX4" fmla="*/ 0 w 3352800"/>
+              <a:gd name="connsiteY4" fmla="*/ 2002631 h 2002631"/>
+              <a:gd name="connsiteX0" fmla="*/ 0 w 3352800"/>
+              <a:gd name="connsiteY0" fmla="*/ 2002631 h 2002631"/>
+              <a:gd name="connsiteX1" fmla="*/ 2833966 w 3352800"/>
+              <a:gd name="connsiteY1" fmla="*/ 425 h 2002631"/>
+              <a:gd name="connsiteX2" fmla="*/ 3352800 w 3352800"/>
+              <a:gd name="connsiteY2" fmla="*/ 0 h 2002631"/>
+              <a:gd name="connsiteX3" fmla="*/ 3352800 w 3352800"/>
+              <a:gd name="connsiteY3" fmla="*/ 2002631 h 2002631"/>
+              <a:gd name="connsiteX4" fmla="*/ 0 w 3352800"/>
+              <a:gd name="connsiteY4" fmla="*/ 2002631 h 2002631"/>
+              <a:gd name="connsiteX0" fmla="*/ 0 w 3352800"/>
+              <a:gd name="connsiteY0" fmla="*/ 2002631 h 2002631"/>
+              <a:gd name="connsiteX1" fmla="*/ 2845314 w 3352800"/>
+              <a:gd name="connsiteY1" fmla="*/ 12246 h 2002631"/>
+              <a:gd name="connsiteX2" fmla="*/ 3352800 w 3352800"/>
+              <a:gd name="connsiteY2" fmla="*/ 0 h 2002631"/>
+              <a:gd name="connsiteX3" fmla="*/ 3352800 w 3352800"/>
+              <a:gd name="connsiteY3" fmla="*/ 2002631 h 2002631"/>
+              <a:gd name="connsiteX4" fmla="*/ 0 w 3352800"/>
+              <a:gd name="connsiteY4" fmla="*/ 2002631 h 2002631"/>
+              <a:gd name="connsiteX0" fmla="*/ 0 w 3352800"/>
+              <a:gd name="connsiteY0" fmla="*/ 2002631 h 2002631"/>
+              <a:gd name="connsiteX1" fmla="*/ 2834839 w 3352800"/>
+              <a:gd name="connsiteY1" fmla="*/ 425 h 2002631"/>
+              <a:gd name="connsiteX2" fmla="*/ 3352800 w 3352800"/>
+              <a:gd name="connsiteY2" fmla="*/ 0 h 2002631"/>
+              <a:gd name="connsiteX3" fmla="*/ 3352800 w 3352800"/>
+              <a:gd name="connsiteY3" fmla="*/ 2002631 h 2002631"/>
+              <a:gd name="connsiteX4" fmla="*/ 0 w 3352800"/>
+              <a:gd name="connsiteY4" fmla="*/ 2002631 h 2002631"/>
+              <a:gd name="connsiteX0" fmla="*/ 0 w 3352800"/>
+              <a:gd name="connsiteY0" fmla="*/ 2002631 h 2002631"/>
+              <a:gd name="connsiteX1" fmla="*/ 2875865 w 3352800"/>
+              <a:gd name="connsiteY1" fmla="*/ 81782 h 2002631"/>
+              <a:gd name="connsiteX2" fmla="*/ 3352800 w 3352800"/>
+              <a:gd name="connsiteY2" fmla="*/ 0 h 2002631"/>
+              <a:gd name="connsiteX3" fmla="*/ 3352800 w 3352800"/>
+              <a:gd name="connsiteY3" fmla="*/ 2002631 h 2002631"/>
+              <a:gd name="connsiteX4" fmla="*/ 0 w 3352800"/>
+              <a:gd name="connsiteY4" fmla="*/ 2002631 h 2002631"/>
+              <a:gd name="connsiteX0" fmla="*/ 0 w 3352800"/>
+              <a:gd name="connsiteY0" fmla="*/ 2002901 h 2002901"/>
+              <a:gd name="connsiteX1" fmla="*/ 2836585 w 3352800"/>
+              <a:gd name="connsiteY1" fmla="*/ 0 h 2002901"/>
+              <a:gd name="connsiteX2" fmla="*/ 3352800 w 3352800"/>
+              <a:gd name="connsiteY2" fmla="*/ 270 h 2002901"/>
+              <a:gd name="connsiteX3" fmla="*/ 3352800 w 3352800"/>
+              <a:gd name="connsiteY3" fmla="*/ 2002901 h 2002901"/>
+              <a:gd name="connsiteX4" fmla="*/ 0 w 3352800"/>
+              <a:gd name="connsiteY4" fmla="*/ 2002901 h 2002901"/>
+              <a:gd name="connsiteX0" fmla="*/ 0 w 3352800"/>
+              <a:gd name="connsiteY0" fmla="*/ 2002631 h 2002631"/>
+              <a:gd name="connsiteX1" fmla="*/ 754045 w 3352800"/>
+              <a:gd name="connsiteY1" fmla="*/ 1468326 h 2002631"/>
+              <a:gd name="connsiteX2" fmla="*/ 3352800 w 3352800"/>
+              <a:gd name="connsiteY2" fmla="*/ 0 h 2002631"/>
+              <a:gd name="connsiteX3" fmla="*/ 3352800 w 3352800"/>
+              <a:gd name="connsiteY3" fmla="*/ 2002631 h 2002631"/>
+              <a:gd name="connsiteX4" fmla="*/ 0 w 3352800"/>
+              <a:gd name="connsiteY4" fmla="*/ 2002631 h 2002631"/>
+              <a:gd name="connsiteX0" fmla="*/ 0 w 3352800"/>
+              <a:gd name="connsiteY0" fmla="*/ 534305 h 534305"/>
+              <a:gd name="connsiteX1" fmla="*/ 754045 w 3352800"/>
+              <a:gd name="connsiteY1" fmla="*/ 0 h 534305"/>
+              <a:gd name="connsiteX2" fmla="*/ 3352800 w 3352800"/>
+              <a:gd name="connsiteY2" fmla="*/ 7687 h 534305"/>
+              <a:gd name="connsiteX3" fmla="*/ 3352800 w 3352800"/>
+              <a:gd name="connsiteY3" fmla="*/ 534305 h 534305"/>
+              <a:gd name="connsiteX4" fmla="*/ 0 w 3352800"/>
+              <a:gd name="connsiteY4" fmla="*/ 534305 h 534305"/>
+              <a:gd name="connsiteX0" fmla="*/ 0 w 3352800"/>
+              <a:gd name="connsiteY0" fmla="*/ 534305 h 534305"/>
+              <a:gd name="connsiteX1" fmla="*/ 754045 w 3352800"/>
+              <a:gd name="connsiteY1" fmla="*/ 0 h 534305"/>
+              <a:gd name="connsiteX2" fmla="*/ 3352800 w 3352800"/>
+              <a:gd name="connsiteY2" fmla="*/ 7687 h 534305"/>
+              <a:gd name="connsiteX3" fmla="*/ 3352800 w 3352800"/>
+              <a:gd name="connsiteY3" fmla="*/ 534305 h 534305"/>
+              <a:gd name="connsiteX4" fmla="*/ 0 w 3352800"/>
+              <a:gd name="connsiteY4" fmla="*/ 534305 h 534305"/>
+              <a:gd name="connsiteX0" fmla="*/ 0 w 3352800"/>
+              <a:gd name="connsiteY0" fmla="*/ 526618 h 526618"/>
+              <a:gd name="connsiteX1" fmla="*/ 980611 w 3352800"/>
+              <a:gd name="connsiteY1" fmla="*/ 93681 h 526618"/>
+              <a:gd name="connsiteX2" fmla="*/ 3352800 w 3352800"/>
+              <a:gd name="connsiteY2" fmla="*/ 0 h 526618"/>
+              <a:gd name="connsiteX3" fmla="*/ 3352800 w 3352800"/>
+              <a:gd name="connsiteY3" fmla="*/ 526618 h 526618"/>
+              <a:gd name="connsiteX4" fmla="*/ 0 w 3352800"/>
+              <a:gd name="connsiteY4" fmla="*/ 526618 h 526618"/>
+              <a:gd name="connsiteX0" fmla="*/ 0 w 3352800"/>
+              <a:gd name="connsiteY0" fmla="*/ 526888 h 526888"/>
+              <a:gd name="connsiteX1" fmla="*/ 744735 w 3352800"/>
+              <a:gd name="connsiteY1" fmla="*/ 0 h 526888"/>
+              <a:gd name="connsiteX2" fmla="*/ 3352800 w 3352800"/>
+              <a:gd name="connsiteY2" fmla="*/ 270 h 526888"/>
+              <a:gd name="connsiteX3" fmla="*/ 3352800 w 3352800"/>
+              <a:gd name="connsiteY3" fmla="*/ 526888 h 526888"/>
+              <a:gd name="connsiteX4" fmla="*/ 0 w 3352800"/>
+              <a:gd name="connsiteY4" fmla="*/ 526888 h 526888"/>
+              <a:gd name="connsiteX0" fmla="*/ 0 w 3352800"/>
+              <a:gd name="connsiteY0" fmla="*/ 526618 h 526618"/>
+              <a:gd name="connsiteX1" fmla="*/ 811948 w 3352800"/>
+              <a:gd name="connsiteY1" fmla="*/ 60921 h 526618"/>
+              <a:gd name="connsiteX2" fmla="*/ 3352800 w 3352800"/>
+              <a:gd name="connsiteY2" fmla="*/ 0 h 526618"/>
+              <a:gd name="connsiteX3" fmla="*/ 3352800 w 3352800"/>
+              <a:gd name="connsiteY3" fmla="*/ 526618 h 526618"/>
+              <a:gd name="connsiteX4" fmla="*/ 0 w 3352800"/>
+              <a:gd name="connsiteY4" fmla="*/ 526618 h 526618"/>
+              <a:gd name="connsiteX0" fmla="*/ 0 w 3352800"/>
+              <a:gd name="connsiteY0" fmla="*/ 527584 h 527584"/>
+              <a:gd name="connsiteX1" fmla="*/ 751718 w 3352800"/>
+              <a:gd name="connsiteY1" fmla="*/ 0 h 527584"/>
+              <a:gd name="connsiteX2" fmla="*/ 3352800 w 3352800"/>
+              <a:gd name="connsiteY2" fmla="*/ 966 h 527584"/>
+              <a:gd name="connsiteX3" fmla="*/ 3352800 w 3352800"/>
+              <a:gd name="connsiteY3" fmla="*/ 527584 h 527584"/>
+              <a:gd name="connsiteX4" fmla="*/ 0 w 3352800"/>
+              <a:gd name="connsiteY4" fmla="*/ 527584 h 527584"/>
+              <a:gd name="connsiteX0" fmla="*/ 0 w 3352800"/>
+              <a:gd name="connsiteY0" fmla="*/ 527584 h 527584"/>
+              <a:gd name="connsiteX1" fmla="*/ 751718 w 3352800"/>
+              <a:gd name="connsiteY1" fmla="*/ 0 h 527584"/>
+              <a:gd name="connsiteX2" fmla="*/ 3241069 w 3352800"/>
+              <a:gd name="connsiteY2" fmla="*/ 94144 h 527584"/>
+              <a:gd name="connsiteX3" fmla="*/ 3352800 w 3352800"/>
+              <a:gd name="connsiteY3" fmla="*/ 527584 h 527584"/>
+              <a:gd name="connsiteX4" fmla="*/ 0 w 3352800"/>
+              <a:gd name="connsiteY4" fmla="*/ 527584 h 527584"/>
+              <a:gd name="connsiteX0" fmla="*/ 0 w 3352800"/>
+              <a:gd name="connsiteY0" fmla="*/ 527584 h 527584"/>
+              <a:gd name="connsiteX1" fmla="*/ 751718 w 3352800"/>
+              <a:gd name="connsiteY1" fmla="*/ 0 h 527584"/>
+              <a:gd name="connsiteX2" fmla="*/ 3352800 w 3352800"/>
+              <a:gd name="connsiteY2" fmla="*/ 271 h 527584"/>
+              <a:gd name="connsiteX3" fmla="*/ 3352800 w 3352800"/>
+              <a:gd name="connsiteY3" fmla="*/ 527584 h 527584"/>
+              <a:gd name="connsiteX4" fmla="*/ 0 w 3352800"/>
+              <a:gd name="connsiteY4" fmla="*/ 527584 h 527584"/>
+              <a:gd name="connsiteX0" fmla="*/ 0 w 3352800"/>
+              <a:gd name="connsiteY0" fmla="*/ 527313 h 527313"/>
+              <a:gd name="connsiteX1" fmla="*/ 900984 w 3352800"/>
+              <a:gd name="connsiteY1" fmla="*/ 97774 h 527313"/>
+              <a:gd name="connsiteX2" fmla="*/ 3352800 w 3352800"/>
+              <a:gd name="connsiteY2" fmla="*/ 0 h 527313"/>
+              <a:gd name="connsiteX3" fmla="*/ 3352800 w 3352800"/>
+              <a:gd name="connsiteY3" fmla="*/ 527313 h 527313"/>
+              <a:gd name="connsiteX4" fmla="*/ 0 w 3352800"/>
+              <a:gd name="connsiteY4" fmla="*/ 527313 h 527313"/>
+              <a:gd name="connsiteX0" fmla="*/ 0 w 3352800"/>
+              <a:gd name="connsiteY0" fmla="*/ 527584 h 527584"/>
+              <a:gd name="connsiteX1" fmla="*/ 748227 w 3352800"/>
+              <a:gd name="connsiteY1" fmla="*/ 0 h 527584"/>
+              <a:gd name="connsiteX2" fmla="*/ 3352800 w 3352800"/>
+              <a:gd name="connsiteY2" fmla="*/ 271 h 527584"/>
+              <a:gd name="connsiteX3" fmla="*/ 3352800 w 3352800"/>
+              <a:gd name="connsiteY3" fmla="*/ 527584 h 527584"/>
+              <a:gd name="connsiteX4" fmla="*/ 0 w 3352800"/>
+              <a:gd name="connsiteY4" fmla="*/ 527584 h 527584"/>
+            </a:gdLst>
+            <a:ahLst/>
+            <a:cxnLst>
+              <a:cxn ang="0">
+                <a:pos x="connsiteX0" y="connsiteY0"/>
+              </a:cxn>
+              <a:cxn ang="0">
+                <a:pos x="connsiteX1" y="connsiteY1"/>
+              </a:cxn>
+              <a:cxn ang="0">
+                <a:pos x="connsiteX2" y="connsiteY2"/>
+              </a:cxn>
+              <a:cxn ang="0">
+                <a:pos x="connsiteX3" y="connsiteY3"/>
+              </a:cxn>
+              <a:cxn ang="0">
+                <a:pos x="connsiteX4" y="connsiteY4"/>
+              </a:cxn>
+            </a:cxnLst>
+            <a:rect l="l" t="t" r="r" b="b"/>
+            <a:pathLst>
+              <a:path w="3352800" h="527584">
+                <a:moveTo>
+                  <a:pt x="0" y="527584"/>
+                </a:moveTo>
+                <a:lnTo>
+                  <a:pt x="748227" y="0"/>
+                </a:lnTo>
+                <a:lnTo>
+                  <a:pt x="3352800" y="271"/>
+                </a:lnTo>
+                <a:lnTo>
+                  <a:pt x="3352800" y="527584"/>
+                </a:lnTo>
+                <a:lnTo>
+                  <a:pt x="0" y="527584"/>
+                </a:lnTo>
+                <a:close/>
+              </a:path>
+            </a:pathLst>
+          </a:custGeom>
+          <a:solidFill>
+            <a:schemeClr val="accent3">
+              <a:alpha val="80000"/>
+            </a:schemeClr>
+          </a:solidFill>
+          <a:ln>
+            <a:noFill/>
+          </a:ln>
+        </p:spPr>
+        <p:style>
+          <a:lnRef idx="2">
+            <a:schemeClr val="accent1">
+              <a:shade val="50000"/>
+            </a:schemeClr>
+          </a:lnRef>
+          <a:fillRef idx="1">
+            <a:schemeClr val="accent1"/>
+          </a:fillRef>
+          <a:effectRef idx="0">
+            <a:schemeClr val="accent1"/>
+          </a:effectRef>
+          <a:fontRef idx="minor">
+            <a:schemeClr val="lt1"/>
+          </a:fontRef>
+        </p:style>
+        <p:txBody>
+          <a:bodyPr rtlCol="0" anchor="ctr"/>
+          <a:lstStyle/>
+          <a:p>
+            <a:pPr algn="ctr"/>
+            <a:endParaRPr lang="en-US"/>
+          </a:p>
+        </p:txBody>
+      </p:sp>
+      <p:sp>
+        <p:nvSpPr>
+          <p:cNvPr id="2" name="Title Placeholder 1"/>
+          <p:cNvSpPr>
+            <a:spLocks noGrp="1"/>
+          </p:cNvSpPr>
+          <p:nvPr>
+            <p:ph type="title"/>
+          </p:nvPr>
+        </p:nvSpPr>
+        <p:spPr>
+          <a:xfrm>
+            <a:off x="1097280" y="365760"/>
+            <a:ext cx="10027920" cy="548640"/>
           </a:xfrm>
           <a:prstGeom prst="rect">
             <a:avLst/>
           </a:prstGeom>
         </p:spPr>
         <p:txBody>
-          <a:bodyPr vert="horz" lIns="91440" tIns="45720" rIns="91440" bIns="45720" rtlCol="0" anchor="t">
-            <a:normAutofit/>
+          <a:bodyPr vert="horz" lIns="91440" tIns="45720" rIns="91440" bIns="45720" rtlCol="0" anchor="ctr">
+            <a:noAutofit/>
           </a:bodyPr>
           <a:lstStyle/>
           <a:p>
@@ -5274,8 +4353,8 @@
         </p:nvSpPr>
         <p:spPr>
           <a:xfrm>
-            <a:off x="677334" y="2160589"/>
-            <a:ext cx="8596668" cy="3880773"/>
+            <a:off x="1097280" y="1100629"/>
+            <a:ext cx="10027920" cy="3579849"/>
           </a:xfrm>
           <a:prstGeom prst="rect">
             <a:avLst/>
@@ -5335,9 +4414,9 @@
           </p:nvPr>
         </p:nvSpPr>
         <p:spPr>
-          <a:xfrm>
-            <a:off x="7205133" y="6041362"/>
-            <a:ext cx="911939" cy="365125"/>
+          <a:xfrm rot="19140000">
+            <a:off x="268224" y="5870448"/>
+            <a:ext cx="2901696" cy="201168"/>
           </a:xfrm>
           <a:prstGeom prst="rect">
             <a:avLst/>
@@ -5346,12 +4425,10 @@
         <p:txBody>
           <a:bodyPr vert="horz" lIns="91440" tIns="45720" rIns="91440" bIns="45720" rtlCol="0" anchor="ctr"/>
           <a:lstStyle>
-            <a:lvl1pPr algn="r">
-              <a:defRPr sz="900">
+            <a:lvl1pPr algn="l">
+              <a:defRPr sz="1200">
                 <a:solidFill>
-                  <a:schemeClr val="tx1">
-                    <a:tint val="75000"/>
-                  </a:schemeClr>
+                  <a:srgbClr val="FFFFFF"/>
                 </a:solidFill>
               </a:defRPr>
             </a:lvl1pPr>
@@ -5378,8 +4455,8 @@
         </p:nvSpPr>
         <p:spPr>
           <a:xfrm>
-            <a:off x="677334" y="6041362"/>
-            <a:ext cx="6297612" cy="365125"/>
+            <a:off x="4690019" y="6285122"/>
+            <a:ext cx="6299200" cy="274320"/>
           </a:xfrm>
           <a:prstGeom prst="rect">
             <a:avLst/>
@@ -5388,12 +4465,10 @@
         <p:txBody>
           <a:bodyPr vert="horz" lIns="91440" tIns="45720" rIns="91440" bIns="45720" rtlCol="0" anchor="ctr"/>
           <a:lstStyle>
-            <a:lvl1pPr algn="l">
-              <a:defRPr sz="900">
+            <a:lvl1pPr algn="r">
+              <a:defRPr sz="1000" cap="all" spc="200" baseline="0">
                 <a:solidFill>
-                  <a:schemeClr val="tx1">
-                    <a:tint val="75000"/>
-                  </a:schemeClr>
+                  <a:srgbClr val="FFFFFF"/>
                 </a:solidFill>
               </a:defRPr>
             </a:lvl1pPr>
@@ -5415,20 +4490,27 @@
         </p:nvSpPr>
         <p:spPr>
           <a:xfrm>
-            <a:off x="8590663" y="6041362"/>
-            <a:ext cx="683339" cy="365125"/>
+            <a:off x="11201384" y="6170822"/>
+            <a:ext cx="670560" cy="502920"/>
           </a:xfrm>
-          <a:prstGeom prst="rect">
+          <a:prstGeom prst="ellipse">
             <a:avLst/>
           </a:prstGeom>
+          <a:ln w="19050">
+            <a:solidFill>
+              <a:srgbClr val="FFFFFF"/>
+            </a:solidFill>
+          </a:ln>
         </p:spPr>
         <p:txBody>
-          <a:bodyPr vert="horz" lIns="91440" tIns="45720" rIns="91440" bIns="45720" rtlCol="0" anchor="ctr"/>
+          <a:bodyPr vert="horz" lIns="9144" tIns="9144" rIns="9144" bIns="9144" rtlCol="0" anchor="ctr">
+            <a:normAutofit/>
+          </a:bodyPr>
           <a:lstStyle>
-            <a:lvl1pPr algn="r">
-              <a:defRPr sz="900">
+            <a:lvl1pPr algn="ctr">
+              <a:defRPr sz="1650">
                 <a:solidFill>
-                  <a:schemeClr val="accent1"/>
+                  <a:srgbClr val="FFFFFF"/>
                 </a:solidFill>
               </a:defRPr>
             </a:lvl1pPr>
@@ -5444,324 +4526,192 @@
         </p:txBody>
       </p:sp>
     </p:spTree>
-    <p:extLst>
-      <p:ext uri="{BB962C8B-B14F-4D97-AF65-F5344CB8AC3E}">
-        <p14:creationId xmlns:p14="http://schemas.microsoft.com/office/powerpoint/2010/main" val="3243066261"/>
-      </p:ext>
-    </p:extLst>
   </p:cSld>
   <p:clrMap bg1="lt1" tx1="dk1" bg2="lt2" tx2="dk2" accent1="accent1" accent2="accent2" accent3="accent3" accent4="accent4" accent5="accent5" accent6="accent6" hlink="hlink" folHlink="folHlink"/>
   <p:sldLayoutIdLst>
-    <p:sldLayoutId id="2147483745" r:id="rId1"/>
-    <p:sldLayoutId id="2147483746" r:id="rId2"/>
-    <p:sldLayoutId id="2147483747" r:id="rId3"/>
-    <p:sldLayoutId id="2147483748" r:id="rId4"/>
-    <p:sldLayoutId id="2147483749" r:id="rId5"/>
-    <p:sldLayoutId id="2147483750" r:id="rId6"/>
-    <p:sldLayoutId id="2147483751" r:id="rId7"/>
-    <p:sldLayoutId id="2147483752" r:id="rId8"/>
-    <p:sldLayoutId id="2147483753" r:id="rId9"/>
-    <p:sldLayoutId id="2147483754" r:id="rId10"/>
-    <p:sldLayoutId id="2147483755" r:id="rId11"/>
-    <p:sldLayoutId id="2147483756" r:id="rId12"/>
-    <p:sldLayoutId id="2147483757" r:id="rId13"/>
-    <p:sldLayoutId id="2147483758" r:id="rId14"/>
-    <p:sldLayoutId id="2147483759" r:id="rId15"/>
-    <p:sldLayoutId id="2147483760" r:id="rId16"/>
+    <p:sldLayoutId id="2147483762" r:id="rId1"/>
+    <p:sldLayoutId id="2147483763" r:id="rId2"/>
+    <p:sldLayoutId id="2147483764" r:id="rId3"/>
+    <p:sldLayoutId id="2147483765" r:id="rId4"/>
+    <p:sldLayoutId id="2147483766" r:id="rId5"/>
+    <p:sldLayoutId id="2147483767" r:id="rId6"/>
+    <p:sldLayoutId id="2147483768" r:id="rId7"/>
+    <p:sldLayoutId id="2147483769" r:id="rId8"/>
+    <p:sldLayoutId id="2147483770" r:id="rId9"/>
+    <p:sldLayoutId id="2147483771" r:id="rId10"/>
+    <p:sldLayoutId id="2147483772" r:id="rId11"/>
   </p:sldLayoutIdLst>
   <p:txStyles>
     <p:titleStyle>
-      <a:lvl1pPr algn="l" defTabSz="457200" rtl="0" eaLnBrk="1" latinLnBrk="0" hangingPunct="1">
+      <a:lvl1pPr algn="l" defTabSz="914400" rtl="0" eaLnBrk="1" latinLnBrk="0" hangingPunct="1">
         <a:spcBef>
           <a:spcPct val="0"/>
         </a:spcBef>
         <a:buNone/>
-        <a:defRPr sz="3600" kern="1200">
+        <a:defRPr sz="2800" kern="1200" cap="all" baseline="0">
           <a:solidFill>
-            <a:schemeClr val="accent1"/>
+            <a:schemeClr val="tx1"/>
           </a:solidFill>
           <a:latin typeface="+mj-lt"/>
           <a:ea typeface="+mj-ea"/>
           <a:cs typeface="+mj-cs"/>
         </a:defRPr>
       </a:lvl1pPr>
-      <a:lvl2pPr eaLnBrk="1" hangingPunct="1">
-        <a:defRPr>
-          <a:solidFill>
-            <a:schemeClr val="tx2"/>
-          </a:solidFill>
-        </a:defRPr>
-      </a:lvl2pPr>
-      <a:lvl3pPr eaLnBrk="1" hangingPunct="1">
-        <a:defRPr>
-          <a:solidFill>
-            <a:schemeClr val="tx2"/>
-          </a:solidFill>
-        </a:defRPr>
-      </a:lvl3pPr>
-      <a:lvl4pPr eaLnBrk="1" hangingPunct="1">
-        <a:defRPr>
-          <a:solidFill>
-            <a:schemeClr val="tx2"/>
-          </a:solidFill>
-        </a:defRPr>
-      </a:lvl4pPr>
-      <a:lvl5pPr eaLnBrk="1" hangingPunct="1">
-        <a:defRPr>
-          <a:solidFill>
-            <a:schemeClr val="tx2"/>
-          </a:solidFill>
-        </a:defRPr>
-      </a:lvl5pPr>
-      <a:lvl6pPr eaLnBrk="1" hangingPunct="1">
-        <a:defRPr>
-          <a:solidFill>
-            <a:schemeClr val="tx2"/>
-          </a:solidFill>
-        </a:defRPr>
-      </a:lvl6pPr>
-      <a:lvl7pPr eaLnBrk="1" hangingPunct="1">
-        <a:defRPr>
-          <a:solidFill>
-            <a:schemeClr val="tx2"/>
-          </a:solidFill>
-        </a:defRPr>
-      </a:lvl7pPr>
-      <a:lvl8pPr eaLnBrk="1" hangingPunct="1">
-        <a:defRPr>
-          <a:solidFill>
-            <a:schemeClr val="tx2"/>
-          </a:solidFill>
-        </a:defRPr>
-      </a:lvl8pPr>
-      <a:lvl9pPr eaLnBrk="1" hangingPunct="1">
-        <a:defRPr>
-          <a:solidFill>
-            <a:schemeClr val="tx2"/>
-          </a:solidFill>
-        </a:defRPr>
-      </a:lvl9pPr>
     </p:titleStyle>
     <p:bodyStyle>
-      <a:lvl1pPr marL="342900" indent="-342900" algn="l" defTabSz="457200" rtl="0" eaLnBrk="1" latinLnBrk="0" hangingPunct="1">
+      <a:lvl1pPr marL="342900" indent="-342900" algn="l" defTabSz="914400" rtl="0" eaLnBrk="1" latinLnBrk="0" hangingPunct="1">
         <a:spcBef>
-          <a:spcPts val="1000"/>
+          <a:spcPts val="800"/>
         </a:spcBef>
-        <a:spcAft>
-          <a:spcPts val="0"/>
-        </a:spcAft>
-        <a:buClr>
-          <a:schemeClr val="accent1"/>
-        </a:buClr>
-        <a:buSzPct val="80000"/>
-        <a:buFont typeface="Wingdings 3" charset="2"/>
-        <a:buChar char=""/>
-        <a:defRPr sz="1800" kern="1200">
+        <a:buFont typeface="Arial" pitchFamily="34" charset="0"/>
+        <a:buNone/>
+        <a:defRPr sz="1600" b="1" kern="1200">
           <a:solidFill>
-            <a:schemeClr val="tx1">
-              <a:lumMod val="75000"/>
-              <a:lumOff val="25000"/>
-            </a:schemeClr>
+            <a:schemeClr val="tx1"/>
           </a:solidFill>
           <a:latin typeface="+mn-lt"/>
           <a:ea typeface="+mn-ea"/>
           <a:cs typeface="+mn-cs"/>
         </a:defRPr>
       </a:lvl1pPr>
-      <a:lvl2pPr marL="742950" indent="-285750" algn="l" defTabSz="457200" rtl="0" eaLnBrk="1" latinLnBrk="0" hangingPunct="1">
+      <a:lvl2pPr marL="173736" indent="-173736" algn="l" defTabSz="914400" rtl="0" eaLnBrk="1" latinLnBrk="0" hangingPunct="1">
         <a:spcBef>
-          <a:spcPts val="1000"/>
+          <a:spcPts val="300"/>
         </a:spcBef>
-        <a:spcAft>
-          <a:spcPts val="0"/>
-        </a:spcAft>
         <a:buClr>
-          <a:schemeClr val="accent1"/>
+          <a:schemeClr val="accent2"/>
         </a:buClr>
-        <a:buSzPct val="80000"/>
-        <a:buFont typeface="Wingdings 3" charset="2"/>
-        <a:buChar char=""/>
+        <a:buFont typeface="Wingdings" pitchFamily="2" charset="2"/>
+        <a:buChar char="§"/>
         <a:defRPr sz="1600" kern="1200">
           <a:solidFill>
-            <a:schemeClr val="tx1">
-              <a:lumMod val="75000"/>
-              <a:lumOff val="25000"/>
-            </a:schemeClr>
+            <a:schemeClr val="tx1"/>
           </a:solidFill>
           <a:latin typeface="+mn-lt"/>
           <a:ea typeface="+mn-ea"/>
           <a:cs typeface="+mn-cs"/>
         </a:defRPr>
       </a:lvl2pPr>
-      <a:lvl3pPr marL="1143000" indent="-228600" algn="l" defTabSz="457200" rtl="0" eaLnBrk="1" latinLnBrk="0" hangingPunct="1">
+      <a:lvl3pPr marL="402336" indent="-164592" algn="l" defTabSz="914400" rtl="0" eaLnBrk="1" latinLnBrk="0" hangingPunct="1">
         <a:spcBef>
-          <a:spcPts val="1000"/>
+          <a:spcPts val="300"/>
         </a:spcBef>
-        <a:spcAft>
-          <a:spcPts val="0"/>
-        </a:spcAft>
         <a:buClr>
-          <a:schemeClr val="accent1"/>
+          <a:schemeClr val="accent2"/>
         </a:buClr>
-        <a:buSzPct val="80000"/>
-        <a:buFont typeface="Wingdings 3" charset="2"/>
-        <a:buChar char=""/>
-        <a:defRPr sz="1400" kern="1200">
+        <a:buFont typeface="Wingdings" pitchFamily="2" charset="2"/>
+        <a:buChar char="§"/>
+        <a:defRPr sz="1600" kern="1200">
           <a:solidFill>
-            <a:schemeClr val="tx1">
-              <a:lumMod val="75000"/>
-              <a:lumOff val="25000"/>
-            </a:schemeClr>
+            <a:schemeClr val="tx1"/>
           </a:solidFill>
           <a:latin typeface="+mn-lt"/>
           <a:ea typeface="+mn-ea"/>
           <a:cs typeface="+mn-cs"/>
         </a:defRPr>
       </a:lvl3pPr>
-      <a:lvl4pPr marL="1600200" indent="-228600" algn="l" defTabSz="457200" rtl="0" eaLnBrk="1" latinLnBrk="0" hangingPunct="1">
+      <a:lvl4pPr marL="630936" indent="-164592" algn="l" defTabSz="914400" rtl="0" eaLnBrk="1" latinLnBrk="0" hangingPunct="1">
         <a:spcBef>
-          <a:spcPts val="1000"/>
+          <a:spcPts val="300"/>
         </a:spcBef>
-        <a:spcAft>
-          <a:spcPts val="0"/>
-        </a:spcAft>
         <a:buClr>
-          <a:schemeClr val="accent1"/>
+          <a:schemeClr val="accent2"/>
         </a:buClr>
-        <a:buSzPct val="80000"/>
-        <a:buFont typeface="Wingdings 3" charset="2"/>
-        <a:buChar char=""/>
-        <a:defRPr sz="1200" kern="1200">
+        <a:buFont typeface="Wingdings" pitchFamily="2" charset="2"/>
+        <a:buChar char="§"/>
+        <a:defRPr sz="1600" kern="1200">
           <a:solidFill>
-            <a:schemeClr val="tx1">
-              <a:lumMod val="75000"/>
-              <a:lumOff val="25000"/>
-            </a:schemeClr>
+            <a:schemeClr val="tx1"/>
           </a:solidFill>
           <a:latin typeface="+mn-lt"/>
           <a:ea typeface="+mn-ea"/>
           <a:cs typeface="+mn-cs"/>
         </a:defRPr>
       </a:lvl4pPr>
-      <a:lvl5pPr marL="2057400" indent="-228600" algn="l" defTabSz="457200" rtl="0" eaLnBrk="1" latinLnBrk="0" hangingPunct="1">
+      <a:lvl5pPr marL="859536" indent="-173736" algn="l" defTabSz="914400" rtl="0" eaLnBrk="1" latinLnBrk="0" hangingPunct="1">
         <a:spcBef>
-          <a:spcPts val="1000"/>
+          <a:spcPts val="300"/>
         </a:spcBef>
-        <a:spcAft>
-          <a:spcPts val="0"/>
-        </a:spcAft>
         <a:buClr>
-          <a:schemeClr val="accent1"/>
+          <a:schemeClr val="accent2"/>
         </a:buClr>
-        <a:buSzPct val="80000"/>
-        <a:buFont typeface="Wingdings 3" charset="2"/>
-        <a:buChar char=""/>
-        <a:defRPr sz="1200" kern="1200">
+        <a:buFont typeface="Wingdings" pitchFamily="2" charset="2"/>
+        <a:buChar char="§"/>
+        <a:defRPr sz="1600" kern="1200">
           <a:solidFill>
-            <a:schemeClr val="tx1">
-              <a:lumMod val="75000"/>
-              <a:lumOff val="25000"/>
-            </a:schemeClr>
+            <a:schemeClr val="tx1"/>
           </a:solidFill>
           <a:latin typeface="+mn-lt"/>
           <a:ea typeface="+mn-ea"/>
           <a:cs typeface="+mn-cs"/>
         </a:defRPr>
       </a:lvl5pPr>
-      <a:lvl6pPr marL="2514600" indent="-228600" algn="l" defTabSz="457200" rtl="0" eaLnBrk="1" latinLnBrk="0" hangingPunct="1">
+      <a:lvl6pPr marL="1097280" indent="-173736" algn="l" defTabSz="914400" rtl="0" eaLnBrk="1" latinLnBrk="0" hangingPunct="1">
         <a:spcBef>
-          <a:spcPts val="1000"/>
+          <a:spcPts val="300"/>
         </a:spcBef>
-        <a:spcAft>
-          <a:spcPts val="0"/>
-        </a:spcAft>
         <a:buClr>
-          <a:schemeClr val="accent1"/>
+          <a:schemeClr val="accent2"/>
         </a:buClr>
-        <a:buSzPct val="80000"/>
-        <a:buFont typeface="Wingdings 3" charset="2"/>
-        <a:buChar char=""/>
-        <a:defRPr sz="1200" kern="1200">
+        <a:buFont typeface="Wingdings" pitchFamily="2" charset="2"/>
+        <a:buChar char="§"/>
+        <a:defRPr sz="1400" kern="1200">
           <a:solidFill>
-            <a:schemeClr val="tx1">
-              <a:lumMod val="75000"/>
-              <a:lumOff val="25000"/>
-            </a:schemeClr>
+            <a:schemeClr val="tx1"/>
           </a:solidFill>
           <a:latin typeface="+mn-lt"/>
           <a:ea typeface="+mn-ea"/>
           <a:cs typeface="+mn-cs"/>
         </a:defRPr>
       </a:lvl6pPr>
-      <a:lvl7pPr marL="2971800" indent="-228600" algn="l" defTabSz="457200" rtl="0" eaLnBrk="1" latinLnBrk="0" hangingPunct="1">
+      <a:lvl7pPr marL="1353312" indent="-164592" algn="l" defTabSz="914400" rtl="0" eaLnBrk="1" latinLnBrk="0" hangingPunct="1">
         <a:spcBef>
-          <a:spcPts val="1000"/>
+          <a:spcPts val="300"/>
         </a:spcBef>
-        <a:spcAft>
-          <a:spcPts val="0"/>
-        </a:spcAft>
         <a:buClr>
-          <a:schemeClr val="accent1"/>
+          <a:schemeClr val="accent2"/>
         </a:buClr>
-        <a:buSzPct val="80000"/>
-        <a:buFont typeface="Wingdings 3" charset="2"/>
-        <a:buChar char=""/>
-        <a:defRPr sz="1200" kern="1200">
+        <a:buFont typeface="Wingdings" pitchFamily="2" charset="2"/>
+        <a:buChar char="§"/>
+        <a:defRPr sz="1400" kern="1200">
           <a:solidFill>
-            <a:schemeClr val="tx1">
-              <a:lumMod val="75000"/>
-              <a:lumOff val="25000"/>
-            </a:schemeClr>
+            <a:schemeClr val="tx1"/>
           </a:solidFill>
           <a:latin typeface="+mn-lt"/>
           <a:ea typeface="+mn-ea"/>
           <a:cs typeface="+mn-cs"/>
         </a:defRPr>
       </a:lvl7pPr>
-      <a:lvl8pPr marL="3429000" indent="-228600" algn="l" defTabSz="457200" rtl="0" eaLnBrk="1" latinLnBrk="0" hangingPunct="1">
+      <a:lvl8pPr marL="1581912" indent="-164592" algn="l" defTabSz="914400" rtl="0" eaLnBrk="1" latinLnBrk="0" hangingPunct="1">
         <a:spcBef>
-          <a:spcPts val="1000"/>
+          <a:spcPts val="300"/>
         </a:spcBef>
-        <a:spcAft>
-          <a:spcPts val="0"/>
-        </a:spcAft>
         <a:buClr>
-          <a:schemeClr val="accent1"/>
+          <a:schemeClr val="accent2"/>
         </a:buClr>
-        <a:buSzPct val="80000"/>
-        <a:buFont typeface="Wingdings 3" charset="2"/>
-        <a:buChar char=""/>
-        <a:defRPr sz="1200" kern="1200">
+        <a:buFont typeface="Wingdings" pitchFamily="2" charset="2"/>
+        <a:buChar char="§"/>
+        <a:defRPr sz="1400" kern="1200">
           <a:solidFill>
-            <a:schemeClr val="tx1">
-              <a:lumMod val="75000"/>
-              <a:lumOff val="25000"/>
-            </a:schemeClr>
+            <a:schemeClr val="tx1"/>
           </a:solidFill>
           <a:latin typeface="+mn-lt"/>
           <a:ea typeface="+mn-ea"/>
           <a:cs typeface="+mn-cs"/>
         </a:defRPr>
       </a:lvl8pPr>
-      <a:lvl9pPr marL="3886200" indent="-228600" algn="l" defTabSz="457200" rtl="0" eaLnBrk="1" latinLnBrk="0" hangingPunct="1">
+      <a:lvl9pPr marL="1792224" indent="-164592" algn="l" defTabSz="914400" rtl="0" eaLnBrk="1" latinLnBrk="0" hangingPunct="1">
         <a:spcBef>
-          <a:spcPts val="1000"/>
+          <a:spcPts val="300"/>
         </a:spcBef>
-        <a:spcAft>
-          <a:spcPts val="0"/>
-        </a:spcAft>
         <a:buClr>
-          <a:schemeClr val="accent1"/>
+          <a:schemeClr val="accent2"/>
         </a:buClr>
-        <a:buSzPct val="80000"/>
-        <a:buFont typeface="Wingdings 3" charset="2"/>
-        <a:buChar char=""/>
-        <a:defRPr sz="1200" kern="1200">
+        <a:buFont typeface="Wingdings" pitchFamily="2" charset="2"/>
+        <a:buChar char="§"/>
+        <a:defRPr sz="1400" kern="1200">
           <a:solidFill>
-            <a:schemeClr val="tx1">
-              <a:lumMod val="75000"/>
-              <a:lumOff val="25000"/>
-            </a:schemeClr>
+            <a:schemeClr val="tx1"/>
           </a:solidFill>
           <a:latin typeface="+mn-lt"/>
           <a:ea typeface="+mn-ea"/>
@@ -5773,7 +4723,7 @@
       <a:defPPr>
         <a:defRPr lang="en-US"/>
       </a:defPPr>
-      <a:lvl1pPr marL="0" algn="l" defTabSz="457200" rtl="0" eaLnBrk="1" latinLnBrk="0" hangingPunct="1">
+      <a:lvl1pPr marL="0" algn="l" defTabSz="914400" rtl="0" eaLnBrk="1" latinLnBrk="0" hangingPunct="1">
         <a:defRPr sz="1800" kern="1200">
           <a:solidFill>
             <a:schemeClr val="tx1"/>
@@ -5783,7 +4733,7 @@
           <a:cs typeface="+mn-cs"/>
         </a:defRPr>
       </a:lvl1pPr>
-      <a:lvl2pPr marL="457200" algn="l" defTabSz="457200" rtl="0" eaLnBrk="1" latinLnBrk="0" hangingPunct="1">
+      <a:lvl2pPr marL="457200" algn="l" defTabSz="914400" rtl="0" eaLnBrk="1" latinLnBrk="0" hangingPunct="1">
         <a:defRPr sz="1800" kern="1200">
           <a:solidFill>
             <a:schemeClr val="tx1"/>
@@ -5793,7 +4743,7 @@
           <a:cs typeface="+mn-cs"/>
         </a:defRPr>
       </a:lvl2pPr>
-      <a:lvl3pPr marL="914400" algn="l" defTabSz="457200" rtl="0" eaLnBrk="1" latinLnBrk="0" hangingPunct="1">
+      <a:lvl3pPr marL="914400" algn="l" defTabSz="914400" rtl="0" eaLnBrk="1" latinLnBrk="0" hangingPunct="1">
         <a:defRPr sz="1800" kern="1200">
           <a:solidFill>
             <a:schemeClr val="tx1"/>
@@ -5803,7 +4753,7 @@
           <a:cs typeface="+mn-cs"/>
         </a:defRPr>
       </a:lvl3pPr>
-      <a:lvl4pPr marL="1371600" algn="l" defTabSz="457200" rtl="0" eaLnBrk="1" latinLnBrk="0" hangingPunct="1">
+      <a:lvl4pPr marL="1371600" algn="l" defTabSz="914400" rtl="0" eaLnBrk="1" latinLnBrk="0" hangingPunct="1">
         <a:defRPr sz="1800" kern="1200">
           <a:solidFill>
             <a:schemeClr val="tx1"/>
@@ -5813,7 +4763,7 @@
           <a:cs typeface="+mn-cs"/>
         </a:defRPr>
       </a:lvl4pPr>
-      <a:lvl5pPr marL="1828800" algn="l" defTabSz="457200" rtl="0" eaLnBrk="1" latinLnBrk="0" hangingPunct="1">
+      <a:lvl5pPr marL="1828800" algn="l" defTabSz="914400" rtl="0" eaLnBrk="1" latinLnBrk="0" hangingPunct="1">
         <a:defRPr sz="1800" kern="1200">
           <a:solidFill>
             <a:schemeClr val="tx1"/>
@@ -5823,7 +4773,7 @@
           <a:cs typeface="+mn-cs"/>
         </a:defRPr>
       </a:lvl5pPr>
-      <a:lvl6pPr marL="2286000" algn="l" defTabSz="457200" rtl="0" eaLnBrk="1" latinLnBrk="0" hangingPunct="1">
+      <a:lvl6pPr marL="2286000" algn="l" defTabSz="914400" rtl="0" eaLnBrk="1" latinLnBrk="0" hangingPunct="1">
         <a:defRPr sz="1800" kern="1200">
           <a:solidFill>
             <a:schemeClr val="tx1"/>
@@ -5833,7 +4783,7 @@
           <a:cs typeface="+mn-cs"/>
         </a:defRPr>
       </a:lvl6pPr>
-      <a:lvl7pPr marL="2743200" algn="l" defTabSz="457200" rtl="0" eaLnBrk="1" latinLnBrk="0" hangingPunct="1">
+      <a:lvl7pPr marL="2743200" algn="l" defTabSz="914400" rtl="0" eaLnBrk="1" latinLnBrk="0" hangingPunct="1">
         <a:defRPr sz="1800" kern="1200">
           <a:solidFill>
             <a:schemeClr val="tx1"/>
@@ -5843,7 +4793,7 @@
           <a:cs typeface="+mn-cs"/>
         </a:defRPr>
       </a:lvl7pPr>
-      <a:lvl8pPr marL="3200400" algn="l" defTabSz="457200" rtl="0" eaLnBrk="1" latinLnBrk="0" hangingPunct="1">
+      <a:lvl8pPr marL="3200400" algn="l" defTabSz="914400" rtl="0" eaLnBrk="1" latinLnBrk="0" hangingPunct="1">
         <a:defRPr sz="1800" kern="1200">
           <a:solidFill>
             <a:schemeClr val="tx1"/>
@@ -5853,7 +4803,7 @@
           <a:cs typeface="+mn-cs"/>
         </a:defRPr>
       </a:lvl8pPr>
-      <a:lvl9pPr marL="3657600" algn="l" defTabSz="457200" rtl="0" eaLnBrk="1" latinLnBrk="0" hangingPunct="1">
+      <a:lvl9pPr marL="3657600" algn="l" defTabSz="914400" rtl="0" eaLnBrk="1" latinLnBrk="0" hangingPunct="1">
         <a:defRPr sz="1800" kern="1200">
           <a:solidFill>
             <a:schemeClr val="tx1"/>
@@ -6729,7 +5679,7 @@
         </p:nvGraphicFramePr>
         <p:xfrm>
           <a:off x="3291452" y="3424107"/>
-          <a:ext cx="8144484" cy="3071696"/>
+          <a:ext cx="8144484" cy="3283849"/>
         </p:xfrm>
         <a:graphic>
           <a:graphicData uri="http://schemas.openxmlformats.org/drawingml/2006/table">
@@ -7488,7 +6438,7 @@
         </p:spPr>
         <p:txBody>
           <a:bodyPr>
-            <a:normAutofit lnSpcReduction="10000"/>
+            <a:normAutofit/>
           </a:bodyPr>
           <a:lstStyle/>
           <a:p>
@@ -7856,93 +6806,58 @@
 </file>
 
 <file path=ppt/theme/theme1.xml><?xml version="1.0" encoding="utf-8"?>
-<a:theme xmlns:a="http://schemas.openxmlformats.org/drawingml/2006/main" name="Faceta">
+<a:theme xmlns:a="http://schemas.openxmlformats.org/drawingml/2006/main" name="Ángulos">
   <a:themeElements>
-    <a:clrScheme name="Faceta">
+    <a:clrScheme name="Ángulos">
       <a:dk1>
-        <a:sysClr val="windowText" lastClr="000000"/>
+        <a:srgbClr val="000000"/>
       </a:dk1>
       <a:lt1>
-        <a:sysClr val="window" lastClr="FFFFFF"/>
+        <a:srgbClr val="FFFFFF"/>
       </a:lt1>
       <a:dk2>
-        <a:srgbClr val="2C3C43"/>
+        <a:srgbClr val="434342"/>
       </a:dk2>
       <a:lt2>
-        <a:srgbClr val="EBEBEB"/>
+        <a:srgbClr val="CDD7D9"/>
       </a:lt2>
       <a:accent1>
-        <a:srgbClr val="90C226"/>
+        <a:srgbClr val="797B7E"/>
       </a:accent1>
       <a:accent2>
-        <a:srgbClr val="54A021"/>
+        <a:srgbClr val="F96A1B"/>
       </a:accent2>
       <a:accent3>
-        <a:srgbClr val="E6B91E"/>
+        <a:srgbClr val="08A1D9"/>
       </a:accent3>
       <a:accent4>
-        <a:srgbClr val="E76618"/>
+        <a:srgbClr val="7C984A"/>
       </a:accent4>
       <a:accent5>
-        <a:srgbClr val="C42F1A"/>
+        <a:srgbClr val="C2AD8D"/>
       </a:accent5>
       <a:accent6>
-        <a:srgbClr val="918655"/>
+        <a:srgbClr val="506E94"/>
       </a:accent6>
       <a:hlink>
-        <a:srgbClr val="99CA3C"/>
+        <a:srgbClr val="5F5F5F"/>
       </a:hlink>
       <a:folHlink>
-        <a:srgbClr val="B9D181"/>
+        <a:srgbClr val="969696"/>
       </a:folHlink>
     </a:clrScheme>
-    <a:fontScheme name="Faceta">
+    <a:fontScheme name="Ángulos">
       <a:majorFont>
-        <a:latin typeface="Trebuchet MS" panose="020B0603020202020204"/>
+        <a:latin typeface="Franklin Gothic Medium"/>
         <a:ea typeface=""/>
         <a:cs typeface=""/>
-        <a:font script="Jpan" typeface="メイリオ"/>
-        <a:font script="Hang" typeface="맑은 고딕"/>
-        <a:font script="Hans" typeface="方正姚体"/>
+        <a:font script="Jpan" typeface="HG創英角ｺﾞｼｯｸUB"/>
+        <a:font script="Hang" typeface="돋움"/>
+        <a:font script="Hans" typeface="微软雅黑"/>
         <a:font script="Hant" typeface="微軟正黑體"/>
         <a:font script="Arab" typeface="Tahoma"/>
-        <a:font script="Hebr" typeface="Arial"/>
-        <a:font script="Thai" typeface="Cordia New"/>
-        <a:font script="Ethi" typeface="Nyala"/>
-        <a:font script="Beng" typeface="Vrinda"/>
-        <a:font script="Gujr" typeface="Shruti"/>
-        <a:font script="Khmr" typeface="DaunPenh"/>
-        <a:font script="Knda" typeface="Tunga"/>
-        <a:font script="Guru" typeface="Raavi"/>
-        <a:font script="Cans" typeface="Euphemia"/>
-        <a:font script="Cher" typeface="Plantagenet Cherokee"/>
-        <a:font script="Yiii" typeface="Microsoft Yi Baiti"/>
-        <a:font script="Tibt" typeface="Microsoft Himalaya"/>
-        <a:font script="Thaa" typeface="MV Boli"/>
-        <a:font script="Deva" typeface="Mangal"/>
-        <a:font script="Telu" typeface="Gautami"/>
-        <a:font script="Taml" typeface="Latha"/>
-        <a:font script="Syrc" typeface="Estrangelo Edessa"/>
-        <a:font script="Orya" typeface="Kalinga"/>
-        <a:font script="Mlym" typeface="Kartika"/>
-        <a:font script="Laoo" typeface="DokChampa"/>
-        <a:font script="Sinh" typeface="Iskoola Pota"/>
-        <a:font script="Mong" typeface="Mongolian Baiti"/>
-        <a:font script="Viet" typeface="Tahoma"/>
-        <a:font script="Uigh" typeface="Microsoft Uighur"/>
-        <a:font script="Geor" typeface="Sylfaen"/>
-      </a:majorFont>
-      <a:minorFont>
-        <a:latin typeface="Trebuchet MS" panose="020B0603020202020204"/>
-        <a:ea typeface=""/>
-        <a:cs typeface=""/>
-        <a:font script="Jpan" typeface="メイリオ"/>
-        <a:font script="Hang" typeface="HY그래픽M"/>
-        <a:font script="Hans" typeface="华文新魏"/>
-        <a:font script="Hant" typeface="微軟正黑體"/>
-        <a:font script="Arab" typeface="Tahoma"/>
-        <a:font script="Hebr" typeface="Gisha"/>
-        <a:font script="Thai" typeface="IrisUPC"/>
+        <a:font script="Hebr" typeface="Aharoni"/>
+        <a:font script="Thai" typeface="LilyUPC"/>
         <a:font script="Ethi" typeface="Nyala"/>
         <a:font script="Beng" typeface="Vrinda"/>
         <a:font script="Gujr" typeface="Shruti"/>
@@ -7966,9 +6881,44 @@
         <a:font script="Viet" typeface="Arial"/>
         <a:font script="Uigh" typeface="Microsoft Uighur"/>
         <a:font script="Geor" typeface="Sylfaen"/>
+      </a:majorFont>
+      <a:minorFont>
+        <a:latin typeface="Franklin Gothic Book"/>
+        <a:ea typeface=""/>
+        <a:cs typeface=""/>
+        <a:font script="Jpan" typeface="ＭＳ Ｐゴシック"/>
+        <a:font script="Hang" typeface="맑은 고딕"/>
+        <a:font script="Hans" typeface="隶书"/>
+        <a:font script="Hant" typeface="新細明體"/>
+        <a:font script="Arab" typeface="Arial"/>
+        <a:font script="Hebr" typeface="Arial"/>
+        <a:font script="Thai" typeface="Cordia New"/>
+        <a:font script="Ethi" typeface="Nyala"/>
+        <a:font script="Beng" typeface="Vrinda"/>
+        <a:font script="Gujr" typeface="Shruti"/>
+        <a:font script="Khmr" typeface="MoolBoran"/>
+        <a:font script="Knda" typeface="Tunga"/>
+        <a:font script="Guru" typeface="Raavi"/>
+        <a:font script="Cans" typeface="Euphemia"/>
+        <a:font script="Cher" typeface="Plantagenet Cherokee"/>
+        <a:font script="Yiii" typeface="Microsoft Yi Baiti"/>
+        <a:font script="Tibt" typeface="Microsoft Himalaya"/>
+        <a:font script="Thaa" typeface="MV Boli"/>
+        <a:font script="Deva" typeface="Mangal"/>
+        <a:font script="Telu" typeface="Gautami"/>
+        <a:font script="Taml" typeface="Latha"/>
+        <a:font script="Syrc" typeface="Estrangelo Edessa"/>
+        <a:font script="Orya" typeface="Kalinga"/>
+        <a:font script="Mlym" typeface="Kartika"/>
+        <a:font script="Laoo" typeface="DokChampa"/>
+        <a:font script="Sinh" typeface="Iskoola Pota"/>
+        <a:font script="Mong" typeface="Mongolian Baiti"/>
+        <a:font script="Viet" typeface="Arial"/>
+        <a:font script="Uigh" typeface="Microsoft Uighur"/>
+        <a:font script="Geor" typeface="Sylfaen"/>
       </a:minorFont>
     </a:fontScheme>
-    <a:fmtScheme name="Faceta">
+    <a:fmtScheme name="Ángulos">
       <a:fillStyleLst>
         <a:solidFill>
           <a:schemeClr val="phClr"/>
@@ -7977,50 +6927,66 @@
           <a:gsLst>
             <a:gs pos="0">
               <a:schemeClr val="phClr">
-                <a:tint val="65000"/>
-                <a:lumMod val="110000"/>
+                <a:tint val="50000"/>
+                <a:satMod val="300000"/>
               </a:schemeClr>
             </a:gs>
-            <a:gs pos="88000">
+            <a:gs pos="35000">
               <a:schemeClr val="phClr">
-                <a:tint val="90000"/>
+                <a:tint val="37000"/>
+                <a:satMod val="300000"/>
+              </a:schemeClr>
+            </a:gs>
+            <a:gs pos="100000">
+              <a:schemeClr val="phClr">
+                <a:tint val="15000"/>
+                <a:satMod val="350000"/>
               </a:schemeClr>
             </a:gs>
           </a:gsLst>
-          <a:lin ang="5400000" scaled="0"/>
+          <a:lin ang="16200000" scaled="1"/>
         </a:gradFill>
         <a:gradFill rotWithShape="1">
           <a:gsLst>
             <a:gs pos="0">
               <a:schemeClr val="phClr">
-                <a:tint val="96000"/>
-                <a:lumMod val="100000"/>
+                <a:shade val="51000"/>
+                <a:satMod val="130000"/>
               </a:schemeClr>
             </a:gs>
-            <a:gs pos="78000">
+            <a:gs pos="80000">
+              <a:schemeClr val="phClr">
+                <a:shade val="93000"/>
+                <a:satMod val="130000"/>
+              </a:schemeClr>
+            </a:gs>
+            <a:gs pos="100000">
               <a:schemeClr val="phClr">
                 <a:shade val="94000"/>
-                <a:lumMod val="94000"/>
+                <a:satMod val="135000"/>
               </a:schemeClr>
             </a:gs>
           </a:gsLst>
-          <a:lin ang="5400000" scaled="0"/>
+          <a:lin ang="16200000" scaled="0"/>
         </a:gradFill>
       </a:fillStyleLst>
       <a:lnStyleLst>
-        <a:ln w="12700" cap="rnd" cmpd="sng" algn="ctr">
+        <a:ln w="9525" cap="flat" cmpd="sng" algn="ctr">
+          <a:solidFill>
+            <a:schemeClr val="phClr">
+              <a:shade val="95000"/>
+              <a:satMod val="105000"/>
+            </a:schemeClr>
+          </a:solidFill>
+          <a:prstDash val="solid"/>
+        </a:ln>
+        <a:ln w="25400" cap="flat" cmpd="sng" algn="ctr">
           <a:solidFill>
             <a:schemeClr val="phClr"/>
           </a:solidFill>
           <a:prstDash val="solid"/>
         </a:ln>
-        <a:ln w="19050" cap="rnd" cmpd="sng" algn="ctr">
-          <a:solidFill>
-            <a:schemeClr val="phClr"/>
-          </a:solidFill>
-          <a:prstDash val="solid"/>
-        </a:ln>
-        <a:ln w="25400" cap="rnd" cmpd="sng" algn="ctr">
+        <a:ln w="38100" cap="flat" cmpd="sng" algn="ctr">
           <a:solidFill>
             <a:schemeClr val="phClr"/>
           </a:solidFill>
@@ -8029,11 +6995,17 @@
       </a:lnStyleLst>
       <a:effectStyleLst>
         <a:effectStyle>
-          <a:effectLst/>
+          <a:effectLst>
+            <a:outerShdw blurRad="40000" dist="20000" dir="5400000" rotWithShape="0">
+              <a:srgbClr val="000000">
+                <a:alpha val="38000"/>
+              </a:srgbClr>
+            </a:outerShdw>
+          </a:effectLst>
         </a:effectStyle>
         <a:effectStyle>
           <a:effectLst>
-            <a:outerShdw blurRad="38100" dist="25400" dir="5400000" rotWithShape="0">
+            <a:outerShdw blurRad="40000" dist="23000" dir="5400000" rotWithShape="0">
               <a:srgbClr val="000000">
                 <a:alpha val="35000"/>
               </a:srgbClr>
@@ -8042,7 +7014,7 @@
         </a:effectStyle>
         <a:effectStyle>
           <a:effectLst>
-            <a:outerShdw blurRad="50800" dist="38100" dir="5400000" rotWithShape="0">
+            <a:outerShdw blurRad="40000" dist="23000" dir="5400000" rotWithShape="0">
               <a:srgbClr val="000000">
                 <a:alpha val="35000"/>
               </a:srgbClr>
@@ -8052,10 +7024,18 @@
             <a:camera prst="orthographicFront">
               <a:rot lat="0" lon="0" rev="0"/>
             </a:camera>
-            <a:lightRig rig="threePt" dir="tl"/>
+            <a:lightRig rig="threePt" dir="t">
+              <a:rot lat="0" lon="0" rev="20400000"/>
+            </a:lightRig>
           </a:scene3d>
-          <a:sp3d prstMaterial="plastic">
-            <a:bevelT w="0" h="0"/>
+          <a:sp3d contourW="6350">
+            <a:bevelT w="41275" h="19050" prst="angle"/>
+            <a:contourClr>
+              <a:schemeClr val="phClr">
+                <a:shade val="25000"/>
+                <a:satMod val="150000"/>
+              </a:schemeClr>
+            </a:contourClr>
           </a:sp3d>
         </a:effectStyle>
       </a:effectStyleLst>
@@ -8063,51 +7043,40 @@
         <a:solidFill>
           <a:schemeClr val="phClr"/>
         </a:solidFill>
-        <a:gradFill rotWithShape="1">
-          <a:gsLst>
-            <a:gs pos="0">
+        <a:blipFill rotWithShape="1">
+          <a:blip xmlns:r="http://schemas.openxmlformats.org/officeDocument/2006/relationships" r:embed="rId1">
+            <a:duotone>
               <a:schemeClr val="phClr">
                 <a:tint val="90000"/>
-                <a:lumMod val="104000"/>
+                <a:shade val="85000"/>
               </a:schemeClr>
-            </a:gs>
-            <a:gs pos="94000">
               <a:schemeClr val="phClr">
-                <a:shade val="96000"/>
-                <a:lumMod val="82000"/>
+                <a:tint val="95000"/>
+                <a:shade val="99000"/>
               </a:schemeClr>
-            </a:gs>
-          </a:gsLst>
-          <a:lin ang="5400000" scaled="0"/>
-        </a:gradFill>
-        <a:gradFill rotWithShape="1">
-          <a:gsLst>
-            <a:gs pos="0">
+            </a:duotone>
+          </a:blip>
+          <a:tile tx="0" ty="0" sx="100000" sy="100000" flip="none" algn="tl"/>
+        </a:blipFill>
+        <a:blipFill rotWithShape="1">
+          <a:blip xmlns:r="http://schemas.openxmlformats.org/officeDocument/2006/relationships" r:embed="rId2">
+            <a:duotone>
               <a:schemeClr val="phClr">
-                <a:tint val="90000"/>
-                <a:lumMod val="110000"/>
+                <a:tint val="93000"/>
+                <a:shade val="85000"/>
               </a:schemeClr>
-            </a:gs>
-            <a:gs pos="100000">
               <a:schemeClr val="phClr">
-                <a:shade val="94000"/>
-                <a:lumMod val="96000"/>
+                <a:tint val="96000"/>
+                <a:shade val="99000"/>
               </a:schemeClr>
-            </a:gs>
-          </a:gsLst>
-          <a:path path="circle">
-            <a:fillToRect l="50000" t="50000" r="100000" b="100000"/>
-          </a:path>
-        </a:gradFill>
+            </a:duotone>
+          </a:blip>
+          <a:tile tx="0" ty="0" sx="90000" sy="90000" flip="none" algn="tl"/>
+        </a:blipFill>
       </a:bgFillStyleLst>
     </a:fmtScheme>
   </a:themeElements>
   <a:objectDefaults/>
   <a:extraClrSchemeLst/>
-  <a:extLst>
-    <a:ext uri="{05A4C25C-085E-4340-85A3-A5531E510DB2}">
-      <thm15:themeFamily xmlns:thm15="http://schemas.microsoft.com/office/thememl/2012/main" name="Facet" id="{C0C680CD-088A-49FC-A102-D699147F32B2}" vid="{CFBC31BA-B70F-4F30-BCAA-4F3011E16C4D}"/>
-    </a:ext>
-  </a:extLst>
 </a:theme>
 </file>
--- a/Food-Aid.pptx
+++ b/Food-Aid.pptx
@@ -2,7 +2,7 @@
 <file path=ppt/presentation.xml><?xml version="1.0" encoding="utf-8"?>
 <p:presentation xmlns:a="http://schemas.openxmlformats.org/drawingml/2006/main" xmlns:r="http://schemas.openxmlformats.org/officeDocument/2006/relationships" xmlns:p="http://schemas.openxmlformats.org/presentationml/2006/main" saveSubsetFonts="1">
   <p:sldMasterIdLst>
-    <p:sldMasterId id="2147483761" r:id="rId1"/>
+    <p:sldMasterId id="2147483773" r:id="rId1"/>
   </p:sldMasterIdLst>
   <p:sldIdLst>
     <p:sldId id="256" r:id="rId2"/>
@@ -117,7 +117,7 @@
   </p:defaultTextStyle>
   <p:extLst>
     <p:ext uri="{EFAFB233-063F-42B5-8137-9DF3F51BA10A}">
-      <p15:sldGuideLst xmlns:p15="http://schemas.microsoft.com/office/powerpoint/2012/main" xmlns="">
+      <p15:sldGuideLst xmlns:p15="http://schemas.microsoft.com/office/powerpoint/2012/main">
         <p15:guide id="1" orient="horz" pos="2160">
           <p15:clr>
             <a:srgbClr val="A4A3A4"/>
@@ -135,7 +135,7 @@
 </file>
 
 <file path=ppt/slideLayouts/slideLayout1.xml><?xml version="1.0" encoding="utf-8"?>
-<p:sldLayout xmlns:a="http://schemas.openxmlformats.org/drawingml/2006/main" xmlns:r="http://schemas.openxmlformats.org/officeDocument/2006/relationships" xmlns:p="http://schemas.openxmlformats.org/presentationml/2006/main" showMasterSp="0" type="title" preserve="1">
+<p:sldLayout xmlns:a="http://schemas.openxmlformats.org/drawingml/2006/main" xmlns:r="http://schemas.openxmlformats.org/officeDocument/2006/relationships" xmlns:p="http://schemas.openxmlformats.org/presentationml/2006/main" type="title" preserve="1">
   <p:cSld name="Diapositiva de título">
     <p:spTree>
       <p:nvGrpSpPr>
@@ -153,327 +153,66 @@
       </p:grpSpPr>
       <p:sp>
         <p:nvSpPr>
-          <p:cNvPr id="7" name="Right Triangle 6"/>
-          <p:cNvSpPr/>
-          <p:nvPr/>
+          <p:cNvPr id="2" name="Title 1"/>
+          <p:cNvSpPr>
+            <a:spLocks noGrp="1"/>
+          </p:cNvSpPr>
+          <p:nvPr>
+            <p:ph type="ctrTitle"/>
+          </p:nvPr>
         </p:nvSpPr>
         <p:spPr>
           <a:xfrm>
-            <a:off x="1" y="2647950"/>
-            <a:ext cx="4762500" cy="4210050"/>
-          </a:xfrm>
-          <a:prstGeom prst="rtTriangle">
-            <a:avLst/>
-          </a:prstGeom>
-          <a:solidFill>
-            <a:schemeClr val="accent2"/>
-          </a:solidFill>
-          <a:ln>
-            <a:noFill/>
-          </a:ln>
-        </p:spPr>
-        <p:style>
-          <a:lnRef idx="2">
-            <a:schemeClr val="accent1">
-              <a:shade val="50000"/>
-            </a:schemeClr>
-          </a:lnRef>
-          <a:fillRef idx="1">
-            <a:schemeClr val="accent1"/>
-          </a:fillRef>
-          <a:effectRef idx="0">
-            <a:schemeClr val="accent1"/>
-          </a:effectRef>
-          <a:fontRef idx="minor">
-            <a:schemeClr val="lt1"/>
-          </a:fontRef>
-        </p:style>
-        <p:txBody>
-          <a:bodyPr rtlCol="0" anchor="ctr"/>
-          <a:lstStyle/>
-          <a:p>
-            <a:pPr algn="ctr"/>
-            <a:endParaRPr lang="en-US"/>
-          </a:p>
-        </p:txBody>
-      </p:sp>
-      <p:sp>
-        <p:nvSpPr>
-          <p:cNvPr id="8" name="Freeform 7"/>
-          <p:cNvSpPr/>
-          <p:nvPr/>
-        </p:nvSpPr>
-        <p:spPr>
-          <a:xfrm>
-            <a:off x="-3173" y="-925"/>
-            <a:ext cx="12195173" cy="6858925"/>
-          </a:xfrm>
-          <a:custGeom>
-            <a:avLst/>
-            <a:gdLst>
-              <a:gd name="connsiteX0" fmla="*/ 0 w 3350419"/>
-              <a:gd name="connsiteY0" fmla="*/ 2081213 h 2083594"/>
-              <a:gd name="connsiteX1" fmla="*/ 3031331 w 3350419"/>
-              <a:gd name="connsiteY1" fmla="*/ 0 h 2083594"/>
-              <a:gd name="connsiteX2" fmla="*/ 3350419 w 3350419"/>
-              <a:gd name="connsiteY2" fmla="*/ 80963 h 2083594"/>
-              <a:gd name="connsiteX3" fmla="*/ 3350419 w 3350419"/>
-              <a:gd name="connsiteY3" fmla="*/ 2083594 h 2083594"/>
-              <a:gd name="connsiteX4" fmla="*/ 0 w 3350419"/>
-              <a:gd name="connsiteY4" fmla="*/ 2081213 h 2083594"/>
-              <a:gd name="connsiteX0" fmla="*/ 0 w 3112294"/>
-              <a:gd name="connsiteY0" fmla="*/ 2019301 h 2083594"/>
-              <a:gd name="connsiteX1" fmla="*/ 2793206 w 3112294"/>
-              <a:gd name="connsiteY1" fmla="*/ 0 h 2083594"/>
-              <a:gd name="connsiteX2" fmla="*/ 3112294 w 3112294"/>
-              <a:gd name="connsiteY2" fmla="*/ 80963 h 2083594"/>
-              <a:gd name="connsiteX3" fmla="*/ 3112294 w 3112294"/>
-              <a:gd name="connsiteY3" fmla="*/ 2083594 h 2083594"/>
-              <a:gd name="connsiteX4" fmla="*/ 0 w 3112294"/>
-              <a:gd name="connsiteY4" fmla="*/ 2019301 h 2083594"/>
-              <a:gd name="connsiteX0" fmla="*/ 0 w 3345656"/>
-              <a:gd name="connsiteY0" fmla="*/ 2097882 h 2097882"/>
-              <a:gd name="connsiteX1" fmla="*/ 3026568 w 3345656"/>
-              <a:gd name="connsiteY1" fmla="*/ 0 h 2097882"/>
-              <a:gd name="connsiteX2" fmla="*/ 3345656 w 3345656"/>
-              <a:gd name="connsiteY2" fmla="*/ 80963 h 2097882"/>
-              <a:gd name="connsiteX3" fmla="*/ 3345656 w 3345656"/>
-              <a:gd name="connsiteY3" fmla="*/ 2083594 h 2097882"/>
-              <a:gd name="connsiteX4" fmla="*/ 0 w 3345656"/>
-              <a:gd name="connsiteY4" fmla="*/ 2097882 h 2097882"/>
-              <a:gd name="connsiteX0" fmla="*/ 0 w 2800350"/>
-              <a:gd name="connsiteY0" fmla="*/ 1935957 h 2083594"/>
-              <a:gd name="connsiteX1" fmla="*/ 2481262 w 2800350"/>
-              <a:gd name="connsiteY1" fmla="*/ 0 h 2083594"/>
-              <a:gd name="connsiteX2" fmla="*/ 2800350 w 2800350"/>
-              <a:gd name="connsiteY2" fmla="*/ 80963 h 2083594"/>
-              <a:gd name="connsiteX3" fmla="*/ 2800350 w 2800350"/>
-              <a:gd name="connsiteY3" fmla="*/ 2083594 h 2083594"/>
-              <a:gd name="connsiteX4" fmla="*/ 0 w 2800350"/>
-              <a:gd name="connsiteY4" fmla="*/ 1935957 h 2083594"/>
-              <a:gd name="connsiteX0" fmla="*/ 0 w 3352800"/>
-              <a:gd name="connsiteY0" fmla="*/ 2083594 h 2083594"/>
-              <a:gd name="connsiteX1" fmla="*/ 3033712 w 3352800"/>
-              <a:gd name="connsiteY1" fmla="*/ 0 h 2083594"/>
-              <a:gd name="connsiteX2" fmla="*/ 3352800 w 3352800"/>
-              <a:gd name="connsiteY2" fmla="*/ 80963 h 2083594"/>
-              <a:gd name="connsiteX3" fmla="*/ 3352800 w 3352800"/>
-              <a:gd name="connsiteY3" fmla="*/ 2083594 h 2083594"/>
-              <a:gd name="connsiteX4" fmla="*/ 0 w 3352800"/>
-              <a:gd name="connsiteY4" fmla="*/ 2083594 h 2083594"/>
-              <a:gd name="connsiteX0" fmla="*/ 0 w 3352800"/>
-              <a:gd name="connsiteY0" fmla="*/ 2002631 h 2002631"/>
-              <a:gd name="connsiteX1" fmla="*/ 3033712 w 3352800"/>
-              <a:gd name="connsiteY1" fmla="*/ 157162 h 2002631"/>
-              <a:gd name="connsiteX2" fmla="*/ 3352800 w 3352800"/>
-              <a:gd name="connsiteY2" fmla="*/ 0 h 2002631"/>
-              <a:gd name="connsiteX3" fmla="*/ 3352800 w 3352800"/>
-              <a:gd name="connsiteY3" fmla="*/ 2002631 h 2002631"/>
-              <a:gd name="connsiteX4" fmla="*/ 0 w 3352800"/>
-              <a:gd name="connsiteY4" fmla="*/ 2002631 h 2002631"/>
-              <a:gd name="connsiteX0" fmla="*/ 0 w 3352800"/>
-              <a:gd name="connsiteY0" fmla="*/ 2002631 h 2002631"/>
-              <a:gd name="connsiteX1" fmla="*/ 2988469 w 3352800"/>
-              <a:gd name="connsiteY1" fmla="*/ 59530 h 2002631"/>
-              <a:gd name="connsiteX2" fmla="*/ 3352800 w 3352800"/>
-              <a:gd name="connsiteY2" fmla="*/ 0 h 2002631"/>
-              <a:gd name="connsiteX3" fmla="*/ 3352800 w 3352800"/>
-              <a:gd name="connsiteY3" fmla="*/ 2002631 h 2002631"/>
-              <a:gd name="connsiteX4" fmla="*/ 0 w 3352800"/>
-              <a:gd name="connsiteY4" fmla="*/ 2002631 h 2002631"/>
-              <a:gd name="connsiteX0" fmla="*/ 0 w 3352800"/>
-              <a:gd name="connsiteY0" fmla="*/ 2002631 h 2002631"/>
-              <a:gd name="connsiteX1" fmla="*/ 2833966 w 3352800"/>
-              <a:gd name="connsiteY1" fmla="*/ 425 h 2002631"/>
-              <a:gd name="connsiteX2" fmla="*/ 3352800 w 3352800"/>
-              <a:gd name="connsiteY2" fmla="*/ 0 h 2002631"/>
-              <a:gd name="connsiteX3" fmla="*/ 3352800 w 3352800"/>
-              <a:gd name="connsiteY3" fmla="*/ 2002631 h 2002631"/>
-              <a:gd name="connsiteX4" fmla="*/ 0 w 3352800"/>
-              <a:gd name="connsiteY4" fmla="*/ 2002631 h 2002631"/>
-              <a:gd name="connsiteX0" fmla="*/ 0 w 3352800"/>
-              <a:gd name="connsiteY0" fmla="*/ 2002631 h 2002631"/>
-              <a:gd name="connsiteX1" fmla="*/ 2845314 w 3352800"/>
-              <a:gd name="connsiteY1" fmla="*/ 12246 h 2002631"/>
-              <a:gd name="connsiteX2" fmla="*/ 3352800 w 3352800"/>
-              <a:gd name="connsiteY2" fmla="*/ 0 h 2002631"/>
-              <a:gd name="connsiteX3" fmla="*/ 3352800 w 3352800"/>
-              <a:gd name="connsiteY3" fmla="*/ 2002631 h 2002631"/>
-              <a:gd name="connsiteX4" fmla="*/ 0 w 3352800"/>
-              <a:gd name="connsiteY4" fmla="*/ 2002631 h 2002631"/>
-              <a:gd name="connsiteX0" fmla="*/ 0 w 3352800"/>
-              <a:gd name="connsiteY0" fmla="*/ 2002631 h 2002631"/>
-              <a:gd name="connsiteX1" fmla="*/ 2834839 w 3352800"/>
-              <a:gd name="connsiteY1" fmla="*/ 425 h 2002631"/>
-              <a:gd name="connsiteX2" fmla="*/ 3352800 w 3352800"/>
-              <a:gd name="connsiteY2" fmla="*/ 0 h 2002631"/>
-              <a:gd name="connsiteX3" fmla="*/ 3352800 w 3352800"/>
-              <a:gd name="connsiteY3" fmla="*/ 2002631 h 2002631"/>
-              <a:gd name="connsiteX4" fmla="*/ 0 w 3352800"/>
-              <a:gd name="connsiteY4" fmla="*/ 2002631 h 2002631"/>
-              <a:gd name="connsiteX0" fmla="*/ 0 w 3352800"/>
-              <a:gd name="connsiteY0" fmla="*/ 2002631 h 2002631"/>
-              <a:gd name="connsiteX1" fmla="*/ 2875865 w 3352800"/>
-              <a:gd name="connsiteY1" fmla="*/ 81782 h 2002631"/>
-              <a:gd name="connsiteX2" fmla="*/ 3352800 w 3352800"/>
-              <a:gd name="connsiteY2" fmla="*/ 0 h 2002631"/>
-              <a:gd name="connsiteX3" fmla="*/ 3352800 w 3352800"/>
-              <a:gd name="connsiteY3" fmla="*/ 2002631 h 2002631"/>
-              <a:gd name="connsiteX4" fmla="*/ 0 w 3352800"/>
-              <a:gd name="connsiteY4" fmla="*/ 2002631 h 2002631"/>
-              <a:gd name="connsiteX0" fmla="*/ 0 w 3352800"/>
-              <a:gd name="connsiteY0" fmla="*/ 2002901 h 2002901"/>
-              <a:gd name="connsiteX1" fmla="*/ 2836585 w 3352800"/>
-              <a:gd name="connsiteY1" fmla="*/ 0 h 2002901"/>
-              <a:gd name="connsiteX2" fmla="*/ 3352800 w 3352800"/>
-              <a:gd name="connsiteY2" fmla="*/ 270 h 2002901"/>
-              <a:gd name="connsiteX3" fmla="*/ 3352800 w 3352800"/>
-              <a:gd name="connsiteY3" fmla="*/ 2002901 h 2002901"/>
-              <a:gd name="connsiteX4" fmla="*/ 0 w 3352800"/>
-              <a:gd name="connsiteY4" fmla="*/ 2002901 h 2002901"/>
-            </a:gdLst>
-            <a:ahLst/>
-            <a:cxnLst>
-              <a:cxn ang="0">
-                <a:pos x="connsiteX0" y="connsiteY0"/>
-              </a:cxn>
-              <a:cxn ang="0">
-                <a:pos x="connsiteX1" y="connsiteY1"/>
-              </a:cxn>
-              <a:cxn ang="0">
-                <a:pos x="connsiteX2" y="connsiteY2"/>
-              </a:cxn>
-              <a:cxn ang="0">
-                <a:pos x="connsiteX3" y="connsiteY3"/>
-              </a:cxn>
-              <a:cxn ang="0">
-                <a:pos x="connsiteX4" y="connsiteY4"/>
-              </a:cxn>
-            </a:cxnLst>
-            <a:rect l="l" t="t" r="r" b="b"/>
-            <a:pathLst>
-              <a:path w="3352800" h="2002901">
-                <a:moveTo>
-                  <a:pt x="0" y="2002901"/>
-                </a:moveTo>
-                <a:lnTo>
-                  <a:pt x="2836585" y="0"/>
-                </a:lnTo>
-                <a:lnTo>
-                  <a:pt x="3352800" y="270"/>
-                </a:lnTo>
-                <a:lnTo>
-                  <a:pt x="3352800" y="2002901"/>
-                </a:lnTo>
-                <a:lnTo>
-                  <a:pt x="0" y="2002901"/>
-                </a:lnTo>
-                <a:close/>
-              </a:path>
-            </a:pathLst>
-          </a:custGeom>
-          <a:solidFill>
-            <a:schemeClr val="accent3">
-              <a:alpha val="80000"/>
-            </a:schemeClr>
-          </a:solidFill>
-          <a:ln>
-            <a:noFill/>
-          </a:ln>
-        </p:spPr>
-        <p:style>
-          <a:lnRef idx="2">
-            <a:schemeClr val="accent1">
-              <a:shade val="50000"/>
-            </a:schemeClr>
-          </a:lnRef>
-          <a:fillRef idx="1">
-            <a:schemeClr val="accent1"/>
-          </a:fillRef>
-          <a:effectRef idx="0">
-            <a:schemeClr val="accent1"/>
-          </a:effectRef>
-          <a:fontRef idx="minor">
-            <a:schemeClr val="lt1"/>
-          </a:fontRef>
-        </p:style>
-        <p:txBody>
-          <a:bodyPr rtlCol="0" anchor="ctr"/>
-          <a:lstStyle/>
-          <a:p>
-            <a:pPr algn="ctr"/>
-            <a:endParaRPr lang="en-US"/>
-          </a:p>
-        </p:txBody>
-      </p:sp>
-      <p:sp>
-        <p:nvSpPr>
-          <p:cNvPr id="2" name="Title 1"/>
-          <p:cNvSpPr>
-            <a:spLocks noGrp="1"/>
-          </p:cNvSpPr>
-          <p:nvPr>
-            <p:ph type="ctrTitle"/>
-          </p:nvPr>
-        </p:nvSpPr>
-        <p:spPr>
-          <a:xfrm rot="19140000">
-            <a:off x="1089484" y="1730403"/>
-            <a:ext cx="7531497" cy="1204306"/>
+            <a:off x="2589213" y="2514600"/>
+            <a:ext cx="8915399" cy="2262781"/>
           </a:xfrm>
         </p:spPr>
         <p:txBody>
-          <a:bodyPr bIns="9144" anchor="b"/>
-          <a:lstStyle>
-            <a:lvl1pPr>
-              <a:defRPr sz="3200"/>
-            </a:lvl1pPr>
-          </a:lstStyle>
-          <a:p>
-            <a:r>
-              <a:rPr lang="es-ES" smtClean="0"/>
-              <a:t>Haga clic para modificar el estilo de título del patrón</a:t>
-            </a:r>
-            <a:endParaRPr lang="en-US" dirty="0"/>
-          </a:p>
-        </p:txBody>
-      </p:sp>
-      <p:sp>
-        <p:nvSpPr>
-          <p:cNvPr id="3" name="Subtitle 2"/>
-          <p:cNvSpPr>
-            <a:spLocks noGrp="1"/>
-          </p:cNvSpPr>
-          <p:nvPr>
-            <p:ph type="subTitle" idx="1"/>
-          </p:nvPr>
-        </p:nvSpPr>
-        <p:spPr>
-          <a:xfrm rot="19140000">
-            <a:off x="1616370" y="2470926"/>
-            <a:ext cx="8681508" cy="329259"/>
-          </a:xfrm>
-        </p:spPr>
-        <p:txBody>
-          <a:bodyPr tIns="9144">
+          <a:bodyPr anchor="b">
             <a:normAutofit/>
           </a:bodyPr>
           <a:lstStyle>
+            <a:lvl1pPr>
+              <a:defRPr sz="5400"/>
+            </a:lvl1pPr>
+          </a:lstStyle>
+          <a:p>
+            <a:r>
+              <a:rPr lang="es-ES" smtClean="0"/>
+              <a:t>Haga clic para modificar el estilo de título del patrón</a:t>
+            </a:r>
+            <a:endParaRPr lang="en-US" dirty="0"/>
+          </a:p>
+        </p:txBody>
+      </p:sp>
+      <p:sp>
+        <p:nvSpPr>
+          <p:cNvPr id="3" name="Subtitle 2"/>
+          <p:cNvSpPr>
+            <a:spLocks noGrp="1"/>
+          </p:cNvSpPr>
+          <p:nvPr>
+            <p:ph type="subTitle" idx="1"/>
+          </p:nvPr>
+        </p:nvSpPr>
+        <p:spPr>
+          <a:xfrm>
+            <a:off x="2589213" y="4777379"/>
+            <a:ext cx="8915399" cy="1126283"/>
+          </a:xfrm>
+        </p:spPr>
+        <p:txBody>
+          <a:bodyPr anchor="t"/>
+          <a:lstStyle>
             <a:lvl1pPr marL="0" indent="0" algn="l">
               <a:buNone/>
-              <a:defRPr kumimoji="0" lang="en-US" sz="1400" b="0" i="0" u="none" strike="noStrike" kern="1200" cap="all" spc="400" normalizeH="0" baseline="0" noProof="0" dirty="0" smtClean="0">
-                <a:ln>
-                  <a:noFill/>
-                </a:ln>
+              <a:defRPr>
                 <a:solidFill>
-                  <a:schemeClr val="tx1"/>
+                  <a:schemeClr val="tx1">
+                    <a:lumMod val="65000"/>
+                    <a:lumOff val="35000"/>
+                  </a:schemeClr>
                 </a:solidFill>
-                <a:effectLst/>
-                <a:uLnTx/>
-                <a:uFillTx/>
-                <a:latin typeface="+mn-lt"/>
-                <a:ea typeface="+mj-ea"/>
-                <a:cs typeface="Tunga" pitchFamily="2"/>
               </a:defRPr>
             </a:lvl1pPr>
             <a:lvl2pPr marL="457200" indent="0" algn="ctr">
@@ -558,25 +297,6 @@
             </a:lvl9pPr>
           </a:lstStyle>
           <a:p>
-            <a:pPr marL="0" marR="0" lvl="0" indent="0" algn="l" defTabSz="914400" rtl="0" eaLnBrk="1" fontAlgn="auto" latinLnBrk="0" hangingPunct="1">
-              <a:lnSpc>
-                <a:spcPct val="100000"/>
-              </a:lnSpc>
-              <a:spcBef>
-                <a:spcPts val="0"/>
-              </a:spcBef>
-              <a:spcAft>
-                <a:spcPts val="0"/>
-              </a:spcAft>
-              <a:buClr>
-                <a:schemeClr val="accent1"/>
-              </a:buClr>
-              <a:buSzPct val="100000"/>
-              <a:buFont typeface="Arial" pitchFamily="34" charset="0"/>
-              <a:buNone/>
-              <a:tabLst/>
-              <a:defRPr/>
-            </a:pPr>
             <a:r>
               <a:rPr lang="es-ES" smtClean="0"/>
               <a:t>Haga clic para modificar el estilo de subtítulo del patrón</a:t>
@@ -630,6 +350,88 @@
       </p:sp>
       <p:sp>
         <p:nvSpPr>
+          <p:cNvPr id="7" name="Freeform 6"/>
+          <p:cNvSpPr/>
+          <p:nvPr/>
+        </p:nvSpPr>
+        <p:spPr bwMode="auto">
+          <a:xfrm>
+            <a:off x="0" y="4323810"/>
+            <a:ext cx="1744652" cy="778589"/>
+          </a:xfrm>
+          <a:custGeom>
+            <a:avLst/>
+            <a:gdLst/>
+            <a:ahLst/>
+            <a:cxnLst/>
+            <a:rect l="0" t="0" r="r" b="b"/>
+            <a:pathLst>
+              <a:path w="372" h="166">
+                <a:moveTo>
+                  <a:pt x="287" y="166"/>
+                </a:moveTo>
+                <a:cubicBezTo>
+                  <a:pt x="290" y="166"/>
+                  <a:pt x="292" y="165"/>
+                  <a:pt x="293" y="164"/>
+                </a:cubicBezTo>
+                <a:cubicBezTo>
+                  <a:pt x="293" y="163"/>
+                  <a:pt x="294" y="163"/>
+                  <a:pt x="294" y="163"/>
+                </a:cubicBezTo>
+                <a:cubicBezTo>
+                  <a:pt x="370" y="87"/>
+                  <a:pt x="370" y="87"/>
+                  <a:pt x="370" y="87"/>
+                </a:cubicBezTo>
+                <a:cubicBezTo>
+                  <a:pt x="372" y="85"/>
+                  <a:pt x="372" y="81"/>
+                  <a:pt x="370" y="78"/>
+                </a:cubicBezTo>
+                <a:cubicBezTo>
+                  <a:pt x="294" y="3"/>
+                  <a:pt x="294" y="3"/>
+                  <a:pt x="294" y="3"/>
+                </a:cubicBezTo>
+                <a:cubicBezTo>
+                  <a:pt x="294" y="2"/>
+                  <a:pt x="293" y="2"/>
+                  <a:pt x="293" y="2"/>
+                </a:cubicBezTo>
+                <a:cubicBezTo>
+                  <a:pt x="292" y="1"/>
+                  <a:pt x="290" y="0"/>
+                  <a:pt x="287" y="0"/>
+                </a:cubicBezTo>
+                <a:cubicBezTo>
+                  <a:pt x="0" y="0"/>
+                  <a:pt x="0" y="0"/>
+                  <a:pt x="0" y="0"/>
+                </a:cubicBezTo>
+                <a:cubicBezTo>
+                  <a:pt x="0" y="166"/>
+                  <a:pt x="0" y="166"/>
+                  <a:pt x="0" y="166"/>
+                </a:cubicBezTo>
+                <a:lnTo>
+                  <a:pt x="287" y="166"/>
+                </a:lnTo>
+                <a:close/>
+              </a:path>
+            </a:pathLst>
+          </a:custGeom>
+          <a:solidFill>
+            <a:schemeClr val="accent1"/>
+          </a:solidFill>
+          <a:ln>
+            <a:noFill/>
+          </a:ln>
+        </p:spPr>
+      </p:sp>
+      <p:sp>
+        <p:nvSpPr>
           <p:cNvPr id="6" name="Slide Number Placeholder 5"/>
           <p:cNvSpPr>
             <a:spLocks noGrp="1"/>
@@ -638,7 +440,12 @@
             <p:ph type="sldNum" sz="quarter" idx="12"/>
           </p:nvPr>
         </p:nvSpPr>
-        <p:spPr/>
+        <p:spPr>
+          <a:xfrm>
+            <a:off x="531812" y="4529540"/>
+            <a:ext cx="779767" cy="365125"/>
+          </a:xfrm>
+        </p:spPr>
         <p:txBody>
           <a:bodyPr/>
           <a:lstStyle/>
@@ -653,6 +460,11 @@
         </p:txBody>
       </p:sp>
     </p:spTree>
+    <p:extLst>
+      <p:ext uri="{BB962C8B-B14F-4D97-AF65-F5344CB8AC3E}">
+        <p14:creationId xmlns:p14="http://schemas.microsoft.com/office/powerpoint/2010/main" val="3526286569"/>
+      </p:ext>
+    </p:extLst>
   </p:cSld>
   <p:clrMapOvr>
     <a:masterClrMapping/>
@@ -661,6 +473,1807 @@
 </file>
 
 <file path=ppt/slideLayouts/slideLayout10.xml><?xml version="1.0" encoding="utf-8"?>
+<p:sldLayout xmlns:a="http://schemas.openxmlformats.org/drawingml/2006/main" xmlns:r="http://schemas.openxmlformats.org/officeDocument/2006/relationships" xmlns:p="http://schemas.openxmlformats.org/presentationml/2006/main" preserve="1">
+  <p:cSld name="Título y descripción">
+    <p:spTree>
+      <p:nvGrpSpPr>
+        <p:cNvPr id="1" name=""/>
+        <p:cNvGrpSpPr/>
+        <p:nvPr/>
+      </p:nvGrpSpPr>
+      <p:grpSpPr>
+        <a:xfrm>
+          <a:off x="0" y="0"/>
+          <a:ext cx="0" cy="0"/>
+          <a:chOff x="0" y="0"/>
+          <a:chExt cx="0" cy="0"/>
+        </a:xfrm>
+      </p:grpSpPr>
+      <p:sp>
+        <p:nvSpPr>
+          <p:cNvPr id="2" name="Title 1"/>
+          <p:cNvSpPr>
+            <a:spLocks noGrp="1"/>
+          </p:cNvSpPr>
+          <p:nvPr>
+            <p:ph type="title"/>
+          </p:nvPr>
+        </p:nvSpPr>
+        <p:spPr>
+          <a:xfrm>
+            <a:off x="2589212" y="609600"/>
+            <a:ext cx="8915399" cy="3117040"/>
+          </a:xfrm>
+        </p:spPr>
+        <p:txBody>
+          <a:bodyPr anchor="ctr">
+            <a:normAutofit/>
+          </a:bodyPr>
+          <a:lstStyle>
+            <a:lvl1pPr algn="l">
+              <a:defRPr sz="4800" b="0" cap="none"/>
+            </a:lvl1pPr>
+          </a:lstStyle>
+          <a:p>
+            <a:r>
+              <a:rPr lang="es-ES" smtClean="0"/>
+              <a:t>Haga clic para modificar el estilo de título del patrón</a:t>
+            </a:r>
+            <a:endParaRPr lang="en-US" dirty="0"/>
+          </a:p>
+        </p:txBody>
+      </p:sp>
+      <p:sp>
+        <p:nvSpPr>
+          <p:cNvPr id="3" name="Text Placeholder 2"/>
+          <p:cNvSpPr>
+            <a:spLocks noGrp="1"/>
+          </p:cNvSpPr>
+          <p:nvPr>
+            <p:ph type="body" idx="1"/>
+          </p:nvPr>
+        </p:nvSpPr>
+        <p:spPr>
+          <a:xfrm>
+            <a:off x="2589212" y="4354046"/>
+            <a:ext cx="8915399" cy="1555864"/>
+          </a:xfrm>
+        </p:spPr>
+        <p:txBody>
+          <a:bodyPr anchor="ctr">
+            <a:normAutofit/>
+          </a:bodyPr>
+          <a:lstStyle>
+            <a:lvl1pPr marL="0" indent="0" algn="l">
+              <a:buNone/>
+              <a:defRPr sz="1800">
+                <a:solidFill>
+                  <a:schemeClr val="tx1">
+                    <a:lumMod val="65000"/>
+                    <a:lumOff val="35000"/>
+                  </a:schemeClr>
+                </a:solidFill>
+              </a:defRPr>
+            </a:lvl1pPr>
+            <a:lvl2pPr marL="457200" indent="0">
+              <a:buNone/>
+              <a:defRPr sz="1800">
+                <a:solidFill>
+                  <a:schemeClr val="tx1">
+                    <a:tint val="75000"/>
+                  </a:schemeClr>
+                </a:solidFill>
+              </a:defRPr>
+            </a:lvl2pPr>
+            <a:lvl3pPr marL="914400" indent="0">
+              <a:buNone/>
+              <a:defRPr sz="1600">
+                <a:solidFill>
+                  <a:schemeClr val="tx1">
+                    <a:tint val="75000"/>
+                  </a:schemeClr>
+                </a:solidFill>
+              </a:defRPr>
+            </a:lvl3pPr>
+            <a:lvl4pPr marL="1371600" indent="0">
+              <a:buNone/>
+              <a:defRPr sz="1400">
+                <a:solidFill>
+                  <a:schemeClr val="tx1">
+                    <a:tint val="75000"/>
+                  </a:schemeClr>
+                </a:solidFill>
+              </a:defRPr>
+            </a:lvl4pPr>
+            <a:lvl5pPr marL="1828800" indent="0">
+              <a:buNone/>
+              <a:defRPr sz="1400">
+                <a:solidFill>
+                  <a:schemeClr val="tx1">
+                    <a:tint val="75000"/>
+                  </a:schemeClr>
+                </a:solidFill>
+              </a:defRPr>
+            </a:lvl5pPr>
+            <a:lvl6pPr marL="2286000" indent="0">
+              <a:buNone/>
+              <a:defRPr sz="1400">
+                <a:solidFill>
+                  <a:schemeClr val="tx1">
+                    <a:tint val="75000"/>
+                  </a:schemeClr>
+                </a:solidFill>
+              </a:defRPr>
+            </a:lvl6pPr>
+            <a:lvl7pPr marL="2743200" indent="0">
+              <a:buNone/>
+              <a:defRPr sz="1400">
+                <a:solidFill>
+                  <a:schemeClr val="tx1">
+                    <a:tint val="75000"/>
+                  </a:schemeClr>
+                </a:solidFill>
+              </a:defRPr>
+            </a:lvl7pPr>
+            <a:lvl8pPr marL="3200400" indent="0">
+              <a:buNone/>
+              <a:defRPr sz="1400">
+                <a:solidFill>
+                  <a:schemeClr val="tx1">
+                    <a:tint val="75000"/>
+                  </a:schemeClr>
+                </a:solidFill>
+              </a:defRPr>
+            </a:lvl8pPr>
+            <a:lvl9pPr marL="3657600" indent="0">
+              <a:buNone/>
+              <a:defRPr sz="1400">
+                <a:solidFill>
+                  <a:schemeClr val="tx1">
+                    <a:tint val="75000"/>
+                  </a:schemeClr>
+                </a:solidFill>
+              </a:defRPr>
+            </a:lvl9pPr>
+          </a:lstStyle>
+          <a:p>
+            <a:pPr lvl="0"/>
+            <a:r>
+              <a:rPr lang="es-ES" smtClean="0"/>
+              <a:t>Haga clic para modificar el estilo de texto del patrón</a:t>
+            </a:r>
+          </a:p>
+        </p:txBody>
+      </p:sp>
+      <p:sp>
+        <p:nvSpPr>
+          <p:cNvPr id="4" name="Date Placeholder 3"/>
+          <p:cNvSpPr>
+            <a:spLocks noGrp="1"/>
+          </p:cNvSpPr>
+          <p:nvPr>
+            <p:ph type="dt" sz="half" idx="10"/>
+          </p:nvPr>
+        </p:nvSpPr>
+        <p:spPr/>
+        <p:txBody>
+          <a:bodyPr/>
+          <a:lstStyle/>
+          <a:p>
+            <a:fld id="{0CBE8919-C854-473F-863C-B1864504E81A}" type="datetimeFigureOut">
+              <a:rPr lang="es-CL" smtClean="0"/>
+              <a:pPr/>
+              <a:t>04-10-2014</a:t>
+            </a:fld>
+            <a:endParaRPr lang="es-CL"/>
+          </a:p>
+        </p:txBody>
+      </p:sp>
+      <p:sp>
+        <p:nvSpPr>
+          <p:cNvPr id="5" name="Footer Placeholder 4"/>
+          <p:cNvSpPr>
+            <a:spLocks noGrp="1"/>
+          </p:cNvSpPr>
+          <p:nvPr>
+            <p:ph type="ftr" sz="quarter" idx="11"/>
+          </p:nvPr>
+        </p:nvSpPr>
+        <p:spPr/>
+        <p:txBody>
+          <a:bodyPr/>
+          <a:lstStyle/>
+          <a:p>
+            <a:endParaRPr lang="es-CL"/>
+          </a:p>
+        </p:txBody>
+      </p:sp>
+      <p:sp>
+        <p:nvSpPr>
+          <p:cNvPr id="9" name="Freeform 11"/>
+          <p:cNvSpPr/>
+          <p:nvPr/>
+        </p:nvSpPr>
+        <p:spPr bwMode="auto">
+          <a:xfrm flipV="1">
+            <a:off x="-4189" y="3178175"/>
+            <a:ext cx="1588527" cy="507297"/>
+          </a:xfrm>
+          <a:custGeom>
+            <a:avLst/>
+            <a:gdLst/>
+            <a:ahLst/>
+            <a:cxnLst/>
+            <a:rect l="l" t="t" r="r" b="b"/>
+            <a:pathLst>
+              <a:path w="9248" h="10000">
+                <a:moveTo>
+                  <a:pt x="9248" y="4701"/>
+                </a:moveTo>
+                <a:lnTo>
+                  <a:pt x="7915" y="188"/>
+                </a:lnTo>
+                <a:cubicBezTo>
+                  <a:pt x="7906" y="156"/>
+                  <a:pt x="7895" y="126"/>
+                  <a:pt x="7886" y="94"/>
+                </a:cubicBezTo>
+                <a:cubicBezTo>
+                  <a:pt x="7859" y="0"/>
+                  <a:pt x="7831" y="0"/>
+                  <a:pt x="7803" y="0"/>
+                </a:cubicBezTo>
+                <a:lnTo>
+                  <a:pt x="7275" y="0"/>
+                </a:lnTo>
+                <a:lnTo>
+                  <a:pt x="0" y="70"/>
+                </a:lnTo>
+                <a:cubicBezTo>
+                  <a:pt x="8" y="3380"/>
+                  <a:pt x="17" y="6690"/>
+                  <a:pt x="25" y="10000"/>
+                </a:cubicBezTo>
+                <a:lnTo>
+                  <a:pt x="7275" y="9966"/>
+                </a:lnTo>
+                <a:lnTo>
+                  <a:pt x="7803" y="9966"/>
+                </a:lnTo>
+                <a:cubicBezTo>
+                  <a:pt x="7831" y="9966"/>
+                  <a:pt x="7859" y="9872"/>
+                  <a:pt x="7886" y="9872"/>
+                </a:cubicBezTo>
+                <a:cubicBezTo>
+                  <a:pt x="7886" y="9778"/>
+                  <a:pt x="7915" y="9778"/>
+                  <a:pt x="7915" y="9778"/>
+                </a:cubicBezTo>
+                <a:lnTo>
+                  <a:pt x="9248" y="5265"/>
+                </a:lnTo>
+                <a:cubicBezTo>
+                  <a:pt x="9303" y="5077"/>
+                  <a:pt x="9303" y="4889"/>
+                  <a:pt x="9248" y="4701"/>
+                </a:cubicBezTo>
+                <a:close/>
+              </a:path>
+            </a:pathLst>
+          </a:custGeom>
+          <a:solidFill>
+            <a:schemeClr val="accent1"/>
+          </a:solidFill>
+          <a:ln>
+            <a:noFill/>
+          </a:ln>
+        </p:spPr>
+      </p:sp>
+      <p:sp>
+        <p:nvSpPr>
+          <p:cNvPr id="6" name="Slide Number Placeholder 5"/>
+          <p:cNvSpPr>
+            <a:spLocks noGrp="1"/>
+          </p:cNvSpPr>
+          <p:nvPr>
+            <p:ph type="sldNum" sz="quarter" idx="12"/>
+          </p:nvPr>
+        </p:nvSpPr>
+        <p:spPr>
+          <a:xfrm>
+            <a:off x="531812" y="3244139"/>
+            <a:ext cx="779767" cy="365125"/>
+          </a:xfrm>
+        </p:spPr>
+        <p:txBody>
+          <a:bodyPr/>
+          <a:lstStyle/>
+          <a:p>
+            <a:fld id="{541E98F8-2370-44B3-B177-237D8934FAF8}" type="slidenum">
+              <a:rPr lang="es-CL" smtClean="0"/>
+              <a:pPr/>
+              <a:t>‹Nº›</a:t>
+            </a:fld>
+            <a:endParaRPr lang="es-CL"/>
+          </a:p>
+        </p:txBody>
+      </p:sp>
+    </p:spTree>
+    <p:extLst>
+      <p:ext uri="{BB962C8B-B14F-4D97-AF65-F5344CB8AC3E}">
+        <p14:creationId xmlns:p14="http://schemas.microsoft.com/office/powerpoint/2010/main" val="1085773298"/>
+      </p:ext>
+    </p:extLst>
+  </p:cSld>
+  <p:clrMapOvr>
+    <a:masterClrMapping/>
+  </p:clrMapOvr>
+</p:sldLayout>
+</file>
+
+<file path=ppt/slideLayouts/slideLayout11.xml><?xml version="1.0" encoding="utf-8"?>
+<p:sldLayout xmlns:a="http://schemas.openxmlformats.org/drawingml/2006/main" xmlns:r="http://schemas.openxmlformats.org/officeDocument/2006/relationships" xmlns:p="http://schemas.openxmlformats.org/presentationml/2006/main" preserve="1">
+  <p:cSld name="Cita con descripción">
+    <p:spTree>
+      <p:nvGrpSpPr>
+        <p:cNvPr id="1" name=""/>
+        <p:cNvGrpSpPr/>
+        <p:nvPr/>
+      </p:nvGrpSpPr>
+      <p:grpSpPr>
+        <a:xfrm>
+          <a:off x="0" y="0"/>
+          <a:ext cx="0" cy="0"/>
+          <a:chOff x="0" y="0"/>
+          <a:chExt cx="0" cy="0"/>
+        </a:xfrm>
+      </p:grpSpPr>
+      <p:sp>
+        <p:nvSpPr>
+          <p:cNvPr id="2" name="Title 1"/>
+          <p:cNvSpPr>
+            <a:spLocks noGrp="1"/>
+          </p:cNvSpPr>
+          <p:nvPr>
+            <p:ph type="title"/>
+          </p:nvPr>
+        </p:nvSpPr>
+        <p:spPr>
+          <a:xfrm>
+            <a:off x="2849949" y="609600"/>
+            <a:ext cx="8393926" cy="2895600"/>
+          </a:xfrm>
+        </p:spPr>
+        <p:txBody>
+          <a:bodyPr anchor="ctr">
+            <a:normAutofit/>
+          </a:bodyPr>
+          <a:lstStyle>
+            <a:lvl1pPr algn="l">
+              <a:defRPr sz="4800" b="0" cap="none"/>
+            </a:lvl1pPr>
+          </a:lstStyle>
+          <a:p>
+            <a:r>
+              <a:rPr lang="es-ES" smtClean="0"/>
+              <a:t>Haga clic para modificar el estilo de título del patrón</a:t>
+            </a:r>
+            <a:endParaRPr lang="en-US" dirty="0"/>
+          </a:p>
+        </p:txBody>
+      </p:sp>
+      <p:sp>
+        <p:nvSpPr>
+          <p:cNvPr id="13" name="Text Placeholder 9"/>
+          <p:cNvSpPr>
+            <a:spLocks noGrp="1"/>
+          </p:cNvSpPr>
+          <p:nvPr>
+            <p:ph type="body" sz="quarter" idx="13"/>
+          </p:nvPr>
+        </p:nvSpPr>
+        <p:spPr>
+          <a:xfrm>
+            <a:off x="3275012" y="3505200"/>
+            <a:ext cx="7536554" cy="381000"/>
+          </a:xfrm>
+        </p:spPr>
+        <p:txBody>
+          <a:bodyPr anchor="ctr">
+            <a:noAutofit/>
+          </a:bodyPr>
+          <a:lstStyle>
+            <a:lvl1pPr marL="0" indent="0">
+              <a:buFontTx/>
+              <a:buNone/>
+              <a:defRPr sz="1600">
+                <a:solidFill>
+                  <a:schemeClr val="tx1">
+                    <a:lumMod val="50000"/>
+                    <a:lumOff val="50000"/>
+                  </a:schemeClr>
+                </a:solidFill>
+              </a:defRPr>
+            </a:lvl1pPr>
+            <a:lvl2pPr marL="457200" indent="0">
+              <a:buFontTx/>
+              <a:buNone/>
+              <a:defRPr/>
+            </a:lvl2pPr>
+            <a:lvl3pPr marL="914400" indent="0">
+              <a:buFontTx/>
+              <a:buNone/>
+              <a:defRPr/>
+            </a:lvl3pPr>
+            <a:lvl4pPr marL="1371600" indent="0">
+              <a:buFontTx/>
+              <a:buNone/>
+              <a:defRPr/>
+            </a:lvl4pPr>
+            <a:lvl5pPr marL="1828800" indent="0">
+              <a:buFontTx/>
+              <a:buNone/>
+              <a:defRPr/>
+            </a:lvl5pPr>
+          </a:lstStyle>
+          <a:p>
+            <a:pPr lvl="0"/>
+            <a:r>
+              <a:rPr lang="es-ES" smtClean="0"/>
+              <a:t>Haga clic para modificar el estilo de texto del patrón</a:t>
+            </a:r>
+          </a:p>
+        </p:txBody>
+      </p:sp>
+      <p:sp>
+        <p:nvSpPr>
+          <p:cNvPr id="3" name="Text Placeholder 2"/>
+          <p:cNvSpPr>
+            <a:spLocks noGrp="1"/>
+          </p:cNvSpPr>
+          <p:nvPr>
+            <p:ph type="body" idx="1"/>
+          </p:nvPr>
+        </p:nvSpPr>
+        <p:spPr>
+          <a:xfrm>
+            <a:off x="2589212" y="4354046"/>
+            <a:ext cx="8915399" cy="1555864"/>
+          </a:xfrm>
+        </p:spPr>
+        <p:txBody>
+          <a:bodyPr anchor="ctr">
+            <a:normAutofit/>
+          </a:bodyPr>
+          <a:lstStyle>
+            <a:lvl1pPr marL="0" indent="0" algn="l">
+              <a:buNone/>
+              <a:defRPr sz="1800">
+                <a:solidFill>
+                  <a:schemeClr val="tx1">
+                    <a:lumMod val="65000"/>
+                    <a:lumOff val="35000"/>
+                  </a:schemeClr>
+                </a:solidFill>
+              </a:defRPr>
+            </a:lvl1pPr>
+            <a:lvl2pPr marL="457200" indent="0">
+              <a:buNone/>
+              <a:defRPr sz="1800">
+                <a:solidFill>
+                  <a:schemeClr val="tx1">
+                    <a:tint val="75000"/>
+                  </a:schemeClr>
+                </a:solidFill>
+              </a:defRPr>
+            </a:lvl2pPr>
+            <a:lvl3pPr marL="914400" indent="0">
+              <a:buNone/>
+              <a:defRPr sz="1600">
+                <a:solidFill>
+                  <a:schemeClr val="tx1">
+                    <a:tint val="75000"/>
+                  </a:schemeClr>
+                </a:solidFill>
+              </a:defRPr>
+            </a:lvl3pPr>
+            <a:lvl4pPr marL="1371600" indent="0">
+              <a:buNone/>
+              <a:defRPr sz="1400">
+                <a:solidFill>
+                  <a:schemeClr val="tx1">
+                    <a:tint val="75000"/>
+                  </a:schemeClr>
+                </a:solidFill>
+              </a:defRPr>
+            </a:lvl4pPr>
+            <a:lvl5pPr marL="1828800" indent="0">
+              <a:buNone/>
+              <a:defRPr sz="1400">
+                <a:solidFill>
+                  <a:schemeClr val="tx1">
+                    <a:tint val="75000"/>
+                  </a:schemeClr>
+                </a:solidFill>
+              </a:defRPr>
+            </a:lvl5pPr>
+            <a:lvl6pPr marL="2286000" indent="0">
+              <a:buNone/>
+              <a:defRPr sz="1400">
+                <a:solidFill>
+                  <a:schemeClr val="tx1">
+                    <a:tint val="75000"/>
+                  </a:schemeClr>
+                </a:solidFill>
+              </a:defRPr>
+            </a:lvl6pPr>
+            <a:lvl7pPr marL="2743200" indent="0">
+              <a:buNone/>
+              <a:defRPr sz="1400">
+                <a:solidFill>
+                  <a:schemeClr val="tx1">
+                    <a:tint val="75000"/>
+                  </a:schemeClr>
+                </a:solidFill>
+              </a:defRPr>
+            </a:lvl7pPr>
+            <a:lvl8pPr marL="3200400" indent="0">
+              <a:buNone/>
+              <a:defRPr sz="1400">
+                <a:solidFill>
+                  <a:schemeClr val="tx1">
+                    <a:tint val="75000"/>
+                  </a:schemeClr>
+                </a:solidFill>
+              </a:defRPr>
+            </a:lvl8pPr>
+            <a:lvl9pPr marL="3657600" indent="0">
+              <a:buNone/>
+              <a:defRPr sz="1400">
+                <a:solidFill>
+                  <a:schemeClr val="tx1">
+                    <a:tint val="75000"/>
+                  </a:schemeClr>
+                </a:solidFill>
+              </a:defRPr>
+            </a:lvl9pPr>
+          </a:lstStyle>
+          <a:p>
+            <a:pPr lvl="0"/>
+            <a:r>
+              <a:rPr lang="es-ES" smtClean="0"/>
+              <a:t>Haga clic para modificar el estilo de texto del patrón</a:t>
+            </a:r>
+          </a:p>
+        </p:txBody>
+      </p:sp>
+      <p:sp>
+        <p:nvSpPr>
+          <p:cNvPr id="4" name="Date Placeholder 3"/>
+          <p:cNvSpPr>
+            <a:spLocks noGrp="1"/>
+          </p:cNvSpPr>
+          <p:nvPr>
+            <p:ph type="dt" sz="half" idx="10"/>
+          </p:nvPr>
+        </p:nvSpPr>
+        <p:spPr/>
+        <p:txBody>
+          <a:bodyPr/>
+          <a:lstStyle/>
+          <a:p>
+            <a:fld id="{0CBE8919-C854-473F-863C-B1864504E81A}" type="datetimeFigureOut">
+              <a:rPr lang="es-CL" smtClean="0"/>
+              <a:pPr/>
+              <a:t>04-10-2014</a:t>
+            </a:fld>
+            <a:endParaRPr lang="es-CL"/>
+          </a:p>
+        </p:txBody>
+      </p:sp>
+      <p:sp>
+        <p:nvSpPr>
+          <p:cNvPr id="5" name="Footer Placeholder 4"/>
+          <p:cNvSpPr>
+            <a:spLocks noGrp="1"/>
+          </p:cNvSpPr>
+          <p:nvPr>
+            <p:ph type="ftr" sz="quarter" idx="11"/>
+          </p:nvPr>
+        </p:nvSpPr>
+        <p:spPr/>
+        <p:txBody>
+          <a:bodyPr/>
+          <a:lstStyle/>
+          <a:p>
+            <a:endParaRPr lang="es-CL"/>
+          </a:p>
+        </p:txBody>
+      </p:sp>
+      <p:sp>
+        <p:nvSpPr>
+          <p:cNvPr id="11" name="Freeform 11"/>
+          <p:cNvSpPr/>
+          <p:nvPr/>
+        </p:nvSpPr>
+        <p:spPr bwMode="auto">
+          <a:xfrm flipV="1">
+            <a:off x="-4189" y="3178175"/>
+            <a:ext cx="1588527" cy="507297"/>
+          </a:xfrm>
+          <a:custGeom>
+            <a:avLst/>
+            <a:gdLst/>
+            <a:ahLst/>
+            <a:cxnLst/>
+            <a:rect l="l" t="t" r="r" b="b"/>
+            <a:pathLst>
+              <a:path w="9248" h="10000">
+                <a:moveTo>
+                  <a:pt x="9248" y="4701"/>
+                </a:moveTo>
+                <a:lnTo>
+                  <a:pt x="7915" y="188"/>
+                </a:lnTo>
+                <a:cubicBezTo>
+                  <a:pt x="7906" y="156"/>
+                  <a:pt x="7895" y="126"/>
+                  <a:pt x="7886" y="94"/>
+                </a:cubicBezTo>
+                <a:cubicBezTo>
+                  <a:pt x="7859" y="0"/>
+                  <a:pt x="7831" y="0"/>
+                  <a:pt x="7803" y="0"/>
+                </a:cubicBezTo>
+                <a:lnTo>
+                  <a:pt x="7275" y="0"/>
+                </a:lnTo>
+                <a:lnTo>
+                  <a:pt x="0" y="70"/>
+                </a:lnTo>
+                <a:cubicBezTo>
+                  <a:pt x="8" y="3380"/>
+                  <a:pt x="17" y="6690"/>
+                  <a:pt x="25" y="10000"/>
+                </a:cubicBezTo>
+                <a:lnTo>
+                  <a:pt x="7275" y="9966"/>
+                </a:lnTo>
+                <a:lnTo>
+                  <a:pt x="7803" y="9966"/>
+                </a:lnTo>
+                <a:cubicBezTo>
+                  <a:pt x="7831" y="9966"/>
+                  <a:pt x="7859" y="9872"/>
+                  <a:pt x="7886" y="9872"/>
+                </a:cubicBezTo>
+                <a:cubicBezTo>
+                  <a:pt x="7886" y="9778"/>
+                  <a:pt x="7915" y="9778"/>
+                  <a:pt x="7915" y="9778"/>
+                </a:cubicBezTo>
+                <a:lnTo>
+                  <a:pt x="9248" y="5265"/>
+                </a:lnTo>
+                <a:cubicBezTo>
+                  <a:pt x="9303" y="5077"/>
+                  <a:pt x="9303" y="4889"/>
+                  <a:pt x="9248" y="4701"/>
+                </a:cubicBezTo>
+                <a:close/>
+              </a:path>
+            </a:pathLst>
+          </a:custGeom>
+          <a:solidFill>
+            <a:schemeClr val="accent1"/>
+          </a:solidFill>
+          <a:ln>
+            <a:noFill/>
+          </a:ln>
+        </p:spPr>
+      </p:sp>
+      <p:sp>
+        <p:nvSpPr>
+          <p:cNvPr id="6" name="Slide Number Placeholder 5"/>
+          <p:cNvSpPr>
+            <a:spLocks noGrp="1"/>
+          </p:cNvSpPr>
+          <p:nvPr>
+            <p:ph type="sldNum" sz="quarter" idx="12"/>
+          </p:nvPr>
+        </p:nvSpPr>
+        <p:spPr>
+          <a:xfrm>
+            <a:off x="531812" y="3244139"/>
+            <a:ext cx="779767" cy="365125"/>
+          </a:xfrm>
+        </p:spPr>
+        <p:txBody>
+          <a:bodyPr/>
+          <a:lstStyle/>
+          <a:p>
+            <a:fld id="{541E98F8-2370-44B3-B177-237D8934FAF8}" type="slidenum">
+              <a:rPr lang="es-CL" smtClean="0"/>
+              <a:pPr/>
+              <a:t>‹Nº›</a:t>
+            </a:fld>
+            <a:endParaRPr lang="es-CL"/>
+          </a:p>
+        </p:txBody>
+      </p:sp>
+      <p:sp>
+        <p:nvSpPr>
+          <p:cNvPr id="14" name="TextBox 13"/>
+          <p:cNvSpPr txBox="1"/>
+          <p:nvPr/>
+        </p:nvSpPr>
+        <p:spPr>
+          <a:xfrm>
+            <a:off x="2467652" y="648005"/>
+            <a:ext cx="609600" cy="584776"/>
+          </a:xfrm>
+          <a:prstGeom prst="rect">
+            <a:avLst/>
+          </a:prstGeom>
+        </p:spPr>
+        <p:txBody>
+          <a:bodyPr vert="horz" lIns="91440" tIns="45720" rIns="91440" bIns="45720" rtlCol="0" anchor="ctr">
+            <a:noAutofit/>
+          </a:bodyPr>
+          <a:lstStyle/>
+          <a:p>
+            <a:pPr lvl="0"/>
+            <a:r>
+              <a:rPr lang="en-US" sz="8000" baseline="0" dirty="0">
+                <a:ln w="3175" cmpd="sng">
+                  <a:noFill/>
+                </a:ln>
+                <a:solidFill>
+                  <a:schemeClr val="accent1"/>
+                </a:solidFill>
+                <a:effectLst/>
+                <a:latin typeface="Arial"/>
+              </a:rPr>
+              <a:t>“</a:t>
+            </a:r>
+          </a:p>
+        </p:txBody>
+      </p:sp>
+      <p:sp>
+        <p:nvSpPr>
+          <p:cNvPr id="15" name="TextBox 14"/>
+          <p:cNvSpPr txBox="1"/>
+          <p:nvPr/>
+        </p:nvSpPr>
+        <p:spPr>
+          <a:xfrm>
+            <a:off x="11114852" y="2905306"/>
+            <a:ext cx="609600" cy="584776"/>
+          </a:xfrm>
+          <a:prstGeom prst="rect">
+            <a:avLst/>
+          </a:prstGeom>
+        </p:spPr>
+        <p:txBody>
+          <a:bodyPr vert="horz" lIns="91440" tIns="45720" rIns="91440" bIns="45720" rtlCol="0" anchor="ctr">
+            <a:noAutofit/>
+          </a:bodyPr>
+          <a:lstStyle/>
+          <a:p>
+            <a:pPr lvl="0"/>
+            <a:r>
+              <a:rPr lang="en-US" sz="8000" baseline="0" dirty="0">
+                <a:ln w="3175" cmpd="sng">
+                  <a:noFill/>
+                </a:ln>
+                <a:solidFill>
+                  <a:schemeClr val="accent1"/>
+                </a:solidFill>
+                <a:effectLst/>
+                <a:latin typeface="Arial"/>
+              </a:rPr>
+              <a:t>”</a:t>
+            </a:r>
+          </a:p>
+        </p:txBody>
+      </p:sp>
+    </p:spTree>
+    <p:extLst>
+      <p:ext uri="{BB962C8B-B14F-4D97-AF65-F5344CB8AC3E}">
+        <p14:creationId xmlns:p14="http://schemas.microsoft.com/office/powerpoint/2010/main" val="96612051"/>
+      </p:ext>
+    </p:extLst>
+  </p:cSld>
+  <p:clrMapOvr>
+    <a:masterClrMapping/>
+  </p:clrMapOvr>
+</p:sldLayout>
+</file>
+
+<file path=ppt/slideLayouts/slideLayout12.xml><?xml version="1.0" encoding="utf-8"?>
+<p:sldLayout xmlns:a="http://schemas.openxmlformats.org/drawingml/2006/main" xmlns:r="http://schemas.openxmlformats.org/officeDocument/2006/relationships" xmlns:p="http://schemas.openxmlformats.org/presentationml/2006/main" preserve="1">
+  <p:cSld name="Tarjeta de nombre">
+    <p:spTree>
+      <p:nvGrpSpPr>
+        <p:cNvPr id="1" name=""/>
+        <p:cNvGrpSpPr/>
+        <p:nvPr/>
+      </p:nvGrpSpPr>
+      <p:grpSpPr>
+        <a:xfrm>
+          <a:off x="0" y="0"/>
+          <a:ext cx="0" cy="0"/>
+          <a:chOff x="0" y="0"/>
+          <a:chExt cx="0" cy="0"/>
+        </a:xfrm>
+      </p:grpSpPr>
+      <p:sp>
+        <p:nvSpPr>
+          <p:cNvPr id="2" name="Title 1"/>
+          <p:cNvSpPr>
+            <a:spLocks noGrp="1"/>
+          </p:cNvSpPr>
+          <p:nvPr>
+            <p:ph type="title"/>
+          </p:nvPr>
+        </p:nvSpPr>
+        <p:spPr>
+          <a:xfrm>
+            <a:off x="2589213" y="2438400"/>
+            <a:ext cx="8915400" cy="2724845"/>
+          </a:xfrm>
+        </p:spPr>
+        <p:txBody>
+          <a:bodyPr anchor="b">
+            <a:normAutofit/>
+          </a:bodyPr>
+          <a:lstStyle>
+            <a:lvl1pPr algn="l">
+              <a:defRPr sz="4800" b="0"/>
+            </a:lvl1pPr>
+          </a:lstStyle>
+          <a:p>
+            <a:r>
+              <a:rPr lang="es-ES" smtClean="0"/>
+              <a:t>Haga clic para modificar el estilo de título del patrón</a:t>
+            </a:r>
+            <a:endParaRPr lang="en-US" dirty="0"/>
+          </a:p>
+        </p:txBody>
+      </p:sp>
+      <p:sp>
+        <p:nvSpPr>
+          <p:cNvPr id="4" name="Text Placeholder 3"/>
+          <p:cNvSpPr>
+            <a:spLocks noGrp="1"/>
+          </p:cNvSpPr>
+          <p:nvPr>
+            <p:ph type="body" sz="half" idx="2"/>
+          </p:nvPr>
+        </p:nvSpPr>
+        <p:spPr>
+          <a:xfrm>
+            <a:off x="2589213" y="5181600"/>
+            <a:ext cx="8915400" cy="729622"/>
+          </a:xfrm>
+        </p:spPr>
+        <p:txBody>
+          <a:bodyPr vert="horz" lIns="91440" tIns="45720" rIns="91440" bIns="45720" rtlCol="0" anchor="t">
+            <a:normAutofit/>
+          </a:bodyPr>
+          <a:lstStyle>
+            <a:lvl1pPr>
+              <a:buNone/>
+              <a:defRPr lang="en-US">
+                <a:solidFill>
+                  <a:schemeClr val="tx1">
+                    <a:lumMod val="65000"/>
+                    <a:lumOff val="35000"/>
+                  </a:schemeClr>
+                </a:solidFill>
+              </a:defRPr>
+            </a:lvl1pPr>
+          </a:lstStyle>
+          <a:p>
+            <a:pPr marL="0" lvl="0" indent="0">
+              <a:buNone/>
+            </a:pPr>
+            <a:r>
+              <a:rPr lang="es-ES" smtClean="0"/>
+              <a:t>Haga clic para modificar el estilo de texto del patrón</a:t>
+            </a:r>
+          </a:p>
+        </p:txBody>
+      </p:sp>
+      <p:sp>
+        <p:nvSpPr>
+          <p:cNvPr id="5" name="Date Placeholder 4"/>
+          <p:cNvSpPr>
+            <a:spLocks noGrp="1"/>
+          </p:cNvSpPr>
+          <p:nvPr>
+            <p:ph type="dt" sz="half" idx="10"/>
+          </p:nvPr>
+        </p:nvSpPr>
+        <p:spPr/>
+        <p:txBody>
+          <a:bodyPr/>
+          <a:lstStyle/>
+          <a:p>
+            <a:fld id="{0CBE8919-C854-473F-863C-B1864504E81A}" type="datetimeFigureOut">
+              <a:rPr lang="es-CL" smtClean="0"/>
+              <a:pPr/>
+              <a:t>04-10-2014</a:t>
+            </a:fld>
+            <a:endParaRPr lang="es-CL"/>
+          </a:p>
+        </p:txBody>
+      </p:sp>
+      <p:sp>
+        <p:nvSpPr>
+          <p:cNvPr id="6" name="Footer Placeholder 5"/>
+          <p:cNvSpPr>
+            <a:spLocks noGrp="1"/>
+          </p:cNvSpPr>
+          <p:nvPr>
+            <p:ph type="ftr" sz="quarter" idx="11"/>
+          </p:nvPr>
+        </p:nvSpPr>
+        <p:spPr/>
+        <p:txBody>
+          <a:bodyPr/>
+          <a:lstStyle/>
+          <a:p>
+            <a:endParaRPr lang="es-CL"/>
+          </a:p>
+        </p:txBody>
+      </p:sp>
+      <p:sp>
+        <p:nvSpPr>
+          <p:cNvPr id="9" name="Freeform 11"/>
+          <p:cNvSpPr/>
+          <p:nvPr/>
+        </p:nvSpPr>
+        <p:spPr bwMode="auto">
+          <a:xfrm flipV="1">
+            <a:off x="-4189" y="4911725"/>
+            <a:ext cx="1588527" cy="507297"/>
+          </a:xfrm>
+          <a:custGeom>
+            <a:avLst/>
+            <a:gdLst/>
+            <a:ahLst/>
+            <a:cxnLst/>
+            <a:rect l="l" t="t" r="r" b="b"/>
+            <a:pathLst>
+              <a:path w="9248" h="10000">
+                <a:moveTo>
+                  <a:pt x="9248" y="4701"/>
+                </a:moveTo>
+                <a:lnTo>
+                  <a:pt x="7915" y="188"/>
+                </a:lnTo>
+                <a:cubicBezTo>
+                  <a:pt x="7906" y="156"/>
+                  <a:pt x="7895" y="126"/>
+                  <a:pt x="7886" y="94"/>
+                </a:cubicBezTo>
+                <a:cubicBezTo>
+                  <a:pt x="7859" y="0"/>
+                  <a:pt x="7831" y="0"/>
+                  <a:pt x="7803" y="0"/>
+                </a:cubicBezTo>
+                <a:lnTo>
+                  <a:pt x="7275" y="0"/>
+                </a:lnTo>
+                <a:lnTo>
+                  <a:pt x="0" y="70"/>
+                </a:lnTo>
+                <a:cubicBezTo>
+                  <a:pt x="8" y="3380"/>
+                  <a:pt x="17" y="6690"/>
+                  <a:pt x="25" y="10000"/>
+                </a:cubicBezTo>
+                <a:lnTo>
+                  <a:pt x="7275" y="9966"/>
+                </a:lnTo>
+                <a:lnTo>
+                  <a:pt x="7803" y="9966"/>
+                </a:lnTo>
+                <a:cubicBezTo>
+                  <a:pt x="7831" y="9966"/>
+                  <a:pt x="7859" y="9872"/>
+                  <a:pt x="7886" y="9872"/>
+                </a:cubicBezTo>
+                <a:cubicBezTo>
+                  <a:pt x="7886" y="9778"/>
+                  <a:pt x="7915" y="9778"/>
+                  <a:pt x="7915" y="9778"/>
+                </a:cubicBezTo>
+                <a:lnTo>
+                  <a:pt x="9248" y="5265"/>
+                </a:lnTo>
+                <a:cubicBezTo>
+                  <a:pt x="9303" y="5077"/>
+                  <a:pt x="9303" y="4889"/>
+                  <a:pt x="9248" y="4701"/>
+                </a:cubicBezTo>
+                <a:close/>
+              </a:path>
+            </a:pathLst>
+          </a:custGeom>
+          <a:solidFill>
+            <a:schemeClr val="accent1"/>
+          </a:solidFill>
+          <a:ln>
+            <a:noFill/>
+          </a:ln>
+        </p:spPr>
+      </p:sp>
+      <p:sp>
+        <p:nvSpPr>
+          <p:cNvPr id="7" name="Slide Number Placeholder 6"/>
+          <p:cNvSpPr>
+            <a:spLocks noGrp="1"/>
+          </p:cNvSpPr>
+          <p:nvPr>
+            <p:ph type="sldNum" sz="quarter" idx="12"/>
+          </p:nvPr>
+        </p:nvSpPr>
+        <p:spPr>
+          <a:xfrm>
+            <a:off x="531812" y="4983087"/>
+            <a:ext cx="779767" cy="365125"/>
+          </a:xfrm>
+        </p:spPr>
+        <p:txBody>
+          <a:bodyPr/>
+          <a:lstStyle/>
+          <a:p>
+            <a:fld id="{541E98F8-2370-44B3-B177-237D8934FAF8}" type="slidenum">
+              <a:rPr lang="es-CL" smtClean="0"/>
+              <a:pPr/>
+              <a:t>‹Nº›</a:t>
+            </a:fld>
+            <a:endParaRPr lang="es-CL"/>
+          </a:p>
+        </p:txBody>
+      </p:sp>
+    </p:spTree>
+    <p:extLst>
+      <p:ext uri="{BB962C8B-B14F-4D97-AF65-F5344CB8AC3E}">
+        <p14:creationId xmlns:p14="http://schemas.microsoft.com/office/powerpoint/2010/main" val="387210881"/>
+      </p:ext>
+    </p:extLst>
+  </p:cSld>
+  <p:clrMapOvr>
+    <a:masterClrMapping/>
+  </p:clrMapOvr>
+</p:sldLayout>
+</file>
+
+<file path=ppt/slideLayouts/slideLayout13.xml><?xml version="1.0" encoding="utf-8"?>
+<p:sldLayout xmlns:a="http://schemas.openxmlformats.org/drawingml/2006/main" xmlns:r="http://schemas.openxmlformats.org/officeDocument/2006/relationships" xmlns:p="http://schemas.openxmlformats.org/presentationml/2006/main" preserve="1">
+  <p:cSld name="Citar la tarjeta de nombre">
+    <p:spTree>
+      <p:nvGrpSpPr>
+        <p:cNvPr id="1" name=""/>
+        <p:cNvGrpSpPr/>
+        <p:nvPr/>
+      </p:nvGrpSpPr>
+      <p:grpSpPr>
+        <a:xfrm>
+          <a:off x="0" y="0"/>
+          <a:ext cx="0" cy="0"/>
+          <a:chOff x="0" y="0"/>
+          <a:chExt cx="0" cy="0"/>
+        </a:xfrm>
+      </p:grpSpPr>
+      <p:sp>
+        <p:nvSpPr>
+          <p:cNvPr id="12" name="Title 1"/>
+          <p:cNvSpPr>
+            <a:spLocks noGrp="1"/>
+          </p:cNvSpPr>
+          <p:nvPr>
+            <p:ph type="title"/>
+          </p:nvPr>
+        </p:nvSpPr>
+        <p:spPr>
+          <a:xfrm>
+            <a:off x="2849949" y="609600"/>
+            <a:ext cx="8393926" cy="2895600"/>
+          </a:xfrm>
+        </p:spPr>
+        <p:txBody>
+          <a:bodyPr anchor="ctr">
+            <a:normAutofit/>
+          </a:bodyPr>
+          <a:lstStyle>
+            <a:lvl1pPr algn="l">
+              <a:defRPr sz="4800" b="0" cap="none"/>
+            </a:lvl1pPr>
+          </a:lstStyle>
+          <a:p>
+            <a:r>
+              <a:rPr lang="es-ES" smtClean="0"/>
+              <a:t>Haga clic para modificar el estilo de título del patrón</a:t>
+            </a:r>
+            <a:endParaRPr lang="en-US" dirty="0"/>
+          </a:p>
+        </p:txBody>
+      </p:sp>
+      <p:sp>
+        <p:nvSpPr>
+          <p:cNvPr id="21" name="Text Placeholder 9"/>
+          <p:cNvSpPr>
+            <a:spLocks noGrp="1"/>
+          </p:cNvSpPr>
+          <p:nvPr>
+            <p:ph type="body" sz="quarter" idx="13"/>
+          </p:nvPr>
+        </p:nvSpPr>
+        <p:spPr>
+          <a:xfrm>
+            <a:off x="2589212" y="4343400"/>
+            <a:ext cx="8915400" cy="838200"/>
+          </a:xfrm>
+        </p:spPr>
+        <p:txBody>
+          <a:bodyPr anchor="b">
+            <a:noAutofit/>
+          </a:bodyPr>
+          <a:lstStyle>
+            <a:lvl1pPr marL="0" indent="0">
+              <a:buFontTx/>
+              <a:buNone/>
+              <a:defRPr sz="2400">
+                <a:solidFill>
+                  <a:schemeClr val="accent1"/>
+                </a:solidFill>
+              </a:defRPr>
+            </a:lvl1pPr>
+            <a:lvl2pPr marL="457200" indent="0">
+              <a:buFontTx/>
+              <a:buNone/>
+              <a:defRPr/>
+            </a:lvl2pPr>
+            <a:lvl3pPr marL="914400" indent="0">
+              <a:buFontTx/>
+              <a:buNone/>
+              <a:defRPr/>
+            </a:lvl3pPr>
+            <a:lvl4pPr marL="1371600" indent="0">
+              <a:buFontTx/>
+              <a:buNone/>
+              <a:defRPr/>
+            </a:lvl4pPr>
+            <a:lvl5pPr marL="1828800" indent="0">
+              <a:buFontTx/>
+              <a:buNone/>
+              <a:defRPr/>
+            </a:lvl5pPr>
+          </a:lstStyle>
+          <a:p>
+            <a:pPr lvl="0"/>
+            <a:r>
+              <a:rPr lang="es-ES" smtClean="0"/>
+              <a:t>Haga clic para modificar el estilo de texto del patrón</a:t>
+            </a:r>
+          </a:p>
+        </p:txBody>
+      </p:sp>
+      <p:sp>
+        <p:nvSpPr>
+          <p:cNvPr id="4" name="Text Placeholder 3"/>
+          <p:cNvSpPr>
+            <a:spLocks noGrp="1"/>
+          </p:cNvSpPr>
+          <p:nvPr>
+            <p:ph type="body" sz="half" idx="2"/>
+          </p:nvPr>
+        </p:nvSpPr>
+        <p:spPr>
+          <a:xfrm>
+            <a:off x="2589213" y="5181600"/>
+            <a:ext cx="8915400" cy="729622"/>
+          </a:xfrm>
+        </p:spPr>
+        <p:txBody>
+          <a:bodyPr vert="horz" lIns="91440" tIns="45720" rIns="91440" bIns="45720" rtlCol="0" anchor="t">
+            <a:normAutofit/>
+          </a:bodyPr>
+          <a:lstStyle>
+            <a:lvl1pPr>
+              <a:buNone/>
+              <a:defRPr lang="en-US">
+                <a:solidFill>
+                  <a:schemeClr val="tx1">
+                    <a:lumMod val="65000"/>
+                    <a:lumOff val="35000"/>
+                  </a:schemeClr>
+                </a:solidFill>
+              </a:defRPr>
+            </a:lvl1pPr>
+          </a:lstStyle>
+          <a:p>
+            <a:pPr marL="0" lvl="0" indent="0">
+              <a:buNone/>
+            </a:pPr>
+            <a:r>
+              <a:rPr lang="es-ES" smtClean="0"/>
+              <a:t>Haga clic para modificar el estilo de texto del patrón</a:t>
+            </a:r>
+          </a:p>
+        </p:txBody>
+      </p:sp>
+      <p:sp>
+        <p:nvSpPr>
+          <p:cNvPr id="5" name="Date Placeholder 4"/>
+          <p:cNvSpPr>
+            <a:spLocks noGrp="1"/>
+          </p:cNvSpPr>
+          <p:nvPr>
+            <p:ph type="dt" sz="half" idx="10"/>
+          </p:nvPr>
+        </p:nvSpPr>
+        <p:spPr/>
+        <p:txBody>
+          <a:bodyPr/>
+          <a:lstStyle/>
+          <a:p>
+            <a:fld id="{0CBE8919-C854-473F-863C-B1864504E81A}" type="datetimeFigureOut">
+              <a:rPr lang="es-CL" smtClean="0"/>
+              <a:pPr/>
+              <a:t>04-10-2014</a:t>
+            </a:fld>
+            <a:endParaRPr lang="es-CL"/>
+          </a:p>
+        </p:txBody>
+      </p:sp>
+      <p:sp>
+        <p:nvSpPr>
+          <p:cNvPr id="6" name="Footer Placeholder 5"/>
+          <p:cNvSpPr>
+            <a:spLocks noGrp="1"/>
+          </p:cNvSpPr>
+          <p:nvPr>
+            <p:ph type="ftr" sz="quarter" idx="11"/>
+          </p:nvPr>
+        </p:nvSpPr>
+        <p:spPr/>
+        <p:txBody>
+          <a:bodyPr/>
+          <a:lstStyle/>
+          <a:p>
+            <a:endParaRPr lang="es-CL"/>
+          </a:p>
+        </p:txBody>
+      </p:sp>
+      <p:sp>
+        <p:nvSpPr>
+          <p:cNvPr id="11" name="Freeform 11"/>
+          <p:cNvSpPr/>
+          <p:nvPr/>
+        </p:nvSpPr>
+        <p:spPr bwMode="auto">
+          <a:xfrm flipV="1">
+            <a:off x="-4189" y="4911725"/>
+            <a:ext cx="1588527" cy="507297"/>
+          </a:xfrm>
+          <a:custGeom>
+            <a:avLst/>
+            <a:gdLst/>
+            <a:ahLst/>
+            <a:cxnLst/>
+            <a:rect l="l" t="t" r="r" b="b"/>
+            <a:pathLst>
+              <a:path w="9248" h="10000">
+                <a:moveTo>
+                  <a:pt x="9248" y="4701"/>
+                </a:moveTo>
+                <a:lnTo>
+                  <a:pt x="7915" y="188"/>
+                </a:lnTo>
+                <a:cubicBezTo>
+                  <a:pt x="7906" y="156"/>
+                  <a:pt x="7895" y="126"/>
+                  <a:pt x="7886" y="94"/>
+                </a:cubicBezTo>
+                <a:cubicBezTo>
+                  <a:pt x="7859" y="0"/>
+                  <a:pt x="7831" y="0"/>
+                  <a:pt x="7803" y="0"/>
+                </a:cubicBezTo>
+                <a:lnTo>
+                  <a:pt x="7275" y="0"/>
+                </a:lnTo>
+                <a:lnTo>
+                  <a:pt x="0" y="70"/>
+                </a:lnTo>
+                <a:cubicBezTo>
+                  <a:pt x="8" y="3380"/>
+                  <a:pt x="17" y="6690"/>
+                  <a:pt x="25" y="10000"/>
+                </a:cubicBezTo>
+                <a:lnTo>
+                  <a:pt x="7275" y="9966"/>
+                </a:lnTo>
+                <a:lnTo>
+                  <a:pt x="7803" y="9966"/>
+                </a:lnTo>
+                <a:cubicBezTo>
+                  <a:pt x="7831" y="9966"/>
+                  <a:pt x="7859" y="9872"/>
+                  <a:pt x="7886" y="9872"/>
+                </a:cubicBezTo>
+                <a:cubicBezTo>
+                  <a:pt x="7886" y="9778"/>
+                  <a:pt x="7915" y="9778"/>
+                  <a:pt x="7915" y="9778"/>
+                </a:cubicBezTo>
+                <a:lnTo>
+                  <a:pt x="9248" y="5265"/>
+                </a:lnTo>
+                <a:cubicBezTo>
+                  <a:pt x="9303" y="5077"/>
+                  <a:pt x="9303" y="4889"/>
+                  <a:pt x="9248" y="4701"/>
+                </a:cubicBezTo>
+                <a:close/>
+              </a:path>
+            </a:pathLst>
+          </a:custGeom>
+          <a:solidFill>
+            <a:schemeClr val="accent1"/>
+          </a:solidFill>
+          <a:ln>
+            <a:noFill/>
+          </a:ln>
+        </p:spPr>
+      </p:sp>
+      <p:sp>
+        <p:nvSpPr>
+          <p:cNvPr id="7" name="Slide Number Placeholder 6"/>
+          <p:cNvSpPr>
+            <a:spLocks noGrp="1"/>
+          </p:cNvSpPr>
+          <p:nvPr>
+            <p:ph type="sldNum" sz="quarter" idx="12"/>
+          </p:nvPr>
+        </p:nvSpPr>
+        <p:spPr>
+          <a:xfrm>
+            <a:off x="531812" y="4983087"/>
+            <a:ext cx="779767" cy="365125"/>
+          </a:xfrm>
+        </p:spPr>
+        <p:txBody>
+          <a:bodyPr/>
+          <a:lstStyle/>
+          <a:p>
+            <a:fld id="{541E98F8-2370-44B3-B177-237D8934FAF8}" type="slidenum">
+              <a:rPr lang="es-CL" smtClean="0"/>
+              <a:pPr/>
+              <a:t>‹Nº›</a:t>
+            </a:fld>
+            <a:endParaRPr lang="es-CL"/>
+          </a:p>
+        </p:txBody>
+      </p:sp>
+      <p:sp>
+        <p:nvSpPr>
+          <p:cNvPr id="17" name="TextBox 16"/>
+          <p:cNvSpPr txBox="1"/>
+          <p:nvPr/>
+        </p:nvSpPr>
+        <p:spPr>
+          <a:xfrm>
+            <a:off x="2467652" y="648005"/>
+            <a:ext cx="609600" cy="584776"/>
+          </a:xfrm>
+          <a:prstGeom prst="rect">
+            <a:avLst/>
+          </a:prstGeom>
+        </p:spPr>
+        <p:txBody>
+          <a:bodyPr vert="horz" lIns="91440" tIns="45720" rIns="91440" bIns="45720" rtlCol="0" anchor="ctr">
+            <a:noAutofit/>
+          </a:bodyPr>
+          <a:lstStyle/>
+          <a:p>
+            <a:pPr lvl="0"/>
+            <a:r>
+              <a:rPr lang="en-US" sz="8000" baseline="0" dirty="0">
+                <a:ln w="3175" cmpd="sng">
+                  <a:noFill/>
+                </a:ln>
+                <a:solidFill>
+                  <a:schemeClr val="accent1"/>
+                </a:solidFill>
+                <a:effectLst/>
+                <a:latin typeface="Arial"/>
+              </a:rPr>
+              <a:t>“</a:t>
+            </a:r>
+          </a:p>
+        </p:txBody>
+      </p:sp>
+      <p:sp>
+        <p:nvSpPr>
+          <p:cNvPr id="18" name="TextBox 17"/>
+          <p:cNvSpPr txBox="1"/>
+          <p:nvPr/>
+        </p:nvSpPr>
+        <p:spPr>
+          <a:xfrm>
+            <a:off x="11114852" y="2905306"/>
+            <a:ext cx="609600" cy="584776"/>
+          </a:xfrm>
+          <a:prstGeom prst="rect">
+            <a:avLst/>
+          </a:prstGeom>
+        </p:spPr>
+        <p:txBody>
+          <a:bodyPr vert="horz" lIns="91440" tIns="45720" rIns="91440" bIns="45720" rtlCol="0" anchor="ctr">
+            <a:noAutofit/>
+          </a:bodyPr>
+          <a:lstStyle/>
+          <a:p>
+            <a:pPr lvl="0"/>
+            <a:r>
+              <a:rPr lang="en-US" sz="8000" baseline="0" dirty="0">
+                <a:ln w="3175" cmpd="sng">
+                  <a:noFill/>
+                </a:ln>
+                <a:solidFill>
+                  <a:schemeClr val="accent1"/>
+                </a:solidFill>
+                <a:effectLst/>
+                <a:latin typeface="Arial"/>
+              </a:rPr>
+              <a:t>”</a:t>
+            </a:r>
+          </a:p>
+        </p:txBody>
+      </p:sp>
+    </p:spTree>
+    <p:extLst>
+      <p:ext uri="{BB962C8B-B14F-4D97-AF65-F5344CB8AC3E}">
+        <p14:creationId xmlns:p14="http://schemas.microsoft.com/office/powerpoint/2010/main" val="2881193470"/>
+      </p:ext>
+    </p:extLst>
+  </p:cSld>
+  <p:clrMapOvr>
+    <a:masterClrMapping/>
+  </p:clrMapOvr>
+</p:sldLayout>
+</file>
+
+<file path=ppt/slideLayouts/slideLayout14.xml><?xml version="1.0" encoding="utf-8"?>
+<p:sldLayout xmlns:a="http://schemas.openxmlformats.org/drawingml/2006/main" xmlns:r="http://schemas.openxmlformats.org/officeDocument/2006/relationships" xmlns:p="http://schemas.openxmlformats.org/presentationml/2006/main" preserve="1">
+  <p:cSld name="Verdadero o falso">
+    <p:spTree>
+      <p:nvGrpSpPr>
+        <p:cNvPr id="1" name=""/>
+        <p:cNvGrpSpPr/>
+        <p:nvPr/>
+      </p:nvGrpSpPr>
+      <p:grpSpPr>
+        <a:xfrm>
+          <a:off x="0" y="0"/>
+          <a:ext cx="0" cy="0"/>
+          <a:chOff x="0" y="0"/>
+          <a:chExt cx="0" cy="0"/>
+        </a:xfrm>
+      </p:grpSpPr>
+      <p:sp>
+        <p:nvSpPr>
+          <p:cNvPr id="2" name="Title 1"/>
+          <p:cNvSpPr>
+            <a:spLocks noGrp="1"/>
+          </p:cNvSpPr>
+          <p:nvPr>
+            <p:ph type="title"/>
+          </p:nvPr>
+        </p:nvSpPr>
+        <p:spPr>
+          <a:xfrm>
+            <a:off x="2589212" y="627407"/>
+            <a:ext cx="8915399" cy="2880020"/>
+          </a:xfrm>
+        </p:spPr>
+        <p:txBody>
+          <a:bodyPr anchor="ctr">
+            <a:normAutofit/>
+          </a:bodyPr>
+          <a:lstStyle>
+            <a:lvl1pPr algn="l">
+              <a:defRPr sz="4800" b="0"/>
+            </a:lvl1pPr>
+          </a:lstStyle>
+          <a:p>
+            <a:r>
+              <a:rPr lang="es-ES" smtClean="0"/>
+              <a:t>Haga clic para modificar el estilo de título del patrón</a:t>
+            </a:r>
+            <a:endParaRPr lang="en-US" dirty="0"/>
+          </a:p>
+        </p:txBody>
+      </p:sp>
+      <p:sp>
+        <p:nvSpPr>
+          <p:cNvPr id="21" name="Text Placeholder 9"/>
+          <p:cNvSpPr>
+            <a:spLocks noGrp="1"/>
+          </p:cNvSpPr>
+          <p:nvPr>
+            <p:ph type="body" sz="quarter" idx="13"/>
+          </p:nvPr>
+        </p:nvSpPr>
+        <p:spPr>
+          <a:xfrm>
+            <a:off x="2589212" y="4343400"/>
+            <a:ext cx="8915400" cy="838200"/>
+          </a:xfrm>
+        </p:spPr>
+        <p:txBody>
+          <a:bodyPr anchor="b">
+            <a:noAutofit/>
+          </a:bodyPr>
+          <a:lstStyle>
+            <a:lvl1pPr marL="0" indent="0">
+              <a:buFontTx/>
+              <a:buNone/>
+              <a:defRPr sz="2400">
+                <a:solidFill>
+                  <a:schemeClr val="accent1"/>
+                </a:solidFill>
+              </a:defRPr>
+            </a:lvl1pPr>
+            <a:lvl2pPr marL="457200" indent="0">
+              <a:buFontTx/>
+              <a:buNone/>
+              <a:defRPr/>
+            </a:lvl2pPr>
+            <a:lvl3pPr marL="914400" indent="0">
+              <a:buFontTx/>
+              <a:buNone/>
+              <a:defRPr/>
+            </a:lvl3pPr>
+            <a:lvl4pPr marL="1371600" indent="0">
+              <a:buFontTx/>
+              <a:buNone/>
+              <a:defRPr/>
+            </a:lvl4pPr>
+            <a:lvl5pPr marL="1828800" indent="0">
+              <a:buFontTx/>
+              <a:buNone/>
+              <a:defRPr/>
+            </a:lvl5pPr>
+          </a:lstStyle>
+          <a:p>
+            <a:pPr lvl="0"/>
+            <a:r>
+              <a:rPr lang="es-ES" smtClean="0"/>
+              <a:t>Haga clic para modificar el estilo de texto del patrón</a:t>
+            </a:r>
+          </a:p>
+        </p:txBody>
+      </p:sp>
+      <p:sp>
+        <p:nvSpPr>
+          <p:cNvPr id="4" name="Text Placeholder 3"/>
+          <p:cNvSpPr>
+            <a:spLocks noGrp="1"/>
+          </p:cNvSpPr>
+          <p:nvPr>
+            <p:ph type="body" sz="half" idx="2"/>
+          </p:nvPr>
+        </p:nvSpPr>
+        <p:spPr>
+          <a:xfrm>
+            <a:off x="2589213" y="5181600"/>
+            <a:ext cx="8915400" cy="729622"/>
+          </a:xfrm>
+        </p:spPr>
+        <p:txBody>
+          <a:bodyPr vert="horz" lIns="91440" tIns="45720" rIns="91440" bIns="45720" rtlCol="0" anchor="t">
+            <a:normAutofit/>
+          </a:bodyPr>
+          <a:lstStyle>
+            <a:lvl1pPr>
+              <a:buNone/>
+              <a:defRPr lang="en-US">
+                <a:solidFill>
+                  <a:schemeClr val="tx1">
+                    <a:lumMod val="65000"/>
+                    <a:lumOff val="35000"/>
+                  </a:schemeClr>
+                </a:solidFill>
+              </a:defRPr>
+            </a:lvl1pPr>
+          </a:lstStyle>
+          <a:p>
+            <a:pPr marL="0" lvl="0" indent="0">
+              <a:buNone/>
+            </a:pPr>
+            <a:r>
+              <a:rPr lang="es-ES" smtClean="0"/>
+              <a:t>Haga clic para modificar el estilo de texto del patrón</a:t>
+            </a:r>
+          </a:p>
+        </p:txBody>
+      </p:sp>
+      <p:sp>
+        <p:nvSpPr>
+          <p:cNvPr id="5" name="Date Placeholder 4"/>
+          <p:cNvSpPr>
+            <a:spLocks noGrp="1"/>
+          </p:cNvSpPr>
+          <p:nvPr>
+            <p:ph type="dt" sz="half" idx="10"/>
+          </p:nvPr>
+        </p:nvSpPr>
+        <p:spPr/>
+        <p:txBody>
+          <a:bodyPr/>
+          <a:lstStyle/>
+          <a:p>
+            <a:fld id="{0CBE8919-C854-473F-863C-B1864504E81A}" type="datetimeFigureOut">
+              <a:rPr lang="es-CL" smtClean="0"/>
+              <a:pPr/>
+              <a:t>04-10-2014</a:t>
+            </a:fld>
+            <a:endParaRPr lang="es-CL"/>
+          </a:p>
+        </p:txBody>
+      </p:sp>
+      <p:sp>
+        <p:nvSpPr>
+          <p:cNvPr id="6" name="Footer Placeholder 5"/>
+          <p:cNvSpPr>
+            <a:spLocks noGrp="1"/>
+          </p:cNvSpPr>
+          <p:nvPr>
+            <p:ph type="ftr" sz="quarter" idx="11"/>
+          </p:nvPr>
+        </p:nvSpPr>
+        <p:spPr/>
+        <p:txBody>
+          <a:bodyPr/>
+          <a:lstStyle/>
+          <a:p>
+            <a:endParaRPr lang="es-CL"/>
+          </a:p>
+        </p:txBody>
+      </p:sp>
+      <p:sp>
+        <p:nvSpPr>
+          <p:cNvPr id="9" name="Freeform 11"/>
+          <p:cNvSpPr/>
+          <p:nvPr/>
+        </p:nvSpPr>
+        <p:spPr bwMode="auto">
+          <a:xfrm flipV="1">
+            <a:off x="-4189" y="4911725"/>
+            <a:ext cx="1588527" cy="507297"/>
+          </a:xfrm>
+          <a:custGeom>
+            <a:avLst/>
+            <a:gdLst/>
+            <a:ahLst/>
+            <a:cxnLst/>
+            <a:rect l="l" t="t" r="r" b="b"/>
+            <a:pathLst>
+              <a:path w="9248" h="10000">
+                <a:moveTo>
+                  <a:pt x="9248" y="4701"/>
+                </a:moveTo>
+                <a:lnTo>
+                  <a:pt x="7915" y="188"/>
+                </a:lnTo>
+                <a:cubicBezTo>
+                  <a:pt x="7906" y="156"/>
+                  <a:pt x="7895" y="126"/>
+                  <a:pt x="7886" y="94"/>
+                </a:cubicBezTo>
+                <a:cubicBezTo>
+                  <a:pt x="7859" y="0"/>
+                  <a:pt x="7831" y="0"/>
+                  <a:pt x="7803" y="0"/>
+                </a:cubicBezTo>
+                <a:lnTo>
+                  <a:pt x="7275" y="0"/>
+                </a:lnTo>
+                <a:lnTo>
+                  <a:pt x="0" y="70"/>
+                </a:lnTo>
+                <a:cubicBezTo>
+                  <a:pt x="8" y="3380"/>
+                  <a:pt x="17" y="6690"/>
+                  <a:pt x="25" y="10000"/>
+                </a:cubicBezTo>
+                <a:lnTo>
+                  <a:pt x="7275" y="9966"/>
+                </a:lnTo>
+                <a:lnTo>
+                  <a:pt x="7803" y="9966"/>
+                </a:lnTo>
+                <a:cubicBezTo>
+                  <a:pt x="7831" y="9966"/>
+                  <a:pt x="7859" y="9872"/>
+                  <a:pt x="7886" y="9872"/>
+                </a:cubicBezTo>
+                <a:cubicBezTo>
+                  <a:pt x="7886" y="9778"/>
+                  <a:pt x="7915" y="9778"/>
+                  <a:pt x="7915" y="9778"/>
+                </a:cubicBezTo>
+                <a:lnTo>
+                  <a:pt x="9248" y="5265"/>
+                </a:lnTo>
+                <a:cubicBezTo>
+                  <a:pt x="9303" y="5077"/>
+                  <a:pt x="9303" y="4889"/>
+                  <a:pt x="9248" y="4701"/>
+                </a:cubicBezTo>
+                <a:close/>
+              </a:path>
+            </a:pathLst>
+          </a:custGeom>
+          <a:solidFill>
+            <a:schemeClr val="accent1"/>
+          </a:solidFill>
+          <a:ln>
+            <a:noFill/>
+          </a:ln>
+        </p:spPr>
+      </p:sp>
+      <p:sp>
+        <p:nvSpPr>
+          <p:cNvPr id="7" name="Slide Number Placeholder 6"/>
+          <p:cNvSpPr>
+            <a:spLocks noGrp="1"/>
+          </p:cNvSpPr>
+          <p:nvPr>
+            <p:ph type="sldNum" sz="quarter" idx="12"/>
+          </p:nvPr>
+        </p:nvSpPr>
+        <p:spPr>
+          <a:xfrm>
+            <a:off x="531812" y="4983087"/>
+            <a:ext cx="779767" cy="365125"/>
+          </a:xfrm>
+        </p:spPr>
+        <p:txBody>
+          <a:bodyPr/>
+          <a:lstStyle/>
+          <a:p>
+            <a:fld id="{541E98F8-2370-44B3-B177-237D8934FAF8}" type="slidenum">
+              <a:rPr lang="es-CL" smtClean="0"/>
+              <a:pPr/>
+              <a:t>‹Nº›</a:t>
+            </a:fld>
+            <a:endParaRPr lang="es-CL"/>
+          </a:p>
+        </p:txBody>
+      </p:sp>
+    </p:spTree>
+    <p:extLst>
+      <p:ext uri="{BB962C8B-B14F-4D97-AF65-F5344CB8AC3E}">
+        <p14:creationId xmlns:p14="http://schemas.microsoft.com/office/powerpoint/2010/main" val="4168321336"/>
+      </p:ext>
+    </p:extLst>
+  </p:cSld>
+  <p:clrMapOvr>
+    <a:masterClrMapping/>
+  </p:clrMapOvr>
+</p:sldLayout>
+</file>
+
+<file path=ppt/slideLayouts/slideLayout15.xml><?xml version="1.0" encoding="utf-8"?>
 <p:sldLayout xmlns:a="http://schemas.openxmlformats.org/drawingml/2006/main" xmlns:r="http://schemas.openxmlformats.org/officeDocument/2006/relationships" xmlns:p="http://schemas.openxmlformats.org/presentationml/2006/main" type="vertTx" preserve="1">
   <p:cSld name="Título y texto vertical">
     <p:spTree>
@@ -696,7 +2309,7 @@
               <a:rPr lang="es-ES" smtClean="0"/>
               <a:t>Haga clic para modificar el estilo de título del patrón</a:t>
             </a:r>
-            <a:endParaRPr lang="en-US"/>
+            <a:endParaRPr lang="en-US" dirty="0"/>
           </a:p>
         </p:txBody>
       </p:sp>
@@ -712,7 +2325,7 @@
         </p:nvSpPr>
         <p:spPr/>
         <p:txBody>
-          <a:bodyPr vert="eaVert"/>
+          <a:bodyPr vert="eaVert" anchor="t"/>
           <a:lstStyle/>
           <a:p>
             <a:pPr lvl="0"/>
@@ -748,7 +2361,7 @@
               <a:rPr lang="es-ES" smtClean="0"/>
               <a:t>Quinto nivel</a:t>
             </a:r>
-            <a:endParaRPr lang="en-US"/>
+            <a:endParaRPr lang="en-US" dirty="0"/>
           </a:p>
         </p:txBody>
       </p:sp>
@@ -797,6 +2410,88 @@
       </p:sp>
       <p:sp>
         <p:nvSpPr>
+          <p:cNvPr id="8" name="Freeform 11"/>
+          <p:cNvSpPr/>
+          <p:nvPr/>
+        </p:nvSpPr>
+        <p:spPr bwMode="auto">
+          <a:xfrm flipV="1">
+            <a:off x="-4189" y="714375"/>
+            <a:ext cx="1588527" cy="507297"/>
+          </a:xfrm>
+          <a:custGeom>
+            <a:avLst/>
+            <a:gdLst/>
+            <a:ahLst/>
+            <a:cxnLst/>
+            <a:rect l="l" t="t" r="r" b="b"/>
+            <a:pathLst>
+              <a:path w="9248" h="10000">
+                <a:moveTo>
+                  <a:pt x="9248" y="4701"/>
+                </a:moveTo>
+                <a:lnTo>
+                  <a:pt x="7915" y="188"/>
+                </a:lnTo>
+                <a:cubicBezTo>
+                  <a:pt x="7906" y="156"/>
+                  <a:pt x="7895" y="126"/>
+                  <a:pt x="7886" y="94"/>
+                </a:cubicBezTo>
+                <a:cubicBezTo>
+                  <a:pt x="7859" y="0"/>
+                  <a:pt x="7831" y="0"/>
+                  <a:pt x="7803" y="0"/>
+                </a:cubicBezTo>
+                <a:lnTo>
+                  <a:pt x="7275" y="0"/>
+                </a:lnTo>
+                <a:lnTo>
+                  <a:pt x="0" y="70"/>
+                </a:lnTo>
+                <a:cubicBezTo>
+                  <a:pt x="8" y="3380"/>
+                  <a:pt x="17" y="6690"/>
+                  <a:pt x="25" y="10000"/>
+                </a:cubicBezTo>
+                <a:lnTo>
+                  <a:pt x="7275" y="9966"/>
+                </a:lnTo>
+                <a:lnTo>
+                  <a:pt x="7803" y="9966"/>
+                </a:lnTo>
+                <a:cubicBezTo>
+                  <a:pt x="7831" y="9966"/>
+                  <a:pt x="7859" y="9872"/>
+                  <a:pt x="7886" y="9872"/>
+                </a:cubicBezTo>
+                <a:cubicBezTo>
+                  <a:pt x="7886" y="9778"/>
+                  <a:pt x="7915" y="9778"/>
+                  <a:pt x="7915" y="9778"/>
+                </a:cubicBezTo>
+                <a:lnTo>
+                  <a:pt x="9248" y="5265"/>
+                </a:lnTo>
+                <a:cubicBezTo>
+                  <a:pt x="9303" y="5077"/>
+                  <a:pt x="9303" y="4889"/>
+                  <a:pt x="9248" y="4701"/>
+                </a:cubicBezTo>
+                <a:close/>
+              </a:path>
+            </a:pathLst>
+          </a:custGeom>
+          <a:solidFill>
+            <a:schemeClr val="accent1"/>
+          </a:solidFill>
+          <a:ln>
+            <a:noFill/>
+          </a:ln>
+        </p:spPr>
+      </p:sp>
+      <p:sp>
+        <p:nvSpPr>
           <p:cNvPr id="6" name="Slide Number Placeholder 5"/>
           <p:cNvSpPr>
             <a:spLocks noGrp="1"/>
@@ -820,6 +2515,11 @@
         </p:txBody>
       </p:sp>
     </p:spTree>
+    <p:extLst>
+      <p:ext uri="{BB962C8B-B14F-4D97-AF65-F5344CB8AC3E}">
+        <p14:creationId xmlns:p14="http://schemas.microsoft.com/office/powerpoint/2010/main" val="382173619"/>
+      </p:ext>
+    </p:extLst>
   </p:cSld>
   <p:clrMapOvr>
     <a:masterClrMapping/>
@@ -827,7 +2527,7 @@
 </p:sldLayout>
 </file>
 
-<file path=ppt/slideLayouts/slideLayout11.xml><?xml version="1.0" encoding="utf-8"?>
+<file path=ppt/slideLayouts/slideLayout16.xml><?xml version="1.0" encoding="utf-8"?>
 <p:sldLayout xmlns:a="http://schemas.openxmlformats.org/drawingml/2006/main" xmlns:r="http://schemas.openxmlformats.org/officeDocument/2006/relationships" xmlns:p="http://schemas.openxmlformats.org/presentationml/2006/main" type="vertTitleAndTx" preserve="1">
   <p:cSld name="Título vertical y texto">
     <p:spTree>
@@ -856,42 +2556,42 @@
         </p:nvSpPr>
         <p:spPr>
           <a:xfrm>
-            <a:off x="8839200" y="274639"/>
-            <a:ext cx="2743200" cy="4678362"/>
+            <a:off x="9294812" y="627405"/>
+            <a:ext cx="2207601" cy="5283817"/>
           </a:xfrm>
         </p:spPr>
         <p:txBody>
+          <a:bodyPr vert="eaVert" anchor="ctr"/>
+          <a:lstStyle/>
+          <a:p>
+            <a:r>
+              <a:rPr lang="es-ES" smtClean="0"/>
+              <a:t>Haga clic para modificar el estilo de título del patrón</a:t>
+            </a:r>
+            <a:endParaRPr lang="en-US" dirty="0"/>
+          </a:p>
+        </p:txBody>
+      </p:sp>
+      <p:sp>
+        <p:nvSpPr>
+          <p:cNvPr id="3" name="Vertical Text Placeholder 2"/>
+          <p:cNvSpPr>
+            <a:spLocks noGrp="1"/>
+          </p:cNvSpPr>
+          <p:nvPr>
+            <p:ph type="body" orient="vert" idx="1"/>
+          </p:nvPr>
+        </p:nvSpPr>
+        <p:spPr>
+          <a:xfrm>
+            <a:off x="2589212" y="627405"/>
+            <a:ext cx="6477000" cy="5283817"/>
+          </a:xfrm>
+        </p:spPr>
+        <p:txBody>
           <a:bodyPr vert="eaVert"/>
           <a:lstStyle/>
           <a:p>
-            <a:r>
-              <a:rPr lang="es-ES" smtClean="0"/>
-              <a:t>Haga clic para modificar el estilo de título del patrón</a:t>
-            </a:r>
-            <a:endParaRPr lang="en-US" dirty="0"/>
-          </a:p>
-        </p:txBody>
-      </p:sp>
-      <p:sp>
-        <p:nvSpPr>
-          <p:cNvPr id="3" name="Vertical Text Placeholder 2"/>
-          <p:cNvSpPr>
-            <a:spLocks noGrp="1"/>
-          </p:cNvSpPr>
-          <p:nvPr>
-            <p:ph type="body" orient="vert" idx="1"/>
-          </p:nvPr>
-        </p:nvSpPr>
-        <p:spPr>
-          <a:xfrm>
-            <a:off x="609600" y="274639"/>
-            <a:ext cx="8026400" cy="4678362"/>
-          </a:xfrm>
-        </p:spPr>
-        <p:txBody>
-          <a:bodyPr vert="eaVert"/>
-          <a:lstStyle/>
-          <a:p>
             <a:pPr lvl="0"/>
             <a:r>
               <a:rPr lang="es-ES" smtClean="0"/>
@@ -925,7 +2625,7 @@
               <a:rPr lang="es-ES" smtClean="0"/>
               <a:t>Quinto nivel</a:t>
             </a:r>
-            <a:endParaRPr lang="en-US"/>
+            <a:endParaRPr lang="en-US" dirty="0"/>
           </a:p>
         </p:txBody>
       </p:sp>
@@ -974,6 +2674,88 @@
       </p:sp>
       <p:sp>
         <p:nvSpPr>
+          <p:cNvPr id="8" name="Freeform 11"/>
+          <p:cNvSpPr/>
+          <p:nvPr/>
+        </p:nvSpPr>
+        <p:spPr bwMode="auto">
+          <a:xfrm flipV="1">
+            <a:off x="-4189" y="714375"/>
+            <a:ext cx="1588527" cy="507297"/>
+          </a:xfrm>
+          <a:custGeom>
+            <a:avLst/>
+            <a:gdLst/>
+            <a:ahLst/>
+            <a:cxnLst/>
+            <a:rect l="l" t="t" r="r" b="b"/>
+            <a:pathLst>
+              <a:path w="9248" h="10000">
+                <a:moveTo>
+                  <a:pt x="9248" y="4701"/>
+                </a:moveTo>
+                <a:lnTo>
+                  <a:pt x="7915" y="188"/>
+                </a:lnTo>
+                <a:cubicBezTo>
+                  <a:pt x="7906" y="156"/>
+                  <a:pt x="7895" y="126"/>
+                  <a:pt x="7886" y="94"/>
+                </a:cubicBezTo>
+                <a:cubicBezTo>
+                  <a:pt x="7859" y="0"/>
+                  <a:pt x="7831" y="0"/>
+                  <a:pt x="7803" y="0"/>
+                </a:cubicBezTo>
+                <a:lnTo>
+                  <a:pt x="7275" y="0"/>
+                </a:lnTo>
+                <a:lnTo>
+                  <a:pt x="0" y="70"/>
+                </a:lnTo>
+                <a:cubicBezTo>
+                  <a:pt x="8" y="3380"/>
+                  <a:pt x="17" y="6690"/>
+                  <a:pt x="25" y="10000"/>
+                </a:cubicBezTo>
+                <a:lnTo>
+                  <a:pt x="7275" y="9966"/>
+                </a:lnTo>
+                <a:lnTo>
+                  <a:pt x="7803" y="9966"/>
+                </a:lnTo>
+                <a:cubicBezTo>
+                  <a:pt x="7831" y="9966"/>
+                  <a:pt x="7859" y="9872"/>
+                  <a:pt x="7886" y="9872"/>
+                </a:cubicBezTo>
+                <a:cubicBezTo>
+                  <a:pt x="7886" y="9778"/>
+                  <a:pt x="7915" y="9778"/>
+                  <a:pt x="7915" y="9778"/>
+                </a:cubicBezTo>
+                <a:lnTo>
+                  <a:pt x="9248" y="5265"/>
+                </a:lnTo>
+                <a:cubicBezTo>
+                  <a:pt x="9303" y="5077"/>
+                  <a:pt x="9303" y="4889"/>
+                  <a:pt x="9248" y="4701"/>
+                </a:cubicBezTo>
+                <a:close/>
+              </a:path>
+            </a:pathLst>
+          </a:custGeom>
+          <a:solidFill>
+            <a:schemeClr val="accent1"/>
+          </a:solidFill>
+          <a:ln>
+            <a:noFill/>
+          </a:ln>
+        </p:spPr>
+      </p:sp>
+      <p:sp>
+        <p:nvSpPr>
           <p:cNvPr id="6" name="Slide Number Placeholder 5"/>
           <p:cNvSpPr>
             <a:spLocks noGrp="1"/>
@@ -997,6 +2779,11 @@
         </p:txBody>
       </p:sp>
     </p:spTree>
+    <p:extLst>
+      <p:ext uri="{BB962C8B-B14F-4D97-AF65-F5344CB8AC3E}">
+        <p14:creationId xmlns:p14="http://schemas.microsoft.com/office/powerpoint/2010/main" val="3767683960"/>
+      </p:ext>
+    </p:extLst>
   </p:cSld>
   <p:clrMapOvr>
     <a:masterClrMapping/>
@@ -1031,7 +2818,12 @@
             <p:ph type="title"/>
           </p:nvPr>
         </p:nvSpPr>
-        <p:spPr/>
+        <p:spPr>
+          <a:xfrm>
+            <a:off x="2592925" y="624110"/>
+            <a:ext cx="8911687" cy="1280890"/>
+          </a:xfrm>
+        </p:spPr>
         <p:txBody>
           <a:bodyPr/>
           <a:lstStyle/>
@@ -1040,7 +2832,7 @@
               <a:rPr lang="es-ES" smtClean="0"/>
               <a:t>Haga clic para modificar el estilo de título del patrón</a:t>
             </a:r>
-            <a:endParaRPr lang="en-US"/>
+            <a:endParaRPr lang="en-US" dirty="0"/>
           </a:p>
         </p:txBody>
       </p:sp>
@@ -1054,7 +2846,12 @@
             <p:ph idx="1"/>
           </p:nvPr>
         </p:nvSpPr>
-        <p:spPr/>
+        <p:spPr>
+          <a:xfrm>
+            <a:off x="2589212" y="2133600"/>
+            <a:ext cx="8915400" cy="3777622"/>
+          </a:xfrm>
+        </p:spPr>
         <p:txBody>
           <a:bodyPr/>
           <a:lstStyle/>
@@ -1141,6 +2938,88 @@
       </p:sp>
       <p:sp>
         <p:nvSpPr>
+          <p:cNvPr id="8" name="Freeform 11"/>
+          <p:cNvSpPr/>
+          <p:nvPr/>
+        </p:nvSpPr>
+        <p:spPr bwMode="auto">
+          <a:xfrm flipV="1">
+            <a:off x="-4189" y="714375"/>
+            <a:ext cx="1588527" cy="507297"/>
+          </a:xfrm>
+          <a:custGeom>
+            <a:avLst/>
+            <a:gdLst/>
+            <a:ahLst/>
+            <a:cxnLst/>
+            <a:rect l="l" t="t" r="r" b="b"/>
+            <a:pathLst>
+              <a:path w="9248" h="10000">
+                <a:moveTo>
+                  <a:pt x="9248" y="4701"/>
+                </a:moveTo>
+                <a:lnTo>
+                  <a:pt x="7915" y="188"/>
+                </a:lnTo>
+                <a:cubicBezTo>
+                  <a:pt x="7906" y="156"/>
+                  <a:pt x="7895" y="126"/>
+                  <a:pt x="7886" y="94"/>
+                </a:cubicBezTo>
+                <a:cubicBezTo>
+                  <a:pt x="7859" y="0"/>
+                  <a:pt x="7831" y="0"/>
+                  <a:pt x="7803" y="0"/>
+                </a:cubicBezTo>
+                <a:lnTo>
+                  <a:pt x="7275" y="0"/>
+                </a:lnTo>
+                <a:lnTo>
+                  <a:pt x="0" y="70"/>
+                </a:lnTo>
+                <a:cubicBezTo>
+                  <a:pt x="8" y="3380"/>
+                  <a:pt x="17" y="6690"/>
+                  <a:pt x="25" y="10000"/>
+                </a:cubicBezTo>
+                <a:lnTo>
+                  <a:pt x="7275" y="9966"/>
+                </a:lnTo>
+                <a:lnTo>
+                  <a:pt x="7803" y="9966"/>
+                </a:lnTo>
+                <a:cubicBezTo>
+                  <a:pt x="7831" y="9966"/>
+                  <a:pt x="7859" y="9872"/>
+                  <a:pt x="7886" y="9872"/>
+                </a:cubicBezTo>
+                <a:cubicBezTo>
+                  <a:pt x="7886" y="9778"/>
+                  <a:pt x="7915" y="9778"/>
+                  <a:pt x="7915" y="9778"/>
+                </a:cubicBezTo>
+                <a:lnTo>
+                  <a:pt x="9248" y="5265"/>
+                </a:lnTo>
+                <a:cubicBezTo>
+                  <a:pt x="9303" y="5077"/>
+                  <a:pt x="9303" y="4889"/>
+                  <a:pt x="9248" y="4701"/>
+                </a:cubicBezTo>
+                <a:close/>
+              </a:path>
+            </a:pathLst>
+          </a:custGeom>
+          <a:solidFill>
+            <a:schemeClr val="accent1"/>
+          </a:solidFill>
+          <a:ln>
+            <a:noFill/>
+          </a:ln>
+        </p:spPr>
+      </p:sp>
+      <p:sp>
+        <p:nvSpPr>
           <p:cNvPr id="6" name="Slide Number Placeholder 5"/>
           <p:cNvSpPr>
             <a:spLocks noGrp="1"/>
@@ -1164,6 +3043,11 @@
         </p:txBody>
       </p:sp>
     </p:spTree>
+    <p:extLst>
+      <p:ext uri="{BB962C8B-B14F-4D97-AF65-F5344CB8AC3E}">
+        <p14:creationId xmlns:p14="http://schemas.microsoft.com/office/powerpoint/2010/main" val="1331716114"/>
+      </p:ext>
+    </p:extLst>
   </p:cSld>
   <p:clrMapOvr>
     <a:masterClrMapping/>
@@ -1172,7 +3056,7 @@
 </file>
 
 <file path=ppt/slideLayouts/slideLayout3.xml><?xml version="1.0" encoding="utf-8"?>
-<p:sldLayout xmlns:a="http://schemas.openxmlformats.org/drawingml/2006/main" xmlns:r="http://schemas.openxmlformats.org/officeDocument/2006/relationships" xmlns:p="http://schemas.openxmlformats.org/presentationml/2006/main" showMasterSp="0" type="secHead" preserve="1">
+<p:sldLayout xmlns:a="http://schemas.openxmlformats.org/drawingml/2006/main" xmlns:r="http://schemas.openxmlformats.org/officeDocument/2006/relationships" xmlns:p="http://schemas.openxmlformats.org/presentationml/2006/main" type="secHead" preserve="1">
   <p:cSld name="Encabezado de sección">
     <p:spTree>
       <p:nvGrpSpPr>
@@ -1190,357 +3074,64 @@
       </p:grpSpPr>
       <p:sp>
         <p:nvSpPr>
-          <p:cNvPr id="8" name="Freeform 7"/>
-          <p:cNvSpPr/>
-          <p:nvPr/>
+          <p:cNvPr id="2" name="Title 1"/>
+          <p:cNvSpPr>
+            <a:spLocks noGrp="1"/>
+          </p:cNvSpPr>
+          <p:nvPr>
+            <p:ph type="title"/>
+          </p:nvPr>
         </p:nvSpPr>
         <p:spPr>
           <a:xfrm>
-            <a:off x="-3173" y="-925"/>
-            <a:ext cx="12195173" cy="6858925"/>
+            <a:off x="2589212" y="2058750"/>
+            <a:ext cx="8915399" cy="1468800"/>
           </a:xfrm>
-          <a:custGeom>
-            <a:avLst/>
-            <a:gdLst>
-              <a:gd name="connsiteX0" fmla="*/ 0 w 3350419"/>
-              <a:gd name="connsiteY0" fmla="*/ 2081213 h 2083594"/>
-              <a:gd name="connsiteX1" fmla="*/ 3031331 w 3350419"/>
-              <a:gd name="connsiteY1" fmla="*/ 0 h 2083594"/>
-              <a:gd name="connsiteX2" fmla="*/ 3350419 w 3350419"/>
-              <a:gd name="connsiteY2" fmla="*/ 80963 h 2083594"/>
-              <a:gd name="connsiteX3" fmla="*/ 3350419 w 3350419"/>
-              <a:gd name="connsiteY3" fmla="*/ 2083594 h 2083594"/>
-              <a:gd name="connsiteX4" fmla="*/ 0 w 3350419"/>
-              <a:gd name="connsiteY4" fmla="*/ 2081213 h 2083594"/>
-              <a:gd name="connsiteX0" fmla="*/ 0 w 3112294"/>
-              <a:gd name="connsiteY0" fmla="*/ 2019301 h 2083594"/>
-              <a:gd name="connsiteX1" fmla="*/ 2793206 w 3112294"/>
-              <a:gd name="connsiteY1" fmla="*/ 0 h 2083594"/>
-              <a:gd name="connsiteX2" fmla="*/ 3112294 w 3112294"/>
-              <a:gd name="connsiteY2" fmla="*/ 80963 h 2083594"/>
-              <a:gd name="connsiteX3" fmla="*/ 3112294 w 3112294"/>
-              <a:gd name="connsiteY3" fmla="*/ 2083594 h 2083594"/>
-              <a:gd name="connsiteX4" fmla="*/ 0 w 3112294"/>
-              <a:gd name="connsiteY4" fmla="*/ 2019301 h 2083594"/>
-              <a:gd name="connsiteX0" fmla="*/ 0 w 3345656"/>
-              <a:gd name="connsiteY0" fmla="*/ 2097882 h 2097882"/>
-              <a:gd name="connsiteX1" fmla="*/ 3026568 w 3345656"/>
-              <a:gd name="connsiteY1" fmla="*/ 0 h 2097882"/>
-              <a:gd name="connsiteX2" fmla="*/ 3345656 w 3345656"/>
-              <a:gd name="connsiteY2" fmla="*/ 80963 h 2097882"/>
-              <a:gd name="connsiteX3" fmla="*/ 3345656 w 3345656"/>
-              <a:gd name="connsiteY3" fmla="*/ 2083594 h 2097882"/>
-              <a:gd name="connsiteX4" fmla="*/ 0 w 3345656"/>
-              <a:gd name="connsiteY4" fmla="*/ 2097882 h 2097882"/>
-              <a:gd name="connsiteX0" fmla="*/ 0 w 2800350"/>
-              <a:gd name="connsiteY0" fmla="*/ 1935957 h 2083594"/>
-              <a:gd name="connsiteX1" fmla="*/ 2481262 w 2800350"/>
-              <a:gd name="connsiteY1" fmla="*/ 0 h 2083594"/>
-              <a:gd name="connsiteX2" fmla="*/ 2800350 w 2800350"/>
-              <a:gd name="connsiteY2" fmla="*/ 80963 h 2083594"/>
-              <a:gd name="connsiteX3" fmla="*/ 2800350 w 2800350"/>
-              <a:gd name="connsiteY3" fmla="*/ 2083594 h 2083594"/>
-              <a:gd name="connsiteX4" fmla="*/ 0 w 2800350"/>
-              <a:gd name="connsiteY4" fmla="*/ 1935957 h 2083594"/>
-              <a:gd name="connsiteX0" fmla="*/ 0 w 3352800"/>
-              <a:gd name="connsiteY0" fmla="*/ 2083594 h 2083594"/>
-              <a:gd name="connsiteX1" fmla="*/ 3033712 w 3352800"/>
-              <a:gd name="connsiteY1" fmla="*/ 0 h 2083594"/>
-              <a:gd name="connsiteX2" fmla="*/ 3352800 w 3352800"/>
-              <a:gd name="connsiteY2" fmla="*/ 80963 h 2083594"/>
-              <a:gd name="connsiteX3" fmla="*/ 3352800 w 3352800"/>
-              <a:gd name="connsiteY3" fmla="*/ 2083594 h 2083594"/>
-              <a:gd name="connsiteX4" fmla="*/ 0 w 3352800"/>
-              <a:gd name="connsiteY4" fmla="*/ 2083594 h 2083594"/>
-              <a:gd name="connsiteX0" fmla="*/ 0 w 3352800"/>
-              <a:gd name="connsiteY0" fmla="*/ 2002631 h 2002631"/>
-              <a:gd name="connsiteX1" fmla="*/ 3033712 w 3352800"/>
-              <a:gd name="connsiteY1" fmla="*/ 157162 h 2002631"/>
-              <a:gd name="connsiteX2" fmla="*/ 3352800 w 3352800"/>
-              <a:gd name="connsiteY2" fmla="*/ 0 h 2002631"/>
-              <a:gd name="connsiteX3" fmla="*/ 3352800 w 3352800"/>
-              <a:gd name="connsiteY3" fmla="*/ 2002631 h 2002631"/>
-              <a:gd name="connsiteX4" fmla="*/ 0 w 3352800"/>
-              <a:gd name="connsiteY4" fmla="*/ 2002631 h 2002631"/>
-              <a:gd name="connsiteX0" fmla="*/ 0 w 3352800"/>
-              <a:gd name="connsiteY0" fmla="*/ 2002631 h 2002631"/>
-              <a:gd name="connsiteX1" fmla="*/ 2988469 w 3352800"/>
-              <a:gd name="connsiteY1" fmla="*/ 59530 h 2002631"/>
-              <a:gd name="connsiteX2" fmla="*/ 3352800 w 3352800"/>
-              <a:gd name="connsiteY2" fmla="*/ 0 h 2002631"/>
-              <a:gd name="connsiteX3" fmla="*/ 3352800 w 3352800"/>
-              <a:gd name="connsiteY3" fmla="*/ 2002631 h 2002631"/>
-              <a:gd name="connsiteX4" fmla="*/ 0 w 3352800"/>
-              <a:gd name="connsiteY4" fmla="*/ 2002631 h 2002631"/>
-              <a:gd name="connsiteX0" fmla="*/ 0 w 3352800"/>
-              <a:gd name="connsiteY0" fmla="*/ 2002631 h 2002631"/>
-              <a:gd name="connsiteX1" fmla="*/ 2833966 w 3352800"/>
-              <a:gd name="connsiteY1" fmla="*/ 425 h 2002631"/>
-              <a:gd name="connsiteX2" fmla="*/ 3352800 w 3352800"/>
-              <a:gd name="connsiteY2" fmla="*/ 0 h 2002631"/>
-              <a:gd name="connsiteX3" fmla="*/ 3352800 w 3352800"/>
-              <a:gd name="connsiteY3" fmla="*/ 2002631 h 2002631"/>
-              <a:gd name="connsiteX4" fmla="*/ 0 w 3352800"/>
-              <a:gd name="connsiteY4" fmla="*/ 2002631 h 2002631"/>
-              <a:gd name="connsiteX0" fmla="*/ 0 w 3352800"/>
-              <a:gd name="connsiteY0" fmla="*/ 2002631 h 2002631"/>
-              <a:gd name="connsiteX1" fmla="*/ 2845314 w 3352800"/>
-              <a:gd name="connsiteY1" fmla="*/ 12246 h 2002631"/>
-              <a:gd name="connsiteX2" fmla="*/ 3352800 w 3352800"/>
-              <a:gd name="connsiteY2" fmla="*/ 0 h 2002631"/>
-              <a:gd name="connsiteX3" fmla="*/ 3352800 w 3352800"/>
-              <a:gd name="connsiteY3" fmla="*/ 2002631 h 2002631"/>
-              <a:gd name="connsiteX4" fmla="*/ 0 w 3352800"/>
-              <a:gd name="connsiteY4" fmla="*/ 2002631 h 2002631"/>
-              <a:gd name="connsiteX0" fmla="*/ 0 w 3352800"/>
-              <a:gd name="connsiteY0" fmla="*/ 2002631 h 2002631"/>
-              <a:gd name="connsiteX1" fmla="*/ 2834839 w 3352800"/>
-              <a:gd name="connsiteY1" fmla="*/ 425 h 2002631"/>
-              <a:gd name="connsiteX2" fmla="*/ 3352800 w 3352800"/>
-              <a:gd name="connsiteY2" fmla="*/ 0 h 2002631"/>
-              <a:gd name="connsiteX3" fmla="*/ 3352800 w 3352800"/>
-              <a:gd name="connsiteY3" fmla="*/ 2002631 h 2002631"/>
-              <a:gd name="connsiteX4" fmla="*/ 0 w 3352800"/>
-              <a:gd name="connsiteY4" fmla="*/ 2002631 h 2002631"/>
-              <a:gd name="connsiteX0" fmla="*/ 0 w 3352800"/>
-              <a:gd name="connsiteY0" fmla="*/ 2002631 h 2002631"/>
-              <a:gd name="connsiteX1" fmla="*/ 2875865 w 3352800"/>
-              <a:gd name="connsiteY1" fmla="*/ 81782 h 2002631"/>
-              <a:gd name="connsiteX2" fmla="*/ 3352800 w 3352800"/>
-              <a:gd name="connsiteY2" fmla="*/ 0 h 2002631"/>
-              <a:gd name="connsiteX3" fmla="*/ 3352800 w 3352800"/>
-              <a:gd name="connsiteY3" fmla="*/ 2002631 h 2002631"/>
-              <a:gd name="connsiteX4" fmla="*/ 0 w 3352800"/>
-              <a:gd name="connsiteY4" fmla="*/ 2002631 h 2002631"/>
-              <a:gd name="connsiteX0" fmla="*/ 0 w 3352800"/>
-              <a:gd name="connsiteY0" fmla="*/ 2002901 h 2002901"/>
-              <a:gd name="connsiteX1" fmla="*/ 2836585 w 3352800"/>
-              <a:gd name="connsiteY1" fmla="*/ 0 h 2002901"/>
-              <a:gd name="connsiteX2" fmla="*/ 3352800 w 3352800"/>
-              <a:gd name="connsiteY2" fmla="*/ 270 h 2002901"/>
-              <a:gd name="connsiteX3" fmla="*/ 3352800 w 3352800"/>
-              <a:gd name="connsiteY3" fmla="*/ 2002901 h 2002901"/>
-              <a:gd name="connsiteX4" fmla="*/ 0 w 3352800"/>
-              <a:gd name="connsiteY4" fmla="*/ 2002901 h 2002901"/>
-            </a:gdLst>
-            <a:ahLst/>
-            <a:cxnLst>
-              <a:cxn ang="0">
-                <a:pos x="connsiteX0" y="connsiteY0"/>
-              </a:cxn>
-              <a:cxn ang="0">
-                <a:pos x="connsiteX1" y="connsiteY1"/>
-              </a:cxn>
-              <a:cxn ang="0">
-                <a:pos x="connsiteX2" y="connsiteY2"/>
-              </a:cxn>
-              <a:cxn ang="0">
-                <a:pos x="connsiteX3" y="connsiteY3"/>
-              </a:cxn>
-              <a:cxn ang="0">
-                <a:pos x="connsiteX4" y="connsiteY4"/>
-              </a:cxn>
-            </a:cxnLst>
-            <a:rect l="l" t="t" r="r" b="b"/>
-            <a:pathLst>
-              <a:path w="3352800" h="2002901">
-                <a:moveTo>
-                  <a:pt x="0" y="2002901"/>
-                </a:moveTo>
-                <a:lnTo>
-                  <a:pt x="2836585" y="0"/>
-                </a:lnTo>
-                <a:lnTo>
-                  <a:pt x="3352800" y="270"/>
-                </a:lnTo>
-                <a:lnTo>
-                  <a:pt x="3352800" y="2002901"/>
-                </a:lnTo>
-                <a:lnTo>
-                  <a:pt x="0" y="2002901"/>
-                </a:lnTo>
-                <a:close/>
-              </a:path>
-            </a:pathLst>
-          </a:custGeom>
-          <a:solidFill>
-            <a:schemeClr val="accent2"/>
-          </a:solidFill>
-          <a:ln>
-            <a:noFill/>
-          </a:ln>
         </p:spPr>
-        <p:style>
-          <a:lnRef idx="2">
-            <a:schemeClr val="accent1">
-              <a:shade val="50000"/>
-            </a:schemeClr>
-          </a:lnRef>
-          <a:fillRef idx="1">
-            <a:schemeClr val="accent1"/>
-          </a:fillRef>
-          <a:effectRef idx="0">
-            <a:schemeClr val="accent1"/>
-          </a:effectRef>
-          <a:fontRef idx="minor">
-            <a:schemeClr val="lt1"/>
-          </a:fontRef>
-        </p:style>
-        <p:txBody>
-          <a:bodyPr rtlCol="0" anchor="ctr"/>
-          <a:lstStyle/>
-          <a:p>
-            <a:pPr algn="ctr"/>
-            <a:endParaRPr lang="en-US"/>
-          </a:p>
-        </p:txBody>
-      </p:sp>
-      <p:sp>
-        <p:nvSpPr>
-          <p:cNvPr id="7" name="Right Triangle 6"/>
-          <p:cNvSpPr/>
-          <p:nvPr/>
+        <p:txBody>
+          <a:bodyPr anchor="b"/>
+          <a:lstStyle>
+            <a:lvl1pPr algn="l">
+              <a:defRPr sz="4000" b="0" cap="none"/>
+            </a:lvl1pPr>
+          </a:lstStyle>
+          <a:p>
+            <a:r>
+              <a:rPr lang="es-ES" smtClean="0"/>
+              <a:t>Haga clic para modificar el estilo de título del patrón</a:t>
+            </a:r>
+            <a:endParaRPr lang="en-US" dirty="0"/>
+          </a:p>
+        </p:txBody>
+      </p:sp>
+      <p:sp>
+        <p:nvSpPr>
+          <p:cNvPr id="3" name="Text Placeholder 2"/>
+          <p:cNvSpPr>
+            <a:spLocks noGrp="1"/>
+          </p:cNvSpPr>
+          <p:nvPr>
+            <p:ph type="body" idx="1"/>
+          </p:nvPr>
         </p:nvSpPr>
         <p:spPr>
           <a:xfrm>
-            <a:off x="1" y="2647950"/>
-            <a:ext cx="4762500" cy="4210050"/>
-          </a:xfrm>
-          <a:prstGeom prst="rtTriangle">
-            <a:avLst/>
-          </a:prstGeom>
-          <a:solidFill>
-            <a:schemeClr val="accent3">
-              <a:alpha val="80000"/>
-            </a:schemeClr>
-          </a:solidFill>
-          <a:ln>
-            <a:noFill/>
-          </a:ln>
-        </p:spPr>
-        <p:style>
-          <a:lnRef idx="2">
-            <a:schemeClr val="accent1">
-              <a:shade val="50000"/>
-            </a:schemeClr>
-          </a:lnRef>
-          <a:fillRef idx="1">
-            <a:schemeClr val="accent1"/>
-          </a:fillRef>
-          <a:effectRef idx="0">
-            <a:schemeClr val="accent1"/>
-          </a:effectRef>
-          <a:fontRef idx="minor">
-            <a:schemeClr val="lt1"/>
-          </a:fontRef>
-        </p:style>
-        <p:txBody>
-          <a:bodyPr rtlCol="0" anchor="ctr"/>
-          <a:lstStyle/>
-          <a:p>
-            <a:pPr algn="ctr"/>
-            <a:endParaRPr lang="en-US"/>
-          </a:p>
-        </p:txBody>
-      </p:sp>
-      <p:sp>
-        <p:nvSpPr>
-          <p:cNvPr id="2" name="Title 1"/>
-          <p:cNvSpPr>
-            <a:spLocks noGrp="1"/>
-          </p:cNvSpPr>
-          <p:nvPr>
-            <p:ph type="title"/>
-          </p:nvPr>
-        </p:nvSpPr>
-        <p:spPr>
-          <a:xfrm rot="19140000">
-            <a:off x="1092532" y="1726738"/>
-            <a:ext cx="7534656" cy="1207509"/>
+            <a:off x="2589212" y="3530129"/>
+            <a:ext cx="8915399" cy="860400"/>
           </a:xfrm>
         </p:spPr>
         <p:txBody>
-          <a:bodyPr bIns="9144" anchor="b"/>
+          <a:bodyPr anchor="t"/>
           <a:lstStyle>
-            <a:lvl1pPr algn="l">
-              <a:defRPr kumimoji="0" lang="en-US" sz="3200" b="0" i="0" u="none" strike="noStrike" kern="1200" cap="all" spc="0" normalizeH="0" baseline="0" noProof="0" dirty="0" smtClean="0">
-                <a:ln>
-                  <a:noFill/>
-                </a:ln>
+            <a:lvl1pPr marL="0" indent="0" algn="l">
+              <a:buNone/>
+              <a:defRPr sz="2000">
                 <a:solidFill>
-                  <a:schemeClr val="tx1"/>
+                  <a:schemeClr val="tx1">
+                    <a:lumMod val="65000"/>
+                    <a:lumOff val="35000"/>
+                  </a:schemeClr>
                 </a:solidFill>
-                <a:effectLst/>
-                <a:uLnTx/>
-                <a:uFillTx/>
-                <a:latin typeface="+mj-lt"/>
-                <a:ea typeface="+mj-ea"/>
-                <a:cs typeface="+mj-cs"/>
-              </a:defRPr>
-            </a:lvl1pPr>
-          </a:lstStyle>
-          <a:p>
-            <a:pPr marL="0" marR="0" lvl="0" indent="0" algn="l" defTabSz="914400" rtl="0" eaLnBrk="1" fontAlgn="auto" latinLnBrk="0" hangingPunct="1">
-              <a:lnSpc>
-                <a:spcPct val="100000"/>
-              </a:lnSpc>
-              <a:spcBef>
-                <a:spcPct val="0"/>
-              </a:spcBef>
-              <a:spcAft>
-                <a:spcPts val="0"/>
-              </a:spcAft>
-              <a:buClrTx/>
-              <a:buSzTx/>
-              <a:buFontTx/>
-              <a:buNone/>
-              <a:tabLst/>
-              <a:defRPr/>
-            </a:pPr>
-            <a:r>
-              <a:rPr lang="es-ES" smtClean="0"/>
-              <a:t>Haga clic para modificar el estilo de título del patrón</a:t>
-            </a:r>
-            <a:endParaRPr lang="en-US" dirty="0"/>
-          </a:p>
-        </p:txBody>
-      </p:sp>
-      <p:sp>
-        <p:nvSpPr>
-          <p:cNvPr id="3" name="Text Placeholder 2"/>
-          <p:cNvSpPr>
-            <a:spLocks noGrp="1"/>
-          </p:cNvSpPr>
-          <p:nvPr>
-            <p:ph type="body" idx="1"/>
-          </p:nvPr>
-        </p:nvSpPr>
-        <p:spPr>
-          <a:xfrm rot="19140000">
-            <a:off x="1621536" y="2468304"/>
-            <a:ext cx="8680704" cy="329184"/>
-          </a:xfrm>
-        </p:spPr>
-        <p:txBody>
-          <a:bodyPr anchor="t">
-            <a:normAutofit/>
-          </a:bodyPr>
-          <a:lstStyle>
-            <a:lvl1pPr marL="0" indent="0">
-              <a:buNone/>
-              <a:defRPr kumimoji="0" lang="en-US" sz="1400" b="0" i="0" u="none" strike="noStrike" kern="1200" cap="all" spc="400" normalizeH="0" baseline="0" noProof="0" dirty="0" smtClean="0">
-                <a:ln>
-                  <a:noFill/>
-                </a:ln>
-                <a:solidFill>
-                  <a:schemeClr val="tx1"/>
-                </a:solidFill>
-                <a:effectLst/>
-                <a:uLnTx/>
-                <a:uFillTx/>
-                <a:latin typeface="+mn-lt"/>
-                <a:ea typeface="+mj-ea"/>
-                <a:cs typeface="Tunga" pitchFamily="2"/>
               </a:defRPr>
             </a:lvl1pPr>
             <a:lvl2pPr marL="457200" indent="0">
@@ -1625,25 +3216,7 @@
             </a:lvl9pPr>
           </a:lstStyle>
           <a:p>
-            <a:pPr marL="0" marR="0" lvl="0" indent="0" algn="l" defTabSz="914400" rtl="0" eaLnBrk="1" fontAlgn="auto" latinLnBrk="0" hangingPunct="1">
-              <a:lnSpc>
-                <a:spcPct val="100000"/>
-              </a:lnSpc>
-              <a:spcBef>
-                <a:spcPts val="0"/>
-              </a:spcBef>
-              <a:spcAft>
-                <a:spcPts val="0"/>
-              </a:spcAft>
-              <a:buClr>
-                <a:schemeClr val="accent1"/>
-              </a:buClr>
-              <a:buSzPct val="100000"/>
-              <a:buFont typeface="Arial" pitchFamily="34" charset="0"/>
-              <a:buNone/>
-              <a:tabLst/>
-              <a:defRPr/>
-            </a:pPr>
+            <a:pPr lvl="0"/>
             <a:r>
               <a:rPr lang="es-ES" smtClean="0"/>
               <a:t>Haga clic para modificar el estilo de texto del patrón</a:t>
@@ -1696,6 +3269,88 @@
       </p:sp>
       <p:sp>
         <p:nvSpPr>
+          <p:cNvPr id="9" name="Freeform 11"/>
+          <p:cNvSpPr/>
+          <p:nvPr/>
+        </p:nvSpPr>
+        <p:spPr bwMode="auto">
+          <a:xfrm flipV="1">
+            <a:off x="-4189" y="3178175"/>
+            <a:ext cx="1588527" cy="507297"/>
+          </a:xfrm>
+          <a:custGeom>
+            <a:avLst/>
+            <a:gdLst/>
+            <a:ahLst/>
+            <a:cxnLst/>
+            <a:rect l="l" t="t" r="r" b="b"/>
+            <a:pathLst>
+              <a:path w="9248" h="10000">
+                <a:moveTo>
+                  <a:pt x="9248" y="4701"/>
+                </a:moveTo>
+                <a:lnTo>
+                  <a:pt x="7915" y="188"/>
+                </a:lnTo>
+                <a:cubicBezTo>
+                  <a:pt x="7906" y="156"/>
+                  <a:pt x="7895" y="126"/>
+                  <a:pt x="7886" y="94"/>
+                </a:cubicBezTo>
+                <a:cubicBezTo>
+                  <a:pt x="7859" y="0"/>
+                  <a:pt x="7831" y="0"/>
+                  <a:pt x="7803" y="0"/>
+                </a:cubicBezTo>
+                <a:lnTo>
+                  <a:pt x="7275" y="0"/>
+                </a:lnTo>
+                <a:lnTo>
+                  <a:pt x="0" y="70"/>
+                </a:lnTo>
+                <a:cubicBezTo>
+                  <a:pt x="8" y="3380"/>
+                  <a:pt x="17" y="6690"/>
+                  <a:pt x="25" y="10000"/>
+                </a:cubicBezTo>
+                <a:lnTo>
+                  <a:pt x="7275" y="9966"/>
+                </a:lnTo>
+                <a:lnTo>
+                  <a:pt x="7803" y="9966"/>
+                </a:lnTo>
+                <a:cubicBezTo>
+                  <a:pt x="7831" y="9966"/>
+                  <a:pt x="7859" y="9872"/>
+                  <a:pt x="7886" y="9872"/>
+                </a:cubicBezTo>
+                <a:cubicBezTo>
+                  <a:pt x="7886" y="9778"/>
+                  <a:pt x="7915" y="9778"/>
+                  <a:pt x="7915" y="9778"/>
+                </a:cubicBezTo>
+                <a:lnTo>
+                  <a:pt x="9248" y="5265"/>
+                </a:lnTo>
+                <a:cubicBezTo>
+                  <a:pt x="9303" y="5077"/>
+                  <a:pt x="9303" y="4889"/>
+                  <a:pt x="9248" y="4701"/>
+                </a:cubicBezTo>
+                <a:close/>
+              </a:path>
+            </a:pathLst>
+          </a:custGeom>
+          <a:solidFill>
+            <a:schemeClr val="accent1"/>
+          </a:solidFill>
+          <a:ln>
+            <a:noFill/>
+          </a:ln>
+        </p:spPr>
+      </p:sp>
+      <p:sp>
+        <p:nvSpPr>
           <p:cNvPr id="6" name="Slide Number Placeholder 5"/>
           <p:cNvSpPr>
             <a:spLocks noGrp="1"/>
@@ -1704,7 +3359,12 @@
             <p:ph type="sldNum" sz="quarter" idx="12"/>
           </p:nvPr>
         </p:nvSpPr>
-        <p:spPr/>
+        <p:spPr>
+          <a:xfrm>
+            <a:off x="531812" y="3244139"/>
+            <a:ext cx="779767" cy="365125"/>
+          </a:xfrm>
+        </p:spPr>
         <p:txBody>
           <a:bodyPr/>
           <a:lstStyle/>
@@ -1719,6 +3379,11 @@
         </p:txBody>
       </p:sp>
     </p:spTree>
+    <p:extLst>
+      <p:ext uri="{BB962C8B-B14F-4D97-AF65-F5344CB8AC3E}">
+        <p14:creationId xmlns:p14="http://schemas.microsoft.com/office/powerpoint/2010/main" val="131917171"/>
+      </p:ext>
+    </p:extLst>
   </p:cSld>
   <p:clrMapOvr>
     <a:masterClrMapping/>
@@ -1745,6 +3410,29 @@
       </p:grpSpPr>
       <p:sp>
         <p:nvSpPr>
+          <p:cNvPr id="8" name="Title 7"/>
+          <p:cNvSpPr>
+            <a:spLocks noGrp="1"/>
+          </p:cNvSpPr>
+          <p:nvPr>
+            <p:ph type="title"/>
+          </p:nvPr>
+        </p:nvSpPr>
+        <p:spPr/>
+        <p:txBody>
+          <a:bodyPr/>
+          <a:lstStyle/>
+          <a:p>
+            <a:r>
+              <a:rPr lang="es-ES" smtClean="0"/>
+              <a:t>Haga clic para modificar el estilo de título del patrón</a:t>
+            </a:r>
+            <a:endParaRPr lang="en-US" dirty="0"/>
+          </a:p>
+        </p:txBody>
+      </p:sp>
+      <p:sp>
+        <p:nvSpPr>
           <p:cNvPr id="3" name="Content Placeholder 2"/>
           <p:cNvSpPr>
             <a:spLocks noGrp="1"/>
@@ -1755,41 +3443,15 @@
         </p:nvSpPr>
         <p:spPr>
           <a:xfrm>
-            <a:off x="1097280" y="1097280"/>
-            <a:ext cx="4267200" cy="3712464"/>
+            <a:off x="2589212" y="2133600"/>
+            <a:ext cx="4313864" cy="3777622"/>
           </a:xfrm>
         </p:spPr>
         <p:txBody>
-          <a:bodyPr/>
-          <a:lstStyle>
-            <a:lvl1pPr>
-              <a:defRPr sz="2800"/>
-            </a:lvl1pPr>
-            <a:lvl2pPr>
-              <a:defRPr sz="2400"/>
-            </a:lvl2pPr>
-            <a:lvl3pPr>
-              <a:defRPr sz="2000"/>
-            </a:lvl3pPr>
-            <a:lvl4pPr>
-              <a:defRPr sz="1800"/>
-            </a:lvl4pPr>
-            <a:lvl5pPr>
-              <a:defRPr sz="1800"/>
-            </a:lvl5pPr>
-            <a:lvl6pPr>
-              <a:defRPr sz="1800"/>
-            </a:lvl6pPr>
-            <a:lvl7pPr>
-              <a:defRPr sz="1800"/>
-            </a:lvl7pPr>
-            <a:lvl8pPr>
-              <a:defRPr sz="1800"/>
-            </a:lvl8pPr>
-            <a:lvl9pPr>
-              <a:defRPr sz="1800"/>
-            </a:lvl9pPr>
-          </a:lstStyle>
+          <a:bodyPr>
+            <a:normAutofit/>
+          </a:bodyPr>
+          <a:lstStyle/>
           <a:p>
             <a:pPr lvl="0"/>
             <a:r>
@@ -1840,41 +3502,15 @@
         </p:nvSpPr>
         <p:spPr>
           <a:xfrm>
-            <a:off x="6266688" y="1097280"/>
-            <a:ext cx="4267200" cy="3712464"/>
+            <a:off x="7190747" y="2126222"/>
+            <a:ext cx="4313864" cy="3777622"/>
           </a:xfrm>
         </p:spPr>
         <p:txBody>
-          <a:bodyPr/>
-          <a:lstStyle>
-            <a:lvl1pPr>
-              <a:defRPr sz="2800"/>
-            </a:lvl1pPr>
-            <a:lvl2pPr>
-              <a:defRPr sz="2400"/>
-            </a:lvl2pPr>
-            <a:lvl3pPr>
-              <a:defRPr sz="2000"/>
-            </a:lvl3pPr>
-            <a:lvl4pPr>
-              <a:defRPr sz="1800"/>
-            </a:lvl4pPr>
-            <a:lvl5pPr>
-              <a:defRPr sz="1800"/>
-            </a:lvl5pPr>
-            <a:lvl6pPr>
-              <a:defRPr sz="1800"/>
-            </a:lvl6pPr>
-            <a:lvl7pPr>
-              <a:defRPr sz="1800"/>
-            </a:lvl7pPr>
-            <a:lvl8pPr>
-              <a:defRPr sz="1800"/>
-            </a:lvl8pPr>
-            <a:lvl9pPr>
-              <a:defRPr sz="1800"/>
-            </a:lvl9pPr>
-          </a:lstStyle>
+          <a:bodyPr>
+            <a:normAutofit/>
+          </a:bodyPr>
+          <a:lstStyle/>
           <a:p>
             <a:pPr lvl="0"/>
             <a:r>
@@ -1958,7 +3594,89 @@
       </p:sp>
       <p:sp>
         <p:nvSpPr>
-          <p:cNvPr id="7" name="Slide Number Placeholder 6"/>
+          <p:cNvPr id="10" name="Freeform 11"/>
+          <p:cNvSpPr/>
+          <p:nvPr/>
+        </p:nvSpPr>
+        <p:spPr bwMode="auto">
+          <a:xfrm flipV="1">
+            <a:off x="-4189" y="714375"/>
+            <a:ext cx="1588527" cy="507297"/>
+          </a:xfrm>
+          <a:custGeom>
+            <a:avLst/>
+            <a:gdLst/>
+            <a:ahLst/>
+            <a:cxnLst/>
+            <a:rect l="l" t="t" r="r" b="b"/>
+            <a:pathLst>
+              <a:path w="9248" h="10000">
+                <a:moveTo>
+                  <a:pt x="9248" y="4701"/>
+                </a:moveTo>
+                <a:lnTo>
+                  <a:pt x="7915" y="188"/>
+                </a:lnTo>
+                <a:cubicBezTo>
+                  <a:pt x="7906" y="156"/>
+                  <a:pt x="7895" y="126"/>
+                  <a:pt x="7886" y="94"/>
+                </a:cubicBezTo>
+                <a:cubicBezTo>
+                  <a:pt x="7859" y="0"/>
+                  <a:pt x="7831" y="0"/>
+                  <a:pt x="7803" y="0"/>
+                </a:cubicBezTo>
+                <a:lnTo>
+                  <a:pt x="7275" y="0"/>
+                </a:lnTo>
+                <a:lnTo>
+                  <a:pt x="0" y="70"/>
+                </a:lnTo>
+                <a:cubicBezTo>
+                  <a:pt x="8" y="3380"/>
+                  <a:pt x="17" y="6690"/>
+                  <a:pt x="25" y="10000"/>
+                </a:cubicBezTo>
+                <a:lnTo>
+                  <a:pt x="7275" y="9966"/>
+                </a:lnTo>
+                <a:lnTo>
+                  <a:pt x="7803" y="9966"/>
+                </a:lnTo>
+                <a:cubicBezTo>
+                  <a:pt x="7831" y="9966"/>
+                  <a:pt x="7859" y="9872"/>
+                  <a:pt x="7886" y="9872"/>
+                </a:cubicBezTo>
+                <a:cubicBezTo>
+                  <a:pt x="7886" y="9778"/>
+                  <a:pt x="7915" y="9778"/>
+                  <a:pt x="7915" y="9778"/>
+                </a:cubicBezTo>
+                <a:lnTo>
+                  <a:pt x="9248" y="5265"/>
+                </a:lnTo>
+                <a:cubicBezTo>
+                  <a:pt x="9303" y="5077"/>
+                  <a:pt x="9303" y="4889"/>
+                  <a:pt x="9248" y="4701"/>
+                </a:cubicBezTo>
+                <a:close/>
+              </a:path>
+            </a:pathLst>
+          </a:custGeom>
+          <a:solidFill>
+            <a:schemeClr val="accent1"/>
+          </a:solidFill>
+          <a:ln>
+            <a:noFill/>
+          </a:ln>
+        </p:spPr>
+      </p:sp>
+      <p:sp>
+        <p:nvSpPr>
+          <p:cNvPr id="11" name="Slide Number Placeholder 5"/>
           <p:cNvSpPr>
             <a:spLocks noGrp="1"/>
           </p:cNvSpPr>
@@ -1966,7 +3684,12 @@
             <p:ph type="sldNum" sz="quarter" idx="12"/>
           </p:nvPr>
         </p:nvSpPr>
-        <p:spPr/>
+        <p:spPr>
+          <a:xfrm>
+            <a:off x="531812" y="787782"/>
+            <a:ext cx="779767" cy="365125"/>
+          </a:xfrm>
+        </p:spPr>
         <p:txBody>
           <a:bodyPr/>
           <a:lstStyle/>
@@ -1980,30 +3703,12 @@
           </a:p>
         </p:txBody>
       </p:sp>
-      <p:sp>
-        <p:nvSpPr>
-          <p:cNvPr id="8" name="Title 7"/>
-          <p:cNvSpPr>
-            <a:spLocks noGrp="1"/>
-          </p:cNvSpPr>
-          <p:nvPr>
-            <p:ph type="title"/>
-          </p:nvPr>
-        </p:nvSpPr>
-        <p:spPr/>
-        <p:txBody>
-          <a:bodyPr/>
-          <a:lstStyle/>
-          <a:p>
-            <a:r>
-              <a:rPr lang="es-ES" smtClean="0"/>
-              <a:t>Haga clic para modificar el estilo de título del patrón</a:t>
-            </a:r>
-            <a:endParaRPr lang="en-US"/>
-          </a:p>
-        </p:txBody>
-      </p:sp>
     </p:spTree>
+    <p:extLst>
+      <p:ext uri="{BB962C8B-B14F-4D97-AF65-F5344CB8AC3E}">
+        <p14:creationId xmlns:p14="http://schemas.microsoft.com/office/powerpoint/2010/main" val="37308318"/>
+      </p:ext>
+    </p:extLst>
   </p:cSld>
   <p:clrMapOvr>
     <a:masterClrMapping/>
@@ -2030,7 +3735,7 @@
       </p:grpSpPr>
       <p:sp>
         <p:nvSpPr>
-          <p:cNvPr id="2" name="Title 1"/>
+          <p:cNvPr id="10" name="Title 9"/>
           <p:cNvSpPr>
             <a:spLocks noGrp="1"/>
           </p:cNvSpPr>
@@ -2041,17 +3746,13 @@
         <p:spPr/>
         <p:txBody>
           <a:bodyPr/>
-          <a:lstStyle>
-            <a:lvl1pPr>
-              <a:defRPr/>
-            </a:lvl1pPr>
-          </a:lstStyle>
+          <a:lstStyle/>
           <a:p>
             <a:r>
               <a:rPr lang="es-ES" smtClean="0"/>
               <a:t>Haga clic para modificar el estilo de título del patrón</a:t>
             </a:r>
-            <a:endParaRPr lang="en-US"/>
+            <a:endParaRPr lang="en-US" dirty="0"/>
           </a:p>
         </p:txBody>
       </p:sp>
@@ -2067,25 +3768,18 @@
         </p:nvSpPr>
         <p:spPr>
           <a:xfrm>
-            <a:off x="1097280" y="1097280"/>
-            <a:ext cx="4267200" cy="548640"/>
+            <a:off x="2939373" y="1972703"/>
+            <a:ext cx="3992732" cy="576262"/>
           </a:xfrm>
         </p:spPr>
         <p:txBody>
           <a:bodyPr anchor="b">
-            <a:normAutofit/>
+            <a:noAutofit/>
           </a:bodyPr>
           <a:lstStyle>
             <a:lvl1pPr marL="0" indent="0">
               <a:buNone/>
-              <a:defRPr lang="en-US" sz="1400" b="0" kern="1200" cap="all" spc="400" baseline="0" dirty="0" smtClean="0">
-                <a:solidFill>
-                  <a:schemeClr val="tx1"/>
-                </a:solidFill>
-                <a:latin typeface="+mn-lt"/>
-                <a:ea typeface="+mj-ea"/>
-                <a:cs typeface="Tunga" pitchFamily="2"/>
-              </a:defRPr>
+              <a:defRPr sz="2400" b="0"/>
             </a:lvl1pPr>
             <a:lvl2pPr marL="457200" indent="0">
               <a:buNone/>
@@ -2121,22 +3815,7 @@
             </a:lvl9pPr>
           </a:lstStyle>
           <a:p>
-            <a:pPr marL="0" lvl="0" indent="0" algn="l" defTabSz="914400" rtl="0" eaLnBrk="1" latinLnBrk="0" hangingPunct="1">
-              <a:lnSpc>
-                <a:spcPct val="100000"/>
-              </a:lnSpc>
-              <a:spcBef>
-                <a:spcPts val="0"/>
-              </a:spcBef>
-              <a:spcAft>
-                <a:spcPts val="0"/>
-              </a:spcAft>
-              <a:buClr>
-                <a:schemeClr val="accent1"/>
-              </a:buClr>
-              <a:buFont typeface="Arial" pitchFamily="34" charset="0"/>
-              <a:buNone/>
-            </a:pPr>
+            <a:pPr lvl="0"/>
             <a:r>
               <a:rPr lang="es-ES" smtClean="0"/>
               <a:t>Haga clic para modificar el estilo de texto del patrón</a:t>
@@ -2156,41 +3835,15 @@
         </p:nvSpPr>
         <p:spPr>
           <a:xfrm>
-            <a:off x="1092200" y="1701848"/>
-            <a:ext cx="4267200" cy="3108960"/>
+            <a:off x="2589212" y="2548966"/>
+            <a:ext cx="4342893" cy="3354060"/>
           </a:xfrm>
         </p:spPr>
         <p:txBody>
-          <a:bodyPr/>
-          <a:lstStyle>
-            <a:lvl1pPr>
-              <a:defRPr sz="2400"/>
-            </a:lvl1pPr>
-            <a:lvl2pPr>
-              <a:defRPr sz="2000"/>
-            </a:lvl2pPr>
-            <a:lvl3pPr>
-              <a:defRPr sz="1800"/>
-            </a:lvl3pPr>
-            <a:lvl4pPr>
-              <a:defRPr sz="1600"/>
-            </a:lvl4pPr>
-            <a:lvl5pPr>
-              <a:defRPr sz="1600"/>
-            </a:lvl5pPr>
-            <a:lvl6pPr>
-              <a:defRPr sz="1600"/>
-            </a:lvl6pPr>
-            <a:lvl7pPr>
-              <a:defRPr sz="1600"/>
-            </a:lvl7pPr>
-            <a:lvl8pPr>
-              <a:defRPr sz="1600"/>
-            </a:lvl8pPr>
-            <a:lvl9pPr>
-              <a:defRPr sz="1600"/>
-            </a:lvl9pPr>
-          </a:lstStyle>
+          <a:bodyPr>
+            <a:normAutofit/>
+          </a:bodyPr>
+          <a:lstStyle/>
           <a:p>
             <a:pPr lvl="0"/>
             <a:r>
@@ -2241,25 +3894,18 @@
         </p:nvSpPr>
         <p:spPr>
           <a:xfrm>
-            <a:off x="6266688" y="1097280"/>
-            <a:ext cx="4267200" cy="548640"/>
+            <a:off x="7506629" y="1969475"/>
+            <a:ext cx="3999001" cy="576262"/>
           </a:xfrm>
         </p:spPr>
         <p:txBody>
           <a:bodyPr anchor="b">
-            <a:normAutofit/>
+            <a:noAutofit/>
           </a:bodyPr>
           <a:lstStyle>
             <a:lvl1pPr marL="0" indent="0">
               <a:buNone/>
-              <a:defRPr lang="en-US" sz="1400" b="0" kern="1200" cap="all" spc="400" baseline="0" dirty="0" smtClean="0">
-                <a:solidFill>
-                  <a:schemeClr val="tx1"/>
-                </a:solidFill>
-                <a:latin typeface="+mn-lt"/>
-                <a:ea typeface="+mj-ea"/>
-                <a:cs typeface="Tunga" pitchFamily="2"/>
-              </a:defRPr>
+              <a:defRPr sz="2400" b="0"/>
             </a:lvl1pPr>
             <a:lvl2pPr marL="457200" indent="0">
               <a:buNone/>
@@ -2295,22 +3941,7 @@
             </a:lvl9pPr>
           </a:lstStyle>
           <a:p>
-            <a:pPr marL="0" lvl="0" indent="0" algn="l" defTabSz="914400" rtl="0" eaLnBrk="1" latinLnBrk="0" hangingPunct="1">
-              <a:lnSpc>
-                <a:spcPct val="100000"/>
-              </a:lnSpc>
-              <a:spcBef>
-                <a:spcPts val="0"/>
-              </a:spcBef>
-              <a:spcAft>
-                <a:spcPts val="0"/>
-              </a:spcAft>
-              <a:buClr>
-                <a:schemeClr val="accent1"/>
-              </a:buClr>
-              <a:buFont typeface="Arial" pitchFamily="34" charset="0"/>
-              <a:buNone/>
-            </a:pPr>
+            <a:pPr lvl="0"/>
             <a:r>
               <a:rPr lang="es-ES" smtClean="0"/>
               <a:t>Haga clic para modificar el estilo de texto del patrón</a:t>
@@ -2330,41 +3961,15 @@
         </p:nvSpPr>
         <p:spPr>
           <a:xfrm>
-            <a:off x="6266688" y="1701848"/>
-            <a:ext cx="4267200" cy="3108960"/>
+            <a:off x="7166957" y="2545738"/>
+            <a:ext cx="4338674" cy="3354060"/>
           </a:xfrm>
         </p:spPr>
         <p:txBody>
-          <a:bodyPr/>
-          <a:lstStyle>
-            <a:lvl1pPr>
-              <a:defRPr sz="2400"/>
-            </a:lvl1pPr>
-            <a:lvl2pPr>
-              <a:defRPr sz="2000"/>
-            </a:lvl2pPr>
-            <a:lvl3pPr>
-              <a:defRPr sz="1800"/>
-            </a:lvl3pPr>
-            <a:lvl4pPr>
-              <a:defRPr sz="1600"/>
-            </a:lvl4pPr>
-            <a:lvl5pPr>
-              <a:defRPr sz="1600"/>
-            </a:lvl5pPr>
-            <a:lvl6pPr>
-              <a:defRPr sz="1600"/>
-            </a:lvl6pPr>
-            <a:lvl7pPr>
-              <a:defRPr sz="1600"/>
-            </a:lvl7pPr>
-            <a:lvl8pPr>
-              <a:defRPr sz="1600"/>
-            </a:lvl8pPr>
-            <a:lvl9pPr>
-              <a:defRPr sz="1600"/>
-            </a:lvl9pPr>
-          </a:lstStyle>
+          <a:bodyPr>
+            <a:normAutofit/>
+          </a:bodyPr>
+          <a:lstStyle/>
           <a:p>
             <a:pPr lvl="0"/>
             <a:r>
@@ -2448,7 +4053,89 @@
       </p:sp>
       <p:sp>
         <p:nvSpPr>
-          <p:cNvPr id="9" name="Slide Number Placeholder 8"/>
+          <p:cNvPr id="12" name="Freeform 11"/>
+          <p:cNvSpPr/>
+          <p:nvPr/>
+        </p:nvSpPr>
+        <p:spPr bwMode="auto">
+          <a:xfrm flipV="1">
+            <a:off x="-4189" y="714375"/>
+            <a:ext cx="1588527" cy="507297"/>
+          </a:xfrm>
+          <a:custGeom>
+            <a:avLst/>
+            <a:gdLst/>
+            <a:ahLst/>
+            <a:cxnLst/>
+            <a:rect l="l" t="t" r="r" b="b"/>
+            <a:pathLst>
+              <a:path w="9248" h="10000">
+                <a:moveTo>
+                  <a:pt x="9248" y="4701"/>
+                </a:moveTo>
+                <a:lnTo>
+                  <a:pt x="7915" y="188"/>
+                </a:lnTo>
+                <a:cubicBezTo>
+                  <a:pt x="7906" y="156"/>
+                  <a:pt x="7895" y="126"/>
+                  <a:pt x="7886" y="94"/>
+                </a:cubicBezTo>
+                <a:cubicBezTo>
+                  <a:pt x="7859" y="0"/>
+                  <a:pt x="7831" y="0"/>
+                  <a:pt x="7803" y="0"/>
+                </a:cubicBezTo>
+                <a:lnTo>
+                  <a:pt x="7275" y="0"/>
+                </a:lnTo>
+                <a:lnTo>
+                  <a:pt x="0" y="70"/>
+                </a:lnTo>
+                <a:cubicBezTo>
+                  <a:pt x="8" y="3380"/>
+                  <a:pt x="17" y="6690"/>
+                  <a:pt x="25" y="10000"/>
+                </a:cubicBezTo>
+                <a:lnTo>
+                  <a:pt x="7275" y="9966"/>
+                </a:lnTo>
+                <a:lnTo>
+                  <a:pt x="7803" y="9966"/>
+                </a:lnTo>
+                <a:cubicBezTo>
+                  <a:pt x="7831" y="9966"/>
+                  <a:pt x="7859" y="9872"/>
+                  <a:pt x="7886" y="9872"/>
+                </a:cubicBezTo>
+                <a:cubicBezTo>
+                  <a:pt x="7886" y="9778"/>
+                  <a:pt x="7915" y="9778"/>
+                  <a:pt x="7915" y="9778"/>
+                </a:cubicBezTo>
+                <a:lnTo>
+                  <a:pt x="9248" y="5265"/>
+                </a:lnTo>
+                <a:cubicBezTo>
+                  <a:pt x="9303" y="5077"/>
+                  <a:pt x="9303" y="4889"/>
+                  <a:pt x="9248" y="4701"/>
+                </a:cubicBezTo>
+                <a:close/>
+              </a:path>
+            </a:pathLst>
+          </a:custGeom>
+          <a:solidFill>
+            <a:schemeClr val="accent1"/>
+          </a:solidFill>
+          <a:ln>
+            <a:noFill/>
+          </a:ln>
+        </p:spPr>
+      </p:sp>
+      <p:sp>
+        <p:nvSpPr>
+          <p:cNvPr id="13" name="Slide Number Placeholder 5"/>
           <p:cNvSpPr>
             <a:spLocks noGrp="1"/>
           </p:cNvSpPr>
@@ -2456,7 +4143,12 @@
             <p:ph type="sldNum" sz="quarter" idx="12"/>
           </p:nvPr>
         </p:nvSpPr>
-        <p:spPr/>
+        <p:spPr>
+          <a:xfrm>
+            <a:off x="531812" y="787782"/>
+            <a:ext cx="779767" cy="365125"/>
+          </a:xfrm>
+        </p:spPr>
         <p:txBody>
           <a:bodyPr/>
           <a:lstStyle/>
@@ -2471,6 +4163,11 @@
         </p:txBody>
       </p:sp>
     </p:spTree>
+    <p:extLst>
+      <p:ext uri="{BB962C8B-B14F-4D97-AF65-F5344CB8AC3E}">
+        <p14:creationId xmlns:p14="http://schemas.microsoft.com/office/powerpoint/2010/main" val="2300635839"/>
+      </p:ext>
+    </p:extLst>
   </p:cSld>
   <p:clrMapOvr>
     <a:masterClrMapping/>
@@ -2480,7 +4177,7 @@
 
 <file path=ppt/slideLayouts/slideLayout6.xml><?xml version="1.0" encoding="utf-8"?>
 <p:sldLayout xmlns:a="http://schemas.openxmlformats.org/drawingml/2006/main" xmlns:r="http://schemas.openxmlformats.org/officeDocument/2006/relationships" xmlns:p="http://schemas.openxmlformats.org/presentationml/2006/main" type="titleOnly" preserve="1">
-  <p:cSld name="Sólo el título">
+  <p:cSld name="Solo el título">
     <p:spTree>
       <p:nvGrpSpPr>
         <p:cNvPr id="1" name=""/>
@@ -2514,7 +4211,7 @@
               <a:rPr lang="es-ES" smtClean="0"/>
               <a:t>Haga clic para modificar el estilo de título del patrón</a:t>
             </a:r>
-            <a:endParaRPr lang="en-US"/>
+            <a:endParaRPr lang="en-US" dirty="0"/>
           </a:p>
         </p:txBody>
       </p:sp>
@@ -2563,6 +4260,88 @@
       </p:sp>
       <p:sp>
         <p:nvSpPr>
+          <p:cNvPr id="7" name="Freeform 11"/>
+          <p:cNvSpPr/>
+          <p:nvPr/>
+        </p:nvSpPr>
+        <p:spPr bwMode="auto">
+          <a:xfrm flipV="1">
+            <a:off x="-4189" y="714375"/>
+            <a:ext cx="1588527" cy="507297"/>
+          </a:xfrm>
+          <a:custGeom>
+            <a:avLst/>
+            <a:gdLst/>
+            <a:ahLst/>
+            <a:cxnLst/>
+            <a:rect l="l" t="t" r="r" b="b"/>
+            <a:pathLst>
+              <a:path w="9248" h="10000">
+                <a:moveTo>
+                  <a:pt x="9248" y="4701"/>
+                </a:moveTo>
+                <a:lnTo>
+                  <a:pt x="7915" y="188"/>
+                </a:lnTo>
+                <a:cubicBezTo>
+                  <a:pt x="7906" y="156"/>
+                  <a:pt x="7895" y="126"/>
+                  <a:pt x="7886" y="94"/>
+                </a:cubicBezTo>
+                <a:cubicBezTo>
+                  <a:pt x="7859" y="0"/>
+                  <a:pt x="7831" y="0"/>
+                  <a:pt x="7803" y="0"/>
+                </a:cubicBezTo>
+                <a:lnTo>
+                  <a:pt x="7275" y="0"/>
+                </a:lnTo>
+                <a:lnTo>
+                  <a:pt x="0" y="70"/>
+                </a:lnTo>
+                <a:cubicBezTo>
+                  <a:pt x="8" y="3380"/>
+                  <a:pt x="17" y="6690"/>
+                  <a:pt x="25" y="10000"/>
+                </a:cubicBezTo>
+                <a:lnTo>
+                  <a:pt x="7275" y="9966"/>
+                </a:lnTo>
+                <a:lnTo>
+                  <a:pt x="7803" y="9966"/>
+                </a:lnTo>
+                <a:cubicBezTo>
+                  <a:pt x="7831" y="9966"/>
+                  <a:pt x="7859" y="9872"/>
+                  <a:pt x="7886" y="9872"/>
+                </a:cubicBezTo>
+                <a:cubicBezTo>
+                  <a:pt x="7886" y="9778"/>
+                  <a:pt x="7915" y="9778"/>
+                  <a:pt x="7915" y="9778"/>
+                </a:cubicBezTo>
+                <a:lnTo>
+                  <a:pt x="9248" y="5265"/>
+                </a:lnTo>
+                <a:cubicBezTo>
+                  <a:pt x="9303" y="5077"/>
+                  <a:pt x="9303" y="4889"/>
+                  <a:pt x="9248" y="4701"/>
+                </a:cubicBezTo>
+                <a:close/>
+              </a:path>
+            </a:pathLst>
+          </a:custGeom>
+          <a:solidFill>
+            <a:schemeClr val="accent1"/>
+          </a:solidFill>
+          <a:ln>
+            <a:noFill/>
+          </a:ln>
+        </p:spPr>
+      </p:sp>
+      <p:sp>
+        <p:nvSpPr>
           <p:cNvPr id="5" name="Slide Number Placeholder 4"/>
           <p:cNvSpPr>
             <a:spLocks noGrp="1"/>
@@ -2586,6 +4365,11 @@
         </p:txBody>
       </p:sp>
     </p:spTree>
+    <p:extLst>
+      <p:ext uri="{BB962C8B-B14F-4D97-AF65-F5344CB8AC3E}">
+        <p14:creationId xmlns:p14="http://schemas.microsoft.com/office/powerpoint/2010/main" val="4287607564"/>
+      </p:ext>
+    </p:extLst>
   </p:cSld>
   <p:clrMapOvr>
     <a:masterClrMapping/>
@@ -2655,6 +4439,88 @@
       </p:sp>
       <p:sp>
         <p:nvSpPr>
+          <p:cNvPr id="6" name="Freeform 11"/>
+          <p:cNvSpPr/>
+          <p:nvPr/>
+        </p:nvSpPr>
+        <p:spPr bwMode="auto">
+          <a:xfrm flipV="1">
+            <a:off x="-4189" y="714375"/>
+            <a:ext cx="1588527" cy="507297"/>
+          </a:xfrm>
+          <a:custGeom>
+            <a:avLst/>
+            <a:gdLst/>
+            <a:ahLst/>
+            <a:cxnLst/>
+            <a:rect l="l" t="t" r="r" b="b"/>
+            <a:pathLst>
+              <a:path w="9248" h="10000">
+                <a:moveTo>
+                  <a:pt x="9248" y="4701"/>
+                </a:moveTo>
+                <a:lnTo>
+                  <a:pt x="7915" y="188"/>
+                </a:lnTo>
+                <a:cubicBezTo>
+                  <a:pt x="7906" y="156"/>
+                  <a:pt x="7895" y="126"/>
+                  <a:pt x="7886" y="94"/>
+                </a:cubicBezTo>
+                <a:cubicBezTo>
+                  <a:pt x="7859" y="0"/>
+                  <a:pt x="7831" y="0"/>
+                  <a:pt x="7803" y="0"/>
+                </a:cubicBezTo>
+                <a:lnTo>
+                  <a:pt x="7275" y="0"/>
+                </a:lnTo>
+                <a:lnTo>
+                  <a:pt x="0" y="70"/>
+                </a:lnTo>
+                <a:cubicBezTo>
+                  <a:pt x="8" y="3380"/>
+                  <a:pt x="17" y="6690"/>
+                  <a:pt x="25" y="10000"/>
+                </a:cubicBezTo>
+                <a:lnTo>
+                  <a:pt x="7275" y="9966"/>
+                </a:lnTo>
+                <a:lnTo>
+                  <a:pt x="7803" y="9966"/>
+                </a:lnTo>
+                <a:cubicBezTo>
+                  <a:pt x="7831" y="9966"/>
+                  <a:pt x="7859" y="9872"/>
+                  <a:pt x="7886" y="9872"/>
+                </a:cubicBezTo>
+                <a:cubicBezTo>
+                  <a:pt x="7886" y="9778"/>
+                  <a:pt x="7915" y="9778"/>
+                  <a:pt x="7915" y="9778"/>
+                </a:cubicBezTo>
+                <a:lnTo>
+                  <a:pt x="9248" y="5265"/>
+                </a:lnTo>
+                <a:cubicBezTo>
+                  <a:pt x="9303" y="5077"/>
+                  <a:pt x="9303" y="4889"/>
+                  <a:pt x="9248" y="4701"/>
+                </a:cubicBezTo>
+                <a:close/>
+              </a:path>
+            </a:pathLst>
+          </a:custGeom>
+          <a:solidFill>
+            <a:schemeClr val="accent1"/>
+          </a:solidFill>
+          <a:ln>
+            <a:noFill/>
+          </a:ln>
+        </p:spPr>
+      </p:sp>
+      <p:sp>
+        <p:nvSpPr>
           <p:cNvPr id="4" name="Slide Number Placeholder 3"/>
           <p:cNvSpPr>
             <a:spLocks noGrp="1"/>
@@ -2678,6 +4544,11 @@
         </p:txBody>
       </p:sp>
     </p:spTree>
+    <p:extLst>
+      <p:ext uri="{BB962C8B-B14F-4D97-AF65-F5344CB8AC3E}">
+        <p14:creationId xmlns:p14="http://schemas.microsoft.com/office/powerpoint/2010/main" val="1522117263"/>
+      </p:ext>
+    </p:extLst>
   </p:cSld>
   <p:clrMapOvr>
     <a:masterClrMapping/>
@@ -2686,7 +4557,7 @@
 </file>
 
 <file path=ppt/slideLayouts/slideLayout8.xml><?xml version="1.0" encoding="utf-8"?>
-<p:sldLayout xmlns:a="http://schemas.openxmlformats.org/drawingml/2006/main" xmlns:r="http://schemas.openxmlformats.org/officeDocument/2006/relationships" xmlns:p="http://schemas.openxmlformats.org/presentationml/2006/main" showMasterSp="0" type="objTx" preserve="1">
+<p:sldLayout xmlns:a="http://schemas.openxmlformats.org/drawingml/2006/main" xmlns:r="http://schemas.openxmlformats.org/officeDocument/2006/relationships" xmlns:p="http://schemas.openxmlformats.org/presentationml/2006/main" type="objTx" preserve="1">
   <p:cSld name="Contenido con título">
     <p:spTree>
       <p:nvGrpSpPr>
@@ -2704,159 +4575,28 @@
       </p:grpSpPr>
       <p:sp>
         <p:nvSpPr>
-          <p:cNvPr id="17" name="Right Triangle 16"/>
-          <p:cNvSpPr/>
-          <p:nvPr/>
+          <p:cNvPr id="2" name="Title 1"/>
+          <p:cNvSpPr>
+            <a:spLocks noGrp="1"/>
+          </p:cNvSpPr>
+          <p:nvPr>
+            <p:ph type="title"/>
+          </p:nvPr>
         </p:nvSpPr>
         <p:spPr>
           <a:xfrm>
-            <a:off x="1" y="2647950"/>
-            <a:ext cx="4762500" cy="4210050"/>
-          </a:xfrm>
-          <a:prstGeom prst="rtTriangle">
-            <a:avLst/>
-          </a:prstGeom>
-          <a:solidFill>
-            <a:schemeClr val="accent2"/>
-          </a:solidFill>
-          <a:ln>
-            <a:noFill/>
-          </a:ln>
-        </p:spPr>
-        <p:style>
-          <a:lnRef idx="2">
-            <a:schemeClr val="accent1">
-              <a:shade val="50000"/>
-            </a:schemeClr>
-          </a:lnRef>
-          <a:fillRef idx="1">
-            <a:schemeClr val="accent1"/>
-          </a:fillRef>
-          <a:effectRef idx="0">
-            <a:schemeClr val="accent1"/>
-          </a:effectRef>
-          <a:fontRef idx="minor">
-            <a:schemeClr val="lt1"/>
-          </a:fontRef>
-        </p:style>
-        <p:txBody>
-          <a:bodyPr rtlCol="0" anchor="ctr"/>
-          <a:lstStyle/>
-          <a:p>
-            <a:pPr algn="ctr"/>
-            <a:endParaRPr lang="en-US"/>
-          </a:p>
-        </p:txBody>
-      </p:sp>
-      <p:sp>
-        <p:nvSpPr>
-          <p:cNvPr id="18" name="Right Triangle 17"/>
-          <p:cNvSpPr/>
-          <p:nvPr/>
-        </p:nvSpPr>
-        <p:spPr>
-          <a:xfrm rot="5400000">
-            <a:off x="1720852" y="-1720850"/>
-            <a:ext cx="6858000" cy="10299704"/>
-          </a:xfrm>
-          <a:prstGeom prst="rtTriangle">
-            <a:avLst/>
-          </a:prstGeom>
-          <a:solidFill>
-            <a:schemeClr val="accent3">
-              <a:alpha val="80000"/>
-            </a:schemeClr>
-          </a:solidFill>
-          <a:ln>
-            <a:noFill/>
-          </a:ln>
-        </p:spPr>
-        <p:style>
-          <a:lnRef idx="2">
-            <a:schemeClr val="accent1">
-              <a:shade val="50000"/>
-            </a:schemeClr>
-          </a:lnRef>
-          <a:fillRef idx="1">
-            <a:schemeClr val="accent1"/>
-          </a:fillRef>
-          <a:effectRef idx="0">
-            <a:schemeClr val="accent1"/>
-          </a:effectRef>
-          <a:fontRef idx="minor">
-            <a:schemeClr val="lt1"/>
-          </a:fontRef>
-        </p:style>
-        <p:txBody>
-          <a:bodyPr rtlCol="0" anchor="ctr"/>
-          <a:lstStyle/>
-          <a:p>
-            <a:pPr marL="0" algn="ctr" defTabSz="914400" rtl="0" eaLnBrk="1" latinLnBrk="0" hangingPunct="1"/>
-            <a:endParaRPr lang="en-US" sz="1800" kern="1200">
-              <a:solidFill>
-                <a:schemeClr val="lt1"/>
-              </a:solidFill>
-              <a:latin typeface="+mn-lt"/>
-              <a:ea typeface="+mn-ea"/>
-              <a:cs typeface="+mn-cs"/>
-            </a:endParaRPr>
-          </a:p>
-        </p:txBody>
-      </p:sp>
-      <p:sp>
-        <p:nvSpPr>
-          <p:cNvPr id="2" name="Title 1"/>
-          <p:cNvSpPr>
-            <a:spLocks noGrp="1"/>
-          </p:cNvSpPr>
-          <p:nvPr>
-            <p:ph type="title"/>
-          </p:nvPr>
-        </p:nvSpPr>
-        <p:spPr>
-          <a:xfrm rot="19140000">
-            <a:off x="1046573" y="1576104"/>
-            <a:ext cx="6949440" cy="1089427"/>
+            <a:off x="2589212" y="446088"/>
+            <a:ext cx="3505199" cy="976312"/>
           </a:xfrm>
         </p:spPr>
         <p:txBody>
-          <a:bodyPr bIns="0" anchor="b"/>
+          <a:bodyPr anchor="b"/>
           <a:lstStyle>
             <a:lvl1pPr algn="l">
-              <a:defRPr kumimoji="0" lang="en-US" sz="2800" b="0" i="0" u="none" strike="noStrike" kern="1200" cap="all" spc="0" normalizeH="0" baseline="0" noProof="0" dirty="0" smtClean="0">
-                <a:ln>
-                  <a:noFill/>
-                </a:ln>
-                <a:solidFill>
-                  <a:srgbClr val="FFFFFF"/>
-                </a:solidFill>
-                <a:effectLst/>
-                <a:uLnTx/>
-                <a:uFillTx/>
-                <a:latin typeface="+mj-lt"/>
-                <a:ea typeface="+mj-ea"/>
-                <a:cs typeface="+mj-cs"/>
-              </a:defRPr>
+              <a:defRPr sz="2000" b="0"/>
             </a:lvl1pPr>
           </a:lstStyle>
           <a:p>
-            <a:pPr marL="0" marR="0" lvl="0" indent="0" algn="l" defTabSz="914400" rtl="0" eaLnBrk="1" fontAlgn="auto" latinLnBrk="0" hangingPunct="1">
-              <a:lnSpc>
-                <a:spcPct val="100000"/>
-              </a:lnSpc>
-              <a:spcBef>
-                <a:spcPct val="0"/>
-              </a:spcBef>
-              <a:spcAft>
-                <a:spcPts val="0"/>
-              </a:spcAft>
-              <a:buClrTx/>
-              <a:buSzTx/>
-              <a:buFontTx/>
-              <a:buNone/>
-              <a:tabLst/>
-              <a:defRPr/>
-            </a:pPr>
             <a:r>
               <a:rPr lang="es-ES" smtClean="0"/>
               <a:t>Haga clic para modificar el estilo de título del patrón</a:t>
@@ -2877,110 +4617,75 @@
         </p:nvSpPr>
         <p:spPr>
           <a:xfrm>
-            <a:off x="6332737" y="2618913"/>
-            <a:ext cx="5077039" cy="3324687"/>
+            <a:off x="6323012" y="446088"/>
+            <a:ext cx="5181600" cy="5414963"/>
           </a:xfrm>
         </p:spPr>
         <p:txBody>
+          <a:bodyPr anchor="ctr">
+            <a:normAutofit/>
+          </a:bodyPr>
+          <a:lstStyle/>
+          <a:p>
+            <a:pPr lvl="0"/>
+            <a:r>
+              <a:rPr lang="es-ES" smtClean="0"/>
+              <a:t>Haga clic para modificar el estilo de texto del patrón</a:t>
+            </a:r>
+          </a:p>
+          <a:p>
+            <a:pPr lvl="1"/>
+            <a:r>
+              <a:rPr lang="es-ES" smtClean="0"/>
+              <a:t>Segundo nivel</a:t>
+            </a:r>
+          </a:p>
+          <a:p>
+            <a:pPr lvl="2"/>
+            <a:r>
+              <a:rPr lang="es-ES" smtClean="0"/>
+              <a:t>Tercer nivel</a:t>
+            </a:r>
+          </a:p>
+          <a:p>
+            <a:pPr lvl="3"/>
+            <a:r>
+              <a:rPr lang="es-ES" smtClean="0"/>
+              <a:t>Cuarto nivel</a:t>
+            </a:r>
+          </a:p>
+          <a:p>
+            <a:pPr lvl="4"/>
+            <a:r>
+              <a:rPr lang="es-ES" smtClean="0"/>
+              <a:t>Quinto nivel</a:t>
+            </a:r>
+            <a:endParaRPr lang="en-US" dirty="0"/>
+          </a:p>
+        </p:txBody>
+      </p:sp>
+      <p:sp>
+        <p:nvSpPr>
+          <p:cNvPr id="4" name="Text Placeholder 3"/>
+          <p:cNvSpPr>
+            <a:spLocks noGrp="1"/>
+          </p:cNvSpPr>
+          <p:nvPr>
+            <p:ph type="body" sz="half" idx="2"/>
+          </p:nvPr>
+        </p:nvSpPr>
+        <p:spPr>
+          <a:xfrm>
+            <a:off x="2589212" y="1598613"/>
+            <a:ext cx="3505199" cy="4262436"/>
+          </a:xfrm>
+        </p:spPr>
+        <p:txBody>
           <a:bodyPr/>
           <a:lstStyle>
-            <a:lvl1pPr>
-              <a:defRPr sz="3200"/>
-            </a:lvl1pPr>
-            <a:lvl2pPr>
-              <a:defRPr sz="2800"/>
-            </a:lvl2pPr>
-            <a:lvl3pPr>
-              <a:defRPr sz="2400"/>
-            </a:lvl3pPr>
-            <a:lvl4pPr>
-              <a:defRPr sz="2000"/>
-            </a:lvl4pPr>
-            <a:lvl5pPr>
-              <a:defRPr sz="2000"/>
-            </a:lvl5pPr>
-            <a:lvl6pPr>
-              <a:defRPr sz="2000"/>
-            </a:lvl6pPr>
-            <a:lvl7pPr>
-              <a:defRPr sz="2000"/>
-            </a:lvl7pPr>
-            <a:lvl8pPr>
-              <a:defRPr sz="2000"/>
-            </a:lvl8pPr>
-            <a:lvl9pPr>
-              <a:defRPr sz="2000"/>
-            </a:lvl9pPr>
-          </a:lstStyle>
-          <a:p>
-            <a:pPr lvl="0"/>
-            <a:r>
-              <a:rPr lang="es-ES" smtClean="0"/>
-              <a:t>Haga clic para modificar el estilo de texto del patrón</a:t>
-            </a:r>
-          </a:p>
-          <a:p>
-            <a:pPr lvl="1"/>
-            <a:r>
-              <a:rPr lang="es-ES" smtClean="0"/>
-              <a:t>Segundo nivel</a:t>
-            </a:r>
-          </a:p>
-          <a:p>
-            <a:pPr lvl="2"/>
-            <a:r>
-              <a:rPr lang="es-ES" smtClean="0"/>
-              <a:t>Tercer nivel</a:t>
-            </a:r>
-          </a:p>
-          <a:p>
-            <a:pPr lvl="3"/>
-            <a:r>
-              <a:rPr lang="es-ES" smtClean="0"/>
-              <a:t>Cuarto nivel</a:t>
-            </a:r>
-          </a:p>
-          <a:p>
-            <a:pPr lvl="4"/>
-            <a:r>
-              <a:rPr lang="es-ES" smtClean="0"/>
-              <a:t>Quinto nivel</a:t>
-            </a:r>
-            <a:endParaRPr lang="en-US" dirty="0"/>
-          </a:p>
-        </p:txBody>
-      </p:sp>
-      <p:sp>
-        <p:nvSpPr>
-          <p:cNvPr id="4" name="Text Placeholder 3"/>
-          <p:cNvSpPr>
-            <a:spLocks noGrp="1"/>
-          </p:cNvSpPr>
-          <p:nvPr>
-            <p:ph type="body" sz="half" idx="2"/>
-          </p:nvPr>
-        </p:nvSpPr>
-        <p:spPr>
-          <a:xfrm rot="19140000">
-            <a:off x="1730605" y="2253385"/>
-            <a:ext cx="7726347" cy="623314"/>
-          </a:xfrm>
-        </p:spPr>
-        <p:txBody>
-          <a:bodyPr>
-            <a:normAutofit/>
-          </a:bodyPr>
-          <a:lstStyle>
             <a:lvl1pPr marL="0" indent="0">
               <a:buNone/>
-              <a:defRPr lang="en-US" sz="1400" b="1" kern="1200" dirty="0" smtClean="0">
-                <a:solidFill>
-                  <a:srgbClr val="FFFFFF"/>
-                </a:solidFill>
-                <a:latin typeface="+mn-lt"/>
-                <a:ea typeface="+mn-ea"/>
-                <a:cs typeface="+mn-cs"/>
-              </a:defRPr>
+              <a:defRPr sz="1400"/>
             </a:lvl1pPr>
             <a:lvl2pPr marL="457200" indent="0">
               <a:buNone/>
@@ -3016,25 +4721,7 @@
             </a:lvl9pPr>
           </a:lstStyle>
           <a:p>
-            <a:pPr marL="0" marR="0" lvl="0" indent="0" algn="l" defTabSz="914400" rtl="0" eaLnBrk="1" fontAlgn="auto" latinLnBrk="0" hangingPunct="1">
-              <a:lnSpc>
-                <a:spcPct val="100000"/>
-              </a:lnSpc>
-              <a:spcBef>
-                <a:spcPts val="300"/>
-              </a:spcBef>
-              <a:spcAft>
-                <a:spcPts val="0"/>
-              </a:spcAft>
-              <a:buClr>
-                <a:schemeClr val="accent1"/>
-              </a:buClr>
-              <a:buSzPct val="100000"/>
-              <a:buFont typeface="Arial" pitchFamily="34" charset="0"/>
-              <a:buNone/>
-              <a:tabLst/>
-              <a:defRPr/>
-            </a:pPr>
+            <a:pPr lvl="0"/>
             <a:r>
               <a:rPr lang="es-ES" smtClean="0"/>
               <a:t>Haga clic para modificar el estilo de texto del patrón</a:t>
@@ -3079,15 +4766,7 @@
         <p:spPr/>
         <p:txBody>
           <a:bodyPr/>
-          <a:lstStyle>
-            <a:lvl1pPr>
-              <a:defRPr>
-                <a:solidFill>
-                  <a:schemeClr val="tx2"/>
-                </a:solidFill>
-              </a:defRPr>
-            </a:lvl1pPr>
-          </a:lstStyle>
+          <a:lstStyle/>
           <a:p>
             <a:endParaRPr lang="es-CL"/>
           </a:p>
@@ -3095,32 +4774,100 @@
       </p:sp>
       <p:sp>
         <p:nvSpPr>
-          <p:cNvPr id="7" name="Slide Number Placeholder 6"/>
-          <p:cNvSpPr>
-            <a:spLocks noGrp="1"/>
-          </p:cNvSpPr>
-          <p:nvPr>
-            <p:ph type="sldNum" sz="quarter" idx="12"/>
-          </p:nvPr>
-        </p:nvSpPr>
-        <p:spPr>
+          <p:cNvPr id="9" name="Freeform 11"/>
+          <p:cNvSpPr/>
+          <p:nvPr/>
+        </p:nvSpPr>
+        <p:spPr bwMode="auto">
+          <a:xfrm flipV="1">
+            <a:off x="-4189" y="714375"/>
+            <a:ext cx="1588527" cy="507297"/>
+          </a:xfrm>
+          <a:custGeom>
+            <a:avLst/>
+            <a:gdLst/>
+            <a:ahLst/>
+            <a:cxnLst/>
+            <a:rect l="l" t="t" r="r" b="b"/>
+            <a:pathLst>
+              <a:path w="9248" h="10000">
+                <a:moveTo>
+                  <a:pt x="9248" y="4701"/>
+                </a:moveTo>
+                <a:lnTo>
+                  <a:pt x="7915" y="188"/>
+                </a:lnTo>
+                <a:cubicBezTo>
+                  <a:pt x="7906" y="156"/>
+                  <a:pt x="7895" y="126"/>
+                  <a:pt x="7886" y="94"/>
+                </a:cubicBezTo>
+                <a:cubicBezTo>
+                  <a:pt x="7859" y="0"/>
+                  <a:pt x="7831" y="0"/>
+                  <a:pt x="7803" y="0"/>
+                </a:cubicBezTo>
+                <a:lnTo>
+                  <a:pt x="7275" y="0"/>
+                </a:lnTo>
+                <a:lnTo>
+                  <a:pt x="0" y="70"/>
+                </a:lnTo>
+                <a:cubicBezTo>
+                  <a:pt x="8" y="3380"/>
+                  <a:pt x="17" y="6690"/>
+                  <a:pt x="25" y="10000"/>
+                </a:cubicBezTo>
+                <a:lnTo>
+                  <a:pt x="7275" y="9966"/>
+                </a:lnTo>
+                <a:lnTo>
+                  <a:pt x="7803" y="9966"/>
+                </a:lnTo>
+                <a:cubicBezTo>
+                  <a:pt x="7831" y="9966"/>
+                  <a:pt x="7859" y="9872"/>
+                  <a:pt x="7886" y="9872"/>
+                </a:cubicBezTo>
+                <a:cubicBezTo>
+                  <a:pt x="7886" y="9778"/>
+                  <a:pt x="7915" y="9778"/>
+                  <a:pt x="7915" y="9778"/>
+                </a:cubicBezTo>
+                <a:lnTo>
+                  <a:pt x="9248" y="5265"/>
+                </a:lnTo>
+                <a:cubicBezTo>
+                  <a:pt x="9303" y="5077"/>
+                  <a:pt x="9303" y="4889"/>
+                  <a:pt x="9248" y="4701"/>
+                </a:cubicBezTo>
+                <a:close/>
+              </a:path>
+            </a:pathLst>
+          </a:custGeom>
+          <a:solidFill>
+            <a:schemeClr val="accent1"/>
+          </a:solidFill>
           <a:ln>
-            <a:solidFill>
-              <a:schemeClr val="tx2"/>
-            </a:solidFill>
+            <a:noFill/>
           </a:ln>
         </p:spPr>
+      </p:sp>
+      <p:sp>
+        <p:nvSpPr>
+          <p:cNvPr id="7" name="Slide Number Placeholder 6"/>
+          <p:cNvSpPr>
+            <a:spLocks noGrp="1"/>
+          </p:cNvSpPr>
+          <p:nvPr>
+            <p:ph type="sldNum" sz="quarter" idx="12"/>
+          </p:nvPr>
+        </p:nvSpPr>
+        <p:spPr/>
         <p:txBody>
           <a:bodyPr/>
-          <a:lstStyle>
-            <a:lvl1pPr>
-              <a:defRPr>
-                <a:solidFill>
-                  <a:schemeClr val="tx2"/>
-                </a:solidFill>
-              </a:defRPr>
-            </a:lvl1pPr>
-          </a:lstStyle>
+          <a:lstStyle/>
           <a:p>
             <a:fld id="{541E98F8-2370-44B3-B177-237D8934FAF8}" type="slidenum">
               <a:rPr lang="es-CL" smtClean="0"/>
@@ -3132,6 +4879,11 @@
         </p:txBody>
       </p:sp>
     </p:spTree>
+    <p:extLst>
+      <p:ext uri="{BB962C8B-B14F-4D97-AF65-F5344CB8AC3E}">
+        <p14:creationId xmlns:p14="http://schemas.microsoft.com/office/powerpoint/2010/main" val="3902903308"/>
+      </p:ext>
+    </p:extLst>
   </p:cSld>
   <p:clrMapOvr>
     <a:masterClrMapping/>
@@ -3140,7 +4892,7 @@
 </file>
 
 <file path=ppt/slideLayouts/slideLayout9.xml><?xml version="1.0" encoding="utf-8"?>
-<p:sldLayout xmlns:a="http://schemas.openxmlformats.org/drawingml/2006/main" xmlns:r="http://schemas.openxmlformats.org/officeDocument/2006/relationships" xmlns:p="http://schemas.openxmlformats.org/presentationml/2006/main" showMasterSp="0" type="picTx" preserve="1">
+<p:sldLayout xmlns:a="http://schemas.openxmlformats.org/drawingml/2006/main" xmlns:r="http://schemas.openxmlformats.org/officeDocument/2006/relationships" xmlns:p="http://schemas.openxmlformats.org/presentationml/2006/main" type="picTx" preserve="1">
   <p:cSld name="Imagen con título">
     <p:spTree>
       <p:nvGrpSpPr>
@@ -3158,164 +4910,33 @@
       </p:grpSpPr>
       <p:sp>
         <p:nvSpPr>
-          <p:cNvPr id="11" name="Picture Placeholder 10"/>
-          <p:cNvSpPr>
-            <a:spLocks noGrp="1"/>
-          </p:cNvSpPr>
-          <p:nvPr>
-            <p:ph type="pic" sz="quarter" idx="14"/>
+          <p:cNvPr id="2" name="Title 1"/>
+          <p:cNvSpPr>
+            <a:spLocks noGrp="1"/>
+          </p:cNvSpPr>
+          <p:nvPr>
+            <p:ph type="title"/>
           </p:nvPr>
         </p:nvSpPr>
         <p:spPr>
           <a:xfrm>
-            <a:off x="2705101" y="0"/>
-            <a:ext cx="9486900" cy="6858000"/>
+            <a:off x="2589213" y="4800600"/>
+            <a:ext cx="8915400" cy="566738"/>
           </a:xfrm>
-          <a:custGeom>
-            <a:avLst/>
-            <a:gdLst>
-              <a:gd name="connsiteX0" fmla="*/ 0 w 7104888"/>
-              <a:gd name="connsiteY0" fmla="*/ 0 h 6858000"/>
-              <a:gd name="connsiteX1" fmla="*/ 7104888 w 7104888"/>
-              <a:gd name="connsiteY1" fmla="*/ 0 h 6858000"/>
-              <a:gd name="connsiteX2" fmla="*/ 7104888 w 7104888"/>
-              <a:gd name="connsiteY2" fmla="*/ 6858000 h 6858000"/>
-              <a:gd name="connsiteX3" fmla="*/ 0 w 7104888"/>
-              <a:gd name="connsiteY3" fmla="*/ 6858000 h 6858000"/>
-              <a:gd name="connsiteX4" fmla="*/ 0 w 7104888"/>
-              <a:gd name="connsiteY4" fmla="*/ 0 h 6858000"/>
-              <a:gd name="connsiteX0" fmla="*/ 0 w 7104888"/>
-              <a:gd name="connsiteY0" fmla="*/ 0 h 6858000"/>
-              <a:gd name="connsiteX1" fmla="*/ 5695188 w 7104888"/>
-              <a:gd name="connsiteY1" fmla="*/ 0 h 6858000"/>
-              <a:gd name="connsiteX2" fmla="*/ 7104888 w 7104888"/>
-              <a:gd name="connsiteY2" fmla="*/ 0 h 6858000"/>
-              <a:gd name="connsiteX3" fmla="*/ 7104888 w 7104888"/>
-              <a:gd name="connsiteY3" fmla="*/ 6858000 h 6858000"/>
-              <a:gd name="connsiteX4" fmla="*/ 0 w 7104888"/>
-              <a:gd name="connsiteY4" fmla="*/ 6858000 h 6858000"/>
-              <a:gd name="connsiteX5" fmla="*/ 0 w 7104888"/>
-              <a:gd name="connsiteY5" fmla="*/ 0 h 6858000"/>
-              <a:gd name="connsiteX0" fmla="*/ 10287 w 7115175"/>
-              <a:gd name="connsiteY0" fmla="*/ 0 h 6858000"/>
-              <a:gd name="connsiteX1" fmla="*/ 5705475 w 7115175"/>
-              <a:gd name="connsiteY1" fmla="*/ 0 h 6858000"/>
-              <a:gd name="connsiteX2" fmla="*/ 7115175 w 7115175"/>
-              <a:gd name="connsiteY2" fmla="*/ 0 h 6858000"/>
-              <a:gd name="connsiteX3" fmla="*/ 7115175 w 7115175"/>
-              <a:gd name="connsiteY3" fmla="*/ 6858000 h 6858000"/>
-              <a:gd name="connsiteX4" fmla="*/ 10287 w 7115175"/>
-              <a:gd name="connsiteY4" fmla="*/ 6858000 h 6858000"/>
-              <a:gd name="connsiteX5" fmla="*/ 0 w 7115175"/>
-              <a:gd name="connsiteY5" fmla="*/ 5048250 h 6858000"/>
-              <a:gd name="connsiteX6" fmla="*/ 10287 w 7115175"/>
-              <a:gd name="connsiteY6" fmla="*/ 0 h 6858000"/>
-              <a:gd name="connsiteX0" fmla="*/ 10287 w 7115175"/>
-              <a:gd name="connsiteY0" fmla="*/ 0 h 6858000"/>
-              <a:gd name="connsiteX1" fmla="*/ 5705475 w 7115175"/>
-              <a:gd name="connsiteY1" fmla="*/ 0 h 6858000"/>
-              <a:gd name="connsiteX2" fmla="*/ 7115175 w 7115175"/>
-              <a:gd name="connsiteY2" fmla="*/ 0 h 6858000"/>
-              <a:gd name="connsiteX3" fmla="*/ 7115175 w 7115175"/>
-              <a:gd name="connsiteY3" fmla="*/ 6858000 h 6858000"/>
-              <a:gd name="connsiteX4" fmla="*/ 1533526 w 7115175"/>
-              <a:gd name="connsiteY4" fmla="*/ 6848475 h 6858000"/>
-              <a:gd name="connsiteX5" fmla="*/ 10287 w 7115175"/>
-              <a:gd name="connsiteY5" fmla="*/ 6858000 h 6858000"/>
-              <a:gd name="connsiteX6" fmla="*/ 0 w 7115175"/>
-              <a:gd name="connsiteY6" fmla="*/ 5048250 h 6858000"/>
-              <a:gd name="connsiteX7" fmla="*/ 10287 w 7115175"/>
-              <a:gd name="connsiteY7" fmla="*/ 0 h 6858000"/>
-              <a:gd name="connsiteX0" fmla="*/ 10287 w 7115175"/>
-              <a:gd name="connsiteY0" fmla="*/ 0 h 6858000"/>
-              <a:gd name="connsiteX1" fmla="*/ 5705475 w 7115175"/>
-              <a:gd name="connsiteY1" fmla="*/ 0 h 6858000"/>
-              <a:gd name="connsiteX2" fmla="*/ 7115175 w 7115175"/>
-              <a:gd name="connsiteY2" fmla="*/ 0 h 6858000"/>
-              <a:gd name="connsiteX3" fmla="*/ 7115175 w 7115175"/>
-              <a:gd name="connsiteY3" fmla="*/ 6858000 h 6858000"/>
-              <a:gd name="connsiteX4" fmla="*/ 1533526 w 7115175"/>
-              <a:gd name="connsiteY4" fmla="*/ 6848475 h 6858000"/>
-              <a:gd name="connsiteX5" fmla="*/ 0 w 7115175"/>
-              <a:gd name="connsiteY5" fmla="*/ 5048250 h 6858000"/>
-              <a:gd name="connsiteX6" fmla="*/ 10287 w 7115175"/>
-              <a:gd name="connsiteY6" fmla="*/ 0 h 6858000"/>
-              <a:gd name="connsiteX0" fmla="*/ 0 w 7115175"/>
-              <a:gd name="connsiteY0" fmla="*/ 5048250 h 6858000"/>
-              <a:gd name="connsiteX1" fmla="*/ 5705475 w 7115175"/>
-              <a:gd name="connsiteY1" fmla="*/ 0 h 6858000"/>
-              <a:gd name="connsiteX2" fmla="*/ 7115175 w 7115175"/>
-              <a:gd name="connsiteY2" fmla="*/ 0 h 6858000"/>
-              <a:gd name="connsiteX3" fmla="*/ 7115175 w 7115175"/>
-              <a:gd name="connsiteY3" fmla="*/ 6858000 h 6858000"/>
-              <a:gd name="connsiteX4" fmla="*/ 1533526 w 7115175"/>
-              <a:gd name="connsiteY4" fmla="*/ 6848475 h 6858000"/>
-              <a:gd name="connsiteX5" fmla="*/ 0 w 7115175"/>
-              <a:gd name="connsiteY5" fmla="*/ 5048250 h 6858000"/>
-            </a:gdLst>
-            <a:ahLst/>
-            <a:cxnLst>
-              <a:cxn ang="0">
-                <a:pos x="connsiteX0" y="connsiteY0"/>
-              </a:cxn>
-              <a:cxn ang="0">
-                <a:pos x="connsiteX1" y="connsiteY1"/>
-              </a:cxn>
-              <a:cxn ang="0">
-                <a:pos x="connsiteX2" y="connsiteY2"/>
-              </a:cxn>
-              <a:cxn ang="0">
-                <a:pos x="connsiteX3" y="connsiteY3"/>
-              </a:cxn>
-              <a:cxn ang="0">
-                <a:pos x="connsiteX4" y="connsiteY4"/>
-              </a:cxn>
-              <a:cxn ang="0">
-                <a:pos x="connsiteX5" y="connsiteY5"/>
-              </a:cxn>
-            </a:cxnLst>
-            <a:rect l="l" t="t" r="r" b="b"/>
-            <a:pathLst>
-              <a:path w="7115175" h="6858000">
-                <a:moveTo>
-                  <a:pt x="0" y="5048250"/>
-                </a:moveTo>
-                <a:lnTo>
-                  <a:pt x="5705475" y="0"/>
-                </a:lnTo>
-                <a:lnTo>
-                  <a:pt x="7115175" y="0"/>
-                </a:lnTo>
-                <a:lnTo>
-                  <a:pt x="7115175" y="6858000"/>
-                </a:lnTo>
-                <a:lnTo>
-                  <a:pt x="1533526" y="6848475"/>
-                </a:lnTo>
-                <a:lnTo>
-                  <a:pt x="0" y="5048250"/>
-                </a:lnTo>
-                <a:close/>
-              </a:path>
-            </a:pathLst>
-          </a:custGeom>
-          <a:solidFill>
-            <a:schemeClr val="accent3">
-              <a:alpha val="80000"/>
-            </a:schemeClr>
-          </a:solidFill>
         </p:spPr>
         <p:txBody>
-          <a:bodyPr rIns="182880" anchor="ctr"/>
+          <a:bodyPr anchor="b">
+            <a:normAutofit/>
+          </a:bodyPr>
           <a:lstStyle>
-            <a:lvl1pPr algn="r">
-              <a:defRPr/>
+            <a:lvl1pPr algn="l">
+              <a:defRPr sz="2400" b="0"/>
             </a:lvl1pPr>
           </a:lstStyle>
           <a:p>
             <a:r>
               <a:rPr lang="es-ES" smtClean="0"/>
-              <a:t>Haga clic en el icono para agregar una imagen</a:t>
+              <a:t>Haga clic para modificar el estilo de título del patrón</a:t>
             </a:r>
             <a:endParaRPr lang="en-US" dirty="0"/>
           </a:p>
@@ -3323,217 +4944,95 @@
       </p:sp>
       <p:sp>
         <p:nvSpPr>
-          <p:cNvPr id="9" name="Right Triangle 8"/>
-          <p:cNvSpPr/>
-          <p:nvPr/>
+          <p:cNvPr id="3" name="Picture Placeholder 2"/>
+          <p:cNvSpPr>
+            <a:spLocks noGrp="1" noChangeAspect="1"/>
+          </p:cNvSpPr>
+          <p:nvPr>
+            <p:ph type="pic" idx="1"/>
+          </p:nvPr>
         </p:nvSpPr>
         <p:spPr>
           <a:xfrm>
-            <a:off x="1" y="2647950"/>
-            <a:ext cx="4762500" cy="4210050"/>
+            <a:off x="2589212" y="634965"/>
+            <a:ext cx="8915400" cy="3854970"/>
           </a:xfrm>
-          <a:prstGeom prst="rtTriangle">
-            <a:avLst/>
-          </a:prstGeom>
-          <a:solidFill>
-            <a:schemeClr val="accent2"/>
-          </a:solidFill>
-          <a:ln>
-            <a:noFill/>
-          </a:ln>
         </p:spPr>
-        <p:style>
-          <a:lnRef idx="2">
-            <a:schemeClr val="accent1">
-              <a:shade val="50000"/>
-            </a:schemeClr>
-          </a:lnRef>
-          <a:fillRef idx="1">
-            <a:schemeClr val="accent1"/>
-          </a:fillRef>
-          <a:effectRef idx="0">
-            <a:schemeClr val="accent1"/>
-          </a:effectRef>
-          <a:fontRef idx="minor">
-            <a:schemeClr val="lt1"/>
-          </a:fontRef>
-        </p:style>
-        <p:txBody>
-          <a:bodyPr rtlCol="0" anchor="ctr"/>
-          <a:lstStyle/>
-          <a:p>
-            <a:pPr algn="ctr"/>
-            <a:endParaRPr lang="en-US"/>
-          </a:p>
-        </p:txBody>
-      </p:sp>
-      <p:sp>
-        <p:nvSpPr>
-          <p:cNvPr id="10" name="Freeform 9"/>
-          <p:cNvSpPr/>
-          <p:nvPr/>
+        <p:txBody>
+          <a:bodyPr anchor="t">
+            <a:normAutofit/>
+          </a:bodyPr>
+          <a:lstStyle>
+            <a:lvl1pPr marL="0" indent="0" algn="ctr">
+              <a:buNone/>
+              <a:defRPr sz="1600"/>
+            </a:lvl1pPr>
+            <a:lvl2pPr marL="457200" indent="0">
+              <a:buNone/>
+              <a:defRPr sz="1600"/>
+            </a:lvl2pPr>
+            <a:lvl3pPr marL="914400" indent="0">
+              <a:buNone/>
+              <a:defRPr sz="1600"/>
+            </a:lvl3pPr>
+            <a:lvl4pPr marL="1371600" indent="0">
+              <a:buNone/>
+              <a:defRPr sz="1600"/>
+            </a:lvl4pPr>
+            <a:lvl5pPr marL="1828800" indent="0">
+              <a:buNone/>
+              <a:defRPr sz="1600"/>
+            </a:lvl5pPr>
+            <a:lvl6pPr marL="2286000" indent="0">
+              <a:buNone/>
+              <a:defRPr sz="1600"/>
+            </a:lvl6pPr>
+            <a:lvl7pPr marL="2743200" indent="0">
+              <a:buNone/>
+              <a:defRPr sz="1600"/>
+            </a:lvl7pPr>
+            <a:lvl8pPr marL="3200400" indent="0">
+              <a:buNone/>
+              <a:defRPr sz="1600"/>
+            </a:lvl8pPr>
+            <a:lvl9pPr marL="3657600" indent="0">
+              <a:buNone/>
+              <a:defRPr sz="1600"/>
+            </a:lvl9pPr>
+          </a:lstStyle>
+          <a:p>
+            <a:r>
+              <a:rPr lang="es-ES" smtClean="0"/>
+              <a:t>Haga clic en el icono para agregar una imagen</a:t>
+            </a:r>
+            <a:endParaRPr lang="en-US" dirty="0"/>
+          </a:p>
+        </p:txBody>
+      </p:sp>
+      <p:sp>
+        <p:nvSpPr>
+          <p:cNvPr id="4" name="Text Placeholder 3"/>
+          <p:cNvSpPr>
+            <a:spLocks noGrp="1"/>
+          </p:cNvSpPr>
+          <p:nvPr>
+            <p:ph type="body" sz="half" idx="2"/>
+          </p:nvPr>
         </p:nvSpPr>
         <p:spPr>
           <a:xfrm>
-            <a:off x="1" y="5048250"/>
-            <a:ext cx="4762500" cy="1809750"/>
-          </a:xfrm>
-          <a:custGeom>
-            <a:avLst/>
-            <a:gdLst>
-              <a:gd name="connsiteX0" fmla="*/ 0 w 3571875"/>
-              <a:gd name="connsiteY0" fmla="*/ 4210050 h 4210050"/>
-              <a:gd name="connsiteX1" fmla="*/ 0 w 3571875"/>
-              <a:gd name="connsiteY1" fmla="*/ 0 h 4210050"/>
-              <a:gd name="connsiteX2" fmla="*/ 3571875 w 3571875"/>
-              <a:gd name="connsiteY2" fmla="*/ 4210050 h 4210050"/>
-              <a:gd name="connsiteX3" fmla="*/ 0 w 3571875"/>
-              <a:gd name="connsiteY3" fmla="*/ 4210050 h 4210050"/>
-              <a:gd name="connsiteX0" fmla="*/ 0 w 3571875"/>
-              <a:gd name="connsiteY0" fmla="*/ 1809750 h 1809750"/>
-              <a:gd name="connsiteX1" fmla="*/ 1895475 w 3571875"/>
-              <a:gd name="connsiteY1" fmla="*/ 0 h 1809750"/>
-              <a:gd name="connsiteX2" fmla="*/ 3571875 w 3571875"/>
-              <a:gd name="connsiteY2" fmla="*/ 1809750 h 1809750"/>
-              <a:gd name="connsiteX3" fmla="*/ 0 w 3571875"/>
-              <a:gd name="connsiteY3" fmla="*/ 1809750 h 1809750"/>
-              <a:gd name="connsiteX0" fmla="*/ 0 w 3571875"/>
-              <a:gd name="connsiteY0" fmla="*/ 1809750 h 1809750"/>
-              <a:gd name="connsiteX1" fmla="*/ 2038350 w 3571875"/>
-              <a:gd name="connsiteY1" fmla="*/ 0 h 1809750"/>
-              <a:gd name="connsiteX2" fmla="*/ 3571875 w 3571875"/>
-              <a:gd name="connsiteY2" fmla="*/ 1809750 h 1809750"/>
-              <a:gd name="connsiteX3" fmla="*/ 0 w 3571875"/>
-              <a:gd name="connsiteY3" fmla="*/ 1809750 h 1809750"/>
-            </a:gdLst>
-            <a:ahLst/>
-            <a:cxnLst>
-              <a:cxn ang="0">
-                <a:pos x="connsiteX0" y="connsiteY0"/>
-              </a:cxn>
-              <a:cxn ang="0">
-                <a:pos x="connsiteX1" y="connsiteY1"/>
-              </a:cxn>
-              <a:cxn ang="0">
-                <a:pos x="connsiteX2" y="connsiteY2"/>
-              </a:cxn>
-              <a:cxn ang="0">
-                <a:pos x="connsiteX3" y="connsiteY3"/>
-              </a:cxn>
-            </a:cxnLst>
-            <a:rect l="l" t="t" r="r" b="b"/>
-            <a:pathLst>
-              <a:path w="3571875" h="1809750">
-                <a:moveTo>
-                  <a:pt x="0" y="1809750"/>
-                </a:moveTo>
-                <a:lnTo>
-                  <a:pt x="2038350" y="0"/>
-                </a:lnTo>
-                <a:lnTo>
-                  <a:pt x="3571875" y="1809750"/>
-                </a:lnTo>
-                <a:lnTo>
-                  <a:pt x="0" y="1809750"/>
-                </a:lnTo>
-                <a:close/>
-              </a:path>
-            </a:pathLst>
-          </a:custGeom>
-          <a:solidFill>
-            <a:schemeClr val="accent3">
-              <a:alpha val="80000"/>
-            </a:schemeClr>
-          </a:solidFill>
-          <a:ln>
-            <a:noFill/>
-          </a:ln>
-        </p:spPr>
-        <p:style>
-          <a:lnRef idx="2">
-            <a:schemeClr val="accent1">
-              <a:shade val="50000"/>
-            </a:schemeClr>
-          </a:lnRef>
-          <a:fillRef idx="1">
-            <a:schemeClr val="accent1"/>
-          </a:fillRef>
-          <a:effectRef idx="0">
-            <a:schemeClr val="accent1"/>
-          </a:effectRef>
-          <a:fontRef idx="minor">
-            <a:schemeClr val="lt1"/>
-          </a:fontRef>
-        </p:style>
-        <p:txBody>
-          <a:bodyPr rtlCol="0" anchor="ctr"/>
-          <a:lstStyle/>
-          <a:p>
-            <a:pPr algn="ctr"/>
-            <a:endParaRPr lang="en-US"/>
-          </a:p>
-        </p:txBody>
-      </p:sp>
-      <p:sp>
-        <p:nvSpPr>
-          <p:cNvPr id="2" name="Title 1"/>
-          <p:cNvSpPr>
-            <a:spLocks noGrp="1"/>
-          </p:cNvSpPr>
-          <p:nvPr>
-            <p:ph type="title"/>
-          </p:nvPr>
-        </p:nvSpPr>
-        <p:spPr>
-          <a:xfrm rot="19140000">
-            <a:off x="894929" y="1717501"/>
-            <a:ext cx="7315200" cy="867444"/>
+            <a:off x="2589213" y="5367338"/>
+            <a:ext cx="8915400" cy="493712"/>
           </a:xfrm>
         </p:spPr>
         <p:txBody>
-          <a:bodyPr anchor="b"/>
-          <a:lstStyle>
-            <a:lvl1pPr algn="l">
-              <a:defRPr sz="2800" b="0">
-                <a:latin typeface="+mj-lt"/>
-              </a:defRPr>
-            </a:lvl1pPr>
-          </a:lstStyle>
-          <a:p>
-            <a:r>
-              <a:rPr lang="es-ES" smtClean="0"/>
-              <a:t>Haga clic para modificar el estilo de título del patrón</a:t>
-            </a:r>
-            <a:endParaRPr lang="en-US" dirty="0"/>
-          </a:p>
-        </p:txBody>
-      </p:sp>
-      <p:sp>
-        <p:nvSpPr>
-          <p:cNvPr id="4" name="Text Placeholder 3"/>
-          <p:cNvSpPr>
-            <a:spLocks noGrp="1"/>
-          </p:cNvSpPr>
-          <p:nvPr>
-            <p:ph type="body" sz="half" idx="2"/>
-          </p:nvPr>
-        </p:nvSpPr>
-        <p:spPr>
-          <a:xfrm rot="19140000">
-            <a:off x="1524639" y="2180529"/>
-            <a:ext cx="8128727" cy="740664"/>
-          </a:xfrm>
-        </p:spPr>
-        <p:txBody>
-          <a:bodyPr/>
+          <a:bodyPr>
+            <a:normAutofit/>
+          </a:bodyPr>
           <a:lstStyle>
             <a:lvl1pPr marL="0" indent="0">
               <a:buNone/>
-              <a:defRPr sz="1400">
-                <a:solidFill>
-                  <a:schemeClr val="tx2"/>
-                </a:solidFill>
-              </a:defRPr>
+              <a:defRPr sz="1200"/>
             </a:lvl1pPr>
             <a:lvl2pPr marL="457200" indent="0">
               <a:buNone/>
@@ -3622,6 +5121,88 @@
       </p:sp>
       <p:sp>
         <p:nvSpPr>
+          <p:cNvPr id="9" name="Freeform 11"/>
+          <p:cNvSpPr/>
+          <p:nvPr/>
+        </p:nvSpPr>
+        <p:spPr bwMode="auto">
+          <a:xfrm flipV="1">
+            <a:off x="-4189" y="4911725"/>
+            <a:ext cx="1588527" cy="507297"/>
+          </a:xfrm>
+          <a:custGeom>
+            <a:avLst/>
+            <a:gdLst/>
+            <a:ahLst/>
+            <a:cxnLst/>
+            <a:rect l="l" t="t" r="r" b="b"/>
+            <a:pathLst>
+              <a:path w="9248" h="10000">
+                <a:moveTo>
+                  <a:pt x="9248" y="4701"/>
+                </a:moveTo>
+                <a:lnTo>
+                  <a:pt x="7915" y="188"/>
+                </a:lnTo>
+                <a:cubicBezTo>
+                  <a:pt x="7906" y="156"/>
+                  <a:pt x="7895" y="126"/>
+                  <a:pt x="7886" y="94"/>
+                </a:cubicBezTo>
+                <a:cubicBezTo>
+                  <a:pt x="7859" y="0"/>
+                  <a:pt x="7831" y="0"/>
+                  <a:pt x="7803" y="0"/>
+                </a:cubicBezTo>
+                <a:lnTo>
+                  <a:pt x="7275" y="0"/>
+                </a:lnTo>
+                <a:lnTo>
+                  <a:pt x="0" y="70"/>
+                </a:lnTo>
+                <a:cubicBezTo>
+                  <a:pt x="8" y="3380"/>
+                  <a:pt x="17" y="6690"/>
+                  <a:pt x="25" y="10000"/>
+                </a:cubicBezTo>
+                <a:lnTo>
+                  <a:pt x="7275" y="9966"/>
+                </a:lnTo>
+                <a:lnTo>
+                  <a:pt x="7803" y="9966"/>
+                </a:lnTo>
+                <a:cubicBezTo>
+                  <a:pt x="7831" y="9966"/>
+                  <a:pt x="7859" y="9872"/>
+                  <a:pt x="7886" y="9872"/>
+                </a:cubicBezTo>
+                <a:cubicBezTo>
+                  <a:pt x="7886" y="9778"/>
+                  <a:pt x="7915" y="9778"/>
+                  <a:pt x="7915" y="9778"/>
+                </a:cubicBezTo>
+                <a:lnTo>
+                  <a:pt x="9248" y="5265"/>
+                </a:lnTo>
+                <a:cubicBezTo>
+                  <a:pt x="9303" y="5077"/>
+                  <a:pt x="9303" y="4889"/>
+                  <a:pt x="9248" y="4701"/>
+                </a:cubicBezTo>
+                <a:close/>
+              </a:path>
+            </a:pathLst>
+          </a:custGeom>
+          <a:solidFill>
+            <a:schemeClr val="accent1"/>
+          </a:solidFill>
+          <a:ln>
+            <a:noFill/>
+          </a:ln>
+        </p:spPr>
+      </p:sp>
+      <p:sp>
+        <p:nvSpPr>
           <p:cNvPr id="7" name="Slide Number Placeholder 6"/>
           <p:cNvSpPr>
             <a:spLocks noGrp="1"/>
@@ -3630,7 +5211,12 @@
             <p:ph type="sldNum" sz="quarter" idx="12"/>
           </p:nvPr>
         </p:nvSpPr>
-        <p:spPr/>
+        <p:spPr>
+          <a:xfrm>
+            <a:off x="531812" y="4983087"/>
+            <a:ext cx="779767" cy="365125"/>
+          </a:xfrm>
+        </p:spPr>
         <p:txBody>
           <a:bodyPr/>
           <a:lstStyle/>
@@ -3645,6 +5231,11 @@
         </p:txBody>
       </p:sp>
     </p:spTree>
+    <p:extLst>
+      <p:ext uri="{BB962C8B-B14F-4D97-AF65-F5344CB8AC3E}">
+        <p14:creationId xmlns:p14="http://schemas.microsoft.com/office/powerpoint/2010/main" val="817505736"/>
+      </p:ext>
+    </p:extLst>
   </p:cSld>
   <p:clrMapOvr>
     <a:masterClrMapping/>
@@ -3656,8 +5247,8 @@
 <p:sldMaster xmlns:a="http://schemas.openxmlformats.org/drawingml/2006/main" xmlns:r="http://schemas.openxmlformats.org/officeDocument/2006/relationships" xmlns:p="http://schemas.openxmlformats.org/presentationml/2006/main">
   <p:cSld>
     <p:bg>
-      <p:bgRef idx="1001">
-        <a:schemeClr val="bg1"/>
+      <p:bgRef idx="1003">
+        <a:schemeClr val="bg2"/>
       </p:bgRef>
     </p:bg>
     <p:spTree>
@@ -3674,662 +5265,1845 @@
           <a:chExt cx="0" cy="0"/>
         </a:xfrm>
       </p:grpSpPr>
-      <p:sp>
-        <p:nvSpPr>
-          <p:cNvPr id="7" name="Freeform 6"/>
+      <p:grpSp>
+        <p:nvGrpSpPr>
+          <p:cNvPr id="23" name="Group 22"/>
+          <p:cNvGrpSpPr/>
+          <p:nvPr/>
+        </p:nvGrpSpPr>
+        <p:grpSpPr>
+          <a:xfrm>
+            <a:off x="1" y="228600"/>
+            <a:ext cx="2851516" cy="6638628"/>
+            <a:chOff x="2487613" y="285750"/>
+            <a:chExt cx="2428875" cy="5654676"/>
+          </a:xfrm>
+        </p:grpSpPr>
+        <p:sp>
+          <p:nvSpPr>
+            <p:cNvPr id="24" name="Freeform 11"/>
+            <p:cNvSpPr/>
+            <p:nvPr/>
+          </p:nvSpPr>
+          <p:spPr bwMode="auto">
+            <a:xfrm>
+              <a:off x="2487613" y="2284413"/>
+              <a:ext cx="85725" cy="533400"/>
+            </a:xfrm>
+            <a:custGeom>
+              <a:avLst/>
+              <a:gdLst/>
+              <a:ahLst/>
+              <a:cxnLst/>
+              <a:rect l="0" t="0" r="r" b="b"/>
+              <a:pathLst>
+                <a:path w="22" h="136">
+                  <a:moveTo>
+                    <a:pt x="22" y="136"/>
+                  </a:moveTo>
+                  <a:cubicBezTo>
+                    <a:pt x="20" y="117"/>
+                    <a:pt x="19" y="99"/>
+                    <a:pt x="17" y="80"/>
+                  </a:cubicBezTo>
+                  <a:cubicBezTo>
+                    <a:pt x="11" y="54"/>
+                    <a:pt x="6" y="27"/>
+                    <a:pt x="0" y="0"/>
+                  </a:cubicBezTo>
+                  <a:cubicBezTo>
+                    <a:pt x="0" y="35"/>
+                    <a:pt x="0" y="35"/>
+                    <a:pt x="0" y="35"/>
+                  </a:cubicBezTo>
+                  <a:cubicBezTo>
+                    <a:pt x="6" y="64"/>
+                    <a:pt x="13" y="94"/>
+                    <a:pt x="20" y="124"/>
+                  </a:cubicBezTo>
+                  <a:cubicBezTo>
+                    <a:pt x="20" y="128"/>
+                    <a:pt x="21" y="132"/>
+                    <a:pt x="22" y="136"/>
+                  </a:cubicBezTo>
+                  <a:close/>
+                </a:path>
+              </a:pathLst>
+            </a:custGeom>
+            <a:solidFill>
+              <a:schemeClr val="tx2">
+                <a:alpha val="20000"/>
+              </a:schemeClr>
+            </a:solidFill>
+            <a:ln>
+              <a:noFill/>
+            </a:ln>
+          </p:spPr>
+        </p:sp>
+        <p:sp>
+          <p:nvSpPr>
+            <p:cNvPr id="25" name="Freeform 12"/>
+            <p:cNvSpPr/>
+            <p:nvPr/>
+          </p:nvSpPr>
+          <p:spPr bwMode="auto">
+            <a:xfrm>
+              <a:off x="2597151" y="2779713"/>
+              <a:ext cx="550863" cy="1978025"/>
+            </a:xfrm>
+            <a:custGeom>
+              <a:avLst/>
+              <a:gdLst/>
+              <a:ahLst/>
+              <a:cxnLst/>
+              <a:rect l="0" t="0" r="r" b="b"/>
+              <a:pathLst>
+                <a:path w="140" h="504">
+                  <a:moveTo>
+                    <a:pt x="86" y="350"/>
+                  </a:moveTo>
+                  <a:cubicBezTo>
+                    <a:pt x="103" y="402"/>
+                    <a:pt x="120" y="453"/>
+                    <a:pt x="139" y="504"/>
+                  </a:cubicBezTo>
+                  <a:cubicBezTo>
+                    <a:pt x="139" y="495"/>
+                    <a:pt x="139" y="487"/>
+                    <a:pt x="140" y="478"/>
+                  </a:cubicBezTo>
+                  <a:cubicBezTo>
+                    <a:pt x="124" y="435"/>
+                    <a:pt x="109" y="391"/>
+                    <a:pt x="95" y="347"/>
+                  </a:cubicBezTo>
+                  <a:cubicBezTo>
+                    <a:pt x="58" y="233"/>
+                    <a:pt x="27" y="117"/>
+                    <a:pt x="0" y="0"/>
+                  </a:cubicBezTo>
+                  <a:cubicBezTo>
+                    <a:pt x="2" y="20"/>
+                    <a:pt x="4" y="41"/>
+                    <a:pt x="6" y="61"/>
+                  </a:cubicBezTo>
+                  <a:cubicBezTo>
+                    <a:pt x="30" y="158"/>
+                    <a:pt x="56" y="255"/>
+                    <a:pt x="86" y="350"/>
+                  </a:cubicBezTo>
+                  <a:close/>
+                </a:path>
+              </a:pathLst>
+            </a:custGeom>
+            <a:solidFill>
+              <a:schemeClr val="tx2">
+                <a:alpha val="20000"/>
+              </a:schemeClr>
+            </a:solidFill>
+            <a:ln>
+              <a:noFill/>
+            </a:ln>
+          </p:spPr>
+        </p:sp>
+        <p:sp>
+          <p:nvSpPr>
+            <p:cNvPr id="26" name="Freeform 13"/>
+            <p:cNvSpPr/>
+            <p:nvPr/>
+          </p:nvSpPr>
+          <p:spPr bwMode="auto">
+            <a:xfrm>
+              <a:off x="3175001" y="4730750"/>
+              <a:ext cx="519113" cy="1209675"/>
+            </a:xfrm>
+            <a:custGeom>
+              <a:avLst/>
+              <a:gdLst/>
+              <a:ahLst/>
+              <a:cxnLst/>
+              <a:rect l="0" t="0" r="r" b="b"/>
+              <a:pathLst>
+                <a:path w="132" h="308">
+                  <a:moveTo>
+                    <a:pt x="8" y="22"/>
+                  </a:moveTo>
+                  <a:cubicBezTo>
+                    <a:pt x="5" y="15"/>
+                    <a:pt x="2" y="8"/>
+                    <a:pt x="0" y="0"/>
+                  </a:cubicBezTo>
+                  <a:cubicBezTo>
+                    <a:pt x="0" y="10"/>
+                    <a:pt x="0" y="19"/>
+                    <a:pt x="0" y="29"/>
+                  </a:cubicBezTo>
+                  <a:cubicBezTo>
+                    <a:pt x="21" y="85"/>
+                    <a:pt x="44" y="140"/>
+                    <a:pt x="68" y="194"/>
+                  </a:cubicBezTo>
+                  <a:cubicBezTo>
+                    <a:pt x="85" y="232"/>
+                    <a:pt x="104" y="270"/>
+                    <a:pt x="123" y="308"/>
+                  </a:cubicBezTo>
+                  <a:cubicBezTo>
+                    <a:pt x="132" y="308"/>
+                    <a:pt x="132" y="308"/>
+                    <a:pt x="132" y="308"/>
+                  </a:cubicBezTo>
+                  <a:cubicBezTo>
+                    <a:pt x="113" y="269"/>
+                    <a:pt x="94" y="230"/>
+                    <a:pt x="77" y="190"/>
+                  </a:cubicBezTo>
+                  <a:cubicBezTo>
+                    <a:pt x="52" y="135"/>
+                    <a:pt x="29" y="79"/>
+                    <a:pt x="8" y="22"/>
+                  </a:cubicBezTo>
+                  <a:close/>
+                </a:path>
+              </a:pathLst>
+            </a:custGeom>
+            <a:solidFill>
+              <a:schemeClr val="tx2">
+                <a:alpha val="20000"/>
+              </a:schemeClr>
+            </a:solidFill>
+            <a:ln>
+              <a:noFill/>
+            </a:ln>
+          </p:spPr>
+        </p:sp>
+        <p:sp>
+          <p:nvSpPr>
+            <p:cNvPr id="27" name="Freeform 14"/>
+            <p:cNvSpPr/>
+            <p:nvPr/>
+          </p:nvSpPr>
+          <p:spPr bwMode="auto">
+            <a:xfrm>
+              <a:off x="3305176" y="5630863"/>
+              <a:ext cx="146050" cy="309563"/>
+            </a:xfrm>
+            <a:custGeom>
+              <a:avLst/>
+              <a:gdLst/>
+              <a:ahLst/>
+              <a:cxnLst/>
+              <a:rect l="0" t="0" r="r" b="b"/>
+              <a:pathLst>
+                <a:path w="37" h="79">
+                  <a:moveTo>
+                    <a:pt x="28" y="79"/>
+                  </a:moveTo>
+                  <a:cubicBezTo>
+                    <a:pt x="37" y="79"/>
+                    <a:pt x="37" y="79"/>
+                    <a:pt x="37" y="79"/>
+                  </a:cubicBezTo>
+                  <a:cubicBezTo>
+                    <a:pt x="24" y="53"/>
+                    <a:pt x="12" y="27"/>
+                    <a:pt x="0" y="0"/>
+                  </a:cubicBezTo>
+                  <a:cubicBezTo>
+                    <a:pt x="8" y="27"/>
+                    <a:pt x="17" y="53"/>
+                    <a:pt x="28" y="79"/>
+                  </a:cubicBezTo>
+                  <a:close/>
+                </a:path>
+              </a:pathLst>
+            </a:custGeom>
+            <a:solidFill>
+              <a:schemeClr val="tx2">
+                <a:alpha val="20000"/>
+              </a:schemeClr>
+            </a:solidFill>
+            <a:ln>
+              <a:noFill/>
+            </a:ln>
+          </p:spPr>
+        </p:sp>
+        <p:sp>
+          <p:nvSpPr>
+            <p:cNvPr id="28" name="Freeform 15"/>
+            <p:cNvSpPr/>
+            <p:nvPr/>
+          </p:nvSpPr>
+          <p:spPr bwMode="auto">
+            <a:xfrm>
+              <a:off x="2573338" y="2817813"/>
+              <a:ext cx="700088" cy="2835275"/>
+            </a:xfrm>
+            <a:custGeom>
+              <a:avLst/>
+              <a:gdLst/>
+              <a:ahLst/>
+              <a:cxnLst/>
+              <a:rect l="0" t="0" r="r" b="b"/>
+              <a:pathLst>
+                <a:path w="178" h="722">
+                  <a:moveTo>
+                    <a:pt x="162" y="660"/>
+                  </a:moveTo>
+                  <a:cubicBezTo>
+                    <a:pt x="145" y="618"/>
+                    <a:pt x="130" y="576"/>
+                    <a:pt x="116" y="534"/>
+                  </a:cubicBezTo>
+                  <a:cubicBezTo>
+                    <a:pt x="84" y="437"/>
+                    <a:pt x="59" y="337"/>
+                    <a:pt x="40" y="236"/>
+                  </a:cubicBezTo>
+                  <a:cubicBezTo>
+                    <a:pt x="29" y="175"/>
+                    <a:pt x="20" y="113"/>
+                    <a:pt x="12" y="51"/>
+                  </a:cubicBezTo>
+                  <a:cubicBezTo>
+                    <a:pt x="8" y="34"/>
+                    <a:pt x="4" y="17"/>
+                    <a:pt x="0" y="0"/>
+                  </a:cubicBezTo>
+                  <a:cubicBezTo>
+                    <a:pt x="8" y="79"/>
+                    <a:pt x="19" y="159"/>
+                    <a:pt x="33" y="237"/>
+                  </a:cubicBezTo>
+                  <a:cubicBezTo>
+                    <a:pt x="51" y="339"/>
+                    <a:pt x="76" y="439"/>
+                    <a:pt x="107" y="537"/>
+                  </a:cubicBezTo>
+                  <a:cubicBezTo>
+                    <a:pt x="123" y="586"/>
+                    <a:pt x="141" y="634"/>
+                    <a:pt x="160" y="681"/>
+                  </a:cubicBezTo>
+                  <a:cubicBezTo>
+                    <a:pt x="166" y="695"/>
+                    <a:pt x="172" y="708"/>
+                    <a:pt x="178" y="722"/>
+                  </a:cubicBezTo>
+                  <a:cubicBezTo>
+                    <a:pt x="176" y="717"/>
+                    <a:pt x="175" y="713"/>
+                    <a:pt x="174" y="708"/>
+                  </a:cubicBezTo>
+                  <a:cubicBezTo>
+                    <a:pt x="169" y="692"/>
+                    <a:pt x="165" y="676"/>
+                    <a:pt x="162" y="660"/>
+                  </a:cubicBezTo>
+                  <a:close/>
+                </a:path>
+              </a:pathLst>
+            </a:custGeom>
+            <a:solidFill>
+              <a:schemeClr val="tx2">
+                <a:alpha val="20000"/>
+              </a:schemeClr>
+            </a:solidFill>
+            <a:ln>
+              <a:noFill/>
+            </a:ln>
+          </p:spPr>
+        </p:sp>
+        <p:sp>
+          <p:nvSpPr>
+            <p:cNvPr id="29" name="Freeform 16"/>
+            <p:cNvSpPr/>
+            <p:nvPr/>
+          </p:nvSpPr>
+          <p:spPr bwMode="auto">
+            <a:xfrm>
+              <a:off x="2506663" y="285750"/>
+              <a:ext cx="90488" cy="2493963"/>
+            </a:xfrm>
+            <a:custGeom>
+              <a:avLst/>
+              <a:gdLst/>
+              <a:ahLst/>
+              <a:cxnLst/>
+              <a:rect l="0" t="0" r="r" b="b"/>
+              <a:pathLst>
+                <a:path w="23" h="635">
+                  <a:moveTo>
+                    <a:pt x="11" y="577"/>
+                  </a:moveTo>
+                  <a:cubicBezTo>
+                    <a:pt x="12" y="581"/>
+                    <a:pt x="12" y="585"/>
+                    <a:pt x="12" y="589"/>
+                  </a:cubicBezTo>
+                  <a:cubicBezTo>
+                    <a:pt x="15" y="603"/>
+                    <a:pt x="19" y="617"/>
+                    <a:pt x="22" y="632"/>
+                  </a:cubicBezTo>
+                  <a:cubicBezTo>
+                    <a:pt x="22" y="633"/>
+                    <a:pt x="22" y="634"/>
+                    <a:pt x="23" y="635"/>
+                  </a:cubicBezTo>
+                  <a:cubicBezTo>
+                    <a:pt x="21" y="615"/>
+                    <a:pt x="19" y="596"/>
+                    <a:pt x="17" y="576"/>
+                  </a:cubicBezTo>
+                  <a:cubicBezTo>
+                    <a:pt x="9" y="474"/>
+                    <a:pt x="5" y="372"/>
+                    <a:pt x="5" y="269"/>
+                  </a:cubicBezTo>
+                  <a:cubicBezTo>
+                    <a:pt x="6" y="179"/>
+                    <a:pt x="9" y="90"/>
+                    <a:pt x="15" y="0"/>
+                  </a:cubicBezTo>
+                  <a:cubicBezTo>
+                    <a:pt x="12" y="0"/>
+                    <a:pt x="12" y="0"/>
+                    <a:pt x="12" y="0"/>
+                  </a:cubicBezTo>
+                  <a:cubicBezTo>
+                    <a:pt x="5" y="89"/>
+                    <a:pt x="2" y="179"/>
+                    <a:pt x="1" y="269"/>
+                  </a:cubicBezTo>
+                  <a:cubicBezTo>
+                    <a:pt x="0" y="372"/>
+                    <a:pt x="3" y="474"/>
+                    <a:pt x="11" y="577"/>
+                  </a:cubicBezTo>
+                  <a:close/>
+                </a:path>
+              </a:pathLst>
+            </a:custGeom>
+            <a:solidFill>
+              <a:schemeClr val="tx2">
+                <a:alpha val="20000"/>
+              </a:schemeClr>
+            </a:solidFill>
+            <a:ln>
+              <a:noFill/>
+            </a:ln>
+          </p:spPr>
+        </p:sp>
+        <p:sp>
+          <p:nvSpPr>
+            <p:cNvPr id="30" name="Freeform 17"/>
+            <p:cNvSpPr/>
+            <p:nvPr/>
+          </p:nvSpPr>
+          <p:spPr bwMode="auto">
+            <a:xfrm>
+              <a:off x="2554288" y="2598738"/>
+              <a:ext cx="66675" cy="420688"/>
+            </a:xfrm>
+            <a:custGeom>
+              <a:avLst/>
+              <a:gdLst/>
+              <a:ahLst/>
+              <a:cxnLst/>
+              <a:rect l="0" t="0" r="r" b="b"/>
+              <a:pathLst>
+                <a:path w="17" h="107">
+                  <a:moveTo>
+                    <a:pt x="0" y="0"/>
+                  </a:moveTo>
+                  <a:cubicBezTo>
+                    <a:pt x="2" y="19"/>
+                    <a:pt x="3" y="37"/>
+                    <a:pt x="5" y="56"/>
+                  </a:cubicBezTo>
+                  <a:cubicBezTo>
+                    <a:pt x="9" y="73"/>
+                    <a:pt x="13" y="90"/>
+                    <a:pt x="17" y="107"/>
+                  </a:cubicBezTo>
+                  <a:cubicBezTo>
+                    <a:pt x="15" y="87"/>
+                    <a:pt x="13" y="66"/>
+                    <a:pt x="11" y="46"/>
+                  </a:cubicBezTo>
+                  <a:cubicBezTo>
+                    <a:pt x="10" y="45"/>
+                    <a:pt x="10" y="44"/>
+                    <a:pt x="10" y="43"/>
+                  </a:cubicBezTo>
+                  <a:cubicBezTo>
+                    <a:pt x="7" y="28"/>
+                    <a:pt x="3" y="14"/>
+                    <a:pt x="0" y="0"/>
+                  </a:cubicBezTo>
+                  <a:close/>
+                </a:path>
+              </a:pathLst>
+            </a:custGeom>
+            <a:solidFill>
+              <a:schemeClr val="tx2">
+                <a:alpha val="20000"/>
+              </a:schemeClr>
+            </a:solidFill>
+            <a:ln>
+              <a:noFill/>
+            </a:ln>
+          </p:spPr>
+        </p:sp>
+        <p:sp>
+          <p:nvSpPr>
+            <p:cNvPr id="31" name="Freeform 18"/>
+            <p:cNvSpPr/>
+            <p:nvPr/>
+          </p:nvSpPr>
+          <p:spPr bwMode="auto">
+            <a:xfrm>
+              <a:off x="3143251" y="4757738"/>
+              <a:ext cx="161925" cy="873125"/>
+            </a:xfrm>
+            <a:custGeom>
+              <a:avLst/>
+              <a:gdLst/>
+              <a:ahLst/>
+              <a:cxnLst/>
+              <a:rect l="0" t="0" r="r" b="b"/>
+              <a:pathLst>
+                <a:path w="41" h="222">
+                  <a:moveTo>
+                    <a:pt x="0" y="0"/>
+                  </a:moveTo>
+                  <a:cubicBezTo>
+                    <a:pt x="0" y="31"/>
+                    <a:pt x="2" y="62"/>
+                    <a:pt x="5" y="93"/>
+                  </a:cubicBezTo>
+                  <a:cubicBezTo>
+                    <a:pt x="8" y="117"/>
+                    <a:pt x="12" y="142"/>
+                    <a:pt x="17" y="166"/>
+                  </a:cubicBezTo>
+                  <a:cubicBezTo>
+                    <a:pt x="19" y="172"/>
+                    <a:pt x="22" y="178"/>
+                    <a:pt x="24" y="184"/>
+                  </a:cubicBezTo>
+                  <a:cubicBezTo>
+                    <a:pt x="30" y="197"/>
+                    <a:pt x="35" y="209"/>
+                    <a:pt x="41" y="222"/>
+                  </a:cubicBezTo>
+                  <a:cubicBezTo>
+                    <a:pt x="40" y="219"/>
+                    <a:pt x="39" y="215"/>
+                    <a:pt x="38" y="212"/>
+                  </a:cubicBezTo>
+                  <a:cubicBezTo>
+                    <a:pt x="26" y="172"/>
+                    <a:pt x="18" y="132"/>
+                    <a:pt x="13" y="92"/>
+                  </a:cubicBezTo>
+                  <a:cubicBezTo>
+                    <a:pt x="11" y="68"/>
+                    <a:pt x="9" y="45"/>
+                    <a:pt x="8" y="22"/>
+                  </a:cubicBezTo>
+                  <a:cubicBezTo>
+                    <a:pt x="8" y="21"/>
+                    <a:pt x="7" y="20"/>
+                    <a:pt x="7" y="18"/>
+                  </a:cubicBezTo>
+                  <a:cubicBezTo>
+                    <a:pt x="5" y="12"/>
+                    <a:pt x="2" y="6"/>
+                    <a:pt x="0" y="0"/>
+                  </a:cubicBezTo>
+                  <a:close/>
+                </a:path>
+              </a:pathLst>
+            </a:custGeom>
+            <a:solidFill>
+              <a:schemeClr val="tx2">
+                <a:alpha val="20000"/>
+              </a:schemeClr>
+            </a:solidFill>
+            <a:ln>
+              <a:noFill/>
+            </a:ln>
+          </p:spPr>
+        </p:sp>
+        <p:sp>
+          <p:nvSpPr>
+            <p:cNvPr id="32" name="Freeform 19"/>
+            <p:cNvSpPr/>
+            <p:nvPr/>
+          </p:nvSpPr>
+          <p:spPr bwMode="auto">
+            <a:xfrm>
+              <a:off x="3148013" y="1282700"/>
+              <a:ext cx="1768475" cy="3448050"/>
+            </a:xfrm>
+            <a:custGeom>
+              <a:avLst/>
+              <a:gdLst/>
+              <a:ahLst/>
+              <a:cxnLst/>
+              <a:rect l="0" t="0" r="r" b="b"/>
+              <a:pathLst>
+                <a:path w="450" h="878">
+                  <a:moveTo>
+                    <a:pt x="7" y="854"/>
+                  </a:moveTo>
+                  <a:cubicBezTo>
+                    <a:pt x="10" y="772"/>
+                    <a:pt x="26" y="691"/>
+                    <a:pt x="50" y="613"/>
+                  </a:cubicBezTo>
+                  <a:cubicBezTo>
+                    <a:pt x="75" y="535"/>
+                    <a:pt x="109" y="460"/>
+                    <a:pt x="149" y="388"/>
+                  </a:cubicBezTo>
+                  <a:cubicBezTo>
+                    <a:pt x="189" y="316"/>
+                    <a:pt x="235" y="248"/>
+                    <a:pt x="285" y="183"/>
+                  </a:cubicBezTo>
+                  <a:cubicBezTo>
+                    <a:pt x="310" y="151"/>
+                    <a:pt x="337" y="119"/>
+                    <a:pt x="364" y="89"/>
+                  </a:cubicBezTo>
+                  <a:cubicBezTo>
+                    <a:pt x="378" y="74"/>
+                    <a:pt x="392" y="58"/>
+                    <a:pt x="406" y="44"/>
+                  </a:cubicBezTo>
+                  <a:cubicBezTo>
+                    <a:pt x="421" y="29"/>
+                    <a:pt x="435" y="15"/>
+                    <a:pt x="450" y="1"/>
+                  </a:cubicBezTo>
+                  <a:cubicBezTo>
+                    <a:pt x="450" y="0"/>
+                    <a:pt x="450" y="0"/>
+                    <a:pt x="450" y="0"/>
+                  </a:cubicBezTo>
+                  <a:cubicBezTo>
+                    <a:pt x="434" y="14"/>
+                    <a:pt x="420" y="28"/>
+                    <a:pt x="405" y="43"/>
+                  </a:cubicBezTo>
+                  <a:cubicBezTo>
+                    <a:pt x="391" y="57"/>
+                    <a:pt x="377" y="72"/>
+                    <a:pt x="363" y="88"/>
+                  </a:cubicBezTo>
+                  <a:cubicBezTo>
+                    <a:pt x="335" y="118"/>
+                    <a:pt x="308" y="149"/>
+                    <a:pt x="283" y="181"/>
+                  </a:cubicBezTo>
+                  <a:cubicBezTo>
+                    <a:pt x="232" y="246"/>
+                    <a:pt x="185" y="314"/>
+                    <a:pt x="145" y="386"/>
+                  </a:cubicBezTo>
+                  <a:cubicBezTo>
+                    <a:pt x="104" y="457"/>
+                    <a:pt x="70" y="533"/>
+                    <a:pt x="45" y="611"/>
+                  </a:cubicBezTo>
+                  <a:cubicBezTo>
+                    <a:pt x="19" y="690"/>
+                    <a:pt x="3" y="771"/>
+                    <a:pt x="0" y="854"/>
+                  </a:cubicBezTo>
+                  <a:cubicBezTo>
+                    <a:pt x="0" y="856"/>
+                    <a:pt x="0" y="857"/>
+                    <a:pt x="0" y="859"/>
+                  </a:cubicBezTo>
+                  <a:cubicBezTo>
+                    <a:pt x="2" y="865"/>
+                    <a:pt x="4" y="872"/>
+                    <a:pt x="7" y="878"/>
+                  </a:cubicBezTo>
+                  <a:cubicBezTo>
+                    <a:pt x="7" y="870"/>
+                    <a:pt x="7" y="862"/>
+                    <a:pt x="7" y="854"/>
+                  </a:cubicBezTo>
+                  <a:close/>
+                </a:path>
+              </a:pathLst>
+            </a:custGeom>
+            <a:solidFill>
+              <a:schemeClr val="tx2">
+                <a:alpha val="20000"/>
+              </a:schemeClr>
+            </a:solidFill>
+            <a:ln>
+              <a:noFill/>
+            </a:ln>
+          </p:spPr>
+        </p:sp>
+        <p:sp>
+          <p:nvSpPr>
+            <p:cNvPr id="33" name="Freeform 20"/>
+            <p:cNvSpPr/>
+            <p:nvPr/>
+          </p:nvSpPr>
+          <p:spPr bwMode="auto">
+            <a:xfrm>
+              <a:off x="3273426" y="5653088"/>
+              <a:ext cx="138113" cy="287338"/>
+            </a:xfrm>
+            <a:custGeom>
+              <a:avLst/>
+              <a:gdLst/>
+              <a:ahLst/>
+              <a:cxnLst/>
+              <a:rect l="0" t="0" r="r" b="b"/>
+              <a:pathLst>
+                <a:path w="35" h="73">
+                  <a:moveTo>
+                    <a:pt x="0" y="0"/>
+                  </a:moveTo>
+                  <a:cubicBezTo>
+                    <a:pt x="7" y="24"/>
+                    <a:pt x="16" y="49"/>
+                    <a:pt x="26" y="73"/>
+                  </a:cubicBezTo>
+                  <a:cubicBezTo>
+                    <a:pt x="35" y="73"/>
+                    <a:pt x="35" y="73"/>
+                    <a:pt x="35" y="73"/>
+                  </a:cubicBezTo>
+                  <a:cubicBezTo>
+                    <a:pt x="23" y="49"/>
+                    <a:pt x="11" y="24"/>
+                    <a:pt x="0" y="0"/>
+                  </a:cubicBezTo>
+                  <a:close/>
+                </a:path>
+              </a:pathLst>
+            </a:custGeom>
+            <a:solidFill>
+              <a:schemeClr val="tx2">
+                <a:alpha val="20000"/>
+              </a:schemeClr>
+            </a:solidFill>
+            <a:ln>
+              <a:noFill/>
+            </a:ln>
+          </p:spPr>
+        </p:sp>
+        <p:sp>
+          <p:nvSpPr>
+            <p:cNvPr id="34" name="Freeform 21"/>
+            <p:cNvSpPr/>
+            <p:nvPr/>
+          </p:nvSpPr>
+          <p:spPr bwMode="auto">
+            <a:xfrm>
+              <a:off x="3143251" y="4656138"/>
+              <a:ext cx="31750" cy="188913"/>
+            </a:xfrm>
+            <a:custGeom>
+              <a:avLst/>
+              <a:gdLst/>
+              <a:ahLst/>
+              <a:cxnLst/>
+              <a:rect l="0" t="0" r="r" b="b"/>
+              <a:pathLst>
+                <a:path w="8" h="48">
+                  <a:moveTo>
+                    <a:pt x="7" y="44"/>
+                  </a:moveTo>
+                  <a:cubicBezTo>
+                    <a:pt x="7" y="46"/>
+                    <a:pt x="8" y="47"/>
+                    <a:pt x="8" y="48"/>
+                  </a:cubicBezTo>
+                  <a:cubicBezTo>
+                    <a:pt x="8" y="38"/>
+                    <a:pt x="8" y="29"/>
+                    <a:pt x="8" y="19"/>
+                  </a:cubicBezTo>
+                  <a:cubicBezTo>
+                    <a:pt x="5" y="13"/>
+                    <a:pt x="3" y="6"/>
+                    <a:pt x="1" y="0"/>
+                  </a:cubicBezTo>
+                  <a:cubicBezTo>
+                    <a:pt x="0" y="9"/>
+                    <a:pt x="0" y="17"/>
+                    <a:pt x="0" y="26"/>
+                  </a:cubicBezTo>
+                  <a:cubicBezTo>
+                    <a:pt x="2" y="32"/>
+                    <a:pt x="5" y="38"/>
+                    <a:pt x="7" y="44"/>
+                  </a:cubicBezTo>
+                  <a:close/>
+                </a:path>
+              </a:pathLst>
+            </a:custGeom>
+            <a:solidFill>
+              <a:schemeClr val="tx2">
+                <a:alpha val="20000"/>
+              </a:schemeClr>
+            </a:solidFill>
+            <a:ln>
+              <a:noFill/>
+            </a:ln>
+          </p:spPr>
+        </p:sp>
+        <p:sp>
+          <p:nvSpPr>
+            <p:cNvPr id="35" name="Freeform 22"/>
+            <p:cNvSpPr/>
+            <p:nvPr/>
+          </p:nvSpPr>
+          <p:spPr bwMode="auto">
+            <a:xfrm>
+              <a:off x="3211513" y="5410200"/>
+              <a:ext cx="203200" cy="530225"/>
+            </a:xfrm>
+            <a:custGeom>
+              <a:avLst/>
+              <a:gdLst/>
+              <a:ahLst/>
+              <a:cxnLst/>
+              <a:rect l="0" t="0" r="r" b="b"/>
+              <a:pathLst>
+                <a:path w="52" h="135">
+                  <a:moveTo>
+                    <a:pt x="7" y="18"/>
+                  </a:moveTo>
+                  <a:cubicBezTo>
+                    <a:pt x="5" y="12"/>
+                    <a:pt x="2" y="6"/>
+                    <a:pt x="0" y="0"/>
+                  </a:cubicBezTo>
+                  <a:cubicBezTo>
+                    <a:pt x="3" y="16"/>
+                    <a:pt x="7" y="32"/>
+                    <a:pt x="12" y="48"/>
+                  </a:cubicBezTo>
+                  <a:cubicBezTo>
+                    <a:pt x="13" y="53"/>
+                    <a:pt x="14" y="57"/>
+                    <a:pt x="16" y="62"/>
+                  </a:cubicBezTo>
+                  <a:cubicBezTo>
+                    <a:pt x="27" y="86"/>
+                    <a:pt x="39" y="111"/>
+                    <a:pt x="51" y="135"/>
+                  </a:cubicBezTo>
+                  <a:cubicBezTo>
+                    <a:pt x="52" y="135"/>
+                    <a:pt x="52" y="135"/>
+                    <a:pt x="52" y="135"/>
+                  </a:cubicBezTo>
+                  <a:cubicBezTo>
+                    <a:pt x="41" y="109"/>
+                    <a:pt x="32" y="83"/>
+                    <a:pt x="24" y="56"/>
+                  </a:cubicBezTo>
+                  <a:cubicBezTo>
+                    <a:pt x="18" y="43"/>
+                    <a:pt x="13" y="31"/>
+                    <a:pt x="7" y="18"/>
+                  </a:cubicBezTo>
+                  <a:close/>
+                </a:path>
+              </a:pathLst>
+            </a:custGeom>
+            <a:solidFill>
+              <a:schemeClr val="tx2">
+                <a:alpha val="20000"/>
+              </a:schemeClr>
+            </a:solidFill>
+            <a:ln>
+              <a:noFill/>
+            </a:ln>
+          </p:spPr>
+        </p:sp>
+      </p:grpSp>
+      <p:grpSp>
+        <p:nvGrpSpPr>
+          <p:cNvPr id="10" name="Group 9"/>
+          <p:cNvGrpSpPr/>
+          <p:nvPr/>
+        </p:nvGrpSpPr>
+        <p:grpSpPr>
+          <a:xfrm>
+            <a:off x="27221" y="-786"/>
+            <a:ext cx="2356674" cy="6854039"/>
+            <a:chOff x="6627813" y="194833"/>
+            <a:chExt cx="1952625" cy="5678918"/>
+          </a:xfrm>
+        </p:grpSpPr>
+        <p:sp>
+          <p:nvSpPr>
+            <p:cNvPr id="11" name="Freeform 27"/>
+            <p:cNvSpPr/>
+            <p:nvPr/>
+          </p:nvSpPr>
+          <p:spPr bwMode="auto">
+            <a:xfrm>
+              <a:off x="6627813" y="194833"/>
+              <a:ext cx="409575" cy="3646488"/>
+            </a:xfrm>
+            <a:custGeom>
+              <a:avLst/>
+              <a:gdLst/>
+              <a:ahLst/>
+              <a:cxnLst/>
+              <a:rect l="0" t="0" r="r" b="b"/>
+              <a:pathLst>
+                <a:path w="103" h="920">
+                  <a:moveTo>
+                    <a:pt x="7" y="210"/>
+                  </a:moveTo>
+                  <a:cubicBezTo>
+                    <a:pt x="11" y="288"/>
+                    <a:pt x="17" y="367"/>
+                    <a:pt x="26" y="445"/>
+                  </a:cubicBezTo>
+                  <a:cubicBezTo>
+                    <a:pt x="34" y="523"/>
+                    <a:pt x="44" y="601"/>
+                    <a:pt x="57" y="679"/>
+                  </a:cubicBezTo>
+                  <a:cubicBezTo>
+                    <a:pt x="69" y="757"/>
+                    <a:pt x="84" y="834"/>
+                    <a:pt x="101" y="911"/>
+                  </a:cubicBezTo>
+                  <a:cubicBezTo>
+                    <a:pt x="102" y="914"/>
+                    <a:pt x="103" y="917"/>
+                    <a:pt x="103" y="920"/>
+                  </a:cubicBezTo>
+                  <a:cubicBezTo>
+                    <a:pt x="102" y="905"/>
+                    <a:pt x="100" y="889"/>
+                    <a:pt x="99" y="874"/>
+                  </a:cubicBezTo>
+                  <a:cubicBezTo>
+                    <a:pt x="99" y="871"/>
+                    <a:pt x="99" y="868"/>
+                    <a:pt x="99" y="866"/>
+                  </a:cubicBezTo>
+                  <a:cubicBezTo>
+                    <a:pt x="85" y="803"/>
+                    <a:pt x="73" y="741"/>
+                    <a:pt x="63" y="678"/>
+                  </a:cubicBezTo>
+                  <a:cubicBezTo>
+                    <a:pt x="50" y="600"/>
+                    <a:pt x="39" y="523"/>
+                    <a:pt x="30" y="444"/>
+                  </a:cubicBezTo>
+                  <a:cubicBezTo>
+                    <a:pt x="21" y="366"/>
+                    <a:pt x="14" y="288"/>
+                    <a:pt x="9" y="209"/>
+                  </a:cubicBezTo>
+                  <a:cubicBezTo>
+                    <a:pt x="7" y="170"/>
+                    <a:pt x="5" y="131"/>
+                    <a:pt x="3" y="92"/>
+                  </a:cubicBezTo>
+                  <a:cubicBezTo>
+                    <a:pt x="2" y="61"/>
+                    <a:pt x="1" y="31"/>
+                    <a:pt x="1" y="0"/>
+                  </a:cubicBezTo>
+                  <a:cubicBezTo>
+                    <a:pt x="0" y="0"/>
+                    <a:pt x="0" y="0"/>
+                    <a:pt x="0" y="0"/>
+                  </a:cubicBezTo>
+                  <a:cubicBezTo>
+                    <a:pt x="0" y="31"/>
+                    <a:pt x="1" y="61"/>
+                    <a:pt x="1" y="92"/>
+                  </a:cubicBezTo>
+                  <a:cubicBezTo>
+                    <a:pt x="3" y="131"/>
+                    <a:pt x="4" y="170"/>
+                    <a:pt x="7" y="210"/>
+                  </a:cubicBezTo>
+                  <a:close/>
+                </a:path>
+              </a:pathLst>
+            </a:custGeom>
+            <a:solidFill>
+              <a:schemeClr val="tx2"/>
+            </a:solidFill>
+            <a:ln>
+              <a:noFill/>
+            </a:ln>
+          </p:spPr>
+        </p:sp>
+        <p:sp>
+          <p:nvSpPr>
+            <p:cNvPr id="12" name="Freeform 28"/>
+            <p:cNvSpPr/>
+            <p:nvPr/>
+          </p:nvSpPr>
+          <p:spPr bwMode="auto">
+            <a:xfrm>
+              <a:off x="7061201" y="3771900"/>
+              <a:ext cx="350838" cy="1309688"/>
+            </a:xfrm>
+            <a:custGeom>
+              <a:avLst/>
+              <a:gdLst/>
+              <a:ahLst/>
+              <a:cxnLst/>
+              <a:rect l="0" t="0" r="r" b="b"/>
+              <a:pathLst>
+                <a:path w="88" h="330">
+                  <a:moveTo>
+                    <a:pt x="53" y="229"/>
+                  </a:moveTo>
+                  <a:cubicBezTo>
+                    <a:pt x="64" y="263"/>
+                    <a:pt x="75" y="297"/>
+                    <a:pt x="88" y="330"/>
+                  </a:cubicBezTo>
+                  <a:cubicBezTo>
+                    <a:pt x="88" y="323"/>
+                    <a:pt x="88" y="315"/>
+                    <a:pt x="88" y="308"/>
+                  </a:cubicBezTo>
+                  <a:cubicBezTo>
+                    <a:pt x="88" y="307"/>
+                    <a:pt x="88" y="305"/>
+                    <a:pt x="88" y="304"/>
+                  </a:cubicBezTo>
+                  <a:cubicBezTo>
+                    <a:pt x="79" y="278"/>
+                    <a:pt x="70" y="252"/>
+                    <a:pt x="62" y="226"/>
+                  </a:cubicBezTo>
+                  <a:cubicBezTo>
+                    <a:pt x="38" y="152"/>
+                    <a:pt x="17" y="76"/>
+                    <a:pt x="0" y="0"/>
+                  </a:cubicBezTo>
+                  <a:cubicBezTo>
+                    <a:pt x="2" y="21"/>
+                    <a:pt x="4" y="42"/>
+                    <a:pt x="7" y="63"/>
+                  </a:cubicBezTo>
+                  <a:cubicBezTo>
+                    <a:pt x="21" y="119"/>
+                    <a:pt x="36" y="174"/>
+                    <a:pt x="53" y="229"/>
+                  </a:cubicBezTo>
+                  <a:close/>
+                </a:path>
+              </a:pathLst>
+            </a:custGeom>
+            <a:solidFill>
+              <a:schemeClr val="tx2"/>
+            </a:solidFill>
+            <a:ln>
+              <a:noFill/>
+            </a:ln>
+          </p:spPr>
+        </p:sp>
+        <p:sp>
+          <p:nvSpPr>
+            <p:cNvPr id="13" name="Freeform 29"/>
+            <p:cNvSpPr/>
+            <p:nvPr/>
+          </p:nvSpPr>
+          <p:spPr bwMode="auto">
+            <a:xfrm>
+              <a:off x="7439026" y="5053013"/>
+              <a:ext cx="357188" cy="820738"/>
+            </a:xfrm>
+            <a:custGeom>
+              <a:avLst/>
+              <a:gdLst/>
+              <a:ahLst/>
+              <a:cxnLst/>
+              <a:rect l="0" t="0" r="r" b="b"/>
+              <a:pathLst>
+                <a:path w="90" h="207">
+                  <a:moveTo>
+                    <a:pt x="6" y="15"/>
+                  </a:moveTo>
+                  <a:cubicBezTo>
+                    <a:pt x="4" y="10"/>
+                    <a:pt x="2" y="5"/>
+                    <a:pt x="0" y="0"/>
+                  </a:cubicBezTo>
+                  <a:cubicBezTo>
+                    <a:pt x="0" y="9"/>
+                    <a:pt x="0" y="19"/>
+                    <a:pt x="1" y="29"/>
+                  </a:cubicBezTo>
+                  <a:cubicBezTo>
+                    <a:pt x="14" y="62"/>
+                    <a:pt x="27" y="95"/>
+                    <a:pt x="42" y="127"/>
+                  </a:cubicBezTo>
+                  <a:cubicBezTo>
+                    <a:pt x="54" y="154"/>
+                    <a:pt x="67" y="181"/>
+                    <a:pt x="80" y="207"/>
+                  </a:cubicBezTo>
+                  <a:cubicBezTo>
+                    <a:pt x="90" y="207"/>
+                    <a:pt x="90" y="207"/>
+                    <a:pt x="90" y="207"/>
+                  </a:cubicBezTo>
+                  <a:cubicBezTo>
+                    <a:pt x="76" y="180"/>
+                    <a:pt x="63" y="152"/>
+                    <a:pt x="50" y="123"/>
+                  </a:cubicBezTo>
+                  <a:cubicBezTo>
+                    <a:pt x="34" y="88"/>
+                    <a:pt x="20" y="51"/>
+                    <a:pt x="6" y="15"/>
+                  </a:cubicBezTo>
+                  <a:close/>
+                </a:path>
+              </a:pathLst>
+            </a:custGeom>
+            <a:solidFill>
+              <a:schemeClr val="tx2"/>
+            </a:solidFill>
+            <a:ln>
+              <a:noFill/>
+            </a:ln>
+          </p:spPr>
+        </p:sp>
+        <p:sp>
+          <p:nvSpPr>
+            <p:cNvPr id="14" name="Freeform 30"/>
+            <p:cNvSpPr/>
+            <p:nvPr/>
+          </p:nvSpPr>
+          <p:spPr bwMode="auto">
+            <a:xfrm>
+              <a:off x="7037388" y="3811588"/>
+              <a:ext cx="457200" cy="1852613"/>
+            </a:xfrm>
+            <a:custGeom>
+              <a:avLst/>
+              <a:gdLst/>
+              <a:ahLst/>
+              <a:cxnLst/>
+              <a:rect l="0" t="0" r="r" b="b"/>
+              <a:pathLst>
+                <a:path w="115" h="467">
+                  <a:moveTo>
+                    <a:pt x="101" y="409"/>
+                  </a:moveTo>
+                  <a:cubicBezTo>
+                    <a:pt x="93" y="388"/>
+                    <a:pt x="85" y="366"/>
+                    <a:pt x="78" y="344"/>
+                  </a:cubicBezTo>
+                  <a:cubicBezTo>
+                    <a:pt x="57" y="281"/>
+                    <a:pt x="41" y="216"/>
+                    <a:pt x="29" y="151"/>
+                  </a:cubicBezTo>
+                  <a:cubicBezTo>
+                    <a:pt x="22" y="119"/>
+                    <a:pt x="17" y="86"/>
+                    <a:pt x="13" y="53"/>
+                  </a:cubicBezTo>
+                  <a:cubicBezTo>
+                    <a:pt x="9" y="35"/>
+                    <a:pt x="4" y="18"/>
+                    <a:pt x="0" y="0"/>
+                  </a:cubicBezTo>
+                  <a:cubicBezTo>
+                    <a:pt x="5" y="51"/>
+                    <a:pt x="12" y="102"/>
+                    <a:pt x="21" y="152"/>
+                  </a:cubicBezTo>
+                  <a:cubicBezTo>
+                    <a:pt x="33" y="218"/>
+                    <a:pt x="49" y="283"/>
+                    <a:pt x="69" y="347"/>
+                  </a:cubicBezTo>
+                  <a:cubicBezTo>
+                    <a:pt x="79" y="378"/>
+                    <a:pt x="90" y="410"/>
+                    <a:pt x="103" y="441"/>
+                  </a:cubicBezTo>
+                  <a:cubicBezTo>
+                    <a:pt x="107" y="449"/>
+                    <a:pt x="111" y="458"/>
+                    <a:pt x="115" y="467"/>
+                  </a:cubicBezTo>
+                  <a:cubicBezTo>
+                    <a:pt x="114" y="464"/>
+                    <a:pt x="113" y="461"/>
+                    <a:pt x="112" y="458"/>
+                  </a:cubicBezTo>
+                  <a:cubicBezTo>
+                    <a:pt x="108" y="442"/>
+                    <a:pt x="104" y="425"/>
+                    <a:pt x="101" y="409"/>
+                  </a:cubicBezTo>
+                  <a:close/>
+                </a:path>
+              </a:pathLst>
+            </a:custGeom>
+            <a:solidFill>
+              <a:schemeClr val="tx2"/>
+            </a:solidFill>
+            <a:ln>
+              <a:noFill/>
+            </a:ln>
+          </p:spPr>
+        </p:sp>
+        <p:sp>
+          <p:nvSpPr>
+            <p:cNvPr id="15" name="Freeform 31"/>
+            <p:cNvSpPr/>
+            <p:nvPr/>
+          </p:nvSpPr>
+          <p:spPr bwMode="auto">
+            <a:xfrm>
+              <a:off x="6992938" y="1263650"/>
+              <a:ext cx="144463" cy="2508250"/>
+            </a:xfrm>
+            <a:custGeom>
+              <a:avLst/>
+              <a:gdLst/>
+              <a:ahLst/>
+              <a:cxnLst/>
+              <a:rect l="0" t="0" r="r" b="b"/>
+              <a:pathLst>
+                <a:path w="36" h="633">
+                  <a:moveTo>
+                    <a:pt x="17" y="633"/>
+                  </a:moveTo>
+                  <a:cubicBezTo>
+                    <a:pt x="15" y="621"/>
+                    <a:pt x="14" y="609"/>
+                    <a:pt x="13" y="597"/>
+                  </a:cubicBezTo>
+                  <a:cubicBezTo>
+                    <a:pt x="8" y="530"/>
+                    <a:pt x="5" y="464"/>
+                    <a:pt x="5" y="398"/>
+                  </a:cubicBezTo>
+                  <a:cubicBezTo>
+                    <a:pt x="5" y="331"/>
+                    <a:pt x="8" y="265"/>
+                    <a:pt x="13" y="198"/>
+                  </a:cubicBezTo>
+                  <a:cubicBezTo>
+                    <a:pt x="15" y="165"/>
+                    <a:pt x="18" y="132"/>
+                    <a:pt x="22" y="99"/>
+                  </a:cubicBezTo>
+                  <a:cubicBezTo>
+                    <a:pt x="26" y="66"/>
+                    <a:pt x="30" y="33"/>
+                    <a:pt x="36" y="0"/>
+                  </a:cubicBezTo>
+                  <a:cubicBezTo>
+                    <a:pt x="35" y="0"/>
+                    <a:pt x="35" y="0"/>
+                    <a:pt x="35" y="0"/>
+                  </a:cubicBezTo>
+                  <a:cubicBezTo>
+                    <a:pt x="29" y="33"/>
+                    <a:pt x="24" y="66"/>
+                    <a:pt x="20" y="99"/>
+                  </a:cubicBezTo>
+                  <a:cubicBezTo>
+                    <a:pt x="16" y="132"/>
+                    <a:pt x="13" y="165"/>
+                    <a:pt x="10" y="198"/>
+                  </a:cubicBezTo>
+                  <a:cubicBezTo>
+                    <a:pt x="4" y="264"/>
+                    <a:pt x="1" y="331"/>
+                    <a:pt x="1" y="398"/>
+                  </a:cubicBezTo>
+                  <a:cubicBezTo>
+                    <a:pt x="0" y="461"/>
+                    <a:pt x="2" y="525"/>
+                    <a:pt x="7" y="589"/>
+                  </a:cubicBezTo>
+                  <a:cubicBezTo>
+                    <a:pt x="10" y="603"/>
+                    <a:pt x="13" y="618"/>
+                    <a:pt x="16" y="632"/>
+                  </a:cubicBezTo>
+                  <a:cubicBezTo>
+                    <a:pt x="16" y="632"/>
+                    <a:pt x="17" y="633"/>
+                    <a:pt x="17" y="633"/>
+                  </a:cubicBezTo>
+                  <a:close/>
+                </a:path>
+              </a:pathLst>
+            </a:custGeom>
+            <a:solidFill>
+              <a:schemeClr val="tx2"/>
+            </a:solidFill>
+            <a:ln>
+              <a:noFill/>
+            </a:ln>
+          </p:spPr>
+        </p:sp>
+        <p:sp>
+          <p:nvSpPr>
+            <p:cNvPr id="16" name="Freeform 32"/>
+            <p:cNvSpPr/>
+            <p:nvPr/>
+          </p:nvSpPr>
+          <p:spPr bwMode="auto">
+            <a:xfrm>
+              <a:off x="7526338" y="5640388"/>
+              <a:ext cx="111125" cy="233363"/>
+            </a:xfrm>
+            <a:custGeom>
+              <a:avLst/>
+              <a:gdLst/>
+              <a:ahLst/>
+              <a:cxnLst/>
+              <a:rect l="0" t="0" r="r" b="b"/>
+              <a:pathLst>
+                <a:path w="28" h="59">
+                  <a:moveTo>
+                    <a:pt x="22" y="59"/>
+                  </a:moveTo>
+                  <a:cubicBezTo>
+                    <a:pt x="28" y="59"/>
+                    <a:pt x="28" y="59"/>
+                    <a:pt x="28" y="59"/>
+                  </a:cubicBezTo>
+                  <a:cubicBezTo>
+                    <a:pt x="18" y="40"/>
+                    <a:pt x="9" y="20"/>
+                    <a:pt x="0" y="0"/>
+                  </a:cubicBezTo>
+                  <a:cubicBezTo>
+                    <a:pt x="6" y="20"/>
+                    <a:pt x="13" y="40"/>
+                    <a:pt x="22" y="59"/>
+                  </a:cubicBezTo>
+                  <a:close/>
+                </a:path>
+              </a:pathLst>
+            </a:custGeom>
+            <a:solidFill>
+              <a:schemeClr val="tx2"/>
+            </a:solidFill>
+            <a:ln>
+              <a:noFill/>
+            </a:ln>
+          </p:spPr>
+        </p:sp>
+        <p:sp>
+          <p:nvSpPr>
+            <p:cNvPr id="17" name="Freeform 33"/>
+            <p:cNvSpPr/>
+            <p:nvPr/>
+          </p:nvSpPr>
+          <p:spPr bwMode="auto">
+            <a:xfrm>
+              <a:off x="7021513" y="3598863"/>
+              <a:ext cx="68263" cy="423863"/>
+            </a:xfrm>
+            <a:custGeom>
+              <a:avLst/>
+              <a:gdLst/>
+              <a:ahLst/>
+              <a:cxnLst/>
+              <a:rect l="0" t="0" r="r" b="b"/>
+              <a:pathLst>
+                <a:path w="17" h="107">
+                  <a:moveTo>
+                    <a:pt x="4" y="54"/>
+                  </a:moveTo>
+                  <a:cubicBezTo>
+                    <a:pt x="8" y="72"/>
+                    <a:pt x="13" y="89"/>
+                    <a:pt x="17" y="107"/>
+                  </a:cubicBezTo>
+                  <a:cubicBezTo>
+                    <a:pt x="14" y="86"/>
+                    <a:pt x="12" y="65"/>
+                    <a:pt x="10" y="44"/>
+                  </a:cubicBezTo>
+                  <a:cubicBezTo>
+                    <a:pt x="10" y="44"/>
+                    <a:pt x="9" y="43"/>
+                    <a:pt x="9" y="43"/>
+                  </a:cubicBezTo>
+                  <a:cubicBezTo>
+                    <a:pt x="6" y="29"/>
+                    <a:pt x="3" y="14"/>
+                    <a:pt x="0" y="0"/>
+                  </a:cubicBezTo>
+                  <a:cubicBezTo>
+                    <a:pt x="0" y="2"/>
+                    <a:pt x="0" y="5"/>
+                    <a:pt x="0" y="8"/>
+                  </a:cubicBezTo>
+                  <a:cubicBezTo>
+                    <a:pt x="1" y="23"/>
+                    <a:pt x="3" y="39"/>
+                    <a:pt x="4" y="54"/>
+                  </a:cubicBezTo>
+                  <a:close/>
+                </a:path>
+              </a:pathLst>
+            </a:custGeom>
+            <a:solidFill>
+              <a:schemeClr val="tx2"/>
+            </a:solidFill>
+            <a:ln>
+              <a:noFill/>
+            </a:ln>
+          </p:spPr>
+        </p:sp>
+        <p:sp>
+          <p:nvSpPr>
+            <p:cNvPr id="18" name="Freeform 34"/>
+            <p:cNvSpPr/>
+            <p:nvPr/>
+          </p:nvSpPr>
+          <p:spPr bwMode="auto">
+            <a:xfrm>
+              <a:off x="7412038" y="2801938"/>
+              <a:ext cx="1168400" cy="2251075"/>
+            </a:xfrm>
+            <a:custGeom>
+              <a:avLst/>
+              <a:gdLst/>
+              <a:ahLst/>
+              <a:cxnLst/>
+              <a:rect l="0" t="0" r="r" b="b"/>
+              <a:pathLst>
+                <a:path w="294" h="568">
+                  <a:moveTo>
+                    <a:pt x="8" y="553"/>
+                  </a:moveTo>
+                  <a:cubicBezTo>
+                    <a:pt x="9" y="501"/>
+                    <a:pt x="19" y="448"/>
+                    <a:pt x="35" y="397"/>
+                  </a:cubicBezTo>
+                  <a:cubicBezTo>
+                    <a:pt x="51" y="347"/>
+                    <a:pt x="73" y="298"/>
+                    <a:pt x="99" y="252"/>
+                  </a:cubicBezTo>
+                  <a:cubicBezTo>
+                    <a:pt x="124" y="205"/>
+                    <a:pt x="154" y="161"/>
+                    <a:pt x="187" y="119"/>
+                  </a:cubicBezTo>
+                  <a:cubicBezTo>
+                    <a:pt x="203" y="98"/>
+                    <a:pt x="220" y="77"/>
+                    <a:pt x="238" y="58"/>
+                  </a:cubicBezTo>
+                  <a:cubicBezTo>
+                    <a:pt x="247" y="48"/>
+                    <a:pt x="256" y="38"/>
+                    <a:pt x="265" y="28"/>
+                  </a:cubicBezTo>
+                  <a:cubicBezTo>
+                    <a:pt x="274" y="19"/>
+                    <a:pt x="284" y="9"/>
+                    <a:pt x="294" y="0"/>
+                  </a:cubicBezTo>
+                  <a:cubicBezTo>
+                    <a:pt x="293" y="0"/>
+                    <a:pt x="293" y="0"/>
+                    <a:pt x="293" y="0"/>
+                  </a:cubicBezTo>
+                  <a:cubicBezTo>
+                    <a:pt x="283" y="9"/>
+                    <a:pt x="273" y="18"/>
+                    <a:pt x="264" y="27"/>
+                  </a:cubicBezTo>
+                  <a:cubicBezTo>
+                    <a:pt x="255" y="37"/>
+                    <a:pt x="246" y="47"/>
+                    <a:pt x="237" y="56"/>
+                  </a:cubicBezTo>
+                  <a:cubicBezTo>
+                    <a:pt x="218" y="76"/>
+                    <a:pt x="201" y="96"/>
+                    <a:pt x="185" y="117"/>
+                  </a:cubicBezTo>
+                  <a:cubicBezTo>
+                    <a:pt x="151" y="159"/>
+                    <a:pt x="121" y="203"/>
+                    <a:pt x="95" y="249"/>
+                  </a:cubicBezTo>
+                  <a:cubicBezTo>
+                    <a:pt x="68" y="296"/>
+                    <a:pt x="46" y="345"/>
+                    <a:pt x="30" y="396"/>
+                  </a:cubicBezTo>
+                  <a:cubicBezTo>
+                    <a:pt x="13" y="445"/>
+                    <a:pt x="3" y="497"/>
+                    <a:pt x="0" y="549"/>
+                  </a:cubicBezTo>
+                  <a:cubicBezTo>
+                    <a:pt x="3" y="555"/>
+                    <a:pt x="5" y="561"/>
+                    <a:pt x="7" y="568"/>
+                  </a:cubicBezTo>
+                  <a:cubicBezTo>
+                    <a:pt x="7" y="563"/>
+                    <a:pt x="7" y="558"/>
+                    <a:pt x="8" y="553"/>
+                  </a:cubicBezTo>
+                  <a:close/>
+                </a:path>
+              </a:pathLst>
+            </a:custGeom>
+            <a:solidFill>
+              <a:schemeClr val="tx2"/>
+            </a:solidFill>
+            <a:ln>
+              <a:noFill/>
+            </a:ln>
+          </p:spPr>
+        </p:sp>
+        <p:sp>
+          <p:nvSpPr>
+            <p:cNvPr id="19" name="Freeform 35"/>
+            <p:cNvSpPr/>
+            <p:nvPr/>
+          </p:nvSpPr>
+          <p:spPr bwMode="auto">
+            <a:xfrm>
+              <a:off x="7494588" y="5664200"/>
+              <a:ext cx="100013" cy="209550"/>
+            </a:xfrm>
+            <a:custGeom>
+              <a:avLst/>
+              <a:gdLst/>
+              <a:ahLst/>
+              <a:cxnLst/>
+              <a:rect l="0" t="0" r="r" b="b"/>
+              <a:pathLst>
+                <a:path w="25" h="53">
+                  <a:moveTo>
+                    <a:pt x="0" y="0"/>
+                  </a:moveTo>
+                  <a:cubicBezTo>
+                    <a:pt x="5" y="18"/>
+                    <a:pt x="12" y="36"/>
+                    <a:pt x="19" y="53"/>
+                  </a:cubicBezTo>
+                  <a:cubicBezTo>
+                    <a:pt x="25" y="53"/>
+                    <a:pt x="25" y="53"/>
+                    <a:pt x="25" y="53"/>
+                  </a:cubicBezTo>
+                  <a:cubicBezTo>
+                    <a:pt x="16" y="36"/>
+                    <a:pt x="8" y="18"/>
+                    <a:pt x="0" y="0"/>
+                  </a:cubicBezTo>
+                  <a:close/>
+                </a:path>
+              </a:pathLst>
+            </a:custGeom>
+            <a:solidFill>
+              <a:schemeClr val="tx2"/>
+            </a:solidFill>
+            <a:ln>
+              <a:noFill/>
+            </a:ln>
+          </p:spPr>
+        </p:sp>
+        <p:sp>
+          <p:nvSpPr>
+            <p:cNvPr id="20" name="Freeform 36"/>
+            <p:cNvSpPr/>
+            <p:nvPr/>
+          </p:nvSpPr>
+          <p:spPr bwMode="auto">
+            <a:xfrm>
+              <a:off x="7412038" y="5081588"/>
+              <a:ext cx="114300" cy="558800"/>
+            </a:xfrm>
+            <a:custGeom>
+              <a:avLst/>
+              <a:gdLst/>
+              <a:ahLst/>
+              <a:cxnLst/>
+              <a:rect l="0" t="0" r="r" b="b"/>
+              <a:pathLst>
+                <a:path w="29" h="141">
+                  <a:moveTo>
+                    <a:pt x="0" y="0"/>
+                  </a:moveTo>
+                  <a:cubicBezTo>
+                    <a:pt x="0" y="30"/>
+                    <a:pt x="2" y="60"/>
+                    <a:pt x="7" y="89"/>
+                  </a:cubicBezTo>
+                  <a:cubicBezTo>
+                    <a:pt x="11" y="98"/>
+                    <a:pt x="14" y="108"/>
+                    <a:pt x="18" y="117"/>
+                  </a:cubicBezTo>
+                  <a:cubicBezTo>
+                    <a:pt x="22" y="125"/>
+                    <a:pt x="25" y="133"/>
+                    <a:pt x="29" y="141"/>
+                  </a:cubicBezTo>
+                  <a:cubicBezTo>
+                    <a:pt x="28" y="139"/>
+                    <a:pt x="28" y="137"/>
+                    <a:pt x="27" y="135"/>
+                  </a:cubicBezTo>
+                  <a:cubicBezTo>
+                    <a:pt x="16" y="98"/>
+                    <a:pt x="10" y="60"/>
+                    <a:pt x="8" y="22"/>
+                  </a:cubicBezTo>
+                  <a:cubicBezTo>
+                    <a:pt x="7" y="18"/>
+                    <a:pt x="5" y="15"/>
+                    <a:pt x="4" y="11"/>
+                  </a:cubicBezTo>
+                  <a:cubicBezTo>
+                    <a:pt x="2" y="7"/>
+                    <a:pt x="1" y="3"/>
+                    <a:pt x="0" y="0"/>
+                  </a:cubicBezTo>
+                  <a:close/>
+                </a:path>
+              </a:pathLst>
+            </a:custGeom>
+            <a:solidFill>
+              <a:schemeClr val="tx2"/>
+            </a:solidFill>
+            <a:ln>
+              <a:noFill/>
+            </a:ln>
+          </p:spPr>
+        </p:sp>
+        <p:sp>
+          <p:nvSpPr>
+            <p:cNvPr id="21" name="Freeform 37"/>
+            <p:cNvSpPr/>
+            <p:nvPr/>
+          </p:nvSpPr>
+          <p:spPr bwMode="auto">
+            <a:xfrm>
+              <a:off x="7412038" y="4978400"/>
+              <a:ext cx="31750" cy="188913"/>
+            </a:xfrm>
+            <a:custGeom>
+              <a:avLst/>
+              <a:gdLst/>
+              <a:ahLst/>
+              <a:cxnLst/>
+              <a:rect l="0" t="0" r="r" b="b"/>
+              <a:pathLst>
+                <a:path w="8" h="48">
+                  <a:moveTo>
+                    <a:pt x="0" y="26"/>
+                  </a:moveTo>
+                  <a:cubicBezTo>
+                    <a:pt x="1" y="29"/>
+                    <a:pt x="2" y="33"/>
+                    <a:pt x="4" y="37"/>
+                  </a:cubicBezTo>
+                  <a:cubicBezTo>
+                    <a:pt x="5" y="41"/>
+                    <a:pt x="7" y="44"/>
+                    <a:pt x="8" y="48"/>
+                  </a:cubicBezTo>
+                  <a:cubicBezTo>
+                    <a:pt x="7" y="38"/>
+                    <a:pt x="7" y="28"/>
+                    <a:pt x="7" y="19"/>
+                  </a:cubicBezTo>
+                  <a:cubicBezTo>
+                    <a:pt x="5" y="12"/>
+                    <a:pt x="3" y="6"/>
+                    <a:pt x="0" y="0"/>
+                  </a:cubicBezTo>
+                  <a:cubicBezTo>
+                    <a:pt x="0" y="1"/>
+                    <a:pt x="0" y="3"/>
+                    <a:pt x="0" y="4"/>
+                  </a:cubicBezTo>
+                  <a:cubicBezTo>
+                    <a:pt x="0" y="11"/>
+                    <a:pt x="0" y="19"/>
+                    <a:pt x="0" y="26"/>
+                  </a:cubicBezTo>
+                  <a:close/>
+                </a:path>
+              </a:pathLst>
+            </a:custGeom>
+            <a:solidFill>
+              <a:schemeClr val="tx2"/>
+            </a:solidFill>
+            <a:ln>
+              <a:noFill/>
+            </a:ln>
+          </p:spPr>
+        </p:sp>
+        <p:sp>
+          <p:nvSpPr>
+            <p:cNvPr id="22" name="Freeform 38"/>
+            <p:cNvSpPr/>
+            <p:nvPr/>
+          </p:nvSpPr>
+          <p:spPr bwMode="auto">
+            <a:xfrm>
+              <a:off x="7439026" y="5434013"/>
+              <a:ext cx="174625" cy="439738"/>
+            </a:xfrm>
+            <a:custGeom>
+              <a:avLst/>
+              <a:gdLst/>
+              <a:ahLst/>
+              <a:cxnLst/>
+              <a:rect l="0" t="0" r="r" b="b"/>
+              <a:pathLst>
+                <a:path w="44" h="111">
+                  <a:moveTo>
+                    <a:pt x="11" y="28"/>
+                  </a:moveTo>
+                  <a:cubicBezTo>
+                    <a:pt x="7" y="19"/>
+                    <a:pt x="4" y="9"/>
+                    <a:pt x="0" y="0"/>
+                  </a:cubicBezTo>
+                  <a:cubicBezTo>
+                    <a:pt x="3" y="16"/>
+                    <a:pt x="7" y="33"/>
+                    <a:pt x="11" y="49"/>
+                  </a:cubicBezTo>
+                  <a:cubicBezTo>
+                    <a:pt x="12" y="52"/>
+                    <a:pt x="13" y="55"/>
+                    <a:pt x="14" y="58"/>
+                  </a:cubicBezTo>
+                  <a:cubicBezTo>
+                    <a:pt x="22" y="76"/>
+                    <a:pt x="30" y="94"/>
+                    <a:pt x="39" y="111"/>
+                  </a:cubicBezTo>
+                  <a:cubicBezTo>
+                    <a:pt x="44" y="111"/>
+                    <a:pt x="44" y="111"/>
+                    <a:pt x="44" y="111"/>
+                  </a:cubicBezTo>
+                  <a:cubicBezTo>
+                    <a:pt x="35" y="92"/>
+                    <a:pt x="28" y="72"/>
+                    <a:pt x="22" y="52"/>
+                  </a:cubicBezTo>
+                  <a:cubicBezTo>
+                    <a:pt x="18" y="44"/>
+                    <a:pt x="15" y="36"/>
+                    <a:pt x="11" y="28"/>
+                  </a:cubicBezTo>
+                  <a:close/>
+                </a:path>
+              </a:pathLst>
+            </a:custGeom>
+            <a:solidFill>
+              <a:schemeClr val="tx2"/>
+            </a:solidFill>
+            <a:ln>
+              <a:noFill/>
+            </a:ln>
+          </p:spPr>
+        </p:sp>
+      </p:grpSp>
+      <p:sp>
+        <p:nvSpPr>
+          <p:cNvPr id="7" name="Rectangle 6"/>
           <p:cNvSpPr/>
           <p:nvPr/>
         </p:nvSpPr>
         <p:spPr>
           <a:xfrm>
-            <a:off x="-3175" y="5050633"/>
-            <a:ext cx="4765676" cy="1807368"/>
+            <a:off x="0" y="0"/>
+            <a:ext cx="182880" cy="6858000"/>
           </a:xfrm>
-          <a:custGeom>
+          <a:prstGeom prst="rect">
             <a:avLst/>
-            <a:gdLst>
-              <a:gd name="connsiteX0" fmla="*/ 0 w 3571875"/>
-              <a:gd name="connsiteY0" fmla="*/ 4210050 h 4210050"/>
-              <a:gd name="connsiteX1" fmla="*/ 0 w 3571875"/>
-              <a:gd name="connsiteY1" fmla="*/ 0 h 4210050"/>
-              <a:gd name="connsiteX2" fmla="*/ 3571875 w 3571875"/>
-              <a:gd name="connsiteY2" fmla="*/ 4210050 h 4210050"/>
-              <a:gd name="connsiteX3" fmla="*/ 0 w 3571875"/>
-              <a:gd name="connsiteY3" fmla="*/ 4210050 h 4210050"/>
-              <a:gd name="connsiteX0" fmla="*/ 0 w 3571875"/>
-              <a:gd name="connsiteY0" fmla="*/ 4210050 h 4210050"/>
-              <a:gd name="connsiteX1" fmla="*/ 0 w 3571875"/>
-              <a:gd name="connsiteY1" fmla="*/ 0 h 4210050"/>
-              <a:gd name="connsiteX2" fmla="*/ 2028825 w 3571875"/>
-              <a:gd name="connsiteY2" fmla="*/ 2388394 h 4210050"/>
-              <a:gd name="connsiteX3" fmla="*/ 3571875 w 3571875"/>
-              <a:gd name="connsiteY3" fmla="*/ 4210050 h 4210050"/>
-              <a:gd name="connsiteX4" fmla="*/ 0 w 3571875"/>
-              <a:gd name="connsiteY4" fmla="*/ 4210050 h 4210050"/>
-              <a:gd name="connsiteX0" fmla="*/ 0 w 3571875"/>
-              <a:gd name="connsiteY0" fmla="*/ 4210050 h 4210050"/>
-              <a:gd name="connsiteX1" fmla="*/ 0 w 3571875"/>
-              <a:gd name="connsiteY1" fmla="*/ 0 h 4210050"/>
-              <a:gd name="connsiteX2" fmla="*/ 2028825 w 3571875"/>
-              <a:gd name="connsiteY2" fmla="*/ 2205038 h 4210050"/>
-              <a:gd name="connsiteX3" fmla="*/ 3571875 w 3571875"/>
-              <a:gd name="connsiteY3" fmla="*/ 4210050 h 4210050"/>
-              <a:gd name="connsiteX4" fmla="*/ 0 w 3571875"/>
-              <a:gd name="connsiteY4" fmla="*/ 4210050 h 4210050"/>
-              <a:gd name="connsiteX0" fmla="*/ 0 w 3571875"/>
-              <a:gd name="connsiteY0" fmla="*/ 4210050 h 4210050"/>
-              <a:gd name="connsiteX1" fmla="*/ 0 w 3571875"/>
-              <a:gd name="connsiteY1" fmla="*/ 0 h 4210050"/>
-              <a:gd name="connsiteX2" fmla="*/ 2028825 w 3571875"/>
-              <a:gd name="connsiteY2" fmla="*/ 2393157 h 4210050"/>
-              <a:gd name="connsiteX3" fmla="*/ 3571875 w 3571875"/>
-              <a:gd name="connsiteY3" fmla="*/ 4210050 h 4210050"/>
-              <a:gd name="connsiteX4" fmla="*/ 0 w 3571875"/>
-              <a:gd name="connsiteY4" fmla="*/ 4210050 h 4210050"/>
-              <a:gd name="connsiteX0" fmla="*/ 0 w 3571875"/>
-              <a:gd name="connsiteY0" fmla="*/ 4210050 h 4210050"/>
-              <a:gd name="connsiteX1" fmla="*/ 0 w 3571875"/>
-              <a:gd name="connsiteY1" fmla="*/ 0 h 4210050"/>
-              <a:gd name="connsiteX2" fmla="*/ 2028825 w 3571875"/>
-              <a:gd name="connsiteY2" fmla="*/ 2393157 h 4210050"/>
-              <a:gd name="connsiteX3" fmla="*/ 3571875 w 3571875"/>
-              <a:gd name="connsiteY3" fmla="*/ 4210050 h 4210050"/>
-              <a:gd name="connsiteX4" fmla="*/ 0 w 3571875"/>
-              <a:gd name="connsiteY4" fmla="*/ 4210050 h 4210050"/>
-              <a:gd name="connsiteX0" fmla="*/ 0 w 3571875"/>
-              <a:gd name="connsiteY0" fmla="*/ 4210050 h 4210050"/>
-              <a:gd name="connsiteX1" fmla="*/ 0 w 3571875"/>
-              <a:gd name="connsiteY1" fmla="*/ 0 h 4210050"/>
-              <a:gd name="connsiteX2" fmla="*/ 2028825 w 3571875"/>
-              <a:gd name="connsiteY2" fmla="*/ 2281238 h 4210050"/>
-              <a:gd name="connsiteX3" fmla="*/ 3571875 w 3571875"/>
-              <a:gd name="connsiteY3" fmla="*/ 4210050 h 4210050"/>
-              <a:gd name="connsiteX4" fmla="*/ 0 w 3571875"/>
-              <a:gd name="connsiteY4" fmla="*/ 4210050 h 4210050"/>
-              <a:gd name="connsiteX0" fmla="*/ 0 w 3571875"/>
-              <a:gd name="connsiteY0" fmla="*/ 4210050 h 4210050"/>
-              <a:gd name="connsiteX1" fmla="*/ 0 w 3571875"/>
-              <a:gd name="connsiteY1" fmla="*/ 0 h 4210050"/>
-              <a:gd name="connsiteX2" fmla="*/ 2028825 w 3571875"/>
-              <a:gd name="connsiteY2" fmla="*/ 2393157 h 4210050"/>
-              <a:gd name="connsiteX3" fmla="*/ 3571875 w 3571875"/>
-              <a:gd name="connsiteY3" fmla="*/ 4210050 h 4210050"/>
-              <a:gd name="connsiteX4" fmla="*/ 0 w 3571875"/>
-              <a:gd name="connsiteY4" fmla="*/ 4210050 h 4210050"/>
-              <a:gd name="connsiteX0" fmla="*/ 0 w 3571875"/>
-              <a:gd name="connsiteY0" fmla="*/ 4210050 h 4210050"/>
-              <a:gd name="connsiteX1" fmla="*/ 0 w 3571875"/>
-              <a:gd name="connsiteY1" fmla="*/ 0 h 4210050"/>
-              <a:gd name="connsiteX2" fmla="*/ 2028825 w 3571875"/>
-              <a:gd name="connsiteY2" fmla="*/ 2393157 h 4210050"/>
-              <a:gd name="connsiteX3" fmla="*/ 3571875 w 3571875"/>
-              <a:gd name="connsiteY3" fmla="*/ 4210050 h 4210050"/>
-              <a:gd name="connsiteX4" fmla="*/ 0 w 3571875"/>
-              <a:gd name="connsiteY4" fmla="*/ 4210050 h 4210050"/>
-              <a:gd name="connsiteX0" fmla="*/ 0 w 3571875"/>
-              <a:gd name="connsiteY0" fmla="*/ 4210050 h 4210050"/>
-              <a:gd name="connsiteX1" fmla="*/ 0 w 3571875"/>
-              <a:gd name="connsiteY1" fmla="*/ 0 h 4210050"/>
-              <a:gd name="connsiteX2" fmla="*/ 2076450 w 3571875"/>
-              <a:gd name="connsiteY2" fmla="*/ 2274094 h 4210050"/>
-              <a:gd name="connsiteX3" fmla="*/ 3571875 w 3571875"/>
-              <a:gd name="connsiteY3" fmla="*/ 4210050 h 4210050"/>
-              <a:gd name="connsiteX4" fmla="*/ 0 w 3571875"/>
-              <a:gd name="connsiteY4" fmla="*/ 4210050 h 4210050"/>
-              <a:gd name="connsiteX0" fmla="*/ 0 w 3571875"/>
-              <a:gd name="connsiteY0" fmla="*/ 4210050 h 4210050"/>
-              <a:gd name="connsiteX1" fmla="*/ 0 w 3571875"/>
-              <a:gd name="connsiteY1" fmla="*/ 0 h 4210050"/>
-              <a:gd name="connsiteX2" fmla="*/ 2245519 w 3571875"/>
-              <a:gd name="connsiteY2" fmla="*/ 2405063 h 4210050"/>
-              <a:gd name="connsiteX3" fmla="*/ 3571875 w 3571875"/>
-              <a:gd name="connsiteY3" fmla="*/ 4210050 h 4210050"/>
-              <a:gd name="connsiteX4" fmla="*/ 0 w 3571875"/>
-              <a:gd name="connsiteY4" fmla="*/ 4210050 h 4210050"/>
-              <a:gd name="connsiteX0" fmla="*/ 0 w 3571875"/>
-              <a:gd name="connsiteY0" fmla="*/ 4210050 h 4210050"/>
-              <a:gd name="connsiteX1" fmla="*/ 0 w 3571875"/>
-              <a:gd name="connsiteY1" fmla="*/ 0 h 4210050"/>
-              <a:gd name="connsiteX2" fmla="*/ 2038350 w 3571875"/>
-              <a:gd name="connsiteY2" fmla="*/ 2405063 h 4210050"/>
-              <a:gd name="connsiteX3" fmla="*/ 3571875 w 3571875"/>
-              <a:gd name="connsiteY3" fmla="*/ 4210050 h 4210050"/>
-              <a:gd name="connsiteX4" fmla="*/ 0 w 3571875"/>
-              <a:gd name="connsiteY4" fmla="*/ 4210050 h 4210050"/>
-              <a:gd name="connsiteX0" fmla="*/ 0 w 3571875"/>
-              <a:gd name="connsiteY0" fmla="*/ 2433637 h 2433637"/>
-              <a:gd name="connsiteX1" fmla="*/ 257175 w 3571875"/>
-              <a:gd name="connsiteY1" fmla="*/ 0 h 2433637"/>
-              <a:gd name="connsiteX2" fmla="*/ 2038350 w 3571875"/>
-              <a:gd name="connsiteY2" fmla="*/ 628650 h 2433637"/>
-              <a:gd name="connsiteX3" fmla="*/ 3571875 w 3571875"/>
-              <a:gd name="connsiteY3" fmla="*/ 2433637 h 2433637"/>
-              <a:gd name="connsiteX4" fmla="*/ 0 w 3571875"/>
-              <a:gd name="connsiteY4" fmla="*/ 2433637 h 2433637"/>
-              <a:gd name="connsiteX0" fmla="*/ 2382 w 3574257"/>
-              <a:gd name="connsiteY0" fmla="*/ 1807368 h 1807368"/>
-              <a:gd name="connsiteX1" fmla="*/ 0 w 3574257"/>
-              <a:gd name="connsiteY1" fmla="*/ 0 h 1807368"/>
-              <a:gd name="connsiteX2" fmla="*/ 2040732 w 3574257"/>
-              <a:gd name="connsiteY2" fmla="*/ 2381 h 1807368"/>
-              <a:gd name="connsiteX3" fmla="*/ 3574257 w 3574257"/>
-              <a:gd name="connsiteY3" fmla="*/ 1807368 h 1807368"/>
-              <a:gd name="connsiteX4" fmla="*/ 2382 w 3574257"/>
-              <a:gd name="connsiteY4" fmla="*/ 1807368 h 1807368"/>
-              <a:gd name="connsiteX0" fmla="*/ 2382 w 3574257"/>
-              <a:gd name="connsiteY0" fmla="*/ 1807368 h 1807368"/>
-              <a:gd name="connsiteX1" fmla="*/ 0 w 3574257"/>
-              <a:gd name="connsiteY1" fmla="*/ 0 h 1807368"/>
-              <a:gd name="connsiteX2" fmla="*/ 1924051 w 3574257"/>
-              <a:gd name="connsiteY2" fmla="*/ 307181 h 1807368"/>
-              <a:gd name="connsiteX3" fmla="*/ 3574257 w 3574257"/>
-              <a:gd name="connsiteY3" fmla="*/ 1807368 h 1807368"/>
-              <a:gd name="connsiteX4" fmla="*/ 2382 w 3574257"/>
-              <a:gd name="connsiteY4" fmla="*/ 1807368 h 1807368"/>
-              <a:gd name="connsiteX0" fmla="*/ 2382 w 3574257"/>
-              <a:gd name="connsiteY0" fmla="*/ 1809749 h 1809749"/>
-              <a:gd name="connsiteX1" fmla="*/ 0 w 3574257"/>
-              <a:gd name="connsiteY1" fmla="*/ 2381 h 1809749"/>
-              <a:gd name="connsiteX2" fmla="*/ 2038351 w 3574257"/>
-              <a:gd name="connsiteY2" fmla="*/ 0 h 1809749"/>
-              <a:gd name="connsiteX3" fmla="*/ 3574257 w 3574257"/>
-              <a:gd name="connsiteY3" fmla="*/ 1809749 h 1809749"/>
-              <a:gd name="connsiteX4" fmla="*/ 2382 w 3574257"/>
-              <a:gd name="connsiteY4" fmla="*/ 1809749 h 1809749"/>
-              <a:gd name="connsiteX0" fmla="*/ 2382 w 3574257"/>
-              <a:gd name="connsiteY0" fmla="*/ 1807368 h 1807368"/>
-              <a:gd name="connsiteX1" fmla="*/ 0 w 3574257"/>
-              <a:gd name="connsiteY1" fmla="*/ 0 h 1807368"/>
-              <a:gd name="connsiteX2" fmla="*/ 1640682 w 3574257"/>
-              <a:gd name="connsiteY2" fmla="*/ 450057 h 1807368"/>
-              <a:gd name="connsiteX3" fmla="*/ 3574257 w 3574257"/>
-              <a:gd name="connsiteY3" fmla="*/ 1807368 h 1807368"/>
-              <a:gd name="connsiteX4" fmla="*/ 2382 w 3574257"/>
-              <a:gd name="connsiteY4" fmla="*/ 1807368 h 1807368"/>
-              <a:gd name="connsiteX0" fmla="*/ 2382 w 3574257"/>
-              <a:gd name="connsiteY0" fmla="*/ 1809749 h 1809749"/>
-              <a:gd name="connsiteX1" fmla="*/ 0 w 3574257"/>
-              <a:gd name="connsiteY1" fmla="*/ 2381 h 1809749"/>
-              <a:gd name="connsiteX2" fmla="*/ 2038351 w 3574257"/>
-              <a:gd name="connsiteY2" fmla="*/ 0 h 1809749"/>
-              <a:gd name="connsiteX3" fmla="*/ 3574257 w 3574257"/>
-              <a:gd name="connsiteY3" fmla="*/ 1809749 h 1809749"/>
-              <a:gd name="connsiteX4" fmla="*/ 2382 w 3574257"/>
-              <a:gd name="connsiteY4" fmla="*/ 1809749 h 1809749"/>
-              <a:gd name="connsiteX0" fmla="*/ 2382 w 3574257"/>
-              <a:gd name="connsiteY0" fmla="*/ 1807368 h 1807368"/>
-              <a:gd name="connsiteX1" fmla="*/ 0 w 3574257"/>
-              <a:gd name="connsiteY1" fmla="*/ 0 h 1807368"/>
-              <a:gd name="connsiteX2" fmla="*/ 1657351 w 3574257"/>
-              <a:gd name="connsiteY2" fmla="*/ 230982 h 1807368"/>
-              <a:gd name="connsiteX3" fmla="*/ 3574257 w 3574257"/>
-              <a:gd name="connsiteY3" fmla="*/ 1807368 h 1807368"/>
-              <a:gd name="connsiteX4" fmla="*/ 2382 w 3574257"/>
-              <a:gd name="connsiteY4" fmla="*/ 1807368 h 1807368"/>
-              <a:gd name="connsiteX0" fmla="*/ 2382 w 3574257"/>
-              <a:gd name="connsiteY0" fmla="*/ 1807368 h 1807368"/>
-              <a:gd name="connsiteX1" fmla="*/ 0 w 3574257"/>
-              <a:gd name="connsiteY1" fmla="*/ 0 h 1807368"/>
-              <a:gd name="connsiteX2" fmla="*/ 2040732 w 3574257"/>
-              <a:gd name="connsiteY2" fmla="*/ 2382 h 1807368"/>
-              <a:gd name="connsiteX3" fmla="*/ 3574257 w 3574257"/>
-              <a:gd name="connsiteY3" fmla="*/ 1807368 h 1807368"/>
-              <a:gd name="connsiteX4" fmla="*/ 2382 w 3574257"/>
-              <a:gd name="connsiteY4" fmla="*/ 1807368 h 1807368"/>
-              <a:gd name="connsiteX0" fmla="*/ 2382 w 3574257"/>
-              <a:gd name="connsiteY0" fmla="*/ 1807368 h 1807368"/>
-              <a:gd name="connsiteX1" fmla="*/ 0 w 3574257"/>
-              <a:gd name="connsiteY1" fmla="*/ 0 h 1807368"/>
-              <a:gd name="connsiteX2" fmla="*/ 1774032 w 3574257"/>
-              <a:gd name="connsiteY2" fmla="*/ 161925 h 1807368"/>
-              <a:gd name="connsiteX3" fmla="*/ 3574257 w 3574257"/>
-              <a:gd name="connsiteY3" fmla="*/ 1807368 h 1807368"/>
-              <a:gd name="connsiteX4" fmla="*/ 2382 w 3574257"/>
-              <a:gd name="connsiteY4" fmla="*/ 1807368 h 1807368"/>
-              <a:gd name="connsiteX0" fmla="*/ 2382 w 3574257"/>
-              <a:gd name="connsiteY0" fmla="*/ 1807368 h 1807368"/>
-              <a:gd name="connsiteX1" fmla="*/ 0 w 3574257"/>
-              <a:gd name="connsiteY1" fmla="*/ 0 h 1807368"/>
-              <a:gd name="connsiteX2" fmla="*/ 1969294 w 3574257"/>
-              <a:gd name="connsiteY2" fmla="*/ 21432 h 1807368"/>
-              <a:gd name="connsiteX3" fmla="*/ 3574257 w 3574257"/>
-              <a:gd name="connsiteY3" fmla="*/ 1807368 h 1807368"/>
-              <a:gd name="connsiteX4" fmla="*/ 2382 w 3574257"/>
-              <a:gd name="connsiteY4" fmla="*/ 1807368 h 1807368"/>
-              <a:gd name="connsiteX0" fmla="*/ 2382 w 3574257"/>
-              <a:gd name="connsiteY0" fmla="*/ 1807368 h 1807368"/>
-              <a:gd name="connsiteX1" fmla="*/ 0 w 3574257"/>
-              <a:gd name="connsiteY1" fmla="*/ 0 h 1807368"/>
-              <a:gd name="connsiteX2" fmla="*/ 1819275 w 3574257"/>
-              <a:gd name="connsiteY2" fmla="*/ 200026 h 1807368"/>
-              <a:gd name="connsiteX3" fmla="*/ 3574257 w 3574257"/>
-              <a:gd name="connsiteY3" fmla="*/ 1807368 h 1807368"/>
-              <a:gd name="connsiteX4" fmla="*/ 2382 w 3574257"/>
-              <a:gd name="connsiteY4" fmla="*/ 1807368 h 1807368"/>
-              <a:gd name="connsiteX0" fmla="*/ 2382 w 3574257"/>
-              <a:gd name="connsiteY0" fmla="*/ 1807368 h 1807368"/>
-              <a:gd name="connsiteX1" fmla="*/ 0 w 3574257"/>
-              <a:gd name="connsiteY1" fmla="*/ 0 h 1807368"/>
-              <a:gd name="connsiteX2" fmla="*/ 2045494 w 3574257"/>
-              <a:gd name="connsiteY2" fmla="*/ 1 h 1807368"/>
-              <a:gd name="connsiteX3" fmla="*/ 3574257 w 3574257"/>
-              <a:gd name="connsiteY3" fmla="*/ 1807368 h 1807368"/>
-              <a:gd name="connsiteX4" fmla="*/ 2382 w 3574257"/>
-              <a:gd name="connsiteY4" fmla="*/ 1807368 h 1807368"/>
-            </a:gdLst>
-            <a:ahLst/>
-            <a:cxnLst>
-              <a:cxn ang="0">
-                <a:pos x="connsiteX0" y="connsiteY0"/>
-              </a:cxn>
-              <a:cxn ang="0">
-                <a:pos x="connsiteX1" y="connsiteY1"/>
-              </a:cxn>
-              <a:cxn ang="0">
-                <a:pos x="connsiteX2" y="connsiteY2"/>
-              </a:cxn>
-              <a:cxn ang="0">
-                <a:pos x="connsiteX3" y="connsiteY3"/>
-              </a:cxn>
-              <a:cxn ang="0">
-                <a:pos x="connsiteX4" y="connsiteY4"/>
-              </a:cxn>
-            </a:cxnLst>
-            <a:rect l="l" t="t" r="r" b="b"/>
-            <a:pathLst>
-              <a:path w="3574257" h="1807368">
-                <a:moveTo>
-                  <a:pt x="2382" y="1807368"/>
-                </a:moveTo>
-                <a:lnTo>
-                  <a:pt x="0" y="0"/>
-                </a:lnTo>
-                <a:lnTo>
-                  <a:pt x="2045494" y="1"/>
-                </a:lnTo>
-                <a:lnTo>
-                  <a:pt x="3574257" y="1807368"/>
-                </a:lnTo>
-                <a:lnTo>
-                  <a:pt x="2382" y="1807368"/>
-                </a:lnTo>
-                <a:close/>
-              </a:path>
-            </a:pathLst>
-          </a:custGeom>
+          </a:prstGeom>
           <a:solidFill>
-            <a:schemeClr val="accent2"/>
+            <a:schemeClr val="tx2"/>
           </a:solidFill>
           <a:ln>
             <a:noFill/>
           </a:ln>
+          <a:effectLst/>
         </p:spPr>
         <p:style>
-          <a:lnRef idx="2">
-            <a:schemeClr val="accent1">
-              <a:shade val="50000"/>
-            </a:schemeClr>
+          <a:lnRef idx="1">
+            <a:schemeClr val="accent1"/>
           </a:lnRef>
-          <a:fillRef idx="1">
+          <a:fillRef idx="3">
             <a:schemeClr val="accent1"/>
           </a:fillRef>
-          <a:effectRef idx="0">
+          <a:effectRef idx="2">
             <a:schemeClr val="accent1"/>
           </a:effectRef>
           <a:fontRef idx="minor">
             <a:schemeClr val="lt1"/>
           </a:fontRef>
         </p:style>
-        <p:txBody>
-          <a:bodyPr rtlCol="0" anchor="ctr"/>
-          <a:lstStyle/>
-          <a:p>
-            <a:pPr algn="ctr"/>
-            <a:endParaRPr lang="en-US"/>
-          </a:p>
-        </p:txBody>
-      </p:sp>
-      <p:sp>
-        <p:nvSpPr>
-          <p:cNvPr id="8" name="Freeform 7"/>
-          <p:cNvSpPr/>
-          <p:nvPr/>
+      </p:sp>
+      <p:sp>
+        <p:nvSpPr>
+          <p:cNvPr id="2" name="Title Placeholder 1"/>
+          <p:cNvSpPr>
+            <a:spLocks noGrp="1"/>
+          </p:cNvSpPr>
+          <p:nvPr>
+            <p:ph type="title"/>
+          </p:nvPr>
         </p:nvSpPr>
         <p:spPr>
           <a:xfrm>
-            <a:off x="-3173" y="5051293"/>
-            <a:ext cx="12195173" cy="1806709"/>
-          </a:xfrm>
-          <a:custGeom>
-            <a:avLst/>
-            <a:gdLst>
-              <a:gd name="connsiteX0" fmla="*/ 0 w 3350419"/>
-              <a:gd name="connsiteY0" fmla="*/ 2081213 h 2083594"/>
-              <a:gd name="connsiteX1" fmla="*/ 3031331 w 3350419"/>
-              <a:gd name="connsiteY1" fmla="*/ 0 h 2083594"/>
-              <a:gd name="connsiteX2" fmla="*/ 3350419 w 3350419"/>
-              <a:gd name="connsiteY2" fmla="*/ 80963 h 2083594"/>
-              <a:gd name="connsiteX3" fmla="*/ 3350419 w 3350419"/>
-              <a:gd name="connsiteY3" fmla="*/ 2083594 h 2083594"/>
-              <a:gd name="connsiteX4" fmla="*/ 0 w 3350419"/>
-              <a:gd name="connsiteY4" fmla="*/ 2081213 h 2083594"/>
-              <a:gd name="connsiteX0" fmla="*/ 0 w 3112294"/>
-              <a:gd name="connsiteY0" fmla="*/ 2019301 h 2083594"/>
-              <a:gd name="connsiteX1" fmla="*/ 2793206 w 3112294"/>
-              <a:gd name="connsiteY1" fmla="*/ 0 h 2083594"/>
-              <a:gd name="connsiteX2" fmla="*/ 3112294 w 3112294"/>
-              <a:gd name="connsiteY2" fmla="*/ 80963 h 2083594"/>
-              <a:gd name="connsiteX3" fmla="*/ 3112294 w 3112294"/>
-              <a:gd name="connsiteY3" fmla="*/ 2083594 h 2083594"/>
-              <a:gd name="connsiteX4" fmla="*/ 0 w 3112294"/>
-              <a:gd name="connsiteY4" fmla="*/ 2019301 h 2083594"/>
-              <a:gd name="connsiteX0" fmla="*/ 0 w 3345656"/>
-              <a:gd name="connsiteY0" fmla="*/ 2097882 h 2097882"/>
-              <a:gd name="connsiteX1" fmla="*/ 3026568 w 3345656"/>
-              <a:gd name="connsiteY1" fmla="*/ 0 h 2097882"/>
-              <a:gd name="connsiteX2" fmla="*/ 3345656 w 3345656"/>
-              <a:gd name="connsiteY2" fmla="*/ 80963 h 2097882"/>
-              <a:gd name="connsiteX3" fmla="*/ 3345656 w 3345656"/>
-              <a:gd name="connsiteY3" fmla="*/ 2083594 h 2097882"/>
-              <a:gd name="connsiteX4" fmla="*/ 0 w 3345656"/>
-              <a:gd name="connsiteY4" fmla="*/ 2097882 h 2097882"/>
-              <a:gd name="connsiteX0" fmla="*/ 0 w 2800350"/>
-              <a:gd name="connsiteY0" fmla="*/ 1935957 h 2083594"/>
-              <a:gd name="connsiteX1" fmla="*/ 2481262 w 2800350"/>
-              <a:gd name="connsiteY1" fmla="*/ 0 h 2083594"/>
-              <a:gd name="connsiteX2" fmla="*/ 2800350 w 2800350"/>
-              <a:gd name="connsiteY2" fmla="*/ 80963 h 2083594"/>
-              <a:gd name="connsiteX3" fmla="*/ 2800350 w 2800350"/>
-              <a:gd name="connsiteY3" fmla="*/ 2083594 h 2083594"/>
-              <a:gd name="connsiteX4" fmla="*/ 0 w 2800350"/>
-              <a:gd name="connsiteY4" fmla="*/ 1935957 h 2083594"/>
-              <a:gd name="connsiteX0" fmla="*/ 0 w 3352800"/>
-              <a:gd name="connsiteY0" fmla="*/ 2083594 h 2083594"/>
-              <a:gd name="connsiteX1" fmla="*/ 3033712 w 3352800"/>
-              <a:gd name="connsiteY1" fmla="*/ 0 h 2083594"/>
-              <a:gd name="connsiteX2" fmla="*/ 3352800 w 3352800"/>
-              <a:gd name="connsiteY2" fmla="*/ 80963 h 2083594"/>
-              <a:gd name="connsiteX3" fmla="*/ 3352800 w 3352800"/>
-              <a:gd name="connsiteY3" fmla="*/ 2083594 h 2083594"/>
-              <a:gd name="connsiteX4" fmla="*/ 0 w 3352800"/>
-              <a:gd name="connsiteY4" fmla="*/ 2083594 h 2083594"/>
-              <a:gd name="connsiteX0" fmla="*/ 0 w 3352800"/>
-              <a:gd name="connsiteY0" fmla="*/ 2002631 h 2002631"/>
-              <a:gd name="connsiteX1" fmla="*/ 3033712 w 3352800"/>
-              <a:gd name="connsiteY1" fmla="*/ 157162 h 2002631"/>
-              <a:gd name="connsiteX2" fmla="*/ 3352800 w 3352800"/>
-              <a:gd name="connsiteY2" fmla="*/ 0 h 2002631"/>
-              <a:gd name="connsiteX3" fmla="*/ 3352800 w 3352800"/>
-              <a:gd name="connsiteY3" fmla="*/ 2002631 h 2002631"/>
-              <a:gd name="connsiteX4" fmla="*/ 0 w 3352800"/>
-              <a:gd name="connsiteY4" fmla="*/ 2002631 h 2002631"/>
-              <a:gd name="connsiteX0" fmla="*/ 0 w 3352800"/>
-              <a:gd name="connsiteY0" fmla="*/ 2002631 h 2002631"/>
-              <a:gd name="connsiteX1" fmla="*/ 2988469 w 3352800"/>
-              <a:gd name="connsiteY1" fmla="*/ 59530 h 2002631"/>
-              <a:gd name="connsiteX2" fmla="*/ 3352800 w 3352800"/>
-              <a:gd name="connsiteY2" fmla="*/ 0 h 2002631"/>
-              <a:gd name="connsiteX3" fmla="*/ 3352800 w 3352800"/>
-              <a:gd name="connsiteY3" fmla="*/ 2002631 h 2002631"/>
-              <a:gd name="connsiteX4" fmla="*/ 0 w 3352800"/>
-              <a:gd name="connsiteY4" fmla="*/ 2002631 h 2002631"/>
-              <a:gd name="connsiteX0" fmla="*/ 0 w 3352800"/>
-              <a:gd name="connsiteY0" fmla="*/ 2002631 h 2002631"/>
-              <a:gd name="connsiteX1" fmla="*/ 2833966 w 3352800"/>
-              <a:gd name="connsiteY1" fmla="*/ 425 h 2002631"/>
-              <a:gd name="connsiteX2" fmla="*/ 3352800 w 3352800"/>
-              <a:gd name="connsiteY2" fmla="*/ 0 h 2002631"/>
-              <a:gd name="connsiteX3" fmla="*/ 3352800 w 3352800"/>
-              <a:gd name="connsiteY3" fmla="*/ 2002631 h 2002631"/>
-              <a:gd name="connsiteX4" fmla="*/ 0 w 3352800"/>
-              <a:gd name="connsiteY4" fmla="*/ 2002631 h 2002631"/>
-              <a:gd name="connsiteX0" fmla="*/ 0 w 3352800"/>
-              <a:gd name="connsiteY0" fmla="*/ 2002631 h 2002631"/>
-              <a:gd name="connsiteX1" fmla="*/ 2845314 w 3352800"/>
-              <a:gd name="connsiteY1" fmla="*/ 12246 h 2002631"/>
-              <a:gd name="connsiteX2" fmla="*/ 3352800 w 3352800"/>
-              <a:gd name="connsiteY2" fmla="*/ 0 h 2002631"/>
-              <a:gd name="connsiteX3" fmla="*/ 3352800 w 3352800"/>
-              <a:gd name="connsiteY3" fmla="*/ 2002631 h 2002631"/>
-              <a:gd name="connsiteX4" fmla="*/ 0 w 3352800"/>
-              <a:gd name="connsiteY4" fmla="*/ 2002631 h 2002631"/>
-              <a:gd name="connsiteX0" fmla="*/ 0 w 3352800"/>
-              <a:gd name="connsiteY0" fmla="*/ 2002631 h 2002631"/>
-              <a:gd name="connsiteX1" fmla="*/ 2834839 w 3352800"/>
-              <a:gd name="connsiteY1" fmla="*/ 425 h 2002631"/>
-              <a:gd name="connsiteX2" fmla="*/ 3352800 w 3352800"/>
-              <a:gd name="connsiteY2" fmla="*/ 0 h 2002631"/>
-              <a:gd name="connsiteX3" fmla="*/ 3352800 w 3352800"/>
-              <a:gd name="connsiteY3" fmla="*/ 2002631 h 2002631"/>
-              <a:gd name="connsiteX4" fmla="*/ 0 w 3352800"/>
-              <a:gd name="connsiteY4" fmla="*/ 2002631 h 2002631"/>
-              <a:gd name="connsiteX0" fmla="*/ 0 w 3352800"/>
-              <a:gd name="connsiteY0" fmla="*/ 2002631 h 2002631"/>
-              <a:gd name="connsiteX1" fmla="*/ 2875865 w 3352800"/>
-              <a:gd name="connsiteY1" fmla="*/ 81782 h 2002631"/>
-              <a:gd name="connsiteX2" fmla="*/ 3352800 w 3352800"/>
-              <a:gd name="connsiteY2" fmla="*/ 0 h 2002631"/>
-              <a:gd name="connsiteX3" fmla="*/ 3352800 w 3352800"/>
-              <a:gd name="connsiteY3" fmla="*/ 2002631 h 2002631"/>
-              <a:gd name="connsiteX4" fmla="*/ 0 w 3352800"/>
-              <a:gd name="connsiteY4" fmla="*/ 2002631 h 2002631"/>
-              <a:gd name="connsiteX0" fmla="*/ 0 w 3352800"/>
-              <a:gd name="connsiteY0" fmla="*/ 2002901 h 2002901"/>
-              <a:gd name="connsiteX1" fmla="*/ 2836585 w 3352800"/>
-              <a:gd name="connsiteY1" fmla="*/ 0 h 2002901"/>
-              <a:gd name="connsiteX2" fmla="*/ 3352800 w 3352800"/>
-              <a:gd name="connsiteY2" fmla="*/ 270 h 2002901"/>
-              <a:gd name="connsiteX3" fmla="*/ 3352800 w 3352800"/>
-              <a:gd name="connsiteY3" fmla="*/ 2002901 h 2002901"/>
-              <a:gd name="connsiteX4" fmla="*/ 0 w 3352800"/>
-              <a:gd name="connsiteY4" fmla="*/ 2002901 h 2002901"/>
-              <a:gd name="connsiteX0" fmla="*/ 0 w 3352800"/>
-              <a:gd name="connsiteY0" fmla="*/ 2002631 h 2002631"/>
-              <a:gd name="connsiteX1" fmla="*/ 754045 w 3352800"/>
-              <a:gd name="connsiteY1" fmla="*/ 1468326 h 2002631"/>
-              <a:gd name="connsiteX2" fmla="*/ 3352800 w 3352800"/>
-              <a:gd name="connsiteY2" fmla="*/ 0 h 2002631"/>
-              <a:gd name="connsiteX3" fmla="*/ 3352800 w 3352800"/>
-              <a:gd name="connsiteY3" fmla="*/ 2002631 h 2002631"/>
-              <a:gd name="connsiteX4" fmla="*/ 0 w 3352800"/>
-              <a:gd name="connsiteY4" fmla="*/ 2002631 h 2002631"/>
-              <a:gd name="connsiteX0" fmla="*/ 0 w 3352800"/>
-              <a:gd name="connsiteY0" fmla="*/ 534305 h 534305"/>
-              <a:gd name="connsiteX1" fmla="*/ 754045 w 3352800"/>
-              <a:gd name="connsiteY1" fmla="*/ 0 h 534305"/>
-              <a:gd name="connsiteX2" fmla="*/ 3352800 w 3352800"/>
-              <a:gd name="connsiteY2" fmla="*/ 7687 h 534305"/>
-              <a:gd name="connsiteX3" fmla="*/ 3352800 w 3352800"/>
-              <a:gd name="connsiteY3" fmla="*/ 534305 h 534305"/>
-              <a:gd name="connsiteX4" fmla="*/ 0 w 3352800"/>
-              <a:gd name="connsiteY4" fmla="*/ 534305 h 534305"/>
-              <a:gd name="connsiteX0" fmla="*/ 0 w 3352800"/>
-              <a:gd name="connsiteY0" fmla="*/ 534305 h 534305"/>
-              <a:gd name="connsiteX1" fmla="*/ 754045 w 3352800"/>
-              <a:gd name="connsiteY1" fmla="*/ 0 h 534305"/>
-              <a:gd name="connsiteX2" fmla="*/ 3352800 w 3352800"/>
-              <a:gd name="connsiteY2" fmla="*/ 7687 h 534305"/>
-              <a:gd name="connsiteX3" fmla="*/ 3352800 w 3352800"/>
-              <a:gd name="connsiteY3" fmla="*/ 534305 h 534305"/>
-              <a:gd name="connsiteX4" fmla="*/ 0 w 3352800"/>
-              <a:gd name="connsiteY4" fmla="*/ 534305 h 534305"/>
-              <a:gd name="connsiteX0" fmla="*/ 0 w 3352800"/>
-              <a:gd name="connsiteY0" fmla="*/ 526618 h 526618"/>
-              <a:gd name="connsiteX1" fmla="*/ 980611 w 3352800"/>
-              <a:gd name="connsiteY1" fmla="*/ 93681 h 526618"/>
-              <a:gd name="connsiteX2" fmla="*/ 3352800 w 3352800"/>
-              <a:gd name="connsiteY2" fmla="*/ 0 h 526618"/>
-              <a:gd name="connsiteX3" fmla="*/ 3352800 w 3352800"/>
-              <a:gd name="connsiteY3" fmla="*/ 526618 h 526618"/>
-              <a:gd name="connsiteX4" fmla="*/ 0 w 3352800"/>
-              <a:gd name="connsiteY4" fmla="*/ 526618 h 526618"/>
-              <a:gd name="connsiteX0" fmla="*/ 0 w 3352800"/>
-              <a:gd name="connsiteY0" fmla="*/ 526888 h 526888"/>
-              <a:gd name="connsiteX1" fmla="*/ 744735 w 3352800"/>
-              <a:gd name="connsiteY1" fmla="*/ 0 h 526888"/>
-              <a:gd name="connsiteX2" fmla="*/ 3352800 w 3352800"/>
-              <a:gd name="connsiteY2" fmla="*/ 270 h 526888"/>
-              <a:gd name="connsiteX3" fmla="*/ 3352800 w 3352800"/>
-              <a:gd name="connsiteY3" fmla="*/ 526888 h 526888"/>
-              <a:gd name="connsiteX4" fmla="*/ 0 w 3352800"/>
-              <a:gd name="connsiteY4" fmla="*/ 526888 h 526888"/>
-              <a:gd name="connsiteX0" fmla="*/ 0 w 3352800"/>
-              <a:gd name="connsiteY0" fmla="*/ 526618 h 526618"/>
-              <a:gd name="connsiteX1" fmla="*/ 811948 w 3352800"/>
-              <a:gd name="connsiteY1" fmla="*/ 60921 h 526618"/>
-              <a:gd name="connsiteX2" fmla="*/ 3352800 w 3352800"/>
-              <a:gd name="connsiteY2" fmla="*/ 0 h 526618"/>
-              <a:gd name="connsiteX3" fmla="*/ 3352800 w 3352800"/>
-              <a:gd name="connsiteY3" fmla="*/ 526618 h 526618"/>
-              <a:gd name="connsiteX4" fmla="*/ 0 w 3352800"/>
-              <a:gd name="connsiteY4" fmla="*/ 526618 h 526618"/>
-              <a:gd name="connsiteX0" fmla="*/ 0 w 3352800"/>
-              <a:gd name="connsiteY0" fmla="*/ 527584 h 527584"/>
-              <a:gd name="connsiteX1" fmla="*/ 751718 w 3352800"/>
-              <a:gd name="connsiteY1" fmla="*/ 0 h 527584"/>
-              <a:gd name="connsiteX2" fmla="*/ 3352800 w 3352800"/>
-              <a:gd name="connsiteY2" fmla="*/ 966 h 527584"/>
-              <a:gd name="connsiteX3" fmla="*/ 3352800 w 3352800"/>
-              <a:gd name="connsiteY3" fmla="*/ 527584 h 527584"/>
-              <a:gd name="connsiteX4" fmla="*/ 0 w 3352800"/>
-              <a:gd name="connsiteY4" fmla="*/ 527584 h 527584"/>
-              <a:gd name="connsiteX0" fmla="*/ 0 w 3352800"/>
-              <a:gd name="connsiteY0" fmla="*/ 527584 h 527584"/>
-              <a:gd name="connsiteX1" fmla="*/ 751718 w 3352800"/>
-              <a:gd name="connsiteY1" fmla="*/ 0 h 527584"/>
-              <a:gd name="connsiteX2" fmla="*/ 3241069 w 3352800"/>
-              <a:gd name="connsiteY2" fmla="*/ 94144 h 527584"/>
-              <a:gd name="connsiteX3" fmla="*/ 3352800 w 3352800"/>
-              <a:gd name="connsiteY3" fmla="*/ 527584 h 527584"/>
-              <a:gd name="connsiteX4" fmla="*/ 0 w 3352800"/>
-              <a:gd name="connsiteY4" fmla="*/ 527584 h 527584"/>
-              <a:gd name="connsiteX0" fmla="*/ 0 w 3352800"/>
-              <a:gd name="connsiteY0" fmla="*/ 527584 h 527584"/>
-              <a:gd name="connsiteX1" fmla="*/ 751718 w 3352800"/>
-              <a:gd name="connsiteY1" fmla="*/ 0 h 527584"/>
-              <a:gd name="connsiteX2" fmla="*/ 3352800 w 3352800"/>
-              <a:gd name="connsiteY2" fmla="*/ 271 h 527584"/>
-              <a:gd name="connsiteX3" fmla="*/ 3352800 w 3352800"/>
-              <a:gd name="connsiteY3" fmla="*/ 527584 h 527584"/>
-              <a:gd name="connsiteX4" fmla="*/ 0 w 3352800"/>
-              <a:gd name="connsiteY4" fmla="*/ 527584 h 527584"/>
-              <a:gd name="connsiteX0" fmla="*/ 0 w 3352800"/>
-              <a:gd name="connsiteY0" fmla="*/ 527313 h 527313"/>
-              <a:gd name="connsiteX1" fmla="*/ 900984 w 3352800"/>
-              <a:gd name="connsiteY1" fmla="*/ 97774 h 527313"/>
-              <a:gd name="connsiteX2" fmla="*/ 3352800 w 3352800"/>
-              <a:gd name="connsiteY2" fmla="*/ 0 h 527313"/>
-              <a:gd name="connsiteX3" fmla="*/ 3352800 w 3352800"/>
-              <a:gd name="connsiteY3" fmla="*/ 527313 h 527313"/>
-              <a:gd name="connsiteX4" fmla="*/ 0 w 3352800"/>
-              <a:gd name="connsiteY4" fmla="*/ 527313 h 527313"/>
-              <a:gd name="connsiteX0" fmla="*/ 0 w 3352800"/>
-              <a:gd name="connsiteY0" fmla="*/ 527584 h 527584"/>
-              <a:gd name="connsiteX1" fmla="*/ 748227 w 3352800"/>
-              <a:gd name="connsiteY1" fmla="*/ 0 h 527584"/>
-              <a:gd name="connsiteX2" fmla="*/ 3352800 w 3352800"/>
-              <a:gd name="connsiteY2" fmla="*/ 271 h 527584"/>
-              <a:gd name="connsiteX3" fmla="*/ 3352800 w 3352800"/>
-              <a:gd name="connsiteY3" fmla="*/ 527584 h 527584"/>
-              <a:gd name="connsiteX4" fmla="*/ 0 w 3352800"/>
-              <a:gd name="connsiteY4" fmla="*/ 527584 h 527584"/>
-            </a:gdLst>
-            <a:ahLst/>
-            <a:cxnLst>
-              <a:cxn ang="0">
-                <a:pos x="connsiteX0" y="connsiteY0"/>
-              </a:cxn>
-              <a:cxn ang="0">
-                <a:pos x="connsiteX1" y="connsiteY1"/>
-              </a:cxn>
-              <a:cxn ang="0">
-                <a:pos x="connsiteX2" y="connsiteY2"/>
-              </a:cxn>
-              <a:cxn ang="0">
-                <a:pos x="connsiteX3" y="connsiteY3"/>
-              </a:cxn>
-              <a:cxn ang="0">
-                <a:pos x="connsiteX4" y="connsiteY4"/>
-              </a:cxn>
-            </a:cxnLst>
-            <a:rect l="l" t="t" r="r" b="b"/>
-            <a:pathLst>
-              <a:path w="3352800" h="527584">
-                <a:moveTo>
-                  <a:pt x="0" y="527584"/>
-                </a:moveTo>
-                <a:lnTo>
-                  <a:pt x="748227" y="0"/>
-                </a:lnTo>
-                <a:lnTo>
-                  <a:pt x="3352800" y="271"/>
-                </a:lnTo>
-                <a:lnTo>
-                  <a:pt x="3352800" y="527584"/>
-                </a:lnTo>
-                <a:lnTo>
-                  <a:pt x="0" y="527584"/>
-                </a:lnTo>
-                <a:close/>
-              </a:path>
-            </a:pathLst>
-          </a:custGeom>
-          <a:solidFill>
-            <a:schemeClr val="accent3">
-              <a:alpha val="80000"/>
-            </a:schemeClr>
-          </a:solidFill>
-          <a:ln>
-            <a:noFill/>
-          </a:ln>
-        </p:spPr>
-        <p:style>
-          <a:lnRef idx="2">
-            <a:schemeClr val="accent1">
-              <a:shade val="50000"/>
-            </a:schemeClr>
-          </a:lnRef>
-          <a:fillRef idx="1">
-            <a:schemeClr val="accent1"/>
-          </a:fillRef>
-          <a:effectRef idx="0">
-            <a:schemeClr val="accent1"/>
-          </a:effectRef>
-          <a:fontRef idx="minor">
-            <a:schemeClr val="lt1"/>
-          </a:fontRef>
-        </p:style>
-        <p:txBody>
-          <a:bodyPr rtlCol="0" anchor="ctr"/>
-          <a:lstStyle/>
-          <a:p>
-            <a:pPr algn="ctr"/>
-            <a:endParaRPr lang="en-US"/>
-          </a:p>
-        </p:txBody>
-      </p:sp>
-      <p:sp>
-        <p:nvSpPr>
-          <p:cNvPr id="2" name="Title Placeholder 1"/>
-          <p:cNvSpPr>
-            <a:spLocks noGrp="1"/>
-          </p:cNvSpPr>
-          <p:nvPr>
-            <p:ph type="title"/>
-          </p:nvPr>
-        </p:nvSpPr>
-        <p:spPr>
-          <a:xfrm>
-            <a:off x="1097280" y="365760"/>
-            <a:ext cx="10027920" cy="548640"/>
+            <a:off x="2592924" y="624110"/>
+            <a:ext cx="8911687" cy="1280890"/>
           </a:xfrm>
           <a:prstGeom prst="rect">
             <a:avLst/>
           </a:prstGeom>
         </p:spPr>
         <p:txBody>
-          <a:bodyPr vert="horz" lIns="91440" tIns="45720" rIns="91440" bIns="45720" rtlCol="0" anchor="ctr">
-            <a:noAutofit/>
+          <a:bodyPr vert="horz" lIns="91440" tIns="45720" rIns="91440" bIns="45720" rtlCol="0" anchor="t">
+            <a:normAutofit/>
           </a:bodyPr>
           <a:lstStyle/>
           <a:p>
@@ -4353,8 +7127,8 @@
         </p:nvSpPr>
         <p:spPr>
           <a:xfrm>
-            <a:off x="1097280" y="1100629"/>
-            <a:ext cx="10027920" cy="3579849"/>
+            <a:off x="2589212" y="2133600"/>
+            <a:ext cx="8915400" cy="3886200"/>
           </a:xfrm>
           <a:prstGeom prst="rect">
             <a:avLst/>
@@ -4414,9 +7188,9 @@
           </p:nvPr>
         </p:nvSpPr>
         <p:spPr>
-          <a:xfrm rot="19140000">
-            <a:off x="268224" y="5870448"/>
-            <a:ext cx="2901696" cy="201168"/>
+          <a:xfrm>
+            <a:off x="10361612" y="6130437"/>
+            <a:ext cx="1146283" cy="370396"/>
           </a:xfrm>
           <a:prstGeom prst="rect">
             <a:avLst/>
@@ -4425,10 +7199,12 @@
         <p:txBody>
           <a:bodyPr vert="horz" lIns="91440" tIns="45720" rIns="91440" bIns="45720" rtlCol="0" anchor="ctr"/>
           <a:lstStyle>
-            <a:lvl1pPr algn="l">
-              <a:defRPr sz="1200">
+            <a:lvl1pPr algn="r">
+              <a:defRPr sz="900">
                 <a:solidFill>
-                  <a:srgbClr val="FFFFFF"/>
+                  <a:schemeClr val="tx1">
+                    <a:tint val="75000"/>
+                  </a:schemeClr>
                 </a:solidFill>
               </a:defRPr>
             </a:lvl1pPr>
@@ -4455,8 +7231,8 @@
         </p:nvSpPr>
         <p:spPr>
           <a:xfrm>
-            <a:off x="4690019" y="6285122"/>
-            <a:ext cx="6299200" cy="274320"/>
+            <a:off x="2589212" y="6135808"/>
+            <a:ext cx="7619999" cy="365125"/>
           </a:xfrm>
           <a:prstGeom prst="rect">
             <a:avLst/>
@@ -4465,10 +7241,12 @@
         <p:txBody>
           <a:bodyPr vert="horz" lIns="91440" tIns="45720" rIns="91440" bIns="45720" rtlCol="0" anchor="ctr"/>
           <a:lstStyle>
-            <a:lvl1pPr algn="r">
-              <a:defRPr sz="1000" cap="all" spc="200" baseline="0">
+            <a:lvl1pPr algn="l">
+              <a:defRPr sz="900">
                 <a:solidFill>
-                  <a:srgbClr val="FFFFFF"/>
+                  <a:schemeClr val="tx1">
+                    <a:tint val="75000"/>
+                  </a:schemeClr>
                 </a:solidFill>
               </a:defRPr>
             </a:lvl1pPr>
@@ -4488,29 +7266,22 @@
             <p:ph type="sldNum" sz="quarter" idx="4"/>
           </p:nvPr>
         </p:nvSpPr>
-        <p:spPr>
+        <p:spPr bwMode="gray">
           <a:xfrm>
-            <a:off x="11201384" y="6170822"/>
-            <a:ext cx="670560" cy="502920"/>
+            <a:off x="531812" y="787782"/>
+            <a:ext cx="779767" cy="365125"/>
           </a:xfrm>
-          <a:prstGeom prst="ellipse">
+          <a:prstGeom prst="rect">
             <a:avLst/>
           </a:prstGeom>
-          <a:ln w="19050">
-            <a:solidFill>
-              <a:srgbClr val="FFFFFF"/>
-            </a:solidFill>
-          </a:ln>
         </p:spPr>
         <p:txBody>
-          <a:bodyPr vert="horz" lIns="9144" tIns="9144" rIns="9144" bIns="9144" rtlCol="0" anchor="ctr">
-            <a:normAutofit/>
-          </a:bodyPr>
+          <a:bodyPr vert="horz" lIns="91440" tIns="45720" rIns="91440" bIns="45720" rtlCol="0" anchor="ctr"/>
           <a:lstStyle>
-            <a:lvl1pPr algn="ctr">
-              <a:defRPr sz="1650">
+            <a:lvl1pPr algn="r">
+              <a:defRPr sz="2000">
                 <a:solidFill>
-                  <a:srgbClr val="FFFFFF"/>
+                  <a:srgbClr val="FEFFFF"/>
                 </a:solidFill>
               </a:defRPr>
             </a:lvl1pPr>
@@ -4526,192 +7297,318 @@
         </p:txBody>
       </p:sp>
     </p:spTree>
+    <p:extLst>
+      <p:ext uri="{BB962C8B-B14F-4D97-AF65-F5344CB8AC3E}">
+        <p14:creationId xmlns:p14="http://schemas.microsoft.com/office/powerpoint/2010/main" val="3528070469"/>
+      </p:ext>
+    </p:extLst>
   </p:cSld>
   <p:clrMap bg1="lt1" tx1="dk1" bg2="lt2" tx2="dk2" accent1="accent1" accent2="accent2" accent3="accent3" accent4="accent4" accent5="accent5" accent6="accent6" hlink="hlink" folHlink="folHlink"/>
   <p:sldLayoutIdLst>
-    <p:sldLayoutId id="2147483762" r:id="rId1"/>
-    <p:sldLayoutId id="2147483763" r:id="rId2"/>
-    <p:sldLayoutId id="2147483764" r:id="rId3"/>
-    <p:sldLayoutId id="2147483765" r:id="rId4"/>
-    <p:sldLayoutId id="2147483766" r:id="rId5"/>
-    <p:sldLayoutId id="2147483767" r:id="rId6"/>
-    <p:sldLayoutId id="2147483768" r:id="rId7"/>
-    <p:sldLayoutId id="2147483769" r:id="rId8"/>
-    <p:sldLayoutId id="2147483770" r:id="rId9"/>
-    <p:sldLayoutId id="2147483771" r:id="rId10"/>
-    <p:sldLayoutId id="2147483772" r:id="rId11"/>
+    <p:sldLayoutId id="2147483774" r:id="rId1"/>
+    <p:sldLayoutId id="2147483775" r:id="rId2"/>
+    <p:sldLayoutId id="2147483776" r:id="rId3"/>
+    <p:sldLayoutId id="2147483777" r:id="rId4"/>
+    <p:sldLayoutId id="2147483778" r:id="rId5"/>
+    <p:sldLayoutId id="2147483779" r:id="rId6"/>
+    <p:sldLayoutId id="2147483780" r:id="rId7"/>
+    <p:sldLayoutId id="2147483781" r:id="rId8"/>
+    <p:sldLayoutId id="2147483782" r:id="rId9"/>
+    <p:sldLayoutId id="2147483783" r:id="rId10"/>
+    <p:sldLayoutId id="2147483784" r:id="rId11"/>
+    <p:sldLayoutId id="2147483785" r:id="rId12"/>
+    <p:sldLayoutId id="2147483786" r:id="rId13"/>
+    <p:sldLayoutId id="2147483787" r:id="rId14"/>
+    <p:sldLayoutId id="2147483788" r:id="rId15"/>
+    <p:sldLayoutId id="2147483789" r:id="rId16"/>
   </p:sldLayoutIdLst>
   <p:txStyles>
     <p:titleStyle>
-      <a:lvl1pPr algn="l" defTabSz="914400" rtl="0" eaLnBrk="1" latinLnBrk="0" hangingPunct="1">
+      <a:lvl1pPr algn="l" defTabSz="457200" rtl="0" eaLnBrk="1" latinLnBrk="0" hangingPunct="1">
         <a:spcBef>
           <a:spcPct val="0"/>
         </a:spcBef>
         <a:buNone/>
-        <a:defRPr sz="2800" kern="1200" cap="all" baseline="0">
+        <a:defRPr sz="3600" kern="1200">
           <a:solidFill>
-            <a:schemeClr val="tx1"/>
+            <a:schemeClr val="tx1">
+              <a:lumMod val="85000"/>
+              <a:lumOff val="15000"/>
+            </a:schemeClr>
           </a:solidFill>
           <a:latin typeface="+mj-lt"/>
           <a:ea typeface="+mj-ea"/>
           <a:cs typeface="+mj-cs"/>
         </a:defRPr>
       </a:lvl1pPr>
+      <a:lvl2pPr eaLnBrk="1" hangingPunct="1">
+        <a:defRPr>
+          <a:solidFill>
+            <a:schemeClr val="tx2"/>
+          </a:solidFill>
+        </a:defRPr>
+      </a:lvl2pPr>
+      <a:lvl3pPr eaLnBrk="1" hangingPunct="1">
+        <a:defRPr>
+          <a:solidFill>
+            <a:schemeClr val="tx2"/>
+          </a:solidFill>
+        </a:defRPr>
+      </a:lvl3pPr>
+      <a:lvl4pPr eaLnBrk="1" hangingPunct="1">
+        <a:defRPr>
+          <a:solidFill>
+            <a:schemeClr val="tx2"/>
+          </a:solidFill>
+        </a:defRPr>
+      </a:lvl4pPr>
+      <a:lvl5pPr eaLnBrk="1" hangingPunct="1">
+        <a:defRPr>
+          <a:solidFill>
+            <a:schemeClr val="tx2"/>
+          </a:solidFill>
+        </a:defRPr>
+      </a:lvl5pPr>
+      <a:lvl6pPr eaLnBrk="1" hangingPunct="1">
+        <a:defRPr>
+          <a:solidFill>
+            <a:schemeClr val="tx2"/>
+          </a:solidFill>
+        </a:defRPr>
+      </a:lvl6pPr>
+      <a:lvl7pPr eaLnBrk="1" hangingPunct="1">
+        <a:defRPr>
+          <a:solidFill>
+            <a:schemeClr val="tx2"/>
+          </a:solidFill>
+        </a:defRPr>
+      </a:lvl7pPr>
+      <a:lvl8pPr eaLnBrk="1" hangingPunct="1">
+        <a:defRPr>
+          <a:solidFill>
+            <a:schemeClr val="tx2"/>
+          </a:solidFill>
+        </a:defRPr>
+      </a:lvl8pPr>
+      <a:lvl9pPr eaLnBrk="1" hangingPunct="1">
+        <a:defRPr>
+          <a:solidFill>
+            <a:schemeClr val="tx2"/>
+          </a:solidFill>
+        </a:defRPr>
+      </a:lvl9pPr>
     </p:titleStyle>
     <p:bodyStyle>
-      <a:lvl1pPr marL="342900" indent="-342900" algn="l" defTabSz="914400" rtl="0" eaLnBrk="1" latinLnBrk="0" hangingPunct="1">
+      <a:lvl1pPr marL="342900" indent="-342900" algn="l" defTabSz="457200" rtl="0" eaLnBrk="1" latinLnBrk="0" hangingPunct="1">
         <a:spcBef>
-          <a:spcPts val="800"/>
+          <a:spcPts val="1000"/>
         </a:spcBef>
-        <a:buFont typeface="Arial" pitchFamily="34" charset="0"/>
-        <a:buNone/>
-        <a:defRPr sz="1600" b="1" kern="1200">
+        <a:spcAft>
+          <a:spcPts val="0"/>
+        </a:spcAft>
+        <a:buClr>
+          <a:schemeClr val="accent1"/>
+        </a:buClr>
+        <a:buFont typeface="Wingdings 3" charset="2"/>
+        <a:buChar char=""/>
+        <a:defRPr sz="1800" kern="1200">
           <a:solidFill>
-            <a:schemeClr val="tx1"/>
+            <a:schemeClr val="tx1">
+              <a:lumMod val="75000"/>
+              <a:lumOff val="25000"/>
+            </a:schemeClr>
           </a:solidFill>
           <a:latin typeface="+mn-lt"/>
           <a:ea typeface="+mn-ea"/>
           <a:cs typeface="+mn-cs"/>
         </a:defRPr>
       </a:lvl1pPr>
-      <a:lvl2pPr marL="173736" indent="-173736" algn="l" defTabSz="914400" rtl="0" eaLnBrk="1" latinLnBrk="0" hangingPunct="1">
+      <a:lvl2pPr marL="742950" indent="-285750" algn="l" defTabSz="457200" rtl="0" eaLnBrk="1" latinLnBrk="0" hangingPunct="1">
         <a:spcBef>
-          <a:spcPts val="300"/>
+          <a:spcPts val="1000"/>
         </a:spcBef>
+        <a:spcAft>
+          <a:spcPts val="0"/>
+        </a:spcAft>
         <a:buClr>
-          <a:schemeClr val="accent2"/>
+          <a:schemeClr val="accent1"/>
         </a:buClr>
-        <a:buFont typeface="Wingdings" pitchFamily="2" charset="2"/>
-        <a:buChar char="§"/>
+        <a:buFont typeface="Wingdings 3" charset="2"/>
+        <a:buChar char=""/>
         <a:defRPr sz="1600" kern="1200">
           <a:solidFill>
-            <a:schemeClr val="tx1"/>
+            <a:schemeClr val="tx1">
+              <a:lumMod val="75000"/>
+              <a:lumOff val="25000"/>
+            </a:schemeClr>
           </a:solidFill>
           <a:latin typeface="+mn-lt"/>
           <a:ea typeface="+mn-ea"/>
           <a:cs typeface="+mn-cs"/>
         </a:defRPr>
       </a:lvl2pPr>
-      <a:lvl3pPr marL="402336" indent="-164592" algn="l" defTabSz="914400" rtl="0" eaLnBrk="1" latinLnBrk="0" hangingPunct="1">
+      <a:lvl3pPr marL="1143000" indent="-228600" algn="l" defTabSz="457200" rtl="0" eaLnBrk="1" latinLnBrk="0" hangingPunct="1">
         <a:spcBef>
-          <a:spcPts val="300"/>
+          <a:spcPts val="1000"/>
         </a:spcBef>
+        <a:spcAft>
+          <a:spcPts val="0"/>
+        </a:spcAft>
         <a:buClr>
-          <a:schemeClr val="accent2"/>
+          <a:schemeClr val="accent1"/>
         </a:buClr>
-        <a:buFont typeface="Wingdings" pitchFamily="2" charset="2"/>
-        <a:buChar char="§"/>
-        <a:defRPr sz="1600" kern="1200">
+        <a:buFont typeface="Wingdings 3" charset="2"/>
+        <a:buChar char=""/>
+        <a:defRPr sz="1400" kern="1200">
           <a:solidFill>
-            <a:schemeClr val="tx1"/>
+            <a:schemeClr val="tx1">
+              <a:lumMod val="75000"/>
+              <a:lumOff val="25000"/>
+            </a:schemeClr>
           </a:solidFill>
           <a:latin typeface="+mn-lt"/>
           <a:ea typeface="+mn-ea"/>
           <a:cs typeface="+mn-cs"/>
         </a:defRPr>
       </a:lvl3pPr>
-      <a:lvl4pPr marL="630936" indent="-164592" algn="l" defTabSz="914400" rtl="0" eaLnBrk="1" latinLnBrk="0" hangingPunct="1">
+      <a:lvl4pPr marL="1600200" indent="-228600" algn="l" defTabSz="457200" rtl="0" eaLnBrk="1" latinLnBrk="0" hangingPunct="1">
         <a:spcBef>
-          <a:spcPts val="300"/>
+          <a:spcPts val="1000"/>
         </a:spcBef>
+        <a:spcAft>
+          <a:spcPts val="0"/>
+        </a:spcAft>
         <a:buClr>
-          <a:schemeClr val="accent2"/>
+          <a:schemeClr val="accent1"/>
         </a:buClr>
-        <a:buFont typeface="Wingdings" pitchFamily="2" charset="2"/>
-        <a:buChar char="§"/>
-        <a:defRPr sz="1600" kern="1200">
+        <a:buFont typeface="Wingdings 3" charset="2"/>
+        <a:buChar char=""/>
+        <a:defRPr sz="1200" kern="1200">
           <a:solidFill>
-            <a:schemeClr val="tx1"/>
+            <a:schemeClr val="tx1">
+              <a:lumMod val="75000"/>
+              <a:lumOff val="25000"/>
+            </a:schemeClr>
           </a:solidFill>
           <a:latin typeface="+mn-lt"/>
           <a:ea typeface="+mn-ea"/>
           <a:cs typeface="+mn-cs"/>
         </a:defRPr>
       </a:lvl4pPr>
-      <a:lvl5pPr marL="859536" indent="-173736" algn="l" defTabSz="914400" rtl="0" eaLnBrk="1" latinLnBrk="0" hangingPunct="1">
+      <a:lvl5pPr marL="2057400" indent="-228600" algn="l" defTabSz="457200" rtl="0" eaLnBrk="1" latinLnBrk="0" hangingPunct="1">
         <a:spcBef>
-          <a:spcPts val="300"/>
+          <a:spcPts val="1000"/>
         </a:spcBef>
+        <a:spcAft>
+          <a:spcPts val="0"/>
+        </a:spcAft>
         <a:buClr>
-          <a:schemeClr val="accent2"/>
+          <a:schemeClr val="accent1"/>
         </a:buClr>
-        <a:buFont typeface="Wingdings" pitchFamily="2" charset="2"/>
-        <a:buChar char="§"/>
-        <a:defRPr sz="1600" kern="1200">
+        <a:buFont typeface="Wingdings 3" charset="2"/>
+        <a:buChar char=""/>
+        <a:defRPr sz="1200" kern="1200">
           <a:solidFill>
-            <a:schemeClr val="tx1"/>
+            <a:schemeClr val="tx1">
+              <a:lumMod val="75000"/>
+              <a:lumOff val="25000"/>
+            </a:schemeClr>
           </a:solidFill>
           <a:latin typeface="+mn-lt"/>
           <a:ea typeface="+mn-ea"/>
           <a:cs typeface="+mn-cs"/>
         </a:defRPr>
       </a:lvl5pPr>
-      <a:lvl6pPr marL="1097280" indent="-173736" algn="l" defTabSz="914400" rtl="0" eaLnBrk="1" latinLnBrk="0" hangingPunct="1">
+      <a:lvl6pPr marL="2514600" indent="-228600" algn="l" defTabSz="457200" rtl="0" eaLnBrk="1" latinLnBrk="0" hangingPunct="1">
         <a:spcBef>
-          <a:spcPts val="300"/>
+          <a:spcPts val="1000"/>
         </a:spcBef>
+        <a:spcAft>
+          <a:spcPts val="0"/>
+        </a:spcAft>
         <a:buClr>
-          <a:schemeClr val="accent2"/>
+          <a:schemeClr val="accent1"/>
         </a:buClr>
-        <a:buFont typeface="Wingdings" pitchFamily="2" charset="2"/>
-        <a:buChar char="§"/>
-        <a:defRPr sz="1400" kern="1200">
+        <a:buFont typeface="Wingdings 3" charset="2"/>
+        <a:buChar char=""/>
+        <a:defRPr sz="1200" kern="1200">
           <a:solidFill>
-            <a:schemeClr val="tx1"/>
+            <a:schemeClr val="tx1">
+              <a:lumMod val="75000"/>
+              <a:lumOff val="25000"/>
+            </a:schemeClr>
           </a:solidFill>
           <a:latin typeface="+mn-lt"/>
           <a:ea typeface="+mn-ea"/>
           <a:cs typeface="+mn-cs"/>
         </a:defRPr>
       </a:lvl6pPr>
-      <a:lvl7pPr marL="1353312" indent="-164592" algn="l" defTabSz="914400" rtl="0" eaLnBrk="1" latinLnBrk="0" hangingPunct="1">
+      <a:lvl7pPr marL="2971800" indent="-228600" algn="l" defTabSz="457200" rtl="0" eaLnBrk="1" latinLnBrk="0" hangingPunct="1">
         <a:spcBef>
-          <a:spcPts val="300"/>
+          <a:spcPts val="1000"/>
         </a:spcBef>
+        <a:spcAft>
+          <a:spcPts val="0"/>
+        </a:spcAft>
         <a:buClr>
-          <a:schemeClr val="accent2"/>
+          <a:schemeClr val="accent1"/>
         </a:buClr>
-        <a:buFont typeface="Wingdings" pitchFamily="2" charset="2"/>
-        <a:buChar char="§"/>
-        <a:defRPr sz="1400" kern="1200">
+        <a:buFont typeface="Wingdings 3" charset="2"/>
+        <a:buChar char=""/>
+        <a:defRPr sz="1200" kern="1200">
           <a:solidFill>
-            <a:schemeClr val="tx1"/>
+            <a:schemeClr val="tx1">
+              <a:lumMod val="75000"/>
+              <a:lumOff val="25000"/>
+            </a:schemeClr>
           </a:solidFill>
           <a:latin typeface="+mn-lt"/>
           <a:ea typeface="+mn-ea"/>
           <a:cs typeface="+mn-cs"/>
         </a:defRPr>
       </a:lvl7pPr>
-      <a:lvl8pPr marL="1581912" indent="-164592" algn="l" defTabSz="914400" rtl="0" eaLnBrk="1" latinLnBrk="0" hangingPunct="1">
+      <a:lvl8pPr marL="3429000" indent="-228600" algn="l" defTabSz="457200" rtl="0" eaLnBrk="1" latinLnBrk="0" hangingPunct="1">
         <a:spcBef>
-          <a:spcPts val="300"/>
+          <a:spcPts val="1000"/>
         </a:spcBef>
+        <a:spcAft>
+          <a:spcPts val="0"/>
+        </a:spcAft>
         <a:buClr>
-          <a:schemeClr val="accent2"/>
+          <a:schemeClr val="accent1"/>
         </a:buClr>
-        <a:buFont typeface="Wingdings" pitchFamily="2" charset="2"/>
-        <a:buChar char="§"/>
-        <a:defRPr sz="1400" kern="1200">
+        <a:buFont typeface="Wingdings 3" charset="2"/>
+        <a:buChar char=""/>
+        <a:defRPr sz="1200" kern="1200">
           <a:solidFill>
-            <a:schemeClr val="tx1"/>
+            <a:schemeClr val="tx1">
+              <a:lumMod val="75000"/>
+              <a:lumOff val="25000"/>
+            </a:schemeClr>
           </a:solidFill>
           <a:latin typeface="+mn-lt"/>
           <a:ea typeface="+mn-ea"/>
           <a:cs typeface="+mn-cs"/>
         </a:defRPr>
       </a:lvl8pPr>
-      <a:lvl9pPr marL="1792224" indent="-164592" algn="l" defTabSz="914400" rtl="0" eaLnBrk="1" latinLnBrk="0" hangingPunct="1">
+      <a:lvl9pPr marL="3886200" indent="-228600" algn="l" defTabSz="457200" rtl="0" eaLnBrk="1" latinLnBrk="0" hangingPunct="1">
         <a:spcBef>
-          <a:spcPts val="300"/>
+          <a:spcPts val="1000"/>
         </a:spcBef>
+        <a:spcAft>
+          <a:spcPts val="0"/>
+        </a:spcAft>
         <a:buClr>
-          <a:schemeClr val="accent2"/>
+          <a:schemeClr val="accent1"/>
         </a:buClr>
-        <a:buFont typeface="Wingdings" pitchFamily="2" charset="2"/>
-        <a:buChar char="§"/>
-        <a:defRPr sz="1400" kern="1200">
+        <a:buFont typeface="Wingdings 3" charset="2"/>
+        <a:buChar char=""/>
+        <a:defRPr sz="1200" kern="1200">
           <a:solidFill>
-            <a:schemeClr val="tx1"/>
+            <a:schemeClr val="tx1">
+              <a:lumMod val="75000"/>
+              <a:lumOff val="25000"/>
+            </a:schemeClr>
           </a:solidFill>
           <a:latin typeface="+mn-lt"/>
           <a:ea typeface="+mn-ea"/>
@@ -4723,7 +7620,7 @@
       <a:defPPr>
         <a:defRPr lang="en-US"/>
       </a:defPPr>
-      <a:lvl1pPr marL="0" algn="l" defTabSz="914400" rtl="0" eaLnBrk="1" latinLnBrk="0" hangingPunct="1">
+      <a:lvl1pPr marL="0" algn="l" defTabSz="457200" rtl="0" eaLnBrk="1" latinLnBrk="0" hangingPunct="1">
         <a:defRPr sz="1800" kern="1200">
           <a:solidFill>
             <a:schemeClr val="tx1"/>
@@ -4733,7 +7630,7 @@
           <a:cs typeface="+mn-cs"/>
         </a:defRPr>
       </a:lvl1pPr>
-      <a:lvl2pPr marL="457200" algn="l" defTabSz="914400" rtl="0" eaLnBrk="1" latinLnBrk="0" hangingPunct="1">
+      <a:lvl2pPr marL="457200" algn="l" defTabSz="457200" rtl="0" eaLnBrk="1" latinLnBrk="0" hangingPunct="1">
         <a:defRPr sz="1800" kern="1200">
           <a:solidFill>
             <a:schemeClr val="tx1"/>
@@ -4743,7 +7640,7 @@
           <a:cs typeface="+mn-cs"/>
         </a:defRPr>
       </a:lvl2pPr>
-      <a:lvl3pPr marL="914400" algn="l" defTabSz="914400" rtl="0" eaLnBrk="1" latinLnBrk="0" hangingPunct="1">
+      <a:lvl3pPr marL="914400" algn="l" defTabSz="457200" rtl="0" eaLnBrk="1" latinLnBrk="0" hangingPunct="1">
         <a:defRPr sz="1800" kern="1200">
           <a:solidFill>
             <a:schemeClr val="tx1"/>
@@ -4753,7 +7650,7 @@
           <a:cs typeface="+mn-cs"/>
         </a:defRPr>
       </a:lvl3pPr>
-      <a:lvl4pPr marL="1371600" algn="l" defTabSz="914400" rtl="0" eaLnBrk="1" latinLnBrk="0" hangingPunct="1">
+      <a:lvl4pPr marL="1371600" algn="l" defTabSz="457200" rtl="0" eaLnBrk="1" latinLnBrk="0" hangingPunct="1">
         <a:defRPr sz="1800" kern="1200">
           <a:solidFill>
             <a:schemeClr val="tx1"/>
@@ -4763,7 +7660,7 @@
           <a:cs typeface="+mn-cs"/>
         </a:defRPr>
       </a:lvl4pPr>
-      <a:lvl5pPr marL="1828800" algn="l" defTabSz="914400" rtl="0" eaLnBrk="1" latinLnBrk="0" hangingPunct="1">
+      <a:lvl5pPr marL="1828800" algn="l" defTabSz="457200" rtl="0" eaLnBrk="1" latinLnBrk="0" hangingPunct="1">
         <a:defRPr sz="1800" kern="1200">
           <a:solidFill>
             <a:schemeClr val="tx1"/>
@@ -4773,7 +7670,7 @@
           <a:cs typeface="+mn-cs"/>
         </a:defRPr>
       </a:lvl5pPr>
-      <a:lvl6pPr marL="2286000" algn="l" defTabSz="914400" rtl="0" eaLnBrk="1" latinLnBrk="0" hangingPunct="1">
+      <a:lvl6pPr marL="2286000" algn="l" defTabSz="457200" rtl="0" eaLnBrk="1" latinLnBrk="0" hangingPunct="1">
         <a:defRPr sz="1800" kern="1200">
           <a:solidFill>
             <a:schemeClr val="tx1"/>
@@ -4783,7 +7680,7 @@
           <a:cs typeface="+mn-cs"/>
         </a:defRPr>
       </a:lvl6pPr>
-      <a:lvl7pPr marL="2743200" algn="l" defTabSz="914400" rtl="0" eaLnBrk="1" latinLnBrk="0" hangingPunct="1">
+      <a:lvl7pPr marL="2743200" algn="l" defTabSz="457200" rtl="0" eaLnBrk="1" latinLnBrk="0" hangingPunct="1">
         <a:defRPr sz="1800" kern="1200">
           <a:solidFill>
             <a:schemeClr val="tx1"/>
@@ -4793,7 +7690,7 @@
           <a:cs typeface="+mn-cs"/>
         </a:defRPr>
       </a:lvl7pPr>
-      <a:lvl8pPr marL="3200400" algn="l" defTabSz="914400" rtl="0" eaLnBrk="1" latinLnBrk="0" hangingPunct="1">
+      <a:lvl8pPr marL="3200400" algn="l" defTabSz="457200" rtl="0" eaLnBrk="1" latinLnBrk="0" hangingPunct="1">
         <a:defRPr sz="1800" kern="1200">
           <a:solidFill>
             <a:schemeClr val="tx1"/>
@@ -4803,7 +7700,7 @@
           <a:cs typeface="+mn-cs"/>
         </a:defRPr>
       </a:lvl8pPr>
-      <a:lvl9pPr marL="3657600" algn="l" defTabSz="914400" rtl="0" eaLnBrk="1" latinLnBrk="0" hangingPunct="1">
+      <a:lvl9pPr marL="3657600" algn="l" defTabSz="457200" rtl="0" eaLnBrk="1" latinLnBrk="0" hangingPunct="1">
         <a:defRPr sz="1800" kern="1200">
           <a:solidFill>
             <a:schemeClr val="tx1"/>
@@ -6438,7 +9335,7 @@
         </p:spPr>
         <p:txBody>
           <a:bodyPr>
-            <a:normAutofit/>
+            <a:normAutofit lnSpcReduction="10000"/>
           </a:bodyPr>
           <a:lstStyle/>
           <a:p>
@@ -6806,58 +9703,58 @@
 </file>
 
 <file path=ppt/theme/theme1.xml><?xml version="1.0" encoding="utf-8"?>
-<a:theme xmlns:a="http://schemas.openxmlformats.org/drawingml/2006/main" name="Ángulos">
+<a:theme xmlns:a="http://schemas.openxmlformats.org/drawingml/2006/main" name="Espiral">
   <a:themeElements>
-    <a:clrScheme name="Ángulos">
+    <a:clrScheme name="Espiral">
       <a:dk1>
-        <a:srgbClr val="000000"/>
+        <a:sysClr val="windowText" lastClr="000000"/>
       </a:dk1>
       <a:lt1>
-        <a:srgbClr val="FFFFFF"/>
+        <a:sysClr val="window" lastClr="FFFFFF"/>
       </a:lt1>
       <a:dk2>
-        <a:srgbClr val="434342"/>
+        <a:srgbClr val="766F54"/>
       </a:dk2>
       <a:lt2>
-        <a:srgbClr val="CDD7D9"/>
+        <a:srgbClr val="E3EACF"/>
       </a:lt2>
       <a:accent1>
-        <a:srgbClr val="797B7E"/>
+        <a:srgbClr val="A53010"/>
       </a:accent1>
       <a:accent2>
-        <a:srgbClr val="F96A1B"/>
+        <a:srgbClr val="DE7E18"/>
       </a:accent2>
       <a:accent3>
-        <a:srgbClr val="08A1D9"/>
+        <a:srgbClr val="9F8351"/>
       </a:accent3>
       <a:accent4>
-        <a:srgbClr val="7C984A"/>
+        <a:srgbClr val="728653"/>
       </a:accent4>
       <a:accent5>
-        <a:srgbClr val="C2AD8D"/>
+        <a:srgbClr val="92AA4C"/>
       </a:accent5>
       <a:accent6>
-        <a:srgbClr val="506E94"/>
+        <a:srgbClr val="6AAC91"/>
       </a:accent6>
       <a:hlink>
-        <a:srgbClr val="5F5F5F"/>
+        <a:srgbClr val="FB4A18"/>
       </a:hlink>
       <a:folHlink>
-        <a:srgbClr val="969696"/>
+        <a:srgbClr val="FB9318"/>
       </a:folHlink>
     </a:clrScheme>
-    <a:fontScheme name="Ángulos">
+    <a:fontScheme name="Espiral">
       <a:majorFont>
-        <a:latin typeface="Franklin Gothic Medium"/>
+        <a:latin typeface="Century Gothic" panose="020B0502020202020204"/>
         <a:ea typeface=""/>
         <a:cs typeface=""/>
-        <a:font script="Jpan" typeface="HG創英角ｺﾞｼｯｸUB"/>
-        <a:font script="Hang" typeface="돋움"/>
-        <a:font script="Hans" typeface="微软雅黑"/>
+        <a:font script="Jpan" typeface="メイリオ"/>
+        <a:font script="Hang" typeface="HY중고딕"/>
+        <a:font script="Hans" typeface="幼圆"/>
         <a:font script="Hant" typeface="微軟正黑體"/>
         <a:font script="Arab" typeface="Tahoma"/>
-        <a:font script="Hebr" typeface="Aharoni"/>
-        <a:font script="Thai" typeface="LilyUPC"/>
+        <a:font script="Hebr" typeface="Gisha"/>
+        <a:font script="Thai" typeface="DilleniaUPC"/>
         <a:font script="Ethi" typeface="Nyala"/>
         <a:font script="Beng" typeface="Vrinda"/>
         <a:font script="Gujr" typeface="Shruti"/>
@@ -6878,25 +9775,25 @@
         <a:font script="Laoo" typeface="DokChampa"/>
         <a:font script="Sinh" typeface="Iskoola Pota"/>
         <a:font script="Mong" typeface="Mongolian Baiti"/>
-        <a:font script="Viet" typeface="Arial"/>
+        <a:font script="Viet" typeface="Tahoma"/>
         <a:font script="Uigh" typeface="Microsoft Uighur"/>
         <a:font script="Geor" typeface="Sylfaen"/>
       </a:majorFont>
       <a:minorFont>
-        <a:latin typeface="Franklin Gothic Book"/>
+        <a:latin typeface="Century Gothic" panose="020B0502020202020204"/>
         <a:ea typeface=""/>
         <a:cs typeface=""/>
-        <a:font script="Jpan" typeface="ＭＳ Ｐゴシック"/>
-        <a:font script="Hang" typeface="맑은 고딕"/>
-        <a:font script="Hans" typeface="隶书"/>
-        <a:font script="Hant" typeface="新細明體"/>
-        <a:font script="Arab" typeface="Arial"/>
-        <a:font script="Hebr" typeface="Arial"/>
-        <a:font script="Thai" typeface="Cordia New"/>
+        <a:font script="Jpan" typeface="メイリオ"/>
+        <a:font script="Hang" typeface="HY중고딕"/>
+        <a:font script="Hans" typeface="幼圆"/>
+        <a:font script="Hant" typeface="微軟正黑體"/>
+        <a:font script="Arab" typeface="Tahoma"/>
+        <a:font script="Hebr" typeface="Gisha"/>
+        <a:font script="Thai" typeface="DilleniaUPC"/>
         <a:font script="Ethi" typeface="Nyala"/>
         <a:font script="Beng" typeface="Vrinda"/>
         <a:font script="Gujr" typeface="Shruti"/>
-        <a:font script="Khmr" typeface="MoolBoran"/>
+        <a:font script="Khmr" typeface="DaunPenh"/>
         <a:font script="Knda" typeface="Tunga"/>
         <a:font script="Guru" typeface="Raavi"/>
         <a:font script="Cans" typeface="Euphemia"/>
@@ -6913,80 +9810,56 @@
         <a:font script="Laoo" typeface="DokChampa"/>
         <a:font script="Sinh" typeface="Iskoola Pota"/>
         <a:font script="Mong" typeface="Mongolian Baiti"/>
-        <a:font script="Viet" typeface="Arial"/>
+        <a:font script="Viet" typeface="Tahoma"/>
         <a:font script="Uigh" typeface="Microsoft Uighur"/>
         <a:font script="Geor" typeface="Sylfaen"/>
       </a:minorFont>
     </a:fontScheme>
-    <a:fmtScheme name="Ángulos">
+    <a:fmtScheme name="Espiral">
       <a:fillStyleLst>
         <a:solidFill>
           <a:schemeClr val="phClr"/>
+        </a:solidFill>
+        <a:solidFill>
+          <a:schemeClr val="phClr">
+            <a:tint val="70000"/>
+            <a:lumMod val="104000"/>
+          </a:schemeClr>
         </a:solidFill>
         <a:gradFill rotWithShape="1">
           <a:gsLst>
             <a:gs pos="0">
               <a:schemeClr val="phClr">
-                <a:tint val="50000"/>
-                <a:satMod val="300000"/>
-              </a:schemeClr>
-            </a:gs>
-            <a:gs pos="35000">
-              <a:schemeClr val="phClr">
-                <a:tint val="37000"/>
-                <a:satMod val="300000"/>
+                <a:tint val="96000"/>
+                <a:lumMod val="104000"/>
               </a:schemeClr>
             </a:gs>
             <a:gs pos="100000">
               <a:schemeClr val="phClr">
-                <a:tint val="15000"/>
-                <a:satMod val="350000"/>
+                <a:shade val="98000"/>
+                <a:lumMod val="94000"/>
               </a:schemeClr>
             </a:gs>
           </a:gsLst>
-          <a:lin ang="16200000" scaled="1"/>
-        </a:gradFill>
-        <a:gradFill rotWithShape="1">
-          <a:gsLst>
-            <a:gs pos="0">
-              <a:schemeClr val="phClr">
-                <a:shade val="51000"/>
-                <a:satMod val="130000"/>
-              </a:schemeClr>
-            </a:gs>
-            <a:gs pos="80000">
-              <a:schemeClr val="phClr">
-                <a:shade val="93000"/>
-                <a:satMod val="130000"/>
-              </a:schemeClr>
-            </a:gs>
-            <a:gs pos="100000">
-              <a:schemeClr val="phClr">
-                <a:shade val="94000"/>
-                <a:satMod val="135000"/>
-              </a:schemeClr>
-            </a:gs>
-          </a:gsLst>
-          <a:lin ang="16200000" scaled="0"/>
+          <a:lin ang="5400000" scaled="0"/>
         </a:gradFill>
       </a:fillStyleLst>
       <a:lnStyleLst>
-        <a:ln w="9525" cap="flat" cmpd="sng" algn="ctr">
+        <a:ln w="9525" cap="rnd" cmpd="sng" algn="ctr">
           <a:solidFill>
             <a:schemeClr val="phClr">
-              <a:shade val="95000"/>
-              <a:satMod val="105000"/>
+              <a:shade val="90000"/>
             </a:schemeClr>
           </a:solidFill>
           <a:prstDash val="solid"/>
         </a:ln>
-        <a:ln w="25400" cap="flat" cmpd="sng" algn="ctr">
+        <a:ln w="15875" cap="rnd" cmpd="sng" algn="ctr">
           <a:solidFill>
             <a:schemeClr val="phClr"/>
           </a:solidFill>
           <a:prstDash val="solid"/>
         </a:ln>
-        <a:ln w="38100" cap="flat" cmpd="sng" algn="ctr">
+        <a:ln w="22225" cap="rnd" cmpd="sng" algn="ctr">
           <a:solidFill>
             <a:schemeClr val="phClr"/>
           </a:solidFill>
@@ -6995,88 +9868,79 @@
       </a:lnStyleLst>
       <a:effectStyleLst>
         <a:effectStyle>
+          <a:effectLst/>
+        </a:effectStyle>
+        <a:effectStyle>
           <a:effectLst>
-            <a:outerShdw blurRad="40000" dist="20000" dir="5400000" rotWithShape="0">
+            <a:outerShdw blurRad="38100" dist="25400" dir="5400000" rotWithShape="0">
               <a:srgbClr val="000000">
-                <a:alpha val="38000"/>
+                <a:alpha val="25000"/>
               </a:srgbClr>
             </a:outerShdw>
           </a:effectLst>
         </a:effectStyle>
         <a:effectStyle>
           <a:effectLst>
-            <a:outerShdw blurRad="40000" dist="23000" dir="5400000" rotWithShape="0">
+            <a:outerShdw blurRad="50800" dist="38100" dir="5400000" rotWithShape="0">
               <a:srgbClr val="000000">
-                <a:alpha val="35000"/>
+                <a:alpha val="60000"/>
               </a:srgbClr>
             </a:outerShdw>
           </a:effectLst>
-        </a:effectStyle>
-        <a:effectStyle>
-          <a:effectLst>
-            <a:outerShdw blurRad="40000" dist="23000" dir="5400000" rotWithShape="0">
-              <a:srgbClr val="000000">
-                <a:alpha val="35000"/>
-              </a:srgbClr>
-            </a:outerShdw>
-          </a:effectLst>
-          <a:scene3d>
-            <a:camera prst="orthographicFront">
-              <a:rot lat="0" lon="0" rev="0"/>
-            </a:camera>
-            <a:lightRig rig="threePt" dir="t">
-              <a:rot lat="0" lon="0" rev="20400000"/>
-            </a:lightRig>
-          </a:scene3d>
-          <a:sp3d contourW="6350">
-            <a:bevelT w="41275" h="19050" prst="angle"/>
-            <a:contourClr>
-              <a:schemeClr val="phClr">
-                <a:shade val="25000"/>
-                <a:satMod val="150000"/>
-              </a:schemeClr>
-            </a:contourClr>
-          </a:sp3d>
         </a:effectStyle>
       </a:effectStyleLst>
       <a:bgFillStyleLst>
         <a:solidFill>
           <a:schemeClr val="phClr"/>
         </a:solidFill>
-        <a:blipFill rotWithShape="1">
-          <a:blip xmlns:r="http://schemas.openxmlformats.org/officeDocument/2006/relationships" r:embed="rId1">
-            <a:duotone>
+        <a:gradFill rotWithShape="1">
+          <a:gsLst>
+            <a:gs pos="0">
               <a:schemeClr val="phClr">
                 <a:tint val="90000"/>
-                <a:shade val="85000"/>
+                <a:lumMod val="120000"/>
               </a:schemeClr>
+            </a:gs>
+            <a:gs pos="100000">
               <a:schemeClr val="phClr">
-                <a:tint val="95000"/>
-                <a:shade val="99000"/>
+                <a:shade val="98000"/>
+                <a:satMod val="120000"/>
+                <a:lumMod val="98000"/>
               </a:schemeClr>
-            </a:duotone>
-          </a:blip>
-          <a:tile tx="0" ty="0" sx="100000" sy="100000" flip="none" algn="tl"/>
-        </a:blipFill>
-        <a:blipFill rotWithShape="1">
-          <a:blip xmlns:r="http://schemas.openxmlformats.org/officeDocument/2006/relationships" r:embed="rId2">
-            <a:duotone>
+            </a:gs>
+          </a:gsLst>
+          <a:lin ang="5400000" scaled="0"/>
+        </a:gradFill>
+        <a:gradFill rotWithShape="1">
+          <a:gsLst>
+            <a:gs pos="0">
               <a:schemeClr val="phClr">
-                <a:tint val="93000"/>
-                <a:shade val="85000"/>
+                <a:tint val="90000"/>
+                <a:satMod val="92000"/>
+                <a:lumMod val="120000"/>
               </a:schemeClr>
+            </a:gs>
+            <a:gs pos="100000">
               <a:schemeClr val="phClr">
-                <a:tint val="96000"/>
-                <a:shade val="99000"/>
+                <a:shade val="98000"/>
+                <a:satMod val="120000"/>
+                <a:lumMod val="98000"/>
               </a:schemeClr>
-            </a:duotone>
-          </a:blip>
-          <a:tile tx="0" ty="0" sx="90000" sy="90000" flip="none" algn="tl"/>
-        </a:blipFill>
+            </a:gs>
+          </a:gsLst>
+          <a:path path="circle">
+            <a:fillToRect l="50000" t="50000" r="100000" b="100000"/>
+          </a:path>
+        </a:gradFill>
       </a:bgFillStyleLst>
     </a:fmtScheme>
   </a:themeElements>
   <a:objectDefaults/>
   <a:extraClrSchemeLst/>
+  <a:extLst>
+    <a:ext uri="{05A4C25C-085E-4340-85A3-A5531E510DB2}">
+      <thm15:themeFamily xmlns:thm15="http://schemas.microsoft.com/office/thememl/2012/main" name="Wisp" id="{7CB32D59-10C0-40DD-B7BD-2E94284A981C}" vid="{24B1A44C-C006-48B2-A4D7-E5549B3D8CD4}"/>
+    </a:ext>
+  </a:extLst>
 </a:theme>
 </file>